--- a/présentation/Bloc_05_Projet_Getaround.pptx
+++ b/présentation/Bloc_05_Projet_Getaround.pptx
@@ -6,29 +6,33 @@
     <p:sldMasterId id="2147483660" r:id="rId2"/>
   </p:sldMasterIdLst>
   <p:notesMasterIdLst>
-    <p:notesMasterId r:id="rId6"/>
+    <p:notesMasterId r:id="rId10"/>
   </p:notesMasterIdLst>
   <p:sldIdLst>
     <p:sldId id="256" r:id="rId3"/>
-    <p:sldId id="258" r:id="rId4"/>
-    <p:sldId id="271" r:id="rId5"/>
+    <p:sldId id="275" r:id="rId4"/>
+    <p:sldId id="272" r:id="rId5"/>
+    <p:sldId id="273" r:id="rId6"/>
+    <p:sldId id="274" r:id="rId7"/>
+    <p:sldId id="258" r:id="rId8"/>
+    <p:sldId id="271" r:id="rId9"/>
   </p:sldIdLst>
   <p:sldSz cx="9144000" cy="5143500" type="screen16x9"/>
   <p:notesSz cx="6858000" cy="9144000"/>
   <p:embeddedFontLst>
     <p:embeddedFont>
       <p:font typeface="Inter Medium" panose="020B0604020202020204" charset="0"/>
-      <p:regular r:id="rId7"/>
-      <p:bold r:id="rId8"/>
-      <p:italic r:id="rId9"/>
-      <p:boldItalic r:id="rId10"/>
-    </p:embeddedFont>
-    <p:embeddedFont>
-      <p:font typeface="Inter SemiBold" panose="020B0604020202020204" charset="0"/>
       <p:regular r:id="rId11"/>
       <p:bold r:id="rId12"/>
       <p:italic r:id="rId13"/>
       <p:boldItalic r:id="rId14"/>
+    </p:embeddedFont>
+    <p:embeddedFont>
+      <p:font typeface="Inter SemiBold" panose="020B0604020202020204" charset="0"/>
+      <p:regular r:id="rId15"/>
+      <p:bold r:id="rId16"/>
+      <p:italic r:id="rId17"/>
+      <p:boldItalic r:id="rId18"/>
     </p:embeddedFont>
   </p:embeddedFontLst>
   <p:defaultTextStyle>
@@ -1011,6 +1015,151 @@
   <p:cSld>
     <p:spTree>
       <p:nvGrpSpPr>
+        <p:cNvPr id="1" name="Shape 92">
+          <a:extLst>
+            <a:ext uri="{FF2B5EF4-FFF2-40B4-BE49-F238E27FC236}">
+              <a16:creationId xmlns:a16="http://schemas.microsoft.com/office/drawing/2014/main" id="{F7CC36C7-11D0-8ADD-0BBF-ADF4FC60E857}"/>
+            </a:ext>
+          </a:extLst>
+        </p:cNvPr>
+        <p:cNvGrpSpPr/>
+        <p:nvPr/>
+      </p:nvGrpSpPr>
+      <p:grpSpPr>
+        <a:xfrm>
+          <a:off x="0" y="0"/>
+          <a:ext cx="0" cy="0"/>
+          <a:chOff x="0" y="0"/>
+          <a:chExt cx="0" cy="0"/>
+        </a:xfrm>
+      </p:grpSpPr>
+      <p:sp>
+        <p:nvSpPr>
+          <p:cNvPr id="93" name="Google Shape;93;p5:notes">
+            <a:extLst>
+              <a:ext uri="{FF2B5EF4-FFF2-40B4-BE49-F238E27FC236}">
+                <a16:creationId xmlns:a16="http://schemas.microsoft.com/office/drawing/2014/main" id="{F8C541B7-831D-4518-0FB6-DDC6BE367837}"/>
+              </a:ext>
+            </a:extLst>
+          </p:cNvPr>
+          <p:cNvSpPr>
+            <a:spLocks noGrp="1" noRot="1" noChangeAspect="1"/>
+          </p:cNvSpPr>
+          <p:nvPr>
+            <p:ph type="sldImg" idx="2"/>
+          </p:nvPr>
+        </p:nvSpPr>
+        <p:spPr>
+          <a:xfrm>
+            <a:off x="381000" y="685800"/>
+            <a:ext cx="6096000" cy="3429000"/>
+          </a:xfrm>
+          <a:custGeom>
+            <a:avLst/>
+            <a:gdLst/>
+            <a:ahLst/>
+            <a:cxnLst/>
+            <a:rect l="l" t="t" r="r" b="b"/>
+            <a:pathLst>
+              <a:path w="120000" h="120000" extrusionOk="0">
+                <a:moveTo>
+                  <a:pt x="0" y="0"/>
+                </a:moveTo>
+                <a:lnTo>
+                  <a:pt x="120000" y="0"/>
+                </a:lnTo>
+                <a:lnTo>
+                  <a:pt x="120000" y="120000"/>
+                </a:lnTo>
+                <a:lnTo>
+                  <a:pt x="0" y="120000"/>
+                </a:lnTo>
+                <a:close/>
+              </a:path>
+            </a:pathLst>
+          </a:custGeom>
+          <a:noFill/>
+          <a:ln w="9525" cap="flat" cmpd="sng">
+            <a:solidFill>
+              <a:srgbClr val="000000"/>
+            </a:solidFill>
+            <a:prstDash val="solid"/>
+            <a:round/>
+            <a:headEnd type="none" w="sm" len="sm"/>
+            <a:tailEnd type="none" w="sm" len="sm"/>
+          </a:ln>
+        </p:spPr>
+      </p:sp>
+      <p:sp>
+        <p:nvSpPr>
+          <p:cNvPr id="94" name="Google Shape;94;p5:notes">
+            <a:extLst>
+              <a:ext uri="{FF2B5EF4-FFF2-40B4-BE49-F238E27FC236}">
+                <a16:creationId xmlns:a16="http://schemas.microsoft.com/office/drawing/2014/main" id="{3E1EB232-82F4-15BE-8BDF-5A53894E2A2C}"/>
+              </a:ext>
+            </a:extLst>
+          </p:cNvPr>
+          <p:cNvSpPr txBox="1">
+            <a:spLocks noGrp="1"/>
+          </p:cNvSpPr>
+          <p:nvPr>
+            <p:ph type="body" idx="1"/>
+          </p:nvPr>
+        </p:nvSpPr>
+        <p:spPr>
+          <a:xfrm>
+            <a:off x="685800" y="4343400"/>
+            <a:ext cx="5486400" cy="4114800"/>
+          </a:xfrm>
+          <a:prstGeom prst="rect">
+            <a:avLst/>
+          </a:prstGeom>
+          <a:noFill/>
+          <a:ln>
+            <a:noFill/>
+          </a:ln>
+        </p:spPr>
+        <p:txBody>
+          <a:bodyPr spcFirstLastPara="1" wrap="square" lIns="91425" tIns="91425" rIns="91425" bIns="91425" anchor="t" anchorCtr="0">
+            <a:noAutofit/>
+          </a:bodyPr>
+          <a:lstStyle/>
+          <a:p>
+            <a:pPr marL="0" lvl="0" indent="0" algn="l" rtl="0">
+              <a:lnSpc>
+                <a:spcPct val="100000"/>
+              </a:lnSpc>
+              <a:spcBef>
+                <a:spcPts val="0"/>
+              </a:spcBef>
+              <a:spcAft>
+                <a:spcPts val="0"/>
+              </a:spcAft>
+              <a:buSzPts val="1100"/>
+              <a:buNone/>
+            </a:pPr>
+            <a:endParaRPr/>
+          </a:p>
+        </p:txBody>
+      </p:sp>
+    </p:spTree>
+    <p:extLst>
+      <p:ext uri="{BB962C8B-B14F-4D97-AF65-F5344CB8AC3E}">
+        <p14:creationId xmlns:p14="http://schemas.microsoft.com/office/powerpoint/2010/main" val="78784355"/>
+      </p:ext>
+    </p:extLst>
+  </p:cSld>
+  <p:clrMapOvr>
+    <a:masterClrMapping/>
+  </p:clrMapOvr>
+</p:notes>
+</file>
+
+<file path=ppt/notesSlides/notesSlide3.xml><?xml version="1.0" encoding="utf-8"?>
+<p:notes xmlns:a="http://schemas.openxmlformats.org/drawingml/2006/main" xmlns:r="http://schemas.openxmlformats.org/officeDocument/2006/relationships" xmlns:p="http://schemas.openxmlformats.org/presentationml/2006/main" showMasterSp="0" showMasterPhAnim="0">
+  <p:cSld>
+    <p:spTree>
+      <p:nvGrpSpPr>
         <p:cNvPr id="1" name="Shape 64"/>
         <p:cNvGrpSpPr/>
         <p:nvPr/>
@@ -1110,7 +1259,378 @@
 </p:notes>
 </file>
 
-<file path=ppt/notesSlides/notesSlide3.xml><?xml version="1.0" encoding="utf-8"?>
+<file path=ppt/notesSlides/notesSlide4.xml><?xml version="1.0" encoding="utf-8"?>
+<p:notes xmlns:a="http://schemas.openxmlformats.org/drawingml/2006/main" xmlns:r="http://schemas.openxmlformats.org/officeDocument/2006/relationships" xmlns:p="http://schemas.openxmlformats.org/presentationml/2006/main" showMasterSp="0" showMasterPhAnim="0">
+  <p:cSld>
+    <p:spTree>
+      <p:nvGrpSpPr>
+        <p:cNvPr id="1" name="Shape 77"/>
+        <p:cNvGrpSpPr/>
+        <p:nvPr/>
+      </p:nvGrpSpPr>
+      <p:grpSpPr>
+        <a:xfrm>
+          <a:off x="0" y="0"/>
+          <a:ext cx="0" cy="0"/>
+          <a:chOff x="0" y="0"/>
+          <a:chExt cx="0" cy="0"/>
+        </a:xfrm>
+      </p:grpSpPr>
+      <p:sp>
+        <p:nvSpPr>
+          <p:cNvPr id="78" name="Google Shape;78;g2e3f79b3bfd_1_11:notes"/>
+          <p:cNvSpPr>
+            <a:spLocks noGrp="1" noRot="1" noChangeAspect="1"/>
+          </p:cNvSpPr>
+          <p:nvPr>
+            <p:ph type="sldImg" idx="2"/>
+          </p:nvPr>
+        </p:nvSpPr>
+        <p:spPr>
+          <a:xfrm>
+            <a:off x="381000" y="685800"/>
+            <a:ext cx="6096000" cy="3429000"/>
+          </a:xfrm>
+          <a:custGeom>
+            <a:avLst/>
+            <a:gdLst/>
+            <a:ahLst/>
+            <a:cxnLst/>
+            <a:rect l="l" t="t" r="r" b="b"/>
+            <a:pathLst>
+              <a:path w="120000" h="120000" extrusionOk="0">
+                <a:moveTo>
+                  <a:pt x="0" y="0"/>
+                </a:moveTo>
+                <a:lnTo>
+                  <a:pt x="120000" y="0"/>
+                </a:lnTo>
+                <a:lnTo>
+                  <a:pt x="120000" y="120000"/>
+                </a:lnTo>
+                <a:lnTo>
+                  <a:pt x="0" y="120000"/>
+                </a:lnTo>
+                <a:close/>
+              </a:path>
+            </a:pathLst>
+          </a:custGeom>
+          <a:noFill/>
+          <a:ln w="9525" cap="flat" cmpd="sng">
+            <a:solidFill>
+              <a:srgbClr val="000000"/>
+            </a:solidFill>
+            <a:prstDash val="solid"/>
+            <a:round/>
+            <a:headEnd type="none" w="sm" len="sm"/>
+            <a:tailEnd type="none" w="sm" len="sm"/>
+          </a:ln>
+        </p:spPr>
+      </p:sp>
+      <p:sp>
+        <p:nvSpPr>
+          <p:cNvPr id="79" name="Google Shape;79;g2e3f79b3bfd_1_11:notes"/>
+          <p:cNvSpPr txBox="1">
+            <a:spLocks noGrp="1"/>
+          </p:cNvSpPr>
+          <p:nvPr>
+            <p:ph type="body" idx="1"/>
+          </p:nvPr>
+        </p:nvSpPr>
+        <p:spPr>
+          <a:xfrm>
+            <a:off x="685800" y="4343400"/>
+            <a:ext cx="5486400" cy="4114800"/>
+          </a:xfrm>
+          <a:prstGeom prst="rect">
+            <a:avLst/>
+          </a:prstGeom>
+          <a:noFill/>
+          <a:ln>
+            <a:noFill/>
+          </a:ln>
+        </p:spPr>
+        <p:txBody>
+          <a:bodyPr spcFirstLastPara="1" wrap="square" lIns="91425" tIns="91425" rIns="91425" bIns="91425" anchor="t" anchorCtr="0">
+            <a:noAutofit/>
+          </a:bodyPr>
+          <a:lstStyle/>
+          <a:p>
+            <a:pPr marL="0" lvl="0" indent="0" algn="l" rtl="0">
+              <a:lnSpc>
+                <a:spcPct val="115000"/>
+              </a:lnSpc>
+              <a:spcBef>
+                <a:spcPts val="0"/>
+              </a:spcBef>
+              <a:spcAft>
+                <a:spcPts val="0"/>
+              </a:spcAft>
+              <a:buSzPts val="1100"/>
+              <a:buNone/>
+            </a:pPr>
+            <a:endParaRPr dirty="0"/>
+          </a:p>
+        </p:txBody>
+      </p:sp>
+    </p:spTree>
+  </p:cSld>
+  <p:clrMapOvr>
+    <a:masterClrMapping/>
+  </p:clrMapOvr>
+</p:notes>
+</file>
+
+<file path=ppt/notesSlides/notesSlide5.xml><?xml version="1.0" encoding="utf-8"?>
+<p:notes xmlns:a="http://schemas.openxmlformats.org/drawingml/2006/main" xmlns:r="http://schemas.openxmlformats.org/officeDocument/2006/relationships" xmlns:p="http://schemas.openxmlformats.org/presentationml/2006/main" showMasterSp="0" showMasterPhAnim="0">
+  <p:cSld>
+    <p:spTree>
+      <p:nvGrpSpPr>
+        <p:cNvPr id="1" name="Shape 92">
+          <a:extLst>
+            <a:ext uri="{FF2B5EF4-FFF2-40B4-BE49-F238E27FC236}">
+              <a16:creationId xmlns:a16="http://schemas.microsoft.com/office/drawing/2014/main" id="{601F1211-8719-8070-13C6-DFAABBD5A0A6}"/>
+            </a:ext>
+          </a:extLst>
+        </p:cNvPr>
+        <p:cNvGrpSpPr/>
+        <p:nvPr/>
+      </p:nvGrpSpPr>
+      <p:grpSpPr>
+        <a:xfrm>
+          <a:off x="0" y="0"/>
+          <a:ext cx="0" cy="0"/>
+          <a:chOff x="0" y="0"/>
+          <a:chExt cx="0" cy="0"/>
+        </a:xfrm>
+      </p:grpSpPr>
+      <p:sp>
+        <p:nvSpPr>
+          <p:cNvPr id="93" name="Google Shape;93;p5:notes">
+            <a:extLst>
+              <a:ext uri="{FF2B5EF4-FFF2-40B4-BE49-F238E27FC236}">
+                <a16:creationId xmlns:a16="http://schemas.microsoft.com/office/drawing/2014/main" id="{24E1F0BF-E30D-AAB8-17C4-1E198C29A80F}"/>
+              </a:ext>
+            </a:extLst>
+          </p:cNvPr>
+          <p:cNvSpPr>
+            <a:spLocks noGrp="1" noRot="1" noChangeAspect="1"/>
+          </p:cNvSpPr>
+          <p:nvPr>
+            <p:ph type="sldImg" idx="2"/>
+          </p:nvPr>
+        </p:nvSpPr>
+        <p:spPr>
+          <a:xfrm>
+            <a:off x="381000" y="685800"/>
+            <a:ext cx="6096000" cy="3429000"/>
+          </a:xfrm>
+          <a:custGeom>
+            <a:avLst/>
+            <a:gdLst/>
+            <a:ahLst/>
+            <a:cxnLst/>
+            <a:rect l="l" t="t" r="r" b="b"/>
+            <a:pathLst>
+              <a:path w="120000" h="120000" extrusionOk="0">
+                <a:moveTo>
+                  <a:pt x="0" y="0"/>
+                </a:moveTo>
+                <a:lnTo>
+                  <a:pt x="120000" y="0"/>
+                </a:lnTo>
+                <a:lnTo>
+                  <a:pt x="120000" y="120000"/>
+                </a:lnTo>
+                <a:lnTo>
+                  <a:pt x="0" y="120000"/>
+                </a:lnTo>
+                <a:close/>
+              </a:path>
+            </a:pathLst>
+          </a:custGeom>
+          <a:noFill/>
+          <a:ln w="9525" cap="flat" cmpd="sng">
+            <a:solidFill>
+              <a:srgbClr val="000000"/>
+            </a:solidFill>
+            <a:prstDash val="solid"/>
+            <a:round/>
+            <a:headEnd type="none" w="sm" len="sm"/>
+            <a:tailEnd type="none" w="sm" len="sm"/>
+          </a:ln>
+        </p:spPr>
+      </p:sp>
+      <p:sp>
+        <p:nvSpPr>
+          <p:cNvPr id="94" name="Google Shape;94;p5:notes">
+            <a:extLst>
+              <a:ext uri="{FF2B5EF4-FFF2-40B4-BE49-F238E27FC236}">
+                <a16:creationId xmlns:a16="http://schemas.microsoft.com/office/drawing/2014/main" id="{FAE7E81C-5300-A69F-6961-16DCBFE11F25}"/>
+              </a:ext>
+            </a:extLst>
+          </p:cNvPr>
+          <p:cNvSpPr txBox="1">
+            <a:spLocks noGrp="1"/>
+          </p:cNvSpPr>
+          <p:nvPr>
+            <p:ph type="body" idx="1"/>
+          </p:nvPr>
+        </p:nvSpPr>
+        <p:spPr>
+          <a:xfrm>
+            <a:off x="685800" y="4343400"/>
+            <a:ext cx="5486400" cy="4114800"/>
+          </a:xfrm>
+          <a:prstGeom prst="rect">
+            <a:avLst/>
+          </a:prstGeom>
+          <a:noFill/>
+          <a:ln>
+            <a:noFill/>
+          </a:ln>
+        </p:spPr>
+        <p:txBody>
+          <a:bodyPr spcFirstLastPara="1" wrap="square" lIns="91425" tIns="91425" rIns="91425" bIns="91425" anchor="t" anchorCtr="0">
+            <a:noAutofit/>
+          </a:bodyPr>
+          <a:lstStyle/>
+          <a:p>
+            <a:pPr marL="0" lvl="0" indent="0" algn="l" rtl="0">
+              <a:lnSpc>
+                <a:spcPct val="100000"/>
+              </a:lnSpc>
+              <a:spcBef>
+                <a:spcPts val="0"/>
+              </a:spcBef>
+              <a:spcAft>
+                <a:spcPts val="0"/>
+              </a:spcAft>
+              <a:buSzPts val="1100"/>
+              <a:buNone/>
+            </a:pPr>
+            <a:endParaRPr dirty="0"/>
+          </a:p>
+        </p:txBody>
+      </p:sp>
+    </p:spTree>
+    <p:extLst>
+      <p:ext uri="{BB962C8B-B14F-4D97-AF65-F5344CB8AC3E}">
+        <p14:creationId xmlns:p14="http://schemas.microsoft.com/office/powerpoint/2010/main" val="1960619631"/>
+      </p:ext>
+    </p:extLst>
+  </p:cSld>
+  <p:clrMapOvr>
+    <a:masterClrMapping/>
+  </p:clrMapOvr>
+</p:notes>
+</file>
+
+<file path=ppt/notesSlides/notesSlide6.xml><?xml version="1.0" encoding="utf-8"?>
+<p:notes xmlns:a="http://schemas.openxmlformats.org/drawingml/2006/main" xmlns:r="http://schemas.openxmlformats.org/officeDocument/2006/relationships" xmlns:p="http://schemas.openxmlformats.org/presentationml/2006/main" showMasterSp="0" showMasterPhAnim="0">
+  <p:cSld>
+    <p:spTree>
+      <p:nvGrpSpPr>
+        <p:cNvPr id="1" name="Shape 64"/>
+        <p:cNvGrpSpPr/>
+        <p:nvPr/>
+      </p:nvGrpSpPr>
+      <p:grpSpPr>
+        <a:xfrm>
+          <a:off x="0" y="0"/>
+          <a:ext cx="0" cy="0"/>
+          <a:chOff x="0" y="0"/>
+          <a:chExt cx="0" cy="0"/>
+        </a:xfrm>
+      </p:grpSpPr>
+      <p:sp>
+        <p:nvSpPr>
+          <p:cNvPr id="65" name="Google Shape;65;g3bc3b886ea_0_7:notes"/>
+          <p:cNvSpPr>
+            <a:spLocks noGrp="1" noRot="1" noChangeAspect="1"/>
+          </p:cNvSpPr>
+          <p:nvPr>
+            <p:ph type="sldImg" idx="2"/>
+          </p:nvPr>
+        </p:nvSpPr>
+        <p:spPr>
+          <a:xfrm>
+            <a:off x="381000" y="685800"/>
+            <a:ext cx="6096000" cy="3429000"/>
+          </a:xfrm>
+          <a:custGeom>
+            <a:avLst/>
+            <a:gdLst/>
+            <a:ahLst/>
+            <a:cxnLst/>
+            <a:rect l="l" t="t" r="r" b="b"/>
+            <a:pathLst>
+              <a:path w="120000" h="120000" extrusionOk="0">
+                <a:moveTo>
+                  <a:pt x="0" y="0"/>
+                </a:moveTo>
+                <a:lnTo>
+                  <a:pt x="120000" y="0"/>
+                </a:lnTo>
+                <a:lnTo>
+                  <a:pt x="120000" y="120000"/>
+                </a:lnTo>
+                <a:lnTo>
+                  <a:pt x="0" y="120000"/>
+                </a:lnTo>
+                <a:close/>
+              </a:path>
+            </a:pathLst>
+          </a:custGeom>
+        </p:spPr>
+      </p:sp>
+      <p:sp>
+        <p:nvSpPr>
+          <p:cNvPr id="66" name="Google Shape;66;g3bc3b886ea_0_7:notes"/>
+          <p:cNvSpPr txBox="1">
+            <a:spLocks noGrp="1"/>
+          </p:cNvSpPr>
+          <p:nvPr>
+            <p:ph type="body" idx="1"/>
+          </p:nvPr>
+        </p:nvSpPr>
+        <p:spPr>
+          <a:xfrm>
+            <a:off x="685800" y="4343400"/>
+            <a:ext cx="5486400" cy="4114800"/>
+          </a:xfrm>
+          <a:prstGeom prst="rect">
+            <a:avLst/>
+          </a:prstGeom>
+        </p:spPr>
+        <p:txBody>
+          <a:bodyPr spcFirstLastPara="1" wrap="square" lIns="91425" tIns="91425" rIns="91425" bIns="91425" anchor="t" anchorCtr="0">
+            <a:noAutofit/>
+          </a:bodyPr>
+          <a:lstStyle/>
+          <a:p>
+            <a:pPr marL="0" lvl="0" indent="0" algn="l" rtl="0">
+              <a:spcBef>
+                <a:spcPts val="0"/>
+              </a:spcBef>
+              <a:spcAft>
+                <a:spcPts val="0"/>
+              </a:spcAft>
+              <a:buNone/>
+            </a:pPr>
+            <a:endParaRPr dirty="0"/>
+          </a:p>
+        </p:txBody>
+      </p:sp>
+    </p:spTree>
+  </p:cSld>
+  <p:clrMapOvr>
+    <a:masterClrMapping/>
+  </p:clrMapOvr>
+</p:notes>
+</file>
+
+<file path=ppt/notesSlides/notesSlide7.xml><?xml version="1.0" encoding="utf-8"?>
 <p:notes xmlns:a="http://schemas.openxmlformats.org/drawingml/2006/main" xmlns:r="http://schemas.openxmlformats.org/officeDocument/2006/relationships" xmlns:p="http://schemas.openxmlformats.org/presentationml/2006/main" showMasterSp="0" showMasterPhAnim="0">
   <p:cSld>
     <p:spTree>
@@ -14394,6 +14914,7818 @@
   <p:cSld>
     <p:spTree>
       <p:nvGrpSpPr>
+        <p:cNvPr id="1" name="Shape 95">
+          <a:extLst>
+            <a:ext uri="{FF2B5EF4-FFF2-40B4-BE49-F238E27FC236}">
+              <a16:creationId xmlns:a16="http://schemas.microsoft.com/office/drawing/2014/main" id="{06EDD131-5809-747C-6E95-185A073DB048}"/>
+            </a:ext>
+          </a:extLst>
+        </p:cNvPr>
+        <p:cNvGrpSpPr/>
+        <p:nvPr/>
+      </p:nvGrpSpPr>
+      <p:grpSpPr>
+        <a:xfrm>
+          <a:off x="0" y="0"/>
+          <a:ext cx="0" cy="0"/>
+          <a:chOff x="0" y="0"/>
+          <a:chExt cx="0" cy="0"/>
+        </a:xfrm>
+      </p:grpSpPr>
+      <p:sp>
+        <p:nvSpPr>
+          <p:cNvPr id="96" name="Google Shape;96;p5">
+            <a:extLst>
+              <a:ext uri="{FF2B5EF4-FFF2-40B4-BE49-F238E27FC236}">
+                <a16:creationId xmlns:a16="http://schemas.microsoft.com/office/drawing/2014/main" id="{CFE260F2-EC75-DDF8-CE55-329FB5D8E4C4}"/>
+              </a:ext>
+            </a:extLst>
+          </p:cNvPr>
+          <p:cNvSpPr txBox="1">
+            <a:spLocks noGrp="1"/>
+          </p:cNvSpPr>
+          <p:nvPr>
+            <p:ph type="ctrTitle" idx="4294967295"/>
+          </p:nvPr>
+        </p:nvSpPr>
+        <p:spPr>
+          <a:xfrm>
+            <a:off x="1192664" y="403309"/>
+            <a:ext cx="5315100" cy="533100"/>
+          </a:xfrm>
+          <a:prstGeom prst="rect">
+            <a:avLst/>
+          </a:prstGeom>
+          <a:noFill/>
+          <a:ln>
+            <a:noFill/>
+          </a:ln>
+        </p:spPr>
+        <p:txBody>
+          <a:bodyPr spcFirstLastPara="1" wrap="square" lIns="91425" tIns="91425" rIns="91425" bIns="91425" anchor="t" anchorCtr="0">
+            <a:noAutofit/>
+          </a:bodyPr>
+          <a:lstStyle/>
+          <a:p>
+            <a:pPr marL="0" marR="0" lvl="0" indent="0" algn="l" rtl="0">
+              <a:lnSpc>
+                <a:spcPct val="100000"/>
+              </a:lnSpc>
+              <a:spcBef>
+                <a:spcPts val="0"/>
+              </a:spcBef>
+              <a:spcAft>
+                <a:spcPts val="0"/>
+              </a:spcAft>
+              <a:buClr>
+                <a:schemeClr val="dk1"/>
+              </a:buClr>
+              <a:buSzPts val="2800"/>
+              <a:buFont typeface="Arial"/>
+              <a:buNone/>
+            </a:pPr>
+            <a:r>
+              <a:rPr lang="it-IT" sz="2500" i="0" u="none" strike="noStrike" cap="none" dirty="0">
+                <a:solidFill>
+                  <a:srgbClr val="0E3449"/>
+                </a:solidFill>
+                <a:latin typeface="Inter SemiBold"/>
+                <a:ea typeface="Inter SemiBold"/>
+                <a:cs typeface="Inter SemiBold"/>
+                <a:sym typeface="Inter SemiBold"/>
+              </a:rPr>
+              <a:t>Ressourses projet</a:t>
+            </a:r>
+          </a:p>
+        </p:txBody>
+      </p:sp>
+      <p:pic>
+        <p:nvPicPr>
+          <p:cNvPr id="97" name="Google Shape;97;p5">
+            <a:extLst>
+              <a:ext uri="{FF2B5EF4-FFF2-40B4-BE49-F238E27FC236}">
+                <a16:creationId xmlns:a16="http://schemas.microsoft.com/office/drawing/2014/main" id="{66739ED7-F6B1-16FF-21A5-52FBD2C06D52}"/>
+              </a:ext>
+            </a:extLst>
+          </p:cNvPr>
+          <p:cNvPicPr preferRelativeResize="0"/>
+          <p:nvPr/>
+        </p:nvPicPr>
+        <p:blipFill rotWithShape="1">
+          <a:blip r:embed="rId3">
+            <a:alphaModFix/>
+          </a:blip>
+          <a:srcRect/>
+          <a:stretch/>
+        </p:blipFill>
+        <p:spPr>
+          <a:xfrm>
+            <a:off x="463375" y="482852"/>
+            <a:ext cx="576900" cy="385904"/>
+          </a:xfrm>
+          <a:prstGeom prst="rect">
+            <a:avLst/>
+          </a:prstGeom>
+          <a:noFill/>
+          <a:ln>
+            <a:noFill/>
+          </a:ln>
+        </p:spPr>
+      </p:pic>
+      <p:sp>
+        <p:nvSpPr>
+          <p:cNvPr id="98" name="Google Shape;98;p5">
+            <a:extLst>
+              <a:ext uri="{FF2B5EF4-FFF2-40B4-BE49-F238E27FC236}">
+                <a16:creationId xmlns:a16="http://schemas.microsoft.com/office/drawing/2014/main" id="{CF1380DA-0568-3714-99DF-1C8C31BCE89D}"/>
+              </a:ext>
+            </a:extLst>
+          </p:cNvPr>
+          <p:cNvSpPr/>
+          <p:nvPr/>
+        </p:nvSpPr>
+        <p:spPr>
+          <a:xfrm>
+            <a:off x="10225" y="4892025"/>
+            <a:ext cx="9144000" cy="251400"/>
+          </a:xfrm>
+          <a:prstGeom prst="rect">
+            <a:avLst/>
+          </a:prstGeom>
+          <a:solidFill>
+            <a:srgbClr val="C3FFFC"/>
+          </a:solidFill>
+          <a:ln>
+            <a:noFill/>
+          </a:ln>
+        </p:spPr>
+        <p:txBody>
+          <a:bodyPr spcFirstLastPara="1" wrap="square" lIns="91425" tIns="91425" rIns="91425" bIns="91425" anchor="ctr" anchorCtr="0">
+            <a:noAutofit/>
+          </a:bodyPr>
+          <a:lstStyle/>
+          <a:p>
+            <a:pPr marL="0" marR="0" lvl="0" indent="0" algn="l" rtl="0">
+              <a:lnSpc>
+                <a:spcPct val="100000"/>
+              </a:lnSpc>
+              <a:spcBef>
+                <a:spcPts val="0"/>
+              </a:spcBef>
+              <a:spcAft>
+                <a:spcPts val="0"/>
+              </a:spcAft>
+              <a:buClr>
+                <a:srgbClr val="000000"/>
+              </a:buClr>
+              <a:buSzPts val="1400"/>
+              <a:buFont typeface="Arial"/>
+              <a:buNone/>
+            </a:pPr>
+            <a:endParaRPr sz="1400" b="0" i="0" u="none" strike="noStrike" cap="none">
+              <a:solidFill>
+                <a:srgbClr val="000000"/>
+              </a:solidFill>
+              <a:latin typeface="Arial"/>
+              <a:ea typeface="Arial"/>
+              <a:cs typeface="Arial"/>
+              <a:sym typeface="Arial"/>
+            </a:endParaRPr>
+          </a:p>
+        </p:txBody>
+      </p:sp>
+      <p:sp>
+        <p:nvSpPr>
+          <p:cNvPr id="4" name="Google Shape;181;p8">
+            <a:extLst>
+              <a:ext uri="{FF2B5EF4-FFF2-40B4-BE49-F238E27FC236}">
+                <a16:creationId xmlns:a16="http://schemas.microsoft.com/office/drawing/2014/main" id="{9EF8D937-D220-A74B-8191-12E681FE1A08}"/>
+              </a:ext>
+            </a:extLst>
+          </p:cNvPr>
+          <p:cNvSpPr txBox="1">
+            <a:spLocks noGrp="1"/>
+          </p:cNvSpPr>
+          <p:nvPr>
+            <p:ph type="body" idx="1"/>
+          </p:nvPr>
+        </p:nvSpPr>
+        <p:spPr>
+          <a:xfrm>
+            <a:off x="311700" y="1155049"/>
+            <a:ext cx="8520600" cy="3585142"/>
+          </a:xfrm>
+          <a:prstGeom prst="rect">
+            <a:avLst/>
+          </a:prstGeom>
+          <a:noFill/>
+          <a:ln>
+            <a:noFill/>
+          </a:ln>
+        </p:spPr>
+        <p:txBody>
+          <a:bodyPr spcFirstLastPara="1" wrap="square" lIns="91425" tIns="91425" rIns="91425" bIns="91425" anchor="t" anchorCtr="0">
+            <a:noAutofit/>
+          </a:bodyPr>
+          <a:lstStyle/>
+          <a:p>
+            <a:pPr marL="114300" lvl="0" indent="0">
+              <a:spcBef>
+                <a:spcPts val="1200"/>
+              </a:spcBef>
+              <a:buNone/>
+            </a:pPr>
+            <a:r>
+              <a:rPr lang="fr-FR" sz="1400" b="1" dirty="0" err="1"/>
+              <a:t>Github</a:t>
+            </a:r>
+            <a:r>
+              <a:rPr lang="fr-FR" sz="1400" b="1" dirty="0"/>
+              <a:t> repository : </a:t>
+            </a:r>
+            <a:r>
+              <a:rPr lang="fr-FR" sz="1400" dirty="0">
+                <a:hlinkClick r:id="rId4"/>
+              </a:rPr>
+              <a:t>https://github.com/jyvuillequez/Bloc_05_Projet_Getaround</a:t>
+            </a:r>
+            <a:endParaRPr lang="fr-FR" sz="1400" dirty="0"/>
+          </a:p>
+          <a:p>
+            <a:pPr marL="114300" lvl="0" indent="0">
+              <a:spcBef>
+                <a:spcPts val="1200"/>
+              </a:spcBef>
+              <a:buNone/>
+            </a:pPr>
+            <a:r>
+              <a:rPr lang="fr-FR" sz="1400" b="1" dirty="0"/>
+              <a:t>Dashboard  : </a:t>
+            </a:r>
+            <a:r>
+              <a:rPr lang="fr-FR" sz="1400" dirty="0">
+                <a:hlinkClick r:id="rId5"/>
+              </a:rPr>
+              <a:t>https://jyvuillequez-projet-getaround-dashboard.hf.space</a:t>
+            </a:r>
+            <a:endParaRPr lang="fr-FR" sz="1400" dirty="0"/>
+          </a:p>
+          <a:p>
+            <a:pPr marL="114300" indent="0">
+              <a:spcBef>
+                <a:spcPts val="1200"/>
+              </a:spcBef>
+              <a:buNone/>
+            </a:pPr>
+            <a:r>
+              <a:rPr lang="fr-FR" sz="1400" b="1" dirty="0"/>
+              <a:t>API  : </a:t>
+            </a:r>
+            <a:r>
+              <a:rPr lang="fr-FR" sz="1400" dirty="0">
+                <a:hlinkClick r:id="rId6"/>
+              </a:rPr>
+              <a:t>https://jyvuillequez-projet-getaround-api.hf.space/docs</a:t>
+            </a:r>
+            <a:endParaRPr lang="fr-FR" sz="1400" dirty="0"/>
+          </a:p>
+          <a:p>
+            <a:pPr marL="114300" lvl="0" indent="0">
+              <a:spcBef>
+                <a:spcPts val="1200"/>
+              </a:spcBef>
+              <a:buNone/>
+            </a:pPr>
+            <a:endParaRPr sz="1400" dirty="0"/>
+          </a:p>
+        </p:txBody>
+      </p:sp>
+    </p:spTree>
+    <p:extLst>
+      <p:ext uri="{BB962C8B-B14F-4D97-AF65-F5344CB8AC3E}">
+        <p14:creationId xmlns:p14="http://schemas.microsoft.com/office/powerpoint/2010/main" val="4088050223"/>
+      </p:ext>
+    </p:extLst>
+  </p:cSld>
+  <p:clrMapOvr>
+    <a:masterClrMapping/>
+  </p:clrMapOvr>
+</p:sld>
+</file>
+
+<file path=ppt/slides/slide3.xml><?xml version="1.0" encoding="utf-8"?>
+<p:sld xmlns:a="http://schemas.openxmlformats.org/drawingml/2006/main" xmlns:r="http://schemas.openxmlformats.org/officeDocument/2006/relationships" xmlns:p="http://schemas.openxmlformats.org/presentationml/2006/main">
+  <p:cSld>
+    <p:spTree>
+      <p:nvGrpSpPr>
+        <p:cNvPr id="1" name="Shape 67"/>
+        <p:cNvGrpSpPr/>
+        <p:nvPr/>
+      </p:nvGrpSpPr>
+      <p:grpSpPr>
+        <a:xfrm>
+          <a:off x="0" y="0"/>
+          <a:ext cx="0" cy="0"/>
+          <a:chOff x="0" y="0"/>
+          <a:chExt cx="0" cy="0"/>
+        </a:xfrm>
+      </p:grpSpPr>
+      <p:sp>
+        <p:nvSpPr>
+          <p:cNvPr id="68" name="Google Shape;68;p15"/>
+          <p:cNvSpPr txBox="1">
+            <a:spLocks noGrp="1"/>
+          </p:cNvSpPr>
+          <p:nvPr>
+            <p:ph type="ctrTitle" idx="4294967295"/>
+          </p:nvPr>
+        </p:nvSpPr>
+        <p:spPr>
+          <a:xfrm>
+            <a:off x="1192664" y="403309"/>
+            <a:ext cx="7033070" cy="533100"/>
+          </a:xfrm>
+          <a:prstGeom prst="rect">
+            <a:avLst/>
+          </a:prstGeom>
+          <a:noFill/>
+          <a:ln>
+            <a:noFill/>
+          </a:ln>
+        </p:spPr>
+        <p:txBody>
+          <a:bodyPr spcFirstLastPara="1" wrap="square" lIns="91425" tIns="91425" rIns="91425" bIns="91425" anchor="t" anchorCtr="0">
+            <a:noAutofit/>
+          </a:bodyPr>
+          <a:lstStyle/>
+          <a:p>
+            <a:r>
+              <a:rPr lang="fr-FR" sz="2500" dirty="0">
+                <a:solidFill>
+                  <a:srgbClr val="0E3449"/>
+                </a:solidFill>
+                <a:latin typeface="Inter SemiBold"/>
+                <a:ea typeface="Inter SemiBold"/>
+                <a:sym typeface="Inter SemiBold"/>
+              </a:rPr>
+              <a:t>Contexte et enjeu</a:t>
+            </a:r>
+            <a:endParaRPr sz="2500" dirty="0">
+              <a:solidFill>
+                <a:srgbClr val="0E3449"/>
+              </a:solidFill>
+              <a:latin typeface="Inter SemiBold"/>
+              <a:ea typeface="Inter SemiBold"/>
+              <a:sym typeface="Inter SemiBold"/>
+            </a:endParaRPr>
+          </a:p>
+        </p:txBody>
+      </p:sp>
+      <p:pic>
+        <p:nvPicPr>
+          <p:cNvPr id="75" name="Google Shape;75;p15"/>
+          <p:cNvPicPr preferRelativeResize="0"/>
+          <p:nvPr/>
+        </p:nvPicPr>
+        <p:blipFill>
+          <a:blip r:embed="rId3">
+            <a:alphaModFix/>
+          </a:blip>
+          <a:stretch>
+            <a:fillRect/>
+          </a:stretch>
+        </p:blipFill>
+        <p:spPr>
+          <a:xfrm>
+            <a:off x="463375" y="482852"/>
+            <a:ext cx="576900" cy="385904"/>
+          </a:xfrm>
+          <a:prstGeom prst="rect">
+            <a:avLst/>
+          </a:prstGeom>
+          <a:noFill/>
+          <a:ln>
+            <a:noFill/>
+          </a:ln>
+        </p:spPr>
+      </p:pic>
+      <p:sp>
+        <p:nvSpPr>
+          <p:cNvPr id="76" name="Google Shape;76;p15"/>
+          <p:cNvSpPr/>
+          <p:nvPr/>
+        </p:nvSpPr>
+        <p:spPr>
+          <a:xfrm>
+            <a:off x="10225" y="4892025"/>
+            <a:ext cx="9144000" cy="251400"/>
+          </a:xfrm>
+          <a:prstGeom prst="rect">
+            <a:avLst/>
+          </a:prstGeom>
+          <a:solidFill>
+            <a:srgbClr val="C3FFFC"/>
+          </a:solidFill>
+          <a:ln>
+            <a:noFill/>
+          </a:ln>
+        </p:spPr>
+        <p:txBody>
+          <a:bodyPr spcFirstLastPara="1" wrap="square" lIns="91425" tIns="91425" rIns="91425" bIns="91425" anchor="ctr" anchorCtr="0">
+            <a:noAutofit/>
+          </a:bodyPr>
+          <a:lstStyle/>
+          <a:p>
+            <a:pPr marL="0" lvl="0" indent="0" algn="l" rtl="0">
+              <a:spcBef>
+                <a:spcPts val="0"/>
+              </a:spcBef>
+              <a:spcAft>
+                <a:spcPts val="0"/>
+              </a:spcAft>
+              <a:buNone/>
+            </a:pPr>
+            <a:endParaRPr dirty="0"/>
+          </a:p>
+        </p:txBody>
+      </p:sp>
+      <p:sp>
+        <p:nvSpPr>
+          <p:cNvPr id="2" name="Flèche : droite 1">
+            <a:extLst>
+              <a:ext uri="{FF2B5EF4-FFF2-40B4-BE49-F238E27FC236}">
+                <a16:creationId xmlns:a16="http://schemas.microsoft.com/office/drawing/2014/main" id="{86EAA274-6C17-67CB-A10D-51EEF8179EBB}"/>
+              </a:ext>
+            </a:extLst>
+          </p:cNvPr>
+          <p:cNvSpPr/>
+          <p:nvPr/>
+        </p:nvSpPr>
+        <p:spPr>
+          <a:xfrm>
+            <a:off x="617497" y="1132209"/>
+            <a:ext cx="541478" cy="531410"/>
+          </a:xfrm>
+          <a:prstGeom prst="rightArrow">
+            <a:avLst/>
+          </a:prstGeom>
+          <a:solidFill>
+            <a:srgbClr val="FFC000"/>
+          </a:solidFill>
+          <a:ln>
+            <a:noFill/>
+          </a:ln>
+        </p:spPr>
+        <p:style>
+          <a:lnRef idx="2">
+            <a:schemeClr val="accent1">
+              <a:shade val="15000"/>
+            </a:schemeClr>
+          </a:lnRef>
+          <a:fillRef idx="1">
+            <a:schemeClr val="accent1"/>
+          </a:fillRef>
+          <a:effectRef idx="0">
+            <a:schemeClr val="accent1"/>
+          </a:effectRef>
+          <a:fontRef idx="minor">
+            <a:schemeClr val="lt1"/>
+          </a:fontRef>
+        </p:style>
+        <p:txBody>
+          <a:bodyPr rtlCol="0" anchor="ctr"/>
+          <a:lstStyle/>
+          <a:p>
+            <a:pPr algn="ctr"/>
+            <a:endParaRPr lang="fr-FR" sz="1200"/>
+          </a:p>
+        </p:txBody>
+      </p:sp>
+      <p:sp>
+        <p:nvSpPr>
+          <p:cNvPr id="5" name="Google Shape;69;p3">
+            <a:extLst>
+              <a:ext uri="{FF2B5EF4-FFF2-40B4-BE49-F238E27FC236}">
+                <a16:creationId xmlns:a16="http://schemas.microsoft.com/office/drawing/2014/main" id="{C9E79F0C-F757-C223-90A8-073753256F1C}"/>
+              </a:ext>
+            </a:extLst>
+          </p:cNvPr>
+          <p:cNvSpPr/>
+          <p:nvPr/>
+        </p:nvSpPr>
+        <p:spPr>
+          <a:xfrm>
+            <a:off x="1260039" y="1164423"/>
+            <a:ext cx="7266464" cy="1281065"/>
+          </a:xfrm>
+          <a:prstGeom prst="rect">
+            <a:avLst/>
+          </a:prstGeom>
+          <a:solidFill>
+            <a:schemeClr val="accent3">
+              <a:lumMod val="20000"/>
+              <a:lumOff val="80000"/>
+            </a:schemeClr>
+          </a:solidFill>
+          <a:ln>
+            <a:noFill/>
+          </a:ln>
+        </p:spPr>
+        <p:txBody>
+          <a:bodyPr spcFirstLastPara="1" wrap="square" lIns="91425" tIns="45700" rIns="91425" bIns="45700" anchor="ctr" anchorCtr="0">
+            <a:noAutofit/>
+          </a:bodyPr>
+          <a:lstStyle/>
+          <a:p>
+            <a:pPr marL="0" marR="0" lvl="0" indent="0" algn="ctr" rtl="0">
+              <a:lnSpc>
+                <a:spcPct val="100000"/>
+              </a:lnSpc>
+              <a:spcBef>
+                <a:spcPts val="0"/>
+              </a:spcBef>
+              <a:spcAft>
+                <a:spcPts val="0"/>
+              </a:spcAft>
+              <a:buClr>
+                <a:srgbClr val="000000"/>
+              </a:buClr>
+              <a:buSzPts val="1400"/>
+              <a:buFont typeface="Arial"/>
+              <a:buNone/>
+            </a:pPr>
+            <a:endParaRPr sz="1400" b="0" i="0" u="none" strike="noStrike" cap="none">
+              <a:solidFill>
+                <a:schemeClr val="lt1"/>
+              </a:solidFill>
+              <a:latin typeface="Arial"/>
+              <a:ea typeface="Arial"/>
+              <a:cs typeface="Arial"/>
+              <a:sym typeface="Arial"/>
+            </a:endParaRPr>
+          </a:p>
+        </p:txBody>
+      </p:sp>
+      <p:sp>
+        <p:nvSpPr>
+          <p:cNvPr id="6" name="Google Shape;73;p3">
+            <a:extLst>
+              <a:ext uri="{FF2B5EF4-FFF2-40B4-BE49-F238E27FC236}">
+                <a16:creationId xmlns:a16="http://schemas.microsoft.com/office/drawing/2014/main" id="{243FF7A6-205C-44FD-4C04-67C8CD0DF557}"/>
+              </a:ext>
+            </a:extLst>
+          </p:cNvPr>
+          <p:cNvSpPr txBox="1">
+            <a:spLocks/>
+          </p:cNvSpPr>
+          <p:nvPr/>
+        </p:nvSpPr>
+        <p:spPr>
+          <a:xfrm>
+            <a:off x="1260039" y="1164423"/>
+            <a:ext cx="7266464" cy="300667"/>
+          </a:xfrm>
+          <a:prstGeom prst="rect">
+            <a:avLst/>
+          </a:prstGeom>
+          <a:noFill/>
+          <a:ln>
+            <a:noFill/>
+          </a:ln>
+        </p:spPr>
+        <p:txBody>
+          <a:bodyPr spcFirstLastPara="1" wrap="square" lIns="91425" tIns="91425" rIns="91425" bIns="91425" anchor="t" anchorCtr="0">
+            <a:noAutofit/>
+          </a:bodyPr>
+          <a:lstStyle>
+            <a:defPPr marR="0" lvl="0" algn="l" rtl="0">
+              <a:lnSpc>
+                <a:spcPct val="100000"/>
+              </a:lnSpc>
+              <a:spcBef>
+                <a:spcPts val="0"/>
+              </a:spcBef>
+              <a:spcAft>
+                <a:spcPts val="0"/>
+              </a:spcAft>
+            </a:defPPr>
+            <a:lvl1pPr marL="457200" marR="0" lvl="0" indent="-342900" algn="l" rtl="0">
+              <a:lnSpc>
+                <a:spcPct val="115000"/>
+              </a:lnSpc>
+              <a:spcBef>
+                <a:spcPts val="0"/>
+              </a:spcBef>
+              <a:spcAft>
+                <a:spcPts val="0"/>
+              </a:spcAft>
+              <a:buClr>
+                <a:schemeClr val="dk2"/>
+              </a:buClr>
+              <a:buSzPts val="1800"/>
+              <a:buFont typeface="Arial"/>
+              <a:buChar char="●"/>
+              <a:defRPr sz="1800" b="0" i="0" u="none" strike="noStrike" cap="none">
+                <a:solidFill>
+                  <a:schemeClr val="dk2"/>
+                </a:solidFill>
+                <a:latin typeface="Arial"/>
+                <a:ea typeface="Arial"/>
+                <a:cs typeface="Arial"/>
+                <a:sym typeface="Arial"/>
+              </a:defRPr>
+            </a:lvl1pPr>
+            <a:lvl2pPr marL="914400" marR="0" lvl="1" indent="-317500" algn="l" rtl="0">
+              <a:lnSpc>
+                <a:spcPct val="115000"/>
+              </a:lnSpc>
+              <a:spcBef>
+                <a:spcPts val="1600"/>
+              </a:spcBef>
+              <a:spcAft>
+                <a:spcPts val="0"/>
+              </a:spcAft>
+              <a:buClr>
+                <a:schemeClr val="dk2"/>
+              </a:buClr>
+              <a:buSzPts val="1400"/>
+              <a:buFont typeface="Arial"/>
+              <a:buChar char="○"/>
+              <a:defRPr sz="1400" b="0" i="0" u="none" strike="noStrike" cap="none">
+                <a:solidFill>
+                  <a:schemeClr val="dk2"/>
+                </a:solidFill>
+                <a:latin typeface="Arial"/>
+                <a:ea typeface="Arial"/>
+                <a:cs typeface="Arial"/>
+                <a:sym typeface="Arial"/>
+              </a:defRPr>
+            </a:lvl2pPr>
+            <a:lvl3pPr marL="1371600" marR="0" lvl="2" indent="-317500" algn="l" rtl="0">
+              <a:lnSpc>
+                <a:spcPct val="115000"/>
+              </a:lnSpc>
+              <a:spcBef>
+                <a:spcPts val="1600"/>
+              </a:spcBef>
+              <a:spcAft>
+                <a:spcPts val="0"/>
+              </a:spcAft>
+              <a:buClr>
+                <a:schemeClr val="dk2"/>
+              </a:buClr>
+              <a:buSzPts val="1400"/>
+              <a:buFont typeface="Arial"/>
+              <a:buChar char="■"/>
+              <a:defRPr sz="1400" b="0" i="0" u="none" strike="noStrike" cap="none">
+                <a:solidFill>
+                  <a:schemeClr val="dk2"/>
+                </a:solidFill>
+                <a:latin typeface="Arial"/>
+                <a:ea typeface="Arial"/>
+                <a:cs typeface="Arial"/>
+                <a:sym typeface="Arial"/>
+              </a:defRPr>
+            </a:lvl3pPr>
+            <a:lvl4pPr marL="1828800" marR="0" lvl="3" indent="-317500" algn="l" rtl="0">
+              <a:lnSpc>
+                <a:spcPct val="115000"/>
+              </a:lnSpc>
+              <a:spcBef>
+                <a:spcPts val="1600"/>
+              </a:spcBef>
+              <a:spcAft>
+                <a:spcPts val="0"/>
+              </a:spcAft>
+              <a:buClr>
+                <a:schemeClr val="dk2"/>
+              </a:buClr>
+              <a:buSzPts val="1400"/>
+              <a:buFont typeface="Arial"/>
+              <a:buChar char="●"/>
+              <a:defRPr sz="1400" b="0" i="0" u="none" strike="noStrike" cap="none">
+                <a:solidFill>
+                  <a:schemeClr val="dk2"/>
+                </a:solidFill>
+                <a:latin typeface="Arial"/>
+                <a:ea typeface="Arial"/>
+                <a:cs typeface="Arial"/>
+                <a:sym typeface="Arial"/>
+              </a:defRPr>
+            </a:lvl4pPr>
+            <a:lvl5pPr marL="2286000" marR="0" lvl="4" indent="-317500" algn="l" rtl="0">
+              <a:lnSpc>
+                <a:spcPct val="115000"/>
+              </a:lnSpc>
+              <a:spcBef>
+                <a:spcPts val="1600"/>
+              </a:spcBef>
+              <a:spcAft>
+                <a:spcPts val="0"/>
+              </a:spcAft>
+              <a:buClr>
+                <a:schemeClr val="dk2"/>
+              </a:buClr>
+              <a:buSzPts val="1400"/>
+              <a:buFont typeface="Arial"/>
+              <a:buChar char="○"/>
+              <a:defRPr sz="1400" b="0" i="0" u="none" strike="noStrike" cap="none">
+                <a:solidFill>
+                  <a:schemeClr val="dk2"/>
+                </a:solidFill>
+                <a:latin typeface="Arial"/>
+                <a:ea typeface="Arial"/>
+                <a:cs typeface="Arial"/>
+                <a:sym typeface="Arial"/>
+              </a:defRPr>
+            </a:lvl5pPr>
+            <a:lvl6pPr marL="2743200" marR="0" lvl="5" indent="-317500" algn="l" rtl="0">
+              <a:lnSpc>
+                <a:spcPct val="115000"/>
+              </a:lnSpc>
+              <a:spcBef>
+                <a:spcPts val="1600"/>
+              </a:spcBef>
+              <a:spcAft>
+                <a:spcPts val="0"/>
+              </a:spcAft>
+              <a:buClr>
+                <a:schemeClr val="dk2"/>
+              </a:buClr>
+              <a:buSzPts val="1400"/>
+              <a:buFont typeface="Arial"/>
+              <a:buChar char="■"/>
+              <a:defRPr sz="1400" b="0" i="0" u="none" strike="noStrike" cap="none">
+                <a:solidFill>
+                  <a:schemeClr val="dk2"/>
+                </a:solidFill>
+                <a:latin typeface="Arial"/>
+                <a:ea typeface="Arial"/>
+                <a:cs typeface="Arial"/>
+                <a:sym typeface="Arial"/>
+              </a:defRPr>
+            </a:lvl6pPr>
+            <a:lvl7pPr marL="3200400" marR="0" lvl="6" indent="-317500" algn="l" rtl="0">
+              <a:lnSpc>
+                <a:spcPct val="115000"/>
+              </a:lnSpc>
+              <a:spcBef>
+                <a:spcPts val="1600"/>
+              </a:spcBef>
+              <a:spcAft>
+                <a:spcPts val="0"/>
+              </a:spcAft>
+              <a:buClr>
+                <a:schemeClr val="dk2"/>
+              </a:buClr>
+              <a:buSzPts val="1400"/>
+              <a:buFont typeface="Arial"/>
+              <a:buChar char="●"/>
+              <a:defRPr sz="1400" b="0" i="0" u="none" strike="noStrike" cap="none">
+                <a:solidFill>
+                  <a:schemeClr val="dk2"/>
+                </a:solidFill>
+                <a:latin typeface="Arial"/>
+                <a:ea typeface="Arial"/>
+                <a:cs typeface="Arial"/>
+                <a:sym typeface="Arial"/>
+              </a:defRPr>
+            </a:lvl7pPr>
+            <a:lvl8pPr marL="3657600" marR="0" lvl="7" indent="-317500" algn="l" rtl="0">
+              <a:lnSpc>
+                <a:spcPct val="115000"/>
+              </a:lnSpc>
+              <a:spcBef>
+                <a:spcPts val="1600"/>
+              </a:spcBef>
+              <a:spcAft>
+                <a:spcPts val="0"/>
+              </a:spcAft>
+              <a:buClr>
+                <a:schemeClr val="dk2"/>
+              </a:buClr>
+              <a:buSzPts val="1400"/>
+              <a:buFont typeface="Arial"/>
+              <a:buChar char="○"/>
+              <a:defRPr sz="1400" b="0" i="0" u="none" strike="noStrike" cap="none">
+                <a:solidFill>
+                  <a:schemeClr val="dk2"/>
+                </a:solidFill>
+                <a:latin typeface="Arial"/>
+                <a:ea typeface="Arial"/>
+                <a:cs typeface="Arial"/>
+                <a:sym typeface="Arial"/>
+              </a:defRPr>
+            </a:lvl8pPr>
+            <a:lvl9pPr marL="4114800" marR="0" lvl="8" indent="-317500" algn="l" rtl="0">
+              <a:lnSpc>
+                <a:spcPct val="115000"/>
+              </a:lnSpc>
+              <a:spcBef>
+                <a:spcPts val="1600"/>
+              </a:spcBef>
+              <a:spcAft>
+                <a:spcPts val="1600"/>
+              </a:spcAft>
+              <a:buClr>
+                <a:schemeClr val="dk2"/>
+              </a:buClr>
+              <a:buSzPts val="1400"/>
+              <a:buFont typeface="Arial"/>
+              <a:buChar char="■"/>
+              <a:defRPr sz="1400" b="0" i="0" u="none" strike="noStrike" cap="none">
+                <a:solidFill>
+                  <a:schemeClr val="dk2"/>
+                </a:solidFill>
+                <a:latin typeface="Arial"/>
+                <a:ea typeface="Arial"/>
+                <a:cs typeface="Arial"/>
+                <a:sym typeface="Arial"/>
+              </a:defRPr>
+            </a:lvl9pPr>
+          </a:lstStyle>
+          <a:p>
+            <a:pPr marL="114300" indent="0">
+              <a:buSzPct val="100000"/>
+              <a:buNone/>
+            </a:pPr>
+            <a:r>
+              <a:rPr lang="fr-FR" sz="1400" b="1" dirty="0"/>
+              <a:t>Objectif : </a:t>
+            </a:r>
+          </a:p>
+          <a:p>
+            <a:pPr>
+              <a:buSzPct val="100000"/>
+            </a:pPr>
+            <a:r>
+              <a:rPr lang="fr-FR" sz="1400" dirty="0" err="1"/>
+              <a:t>xxxx</a:t>
+            </a:r>
+            <a:endParaRPr lang="fr-FR" sz="1400" dirty="0"/>
+          </a:p>
+        </p:txBody>
+      </p:sp>
+    </p:spTree>
+  </p:cSld>
+  <p:clrMapOvr>
+    <a:masterClrMapping/>
+  </p:clrMapOvr>
+</p:sld>
+</file>
+
+<file path=ppt/slides/slide4.xml><?xml version="1.0" encoding="utf-8"?>
+<p:sld xmlns:a="http://schemas.openxmlformats.org/drawingml/2006/main" xmlns:r="http://schemas.openxmlformats.org/officeDocument/2006/relationships" xmlns:p="http://schemas.openxmlformats.org/presentationml/2006/main">
+  <p:cSld>
+    <p:spTree>
+      <p:nvGrpSpPr>
+        <p:cNvPr id="1" name="Shape 80"/>
+        <p:cNvGrpSpPr/>
+        <p:nvPr/>
+      </p:nvGrpSpPr>
+      <p:grpSpPr>
+        <a:xfrm>
+          <a:off x="0" y="0"/>
+          <a:ext cx="0" cy="0"/>
+          <a:chOff x="0" y="0"/>
+          <a:chExt cx="0" cy="0"/>
+        </a:xfrm>
+      </p:grpSpPr>
+      <p:sp>
+        <p:nvSpPr>
+          <p:cNvPr id="81" name="Google Shape;81;g2e3f79b3bfd_1_11"/>
+          <p:cNvSpPr txBox="1">
+            <a:spLocks noGrp="1"/>
+          </p:cNvSpPr>
+          <p:nvPr>
+            <p:ph type="ctrTitle" idx="4294967295"/>
+          </p:nvPr>
+        </p:nvSpPr>
+        <p:spPr>
+          <a:xfrm>
+            <a:off x="1192664" y="403309"/>
+            <a:ext cx="5315100" cy="533100"/>
+          </a:xfrm>
+          <a:prstGeom prst="rect">
+            <a:avLst/>
+          </a:prstGeom>
+          <a:noFill/>
+          <a:ln>
+            <a:noFill/>
+          </a:ln>
+        </p:spPr>
+        <p:txBody>
+          <a:bodyPr spcFirstLastPara="1" wrap="square" lIns="91425" tIns="91425" rIns="91425" bIns="91425" anchor="t" anchorCtr="0">
+            <a:noAutofit/>
+          </a:bodyPr>
+          <a:lstStyle/>
+          <a:p>
+            <a:pPr lvl="0"/>
+            <a:r>
+              <a:rPr lang="fr" sz="2500" dirty="0">
+                <a:solidFill>
+                  <a:srgbClr val="0E3449"/>
+                </a:solidFill>
+                <a:latin typeface="Inter SemiBold"/>
+                <a:ea typeface="Inter SemiBold"/>
+                <a:cs typeface="Inter SemiBold"/>
+                <a:sym typeface="Inter SemiBold"/>
+              </a:rPr>
+              <a:t>Méthodologie du projet</a:t>
+            </a:r>
+            <a:endParaRPr sz="2500" b="0" i="0" u="none" strike="noStrike" cap="none" dirty="0">
+              <a:solidFill>
+                <a:srgbClr val="0E3449"/>
+              </a:solidFill>
+              <a:latin typeface="Inter SemiBold"/>
+              <a:ea typeface="Inter SemiBold"/>
+              <a:cs typeface="Inter SemiBold"/>
+              <a:sym typeface="Inter SemiBold"/>
+            </a:endParaRPr>
+          </a:p>
+        </p:txBody>
+      </p:sp>
+      <p:pic>
+        <p:nvPicPr>
+          <p:cNvPr id="82" name="Google Shape;82;g2e3f79b3bfd_1_11"/>
+          <p:cNvPicPr preferRelativeResize="0"/>
+          <p:nvPr/>
+        </p:nvPicPr>
+        <p:blipFill rotWithShape="1">
+          <a:blip r:embed="rId3">
+            <a:alphaModFix/>
+          </a:blip>
+          <a:srcRect/>
+          <a:stretch/>
+        </p:blipFill>
+        <p:spPr>
+          <a:xfrm>
+            <a:off x="463375" y="482852"/>
+            <a:ext cx="576900" cy="385904"/>
+          </a:xfrm>
+          <a:prstGeom prst="rect">
+            <a:avLst/>
+          </a:prstGeom>
+          <a:noFill/>
+          <a:ln>
+            <a:noFill/>
+          </a:ln>
+        </p:spPr>
+      </p:pic>
+      <p:sp>
+        <p:nvSpPr>
+          <p:cNvPr id="83" name="Google Shape;83;g2e3f79b3bfd_1_11"/>
+          <p:cNvSpPr/>
+          <p:nvPr/>
+        </p:nvSpPr>
+        <p:spPr>
+          <a:xfrm>
+            <a:off x="10225" y="4892025"/>
+            <a:ext cx="9144000" cy="251400"/>
+          </a:xfrm>
+          <a:prstGeom prst="rect">
+            <a:avLst/>
+          </a:prstGeom>
+          <a:solidFill>
+            <a:srgbClr val="C3FFFC"/>
+          </a:solidFill>
+          <a:ln>
+            <a:noFill/>
+          </a:ln>
+        </p:spPr>
+        <p:txBody>
+          <a:bodyPr spcFirstLastPara="1" wrap="square" lIns="91425" tIns="91425" rIns="91425" bIns="91425" anchor="ctr" anchorCtr="0">
+            <a:noAutofit/>
+          </a:bodyPr>
+          <a:lstStyle/>
+          <a:p>
+            <a:pPr marL="0" marR="0" lvl="0" indent="0" algn="l" rtl="0">
+              <a:lnSpc>
+                <a:spcPct val="100000"/>
+              </a:lnSpc>
+              <a:spcBef>
+                <a:spcPts val="0"/>
+              </a:spcBef>
+              <a:spcAft>
+                <a:spcPts val="0"/>
+              </a:spcAft>
+              <a:buClr>
+                <a:srgbClr val="000000"/>
+              </a:buClr>
+              <a:buSzPts val="1400"/>
+              <a:buFont typeface="Arial"/>
+              <a:buNone/>
+            </a:pPr>
+            <a:endParaRPr sz="1400" b="0" i="0" u="none" strike="noStrike" cap="none">
+              <a:solidFill>
+                <a:srgbClr val="000000"/>
+              </a:solidFill>
+              <a:latin typeface="Arial"/>
+              <a:ea typeface="Arial"/>
+              <a:cs typeface="Arial"/>
+              <a:sym typeface="Arial"/>
+            </a:endParaRPr>
+          </a:p>
+        </p:txBody>
+      </p:sp>
+      <p:sp>
+        <p:nvSpPr>
+          <p:cNvPr id="10" name="Rectangle 9">
+            <a:extLst>
+              <a:ext uri="{FF2B5EF4-FFF2-40B4-BE49-F238E27FC236}">
+                <a16:creationId xmlns:a16="http://schemas.microsoft.com/office/drawing/2014/main" id="{96EE234F-B665-A4F2-9A2F-853F31EA1468}"/>
+              </a:ext>
+            </a:extLst>
+          </p:cNvPr>
+          <p:cNvSpPr/>
+          <p:nvPr/>
+        </p:nvSpPr>
+        <p:spPr bwMode="auto">
+          <a:xfrm>
+            <a:off x="463375" y="1790309"/>
+            <a:ext cx="1473709" cy="2850822"/>
+          </a:xfrm>
+          <a:prstGeom prst="rect">
+            <a:avLst/>
+          </a:prstGeom>
+          <a:solidFill>
+            <a:schemeClr val="bg1">
+              <a:lumMod val="95000"/>
+            </a:schemeClr>
+          </a:solidFill>
+          <a:ln w="9525" cap="flat" cmpd="sng" algn="ctr">
+            <a:noFill/>
+            <a:prstDash val="solid"/>
+            <a:round/>
+            <a:headEnd type="none" w="med" len="med"/>
+            <a:tailEnd type="none" w="med" len="med"/>
+          </a:ln>
+          <a:effectLst/>
+        </p:spPr>
+        <p:txBody>
+          <a:bodyPr vert="horz" wrap="square" lIns="91440" tIns="45720" rIns="91440" bIns="45720" numCol="1" rtlCol="0" anchor="t" anchorCtr="0" compatLnSpc="1">
+            <a:prstTxWarp prst="textNoShape">
+              <a:avLst/>
+            </a:prstTxWarp>
+          </a:bodyPr>
+          <a:lstStyle/>
+          <a:p>
+            <a:pPr defTabSz="914400" eaLnBrk="0" fontAlgn="base" hangingPunct="0">
+              <a:spcBef>
+                <a:spcPts val="600"/>
+              </a:spcBef>
+              <a:spcAft>
+                <a:spcPct val="0"/>
+              </a:spcAft>
+            </a:pPr>
+            <a:r>
+              <a:rPr lang="fr-FR" sz="900" b="1" dirty="0">
+                <a:latin typeface="Arial" panose="020B0604020202020204" pitchFamily="34" charset="0"/>
+                <a:ea typeface="MS PGothic" pitchFamily="34" charset="-128"/>
+                <a:cs typeface="Arial" panose="020B0604020202020204" pitchFamily="34" charset="0"/>
+              </a:rPr>
+              <a:t>Objectif :</a:t>
+            </a:r>
+          </a:p>
+          <a:p>
+            <a:pPr marL="171450" indent="-171450" defTabSz="914400" eaLnBrk="0" fontAlgn="base" hangingPunct="0">
+              <a:spcBef>
+                <a:spcPts val="600"/>
+              </a:spcBef>
+              <a:spcAft>
+                <a:spcPct val="0"/>
+              </a:spcAft>
+              <a:buFont typeface="Arial" panose="020B0604020202020204" pitchFamily="34" charset="0"/>
+              <a:buChar char="•"/>
+            </a:pPr>
+            <a:r>
+              <a:rPr lang="fr-FR" sz="900" dirty="0"/>
+              <a:t>xxx</a:t>
+            </a:r>
+            <a:endParaRPr lang="fr-FR" sz="900" dirty="0">
+              <a:latin typeface="Arial" panose="020B0604020202020204" pitchFamily="34" charset="0"/>
+              <a:ea typeface="MS PGothic" pitchFamily="34" charset="-128"/>
+              <a:cs typeface="Arial" panose="020B0604020202020204" pitchFamily="34" charset="0"/>
+            </a:endParaRPr>
+          </a:p>
+          <a:p>
+            <a:pPr defTabSz="914400" eaLnBrk="0" fontAlgn="base" hangingPunct="0">
+              <a:spcBef>
+                <a:spcPts val="600"/>
+              </a:spcBef>
+              <a:spcAft>
+                <a:spcPct val="0"/>
+              </a:spcAft>
+            </a:pPr>
+            <a:r>
+              <a:rPr lang="fr-FR" sz="900" b="1" dirty="0">
+                <a:latin typeface="Arial" panose="020B0604020202020204" pitchFamily="34" charset="0"/>
+                <a:ea typeface="MS PGothic" pitchFamily="34" charset="-128"/>
+                <a:cs typeface="Arial" panose="020B0604020202020204" pitchFamily="34" charset="0"/>
+              </a:rPr>
+              <a:t>Actions :</a:t>
+            </a:r>
+          </a:p>
+          <a:p>
+            <a:pPr marL="171450" lvl="1" indent="-171450" eaLnBrk="0" fontAlgn="base" hangingPunct="0">
+              <a:spcBef>
+                <a:spcPts val="600"/>
+              </a:spcBef>
+              <a:spcAft>
+                <a:spcPct val="0"/>
+              </a:spcAft>
+              <a:buFont typeface="Arial" panose="020B0604020202020204" pitchFamily="34" charset="0"/>
+              <a:buChar char="•"/>
+            </a:pPr>
+            <a:r>
+              <a:rPr lang="fr-FR" sz="900" dirty="0"/>
+              <a:t>xxx</a:t>
+            </a:r>
+            <a:endParaRPr lang="fr-FR" sz="900" dirty="0">
+              <a:latin typeface="Arial" panose="020B0604020202020204" pitchFamily="34" charset="0"/>
+              <a:ea typeface="MS PGothic" pitchFamily="34" charset="-128"/>
+              <a:cs typeface="Arial" panose="020B0604020202020204" pitchFamily="34" charset="0"/>
+            </a:endParaRPr>
+          </a:p>
+        </p:txBody>
+      </p:sp>
+      <p:sp>
+        <p:nvSpPr>
+          <p:cNvPr id="3" name="Forme libre : forme 2">
+            <a:extLst>
+              <a:ext uri="{FF2B5EF4-FFF2-40B4-BE49-F238E27FC236}">
+                <a16:creationId xmlns:a16="http://schemas.microsoft.com/office/drawing/2014/main" id="{72CD330D-D20E-C29F-1030-B07CA8FB1E22}"/>
+              </a:ext>
+            </a:extLst>
+          </p:cNvPr>
+          <p:cNvSpPr/>
+          <p:nvPr/>
+        </p:nvSpPr>
+        <p:spPr>
+          <a:xfrm>
+            <a:off x="413829" y="1146338"/>
+            <a:ext cx="1839339" cy="533101"/>
+          </a:xfrm>
+          <a:custGeom>
+            <a:avLst/>
+            <a:gdLst>
+              <a:gd name="connsiteX0" fmla="*/ 0 w 1839339"/>
+              <a:gd name="connsiteY0" fmla="*/ 0 h 533101"/>
+              <a:gd name="connsiteX1" fmla="*/ 1572789 w 1839339"/>
+              <a:gd name="connsiteY1" fmla="*/ 0 h 533101"/>
+              <a:gd name="connsiteX2" fmla="*/ 1839339 w 1839339"/>
+              <a:gd name="connsiteY2" fmla="*/ 266551 h 533101"/>
+              <a:gd name="connsiteX3" fmla="*/ 1572789 w 1839339"/>
+              <a:gd name="connsiteY3" fmla="*/ 533101 h 533101"/>
+              <a:gd name="connsiteX4" fmla="*/ 0 w 1839339"/>
+              <a:gd name="connsiteY4" fmla="*/ 533101 h 533101"/>
+              <a:gd name="connsiteX5" fmla="*/ 266551 w 1839339"/>
+              <a:gd name="connsiteY5" fmla="*/ 266551 h 533101"/>
+              <a:gd name="connsiteX6" fmla="*/ 0 w 1839339"/>
+              <a:gd name="connsiteY6" fmla="*/ 0 h 533101"/>
+            </a:gdLst>
+            <a:ahLst/>
+            <a:cxnLst>
+              <a:cxn ang="0">
+                <a:pos x="connsiteX0" y="connsiteY0"/>
+              </a:cxn>
+              <a:cxn ang="0">
+                <a:pos x="connsiteX1" y="connsiteY1"/>
+              </a:cxn>
+              <a:cxn ang="0">
+                <a:pos x="connsiteX2" y="connsiteY2"/>
+              </a:cxn>
+              <a:cxn ang="0">
+                <a:pos x="connsiteX3" y="connsiteY3"/>
+              </a:cxn>
+              <a:cxn ang="0">
+                <a:pos x="connsiteX4" y="connsiteY4"/>
+              </a:cxn>
+              <a:cxn ang="0">
+                <a:pos x="connsiteX5" y="connsiteY5"/>
+              </a:cxn>
+              <a:cxn ang="0">
+                <a:pos x="connsiteX6" y="connsiteY6"/>
+              </a:cxn>
+            </a:cxnLst>
+            <a:rect l="l" t="t" r="r" b="b"/>
+            <a:pathLst>
+              <a:path w="1839339" h="533101">
+                <a:moveTo>
+                  <a:pt x="0" y="0"/>
+                </a:moveTo>
+                <a:lnTo>
+                  <a:pt x="1572789" y="0"/>
+                </a:lnTo>
+                <a:lnTo>
+                  <a:pt x="1839339" y="266551"/>
+                </a:lnTo>
+                <a:lnTo>
+                  <a:pt x="1572789" y="533101"/>
+                </a:lnTo>
+                <a:lnTo>
+                  <a:pt x="0" y="533101"/>
+                </a:lnTo>
+                <a:lnTo>
+                  <a:pt x="266551" y="266551"/>
+                </a:lnTo>
+                <a:lnTo>
+                  <a:pt x="0" y="0"/>
+                </a:lnTo>
+                <a:close/>
+              </a:path>
+            </a:pathLst>
+          </a:custGeom>
+        </p:spPr>
+        <p:style>
+          <a:lnRef idx="2">
+            <a:schemeClr val="lt1">
+              <a:hueOff val="0"/>
+              <a:satOff val="0"/>
+              <a:lumOff val="0"/>
+              <a:alphaOff val="0"/>
+            </a:schemeClr>
+          </a:lnRef>
+          <a:fillRef idx="1">
+            <a:schemeClr val="accent3">
+              <a:shade val="80000"/>
+              <a:hueOff val="0"/>
+              <a:satOff val="0"/>
+              <a:lumOff val="0"/>
+              <a:alphaOff val="0"/>
+            </a:schemeClr>
+          </a:fillRef>
+          <a:effectRef idx="0">
+            <a:schemeClr val="accent3">
+              <a:shade val="80000"/>
+              <a:hueOff val="0"/>
+              <a:satOff val="0"/>
+              <a:lumOff val="0"/>
+              <a:alphaOff val="0"/>
+            </a:schemeClr>
+          </a:effectRef>
+          <a:fontRef idx="minor">
+            <a:schemeClr val="lt1"/>
+          </a:fontRef>
+        </p:style>
+        <p:txBody>
+          <a:bodyPr spcFirstLastPara="0" vert="horz" wrap="square" lIns="310557" tIns="14669" rIns="281219" bIns="14669" numCol="1" spcCol="1270" anchor="ctr" anchorCtr="0">
+            <a:noAutofit/>
+          </a:bodyPr>
+          <a:lstStyle/>
+          <a:p>
+            <a:pPr marL="0" lvl="0" indent="0" algn="ctr" defTabSz="488950">
+              <a:lnSpc>
+                <a:spcPct val="90000"/>
+              </a:lnSpc>
+              <a:spcBef>
+                <a:spcPct val="0"/>
+              </a:spcBef>
+              <a:spcAft>
+                <a:spcPct val="35000"/>
+              </a:spcAft>
+              <a:buNone/>
+            </a:pPr>
+            <a:r>
+              <a:rPr lang="fr-FR" sz="1100" dirty="0"/>
+              <a:t>xxx</a:t>
+            </a:r>
+            <a:endParaRPr lang="fr-FR" sz="1100" kern="1200" dirty="0"/>
+          </a:p>
+        </p:txBody>
+      </p:sp>
+      <p:sp>
+        <p:nvSpPr>
+          <p:cNvPr id="4" name="Forme libre : forme 3">
+            <a:extLst>
+              <a:ext uri="{FF2B5EF4-FFF2-40B4-BE49-F238E27FC236}">
+                <a16:creationId xmlns:a16="http://schemas.microsoft.com/office/drawing/2014/main" id="{934AC2C3-F52B-C5FF-763F-9BA14671F247}"/>
+              </a:ext>
+            </a:extLst>
+          </p:cNvPr>
+          <p:cNvSpPr/>
+          <p:nvPr/>
+        </p:nvSpPr>
+        <p:spPr>
+          <a:xfrm>
+            <a:off x="2069235" y="1146338"/>
+            <a:ext cx="1839339" cy="533101"/>
+          </a:xfrm>
+          <a:custGeom>
+            <a:avLst/>
+            <a:gdLst>
+              <a:gd name="connsiteX0" fmla="*/ 0 w 1839339"/>
+              <a:gd name="connsiteY0" fmla="*/ 0 h 533101"/>
+              <a:gd name="connsiteX1" fmla="*/ 1572789 w 1839339"/>
+              <a:gd name="connsiteY1" fmla="*/ 0 h 533101"/>
+              <a:gd name="connsiteX2" fmla="*/ 1839339 w 1839339"/>
+              <a:gd name="connsiteY2" fmla="*/ 266551 h 533101"/>
+              <a:gd name="connsiteX3" fmla="*/ 1572789 w 1839339"/>
+              <a:gd name="connsiteY3" fmla="*/ 533101 h 533101"/>
+              <a:gd name="connsiteX4" fmla="*/ 0 w 1839339"/>
+              <a:gd name="connsiteY4" fmla="*/ 533101 h 533101"/>
+              <a:gd name="connsiteX5" fmla="*/ 266551 w 1839339"/>
+              <a:gd name="connsiteY5" fmla="*/ 266551 h 533101"/>
+              <a:gd name="connsiteX6" fmla="*/ 0 w 1839339"/>
+              <a:gd name="connsiteY6" fmla="*/ 0 h 533101"/>
+            </a:gdLst>
+            <a:ahLst/>
+            <a:cxnLst>
+              <a:cxn ang="0">
+                <a:pos x="connsiteX0" y="connsiteY0"/>
+              </a:cxn>
+              <a:cxn ang="0">
+                <a:pos x="connsiteX1" y="connsiteY1"/>
+              </a:cxn>
+              <a:cxn ang="0">
+                <a:pos x="connsiteX2" y="connsiteY2"/>
+              </a:cxn>
+              <a:cxn ang="0">
+                <a:pos x="connsiteX3" y="connsiteY3"/>
+              </a:cxn>
+              <a:cxn ang="0">
+                <a:pos x="connsiteX4" y="connsiteY4"/>
+              </a:cxn>
+              <a:cxn ang="0">
+                <a:pos x="connsiteX5" y="connsiteY5"/>
+              </a:cxn>
+              <a:cxn ang="0">
+                <a:pos x="connsiteX6" y="connsiteY6"/>
+              </a:cxn>
+            </a:cxnLst>
+            <a:rect l="l" t="t" r="r" b="b"/>
+            <a:pathLst>
+              <a:path w="1839339" h="533101">
+                <a:moveTo>
+                  <a:pt x="0" y="0"/>
+                </a:moveTo>
+                <a:lnTo>
+                  <a:pt x="1572789" y="0"/>
+                </a:lnTo>
+                <a:lnTo>
+                  <a:pt x="1839339" y="266551"/>
+                </a:lnTo>
+                <a:lnTo>
+                  <a:pt x="1572789" y="533101"/>
+                </a:lnTo>
+                <a:lnTo>
+                  <a:pt x="0" y="533101"/>
+                </a:lnTo>
+                <a:lnTo>
+                  <a:pt x="266551" y="266551"/>
+                </a:lnTo>
+                <a:lnTo>
+                  <a:pt x="0" y="0"/>
+                </a:lnTo>
+                <a:close/>
+              </a:path>
+            </a:pathLst>
+          </a:custGeom>
+        </p:spPr>
+        <p:style>
+          <a:lnRef idx="2">
+            <a:schemeClr val="lt1">
+              <a:hueOff val="0"/>
+              <a:satOff val="0"/>
+              <a:lumOff val="0"/>
+              <a:alphaOff val="0"/>
+            </a:schemeClr>
+          </a:lnRef>
+          <a:fillRef idx="1">
+            <a:schemeClr val="accent3">
+              <a:shade val="80000"/>
+              <a:hueOff val="20588"/>
+              <a:satOff val="-221"/>
+              <a:lumOff val="5854"/>
+              <a:alphaOff val="0"/>
+            </a:schemeClr>
+          </a:fillRef>
+          <a:effectRef idx="0">
+            <a:schemeClr val="accent3">
+              <a:shade val="80000"/>
+              <a:hueOff val="20588"/>
+              <a:satOff val="-221"/>
+              <a:lumOff val="5854"/>
+              <a:alphaOff val="0"/>
+            </a:schemeClr>
+          </a:effectRef>
+          <a:fontRef idx="minor">
+            <a:schemeClr val="lt1"/>
+          </a:fontRef>
+        </p:style>
+        <p:txBody>
+          <a:bodyPr spcFirstLastPara="0" vert="horz" wrap="square" lIns="310557" tIns="14669" rIns="281219" bIns="14669" numCol="1" spcCol="1270" anchor="ctr" anchorCtr="0">
+            <a:noAutofit/>
+          </a:bodyPr>
+          <a:lstStyle/>
+          <a:p>
+            <a:pPr marL="0" lvl="0" indent="0" algn="ctr" defTabSz="488950">
+              <a:lnSpc>
+                <a:spcPct val="90000"/>
+              </a:lnSpc>
+              <a:spcBef>
+                <a:spcPct val="0"/>
+              </a:spcBef>
+              <a:buNone/>
+            </a:pPr>
+            <a:r>
+              <a:rPr lang="fr-FR" sz="1100" dirty="0"/>
+              <a:t>xxx</a:t>
+            </a:r>
+          </a:p>
+        </p:txBody>
+      </p:sp>
+      <p:sp>
+        <p:nvSpPr>
+          <p:cNvPr id="5" name="Forme libre : forme 4">
+            <a:extLst>
+              <a:ext uri="{FF2B5EF4-FFF2-40B4-BE49-F238E27FC236}">
+                <a16:creationId xmlns:a16="http://schemas.microsoft.com/office/drawing/2014/main" id="{8037740E-0A40-6A83-319A-5FA39E9869E9}"/>
+              </a:ext>
+            </a:extLst>
+          </p:cNvPr>
+          <p:cNvSpPr/>
+          <p:nvPr/>
+        </p:nvSpPr>
+        <p:spPr>
+          <a:xfrm>
+            <a:off x="3724640" y="1146338"/>
+            <a:ext cx="1799859" cy="533101"/>
+          </a:xfrm>
+          <a:custGeom>
+            <a:avLst/>
+            <a:gdLst>
+              <a:gd name="connsiteX0" fmla="*/ 0 w 1839339"/>
+              <a:gd name="connsiteY0" fmla="*/ 0 h 533101"/>
+              <a:gd name="connsiteX1" fmla="*/ 1572789 w 1839339"/>
+              <a:gd name="connsiteY1" fmla="*/ 0 h 533101"/>
+              <a:gd name="connsiteX2" fmla="*/ 1839339 w 1839339"/>
+              <a:gd name="connsiteY2" fmla="*/ 266551 h 533101"/>
+              <a:gd name="connsiteX3" fmla="*/ 1572789 w 1839339"/>
+              <a:gd name="connsiteY3" fmla="*/ 533101 h 533101"/>
+              <a:gd name="connsiteX4" fmla="*/ 0 w 1839339"/>
+              <a:gd name="connsiteY4" fmla="*/ 533101 h 533101"/>
+              <a:gd name="connsiteX5" fmla="*/ 266551 w 1839339"/>
+              <a:gd name="connsiteY5" fmla="*/ 266551 h 533101"/>
+              <a:gd name="connsiteX6" fmla="*/ 0 w 1839339"/>
+              <a:gd name="connsiteY6" fmla="*/ 0 h 533101"/>
+            </a:gdLst>
+            <a:ahLst/>
+            <a:cxnLst>
+              <a:cxn ang="0">
+                <a:pos x="connsiteX0" y="connsiteY0"/>
+              </a:cxn>
+              <a:cxn ang="0">
+                <a:pos x="connsiteX1" y="connsiteY1"/>
+              </a:cxn>
+              <a:cxn ang="0">
+                <a:pos x="connsiteX2" y="connsiteY2"/>
+              </a:cxn>
+              <a:cxn ang="0">
+                <a:pos x="connsiteX3" y="connsiteY3"/>
+              </a:cxn>
+              <a:cxn ang="0">
+                <a:pos x="connsiteX4" y="connsiteY4"/>
+              </a:cxn>
+              <a:cxn ang="0">
+                <a:pos x="connsiteX5" y="connsiteY5"/>
+              </a:cxn>
+              <a:cxn ang="0">
+                <a:pos x="connsiteX6" y="connsiteY6"/>
+              </a:cxn>
+            </a:cxnLst>
+            <a:rect l="l" t="t" r="r" b="b"/>
+            <a:pathLst>
+              <a:path w="1839339" h="533101">
+                <a:moveTo>
+                  <a:pt x="0" y="0"/>
+                </a:moveTo>
+                <a:lnTo>
+                  <a:pt x="1572789" y="0"/>
+                </a:lnTo>
+                <a:lnTo>
+                  <a:pt x="1839339" y="266551"/>
+                </a:lnTo>
+                <a:lnTo>
+                  <a:pt x="1572789" y="533101"/>
+                </a:lnTo>
+                <a:lnTo>
+                  <a:pt x="0" y="533101"/>
+                </a:lnTo>
+                <a:lnTo>
+                  <a:pt x="266551" y="266551"/>
+                </a:lnTo>
+                <a:lnTo>
+                  <a:pt x="0" y="0"/>
+                </a:lnTo>
+                <a:close/>
+              </a:path>
+            </a:pathLst>
+          </a:custGeom>
+        </p:spPr>
+        <p:style>
+          <a:lnRef idx="2">
+            <a:schemeClr val="lt1">
+              <a:hueOff val="0"/>
+              <a:satOff val="0"/>
+              <a:lumOff val="0"/>
+              <a:alphaOff val="0"/>
+            </a:schemeClr>
+          </a:lnRef>
+          <a:fillRef idx="1">
+            <a:schemeClr val="accent3">
+              <a:shade val="80000"/>
+              <a:hueOff val="41176"/>
+              <a:satOff val="-442"/>
+              <a:lumOff val="11707"/>
+              <a:alphaOff val="0"/>
+            </a:schemeClr>
+          </a:fillRef>
+          <a:effectRef idx="0">
+            <a:schemeClr val="accent3">
+              <a:shade val="80000"/>
+              <a:hueOff val="41176"/>
+              <a:satOff val="-442"/>
+              <a:lumOff val="11707"/>
+              <a:alphaOff val="0"/>
+            </a:schemeClr>
+          </a:effectRef>
+          <a:fontRef idx="minor">
+            <a:schemeClr val="lt1"/>
+          </a:fontRef>
+        </p:style>
+        <p:txBody>
+          <a:bodyPr spcFirstLastPara="0" vert="horz" wrap="square" lIns="310557" tIns="14669" rIns="281219" bIns="14669" numCol="1" spcCol="1270" anchor="ctr" anchorCtr="0">
+            <a:noAutofit/>
+          </a:bodyPr>
+          <a:lstStyle/>
+          <a:p>
+            <a:pPr marL="0" lvl="0" indent="0" algn="ctr" defTabSz="488950">
+              <a:lnSpc>
+                <a:spcPct val="90000"/>
+              </a:lnSpc>
+              <a:spcBef>
+                <a:spcPct val="0"/>
+              </a:spcBef>
+              <a:spcAft>
+                <a:spcPct val="35000"/>
+              </a:spcAft>
+              <a:buNone/>
+            </a:pPr>
+            <a:r>
+              <a:rPr lang="fr-FR" sz="1100" dirty="0"/>
+              <a:t>xxx</a:t>
+            </a:r>
+            <a:endParaRPr lang="fr-FR" sz="1100" kern="1200" dirty="0"/>
+          </a:p>
+        </p:txBody>
+      </p:sp>
+      <p:sp>
+        <p:nvSpPr>
+          <p:cNvPr id="6" name="Forme libre : forme 5">
+            <a:extLst>
+              <a:ext uri="{FF2B5EF4-FFF2-40B4-BE49-F238E27FC236}">
+                <a16:creationId xmlns:a16="http://schemas.microsoft.com/office/drawing/2014/main" id="{66C4B2FB-DF4F-A5D8-D34B-A5DFC80B0AAE}"/>
+              </a:ext>
+            </a:extLst>
+          </p:cNvPr>
+          <p:cNvSpPr/>
+          <p:nvPr/>
+        </p:nvSpPr>
+        <p:spPr>
+          <a:xfrm>
+            <a:off x="5349732" y="1146338"/>
+            <a:ext cx="1857184" cy="533101"/>
+          </a:xfrm>
+          <a:custGeom>
+            <a:avLst/>
+            <a:gdLst>
+              <a:gd name="connsiteX0" fmla="*/ 0 w 1839339"/>
+              <a:gd name="connsiteY0" fmla="*/ 0 h 533101"/>
+              <a:gd name="connsiteX1" fmla="*/ 1572789 w 1839339"/>
+              <a:gd name="connsiteY1" fmla="*/ 0 h 533101"/>
+              <a:gd name="connsiteX2" fmla="*/ 1839339 w 1839339"/>
+              <a:gd name="connsiteY2" fmla="*/ 266551 h 533101"/>
+              <a:gd name="connsiteX3" fmla="*/ 1572789 w 1839339"/>
+              <a:gd name="connsiteY3" fmla="*/ 533101 h 533101"/>
+              <a:gd name="connsiteX4" fmla="*/ 0 w 1839339"/>
+              <a:gd name="connsiteY4" fmla="*/ 533101 h 533101"/>
+              <a:gd name="connsiteX5" fmla="*/ 266551 w 1839339"/>
+              <a:gd name="connsiteY5" fmla="*/ 266551 h 533101"/>
+              <a:gd name="connsiteX6" fmla="*/ 0 w 1839339"/>
+              <a:gd name="connsiteY6" fmla="*/ 0 h 533101"/>
+            </a:gdLst>
+            <a:ahLst/>
+            <a:cxnLst>
+              <a:cxn ang="0">
+                <a:pos x="connsiteX0" y="connsiteY0"/>
+              </a:cxn>
+              <a:cxn ang="0">
+                <a:pos x="connsiteX1" y="connsiteY1"/>
+              </a:cxn>
+              <a:cxn ang="0">
+                <a:pos x="connsiteX2" y="connsiteY2"/>
+              </a:cxn>
+              <a:cxn ang="0">
+                <a:pos x="connsiteX3" y="connsiteY3"/>
+              </a:cxn>
+              <a:cxn ang="0">
+                <a:pos x="connsiteX4" y="connsiteY4"/>
+              </a:cxn>
+              <a:cxn ang="0">
+                <a:pos x="connsiteX5" y="connsiteY5"/>
+              </a:cxn>
+              <a:cxn ang="0">
+                <a:pos x="connsiteX6" y="connsiteY6"/>
+              </a:cxn>
+            </a:cxnLst>
+            <a:rect l="l" t="t" r="r" b="b"/>
+            <a:pathLst>
+              <a:path w="1839339" h="533101">
+                <a:moveTo>
+                  <a:pt x="0" y="0"/>
+                </a:moveTo>
+                <a:lnTo>
+                  <a:pt x="1572789" y="0"/>
+                </a:lnTo>
+                <a:lnTo>
+                  <a:pt x="1839339" y="266551"/>
+                </a:lnTo>
+                <a:lnTo>
+                  <a:pt x="1572789" y="533101"/>
+                </a:lnTo>
+                <a:lnTo>
+                  <a:pt x="0" y="533101"/>
+                </a:lnTo>
+                <a:lnTo>
+                  <a:pt x="266551" y="266551"/>
+                </a:lnTo>
+                <a:lnTo>
+                  <a:pt x="0" y="0"/>
+                </a:lnTo>
+                <a:close/>
+              </a:path>
+            </a:pathLst>
+          </a:custGeom>
+        </p:spPr>
+        <p:style>
+          <a:lnRef idx="2">
+            <a:schemeClr val="lt1">
+              <a:hueOff val="0"/>
+              <a:satOff val="0"/>
+              <a:lumOff val="0"/>
+              <a:alphaOff val="0"/>
+            </a:schemeClr>
+          </a:lnRef>
+          <a:fillRef idx="1">
+            <a:schemeClr val="accent3">
+              <a:shade val="80000"/>
+              <a:hueOff val="61764"/>
+              <a:satOff val="-662"/>
+              <a:lumOff val="17560"/>
+              <a:alphaOff val="0"/>
+            </a:schemeClr>
+          </a:fillRef>
+          <a:effectRef idx="0">
+            <a:schemeClr val="accent3">
+              <a:shade val="80000"/>
+              <a:hueOff val="61764"/>
+              <a:satOff val="-662"/>
+              <a:lumOff val="17560"/>
+              <a:alphaOff val="0"/>
+            </a:schemeClr>
+          </a:effectRef>
+          <a:fontRef idx="minor">
+            <a:schemeClr val="lt1"/>
+          </a:fontRef>
+        </p:style>
+        <p:txBody>
+          <a:bodyPr spcFirstLastPara="0" vert="horz" wrap="square" lIns="310557" tIns="14669" rIns="281219" bIns="14669" numCol="1" spcCol="1270" anchor="ctr" anchorCtr="0">
+            <a:noAutofit/>
+          </a:bodyPr>
+          <a:lstStyle/>
+          <a:p>
+            <a:pPr marL="0" lvl="0" indent="0" algn="ctr" defTabSz="488950">
+              <a:lnSpc>
+                <a:spcPct val="90000"/>
+              </a:lnSpc>
+              <a:spcBef>
+                <a:spcPct val="0"/>
+              </a:spcBef>
+              <a:spcAft>
+                <a:spcPct val="35000"/>
+              </a:spcAft>
+              <a:buNone/>
+            </a:pPr>
+            <a:r>
+              <a:rPr lang="fr-FR" sz="1100" dirty="0"/>
+              <a:t>xxx</a:t>
+            </a:r>
+            <a:endParaRPr lang="fr-FR" sz="1100" kern="1200" dirty="0"/>
+          </a:p>
+        </p:txBody>
+      </p:sp>
+      <p:sp>
+        <p:nvSpPr>
+          <p:cNvPr id="7" name="Forme libre : forme 6">
+            <a:extLst>
+              <a:ext uri="{FF2B5EF4-FFF2-40B4-BE49-F238E27FC236}">
+                <a16:creationId xmlns:a16="http://schemas.microsoft.com/office/drawing/2014/main" id="{36B0EDF8-324A-AE11-8539-C4438745B23E}"/>
+              </a:ext>
+            </a:extLst>
+          </p:cNvPr>
+          <p:cNvSpPr/>
+          <p:nvPr/>
+        </p:nvSpPr>
+        <p:spPr>
+          <a:xfrm>
+            <a:off x="7035451" y="1146338"/>
+            <a:ext cx="1839339" cy="533101"/>
+          </a:xfrm>
+          <a:custGeom>
+            <a:avLst/>
+            <a:gdLst>
+              <a:gd name="connsiteX0" fmla="*/ 0 w 1839339"/>
+              <a:gd name="connsiteY0" fmla="*/ 0 h 533101"/>
+              <a:gd name="connsiteX1" fmla="*/ 1572789 w 1839339"/>
+              <a:gd name="connsiteY1" fmla="*/ 0 h 533101"/>
+              <a:gd name="connsiteX2" fmla="*/ 1839339 w 1839339"/>
+              <a:gd name="connsiteY2" fmla="*/ 266551 h 533101"/>
+              <a:gd name="connsiteX3" fmla="*/ 1572789 w 1839339"/>
+              <a:gd name="connsiteY3" fmla="*/ 533101 h 533101"/>
+              <a:gd name="connsiteX4" fmla="*/ 0 w 1839339"/>
+              <a:gd name="connsiteY4" fmla="*/ 533101 h 533101"/>
+              <a:gd name="connsiteX5" fmla="*/ 266551 w 1839339"/>
+              <a:gd name="connsiteY5" fmla="*/ 266551 h 533101"/>
+              <a:gd name="connsiteX6" fmla="*/ 0 w 1839339"/>
+              <a:gd name="connsiteY6" fmla="*/ 0 h 533101"/>
+            </a:gdLst>
+            <a:ahLst/>
+            <a:cxnLst>
+              <a:cxn ang="0">
+                <a:pos x="connsiteX0" y="connsiteY0"/>
+              </a:cxn>
+              <a:cxn ang="0">
+                <a:pos x="connsiteX1" y="connsiteY1"/>
+              </a:cxn>
+              <a:cxn ang="0">
+                <a:pos x="connsiteX2" y="connsiteY2"/>
+              </a:cxn>
+              <a:cxn ang="0">
+                <a:pos x="connsiteX3" y="connsiteY3"/>
+              </a:cxn>
+              <a:cxn ang="0">
+                <a:pos x="connsiteX4" y="connsiteY4"/>
+              </a:cxn>
+              <a:cxn ang="0">
+                <a:pos x="connsiteX5" y="connsiteY5"/>
+              </a:cxn>
+              <a:cxn ang="0">
+                <a:pos x="connsiteX6" y="connsiteY6"/>
+              </a:cxn>
+            </a:cxnLst>
+            <a:rect l="l" t="t" r="r" b="b"/>
+            <a:pathLst>
+              <a:path w="1839339" h="533101">
+                <a:moveTo>
+                  <a:pt x="0" y="0"/>
+                </a:moveTo>
+                <a:lnTo>
+                  <a:pt x="1572789" y="0"/>
+                </a:lnTo>
+                <a:lnTo>
+                  <a:pt x="1839339" y="266551"/>
+                </a:lnTo>
+                <a:lnTo>
+                  <a:pt x="1572789" y="533101"/>
+                </a:lnTo>
+                <a:lnTo>
+                  <a:pt x="0" y="533101"/>
+                </a:lnTo>
+                <a:lnTo>
+                  <a:pt x="266551" y="266551"/>
+                </a:lnTo>
+                <a:lnTo>
+                  <a:pt x="0" y="0"/>
+                </a:lnTo>
+                <a:close/>
+              </a:path>
+            </a:pathLst>
+          </a:custGeom>
+        </p:spPr>
+        <p:style>
+          <a:lnRef idx="2">
+            <a:schemeClr val="lt1">
+              <a:hueOff val="0"/>
+              <a:satOff val="0"/>
+              <a:lumOff val="0"/>
+              <a:alphaOff val="0"/>
+            </a:schemeClr>
+          </a:lnRef>
+          <a:fillRef idx="1">
+            <a:schemeClr val="accent3">
+              <a:shade val="80000"/>
+              <a:hueOff val="82353"/>
+              <a:satOff val="-883"/>
+              <a:lumOff val="23414"/>
+              <a:alphaOff val="0"/>
+            </a:schemeClr>
+          </a:fillRef>
+          <a:effectRef idx="0">
+            <a:schemeClr val="accent3">
+              <a:shade val="80000"/>
+              <a:hueOff val="82353"/>
+              <a:satOff val="-883"/>
+              <a:lumOff val="23414"/>
+              <a:alphaOff val="0"/>
+            </a:schemeClr>
+          </a:effectRef>
+          <a:fontRef idx="minor">
+            <a:schemeClr val="lt1"/>
+          </a:fontRef>
+        </p:style>
+        <p:txBody>
+          <a:bodyPr spcFirstLastPara="0" vert="horz" wrap="square" lIns="310557" tIns="14669" rIns="281219" bIns="14669" numCol="1" spcCol="1270" anchor="ctr" anchorCtr="0">
+            <a:noAutofit/>
+          </a:bodyPr>
+          <a:lstStyle/>
+          <a:p>
+            <a:pPr marL="0" lvl="0" indent="0" algn="ctr" defTabSz="488950">
+              <a:lnSpc>
+                <a:spcPct val="90000"/>
+              </a:lnSpc>
+              <a:spcBef>
+                <a:spcPct val="0"/>
+              </a:spcBef>
+              <a:spcAft>
+                <a:spcPct val="35000"/>
+              </a:spcAft>
+              <a:buNone/>
+            </a:pPr>
+            <a:r>
+              <a:rPr lang="fr-FR" sz="1100" dirty="0"/>
+              <a:t>xxx</a:t>
+            </a:r>
+            <a:endParaRPr lang="fr-FR" sz="1100" kern="1200" dirty="0"/>
+          </a:p>
+        </p:txBody>
+      </p:sp>
+      <p:sp>
+        <p:nvSpPr>
+          <p:cNvPr id="15" name="Rectangle 14">
+            <a:extLst>
+              <a:ext uri="{FF2B5EF4-FFF2-40B4-BE49-F238E27FC236}">
+                <a16:creationId xmlns:a16="http://schemas.microsoft.com/office/drawing/2014/main" id="{27FA105C-F9B2-33E0-4F88-3ADFE6E4DD5F}"/>
+              </a:ext>
+            </a:extLst>
+          </p:cNvPr>
+          <p:cNvSpPr/>
+          <p:nvPr/>
+        </p:nvSpPr>
+        <p:spPr bwMode="auto">
+          <a:xfrm>
+            <a:off x="2171859" y="1790309"/>
+            <a:ext cx="1473709" cy="2850822"/>
+          </a:xfrm>
+          <a:prstGeom prst="rect">
+            <a:avLst/>
+          </a:prstGeom>
+          <a:solidFill>
+            <a:schemeClr val="bg1">
+              <a:lumMod val="95000"/>
+            </a:schemeClr>
+          </a:solidFill>
+          <a:ln w="9525" cap="flat" cmpd="sng" algn="ctr">
+            <a:noFill/>
+            <a:prstDash val="solid"/>
+            <a:round/>
+            <a:headEnd type="none" w="med" len="med"/>
+            <a:tailEnd type="none" w="med" len="med"/>
+          </a:ln>
+          <a:effectLst/>
+        </p:spPr>
+        <p:txBody>
+          <a:bodyPr vert="horz" wrap="square" lIns="91440" tIns="45720" rIns="91440" bIns="45720" numCol="1" rtlCol="0" anchor="t" anchorCtr="0" compatLnSpc="1">
+            <a:prstTxWarp prst="textNoShape">
+              <a:avLst/>
+            </a:prstTxWarp>
+          </a:bodyPr>
+          <a:lstStyle/>
+          <a:p>
+            <a:pPr defTabSz="914400" eaLnBrk="0" fontAlgn="base" hangingPunct="0">
+              <a:spcBef>
+                <a:spcPts val="600"/>
+              </a:spcBef>
+              <a:spcAft>
+                <a:spcPct val="0"/>
+              </a:spcAft>
+            </a:pPr>
+            <a:r>
+              <a:rPr lang="fr-FR" sz="900" b="1" dirty="0">
+                <a:latin typeface="Arial" panose="020B0604020202020204" pitchFamily="34" charset="0"/>
+                <a:ea typeface="MS PGothic" pitchFamily="34" charset="-128"/>
+                <a:cs typeface="Arial" panose="020B0604020202020204" pitchFamily="34" charset="0"/>
+              </a:rPr>
+              <a:t>Objectif :</a:t>
+            </a:r>
+          </a:p>
+          <a:p>
+            <a:pPr marL="171450" indent="-171450" defTabSz="914400" eaLnBrk="0" fontAlgn="base" hangingPunct="0">
+              <a:spcBef>
+                <a:spcPts val="600"/>
+              </a:spcBef>
+              <a:spcAft>
+                <a:spcPct val="0"/>
+              </a:spcAft>
+              <a:buFont typeface="Arial" panose="020B0604020202020204" pitchFamily="34" charset="0"/>
+              <a:buChar char="•"/>
+            </a:pPr>
+            <a:r>
+              <a:rPr lang="fr-FR" sz="900" dirty="0"/>
+              <a:t>xxx</a:t>
+            </a:r>
+            <a:endParaRPr lang="fr-FR" sz="900" dirty="0">
+              <a:latin typeface="Arial" panose="020B0604020202020204" pitchFamily="34" charset="0"/>
+              <a:ea typeface="MS PGothic" pitchFamily="34" charset="-128"/>
+              <a:cs typeface="Arial" panose="020B0604020202020204" pitchFamily="34" charset="0"/>
+            </a:endParaRPr>
+          </a:p>
+          <a:p>
+            <a:pPr defTabSz="914400" eaLnBrk="0" fontAlgn="base" hangingPunct="0">
+              <a:spcBef>
+                <a:spcPts val="600"/>
+              </a:spcBef>
+              <a:spcAft>
+                <a:spcPct val="0"/>
+              </a:spcAft>
+            </a:pPr>
+            <a:r>
+              <a:rPr lang="fr-FR" sz="900" b="1" dirty="0">
+                <a:latin typeface="Arial" panose="020B0604020202020204" pitchFamily="34" charset="0"/>
+                <a:ea typeface="MS PGothic" pitchFamily="34" charset="-128"/>
+                <a:cs typeface="Arial" panose="020B0604020202020204" pitchFamily="34" charset="0"/>
+              </a:rPr>
+              <a:t>Actions :</a:t>
+            </a:r>
+          </a:p>
+          <a:p>
+            <a:pPr marL="171450" indent="-171450" defTabSz="914400" eaLnBrk="0" fontAlgn="base" hangingPunct="0">
+              <a:spcBef>
+                <a:spcPts val="600"/>
+              </a:spcBef>
+              <a:spcAft>
+                <a:spcPct val="0"/>
+              </a:spcAft>
+              <a:buFont typeface="Arial" panose="020B0604020202020204" pitchFamily="34" charset="0"/>
+              <a:buChar char="•"/>
+            </a:pPr>
+            <a:r>
+              <a:rPr lang="fr-FR" sz="900" dirty="0">
+                <a:latin typeface="Arial" panose="020B0604020202020204" pitchFamily="34" charset="0"/>
+                <a:ea typeface="MS PGothic" pitchFamily="34" charset="-128"/>
+                <a:cs typeface="Arial" panose="020B0604020202020204" pitchFamily="34" charset="0"/>
+              </a:rPr>
+              <a:t>xxx</a:t>
+            </a:r>
+          </a:p>
+        </p:txBody>
+      </p:sp>
+      <p:sp>
+        <p:nvSpPr>
+          <p:cNvPr id="16" name="Rectangle 15">
+            <a:extLst>
+              <a:ext uri="{FF2B5EF4-FFF2-40B4-BE49-F238E27FC236}">
+                <a16:creationId xmlns:a16="http://schemas.microsoft.com/office/drawing/2014/main" id="{C1BA5EF2-25A6-BC03-ABAC-0B16A10100AE}"/>
+              </a:ext>
+            </a:extLst>
+          </p:cNvPr>
+          <p:cNvSpPr/>
+          <p:nvPr/>
+        </p:nvSpPr>
+        <p:spPr bwMode="auto">
+          <a:xfrm>
+            <a:off x="3850214" y="1790309"/>
+            <a:ext cx="1473709" cy="2850822"/>
+          </a:xfrm>
+          <a:prstGeom prst="rect">
+            <a:avLst/>
+          </a:prstGeom>
+          <a:solidFill>
+            <a:schemeClr val="bg1">
+              <a:lumMod val="95000"/>
+            </a:schemeClr>
+          </a:solidFill>
+          <a:ln w="9525" cap="flat" cmpd="sng" algn="ctr">
+            <a:noFill/>
+            <a:prstDash val="solid"/>
+            <a:round/>
+            <a:headEnd type="none" w="med" len="med"/>
+            <a:tailEnd type="none" w="med" len="med"/>
+          </a:ln>
+          <a:effectLst/>
+        </p:spPr>
+        <p:txBody>
+          <a:bodyPr vert="horz" wrap="square" lIns="91440" tIns="45720" rIns="91440" bIns="45720" numCol="1" rtlCol="0" anchor="t" anchorCtr="0" compatLnSpc="1">
+            <a:prstTxWarp prst="textNoShape">
+              <a:avLst/>
+            </a:prstTxWarp>
+          </a:bodyPr>
+          <a:lstStyle/>
+          <a:p>
+            <a:pPr defTabSz="914400" eaLnBrk="0" fontAlgn="base" hangingPunct="0">
+              <a:spcBef>
+                <a:spcPts val="600"/>
+              </a:spcBef>
+              <a:spcAft>
+                <a:spcPct val="0"/>
+              </a:spcAft>
+            </a:pPr>
+            <a:r>
+              <a:rPr lang="fr-FR" sz="900" b="1" dirty="0">
+                <a:latin typeface="Arial" panose="020B0604020202020204" pitchFamily="34" charset="0"/>
+                <a:ea typeface="MS PGothic" pitchFamily="34" charset="-128"/>
+                <a:cs typeface="Arial" panose="020B0604020202020204" pitchFamily="34" charset="0"/>
+              </a:rPr>
+              <a:t>Objectif :</a:t>
+            </a:r>
+          </a:p>
+          <a:p>
+            <a:pPr marL="171450" indent="-171450" eaLnBrk="0" fontAlgn="base" hangingPunct="0">
+              <a:spcBef>
+                <a:spcPts val="600"/>
+              </a:spcBef>
+              <a:spcAft>
+                <a:spcPct val="0"/>
+              </a:spcAft>
+              <a:buFont typeface="Arial" panose="020B0604020202020204" pitchFamily="34" charset="0"/>
+              <a:buChar char="•"/>
+            </a:pPr>
+            <a:r>
+              <a:rPr lang="fr-FR" sz="900" dirty="0"/>
+              <a:t>xxx</a:t>
+            </a:r>
+            <a:endParaRPr lang="fr-FR" sz="900" dirty="0">
+              <a:latin typeface="Arial" panose="020B0604020202020204" pitchFamily="34" charset="0"/>
+              <a:ea typeface="MS PGothic" pitchFamily="34" charset="-128"/>
+              <a:cs typeface="Arial" panose="020B0604020202020204" pitchFamily="34" charset="0"/>
+            </a:endParaRPr>
+          </a:p>
+          <a:p>
+            <a:pPr defTabSz="914400" eaLnBrk="0" fontAlgn="base" hangingPunct="0">
+              <a:spcBef>
+                <a:spcPts val="600"/>
+              </a:spcBef>
+              <a:spcAft>
+                <a:spcPct val="0"/>
+              </a:spcAft>
+            </a:pPr>
+            <a:r>
+              <a:rPr lang="fr-FR" sz="900" b="1" dirty="0">
+                <a:latin typeface="Arial" panose="020B0604020202020204" pitchFamily="34" charset="0"/>
+                <a:ea typeface="MS PGothic" pitchFamily="34" charset="-128"/>
+                <a:cs typeface="Arial" panose="020B0604020202020204" pitchFamily="34" charset="0"/>
+              </a:rPr>
+              <a:t>Actions :</a:t>
+            </a:r>
+          </a:p>
+          <a:p>
+            <a:pPr marL="171450" indent="-171450" defTabSz="914400" eaLnBrk="0" fontAlgn="base" hangingPunct="0">
+              <a:spcBef>
+                <a:spcPts val="600"/>
+              </a:spcBef>
+              <a:spcAft>
+                <a:spcPct val="0"/>
+              </a:spcAft>
+              <a:buFont typeface="Arial" panose="020B0604020202020204" pitchFamily="34" charset="0"/>
+              <a:buChar char="•"/>
+            </a:pPr>
+            <a:r>
+              <a:rPr lang="fr-FR" sz="900" dirty="0">
+                <a:latin typeface="Arial" panose="020B0604020202020204" pitchFamily="34" charset="0"/>
+                <a:ea typeface="MS PGothic" pitchFamily="34" charset="-128"/>
+                <a:cs typeface="Arial" panose="020B0604020202020204" pitchFamily="34" charset="0"/>
+              </a:rPr>
+              <a:t>xxx</a:t>
+            </a:r>
+          </a:p>
+        </p:txBody>
+      </p:sp>
+      <p:sp>
+        <p:nvSpPr>
+          <p:cNvPr id="17" name="Rectangle 16">
+            <a:extLst>
+              <a:ext uri="{FF2B5EF4-FFF2-40B4-BE49-F238E27FC236}">
+                <a16:creationId xmlns:a16="http://schemas.microsoft.com/office/drawing/2014/main" id="{3FCD9215-1E91-C227-9A00-9D2E28190AB3}"/>
+              </a:ext>
+            </a:extLst>
+          </p:cNvPr>
+          <p:cNvSpPr/>
+          <p:nvPr/>
+        </p:nvSpPr>
+        <p:spPr bwMode="auto">
+          <a:xfrm>
+            <a:off x="5498432" y="1790309"/>
+            <a:ext cx="1473709" cy="2850822"/>
+          </a:xfrm>
+          <a:prstGeom prst="rect">
+            <a:avLst/>
+          </a:prstGeom>
+          <a:solidFill>
+            <a:schemeClr val="bg1">
+              <a:lumMod val="95000"/>
+            </a:schemeClr>
+          </a:solidFill>
+          <a:ln w="9525" cap="flat" cmpd="sng" algn="ctr">
+            <a:noFill/>
+            <a:prstDash val="solid"/>
+            <a:round/>
+            <a:headEnd type="none" w="med" len="med"/>
+            <a:tailEnd type="none" w="med" len="med"/>
+          </a:ln>
+          <a:effectLst/>
+        </p:spPr>
+        <p:txBody>
+          <a:bodyPr vert="horz" wrap="square" lIns="91440" tIns="45720" rIns="91440" bIns="45720" numCol="1" rtlCol="0" anchor="t" anchorCtr="0" compatLnSpc="1">
+            <a:prstTxWarp prst="textNoShape">
+              <a:avLst/>
+            </a:prstTxWarp>
+          </a:bodyPr>
+          <a:lstStyle/>
+          <a:p>
+            <a:pPr defTabSz="914400" eaLnBrk="0" fontAlgn="base" hangingPunct="0">
+              <a:spcBef>
+                <a:spcPts val="600"/>
+              </a:spcBef>
+              <a:spcAft>
+                <a:spcPct val="0"/>
+              </a:spcAft>
+            </a:pPr>
+            <a:r>
+              <a:rPr lang="fr-FR" sz="900" b="1" dirty="0">
+                <a:latin typeface="Arial" panose="020B0604020202020204" pitchFamily="34" charset="0"/>
+                <a:ea typeface="MS PGothic" pitchFamily="34" charset="-128"/>
+                <a:cs typeface="Arial" panose="020B0604020202020204" pitchFamily="34" charset="0"/>
+              </a:rPr>
+              <a:t>Objectif :</a:t>
+            </a:r>
+          </a:p>
+          <a:p>
+            <a:pPr marL="171450" indent="-171450" eaLnBrk="0" fontAlgn="base" hangingPunct="0">
+              <a:spcBef>
+                <a:spcPts val="600"/>
+              </a:spcBef>
+              <a:spcAft>
+                <a:spcPct val="0"/>
+              </a:spcAft>
+              <a:buFont typeface="Arial" panose="020B0604020202020204" pitchFamily="34" charset="0"/>
+              <a:buChar char="•"/>
+            </a:pPr>
+            <a:r>
+              <a:rPr lang="fr-FR" sz="900" dirty="0"/>
+              <a:t>xxx</a:t>
+            </a:r>
+            <a:endParaRPr lang="fr-FR" sz="900" dirty="0">
+              <a:latin typeface="Arial" panose="020B0604020202020204" pitchFamily="34" charset="0"/>
+              <a:ea typeface="MS PGothic" pitchFamily="34" charset="-128"/>
+              <a:cs typeface="Arial" panose="020B0604020202020204" pitchFamily="34" charset="0"/>
+            </a:endParaRPr>
+          </a:p>
+          <a:p>
+            <a:pPr defTabSz="914400" eaLnBrk="0" fontAlgn="base" hangingPunct="0">
+              <a:spcBef>
+                <a:spcPts val="600"/>
+              </a:spcBef>
+              <a:spcAft>
+                <a:spcPct val="0"/>
+              </a:spcAft>
+            </a:pPr>
+            <a:r>
+              <a:rPr lang="fr-FR" sz="900" b="1" dirty="0">
+                <a:latin typeface="Arial" panose="020B0604020202020204" pitchFamily="34" charset="0"/>
+                <a:ea typeface="MS PGothic" pitchFamily="34" charset="-128"/>
+                <a:cs typeface="Arial" panose="020B0604020202020204" pitchFamily="34" charset="0"/>
+              </a:rPr>
+              <a:t>Actions :</a:t>
+            </a:r>
+          </a:p>
+          <a:p>
+            <a:pPr marL="171450" indent="-171450" defTabSz="914400" eaLnBrk="0" fontAlgn="base" hangingPunct="0">
+              <a:spcBef>
+                <a:spcPts val="600"/>
+              </a:spcBef>
+              <a:spcAft>
+                <a:spcPct val="0"/>
+              </a:spcAft>
+              <a:buFont typeface="Arial" panose="020B0604020202020204" pitchFamily="34" charset="0"/>
+              <a:buChar char="•"/>
+            </a:pPr>
+            <a:r>
+              <a:rPr lang="fr-FR" sz="900" dirty="0"/>
+              <a:t>xxx</a:t>
+            </a:r>
+            <a:endParaRPr lang="fr-FR" sz="900" dirty="0">
+              <a:latin typeface="Arial" panose="020B0604020202020204" pitchFamily="34" charset="0"/>
+              <a:ea typeface="MS PGothic" pitchFamily="34" charset="-128"/>
+              <a:cs typeface="Arial" panose="020B0604020202020204" pitchFamily="34" charset="0"/>
+            </a:endParaRPr>
+          </a:p>
+        </p:txBody>
+      </p:sp>
+      <p:sp>
+        <p:nvSpPr>
+          <p:cNvPr id="18" name="Rectangle 17">
+            <a:extLst>
+              <a:ext uri="{FF2B5EF4-FFF2-40B4-BE49-F238E27FC236}">
+                <a16:creationId xmlns:a16="http://schemas.microsoft.com/office/drawing/2014/main" id="{16C898BF-E544-3A3A-F1C6-FD6EA5BEBE3E}"/>
+              </a:ext>
+            </a:extLst>
+          </p:cNvPr>
+          <p:cNvSpPr/>
+          <p:nvPr/>
+        </p:nvSpPr>
+        <p:spPr bwMode="auto">
+          <a:xfrm>
+            <a:off x="7206916" y="1790309"/>
+            <a:ext cx="1473709" cy="2850822"/>
+          </a:xfrm>
+          <a:prstGeom prst="rect">
+            <a:avLst/>
+          </a:prstGeom>
+          <a:solidFill>
+            <a:schemeClr val="bg1">
+              <a:lumMod val="95000"/>
+            </a:schemeClr>
+          </a:solidFill>
+          <a:ln w="9525" cap="flat" cmpd="sng" algn="ctr">
+            <a:noFill/>
+            <a:prstDash val="solid"/>
+            <a:round/>
+            <a:headEnd type="none" w="med" len="med"/>
+            <a:tailEnd type="none" w="med" len="med"/>
+          </a:ln>
+          <a:effectLst/>
+        </p:spPr>
+        <p:txBody>
+          <a:bodyPr vert="horz" wrap="square" lIns="91440" tIns="45720" rIns="91440" bIns="45720" numCol="1" rtlCol="0" anchor="t" anchorCtr="0" compatLnSpc="1">
+            <a:prstTxWarp prst="textNoShape">
+              <a:avLst/>
+            </a:prstTxWarp>
+          </a:bodyPr>
+          <a:lstStyle/>
+          <a:p>
+            <a:pPr defTabSz="914400" eaLnBrk="0" fontAlgn="base" hangingPunct="0">
+              <a:spcBef>
+                <a:spcPts val="600"/>
+              </a:spcBef>
+              <a:spcAft>
+                <a:spcPct val="0"/>
+              </a:spcAft>
+            </a:pPr>
+            <a:r>
+              <a:rPr lang="fr-FR" sz="900" b="1" dirty="0">
+                <a:latin typeface="Arial" panose="020B0604020202020204" pitchFamily="34" charset="0"/>
+                <a:ea typeface="MS PGothic" pitchFamily="34" charset="-128"/>
+                <a:cs typeface="Arial" panose="020B0604020202020204" pitchFamily="34" charset="0"/>
+              </a:rPr>
+              <a:t>Objectif :</a:t>
+            </a:r>
+          </a:p>
+          <a:p>
+            <a:pPr marL="171450" indent="-171450" eaLnBrk="0" fontAlgn="base" hangingPunct="0">
+              <a:spcBef>
+                <a:spcPts val="600"/>
+              </a:spcBef>
+              <a:spcAft>
+                <a:spcPct val="0"/>
+              </a:spcAft>
+              <a:buFont typeface="Arial" panose="020B0604020202020204" pitchFamily="34" charset="0"/>
+              <a:buChar char="•"/>
+            </a:pPr>
+            <a:r>
+              <a:rPr lang="fr-FR" sz="900" dirty="0"/>
+              <a:t>xxx</a:t>
+            </a:r>
+            <a:endParaRPr lang="fr-FR" sz="900" dirty="0">
+              <a:latin typeface="Arial" panose="020B0604020202020204" pitchFamily="34" charset="0"/>
+              <a:ea typeface="MS PGothic" pitchFamily="34" charset="-128"/>
+              <a:cs typeface="Arial" panose="020B0604020202020204" pitchFamily="34" charset="0"/>
+            </a:endParaRPr>
+          </a:p>
+          <a:p>
+            <a:pPr defTabSz="914400" eaLnBrk="0" fontAlgn="base" hangingPunct="0">
+              <a:spcBef>
+                <a:spcPts val="600"/>
+              </a:spcBef>
+              <a:spcAft>
+                <a:spcPct val="0"/>
+              </a:spcAft>
+            </a:pPr>
+            <a:r>
+              <a:rPr lang="fr-FR" sz="900" b="1" dirty="0">
+                <a:latin typeface="Arial" panose="020B0604020202020204" pitchFamily="34" charset="0"/>
+                <a:ea typeface="MS PGothic" pitchFamily="34" charset="-128"/>
+                <a:cs typeface="Arial" panose="020B0604020202020204" pitchFamily="34" charset="0"/>
+              </a:rPr>
+              <a:t>Actions :</a:t>
+            </a:r>
+          </a:p>
+          <a:p>
+            <a:pPr marL="171450" indent="-171450" defTabSz="914400" eaLnBrk="0" fontAlgn="base" hangingPunct="0">
+              <a:spcBef>
+                <a:spcPts val="600"/>
+              </a:spcBef>
+              <a:spcAft>
+                <a:spcPct val="0"/>
+              </a:spcAft>
+              <a:buFont typeface="Arial" panose="020B0604020202020204" pitchFamily="34" charset="0"/>
+              <a:buChar char="•"/>
+            </a:pPr>
+            <a:r>
+              <a:rPr lang="fr-FR" sz="900" dirty="0"/>
+              <a:t>xxx</a:t>
+            </a:r>
+            <a:endParaRPr lang="fr-FR" sz="900" dirty="0">
+              <a:latin typeface="Arial" panose="020B0604020202020204" pitchFamily="34" charset="0"/>
+              <a:ea typeface="MS PGothic" pitchFamily="34" charset="-128"/>
+              <a:cs typeface="Arial" panose="020B0604020202020204" pitchFamily="34" charset="0"/>
+            </a:endParaRPr>
+          </a:p>
+          <a:p>
+            <a:pPr defTabSz="914400" eaLnBrk="0" fontAlgn="base" hangingPunct="0">
+              <a:spcBef>
+                <a:spcPts val="600"/>
+              </a:spcBef>
+              <a:spcAft>
+                <a:spcPct val="0"/>
+              </a:spcAft>
+            </a:pPr>
+            <a:endParaRPr lang="fr-FR" sz="900" dirty="0">
+              <a:latin typeface="Arial" panose="020B0604020202020204" pitchFamily="34" charset="0"/>
+              <a:ea typeface="MS PGothic" pitchFamily="34" charset="-128"/>
+              <a:cs typeface="Arial" panose="020B0604020202020204" pitchFamily="34" charset="0"/>
+            </a:endParaRPr>
+          </a:p>
+        </p:txBody>
+      </p:sp>
+      <p:grpSp>
+        <p:nvGrpSpPr>
+          <p:cNvPr id="13" name="Groupe 12">
+            <a:extLst>
+              <a:ext uri="{FF2B5EF4-FFF2-40B4-BE49-F238E27FC236}">
+                <a16:creationId xmlns:a16="http://schemas.microsoft.com/office/drawing/2014/main" id="{C68D3C11-FF4A-152A-15F7-5496E4E77F38}"/>
+              </a:ext>
+            </a:extLst>
+          </p:cNvPr>
+          <p:cNvGrpSpPr/>
+          <p:nvPr/>
+        </p:nvGrpSpPr>
+        <p:grpSpPr>
+          <a:xfrm>
+            <a:off x="3626697" y="1259399"/>
+            <a:ext cx="503125" cy="306978"/>
+            <a:chOff x="5129933" y="1197972"/>
+            <a:chExt cx="679703" cy="414716"/>
+          </a:xfrm>
+        </p:grpSpPr>
+        <p:sp>
+          <p:nvSpPr>
+            <p:cNvPr id="9" name="Flèche : demi-tour 8">
+              <a:extLst>
+                <a:ext uri="{FF2B5EF4-FFF2-40B4-BE49-F238E27FC236}">
+                  <a16:creationId xmlns:a16="http://schemas.microsoft.com/office/drawing/2014/main" id="{8C998E6D-28B7-7E7D-F69E-30B2E9223F02}"/>
+                </a:ext>
+              </a:extLst>
+            </p:cNvPr>
+            <p:cNvSpPr/>
+            <p:nvPr/>
+          </p:nvSpPr>
+          <p:spPr>
+            <a:xfrm rot="5400000" flipH="1">
+              <a:off x="5434669" y="1202078"/>
+              <a:ext cx="379074" cy="370861"/>
+            </a:xfrm>
+            <a:prstGeom prst="uturnArrow">
+              <a:avLst>
+                <a:gd name="adj1" fmla="val 24379"/>
+                <a:gd name="adj2" fmla="val 25000"/>
+                <a:gd name="adj3" fmla="val 25000"/>
+                <a:gd name="adj4" fmla="val 43750"/>
+                <a:gd name="adj5" fmla="val 75000"/>
+              </a:avLst>
+            </a:prstGeom>
+            <a:ln w="12700"/>
+          </p:spPr>
+          <p:style>
+            <a:lnRef idx="2">
+              <a:schemeClr val="accent1"/>
+            </a:lnRef>
+            <a:fillRef idx="1">
+              <a:schemeClr val="lt1"/>
+            </a:fillRef>
+            <a:effectRef idx="0">
+              <a:schemeClr val="accent1"/>
+            </a:effectRef>
+            <a:fontRef idx="minor">
+              <a:schemeClr val="dk1"/>
+            </a:fontRef>
+          </p:style>
+          <p:txBody>
+            <a:bodyPr rtlCol="0" anchor="ctr"/>
+            <a:lstStyle/>
+            <a:p>
+              <a:pPr algn="ctr"/>
+              <a:endParaRPr lang="fr-FR">
+                <a:solidFill>
+                  <a:schemeClr val="tx1"/>
+                </a:solidFill>
+              </a:endParaRPr>
+            </a:p>
+          </p:txBody>
+        </p:sp>
+        <p:sp>
+          <p:nvSpPr>
+            <p:cNvPr id="12" name="Flèche : demi-tour 11">
+              <a:extLst>
+                <a:ext uri="{FF2B5EF4-FFF2-40B4-BE49-F238E27FC236}">
+                  <a16:creationId xmlns:a16="http://schemas.microsoft.com/office/drawing/2014/main" id="{B782929E-1773-2DBE-2755-66E7F62F7548}"/>
+                </a:ext>
+              </a:extLst>
+            </p:cNvPr>
+            <p:cNvSpPr/>
+            <p:nvPr/>
+          </p:nvSpPr>
+          <p:spPr>
+            <a:xfrm rot="16200000" flipH="1">
+              <a:off x="5125827" y="1237720"/>
+              <a:ext cx="379074" cy="370861"/>
+            </a:xfrm>
+            <a:prstGeom prst="uturnArrow">
+              <a:avLst>
+                <a:gd name="adj1" fmla="val 24379"/>
+                <a:gd name="adj2" fmla="val 25000"/>
+                <a:gd name="adj3" fmla="val 25000"/>
+                <a:gd name="adj4" fmla="val 43750"/>
+                <a:gd name="adj5" fmla="val 75000"/>
+              </a:avLst>
+            </a:prstGeom>
+            <a:ln w="12700"/>
+          </p:spPr>
+          <p:style>
+            <a:lnRef idx="2">
+              <a:schemeClr val="accent1"/>
+            </a:lnRef>
+            <a:fillRef idx="1">
+              <a:schemeClr val="lt1"/>
+            </a:fillRef>
+            <a:effectRef idx="0">
+              <a:schemeClr val="accent1"/>
+            </a:effectRef>
+            <a:fontRef idx="minor">
+              <a:schemeClr val="dk1"/>
+            </a:fontRef>
+          </p:style>
+          <p:txBody>
+            <a:bodyPr rtlCol="0" anchor="ctr"/>
+            <a:lstStyle/>
+            <a:p>
+              <a:pPr algn="ctr"/>
+              <a:endParaRPr lang="fr-FR">
+                <a:solidFill>
+                  <a:schemeClr val="tx1"/>
+                </a:solidFill>
+              </a:endParaRPr>
+            </a:p>
+          </p:txBody>
+        </p:sp>
+      </p:grpSp>
+    </p:spTree>
+  </p:cSld>
+  <p:clrMapOvr>
+    <a:masterClrMapping/>
+  </p:clrMapOvr>
+  <p:timing>
+    <p:tnLst>
+      <p:par>
+        <p:cTn id="1" dur="indefinite" restart="never" nodeType="tmRoot">
+          <p:childTnLst>
+            <p:seq concurrent="1" nextAc="seek">
+              <p:cTn id="2" dur="indefinite" nodeType="mainSeq">
+                <p:childTnLst>
+                  <p:par>
+                    <p:cTn id="3" fill="hold">
+                      <p:stCondLst>
+                        <p:cond delay="indefinite"/>
+                      </p:stCondLst>
+                      <p:childTnLst>
+                        <p:par>
+                          <p:cTn id="4" fill="hold">
+                            <p:stCondLst>
+                              <p:cond delay="0"/>
+                            </p:stCondLst>
+                            <p:childTnLst>
+                              <p:par>
+                                <p:cTn id="5" presetID="1" presetClass="entr" presetSubtype="0" fill="hold" grpId="0" nodeType="clickEffect">
+                                  <p:stCondLst>
+                                    <p:cond delay="0"/>
+                                  </p:stCondLst>
+                                  <p:childTnLst>
+                                    <p:set>
+                                      <p:cBhvr>
+                                        <p:cTn id="6" dur="1" fill="hold">
+                                          <p:stCondLst>
+                                            <p:cond delay="0"/>
+                                          </p:stCondLst>
+                                        </p:cTn>
+                                        <p:tgtEl>
+                                          <p:spTgt spid="3"/>
+                                        </p:tgtEl>
+                                        <p:attrNameLst>
+                                          <p:attrName>style.visibility</p:attrName>
+                                        </p:attrNameLst>
+                                      </p:cBhvr>
+                                      <p:to>
+                                        <p:strVal val="visible"/>
+                                      </p:to>
+                                    </p:set>
+                                  </p:childTnLst>
+                                </p:cTn>
+                              </p:par>
+                              <p:par>
+                                <p:cTn id="7" presetID="1" presetClass="entr" presetSubtype="0" fill="hold" grpId="0" nodeType="withEffect">
+                                  <p:stCondLst>
+                                    <p:cond delay="0"/>
+                                  </p:stCondLst>
+                                  <p:childTnLst>
+                                    <p:set>
+                                      <p:cBhvr>
+                                        <p:cTn id="8" dur="1" fill="hold">
+                                          <p:stCondLst>
+                                            <p:cond delay="0"/>
+                                          </p:stCondLst>
+                                        </p:cTn>
+                                        <p:tgtEl>
+                                          <p:spTgt spid="10"/>
+                                        </p:tgtEl>
+                                        <p:attrNameLst>
+                                          <p:attrName>style.visibility</p:attrName>
+                                        </p:attrNameLst>
+                                      </p:cBhvr>
+                                      <p:to>
+                                        <p:strVal val="visible"/>
+                                      </p:to>
+                                    </p:set>
+                                  </p:childTnLst>
+                                </p:cTn>
+                              </p:par>
+                            </p:childTnLst>
+                          </p:cTn>
+                        </p:par>
+                      </p:childTnLst>
+                    </p:cTn>
+                  </p:par>
+                  <p:par>
+                    <p:cTn id="9" fill="hold">
+                      <p:stCondLst>
+                        <p:cond delay="indefinite"/>
+                      </p:stCondLst>
+                      <p:childTnLst>
+                        <p:par>
+                          <p:cTn id="10" fill="hold">
+                            <p:stCondLst>
+                              <p:cond delay="0"/>
+                            </p:stCondLst>
+                            <p:childTnLst>
+                              <p:par>
+                                <p:cTn id="11" presetID="1" presetClass="entr" presetSubtype="0" fill="hold" grpId="0" nodeType="clickEffect">
+                                  <p:stCondLst>
+                                    <p:cond delay="0"/>
+                                  </p:stCondLst>
+                                  <p:childTnLst>
+                                    <p:set>
+                                      <p:cBhvr>
+                                        <p:cTn id="12" dur="1" fill="hold">
+                                          <p:stCondLst>
+                                            <p:cond delay="0"/>
+                                          </p:stCondLst>
+                                        </p:cTn>
+                                        <p:tgtEl>
+                                          <p:spTgt spid="15"/>
+                                        </p:tgtEl>
+                                        <p:attrNameLst>
+                                          <p:attrName>style.visibility</p:attrName>
+                                        </p:attrNameLst>
+                                      </p:cBhvr>
+                                      <p:to>
+                                        <p:strVal val="visible"/>
+                                      </p:to>
+                                    </p:set>
+                                  </p:childTnLst>
+                                </p:cTn>
+                              </p:par>
+                              <p:par>
+                                <p:cTn id="13" presetID="1" presetClass="entr" presetSubtype="0" fill="hold" grpId="0" nodeType="withEffect">
+                                  <p:stCondLst>
+                                    <p:cond delay="0"/>
+                                  </p:stCondLst>
+                                  <p:childTnLst>
+                                    <p:set>
+                                      <p:cBhvr>
+                                        <p:cTn id="14" dur="1" fill="hold">
+                                          <p:stCondLst>
+                                            <p:cond delay="0"/>
+                                          </p:stCondLst>
+                                        </p:cTn>
+                                        <p:tgtEl>
+                                          <p:spTgt spid="4"/>
+                                        </p:tgtEl>
+                                        <p:attrNameLst>
+                                          <p:attrName>style.visibility</p:attrName>
+                                        </p:attrNameLst>
+                                      </p:cBhvr>
+                                      <p:to>
+                                        <p:strVal val="visible"/>
+                                      </p:to>
+                                    </p:set>
+                                  </p:childTnLst>
+                                </p:cTn>
+                              </p:par>
+                            </p:childTnLst>
+                          </p:cTn>
+                        </p:par>
+                      </p:childTnLst>
+                    </p:cTn>
+                  </p:par>
+                  <p:par>
+                    <p:cTn id="15" fill="hold">
+                      <p:stCondLst>
+                        <p:cond delay="indefinite"/>
+                      </p:stCondLst>
+                      <p:childTnLst>
+                        <p:par>
+                          <p:cTn id="16" fill="hold">
+                            <p:stCondLst>
+                              <p:cond delay="0"/>
+                            </p:stCondLst>
+                            <p:childTnLst>
+                              <p:par>
+                                <p:cTn id="17" presetID="1" presetClass="entr" presetSubtype="0" fill="hold" grpId="0" nodeType="clickEffect">
+                                  <p:stCondLst>
+                                    <p:cond delay="0"/>
+                                  </p:stCondLst>
+                                  <p:childTnLst>
+                                    <p:set>
+                                      <p:cBhvr>
+                                        <p:cTn id="18" dur="1" fill="hold">
+                                          <p:stCondLst>
+                                            <p:cond delay="0"/>
+                                          </p:stCondLst>
+                                        </p:cTn>
+                                        <p:tgtEl>
+                                          <p:spTgt spid="16"/>
+                                        </p:tgtEl>
+                                        <p:attrNameLst>
+                                          <p:attrName>style.visibility</p:attrName>
+                                        </p:attrNameLst>
+                                      </p:cBhvr>
+                                      <p:to>
+                                        <p:strVal val="visible"/>
+                                      </p:to>
+                                    </p:set>
+                                  </p:childTnLst>
+                                </p:cTn>
+                              </p:par>
+                              <p:par>
+                                <p:cTn id="19" presetID="1" presetClass="entr" presetSubtype="0" fill="hold" grpId="0" nodeType="withEffect">
+                                  <p:stCondLst>
+                                    <p:cond delay="0"/>
+                                  </p:stCondLst>
+                                  <p:childTnLst>
+                                    <p:set>
+                                      <p:cBhvr>
+                                        <p:cTn id="20" dur="1" fill="hold">
+                                          <p:stCondLst>
+                                            <p:cond delay="0"/>
+                                          </p:stCondLst>
+                                        </p:cTn>
+                                        <p:tgtEl>
+                                          <p:spTgt spid="5"/>
+                                        </p:tgtEl>
+                                        <p:attrNameLst>
+                                          <p:attrName>style.visibility</p:attrName>
+                                        </p:attrNameLst>
+                                      </p:cBhvr>
+                                      <p:to>
+                                        <p:strVal val="visible"/>
+                                      </p:to>
+                                    </p:set>
+                                  </p:childTnLst>
+                                </p:cTn>
+                              </p:par>
+                            </p:childTnLst>
+                          </p:cTn>
+                        </p:par>
+                      </p:childTnLst>
+                    </p:cTn>
+                  </p:par>
+                  <p:par>
+                    <p:cTn id="21" fill="hold">
+                      <p:stCondLst>
+                        <p:cond delay="indefinite"/>
+                      </p:stCondLst>
+                      <p:childTnLst>
+                        <p:par>
+                          <p:cTn id="22" fill="hold">
+                            <p:stCondLst>
+                              <p:cond delay="0"/>
+                            </p:stCondLst>
+                            <p:childTnLst>
+                              <p:par>
+                                <p:cTn id="23" presetID="1" presetClass="entr" presetSubtype="0" fill="hold" grpId="0" nodeType="clickEffect">
+                                  <p:stCondLst>
+                                    <p:cond delay="0"/>
+                                  </p:stCondLst>
+                                  <p:childTnLst>
+                                    <p:set>
+                                      <p:cBhvr>
+                                        <p:cTn id="24" dur="1" fill="hold">
+                                          <p:stCondLst>
+                                            <p:cond delay="0"/>
+                                          </p:stCondLst>
+                                        </p:cTn>
+                                        <p:tgtEl>
+                                          <p:spTgt spid="6"/>
+                                        </p:tgtEl>
+                                        <p:attrNameLst>
+                                          <p:attrName>style.visibility</p:attrName>
+                                        </p:attrNameLst>
+                                      </p:cBhvr>
+                                      <p:to>
+                                        <p:strVal val="visible"/>
+                                      </p:to>
+                                    </p:set>
+                                  </p:childTnLst>
+                                </p:cTn>
+                              </p:par>
+                              <p:par>
+                                <p:cTn id="25" presetID="1" presetClass="entr" presetSubtype="0" fill="hold" grpId="0" nodeType="withEffect">
+                                  <p:stCondLst>
+                                    <p:cond delay="0"/>
+                                  </p:stCondLst>
+                                  <p:childTnLst>
+                                    <p:set>
+                                      <p:cBhvr>
+                                        <p:cTn id="26" dur="1" fill="hold">
+                                          <p:stCondLst>
+                                            <p:cond delay="0"/>
+                                          </p:stCondLst>
+                                        </p:cTn>
+                                        <p:tgtEl>
+                                          <p:spTgt spid="17"/>
+                                        </p:tgtEl>
+                                        <p:attrNameLst>
+                                          <p:attrName>style.visibility</p:attrName>
+                                        </p:attrNameLst>
+                                      </p:cBhvr>
+                                      <p:to>
+                                        <p:strVal val="visible"/>
+                                      </p:to>
+                                    </p:set>
+                                  </p:childTnLst>
+                                </p:cTn>
+                              </p:par>
+                            </p:childTnLst>
+                          </p:cTn>
+                        </p:par>
+                      </p:childTnLst>
+                    </p:cTn>
+                  </p:par>
+                  <p:par>
+                    <p:cTn id="27" fill="hold">
+                      <p:stCondLst>
+                        <p:cond delay="indefinite"/>
+                      </p:stCondLst>
+                      <p:childTnLst>
+                        <p:par>
+                          <p:cTn id="28" fill="hold">
+                            <p:stCondLst>
+                              <p:cond delay="0"/>
+                            </p:stCondLst>
+                            <p:childTnLst>
+                              <p:par>
+                                <p:cTn id="29" presetID="1" presetClass="entr" presetSubtype="0" fill="hold" nodeType="clickEffect">
+                                  <p:stCondLst>
+                                    <p:cond delay="0"/>
+                                  </p:stCondLst>
+                                  <p:childTnLst>
+                                    <p:set>
+                                      <p:cBhvr>
+                                        <p:cTn id="30" dur="1" fill="hold">
+                                          <p:stCondLst>
+                                            <p:cond delay="0"/>
+                                          </p:stCondLst>
+                                        </p:cTn>
+                                        <p:tgtEl>
+                                          <p:spTgt spid="13"/>
+                                        </p:tgtEl>
+                                        <p:attrNameLst>
+                                          <p:attrName>style.visibility</p:attrName>
+                                        </p:attrNameLst>
+                                      </p:cBhvr>
+                                      <p:to>
+                                        <p:strVal val="visible"/>
+                                      </p:to>
+                                    </p:set>
+                                  </p:childTnLst>
+                                </p:cTn>
+                              </p:par>
+                            </p:childTnLst>
+                          </p:cTn>
+                        </p:par>
+                      </p:childTnLst>
+                    </p:cTn>
+                  </p:par>
+                  <p:par>
+                    <p:cTn id="31" fill="hold">
+                      <p:stCondLst>
+                        <p:cond delay="indefinite"/>
+                      </p:stCondLst>
+                      <p:childTnLst>
+                        <p:par>
+                          <p:cTn id="32" fill="hold">
+                            <p:stCondLst>
+                              <p:cond delay="0"/>
+                            </p:stCondLst>
+                            <p:childTnLst>
+                              <p:par>
+                                <p:cTn id="33" presetID="1" presetClass="entr" presetSubtype="0" fill="hold" grpId="0" nodeType="clickEffect">
+                                  <p:stCondLst>
+                                    <p:cond delay="0"/>
+                                  </p:stCondLst>
+                                  <p:childTnLst>
+                                    <p:set>
+                                      <p:cBhvr>
+                                        <p:cTn id="34" dur="1" fill="hold">
+                                          <p:stCondLst>
+                                            <p:cond delay="0"/>
+                                          </p:stCondLst>
+                                        </p:cTn>
+                                        <p:tgtEl>
+                                          <p:spTgt spid="7"/>
+                                        </p:tgtEl>
+                                        <p:attrNameLst>
+                                          <p:attrName>style.visibility</p:attrName>
+                                        </p:attrNameLst>
+                                      </p:cBhvr>
+                                      <p:to>
+                                        <p:strVal val="visible"/>
+                                      </p:to>
+                                    </p:set>
+                                  </p:childTnLst>
+                                </p:cTn>
+                              </p:par>
+                              <p:par>
+                                <p:cTn id="35" presetID="1" presetClass="entr" presetSubtype="0" fill="hold" grpId="0" nodeType="withEffect">
+                                  <p:stCondLst>
+                                    <p:cond delay="0"/>
+                                  </p:stCondLst>
+                                  <p:childTnLst>
+                                    <p:set>
+                                      <p:cBhvr>
+                                        <p:cTn id="36" dur="1" fill="hold">
+                                          <p:stCondLst>
+                                            <p:cond delay="0"/>
+                                          </p:stCondLst>
+                                        </p:cTn>
+                                        <p:tgtEl>
+                                          <p:spTgt spid="18"/>
+                                        </p:tgtEl>
+                                        <p:attrNameLst>
+                                          <p:attrName>style.visibility</p:attrName>
+                                        </p:attrNameLst>
+                                      </p:cBhvr>
+                                      <p:to>
+                                        <p:strVal val="visible"/>
+                                      </p:to>
+                                    </p:set>
+                                  </p:childTnLst>
+                                </p:cTn>
+                              </p:par>
+                            </p:childTnLst>
+                          </p:cTn>
+                        </p:par>
+                      </p:childTnLst>
+                    </p:cTn>
+                  </p:par>
+                </p:childTnLst>
+              </p:cTn>
+              <p:prevCondLst>
+                <p:cond evt="onPrev" delay="0">
+                  <p:tgtEl>
+                    <p:sldTgt/>
+                  </p:tgtEl>
+                </p:cond>
+              </p:prevCondLst>
+              <p:nextCondLst>
+                <p:cond evt="onNext" delay="0">
+                  <p:tgtEl>
+                    <p:sldTgt/>
+                  </p:tgtEl>
+                </p:cond>
+              </p:nextCondLst>
+            </p:seq>
+          </p:childTnLst>
+        </p:cTn>
+      </p:par>
+    </p:tnLst>
+    <p:bldLst>
+      <p:bldP spid="10" grpId="0" animBg="1"/>
+      <p:bldP spid="3" grpId="0" animBg="1"/>
+      <p:bldP spid="4" grpId="0" animBg="1"/>
+      <p:bldP spid="5" grpId="0" animBg="1"/>
+      <p:bldP spid="6" grpId="0" animBg="1"/>
+      <p:bldP spid="7" grpId="0" animBg="1"/>
+      <p:bldP spid="15" grpId="0" animBg="1"/>
+      <p:bldP spid="16" grpId="0" animBg="1"/>
+      <p:bldP spid="17" grpId="0" animBg="1"/>
+      <p:bldP spid="18" grpId="0" animBg="1"/>
+    </p:bldLst>
+  </p:timing>
+</p:sld>
+</file>
+
+<file path=ppt/slides/slide5.xml><?xml version="1.0" encoding="utf-8"?>
+<p:sld xmlns:a="http://schemas.openxmlformats.org/drawingml/2006/main" xmlns:r="http://schemas.openxmlformats.org/officeDocument/2006/relationships" xmlns:p="http://schemas.openxmlformats.org/presentationml/2006/main">
+  <p:cSld>
+    <p:spTree>
+      <p:nvGrpSpPr>
+        <p:cNvPr id="1" name="Shape 95">
+          <a:extLst>
+            <a:ext uri="{FF2B5EF4-FFF2-40B4-BE49-F238E27FC236}">
+              <a16:creationId xmlns:a16="http://schemas.microsoft.com/office/drawing/2014/main" id="{102D340D-B8AB-12B1-1341-CA7D51F053B0}"/>
+            </a:ext>
+          </a:extLst>
+        </p:cNvPr>
+        <p:cNvGrpSpPr/>
+        <p:nvPr/>
+      </p:nvGrpSpPr>
+      <p:grpSpPr>
+        <a:xfrm>
+          <a:off x="0" y="0"/>
+          <a:ext cx="0" cy="0"/>
+          <a:chOff x="0" y="0"/>
+          <a:chExt cx="0" cy="0"/>
+        </a:xfrm>
+      </p:grpSpPr>
+      <p:cxnSp>
+        <p:nvCxnSpPr>
+          <p:cNvPr id="1075" name="Connecteur : en angle 1074">
+            <a:extLst>
+              <a:ext uri="{FF2B5EF4-FFF2-40B4-BE49-F238E27FC236}">
+                <a16:creationId xmlns:a16="http://schemas.microsoft.com/office/drawing/2014/main" id="{EB70B985-2508-613E-3824-FAD3BB6966AC}"/>
+              </a:ext>
+            </a:extLst>
+          </p:cNvPr>
+          <p:cNvCxnSpPr>
+            <a:cxnSpLocks/>
+            <a:stCxn id="2097" idx="2"/>
+            <a:endCxn id="43" idx="3"/>
+          </p:cNvCxnSpPr>
+          <p:nvPr/>
+        </p:nvCxnSpPr>
+        <p:spPr>
+          <a:xfrm rot="5400000">
+            <a:off x="7570819" y="3859448"/>
+            <a:ext cx="739989" cy="298315"/>
+          </a:xfrm>
+          <a:prstGeom prst="bentConnector2">
+            <a:avLst/>
+          </a:prstGeom>
+          <a:ln>
+            <a:solidFill>
+              <a:srgbClr val="FF0080"/>
+            </a:solidFill>
+            <a:headEnd type="triangle"/>
+            <a:tailEnd type="triangle"/>
+          </a:ln>
+        </p:spPr>
+        <p:style>
+          <a:lnRef idx="1">
+            <a:schemeClr val="accent1"/>
+          </a:lnRef>
+          <a:fillRef idx="0">
+            <a:schemeClr val="accent1"/>
+          </a:fillRef>
+          <a:effectRef idx="0">
+            <a:schemeClr val="accent1"/>
+          </a:effectRef>
+          <a:fontRef idx="minor">
+            <a:schemeClr val="tx1"/>
+          </a:fontRef>
+        </p:style>
+      </p:cxnSp>
+      <p:sp>
+        <p:nvSpPr>
+          <p:cNvPr id="26" name="Forme libre : forme 25">
+            <a:extLst>
+              <a:ext uri="{FF2B5EF4-FFF2-40B4-BE49-F238E27FC236}">
+                <a16:creationId xmlns:a16="http://schemas.microsoft.com/office/drawing/2014/main" id="{CCAE5A27-B2A2-0280-F66C-5CDBE7E24E20}"/>
+              </a:ext>
+            </a:extLst>
+          </p:cNvPr>
+          <p:cNvSpPr/>
+          <p:nvPr/>
+        </p:nvSpPr>
+        <p:spPr>
+          <a:xfrm>
+            <a:off x="6374912" y="936409"/>
+            <a:ext cx="2310321" cy="348427"/>
+          </a:xfrm>
+          <a:custGeom>
+            <a:avLst/>
+            <a:gdLst>
+              <a:gd name="connsiteX0" fmla="*/ 0 w 1839339"/>
+              <a:gd name="connsiteY0" fmla="*/ 0 h 533101"/>
+              <a:gd name="connsiteX1" fmla="*/ 1572789 w 1839339"/>
+              <a:gd name="connsiteY1" fmla="*/ 0 h 533101"/>
+              <a:gd name="connsiteX2" fmla="*/ 1839339 w 1839339"/>
+              <a:gd name="connsiteY2" fmla="*/ 266551 h 533101"/>
+              <a:gd name="connsiteX3" fmla="*/ 1572789 w 1839339"/>
+              <a:gd name="connsiteY3" fmla="*/ 533101 h 533101"/>
+              <a:gd name="connsiteX4" fmla="*/ 0 w 1839339"/>
+              <a:gd name="connsiteY4" fmla="*/ 533101 h 533101"/>
+              <a:gd name="connsiteX5" fmla="*/ 266551 w 1839339"/>
+              <a:gd name="connsiteY5" fmla="*/ 266551 h 533101"/>
+              <a:gd name="connsiteX6" fmla="*/ 0 w 1839339"/>
+              <a:gd name="connsiteY6" fmla="*/ 0 h 533101"/>
+            </a:gdLst>
+            <a:ahLst/>
+            <a:cxnLst>
+              <a:cxn ang="0">
+                <a:pos x="connsiteX0" y="connsiteY0"/>
+              </a:cxn>
+              <a:cxn ang="0">
+                <a:pos x="connsiteX1" y="connsiteY1"/>
+              </a:cxn>
+              <a:cxn ang="0">
+                <a:pos x="connsiteX2" y="connsiteY2"/>
+              </a:cxn>
+              <a:cxn ang="0">
+                <a:pos x="connsiteX3" y="connsiteY3"/>
+              </a:cxn>
+              <a:cxn ang="0">
+                <a:pos x="connsiteX4" y="connsiteY4"/>
+              </a:cxn>
+              <a:cxn ang="0">
+                <a:pos x="connsiteX5" y="connsiteY5"/>
+              </a:cxn>
+              <a:cxn ang="0">
+                <a:pos x="connsiteX6" y="connsiteY6"/>
+              </a:cxn>
+            </a:cxnLst>
+            <a:rect l="l" t="t" r="r" b="b"/>
+            <a:pathLst>
+              <a:path w="1839339" h="533101">
+                <a:moveTo>
+                  <a:pt x="0" y="0"/>
+                </a:moveTo>
+                <a:lnTo>
+                  <a:pt x="1572789" y="0"/>
+                </a:lnTo>
+                <a:lnTo>
+                  <a:pt x="1839339" y="266551"/>
+                </a:lnTo>
+                <a:lnTo>
+                  <a:pt x="1572789" y="533101"/>
+                </a:lnTo>
+                <a:lnTo>
+                  <a:pt x="0" y="533101"/>
+                </a:lnTo>
+                <a:lnTo>
+                  <a:pt x="266551" y="266551"/>
+                </a:lnTo>
+                <a:lnTo>
+                  <a:pt x="0" y="0"/>
+                </a:lnTo>
+                <a:close/>
+              </a:path>
+            </a:pathLst>
+          </a:custGeom>
+        </p:spPr>
+        <p:style>
+          <a:lnRef idx="2">
+            <a:schemeClr val="lt1">
+              <a:hueOff val="0"/>
+              <a:satOff val="0"/>
+              <a:lumOff val="0"/>
+              <a:alphaOff val="0"/>
+            </a:schemeClr>
+          </a:lnRef>
+          <a:fillRef idx="1">
+            <a:schemeClr val="accent3">
+              <a:shade val="80000"/>
+              <a:hueOff val="0"/>
+              <a:satOff val="0"/>
+              <a:lumOff val="0"/>
+              <a:alphaOff val="0"/>
+            </a:schemeClr>
+          </a:fillRef>
+          <a:effectRef idx="0">
+            <a:schemeClr val="accent3">
+              <a:shade val="80000"/>
+              <a:hueOff val="0"/>
+              <a:satOff val="0"/>
+              <a:lumOff val="0"/>
+              <a:alphaOff val="0"/>
+            </a:schemeClr>
+          </a:effectRef>
+          <a:fontRef idx="minor">
+            <a:schemeClr val="lt1"/>
+          </a:fontRef>
+        </p:style>
+        <p:txBody>
+          <a:bodyPr spcFirstLastPara="0" vert="horz" wrap="square" lIns="310557" tIns="14669" rIns="281219" bIns="14669" numCol="1" spcCol="1270" anchor="ctr" anchorCtr="0">
+            <a:noAutofit/>
+          </a:bodyPr>
+          <a:lstStyle/>
+          <a:p>
+            <a:pPr marL="158750" indent="0" algn="ctr">
+              <a:buNone/>
+            </a:pPr>
+            <a:r>
+              <a:rPr lang="fr-FR" sz="800" b="1" dirty="0"/>
+              <a:t>API et</a:t>
+            </a:r>
+          </a:p>
+          <a:p>
+            <a:pPr marL="158750" indent="0" algn="ctr">
+              <a:buNone/>
+            </a:pPr>
+            <a:r>
+              <a:rPr lang="fr-FR" sz="800" b="1" dirty="0"/>
+              <a:t>Application</a:t>
+            </a:r>
+          </a:p>
+        </p:txBody>
+      </p:sp>
+      <p:sp>
+        <p:nvSpPr>
+          <p:cNvPr id="22" name="Forme libre : forme 21">
+            <a:extLst>
+              <a:ext uri="{FF2B5EF4-FFF2-40B4-BE49-F238E27FC236}">
+                <a16:creationId xmlns:a16="http://schemas.microsoft.com/office/drawing/2014/main" id="{55F95513-FB46-9FE4-91D4-34DF9BFEC6C4}"/>
+              </a:ext>
+            </a:extLst>
+          </p:cNvPr>
+          <p:cNvSpPr/>
+          <p:nvPr/>
+        </p:nvSpPr>
+        <p:spPr>
+          <a:xfrm>
+            <a:off x="4346332" y="936409"/>
+            <a:ext cx="2310321" cy="348427"/>
+          </a:xfrm>
+          <a:custGeom>
+            <a:avLst/>
+            <a:gdLst>
+              <a:gd name="connsiteX0" fmla="*/ 0 w 1839339"/>
+              <a:gd name="connsiteY0" fmla="*/ 0 h 533101"/>
+              <a:gd name="connsiteX1" fmla="*/ 1572789 w 1839339"/>
+              <a:gd name="connsiteY1" fmla="*/ 0 h 533101"/>
+              <a:gd name="connsiteX2" fmla="*/ 1839339 w 1839339"/>
+              <a:gd name="connsiteY2" fmla="*/ 266551 h 533101"/>
+              <a:gd name="connsiteX3" fmla="*/ 1572789 w 1839339"/>
+              <a:gd name="connsiteY3" fmla="*/ 533101 h 533101"/>
+              <a:gd name="connsiteX4" fmla="*/ 0 w 1839339"/>
+              <a:gd name="connsiteY4" fmla="*/ 533101 h 533101"/>
+              <a:gd name="connsiteX5" fmla="*/ 266551 w 1839339"/>
+              <a:gd name="connsiteY5" fmla="*/ 266551 h 533101"/>
+              <a:gd name="connsiteX6" fmla="*/ 0 w 1839339"/>
+              <a:gd name="connsiteY6" fmla="*/ 0 h 533101"/>
+            </a:gdLst>
+            <a:ahLst/>
+            <a:cxnLst>
+              <a:cxn ang="0">
+                <a:pos x="connsiteX0" y="connsiteY0"/>
+              </a:cxn>
+              <a:cxn ang="0">
+                <a:pos x="connsiteX1" y="connsiteY1"/>
+              </a:cxn>
+              <a:cxn ang="0">
+                <a:pos x="connsiteX2" y="connsiteY2"/>
+              </a:cxn>
+              <a:cxn ang="0">
+                <a:pos x="connsiteX3" y="connsiteY3"/>
+              </a:cxn>
+              <a:cxn ang="0">
+                <a:pos x="connsiteX4" y="connsiteY4"/>
+              </a:cxn>
+              <a:cxn ang="0">
+                <a:pos x="connsiteX5" y="connsiteY5"/>
+              </a:cxn>
+              <a:cxn ang="0">
+                <a:pos x="connsiteX6" y="connsiteY6"/>
+              </a:cxn>
+            </a:cxnLst>
+            <a:rect l="l" t="t" r="r" b="b"/>
+            <a:pathLst>
+              <a:path w="1839339" h="533101">
+                <a:moveTo>
+                  <a:pt x="0" y="0"/>
+                </a:moveTo>
+                <a:lnTo>
+                  <a:pt x="1572789" y="0"/>
+                </a:lnTo>
+                <a:lnTo>
+                  <a:pt x="1839339" y="266551"/>
+                </a:lnTo>
+                <a:lnTo>
+                  <a:pt x="1572789" y="533101"/>
+                </a:lnTo>
+                <a:lnTo>
+                  <a:pt x="0" y="533101"/>
+                </a:lnTo>
+                <a:lnTo>
+                  <a:pt x="266551" y="266551"/>
+                </a:lnTo>
+                <a:lnTo>
+                  <a:pt x="0" y="0"/>
+                </a:lnTo>
+                <a:close/>
+              </a:path>
+            </a:pathLst>
+          </a:custGeom>
+        </p:spPr>
+        <p:style>
+          <a:lnRef idx="2">
+            <a:schemeClr val="lt1">
+              <a:hueOff val="0"/>
+              <a:satOff val="0"/>
+              <a:lumOff val="0"/>
+              <a:alphaOff val="0"/>
+            </a:schemeClr>
+          </a:lnRef>
+          <a:fillRef idx="1">
+            <a:schemeClr val="accent3">
+              <a:shade val="80000"/>
+              <a:hueOff val="0"/>
+              <a:satOff val="0"/>
+              <a:lumOff val="0"/>
+              <a:alphaOff val="0"/>
+            </a:schemeClr>
+          </a:fillRef>
+          <a:effectRef idx="0">
+            <a:schemeClr val="accent3">
+              <a:shade val="80000"/>
+              <a:hueOff val="0"/>
+              <a:satOff val="0"/>
+              <a:lumOff val="0"/>
+              <a:alphaOff val="0"/>
+            </a:schemeClr>
+          </a:effectRef>
+          <a:fontRef idx="minor">
+            <a:schemeClr val="lt1"/>
+          </a:fontRef>
+        </p:style>
+        <p:txBody>
+          <a:bodyPr spcFirstLastPara="0" vert="horz" wrap="square" lIns="310557" tIns="14669" rIns="281219" bIns="14669" numCol="1" spcCol="1270" anchor="ctr" anchorCtr="0">
+            <a:noAutofit/>
+          </a:bodyPr>
+          <a:lstStyle/>
+          <a:p>
+            <a:pPr marL="0" lvl="0" indent="0" algn="ctr" defTabSz="488950">
+              <a:lnSpc>
+                <a:spcPct val="90000"/>
+              </a:lnSpc>
+              <a:spcBef>
+                <a:spcPct val="0"/>
+              </a:spcBef>
+              <a:spcAft>
+                <a:spcPct val="35000"/>
+              </a:spcAft>
+              <a:buNone/>
+            </a:pPr>
+            <a:r>
+              <a:rPr lang="fr-FR" sz="800" b="1" dirty="0"/>
+              <a:t>Entraînement et </a:t>
+            </a:r>
+          </a:p>
+          <a:p>
+            <a:pPr marL="0" lvl="0" indent="0" algn="ctr" defTabSz="488950">
+              <a:lnSpc>
+                <a:spcPct val="90000"/>
+              </a:lnSpc>
+              <a:spcBef>
+                <a:spcPct val="0"/>
+              </a:spcBef>
+              <a:spcAft>
+                <a:spcPct val="35000"/>
+              </a:spcAft>
+              <a:buNone/>
+            </a:pPr>
+            <a:r>
+              <a:rPr lang="fr-FR" sz="800" b="1" dirty="0"/>
+              <a:t>suivi du modèle</a:t>
+            </a:r>
+            <a:endParaRPr lang="fr-FR" sz="800" kern="1200" dirty="0"/>
+          </a:p>
+        </p:txBody>
+      </p:sp>
+      <p:sp>
+        <p:nvSpPr>
+          <p:cNvPr id="18" name="Forme libre : forme 17">
+            <a:extLst>
+              <a:ext uri="{FF2B5EF4-FFF2-40B4-BE49-F238E27FC236}">
+                <a16:creationId xmlns:a16="http://schemas.microsoft.com/office/drawing/2014/main" id="{44D928FD-3F68-ECAE-DF01-69E25D43D94B}"/>
+              </a:ext>
+            </a:extLst>
+          </p:cNvPr>
+          <p:cNvSpPr/>
+          <p:nvPr/>
+        </p:nvSpPr>
+        <p:spPr>
+          <a:xfrm>
+            <a:off x="2293137" y="936409"/>
+            <a:ext cx="2310321" cy="348427"/>
+          </a:xfrm>
+          <a:custGeom>
+            <a:avLst/>
+            <a:gdLst>
+              <a:gd name="connsiteX0" fmla="*/ 0 w 1839339"/>
+              <a:gd name="connsiteY0" fmla="*/ 0 h 533101"/>
+              <a:gd name="connsiteX1" fmla="*/ 1572789 w 1839339"/>
+              <a:gd name="connsiteY1" fmla="*/ 0 h 533101"/>
+              <a:gd name="connsiteX2" fmla="*/ 1839339 w 1839339"/>
+              <a:gd name="connsiteY2" fmla="*/ 266551 h 533101"/>
+              <a:gd name="connsiteX3" fmla="*/ 1572789 w 1839339"/>
+              <a:gd name="connsiteY3" fmla="*/ 533101 h 533101"/>
+              <a:gd name="connsiteX4" fmla="*/ 0 w 1839339"/>
+              <a:gd name="connsiteY4" fmla="*/ 533101 h 533101"/>
+              <a:gd name="connsiteX5" fmla="*/ 266551 w 1839339"/>
+              <a:gd name="connsiteY5" fmla="*/ 266551 h 533101"/>
+              <a:gd name="connsiteX6" fmla="*/ 0 w 1839339"/>
+              <a:gd name="connsiteY6" fmla="*/ 0 h 533101"/>
+            </a:gdLst>
+            <a:ahLst/>
+            <a:cxnLst>
+              <a:cxn ang="0">
+                <a:pos x="connsiteX0" y="connsiteY0"/>
+              </a:cxn>
+              <a:cxn ang="0">
+                <a:pos x="connsiteX1" y="connsiteY1"/>
+              </a:cxn>
+              <a:cxn ang="0">
+                <a:pos x="connsiteX2" y="connsiteY2"/>
+              </a:cxn>
+              <a:cxn ang="0">
+                <a:pos x="connsiteX3" y="connsiteY3"/>
+              </a:cxn>
+              <a:cxn ang="0">
+                <a:pos x="connsiteX4" y="connsiteY4"/>
+              </a:cxn>
+              <a:cxn ang="0">
+                <a:pos x="connsiteX5" y="connsiteY5"/>
+              </a:cxn>
+              <a:cxn ang="0">
+                <a:pos x="connsiteX6" y="connsiteY6"/>
+              </a:cxn>
+            </a:cxnLst>
+            <a:rect l="l" t="t" r="r" b="b"/>
+            <a:pathLst>
+              <a:path w="1839339" h="533101">
+                <a:moveTo>
+                  <a:pt x="0" y="0"/>
+                </a:moveTo>
+                <a:lnTo>
+                  <a:pt x="1572789" y="0"/>
+                </a:lnTo>
+                <a:lnTo>
+                  <a:pt x="1839339" y="266551"/>
+                </a:lnTo>
+                <a:lnTo>
+                  <a:pt x="1572789" y="533101"/>
+                </a:lnTo>
+                <a:lnTo>
+                  <a:pt x="0" y="533101"/>
+                </a:lnTo>
+                <a:lnTo>
+                  <a:pt x="266551" y="266551"/>
+                </a:lnTo>
+                <a:lnTo>
+                  <a:pt x="0" y="0"/>
+                </a:lnTo>
+                <a:close/>
+              </a:path>
+            </a:pathLst>
+          </a:custGeom>
+        </p:spPr>
+        <p:style>
+          <a:lnRef idx="2">
+            <a:schemeClr val="lt1">
+              <a:hueOff val="0"/>
+              <a:satOff val="0"/>
+              <a:lumOff val="0"/>
+              <a:alphaOff val="0"/>
+            </a:schemeClr>
+          </a:lnRef>
+          <a:fillRef idx="1">
+            <a:schemeClr val="accent3">
+              <a:shade val="80000"/>
+              <a:hueOff val="0"/>
+              <a:satOff val="0"/>
+              <a:lumOff val="0"/>
+              <a:alphaOff val="0"/>
+            </a:schemeClr>
+          </a:fillRef>
+          <a:effectRef idx="0">
+            <a:schemeClr val="accent3">
+              <a:shade val="80000"/>
+              <a:hueOff val="0"/>
+              <a:satOff val="0"/>
+              <a:lumOff val="0"/>
+              <a:alphaOff val="0"/>
+            </a:schemeClr>
+          </a:effectRef>
+          <a:fontRef idx="minor">
+            <a:schemeClr val="lt1"/>
+          </a:fontRef>
+        </p:style>
+        <p:txBody>
+          <a:bodyPr spcFirstLastPara="0" vert="horz" wrap="square" lIns="310557" tIns="14669" rIns="281219" bIns="14669" numCol="1" spcCol="1270" anchor="ctr" anchorCtr="0">
+            <a:noAutofit/>
+          </a:bodyPr>
+          <a:lstStyle/>
+          <a:p>
+            <a:pPr marL="158750" indent="0" algn="ctr">
+              <a:buNone/>
+            </a:pPr>
+            <a:r>
+              <a:rPr lang="fr-FR" sz="800" b="1" dirty="0"/>
+              <a:t>Préparation et </a:t>
+            </a:r>
+          </a:p>
+          <a:p>
+            <a:pPr marL="158750" indent="0" algn="ctr">
+              <a:buNone/>
+            </a:pPr>
+            <a:r>
+              <a:rPr lang="fr-FR" sz="800" b="1" dirty="0"/>
+              <a:t>nettoyage</a:t>
+            </a:r>
+          </a:p>
+        </p:txBody>
+      </p:sp>
+      <p:sp>
+        <p:nvSpPr>
+          <p:cNvPr id="96" name="Google Shape;96;p5">
+            <a:extLst>
+              <a:ext uri="{FF2B5EF4-FFF2-40B4-BE49-F238E27FC236}">
+                <a16:creationId xmlns:a16="http://schemas.microsoft.com/office/drawing/2014/main" id="{E0E7B8E7-F933-D99A-FC55-A7E0AFDF3556}"/>
+              </a:ext>
+            </a:extLst>
+          </p:cNvPr>
+          <p:cNvSpPr txBox="1">
+            <a:spLocks noGrp="1"/>
+          </p:cNvSpPr>
+          <p:nvPr>
+            <p:ph type="ctrTitle" idx="4294967295"/>
+          </p:nvPr>
+        </p:nvSpPr>
+        <p:spPr>
+          <a:xfrm>
+            <a:off x="1192664" y="403309"/>
+            <a:ext cx="5315100" cy="533100"/>
+          </a:xfrm>
+          <a:prstGeom prst="rect">
+            <a:avLst/>
+          </a:prstGeom>
+          <a:noFill/>
+          <a:ln>
+            <a:noFill/>
+          </a:ln>
+        </p:spPr>
+        <p:txBody>
+          <a:bodyPr spcFirstLastPara="1" wrap="square" lIns="91425" tIns="91425" rIns="91425" bIns="91425" anchor="t" anchorCtr="0">
+            <a:noAutofit/>
+          </a:bodyPr>
+          <a:lstStyle/>
+          <a:p>
+            <a:r>
+              <a:rPr lang="it-IT" sz="2500" dirty="0">
+                <a:solidFill>
+                  <a:srgbClr val="0E3449"/>
+                </a:solidFill>
+                <a:latin typeface="Inter SemiBold"/>
+                <a:ea typeface="Inter SemiBold"/>
+                <a:sym typeface="Inter SemiBold"/>
+              </a:rPr>
+              <a:t>Process et pipeline data</a:t>
+            </a:r>
+          </a:p>
+        </p:txBody>
+      </p:sp>
+      <p:pic>
+        <p:nvPicPr>
+          <p:cNvPr id="97" name="Google Shape;97;p5">
+            <a:extLst>
+              <a:ext uri="{FF2B5EF4-FFF2-40B4-BE49-F238E27FC236}">
+                <a16:creationId xmlns:a16="http://schemas.microsoft.com/office/drawing/2014/main" id="{A1784225-A032-0CBA-51D9-09FCED9F28E2}"/>
+              </a:ext>
+            </a:extLst>
+          </p:cNvPr>
+          <p:cNvPicPr preferRelativeResize="0"/>
+          <p:nvPr/>
+        </p:nvPicPr>
+        <p:blipFill rotWithShape="1">
+          <a:blip r:embed="rId3">
+            <a:alphaModFix/>
+          </a:blip>
+          <a:srcRect/>
+          <a:stretch/>
+        </p:blipFill>
+        <p:spPr>
+          <a:xfrm>
+            <a:off x="463375" y="482852"/>
+            <a:ext cx="576900" cy="385904"/>
+          </a:xfrm>
+          <a:prstGeom prst="rect">
+            <a:avLst/>
+          </a:prstGeom>
+          <a:noFill/>
+          <a:ln>
+            <a:noFill/>
+          </a:ln>
+        </p:spPr>
+      </p:pic>
+      <p:sp>
+        <p:nvSpPr>
+          <p:cNvPr id="2" name="Forme libre : forme 1">
+            <a:extLst>
+              <a:ext uri="{FF2B5EF4-FFF2-40B4-BE49-F238E27FC236}">
+                <a16:creationId xmlns:a16="http://schemas.microsoft.com/office/drawing/2014/main" id="{F584810C-5501-210A-FC09-7E76BEE6CF2D}"/>
+              </a:ext>
+            </a:extLst>
+          </p:cNvPr>
+          <p:cNvSpPr/>
+          <p:nvPr/>
+        </p:nvSpPr>
+        <p:spPr>
+          <a:xfrm>
+            <a:off x="252179" y="936409"/>
+            <a:ext cx="2310321" cy="348427"/>
+          </a:xfrm>
+          <a:custGeom>
+            <a:avLst/>
+            <a:gdLst>
+              <a:gd name="connsiteX0" fmla="*/ 0 w 1839339"/>
+              <a:gd name="connsiteY0" fmla="*/ 0 h 533101"/>
+              <a:gd name="connsiteX1" fmla="*/ 1572789 w 1839339"/>
+              <a:gd name="connsiteY1" fmla="*/ 0 h 533101"/>
+              <a:gd name="connsiteX2" fmla="*/ 1839339 w 1839339"/>
+              <a:gd name="connsiteY2" fmla="*/ 266551 h 533101"/>
+              <a:gd name="connsiteX3" fmla="*/ 1572789 w 1839339"/>
+              <a:gd name="connsiteY3" fmla="*/ 533101 h 533101"/>
+              <a:gd name="connsiteX4" fmla="*/ 0 w 1839339"/>
+              <a:gd name="connsiteY4" fmla="*/ 533101 h 533101"/>
+              <a:gd name="connsiteX5" fmla="*/ 266551 w 1839339"/>
+              <a:gd name="connsiteY5" fmla="*/ 266551 h 533101"/>
+              <a:gd name="connsiteX6" fmla="*/ 0 w 1839339"/>
+              <a:gd name="connsiteY6" fmla="*/ 0 h 533101"/>
+            </a:gdLst>
+            <a:ahLst/>
+            <a:cxnLst>
+              <a:cxn ang="0">
+                <a:pos x="connsiteX0" y="connsiteY0"/>
+              </a:cxn>
+              <a:cxn ang="0">
+                <a:pos x="connsiteX1" y="connsiteY1"/>
+              </a:cxn>
+              <a:cxn ang="0">
+                <a:pos x="connsiteX2" y="connsiteY2"/>
+              </a:cxn>
+              <a:cxn ang="0">
+                <a:pos x="connsiteX3" y="connsiteY3"/>
+              </a:cxn>
+              <a:cxn ang="0">
+                <a:pos x="connsiteX4" y="connsiteY4"/>
+              </a:cxn>
+              <a:cxn ang="0">
+                <a:pos x="connsiteX5" y="connsiteY5"/>
+              </a:cxn>
+              <a:cxn ang="0">
+                <a:pos x="connsiteX6" y="connsiteY6"/>
+              </a:cxn>
+            </a:cxnLst>
+            <a:rect l="l" t="t" r="r" b="b"/>
+            <a:pathLst>
+              <a:path w="1839339" h="533101">
+                <a:moveTo>
+                  <a:pt x="0" y="0"/>
+                </a:moveTo>
+                <a:lnTo>
+                  <a:pt x="1572789" y="0"/>
+                </a:lnTo>
+                <a:lnTo>
+                  <a:pt x="1839339" y="266551"/>
+                </a:lnTo>
+                <a:lnTo>
+                  <a:pt x="1572789" y="533101"/>
+                </a:lnTo>
+                <a:lnTo>
+                  <a:pt x="0" y="533101"/>
+                </a:lnTo>
+                <a:lnTo>
+                  <a:pt x="266551" y="266551"/>
+                </a:lnTo>
+                <a:lnTo>
+                  <a:pt x="0" y="0"/>
+                </a:lnTo>
+                <a:close/>
+              </a:path>
+            </a:pathLst>
+          </a:custGeom>
+        </p:spPr>
+        <p:style>
+          <a:lnRef idx="2">
+            <a:schemeClr val="lt1">
+              <a:hueOff val="0"/>
+              <a:satOff val="0"/>
+              <a:lumOff val="0"/>
+              <a:alphaOff val="0"/>
+            </a:schemeClr>
+          </a:lnRef>
+          <a:fillRef idx="1">
+            <a:schemeClr val="accent3">
+              <a:shade val="80000"/>
+              <a:hueOff val="0"/>
+              <a:satOff val="0"/>
+              <a:lumOff val="0"/>
+              <a:alphaOff val="0"/>
+            </a:schemeClr>
+          </a:fillRef>
+          <a:effectRef idx="0">
+            <a:schemeClr val="accent3">
+              <a:shade val="80000"/>
+              <a:hueOff val="0"/>
+              <a:satOff val="0"/>
+              <a:lumOff val="0"/>
+              <a:alphaOff val="0"/>
+            </a:schemeClr>
+          </a:effectRef>
+          <a:fontRef idx="minor">
+            <a:schemeClr val="lt1"/>
+          </a:fontRef>
+        </p:style>
+        <p:txBody>
+          <a:bodyPr spcFirstLastPara="0" vert="horz" wrap="square" lIns="310557" tIns="14669" rIns="281219" bIns="14669" numCol="1" spcCol="1270" anchor="ctr" anchorCtr="0">
+            <a:noAutofit/>
+          </a:bodyPr>
+          <a:lstStyle/>
+          <a:p>
+            <a:pPr marL="0" lvl="0" indent="0" algn="ctr" defTabSz="488950">
+              <a:lnSpc>
+                <a:spcPct val="90000"/>
+              </a:lnSpc>
+              <a:spcBef>
+                <a:spcPct val="0"/>
+              </a:spcBef>
+              <a:spcAft>
+                <a:spcPct val="35000"/>
+              </a:spcAft>
+              <a:buNone/>
+            </a:pPr>
+            <a:r>
+              <a:rPr lang="fr-FR" sz="800" b="1" dirty="0"/>
+              <a:t>Collecte des données</a:t>
+            </a:r>
+            <a:endParaRPr lang="fr-FR" sz="800" kern="1200" dirty="0"/>
+          </a:p>
+        </p:txBody>
+      </p:sp>
+      <p:pic>
+        <p:nvPicPr>
+          <p:cNvPr id="2068" name="Picture 8">
+            <a:extLst>
+              <a:ext uri="{FF2B5EF4-FFF2-40B4-BE49-F238E27FC236}">
+                <a16:creationId xmlns:a16="http://schemas.microsoft.com/office/drawing/2014/main" id="{9336168E-33DE-2E2C-3F3A-3E4FC0819D15}"/>
+              </a:ext>
+            </a:extLst>
+          </p:cNvPr>
+          <p:cNvPicPr>
+            <a:picLocks noChangeAspect="1" noChangeArrowheads="1"/>
+          </p:cNvPicPr>
+          <p:nvPr/>
+        </p:nvPicPr>
+        <p:blipFill rotWithShape="1">
+          <a:blip r:embed="rId4">
+            <a:extLst>
+              <a:ext uri="{28A0092B-C50C-407E-A947-70E740481C1C}">
+                <a14:useLocalDpi xmlns:a14="http://schemas.microsoft.com/office/drawing/2010/main" val="0"/>
+              </a:ext>
+            </a:extLst>
+          </a:blip>
+          <a:srcRect t="7209" b="12963"/>
+          <a:stretch>
+            <a:fillRect/>
+          </a:stretch>
+        </p:blipFill>
+        <p:spPr bwMode="auto">
+          <a:xfrm>
+            <a:off x="8471325" y="2479951"/>
+            <a:ext cx="519001" cy="552405"/>
+          </a:xfrm>
+          <a:prstGeom prst="rect">
+            <a:avLst/>
+          </a:prstGeom>
+          <a:noFill/>
+          <a:extLst>
+            <a:ext uri="{909E8E84-426E-40DD-AFC4-6F175D3DCCD1}">
+              <a14:hiddenFill xmlns:a14="http://schemas.microsoft.com/office/drawing/2010/main">
+                <a:solidFill>
+                  <a:srgbClr val="FFFFFF"/>
+                </a:solidFill>
+              </a14:hiddenFill>
+            </a:ext>
+          </a:extLst>
+        </p:spPr>
+      </p:pic>
+      <p:sp>
+        <p:nvSpPr>
+          <p:cNvPr id="2096" name="Google Shape;180;p8">
+            <a:extLst>
+              <a:ext uri="{FF2B5EF4-FFF2-40B4-BE49-F238E27FC236}">
+                <a16:creationId xmlns:a16="http://schemas.microsoft.com/office/drawing/2014/main" id="{273A85B6-13FD-89FF-E669-100D308ACE82}"/>
+              </a:ext>
+            </a:extLst>
+          </p:cNvPr>
+          <p:cNvSpPr/>
+          <p:nvPr/>
+        </p:nvSpPr>
+        <p:spPr>
+          <a:xfrm>
+            <a:off x="5512" y="4892025"/>
+            <a:ext cx="9144000" cy="251400"/>
+          </a:xfrm>
+          <a:prstGeom prst="rect">
+            <a:avLst/>
+          </a:prstGeom>
+          <a:solidFill>
+            <a:srgbClr val="C3FFFC"/>
+          </a:solidFill>
+          <a:ln>
+            <a:noFill/>
+          </a:ln>
+        </p:spPr>
+        <p:txBody>
+          <a:bodyPr spcFirstLastPara="1" wrap="square" lIns="91425" tIns="91425" rIns="91425" bIns="91425" anchor="ctr" anchorCtr="0">
+            <a:noAutofit/>
+          </a:bodyPr>
+          <a:lstStyle/>
+          <a:p>
+            <a:pPr marL="0" marR="0" lvl="0" indent="0" algn="l" rtl="0">
+              <a:lnSpc>
+                <a:spcPct val="100000"/>
+              </a:lnSpc>
+              <a:spcBef>
+                <a:spcPts val="0"/>
+              </a:spcBef>
+              <a:spcAft>
+                <a:spcPts val="0"/>
+              </a:spcAft>
+              <a:buClr>
+                <a:srgbClr val="000000"/>
+              </a:buClr>
+              <a:buSzPts val="1400"/>
+              <a:buFont typeface="Arial"/>
+              <a:buNone/>
+            </a:pPr>
+            <a:endParaRPr sz="1400" b="0" i="0" u="none" strike="noStrike" cap="none">
+              <a:solidFill>
+                <a:srgbClr val="000000"/>
+              </a:solidFill>
+              <a:latin typeface="Arial"/>
+              <a:ea typeface="Arial"/>
+              <a:cs typeface="Arial"/>
+              <a:sym typeface="Arial"/>
+            </a:endParaRPr>
+          </a:p>
+        </p:txBody>
+      </p:sp>
+      <p:cxnSp>
+        <p:nvCxnSpPr>
+          <p:cNvPr id="2101" name="Connecteur droit avec flèche 2100">
+            <a:extLst>
+              <a:ext uri="{FF2B5EF4-FFF2-40B4-BE49-F238E27FC236}">
+                <a16:creationId xmlns:a16="http://schemas.microsoft.com/office/drawing/2014/main" id="{47334CC6-EC52-DED0-C7E9-A5E77BF2B99A}"/>
+              </a:ext>
+            </a:extLst>
+          </p:cNvPr>
+          <p:cNvCxnSpPr>
+            <a:cxnSpLocks/>
+            <a:stCxn id="1074" idx="3"/>
+            <a:endCxn id="2068" idx="1"/>
+          </p:cNvCxnSpPr>
+          <p:nvPr/>
+        </p:nvCxnSpPr>
+        <p:spPr>
+          <a:xfrm>
+            <a:off x="8259888" y="2755931"/>
+            <a:ext cx="211437" cy="223"/>
+          </a:xfrm>
+          <a:prstGeom prst="straightConnector1">
+            <a:avLst/>
+          </a:prstGeom>
+          <a:ln w="19050">
+            <a:solidFill>
+              <a:schemeClr val="bg1">
+                <a:lumMod val="65000"/>
+              </a:schemeClr>
+            </a:solidFill>
+            <a:tailEnd type="triangle"/>
+          </a:ln>
+        </p:spPr>
+        <p:style>
+          <a:lnRef idx="1">
+            <a:schemeClr val="accent1"/>
+          </a:lnRef>
+          <a:fillRef idx="0">
+            <a:schemeClr val="accent1"/>
+          </a:fillRef>
+          <a:effectRef idx="0">
+            <a:schemeClr val="accent1"/>
+          </a:effectRef>
+          <a:fontRef idx="minor">
+            <a:schemeClr val="tx1"/>
+          </a:fontRef>
+        </p:style>
+      </p:cxnSp>
+      <p:sp>
+        <p:nvSpPr>
+          <p:cNvPr id="4" name="Rectangle : coins arrondis 3">
+            <a:extLst>
+              <a:ext uri="{FF2B5EF4-FFF2-40B4-BE49-F238E27FC236}">
+                <a16:creationId xmlns:a16="http://schemas.microsoft.com/office/drawing/2014/main" id="{967D4A6C-3756-2775-B55E-F408743583CC}"/>
+              </a:ext>
+            </a:extLst>
+          </p:cNvPr>
+          <p:cNvSpPr/>
+          <p:nvPr/>
+        </p:nvSpPr>
+        <p:spPr>
+          <a:xfrm>
+            <a:off x="6450927" y="1304200"/>
+            <a:ext cx="2214439" cy="106642"/>
+          </a:xfrm>
+          <a:prstGeom prst="roundRect">
+            <a:avLst/>
+          </a:prstGeom>
+          <a:solidFill>
+            <a:srgbClr val="FFC000"/>
+          </a:solidFill>
+          <a:ln w="12700" cap="flat" cmpd="sng" algn="ctr">
+            <a:noFill/>
+            <a:prstDash val="solid"/>
+            <a:miter lim="800000"/>
+          </a:ln>
+          <a:effectLst/>
+        </p:spPr>
+        <p:txBody>
+          <a:bodyPr rot="0" spcFirstLastPara="0" vertOverflow="overflow" horzOverflow="overflow" vert="horz" wrap="square" lIns="74295" tIns="37148" rIns="74295" bIns="37148" numCol="1" spcCol="0" rtlCol="0" fromWordArt="0" anchor="ctr" anchorCtr="0" forceAA="0" compatLnSpc="1">
+            <a:prstTxWarp prst="textNoShape">
+              <a:avLst/>
+            </a:prstTxWarp>
+            <a:noAutofit/>
+          </a:bodyPr>
+          <a:lstStyle/>
+          <a:p>
+            <a:pPr algn="ctr">
+              <a:buClrTx/>
+            </a:pPr>
+            <a:r>
+              <a:rPr lang="fr-FR" sz="800" b="1" kern="1200" dirty="0">
+                <a:latin typeface="Calibri" panose="020F0502020204030204" pitchFamily="34" charset="0"/>
+                <a:ea typeface="+mn-ea"/>
+                <a:cs typeface="Calibri" panose="020F0502020204030204" pitchFamily="34" charset="0"/>
+              </a:rPr>
+              <a:t>Frontend</a:t>
+            </a:r>
+          </a:p>
+        </p:txBody>
+      </p:sp>
+      <p:sp>
+        <p:nvSpPr>
+          <p:cNvPr id="5" name="Rectangle : coins arrondis 4">
+            <a:extLst>
+              <a:ext uri="{FF2B5EF4-FFF2-40B4-BE49-F238E27FC236}">
+                <a16:creationId xmlns:a16="http://schemas.microsoft.com/office/drawing/2014/main" id="{564CE1A9-869C-774B-0E58-18DB76A3FCD2}"/>
+              </a:ext>
+            </a:extLst>
+          </p:cNvPr>
+          <p:cNvSpPr/>
+          <p:nvPr/>
+        </p:nvSpPr>
+        <p:spPr>
+          <a:xfrm>
+            <a:off x="2305374" y="1304200"/>
+            <a:ext cx="4118299" cy="106642"/>
+          </a:xfrm>
+          <a:prstGeom prst="roundRect">
+            <a:avLst/>
+          </a:prstGeom>
+          <a:solidFill>
+            <a:srgbClr val="00B050"/>
+          </a:solidFill>
+          <a:ln w="12700" cap="flat" cmpd="sng" algn="ctr">
+            <a:noFill/>
+            <a:prstDash val="solid"/>
+            <a:miter lim="800000"/>
+          </a:ln>
+          <a:effectLst/>
+        </p:spPr>
+        <p:txBody>
+          <a:bodyPr rot="0" spcFirstLastPara="0" vertOverflow="overflow" horzOverflow="overflow" vert="horz" wrap="square" lIns="74295" tIns="37148" rIns="74295" bIns="37148" numCol="1" spcCol="0" rtlCol="0" fromWordArt="0" anchor="ctr" anchorCtr="0" forceAA="0" compatLnSpc="1">
+            <a:prstTxWarp prst="textNoShape">
+              <a:avLst/>
+            </a:prstTxWarp>
+            <a:noAutofit/>
+          </a:bodyPr>
+          <a:lstStyle/>
+          <a:p>
+            <a:pPr algn="ctr">
+              <a:buClrTx/>
+            </a:pPr>
+            <a:r>
+              <a:rPr lang="fr-FR" sz="800" b="1" kern="1200" dirty="0">
+                <a:solidFill>
+                  <a:schemeClr val="bg1"/>
+                </a:solidFill>
+                <a:latin typeface="Calibri" panose="020F0502020204030204" pitchFamily="34" charset="0"/>
+                <a:ea typeface="+mn-ea"/>
+                <a:cs typeface="Calibri" panose="020F0502020204030204" pitchFamily="34" charset="0"/>
+              </a:rPr>
+              <a:t>Backend</a:t>
+            </a:r>
+          </a:p>
+        </p:txBody>
+      </p:sp>
+      <p:grpSp>
+        <p:nvGrpSpPr>
+          <p:cNvPr id="16" name="Groupe 15">
+            <a:extLst>
+              <a:ext uri="{FF2B5EF4-FFF2-40B4-BE49-F238E27FC236}">
+                <a16:creationId xmlns:a16="http://schemas.microsoft.com/office/drawing/2014/main" id="{D56B5F17-0455-4EEE-EA40-088735D5E368}"/>
+              </a:ext>
+            </a:extLst>
+          </p:cNvPr>
+          <p:cNvGrpSpPr/>
+          <p:nvPr/>
+        </p:nvGrpSpPr>
+        <p:grpSpPr>
+          <a:xfrm>
+            <a:off x="263070" y="1458686"/>
+            <a:ext cx="2030067" cy="3272971"/>
+            <a:chOff x="263070" y="1458686"/>
+            <a:chExt cx="2030067" cy="3272971"/>
+          </a:xfrm>
+        </p:grpSpPr>
+        <p:pic>
+          <p:nvPicPr>
+            <p:cNvPr id="1028" name="Picture 4">
+              <a:extLst>
+                <a:ext uri="{FF2B5EF4-FFF2-40B4-BE49-F238E27FC236}">
+                  <a16:creationId xmlns:a16="http://schemas.microsoft.com/office/drawing/2014/main" id="{D0C03EA7-EAD6-1A33-21AE-920B9121582F}"/>
+                </a:ext>
+              </a:extLst>
+            </p:cNvPr>
+            <p:cNvPicPr>
+              <a:picLocks noChangeAspect="1" noChangeArrowheads="1"/>
+            </p:cNvPicPr>
+            <p:nvPr/>
+          </p:nvPicPr>
+          <p:blipFill rotWithShape="1">
+            <a:blip r:embed="rId5">
+              <a:extLst>
+                <a:ext uri="{28A0092B-C50C-407E-A947-70E740481C1C}">
+                  <a14:useLocalDpi xmlns:a14="http://schemas.microsoft.com/office/drawing/2010/main" val="0"/>
+                </a:ext>
+              </a:extLst>
+            </a:blip>
+            <a:srcRect l="11432" t="21688" r="13291" b="23045"/>
+            <a:stretch>
+              <a:fillRect/>
+            </a:stretch>
+          </p:blipFill>
+          <p:spPr bwMode="auto">
+            <a:xfrm>
+              <a:off x="626281" y="1716520"/>
+              <a:ext cx="653142" cy="274016"/>
+            </a:xfrm>
+            <a:prstGeom prst="rect">
+              <a:avLst/>
+            </a:prstGeom>
+            <a:noFill/>
+            <a:extLst>
+              <a:ext uri="{909E8E84-426E-40DD-AFC4-6F175D3DCCD1}">
+                <a14:hiddenFill xmlns:a14="http://schemas.microsoft.com/office/drawing/2010/main">
+                  <a:solidFill>
+                    <a:srgbClr val="FFFFFF"/>
+                  </a:solidFill>
+                </a14:hiddenFill>
+              </a:ext>
+            </a:extLst>
+          </p:spPr>
+        </p:pic>
+        <p:pic>
+          <p:nvPicPr>
+            <p:cNvPr id="1030" name="Picture 6">
+              <a:extLst>
+                <a:ext uri="{FF2B5EF4-FFF2-40B4-BE49-F238E27FC236}">
+                  <a16:creationId xmlns:a16="http://schemas.microsoft.com/office/drawing/2014/main" id="{2941D76B-6840-C572-907F-F3680B66EBF7}"/>
+                </a:ext>
+              </a:extLst>
+            </p:cNvPr>
+            <p:cNvPicPr>
+              <a:picLocks noChangeAspect="1" noChangeArrowheads="1"/>
+            </p:cNvPicPr>
+            <p:nvPr/>
+          </p:nvPicPr>
+          <p:blipFill rotWithShape="1">
+            <a:blip r:embed="rId6">
+              <a:extLst>
+                <a:ext uri="{28A0092B-C50C-407E-A947-70E740481C1C}">
+                  <a14:useLocalDpi xmlns:a14="http://schemas.microsoft.com/office/drawing/2010/main" val="0"/>
+                </a:ext>
+              </a:extLst>
+            </a:blip>
+            <a:srcRect l="30624" r="31046" b="34033"/>
+            <a:stretch>
+              <a:fillRect/>
+            </a:stretch>
+          </p:blipFill>
+          <p:spPr bwMode="auto">
+            <a:xfrm>
+              <a:off x="756608" y="2278455"/>
+              <a:ext cx="386389" cy="485958"/>
+            </a:xfrm>
+            <a:prstGeom prst="rect">
+              <a:avLst/>
+            </a:prstGeom>
+            <a:noFill/>
+            <a:extLst>
+              <a:ext uri="{909E8E84-426E-40DD-AFC4-6F175D3DCCD1}">
+                <a14:hiddenFill xmlns:a14="http://schemas.microsoft.com/office/drawing/2010/main">
+                  <a:solidFill>
+                    <a:srgbClr val="FFFFFF"/>
+                  </a:solidFill>
+                </a14:hiddenFill>
+              </a:ext>
+            </a:extLst>
+          </p:spPr>
+        </p:pic>
+        <p:cxnSp>
+          <p:nvCxnSpPr>
+            <p:cNvPr id="28" name="Connecteur droit 27">
+              <a:extLst>
+                <a:ext uri="{FF2B5EF4-FFF2-40B4-BE49-F238E27FC236}">
+                  <a16:creationId xmlns:a16="http://schemas.microsoft.com/office/drawing/2014/main" id="{66A68388-D1A7-6AC6-5F1F-65E1A6494D4A}"/>
+                </a:ext>
+              </a:extLst>
+            </p:cNvPr>
+            <p:cNvCxnSpPr/>
+            <p:nvPr/>
+          </p:nvCxnSpPr>
+          <p:spPr>
+            <a:xfrm>
+              <a:off x="2293137" y="1458686"/>
+              <a:ext cx="0" cy="3272971"/>
+            </a:xfrm>
+            <a:prstGeom prst="line">
+              <a:avLst/>
+            </a:prstGeom>
+            <a:ln w="19050">
+              <a:solidFill>
+                <a:schemeClr val="bg1">
+                  <a:lumMod val="75000"/>
+                </a:schemeClr>
+              </a:solidFill>
+              <a:prstDash val="dash"/>
+            </a:ln>
+          </p:spPr>
+          <p:style>
+            <a:lnRef idx="1">
+              <a:schemeClr val="dk1"/>
+            </a:lnRef>
+            <a:fillRef idx="0">
+              <a:schemeClr val="dk1"/>
+            </a:fillRef>
+            <a:effectRef idx="0">
+              <a:schemeClr val="dk1"/>
+            </a:effectRef>
+            <a:fontRef idx="minor">
+              <a:schemeClr val="tx1"/>
+            </a:fontRef>
+          </p:style>
+        </p:cxnSp>
+        <p:sp>
+          <p:nvSpPr>
+            <p:cNvPr id="58" name="ZoneTexte 57">
+              <a:extLst>
+                <a:ext uri="{FF2B5EF4-FFF2-40B4-BE49-F238E27FC236}">
+                  <a16:creationId xmlns:a16="http://schemas.microsoft.com/office/drawing/2014/main" id="{42C67AD7-C645-5367-3E47-6D6A996C5FE8}"/>
+                </a:ext>
+              </a:extLst>
+            </p:cNvPr>
+            <p:cNvSpPr txBox="1"/>
+            <p:nvPr/>
+          </p:nvSpPr>
+          <p:spPr>
+            <a:xfrm>
+              <a:off x="512232" y="2694535"/>
+              <a:ext cx="863541" cy="292388"/>
+            </a:xfrm>
+            <a:prstGeom prst="rect">
+              <a:avLst/>
+            </a:prstGeom>
+            <a:noFill/>
+          </p:spPr>
+          <p:txBody>
+            <a:bodyPr wrap="square" rtlCol="0">
+              <a:spAutoFit/>
+            </a:bodyPr>
+            <a:lstStyle/>
+            <a:p>
+              <a:pPr algn="ctr"/>
+              <a:r>
+                <a:rPr lang="fr-FR" sz="700" b="1" dirty="0"/>
+                <a:t>USGS / Landsat</a:t>
+              </a:r>
+            </a:p>
+            <a:p>
+              <a:pPr algn="ctr"/>
+              <a:r>
+                <a:rPr lang="fr-FR" sz="600" b="1" dirty="0"/>
+                <a:t>(métadonnées)</a:t>
+              </a:r>
+            </a:p>
+          </p:txBody>
+        </p:sp>
+        <p:pic>
+          <p:nvPicPr>
+            <p:cNvPr id="65" name="Picture 6">
+              <a:extLst>
+                <a:ext uri="{FF2B5EF4-FFF2-40B4-BE49-F238E27FC236}">
+                  <a16:creationId xmlns:a16="http://schemas.microsoft.com/office/drawing/2014/main" id="{976AB5B9-1D61-B29C-C9DE-9051A31E8E27}"/>
+                </a:ext>
+              </a:extLst>
+            </p:cNvPr>
+            <p:cNvPicPr>
+              <a:picLocks noChangeAspect="1" noChangeArrowheads="1"/>
+            </p:cNvPicPr>
+            <p:nvPr/>
+          </p:nvPicPr>
+          <p:blipFill rotWithShape="1">
+            <a:blip r:embed="rId6">
+              <a:extLst>
+                <a:ext uri="{28A0092B-C50C-407E-A947-70E740481C1C}">
+                  <a14:useLocalDpi xmlns:a14="http://schemas.microsoft.com/office/drawing/2010/main" val="0"/>
+                </a:ext>
+              </a:extLst>
+            </a:blip>
+            <a:srcRect l="33049" r="31047" b="34033"/>
+            <a:stretch>
+              <a:fillRect/>
+            </a:stretch>
+          </p:blipFill>
+          <p:spPr bwMode="auto">
+            <a:xfrm>
+              <a:off x="781055" y="3014137"/>
+              <a:ext cx="361938" cy="485958"/>
+            </a:xfrm>
+            <a:prstGeom prst="rect">
+              <a:avLst/>
+            </a:prstGeom>
+            <a:noFill/>
+            <a:extLst>
+              <a:ext uri="{909E8E84-426E-40DD-AFC4-6F175D3DCCD1}">
+                <a14:hiddenFill xmlns:a14="http://schemas.microsoft.com/office/drawing/2010/main">
+                  <a:solidFill>
+                    <a:srgbClr val="FFFFFF"/>
+                  </a:solidFill>
+                </a14:hiddenFill>
+              </a:ext>
+            </a:extLst>
+          </p:spPr>
+        </p:pic>
+        <p:sp>
+          <p:nvSpPr>
+            <p:cNvPr id="67" name="ZoneTexte 66">
+              <a:extLst>
+                <a:ext uri="{FF2B5EF4-FFF2-40B4-BE49-F238E27FC236}">
+                  <a16:creationId xmlns:a16="http://schemas.microsoft.com/office/drawing/2014/main" id="{77C37EC6-CDFA-6EF5-9731-EDD14211D90B}"/>
+                </a:ext>
+              </a:extLst>
+            </p:cNvPr>
+            <p:cNvSpPr txBox="1"/>
+            <p:nvPr/>
+          </p:nvSpPr>
+          <p:spPr>
+            <a:xfrm>
+              <a:off x="463375" y="3488496"/>
+              <a:ext cx="949270" cy="200055"/>
+            </a:xfrm>
+            <a:prstGeom prst="rect">
+              <a:avLst/>
+            </a:prstGeom>
+            <a:noFill/>
+          </p:spPr>
+          <p:txBody>
+            <a:bodyPr wrap="square" rtlCol="0">
+              <a:spAutoFit/>
+            </a:bodyPr>
+            <a:lstStyle/>
+            <a:p>
+              <a:pPr algn="ctr"/>
+              <a:r>
+                <a:rPr lang="fr-FR" sz="700" b="1" dirty="0"/>
+                <a:t>Production RTE</a:t>
+              </a:r>
+            </a:p>
+          </p:txBody>
+        </p:sp>
+        <p:pic>
+          <p:nvPicPr>
+            <p:cNvPr id="68" name="Picture 6">
+              <a:extLst>
+                <a:ext uri="{FF2B5EF4-FFF2-40B4-BE49-F238E27FC236}">
+                  <a16:creationId xmlns:a16="http://schemas.microsoft.com/office/drawing/2014/main" id="{6A1FE08D-DF15-8940-EAA5-98ED76914736}"/>
+                </a:ext>
+              </a:extLst>
+            </p:cNvPr>
+            <p:cNvPicPr>
+              <a:picLocks noChangeAspect="1" noChangeArrowheads="1"/>
+            </p:cNvPicPr>
+            <p:nvPr/>
+          </p:nvPicPr>
+          <p:blipFill rotWithShape="1">
+            <a:blip r:embed="rId6">
+              <a:extLst>
+                <a:ext uri="{28A0092B-C50C-407E-A947-70E740481C1C}">
+                  <a14:useLocalDpi xmlns:a14="http://schemas.microsoft.com/office/drawing/2010/main" val="0"/>
+                </a:ext>
+              </a:extLst>
+            </a:blip>
+            <a:srcRect l="33049" r="31047" b="34033"/>
+            <a:stretch>
+              <a:fillRect/>
+            </a:stretch>
+          </p:blipFill>
+          <p:spPr bwMode="auto">
+            <a:xfrm>
+              <a:off x="793739" y="3762369"/>
+              <a:ext cx="361937" cy="485958"/>
+            </a:xfrm>
+            <a:prstGeom prst="rect">
+              <a:avLst/>
+            </a:prstGeom>
+            <a:noFill/>
+            <a:extLst>
+              <a:ext uri="{909E8E84-426E-40DD-AFC4-6F175D3DCCD1}">
+                <a14:hiddenFill xmlns:a14="http://schemas.microsoft.com/office/drawing/2010/main">
+                  <a:solidFill>
+                    <a:srgbClr val="FFFFFF"/>
+                  </a:solidFill>
+                </a14:hiddenFill>
+              </a:ext>
+            </a:extLst>
+          </p:spPr>
+        </p:pic>
+        <p:sp>
+          <p:nvSpPr>
+            <p:cNvPr id="70" name="ZoneTexte 69">
+              <a:extLst>
+                <a:ext uri="{FF2B5EF4-FFF2-40B4-BE49-F238E27FC236}">
+                  <a16:creationId xmlns:a16="http://schemas.microsoft.com/office/drawing/2014/main" id="{78E1D7E3-9E06-E6A5-253E-A6CE2A2F1050}"/>
+                </a:ext>
+              </a:extLst>
+            </p:cNvPr>
+            <p:cNvSpPr txBox="1"/>
+            <p:nvPr/>
+          </p:nvSpPr>
+          <p:spPr>
+            <a:xfrm>
+              <a:off x="463374" y="4238831"/>
+              <a:ext cx="959011" cy="200055"/>
+            </a:xfrm>
+            <a:prstGeom prst="rect">
+              <a:avLst/>
+            </a:prstGeom>
+            <a:noFill/>
+          </p:spPr>
+          <p:txBody>
+            <a:bodyPr wrap="square" rtlCol="0">
+              <a:spAutoFit/>
+            </a:bodyPr>
+            <a:lstStyle/>
+            <a:p>
+              <a:pPr algn="ctr"/>
+              <a:r>
+                <a:rPr lang="fr-FR" sz="700" b="1" dirty="0"/>
+                <a:t>Solar Data</a:t>
+              </a:r>
+            </a:p>
+          </p:txBody>
+        </p:sp>
+        <p:sp>
+          <p:nvSpPr>
+            <p:cNvPr id="73" name="ZoneTexte 72">
+              <a:extLst>
+                <a:ext uri="{FF2B5EF4-FFF2-40B4-BE49-F238E27FC236}">
+                  <a16:creationId xmlns:a16="http://schemas.microsoft.com/office/drawing/2014/main" id="{33C41871-317D-BA64-26E2-EBEE7A51AE73}"/>
+                </a:ext>
+              </a:extLst>
+            </p:cNvPr>
+            <p:cNvSpPr txBox="1"/>
+            <p:nvPr/>
+          </p:nvSpPr>
+          <p:spPr>
+            <a:xfrm>
+              <a:off x="263070" y="2047148"/>
+              <a:ext cx="1390212" cy="200055"/>
+            </a:xfrm>
+            <a:prstGeom prst="rect">
+              <a:avLst/>
+            </a:prstGeom>
+            <a:noFill/>
+          </p:spPr>
+          <p:txBody>
+            <a:bodyPr wrap="square" rtlCol="0">
+              <a:spAutoFit/>
+            </a:bodyPr>
+            <a:lstStyle/>
+            <a:p>
+              <a:pPr algn="ctr"/>
+              <a:r>
+                <a:rPr lang="fr-FR" sz="700" b="1" dirty="0"/>
+                <a:t>Météo</a:t>
+              </a:r>
+            </a:p>
+          </p:txBody>
+        </p:sp>
+        <p:pic>
+          <p:nvPicPr>
+            <p:cNvPr id="1026" name="Picture 2">
+              <a:extLst>
+                <a:ext uri="{FF2B5EF4-FFF2-40B4-BE49-F238E27FC236}">
+                  <a16:creationId xmlns:a16="http://schemas.microsoft.com/office/drawing/2014/main" id="{923FE2F2-F305-A7CE-975B-2A2BA912E4B7}"/>
+                </a:ext>
+              </a:extLst>
+            </p:cNvPr>
+            <p:cNvPicPr>
+              <a:picLocks noChangeAspect="1" noChangeArrowheads="1"/>
+            </p:cNvPicPr>
+            <p:nvPr/>
+          </p:nvPicPr>
+          <p:blipFill rotWithShape="1">
+            <a:blip r:embed="rId7">
+              <a:extLst>
+                <a:ext uri="{28A0092B-C50C-407E-A947-70E740481C1C}">
+                  <a14:useLocalDpi xmlns:a14="http://schemas.microsoft.com/office/drawing/2010/main" val="0"/>
+                </a:ext>
+              </a:extLst>
+            </a:blip>
+            <a:srcRect l="14585" t="12264" r="16331" b="16417"/>
+            <a:stretch>
+              <a:fillRect/>
+            </a:stretch>
+          </p:blipFill>
+          <p:spPr bwMode="auto">
+            <a:xfrm>
+              <a:off x="1095600" y="1606201"/>
+              <a:ext cx="264768" cy="273335"/>
+            </a:xfrm>
+            <a:prstGeom prst="rect">
+              <a:avLst/>
+            </a:prstGeom>
+            <a:noFill/>
+            <a:extLst>
+              <a:ext uri="{909E8E84-426E-40DD-AFC4-6F175D3DCCD1}">
+                <a14:hiddenFill xmlns:a14="http://schemas.microsoft.com/office/drawing/2010/main">
+                  <a:solidFill>
+                    <a:srgbClr val="FFFFFF"/>
+                  </a:solidFill>
+                </a14:hiddenFill>
+              </a:ext>
+            </a:extLst>
+          </p:spPr>
+        </p:pic>
+        <p:pic>
+          <p:nvPicPr>
+            <p:cNvPr id="127" name="Picture 8">
+              <a:extLst>
+                <a:ext uri="{FF2B5EF4-FFF2-40B4-BE49-F238E27FC236}">
+                  <a16:creationId xmlns:a16="http://schemas.microsoft.com/office/drawing/2014/main" id="{0DF6E305-58E0-10D9-0E90-7E26126193AF}"/>
+                </a:ext>
+              </a:extLst>
+            </p:cNvPr>
+            <p:cNvPicPr>
+              <a:picLocks noChangeAspect="1" noChangeArrowheads="1"/>
+            </p:cNvPicPr>
+            <p:nvPr/>
+          </p:nvPicPr>
+          <p:blipFill rotWithShape="1">
+            <a:blip r:embed="rId8">
+              <a:extLst>
+                <a:ext uri="{28A0092B-C50C-407E-A947-70E740481C1C}">
+                  <a14:useLocalDpi xmlns:a14="http://schemas.microsoft.com/office/drawing/2010/main" val="0"/>
+                </a:ext>
+              </a:extLst>
+            </a:blip>
+            <a:srcRect r="14203"/>
+            <a:stretch>
+              <a:fillRect/>
+            </a:stretch>
+          </p:blipFill>
+          <p:spPr bwMode="auto">
+            <a:xfrm>
+              <a:off x="1666945" y="2090436"/>
+              <a:ext cx="492649" cy="574192"/>
+            </a:xfrm>
+            <a:prstGeom prst="rect">
+              <a:avLst/>
+            </a:prstGeom>
+            <a:noFill/>
+            <a:extLst>
+              <a:ext uri="{909E8E84-426E-40DD-AFC4-6F175D3DCCD1}">
+                <a14:hiddenFill xmlns:a14="http://schemas.microsoft.com/office/drawing/2010/main">
+                  <a:solidFill>
+                    <a:srgbClr val="FFFFFF"/>
+                  </a:solidFill>
+                </a14:hiddenFill>
+              </a:ext>
+            </a:extLst>
+          </p:spPr>
+        </p:pic>
+        <p:pic>
+          <p:nvPicPr>
+            <p:cNvPr id="1033" name="Picture 10">
+              <a:extLst>
+                <a:ext uri="{FF2B5EF4-FFF2-40B4-BE49-F238E27FC236}">
+                  <a16:creationId xmlns:a16="http://schemas.microsoft.com/office/drawing/2014/main" id="{FD816D59-77CA-1E04-DAC5-C8410FAC6198}"/>
+                </a:ext>
+              </a:extLst>
+            </p:cNvPr>
+            <p:cNvPicPr>
+              <a:picLocks noChangeAspect="1" noChangeArrowheads="1"/>
+            </p:cNvPicPr>
+            <p:nvPr/>
+          </p:nvPicPr>
+          <p:blipFill rotWithShape="1">
+            <a:blip r:embed="rId9">
+              <a:extLst>
+                <a:ext uri="{28A0092B-C50C-407E-A947-70E740481C1C}">
+                  <a14:useLocalDpi xmlns:a14="http://schemas.microsoft.com/office/drawing/2010/main" val="0"/>
+                </a:ext>
+              </a:extLst>
+            </a:blip>
+            <a:srcRect r="14775"/>
+            <a:stretch>
+              <a:fillRect/>
+            </a:stretch>
+          </p:blipFill>
+          <p:spPr bwMode="auto">
+            <a:xfrm>
+              <a:off x="1684197" y="3264975"/>
+              <a:ext cx="492665" cy="578072"/>
+            </a:xfrm>
+            <a:prstGeom prst="rect">
+              <a:avLst/>
+            </a:prstGeom>
+            <a:noFill/>
+            <a:extLst>
+              <a:ext uri="{909E8E84-426E-40DD-AFC4-6F175D3DCCD1}">
+                <a14:hiddenFill xmlns:a14="http://schemas.microsoft.com/office/drawing/2010/main">
+                  <a:solidFill>
+                    <a:srgbClr val="FFFFFF"/>
+                  </a:solidFill>
+                </a14:hiddenFill>
+              </a:ext>
+            </a:extLst>
+          </p:spPr>
+        </p:pic>
+        <p:sp>
+          <p:nvSpPr>
+            <p:cNvPr id="3" name="Rectangle : coins arrondis 2">
+              <a:extLst>
+                <a:ext uri="{FF2B5EF4-FFF2-40B4-BE49-F238E27FC236}">
+                  <a16:creationId xmlns:a16="http://schemas.microsoft.com/office/drawing/2014/main" id="{33B23519-5EFA-F17A-CAA2-6EF8A191B3CD}"/>
+                </a:ext>
+              </a:extLst>
+            </p:cNvPr>
+            <p:cNvSpPr/>
+            <p:nvPr/>
+          </p:nvSpPr>
+          <p:spPr>
+            <a:xfrm>
+              <a:off x="456709" y="1469509"/>
+              <a:ext cx="972305" cy="3123802"/>
+            </a:xfrm>
+            <a:prstGeom prst="roundRect">
+              <a:avLst/>
+            </a:prstGeom>
+            <a:noFill/>
+            <a:ln w="9525">
+              <a:solidFill>
+                <a:schemeClr val="bg1">
+                  <a:lumMod val="65000"/>
+                </a:schemeClr>
+              </a:solidFill>
+              <a:prstDash val="dash"/>
+            </a:ln>
+          </p:spPr>
+          <p:style>
+            <a:lnRef idx="2">
+              <a:schemeClr val="accent1">
+                <a:shade val="15000"/>
+              </a:schemeClr>
+            </a:lnRef>
+            <a:fillRef idx="1">
+              <a:schemeClr val="accent1"/>
+            </a:fillRef>
+            <a:effectRef idx="0">
+              <a:schemeClr val="accent1"/>
+            </a:effectRef>
+            <a:fontRef idx="minor">
+              <a:schemeClr val="lt1"/>
+            </a:fontRef>
+          </p:style>
+          <p:txBody>
+            <a:bodyPr rtlCol="0" anchor="ctr"/>
+            <a:lstStyle/>
+            <a:p>
+              <a:pPr algn="ctr"/>
+              <a:endParaRPr lang="fr-FR" dirty="0"/>
+            </a:p>
+          </p:txBody>
+        </p:sp>
+        <p:cxnSp>
+          <p:nvCxnSpPr>
+            <p:cNvPr id="6" name="Connecteur droit avec flèche 5">
+              <a:extLst>
+                <a:ext uri="{FF2B5EF4-FFF2-40B4-BE49-F238E27FC236}">
+                  <a16:creationId xmlns:a16="http://schemas.microsoft.com/office/drawing/2014/main" id="{804A8FE7-27C3-4C54-36F8-6A8C0900C5DA}"/>
+                </a:ext>
+              </a:extLst>
+            </p:cNvPr>
+            <p:cNvCxnSpPr>
+              <a:cxnSpLocks/>
+            </p:cNvCxnSpPr>
+            <p:nvPr/>
+          </p:nvCxnSpPr>
+          <p:spPr>
+            <a:xfrm>
+              <a:off x="1429014" y="2383224"/>
+              <a:ext cx="362079" cy="0"/>
+            </a:xfrm>
+            <a:prstGeom prst="straightConnector1">
+              <a:avLst/>
+            </a:prstGeom>
+            <a:ln w="38100">
+              <a:solidFill>
+                <a:srgbClr val="B266FF"/>
+              </a:solidFill>
+              <a:tailEnd type="triangle"/>
+            </a:ln>
+          </p:spPr>
+          <p:style>
+            <a:lnRef idx="1">
+              <a:schemeClr val="accent1"/>
+            </a:lnRef>
+            <a:fillRef idx="0">
+              <a:schemeClr val="accent1"/>
+            </a:fillRef>
+            <a:effectRef idx="0">
+              <a:schemeClr val="accent1"/>
+            </a:effectRef>
+            <a:fontRef idx="minor">
+              <a:schemeClr val="tx1"/>
+            </a:fontRef>
+          </p:style>
+        </p:cxnSp>
+        <p:cxnSp>
+          <p:nvCxnSpPr>
+            <p:cNvPr id="10" name="Connecteur droit avec flèche 9">
+              <a:extLst>
+                <a:ext uri="{FF2B5EF4-FFF2-40B4-BE49-F238E27FC236}">
+                  <a16:creationId xmlns:a16="http://schemas.microsoft.com/office/drawing/2014/main" id="{A34EFFD9-2B7F-223F-36C3-4CCC46291479}"/>
+                </a:ext>
+              </a:extLst>
+            </p:cNvPr>
+            <p:cNvCxnSpPr>
+              <a:cxnSpLocks/>
+            </p:cNvCxnSpPr>
+            <p:nvPr/>
+          </p:nvCxnSpPr>
+          <p:spPr>
+            <a:xfrm>
+              <a:off x="1429014" y="3554011"/>
+              <a:ext cx="362079" cy="0"/>
+            </a:xfrm>
+            <a:prstGeom prst="straightConnector1">
+              <a:avLst/>
+            </a:prstGeom>
+            <a:ln w="38100">
+              <a:solidFill>
+                <a:srgbClr val="FF0080"/>
+              </a:solidFill>
+              <a:tailEnd type="triangle"/>
+            </a:ln>
+          </p:spPr>
+          <p:style>
+            <a:lnRef idx="1">
+              <a:schemeClr val="accent1"/>
+            </a:lnRef>
+            <a:fillRef idx="0">
+              <a:schemeClr val="accent1"/>
+            </a:fillRef>
+            <a:effectRef idx="0">
+              <a:schemeClr val="accent1"/>
+            </a:effectRef>
+            <a:fontRef idx="minor">
+              <a:schemeClr val="tx1"/>
+            </a:fontRef>
+          </p:style>
+        </p:cxnSp>
+      </p:grpSp>
+      <p:sp>
+        <p:nvSpPr>
+          <p:cNvPr id="2097" name="Rectangle 2096">
+            <a:extLst>
+              <a:ext uri="{FF2B5EF4-FFF2-40B4-BE49-F238E27FC236}">
+                <a16:creationId xmlns:a16="http://schemas.microsoft.com/office/drawing/2014/main" id="{ADF20F1D-E32A-83D7-1C9F-ED56E1ADF5A6}"/>
+              </a:ext>
+            </a:extLst>
+          </p:cNvPr>
+          <p:cNvSpPr/>
+          <p:nvPr/>
+        </p:nvSpPr>
+        <p:spPr>
+          <a:xfrm>
+            <a:off x="7908699" y="3312398"/>
+            <a:ext cx="362541" cy="326213"/>
+          </a:xfrm>
+          <a:prstGeom prst="rect">
+            <a:avLst/>
+          </a:prstGeom>
+          <a:noFill/>
+          <a:ln>
+            <a:noFill/>
+          </a:ln>
+        </p:spPr>
+        <p:style>
+          <a:lnRef idx="2">
+            <a:schemeClr val="accent1">
+              <a:shade val="15000"/>
+            </a:schemeClr>
+          </a:lnRef>
+          <a:fillRef idx="1">
+            <a:schemeClr val="accent1"/>
+          </a:fillRef>
+          <a:effectRef idx="0">
+            <a:schemeClr val="accent1"/>
+          </a:effectRef>
+          <a:fontRef idx="minor">
+            <a:schemeClr val="lt1"/>
+          </a:fontRef>
+        </p:style>
+        <p:txBody>
+          <a:bodyPr rtlCol="0" anchor="ctr"/>
+          <a:lstStyle/>
+          <a:p>
+            <a:pPr algn="ctr"/>
+            <a:endParaRPr lang="fr-FR" dirty="0"/>
+          </a:p>
+        </p:txBody>
+      </p:sp>
+      <p:grpSp>
+        <p:nvGrpSpPr>
+          <p:cNvPr id="35" name="Groupe 34">
+            <a:extLst>
+              <a:ext uri="{FF2B5EF4-FFF2-40B4-BE49-F238E27FC236}">
+                <a16:creationId xmlns:a16="http://schemas.microsoft.com/office/drawing/2014/main" id="{FD39475C-E631-B671-266E-B9334304C252}"/>
+              </a:ext>
+            </a:extLst>
+          </p:cNvPr>
+          <p:cNvGrpSpPr/>
+          <p:nvPr/>
+        </p:nvGrpSpPr>
+        <p:grpSpPr>
+          <a:xfrm>
+            <a:off x="6685555" y="1873629"/>
+            <a:ext cx="1574333" cy="2814629"/>
+            <a:chOff x="6685555" y="1873629"/>
+            <a:chExt cx="1574333" cy="2814629"/>
+          </a:xfrm>
+        </p:grpSpPr>
+        <p:pic>
+          <p:nvPicPr>
+            <p:cNvPr id="2052" name="Picture 4">
+              <a:extLst>
+                <a:ext uri="{FF2B5EF4-FFF2-40B4-BE49-F238E27FC236}">
+                  <a16:creationId xmlns:a16="http://schemas.microsoft.com/office/drawing/2014/main" id="{FCCA093A-E48A-7B59-31BE-E1F8F80AD69D}"/>
+                </a:ext>
+              </a:extLst>
+            </p:cNvPr>
+            <p:cNvPicPr>
+              <a:picLocks noChangeAspect="1" noChangeArrowheads="1"/>
+            </p:cNvPicPr>
+            <p:nvPr/>
+          </p:nvPicPr>
+          <p:blipFill rotWithShape="1">
+            <a:blip r:embed="rId10">
+              <a:extLst>
+                <a:ext uri="{28A0092B-C50C-407E-A947-70E740481C1C}">
+                  <a14:useLocalDpi xmlns:a14="http://schemas.microsoft.com/office/drawing/2010/main" val="0"/>
+                </a:ext>
+              </a:extLst>
+            </a:blip>
+            <a:srcRect l="12661" t="20885" r="16005" b="23808"/>
+            <a:stretch>
+              <a:fillRect/>
+            </a:stretch>
+          </p:blipFill>
+          <p:spPr bwMode="auto">
+            <a:xfrm>
+              <a:off x="7785778" y="1885388"/>
+              <a:ext cx="435834" cy="266773"/>
+            </a:xfrm>
+            <a:prstGeom prst="rect">
+              <a:avLst/>
+            </a:prstGeom>
+            <a:noFill/>
+            <a:extLst>
+              <a:ext uri="{909E8E84-426E-40DD-AFC4-6F175D3DCCD1}">
+                <a14:hiddenFill xmlns:a14="http://schemas.microsoft.com/office/drawing/2010/main">
+                  <a:solidFill>
+                    <a:srgbClr val="FFFFFF"/>
+                  </a:solidFill>
+                </a14:hiddenFill>
+              </a:ext>
+            </a:extLst>
+          </p:spPr>
+        </p:pic>
+        <p:pic>
+          <p:nvPicPr>
+            <p:cNvPr id="43" name="Picture 2">
+              <a:extLst>
+                <a:ext uri="{FF2B5EF4-FFF2-40B4-BE49-F238E27FC236}">
+                  <a16:creationId xmlns:a16="http://schemas.microsoft.com/office/drawing/2014/main" id="{A31CCBD7-31A9-6123-B61B-FB210F650877}"/>
+                </a:ext>
+              </a:extLst>
+            </p:cNvPr>
+            <p:cNvPicPr>
+              <a:picLocks noChangeAspect="1" noChangeArrowheads="1"/>
+            </p:cNvPicPr>
+            <p:nvPr/>
+          </p:nvPicPr>
+          <p:blipFill rotWithShape="1">
+            <a:blip r:embed="rId7">
+              <a:extLst>
+                <a:ext uri="{28A0092B-C50C-407E-A947-70E740481C1C}">
+                  <a14:useLocalDpi xmlns:a14="http://schemas.microsoft.com/office/drawing/2010/main" val="0"/>
+                </a:ext>
+              </a:extLst>
+            </a:blip>
+            <a:srcRect l="18363" t="15290" r="18027" b="19432"/>
+            <a:stretch>
+              <a:fillRect/>
+            </a:stretch>
+          </p:blipFill>
+          <p:spPr bwMode="auto">
+            <a:xfrm>
+              <a:off x="7188151" y="4068942"/>
+              <a:ext cx="603504" cy="619316"/>
+            </a:xfrm>
+            <a:prstGeom prst="rect">
+              <a:avLst/>
+            </a:prstGeom>
+            <a:noFill/>
+            <a:extLst>
+              <a:ext uri="{909E8E84-426E-40DD-AFC4-6F175D3DCCD1}">
+                <a14:hiddenFill xmlns:a14="http://schemas.microsoft.com/office/drawing/2010/main">
+                  <a:solidFill>
+                    <a:srgbClr val="FFFFFF"/>
+                  </a:solidFill>
+                </a14:hiddenFill>
+              </a:ext>
+            </a:extLst>
+          </p:spPr>
+        </p:pic>
+        <p:sp>
+          <p:nvSpPr>
+            <p:cNvPr id="54" name="Rectangle : coins arrondis 53">
+              <a:extLst>
+                <a:ext uri="{FF2B5EF4-FFF2-40B4-BE49-F238E27FC236}">
+                  <a16:creationId xmlns:a16="http://schemas.microsoft.com/office/drawing/2014/main" id="{3E4E5C19-19D1-7DB3-6126-771BB460CA7E}"/>
+                </a:ext>
+              </a:extLst>
+            </p:cNvPr>
+            <p:cNvSpPr/>
+            <p:nvPr/>
+          </p:nvSpPr>
+          <p:spPr>
+            <a:xfrm>
+              <a:off x="7018263" y="2271252"/>
+              <a:ext cx="1098685" cy="584200"/>
+            </a:xfrm>
+            <a:prstGeom prst="roundRect">
+              <a:avLst/>
+            </a:prstGeom>
+            <a:solidFill>
+              <a:schemeClr val="bg1">
+                <a:lumMod val="95000"/>
+              </a:schemeClr>
+            </a:solidFill>
+            <a:ln>
+              <a:noFill/>
+            </a:ln>
+          </p:spPr>
+          <p:style>
+            <a:lnRef idx="2">
+              <a:schemeClr val="accent1">
+                <a:shade val="15000"/>
+              </a:schemeClr>
+            </a:lnRef>
+            <a:fillRef idx="1">
+              <a:schemeClr val="accent1"/>
+            </a:fillRef>
+            <a:effectRef idx="0">
+              <a:schemeClr val="accent1"/>
+            </a:effectRef>
+            <a:fontRef idx="minor">
+              <a:schemeClr val="lt1"/>
+            </a:fontRef>
+          </p:style>
+          <p:txBody>
+            <a:bodyPr rtlCol="0" anchor="ctr"/>
+            <a:lstStyle/>
+            <a:p>
+              <a:pPr algn="ctr"/>
+              <a:endParaRPr lang="fr-FR"/>
+            </a:p>
+          </p:txBody>
+        </p:sp>
+        <p:sp>
+          <p:nvSpPr>
+            <p:cNvPr id="55" name="ZoneTexte 54">
+              <a:extLst>
+                <a:ext uri="{FF2B5EF4-FFF2-40B4-BE49-F238E27FC236}">
+                  <a16:creationId xmlns:a16="http://schemas.microsoft.com/office/drawing/2014/main" id="{C4EB1607-BC4B-15A3-0324-3D29B9154D63}"/>
+                </a:ext>
+              </a:extLst>
+            </p:cNvPr>
+            <p:cNvSpPr txBox="1"/>
+            <p:nvPr/>
+          </p:nvSpPr>
+          <p:spPr>
+            <a:xfrm>
+              <a:off x="6985463" y="2328730"/>
+              <a:ext cx="1156330" cy="446276"/>
+            </a:xfrm>
+            <a:prstGeom prst="rect">
+              <a:avLst/>
+            </a:prstGeom>
+            <a:noFill/>
+          </p:spPr>
+          <p:txBody>
+            <a:bodyPr wrap="square" rtlCol="0">
+              <a:spAutoFit/>
+            </a:bodyPr>
+            <a:lstStyle/>
+            <a:p>
+              <a:pPr algn="ctr"/>
+              <a:r>
+                <a:rPr lang="fr-FR" sz="900" dirty="0"/>
+                <a:t>EDA </a:t>
+              </a:r>
+            </a:p>
+            <a:p>
+              <a:pPr algn="ctr"/>
+              <a:r>
+                <a:rPr lang="fr-FR" sz="700" dirty="0"/>
+                <a:t>descriptive et comparative</a:t>
+              </a:r>
+            </a:p>
+          </p:txBody>
+        </p:sp>
+        <p:sp>
+          <p:nvSpPr>
+            <p:cNvPr id="56" name="Rectangle : coins arrondis 55">
+              <a:extLst>
+                <a:ext uri="{FF2B5EF4-FFF2-40B4-BE49-F238E27FC236}">
+                  <a16:creationId xmlns:a16="http://schemas.microsoft.com/office/drawing/2014/main" id="{34BB09D2-59B3-0F52-1024-4F32B01B2F53}"/>
+                </a:ext>
+              </a:extLst>
+            </p:cNvPr>
+            <p:cNvSpPr/>
+            <p:nvPr/>
+          </p:nvSpPr>
+          <p:spPr>
+            <a:xfrm>
+              <a:off x="7012431" y="2970222"/>
+              <a:ext cx="1104517" cy="584200"/>
+            </a:xfrm>
+            <a:prstGeom prst="roundRect">
+              <a:avLst/>
+            </a:prstGeom>
+            <a:solidFill>
+              <a:schemeClr val="bg1">
+                <a:lumMod val="95000"/>
+              </a:schemeClr>
+            </a:solidFill>
+            <a:ln>
+              <a:noFill/>
+            </a:ln>
+          </p:spPr>
+          <p:style>
+            <a:lnRef idx="2">
+              <a:schemeClr val="accent1">
+                <a:shade val="15000"/>
+              </a:schemeClr>
+            </a:lnRef>
+            <a:fillRef idx="1">
+              <a:schemeClr val="accent1"/>
+            </a:fillRef>
+            <a:effectRef idx="0">
+              <a:schemeClr val="accent1"/>
+            </a:effectRef>
+            <a:fontRef idx="minor">
+              <a:schemeClr val="lt1"/>
+            </a:fontRef>
+          </p:style>
+          <p:txBody>
+            <a:bodyPr rtlCol="0" anchor="ctr"/>
+            <a:lstStyle/>
+            <a:p>
+              <a:pPr algn="ctr"/>
+              <a:endParaRPr lang="fr-FR"/>
+            </a:p>
+          </p:txBody>
+        </p:sp>
+        <p:sp>
+          <p:nvSpPr>
+            <p:cNvPr id="57" name="ZoneTexte 56">
+              <a:extLst>
+                <a:ext uri="{FF2B5EF4-FFF2-40B4-BE49-F238E27FC236}">
+                  <a16:creationId xmlns:a16="http://schemas.microsoft.com/office/drawing/2014/main" id="{685F5B80-27B1-45A6-3DF8-0CF7271056CC}"/>
+                </a:ext>
+              </a:extLst>
+            </p:cNvPr>
+            <p:cNvSpPr txBox="1"/>
+            <p:nvPr/>
+          </p:nvSpPr>
+          <p:spPr>
+            <a:xfrm>
+              <a:off x="6985463" y="3085576"/>
+              <a:ext cx="1156330" cy="338554"/>
+            </a:xfrm>
+            <a:prstGeom prst="rect">
+              <a:avLst/>
+            </a:prstGeom>
+            <a:noFill/>
+          </p:spPr>
+          <p:txBody>
+            <a:bodyPr wrap="square" rtlCol="0">
+              <a:spAutoFit/>
+            </a:bodyPr>
+            <a:lstStyle/>
+            <a:p>
+              <a:pPr algn="ctr"/>
+              <a:r>
+                <a:rPr lang="fr-FR" sz="900" dirty="0"/>
+                <a:t>PREDICT </a:t>
+              </a:r>
+            </a:p>
+            <a:p>
+              <a:pPr algn="ctr"/>
+              <a:r>
+                <a:rPr lang="fr-FR" sz="700" dirty="0"/>
+                <a:t>Sur 3 jours glissants</a:t>
+              </a:r>
+            </a:p>
+          </p:txBody>
+        </p:sp>
+        <p:sp>
+          <p:nvSpPr>
+            <p:cNvPr id="1074" name="Rectangle : coins arrondis 1073">
+              <a:extLst>
+                <a:ext uri="{FF2B5EF4-FFF2-40B4-BE49-F238E27FC236}">
+                  <a16:creationId xmlns:a16="http://schemas.microsoft.com/office/drawing/2014/main" id="{4162FACA-EA89-9D97-B392-632929E9443D}"/>
+                </a:ext>
+              </a:extLst>
+            </p:cNvPr>
+            <p:cNvSpPr/>
+            <p:nvPr/>
+          </p:nvSpPr>
+          <p:spPr>
+            <a:xfrm>
+              <a:off x="6881481" y="1873629"/>
+              <a:ext cx="1378407" cy="1764604"/>
+            </a:xfrm>
+            <a:prstGeom prst="roundRect">
+              <a:avLst>
+                <a:gd name="adj" fmla="val 7978"/>
+              </a:avLst>
+            </a:prstGeom>
+            <a:noFill/>
+            <a:ln w="9525">
+              <a:solidFill>
+                <a:srgbClr val="FFC000"/>
+              </a:solidFill>
+              <a:prstDash val="dash"/>
+            </a:ln>
+          </p:spPr>
+          <p:style>
+            <a:lnRef idx="2">
+              <a:schemeClr val="accent1">
+                <a:shade val="15000"/>
+              </a:schemeClr>
+            </a:lnRef>
+            <a:fillRef idx="1">
+              <a:schemeClr val="accent1"/>
+            </a:fillRef>
+            <a:effectRef idx="0">
+              <a:schemeClr val="accent1"/>
+            </a:effectRef>
+            <a:fontRef idx="minor">
+              <a:schemeClr val="lt1"/>
+            </a:fontRef>
+          </p:style>
+          <p:txBody>
+            <a:bodyPr rtlCol="0" anchor="ctr"/>
+            <a:lstStyle/>
+            <a:p>
+              <a:pPr algn="ctr"/>
+              <a:endParaRPr lang="fr-FR" dirty="0"/>
+            </a:p>
+          </p:txBody>
+        </p:sp>
+        <p:pic>
+          <p:nvPicPr>
+            <p:cNvPr id="21" name="Picture 14">
+              <a:extLst>
+                <a:ext uri="{FF2B5EF4-FFF2-40B4-BE49-F238E27FC236}">
+                  <a16:creationId xmlns:a16="http://schemas.microsoft.com/office/drawing/2014/main" id="{174134F5-72A3-DA25-E671-C7DDD8DFA83A}"/>
+                </a:ext>
+              </a:extLst>
+            </p:cNvPr>
+            <p:cNvPicPr>
+              <a:picLocks noChangeAspect="1" noChangeArrowheads="1"/>
+            </p:cNvPicPr>
+            <p:nvPr/>
+          </p:nvPicPr>
+          <p:blipFill rotWithShape="1">
+            <a:blip r:embed="rId11">
+              <a:extLst>
+                <a:ext uri="{28A0092B-C50C-407E-A947-70E740481C1C}">
+                  <a14:useLocalDpi xmlns:a14="http://schemas.microsoft.com/office/drawing/2010/main" val="0"/>
+                </a:ext>
+              </a:extLst>
+            </a:blip>
+            <a:srcRect l="6454" t="18548" b="24342"/>
+            <a:stretch>
+              <a:fillRect/>
+            </a:stretch>
+          </p:blipFill>
+          <p:spPr bwMode="auto">
+            <a:xfrm>
+              <a:off x="6885019" y="1985270"/>
+              <a:ext cx="800992" cy="179300"/>
+            </a:xfrm>
+            <a:prstGeom prst="rect">
+              <a:avLst/>
+            </a:prstGeom>
+            <a:noFill/>
+            <a:extLst>
+              <a:ext uri="{909E8E84-426E-40DD-AFC4-6F175D3DCCD1}">
+                <a14:hiddenFill xmlns:a14="http://schemas.microsoft.com/office/drawing/2010/main">
+                  <a:solidFill>
+                    <a:srgbClr val="FFFFFF"/>
+                  </a:solidFill>
+                </a14:hiddenFill>
+              </a:ext>
+            </a:extLst>
+          </p:spPr>
+        </p:pic>
+        <p:sp>
+          <p:nvSpPr>
+            <p:cNvPr id="23" name="Ellipse 22">
+              <a:extLst>
+                <a:ext uri="{FF2B5EF4-FFF2-40B4-BE49-F238E27FC236}">
+                  <a16:creationId xmlns:a16="http://schemas.microsoft.com/office/drawing/2014/main" id="{14BA37FE-DD89-0B23-6089-5FD37763331C}"/>
+                </a:ext>
+              </a:extLst>
+            </p:cNvPr>
+            <p:cNvSpPr/>
+            <p:nvPr/>
+          </p:nvSpPr>
+          <p:spPr>
+            <a:xfrm>
+              <a:off x="7624519" y="2020902"/>
+              <a:ext cx="122984" cy="122984"/>
+            </a:xfrm>
+            <a:prstGeom prst="ellipse">
+              <a:avLst/>
+            </a:prstGeom>
+            <a:solidFill>
+              <a:srgbClr val="41545E"/>
+            </a:solidFill>
+            <a:ln>
+              <a:noFill/>
+            </a:ln>
+          </p:spPr>
+          <p:style>
+            <a:lnRef idx="2">
+              <a:schemeClr val="accent1">
+                <a:shade val="15000"/>
+              </a:schemeClr>
+            </a:lnRef>
+            <a:fillRef idx="1">
+              <a:schemeClr val="accent1"/>
+            </a:fillRef>
+            <a:effectRef idx="0">
+              <a:schemeClr val="accent1"/>
+            </a:effectRef>
+            <a:fontRef idx="minor">
+              <a:schemeClr val="lt1"/>
+            </a:fontRef>
+          </p:style>
+          <p:txBody>
+            <a:bodyPr rtlCol="0" anchor="ctr"/>
+            <a:lstStyle/>
+            <a:p>
+              <a:pPr algn="ctr"/>
+              <a:r>
+                <a:rPr lang="fr-FR" sz="900" dirty="0"/>
+                <a:t>+</a:t>
+              </a:r>
+            </a:p>
+          </p:txBody>
+        </p:sp>
+        <p:grpSp>
+          <p:nvGrpSpPr>
+            <p:cNvPr id="42" name="Groupe 41">
+              <a:extLst>
+                <a:ext uri="{FF2B5EF4-FFF2-40B4-BE49-F238E27FC236}">
+                  <a16:creationId xmlns:a16="http://schemas.microsoft.com/office/drawing/2014/main" id="{ABFDE930-E8FD-AEFC-C080-0E20435636B0}"/>
+                </a:ext>
+              </a:extLst>
+            </p:cNvPr>
+            <p:cNvGrpSpPr/>
+            <p:nvPr/>
+          </p:nvGrpSpPr>
+          <p:grpSpPr>
+            <a:xfrm>
+              <a:off x="6685555" y="3898233"/>
+              <a:ext cx="703440" cy="410340"/>
+              <a:chOff x="7750640" y="4242260"/>
+              <a:chExt cx="447927" cy="261290"/>
+            </a:xfrm>
+          </p:grpSpPr>
+          <p:sp>
+            <p:nvSpPr>
+              <p:cNvPr id="45" name="Rectangle : coins arrondis 44">
+                <a:extLst>
+                  <a:ext uri="{FF2B5EF4-FFF2-40B4-BE49-F238E27FC236}">
+                    <a16:creationId xmlns:a16="http://schemas.microsoft.com/office/drawing/2014/main" id="{D7F593C2-1139-09D7-2E16-9F2706484D71}"/>
+                  </a:ext>
+                </a:extLst>
+              </p:cNvPr>
+              <p:cNvSpPr/>
+              <p:nvPr/>
+            </p:nvSpPr>
+            <p:spPr>
+              <a:xfrm>
+                <a:off x="7785777" y="4265830"/>
+                <a:ext cx="373983" cy="223312"/>
+              </a:xfrm>
+              <a:prstGeom prst="roundRect">
+                <a:avLst/>
+              </a:prstGeom>
+              <a:solidFill>
+                <a:schemeClr val="bg1"/>
+              </a:solidFill>
+              <a:ln w="3175"/>
+            </p:spPr>
+            <p:style>
+              <a:lnRef idx="2">
+                <a:schemeClr val="accent1">
+                  <a:shade val="15000"/>
+                </a:schemeClr>
+              </a:lnRef>
+              <a:fillRef idx="1">
+                <a:schemeClr val="accent1"/>
+              </a:fillRef>
+              <a:effectRef idx="0">
+                <a:schemeClr val="accent1"/>
+              </a:effectRef>
+              <a:fontRef idx="minor">
+                <a:schemeClr val="lt1"/>
+              </a:fontRef>
+            </p:style>
+            <p:txBody>
+              <a:bodyPr rtlCol="0" anchor="ctr"/>
+              <a:lstStyle/>
+              <a:p>
+                <a:pPr algn="ctr"/>
+                <a:endParaRPr lang="fr-FR"/>
+              </a:p>
+            </p:txBody>
+          </p:sp>
+          <p:pic>
+            <p:nvPicPr>
+              <p:cNvPr id="59" name="Picture 2">
+                <a:extLst>
+                  <a:ext uri="{FF2B5EF4-FFF2-40B4-BE49-F238E27FC236}">
+                    <a16:creationId xmlns:a16="http://schemas.microsoft.com/office/drawing/2014/main" id="{66E29ABD-B82C-FAB9-3744-D1866DC79A32}"/>
+                  </a:ext>
+                </a:extLst>
+              </p:cNvPr>
+              <p:cNvPicPr>
+                <a:picLocks noChangeAspect="1" noChangeArrowheads="1"/>
+              </p:cNvPicPr>
+              <p:nvPr/>
+            </p:nvPicPr>
+            <p:blipFill>
+              <a:blip r:embed="rId12">
+                <a:extLst>
+                  <a:ext uri="{28A0092B-C50C-407E-A947-70E740481C1C}">
+                    <a14:useLocalDpi xmlns:a14="http://schemas.microsoft.com/office/drawing/2010/main" val="0"/>
+                  </a:ext>
+                </a:extLst>
+              </a:blip>
+              <a:srcRect/>
+              <a:stretch>
+                <a:fillRect/>
+              </a:stretch>
+            </p:blipFill>
+            <p:spPr bwMode="auto">
+              <a:xfrm>
+                <a:off x="7750640" y="4242260"/>
+                <a:ext cx="447927" cy="261290"/>
+              </a:xfrm>
+              <a:prstGeom prst="rect">
+                <a:avLst/>
+              </a:prstGeom>
+              <a:noFill/>
+            </p:spPr>
+          </p:pic>
+        </p:grpSp>
+      </p:grpSp>
+      <p:grpSp>
+        <p:nvGrpSpPr>
+          <p:cNvPr id="34" name="Groupe 33">
+            <a:extLst>
+              <a:ext uri="{FF2B5EF4-FFF2-40B4-BE49-F238E27FC236}">
+                <a16:creationId xmlns:a16="http://schemas.microsoft.com/office/drawing/2014/main" id="{EC855B51-00D1-B205-FFDD-9584B2007244}"/>
+              </a:ext>
+            </a:extLst>
+          </p:cNvPr>
+          <p:cNvGrpSpPr/>
+          <p:nvPr/>
+        </p:nvGrpSpPr>
+        <p:grpSpPr>
+          <a:xfrm>
+            <a:off x="4245348" y="1458686"/>
+            <a:ext cx="2205580" cy="3272971"/>
+            <a:chOff x="4245348" y="1458686"/>
+            <a:chExt cx="2205580" cy="3272971"/>
+          </a:xfrm>
+        </p:grpSpPr>
+        <p:cxnSp>
+          <p:nvCxnSpPr>
+            <p:cNvPr id="30" name="Connecteur droit 29">
+              <a:extLst>
+                <a:ext uri="{FF2B5EF4-FFF2-40B4-BE49-F238E27FC236}">
+                  <a16:creationId xmlns:a16="http://schemas.microsoft.com/office/drawing/2014/main" id="{DD9C7B50-C6F5-7260-C61A-2CAE5E4C0BF7}"/>
+                </a:ext>
+              </a:extLst>
+            </p:cNvPr>
+            <p:cNvCxnSpPr/>
+            <p:nvPr/>
+          </p:nvCxnSpPr>
+          <p:spPr>
+            <a:xfrm>
+              <a:off x="6450928" y="1458686"/>
+              <a:ext cx="0" cy="3272971"/>
+            </a:xfrm>
+            <a:prstGeom prst="line">
+              <a:avLst/>
+            </a:prstGeom>
+            <a:ln w="19050">
+              <a:solidFill>
+                <a:schemeClr val="bg1">
+                  <a:lumMod val="75000"/>
+                </a:schemeClr>
+              </a:solidFill>
+              <a:prstDash val="dash"/>
+            </a:ln>
+          </p:spPr>
+          <p:style>
+            <a:lnRef idx="1">
+              <a:schemeClr val="dk1"/>
+            </a:lnRef>
+            <a:fillRef idx="0">
+              <a:schemeClr val="dk1"/>
+            </a:fillRef>
+            <a:effectRef idx="0">
+              <a:schemeClr val="dk1"/>
+            </a:effectRef>
+            <a:fontRef idx="minor">
+              <a:schemeClr val="tx1"/>
+            </a:fontRef>
+          </p:style>
+        </p:cxnSp>
+        <p:pic>
+          <p:nvPicPr>
+            <p:cNvPr id="1036" name="Picture 12">
+              <a:extLst>
+                <a:ext uri="{FF2B5EF4-FFF2-40B4-BE49-F238E27FC236}">
+                  <a16:creationId xmlns:a16="http://schemas.microsoft.com/office/drawing/2014/main" id="{135630BC-F5F0-17C1-438A-A312C16997F8}"/>
+                </a:ext>
+              </a:extLst>
+            </p:cNvPr>
+            <p:cNvPicPr>
+              <a:picLocks noChangeAspect="1" noChangeArrowheads="1"/>
+            </p:cNvPicPr>
+            <p:nvPr/>
+          </p:nvPicPr>
+          <p:blipFill>
+            <a:blip r:embed="rId13">
+              <a:extLst>
+                <a:ext uri="{28A0092B-C50C-407E-A947-70E740481C1C}">
+                  <a14:useLocalDpi xmlns:a14="http://schemas.microsoft.com/office/drawing/2010/main" val="0"/>
+                </a:ext>
+              </a:extLst>
+            </a:blip>
+            <a:srcRect/>
+            <a:stretch>
+              <a:fillRect/>
+            </a:stretch>
+          </p:blipFill>
+          <p:spPr bwMode="auto">
+            <a:xfrm>
+              <a:off x="5590470" y="2524037"/>
+              <a:ext cx="781468" cy="564394"/>
+            </a:xfrm>
+            <a:prstGeom prst="rect">
+              <a:avLst/>
+            </a:prstGeom>
+            <a:noFill/>
+            <a:extLst>
+              <a:ext uri="{909E8E84-426E-40DD-AFC4-6F175D3DCCD1}">
+                <a14:hiddenFill xmlns:a14="http://schemas.microsoft.com/office/drawing/2010/main">
+                  <a:solidFill>
+                    <a:srgbClr val="FFFFFF"/>
+                  </a:solidFill>
+                </a14:hiddenFill>
+              </a:ext>
+            </a:extLst>
+          </p:spPr>
+        </p:pic>
+        <p:pic>
+          <p:nvPicPr>
+            <p:cNvPr id="1038" name="Picture 14">
+              <a:extLst>
+                <a:ext uri="{FF2B5EF4-FFF2-40B4-BE49-F238E27FC236}">
+                  <a16:creationId xmlns:a16="http://schemas.microsoft.com/office/drawing/2014/main" id="{1B3822DD-A0E9-A37F-0DE9-40781F1C3DF4}"/>
+                </a:ext>
+              </a:extLst>
+            </p:cNvPr>
+            <p:cNvPicPr>
+              <a:picLocks noChangeAspect="1" noChangeArrowheads="1"/>
+            </p:cNvPicPr>
+            <p:nvPr/>
+          </p:nvPicPr>
+          <p:blipFill rotWithShape="1">
+            <a:blip r:embed="rId11">
+              <a:extLst>
+                <a:ext uri="{28A0092B-C50C-407E-A947-70E740481C1C}">
+                  <a14:useLocalDpi xmlns:a14="http://schemas.microsoft.com/office/drawing/2010/main" val="0"/>
+                </a:ext>
+              </a:extLst>
+            </a:blip>
+            <a:srcRect l="6454" t="18548" b="24342"/>
+            <a:stretch>
+              <a:fillRect/>
+            </a:stretch>
+          </p:blipFill>
+          <p:spPr bwMode="auto">
+            <a:xfrm>
+              <a:off x="4575513" y="2705986"/>
+              <a:ext cx="1009143" cy="225895"/>
+            </a:xfrm>
+            <a:prstGeom prst="rect">
+              <a:avLst/>
+            </a:prstGeom>
+            <a:noFill/>
+            <a:extLst>
+              <a:ext uri="{909E8E84-426E-40DD-AFC4-6F175D3DCCD1}">
+                <a14:hiddenFill xmlns:a14="http://schemas.microsoft.com/office/drawing/2010/main">
+                  <a:solidFill>
+                    <a:srgbClr val="FFFFFF"/>
+                  </a:solidFill>
+                </a14:hiddenFill>
+              </a:ext>
+            </a:extLst>
+          </p:spPr>
+        </p:pic>
+        <p:sp>
+          <p:nvSpPr>
+            <p:cNvPr id="47" name="Rectangle : coins arrondis 46">
+              <a:extLst>
+                <a:ext uri="{FF2B5EF4-FFF2-40B4-BE49-F238E27FC236}">
+                  <a16:creationId xmlns:a16="http://schemas.microsoft.com/office/drawing/2014/main" id="{481D51B6-7D43-7926-6891-407782B836DE}"/>
+                </a:ext>
+              </a:extLst>
+            </p:cNvPr>
+            <p:cNvSpPr/>
+            <p:nvPr/>
+          </p:nvSpPr>
+          <p:spPr>
+            <a:xfrm>
+              <a:off x="4883346" y="3012224"/>
+              <a:ext cx="1107899" cy="560285"/>
+            </a:xfrm>
+            <a:prstGeom prst="roundRect">
+              <a:avLst/>
+            </a:prstGeom>
+            <a:solidFill>
+              <a:schemeClr val="bg1">
+                <a:lumMod val="95000"/>
+              </a:schemeClr>
+            </a:solidFill>
+            <a:ln>
+              <a:noFill/>
+            </a:ln>
+          </p:spPr>
+          <p:style>
+            <a:lnRef idx="2">
+              <a:schemeClr val="accent1">
+                <a:shade val="15000"/>
+              </a:schemeClr>
+            </a:lnRef>
+            <a:fillRef idx="1">
+              <a:schemeClr val="accent1"/>
+            </a:fillRef>
+            <a:effectRef idx="0">
+              <a:schemeClr val="accent1"/>
+            </a:effectRef>
+            <a:fontRef idx="minor">
+              <a:schemeClr val="lt1"/>
+            </a:fontRef>
+          </p:style>
+          <p:txBody>
+            <a:bodyPr rtlCol="0" anchor="ctr"/>
+            <a:lstStyle/>
+            <a:p>
+              <a:pPr algn="ctr"/>
+              <a:endParaRPr lang="fr-FR" dirty="0"/>
+            </a:p>
+          </p:txBody>
+        </p:sp>
+        <p:sp>
+          <p:nvSpPr>
+            <p:cNvPr id="48" name="ZoneTexte 47">
+              <a:extLst>
+                <a:ext uri="{FF2B5EF4-FFF2-40B4-BE49-F238E27FC236}">
+                  <a16:creationId xmlns:a16="http://schemas.microsoft.com/office/drawing/2014/main" id="{FE31E2F0-6B8A-B0EE-9044-0597F28AE28A}"/>
+                </a:ext>
+              </a:extLst>
+            </p:cNvPr>
+            <p:cNvSpPr txBox="1"/>
+            <p:nvPr/>
+          </p:nvSpPr>
+          <p:spPr>
+            <a:xfrm>
+              <a:off x="4909152" y="3149942"/>
+              <a:ext cx="1079654" cy="338554"/>
+            </a:xfrm>
+            <a:prstGeom prst="rect">
+              <a:avLst/>
+            </a:prstGeom>
+            <a:noFill/>
+          </p:spPr>
+          <p:txBody>
+            <a:bodyPr wrap="square" rtlCol="0">
+              <a:spAutoFit/>
+            </a:bodyPr>
+            <a:lstStyle/>
+            <a:p>
+              <a:pPr algn="ctr"/>
+              <a:r>
+                <a:rPr lang="fr-FR" sz="800" b="1" dirty="0" err="1"/>
+                <a:t>Tracking</a:t>
+              </a:r>
+              <a:r>
+                <a:rPr lang="fr-FR" sz="800" b="1" dirty="0"/>
+                <a:t> du modèle</a:t>
+              </a:r>
+            </a:p>
+          </p:txBody>
+        </p:sp>
+        <p:sp>
+          <p:nvSpPr>
+            <p:cNvPr id="49" name="Rectangle : coins arrondis 48">
+              <a:extLst>
+                <a:ext uri="{FF2B5EF4-FFF2-40B4-BE49-F238E27FC236}">
+                  <a16:creationId xmlns:a16="http://schemas.microsoft.com/office/drawing/2014/main" id="{8486A803-5325-E4EE-E6D1-9C2310E9372C}"/>
+                </a:ext>
+              </a:extLst>
+            </p:cNvPr>
+            <p:cNvSpPr/>
+            <p:nvPr/>
+          </p:nvSpPr>
+          <p:spPr>
+            <a:xfrm>
+              <a:off x="4881636" y="3862081"/>
+              <a:ext cx="1109609" cy="525360"/>
+            </a:xfrm>
+            <a:prstGeom prst="roundRect">
+              <a:avLst/>
+            </a:prstGeom>
+            <a:solidFill>
+              <a:schemeClr val="bg1">
+                <a:lumMod val="95000"/>
+              </a:schemeClr>
+            </a:solidFill>
+            <a:ln>
+              <a:noFill/>
+            </a:ln>
+          </p:spPr>
+          <p:style>
+            <a:lnRef idx="2">
+              <a:schemeClr val="accent1">
+                <a:shade val="15000"/>
+              </a:schemeClr>
+            </a:lnRef>
+            <a:fillRef idx="1">
+              <a:schemeClr val="accent1"/>
+            </a:fillRef>
+            <a:effectRef idx="0">
+              <a:schemeClr val="accent1"/>
+            </a:effectRef>
+            <a:fontRef idx="minor">
+              <a:schemeClr val="lt1"/>
+            </a:fontRef>
+          </p:style>
+          <p:txBody>
+            <a:bodyPr rtlCol="0" anchor="ctr"/>
+            <a:lstStyle/>
+            <a:p>
+              <a:pPr algn="ctr"/>
+              <a:endParaRPr lang="fr-FR"/>
+            </a:p>
+          </p:txBody>
+        </p:sp>
+        <p:sp>
+          <p:nvSpPr>
+            <p:cNvPr id="50" name="ZoneTexte 49">
+              <a:extLst>
+                <a:ext uri="{FF2B5EF4-FFF2-40B4-BE49-F238E27FC236}">
+                  <a16:creationId xmlns:a16="http://schemas.microsoft.com/office/drawing/2014/main" id="{D45817E9-F26B-F5AC-E969-2DB4F41AE334}"/>
+                </a:ext>
+              </a:extLst>
+            </p:cNvPr>
+            <p:cNvSpPr txBox="1"/>
+            <p:nvPr/>
+          </p:nvSpPr>
+          <p:spPr>
+            <a:xfrm>
+              <a:off x="4911591" y="3977728"/>
+              <a:ext cx="1079654" cy="338554"/>
+            </a:xfrm>
+            <a:prstGeom prst="rect">
+              <a:avLst/>
+            </a:prstGeom>
+            <a:noFill/>
+          </p:spPr>
+          <p:txBody>
+            <a:bodyPr wrap="square" rtlCol="0">
+              <a:spAutoFit/>
+            </a:bodyPr>
+            <a:lstStyle/>
+            <a:p>
+              <a:pPr algn="ctr"/>
+              <a:r>
+                <a:rPr lang="fr-FR" sz="800" b="1" dirty="0"/>
+                <a:t>Registre et runs du modèle</a:t>
+              </a:r>
+            </a:p>
+          </p:txBody>
+        </p:sp>
+        <p:pic>
+          <p:nvPicPr>
+            <p:cNvPr id="2054" name="Picture 6">
+              <a:extLst>
+                <a:ext uri="{FF2B5EF4-FFF2-40B4-BE49-F238E27FC236}">
+                  <a16:creationId xmlns:a16="http://schemas.microsoft.com/office/drawing/2014/main" id="{A2294E8E-D08B-505D-5B9D-D8788A9CD32B}"/>
+                </a:ext>
+              </a:extLst>
+            </p:cNvPr>
+            <p:cNvPicPr>
+              <a:picLocks noChangeAspect="1" noChangeArrowheads="1"/>
+            </p:cNvPicPr>
+            <p:nvPr/>
+          </p:nvPicPr>
+          <p:blipFill>
+            <a:blip r:embed="rId14">
+              <a:extLst>
+                <a:ext uri="{28A0092B-C50C-407E-A947-70E740481C1C}">
+                  <a14:useLocalDpi xmlns:a14="http://schemas.microsoft.com/office/drawing/2010/main" val="0"/>
+                </a:ext>
+              </a:extLst>
+            </a:blip>
+            <a:srcRect/>
+            <a:stretch>
+              <a:fillRect/>
+            </a:stretch>
+          </p:blipFill>
+          <p:spPr bwMode="auto">
+            <a:xfrm>
+              <a:off x="4691140" y="2843961"/>
+              <a:ext cx="711670" cy="374563"/>
+            </a:xfrm>
+            <a:prstGeom prst="rect">
+              <a:avLst/>
+            </a:prstGeom>
+            <a:noFill/>
+            <a:extLst>
+              <a:ext uri="{909E8E84-426E-40DD-AFC4-6F175D3DCCD1}">
+                <a14:hiddenFill xmlns:a14="http://schemas.microsoft.com/office/drawing/2010/main">
+                  <a:solidFill>
+                    <a:srgbClr val="FFFFFF"/>
+                  </a:solidFill>
+                </a14:hiddenFill>
+              </a:ext>
+            </a:extLst>
+          </p:spPr>
+        </p:pic>
+        <p:pic>
+          <p:nvPicPr>
+            <p:cNvPr id="51" name="Image 50" descr="Une image contenant art, pixel, conception&#10;&#10;Le contenu généré par l’IA peut être incorrect.">
+              <a:extLst>
+                <a:ext uri="{FF2B5EF4-FFF2-40B4-BE49-F238E27FC236}">
+                  <a16:creationId xmlns:a16="http://schemas.microsoft.com/office/drawing/2014/main" id="{054FB5AB-F043-1139-CFA8-44C9034D1153}"/>
+                </a:ext>
+              </a:extLst>
+            </p:cNvPr>
+            <p:cNvPicPr>
+              <a:picLocks noChangeAspect="1"/>
+            </p:cNvPicPr>
+            <p:nvPr/>
+          </p:nvPicPr>
+          <p:blipFill>
+            <a:blip r:embed="rId15"/>
+            <a:stretch>
+              <a:fillRect/>
+            </a:stretch>
+          </p:blipFill>
+          <p:spPr>
+            <a:xfrm>
+              <a:off x="4776380" y="3775222"/>
+              <a:ext cx="247189" cy="295703"/>
+            </a:xfrm>
+            <a:prstGeom prst="rect">
+              <a:avLst/>
+            </a:prstGeom>
+          </p:spPr>
+        </p:pic>
+        <p:sp>
+          <p:nvSpPr>
+            <p:cNvPr id="52" name="Ellipse 51">
+              <a:extLst>
+                <a:ext uri="{FF2B5EF4-FFF2-40B4-BE49-F238E27FC236}">
+                  <a16:creationId xmlns:a16="http://schemas.microsoft.com/office/drawing/2014/main" id="{7A45A31B-42CC-CB8B-442E-3576FB243381}"/>
+                </a:ext>
+              </a:extLst>
+            </p:cNvPr>
+            <p:cNvSpPr/>
+            <p:nvPr/>
+          </p:nvSpPr>
+          <p:spPr>
+            <a:xfrm>
+              <a:off x="5535850" y="2751648"/>
+              <a:ext cx="122984" cy="122984"/>
+            </a:xfrm>
+            <a:prstGeom prst="ellipse">
+              <a:avLst/>
+            </a:prstGeom>
+            <a:solidFill>
+              <a:srgbClr val="41545E"/>
+            </a:solidFill>
+            <a:ln>
+              <a:noFill/>
+            </a:ln>
+          </p:spPr>
+          <p:style>
+            <a:lnRef idx="2">
+              <a:schemeClr val="accent1">
+                <a:shade val="15000"/>
+              </a:schemeClr>
+            </a:lnRef>
+            <a:fillRef idx="1">
+              <a:schemeClr val="accent1"/>
+            </a:fillRef>
+            <a:effectRef idx="0">
+              <a:schemeClr val="accent1"/>
+            </a:effectRef>
+            <a:fontRef idx="minor">
+              <a:schemeClr val="lt1"/>
+            </a:fontRef>
+          </p:style>
+          <p:txBody>
+            <a:bodyPr rtlCol="0" anchor="ctr"/>
+            <a:lstStyle/>
+            <a:p>
+              <a:pPr algn="ctr"/>
+              <a:r>
+                <a:rPr lang="fr-FR" sz="900" dirty="0"/>
+                <a:t>+</a:t>
+              </a:r>
+            </a:p>
+          </p:txBody>
+        </p:sp>
+        <p:sp>
+          <p:nvSpPr>
+            <p:cNvPr id="53" name="Rectangle : coins arrondis 52">
+              <a:extLst>
+                <a:ext uri="{FF2B5EF4-FFF2-40B4-BE49-F238E27FC236}">
+                  <a16:creationId xmlns:a16="http://schemas.microsoft.com/office/drawing/2014/main" id="{CF1F8123-FC2A-EF28-8139-FC1D62216C5F}"/>
+                </a:ext>
+              </a:extLst>
+            </p:cNvPr>
+            <p:cNvSpPr/>
+            <p:nvPr/>
+          </p:nvSpPr>
+          <p:spPr>
+            <a:xfrm>
+              <a:off x="4531529" y="2628306"/>
+              <a:ext cx="1796425" cy="1870262"/>
+            </a:xfrm>
+            <a:prstGeom prst="roundRect">
+              <a:avLst>
+                <a:gd name="adj" fmla="val 10895"/>
+              </a:avLst>
+            </a:prstGeom>
+            <a:noFill/>
+            <a:ln w="9525">
+              <a:solidFill>
+                <a:srgbClr val="00B050"/>
+              </a:solidFill>
+              <a:prstDash val="dash"/>
+            </a:ln>
+          </p:spPr>
+          <p:style>
+            <a:lnRef idx="2">
+              <a:schemeClr val="accent1">
+                <a:shade val="15000"/>
+              </a:schemeClr>
+            </a:lnRef>
+            <a:fillRef idx="1">
+              <a:schemeClr val="accent1"/>
+            </a:fillRef>
+            <a:effectRef idx="0">
+              <a:schemeClr val="accent1"/>
+            </a:effectRef>
+            <a:fontRef idx="minor">
+              <a:schemeClr val="lt1"/>
+            </a:fontRef>
+          </p:style>
+          <p:txBody>
+            <a:bodyPr rtlCol="0" anchor="ctr"/>
+            <a:lstStyle/>
+            <a:p>
+              <a:pPr algn="ctr"/>
+              <a:endParaRPr lang="fr-FR" dirty="0"/>
+            </a:p>
+          </p:txBody>
+        </p:sp>
+        <p:cxnSp>
+          <p:nvCxnSpPr>
+            <p:cNvPr id="1046" name="Connecteur droit avec flèche 1045">
+              <a:extLst>
+                <a:ext uri="{FF2B5EF4-FFF2-40B4-BE49-F238E27FC236}">
+                  <a16:creationId xmlns:a16="http://schemas.microsoft.com/office/drawing/2014/main" id="{F59A3777-3D90-7CA7-F89E-8874DA5F6283}"/>
+                </a:ext>
+              </a:extLst>
+            </p:cNvPr>
+            <p:cNvCxnSpPr>
+              <a:cxnSpLocks/>
+              <a:stCxn id="46" idx="2"/>
+            </p:cNvCxnSpPr>
+            <p:nvPr/>
+          </p:nvCxnSpPr>
+          <p:spPr>
+            <a:xfrm>
+              <a:off x="5427620" y="2302794"/>
+              <a:ext cx="2122" cy="325512"/>
+            </a:xfrm>
+            <a:prstGeom prst="straightConnector1">
+              <a:avLst/>
+            </a:prstGeom>
+            <a:ln w="38100">
+              <a:solidFill>
+                <a:srgbClr val="00B050"/>
+              </a:solidFill>
+              <a:tailEnd type="triangle"/>
+            </a:ln>
+          </p:spPr>
+          <p:style>
+            <a:lnRef idx="1">
+              <a:schemeClr val="accent1"/>
+            </a:lnRef>
+            <a:fillRef idx="0">
+              <a:schemeClr val="accent1"/>
+            </a:fillRef>
+            <a:effectRef idx="0">
+              <a:schemeClr val="accent1"/>
+            </a:effectRef>
+            <a:fontRef idx="minor">
+              <a:schemeClr val="tx1"/>
+            </a:fontRef>
+          </p:style>
+        </p:cxnSp>
+        <p:cxnSp>
+          <p:nvCxnSpPr>
+            <p:cNvPr id="1068" name="Connecteur droit avec flèche 1067">
+              <a:extLst>
+                <a:ext uri="{FF2B5EF4-FFF2-40B4-BE49-F238E27FC236}">
+                  <a16:creationId xmlns:a16="http://schemas.microsoft.com/office/drawing/2014/main" id="{3FF98031-1DCE-7770-7F38-10F134A37AB2}"/>
+                </a:ext>
+              </a:extLst>
+            </p:cNvPr>
+            <p:cNvCxnSpPr>
+              <a:cxnSpLocks/>
+              <a:stCxn id="47" idx="2"/>
+              <a:endCxn id="49" idx="0"/>
+            </p:cNvCxnSpPr>
+            <p:nvPr/>
+          </p:nvCxnSpPr>
+          <p:spPr>
+            <a:xfrm flipH="1">
+              <a:off x="5436441" y="3572509"/>
+              <a:ext cx="855" cy="289572"/>
+            </a:xfrm>
+            <a:prstGeom prst="straightConnector1">
+              <a:avLst/>
+            </a:prstGeom>
+            <a:ln w="12700">
+              <a:solidFill>
+                <a:srgbClr val="00B050"/>
+              </a:solidFill>
+              <a:tailEnd type="triangle"/>
+            </a:ln>
+          </p:spPr>
+          <p:style>
+            <a:lnRef idx="1">
+              <a:schemeClr val="accent1"/>
+            </a:lnRef>
+            <a:fillRef idx="0">
+              <a:schemeClr val="accent1"/>
+            </a:fillRef>
+            <a:effectRef idx="0">
+              <a:schemeClr val="accent1"/>
+            </a:effectRef>
+            <a:fontRef idx="minor">
+              <a:schemeClr val="tx1"/>
+            </a:fontRef>
+          </p:style>
+        </p:cxnSp>
+        <p:sp>
+          <p:nvSpPr>
+            <p:cNvPr id="46" name="Rectangle : coins arrondis 45">
+              <a:extLst>
+                <a:ext uri="{FF2B5EF4-FFF2-40B4-BE49-F238E27FC236}">
+                  <a16:creationId xmlns:a16="http://schemas.microsoft.com/office/drawing/2014/main" id="{E433E364-4228-6856-536E-34873F6A6DC3}"/>
+                </a:ext>
+              </a:extLst>
+            </p:cNvPr>
+            <p:cNvSpPr/>
+            <p:nvPr/>
+          </p:nvSpPr>
+          <p:spPr>
+            <a:xfrm>
+              <a:off x="4809680" y="1817936"/>
+              <a:ext cx="1235879" cy="484858"/>
+            </a:xfrm>
+            <a:prstGeom prst="roundRect">
+              <a:avLst/>
+            </a:prstGeom>
+            <a:solidFill>
+              <a:schemeClr val="bg1">
+                <a:lumMod val="95000"/>
+              </a:schemeClr>
+            </a:solidFill>
+            <a:ln>
+              <a:noFill/>
+            </a:ln>
+          </p:spPr>
+          <p:style>
+            <a:lnRef idx="2">
+              <a:schemeClr val="accent1">
+                <a:shade val="15000"/>
+              </a:schemeClr>
+            </a:lnRef>
+            <a:fillRef idx="1">
+              <a:schemeClr val="accent1"/>
+            </a:fillRef>
+            <a:effectRef idx="0">
+              <a:schemeClr val="accent1"/>
+            </a:effectRef>
+            <a:fontRef idx="minor">
+              <a:schemeClr val="lt1"/>
+            </a:fontRef>
+          </p:style>
+          <p:txBody>
+            <a:bodyPr rtlCol="0" anchor="ctr"/>
+            <a:lstStyle/>
+            <a:p>
+              <a:pPr algn="ctr"/>
+              <a:endParaRPr lang="fr-FR" dirty="0"/>
+            </a:p>
+          </p:txBody>
+        </p:sp>
+        <p:pic>
+          <p:nvPicPr>
+            <p:cNvPr id="1034" name="Picture 10">
+              <a:extLst>
+                <a:ext uri="{FF2B5EF4-FFF2-40B4-BE49-F238E27FC236}">
+                  <a16:creationId xmlns:a16="http://schemas.microsoft.com/office/drawing/2014/main" id="{748B16F9-6C53-91C1-4712-424BF6CE8989}"/>
+                </a:ext>
+              </a:extLst>
+            </p:cNvPr>
+            <p:cNvPicPr>
+              <a:picLocks noChangeAspect="1" noChangeArrowheads="1"/>
+            </p:cNvPicPr>
+            <p:nvPr/>
+          </p:nvPicPr>
+          <p:blipFill>
+            <a:blip r:embed="rId16">
+              <a:extLst>
+                <a:ext uri="{28A0092B-C50C-407E-A947-70E740481C1C}">
+                  <a14:useLocalDpi xmlns:a14="http://schemas.microsoft.com/office/drawing/2010/main" val="0"/>
+                </a:ext>
+              </a:extLst>
+            </a:blip>
+            <a:srcRect/>
+            <a:stretch>
+              <a:fillRect/>
+            </a:stretch>
+          </p:blipFill>
+          <p:spPr bwMode="auto">
+            <a:xfrm>
+              <a:off x="4608049" y="1580684"/>
+              <a:ext cx="506762" cy="506762"/>
+            </a:xfrm>
+            <a:prstGeom prst="rect">
+              <a:avLst/>
+            </a:prstGeom>
+            <a:noFill/>
+            <a:extLst>
+              <a:ext uri="{909E8E84-426E-40DD-AFC4-6F175D3DCCD1}">
+                <a14:hiddenFill xmlns:a14="http://schemas.microsoft.com/office/drawing/2010/main">
+                  <a:solidFill>
+                    <a:srgbClr val="FFFFFF"/>
+                  </a:solidFill>
+                </a14:hiddenFill>
+              </a:ext>
+            </a:extLst>
+          </p:spPr>
+        </p:pic>
+        <p:sp>
+          <p:nvSpPr>
+            <p:cNvPr id="44" name="ZoneTexte 43">
+              <a:extLst>
+                <a:ext uri="{FF2B5EF4-FFF2-40B4-BE49-F238E27FC236}">
+                  <a16:creationId xmlns:a16="http://schemas.microsoft.com/office/drawing/2014/main" id="{682088E1-064C-5214-7A97-A059E4869B55}"/>
+                </a:ext>
+              </a:extLst>
+            </p:cNvPr>
+            <p:cNvSpPr txBox="1"/>
+            <p:nvPr/>
+          </p:nvSpPr>
+          <p:spPr>
+            <a:xfrm>
+              <a:off x="4913179" y="1841943"/>
+              <a:ext cx="1079654" cy="338554"/>
+            </a:xfrm>
+            <a:prstGeom prst="rect">
+              <a:avLst/>
+            </a:prstGeom>
+            <a:noFill/>
+          </p:spPr>
+          <p:txBody>
+            <a:bodyPr wrap="square" rtlCol="0">
+              <a:spAutoFit/>
+            </a:bodyPr>
+            <a:lstStyle/>
+            <a:p>
+              <a:pPr algn="ctr"/>
+              <a:r>
+                <a:rPr lang="fr-FR" sz="800" b="1" dirty="0"/>
+                <a:t>Entraînement du modèle</a:t>
+              </a:r>
+            </a:p>
+          </p:txBody>
+        </p:sp>
+        <p:cxnSp>
+          <p:nvCxnSpPr>
+            <p:cNvPr id="108" name="Connecteur droit avec flèche 107">
+              <a:extLst>
+                <a:ext uri="{FF2B5EF4-FFF2-40B4-BE49-F238E27FC236}">
+                  <a16:creationId xmlns:a16="http://schemas.microsoft.com/office/drawing/2014/main" id="{8FC538F3-E888-6C1B-940B-D6B968D8FCEE}"/>
+                </a:ext>
+              </a:extLst>
+            </p:cNvPr>
+            <p:cNvCxnSpPr>
+              <a:cxnSpLocks/>
+            </p:cNvCxnSpPr>
+            <p:nvPr/>
+          </p:nvCxnSpPr>
+          <p:spPr>
+            <a:xfrm>
+              <a:off x="4245348" y="2035648"/>
+              <a:ext cx="551235" cy="0"/>
+            </a:xfrm>
+            <a:prstGeom prst="straightConnector1">
+              <a:avLst/>
+            </a:prstGeom>
+            <a:ln w="38100">
+              <a:solidFill>
+                <a:srgbClr val="00B050"/>
+              </a:solidFill>
+              <a:tailEnd type="triangle"/>
+            </a:ln>
+          </p:spPr>
+          <p:style>
+            <a:lnRef idx="1">
+              <a:schemeClr val="accent1"/>
+            </a:lnRef>
+            <a:fillRef idx="0">
+              <a:schemeClr val="accent1"/>
+            </a:fillRef>
+            <a:effectRef idx="0">
+              <a:schemeClr val="accent1"/>
+            </a:effectRef>
+            <a:fontRef idx="minor">
+              <a:schemeClr val="tx1"/>
+            </a:fontRef>
+          </p:style>
+        </p:cxnSp>
+      </p:grpSp>
+      <p:cxnSp>
+        <p:nvCxnSpPr>
+          <p:cNvPr id="1029" name="Connecteur : en angle 1028">
+            <a:extLst>
+              <a:ext uri="{FF2B5EF4-FFF2-40B4-BE49-F238E27FC236}">
+                <a16:creationId xmlns:a16="http://schemas.microsoft.com/office/drawing/2014/main" id="{0E52F53C-5DBE-6D5C-C0A2-D6081CFAB7CB}"/>
+              </a:ext>
+            </a:extLst>
+          </p:cNvPr>
+          <p:cNvCxnSpPr>
+            <a:cxnSpLocks/>
+            <a:stCxn id="20" idx="0"/>
+            <a:endCxn id="1074" idx="0"/>
+          </p:cNvCxnSpPr>
+          <p:nvPr/>
+        </p:nvCxnSpPr>
+        <p:spPr>
+          <a:xfrm rot="5400000" flipH="1" flipV="1">
+            <a:off x="5577195" y="211592"/>
+            <a:ext cx="331453" cy="3655528"/>
+          </a:xfrm>
+          <a:prstGeom prst="bentConnector3">
+            <a:avLst>
+              <a:gd name="adj1" fmla="val 195988"/>
+            </a:avLst>
+          </a:prstGeom>
+          <a:ln w="12700">
+            <a:solidFill>
+              <a:srgbClr val="B266FF"/>
+            </a:solidFill>
+            <a:tailEnd type="triangle"/>
+          </a:ln>
+        </p:spPr>
+        <p:style>
+          <a:lnRef idx="1">
+            <a:schemeClr val="accent1"/>
+          </a:lnRef>
+          <a:fillRef idx="0">
+            <a:schemeClr val="accent1"/>
+          </a:fillRef>
+          <a:effectRef idx="0">
+            <a:schemeClr val="accent1"/>
+          </a:effectRef>
+          <a:fontRef idx="minor">
+            <a:schemeClr val="tx1"/>
+          </a:fontRef>
+        </p:style>
+      </p:cxnSp>
+      <p:cxnSp>
+        <p:nvCxnSpPr>
+          <p:cNvPr id="1062" name="Connecteur : en angle 1061">
+            <a:extLst>
+              <a:ext uri="{FF2B5EF4-FFF2-40B4-BE49-F238E27FC236}">
+                <a16:creationId xmlns:a16="http://schemas.microsoft.com/office/drawing/2014/main" id="{0CF073E9-1859-B299-0281-F152BD635678}"/>
+              </a:ext>
+            </a:extLst>
+          </p:cNvPr>
+          <p:cNvCxnSpPr>
+            <a:cxnSpLocks/>
+            <a:endCxn id="43" idx="0"/>
+          </p:cNvCxnSpPr>
+          <p:nvPr/>
+        </p:nvCxnSpPr>
+        <p:spPr>
+          <a:xfrm>
+            <a:off x="6315717" y="3825217"/>
+            <a:ext cx="1174186" cy="243725"/>
+          </a:xfrm>
+          <a:prstGeom prst="bentConnector2">
+            <a:avLst/>
+          </a:prstGeom>
+          <a:ln>
+            <a:solidFill>
+              <a:srgbClr val="FF0080"/>
+            </a:solidFill>
+            <a:headEnd type="triangle"/>
+            <a:tailEnd type="triangle"/>
+          </a:ln>
+        </p:spPr>
+        <p:style>
+          <a:lnRef idx="1">
+            <a:schemeClr val="accent1"/>
+          </a:lnRef>
+          <a:fillRef idx="0">
+            <a:schemeClr val="accent1"/>
+          </a:fillRef>
+          <a:effectRef idx="0">
+            <a:schemeClr val="accent1"/>
+          </a:effectRef>
+          <a:fontRef idx="minor">
+            <a:schemeClr val="tx1"/>
+          </a:fontRef>
+        </p:style>
+      </p:cxnSp>
+      <p:cxnSp>
+        <p:nvCxnSpPr>
+          <p:cNvPr id="17" name="Connecteur : en angle 16">
+            <a:extLst>
+              <a:ext uri="{FF2B5EF4-FFF2-40B4-BE49-F238E27FC236}">
+                <a16:creationId xmlns:a16="http://schemas.microsoft.com/office/drawing/2014/main" id="{E363E85D-958E-F6A6-C279-98695543B49C}"/>
+              </a:ext>
+            </a:extLst>
+          </p:cNvPr>
+          <p:cNvCxnSpPr>
+            <a:cxnSpLocks/>
+            <a:stCxn id="43" idx="2"/>
+            <a:endCxn id="32" idx="2"/>
+          </p:cNvCxnSpPr>
+          <p:nvPr/>
+        </p:nvCxnSpPr>
+        <p:spPr>
+          <a:xfrm rot="5400000" flipH="1">
+            <a:off x="5107006" y="2305361"/>
+            <a:ext cx="557436" cy="4208358"/>
+          </a:xfrm>
+          <a:prstGeom prst="bentConnector3">
+            <a:avLst>
+              <a:gd name="adj1" fmla="val -20049"/>
+            </a:avLst>
+          </a:prstGeom>
+          <a:ln>
+            <a:solidFill>
+              <a:srgbClr val="FF0080"/>
+            </a:solidFill>
+            <a:headEnd type="triangle"/>
+            <a:tailEnd type="triangle"/>
+          </a:ln>
+        </p:spPr>
+        <p:style>
+          <a:lnRef idx="1">
+            <a:schemeClr val="accent1"/>
+          </a:lnRef>
+          <a:fillRef idx="0">
+            <a:schemeClr val="accent1"/>
+          </a:fillRef>
+          <a:effectRef idx="0">
+            <a:schemeClr val="accent1"/>
+          </a:effectRef>
+          <a:fontRef idx="minor">
+            <a:schemeClr val="tx1"/>
+          </a:fontRef>
+        </p:style>
+      </p:cxnSp>
+      <p:grpSp>
+        <p:nvGrpSpPr>
+          <p:cNvPr id="25" name="Groupe 24">
+            <a:extLst>
+              <a:ext uri="{FF2B5EF4-FFF2-40B4-BE49-F238E27FC236}">
+                <a16:creationId xmlns:a16="http://schemas.microsoft.com/office/drawing/2014/main" id="{4B1DEF0E-3C11-180E-A253-FB6D258584E1}"/>
+              </a:ext>
+            </a:extLst>
+          </p:cNvPr>
+          <p:cNvGrpSpPr/>
+          <p:nvPr/>
+        </p:nvGrpSpPr>
+        <p:grpSpPr>
+          <a:xfrm>
+            <a:off x="2159594" y="1458686"/>
+            <a:ext cx="2219311" cy="3272971"/>
+            <a:chOff x="2159594" y="1458686"/>
+            <a:chExt cx="2219311" cy="3272971"/>
+          </a:xfrm>
+        </p:grpSpPr>
+        <p:sp>
+          <p:nvSpPr>
+            <p:cNvPr id="39" name="Rectangle : coins arrondis 38">
+              <a:extLst>
+                <a:ext uri="{FF2B5EF4-FFF2-40B4-BE49-F238E27FC236}">
+                  <a16:creationId xmlns:a16="http://schemas.microsoft.com/office/drawing/2014/main" id="{AEAEB6F6-E6B3-2BA6-860A-9983C6A790DD}"/>
+                </a:ext>
+              </a:extLst>
+            </p:cNvPr>
+            <p:cNvSpPr/>
+            <p:nvPr/>
+          </p:nvSpPr>
+          <p:spPr>
+            <a:xfrm>
+              <a:off x="2461359" y="3203187"/>
+              <a:ext cx="1776005" cy="1390124"/>
+            </a:xfrm>
+            <a:prstGeom prst="roundRect">
+              <a:avLst/>
+            </a:prstGeom>
+            <a:noFill/>
+            <a:ln w="9525">
+              <a:solidFill>
+                <a:srgbClr val="FF0080"/>
+              </a:solidFill>
+              <a:prstDash val="dash"/>
+            </a:ln>
+          </p:spPr>
+          <p:style>
+            <a:lnRef idx="2">
+              <a:schemeClr val="accent1">
+                <a:shade val="15000"/>
+              </a:schemeClr>
+            </a:lnRef>
+            <a:fillRef idx="1">
+              <a:schemeClr val="accent1"/>
+            </a:fillRef>
+            <a:effectRef idx="0">
+              <a:schemeClr val="accent1"/>
+            </a:effectRef>
+            <a:fontRef idx="minor">
+              <a:schemeClr val="lt1"/>
+            </a:fontRef>
+          </p:style>
+          <p:txBody>
+            <a:bodyPr rtlCol="0" anchor="ctr"/>
+            <a:lstStyle/>
+            <a:p>
+              <a:pPr algn="ctr"/>
+              <a:endParaRPr lang="fr-FR" dirty="0"/>
+            </a:p>
+          </p:txBody>
+        </p:sp>
+        <p:cxnSp>
+          <p:nvCxnSpPr>
+            <p:cNvPr id="29" name="Connecteur droit 28">
+              <a:extLst>
+                <a:ext uri="{FF2B5EF4-FFF2-40B4-BE49-F238E27FC236}">
+                  <a16:creationId xmlns:a16="http://schemas.microsoft.com/office/drawing/2014/main" id="{2F5C326A-12BF-B849-9176-2CB67D7A7ED9}"/>
+                </a:ext>
+              </a:extLst>
+            </p:cNvPr>
+            <p:cNvCxnSpPr/>
+            <p:nvPr/>
+          </p:nvCxnSpPr>
+          <p:spPr>
+            <a:xfrm>
+              <a:off x="4378905" y="1458686"/>
+              <a:ext cx="0" cy="3272971"/>
+            </a:xfrm>
+            <a:prstGeom prst="line">
+              <a:avLst/>
+            </a:prstGeom>
+            <a:ln w="19050">
+              <a:solidFill>
+                <a:schemeClr val="bg1">
+                  <a:lumMod val="75000"/>
+                </a:schemeClr>
+              </a:solidFill>
+              <a:prstDash val="dash"/>
+            </a:ln>
+          </p:spPr>
+          <p:style>
+            <a:lnRef idx="1">
+              <a:schemeClr val="dk1"/>
+            </a:lnRef>
+            <a:fillRef idx="0">
+              <a:schemeClr val="dk1"/>
+            </a:fillRef>
+            <a:effectRef idx="0">
+              <a:schemeClr val="dk1"/>
+            </a:effectRef>
+            <a:fontRef idx="minor">
+              <a:schemeClr val="tx1"/>
+            </a:fontRef>
+          </p:style>
+        </p:cxnSp>
+        <p:sp>
+          <p:nvSpPr>
+            <p:cNvPr id="71" name="Rectangle : coins arrondis 70">
+              <a:extLst>
+                <a:ext uri="{FF2B5EF4-FFF2-40B4-BE49-F238E27FC236}">
+                  <a16:creationId xmlns:a16="http://schemas.microsoft.com/office/drawing/2014/main" id="{E74B2057-34BC-1980-9671-44A128491597}"/>
+                </a:ext>
+              </a:extLst>
+            </p:cNvPr>
+            <p:cNvSpPr/>
+            <p:nvPr/>
+          </p:nvSpPr>
+          <p:spPr>
+            <a:xfrm>
+              <a:off x="2461359" y="1711808"/>
+              <a:ext cx="1776005" cy="1390124"/>
+            </a:xfrm>
+            <a:prstGeom prst="roundRect">
+              <a:avLst/>
+            </a:prstGeom>
+            <a:noFill/>
+            <a:ln w="9525">
+              <a:solidFill>
+                <a:srgbClr val="00B050"/>
+              </a:solidFill>
+              <a:prstDash val="dash"/>
+            </a:ln>
+          </p:spPr>
+          <p:style>
+            <a:lnRef idx="2">
+              <a:schemeClr val="accent1">
+                <a:shade val="15000"/>
+              </a:schemeClr>
+            </a:lnRef>
+            <a:fillRef idx="1">
+              <a:schemeClr val="accent1"/>
+            </a:fillRef>
+            <a:effectRef idx="0">
+              <a:schemeClr val="accent1"/>
+            </a:effectRef>
+            <a:fontRef idx="minor">
+              <a:schemeClr val="lt1"/>
+            </a:fontRef>
+          </p:style>
+          <p:txBody>
+            <a:bodyPr rtlCol="0" anchor="ctr"/>
+            <a:lstStyle/>
+            <a:p>
+              <a:pPr algn="ctr"/>
+              <a:endParaRPr lang="fr-FR" dirty="0"/>
+            </a:p>
+          </p:txBody>
+        </p:sp>
+        <p:sp>
+          <p:nvSpPr>
+            <p:cNvPr id="106" name="Rectangle : coins arrondis 105">
+              <a:extLst>
+                <a:ext uri="{FF2B5EF4-FFF2-40B4-BE49-F238E27FC236}">
+                  <a16:creationId xmlns:a16="http://schemas.microsoft.com/office/drawing/2014/main" id="{70820C9A-B957-87A8-109D-6C661627DA4C}"/>
+                </a:ext>
+              </a:extLst>
+            </p:cNvPr>
+            <p:cNvSpPr/>
+            <p:nvPr/>
+          </p:nvSpPr>
+          <p:spPr>
+            <a:xfrm>
+              <a:off x="3428104" y="3028817"/>
+              <a:ext cx="868391" cy="252609"/>
+            </a:xfrm>
+            <a:prstGeom prst="roundRect">
+              <a:avLst/>
+            </a:prstGeom>
+            <a:solidFill>
+              <a:schemeClr val="bg1">
+                <a:lumMod val="95000"/>
+              </a:schemeClr>
+            </a:solidFill>
+            <a:ln>
+              <a:noFill/>
+            </a:ln>
+          </p:spPr>
+          <p:style>
+            <a:lnRef idx="2">
+              <a:schemeClr val="accent1">
+                <a:shade val="15000"/>
+              </a:schemeClr>
+            </a:lnRef>
+            <a:fillRef idx="1">
+              <a:schemeClr val="accent1"/>
+            </a:fillRef>
+            <a:effectRef idx="0">
+              <a:schemeClr val="accent1"/>
+            </a:effectRef>
+            <a:fontRef idx="minor">
+              <a:schemeClr val="lt1"/>
+            </a:fontRef>
+          </p:style>
+          <p:txBody>
+            <a:bodyPr rtlCol="0" anchor="ctr"/>
+            <a:lstStyle/>
+            <a:p>
+              <a:r>
+                <a:rPr lang="fr-FR" sz="900" b="1" dirty="0">
+                  <a:solidFill>
+                    <a:schemeClr val="tx1"/>
+                  </a:solidFill>
+                </a:rPr>
+                <a:t>AWS S3</a:t>
+              </a:r>
+            </a:p>
+          </p:txBody>
+        </p:sp>
+        <p:pic>
+          <p:nvPicPr>
+            <p:cNvPr id="107" name="Image 106" descr="Une image contenant art, pixel, conception&#10;&#10;Le contenu généré par l’IA peut être incorrect.">
+              <a:extLst>
+                <a:ext uri="{FF2B5EF4-FFF2-40B4-BE49-F238E27FC236}">
+                  <a16:creationId xmlns:a16="http://schemas.microsoft.com/office/drawing/2014/main" id="{9E201599-7D6B-4671-395A-AB9C1CE55DB4}"/>
+                </a:ext>
+              </a:extLst>
+            </p:cNvPr>
+            <p:cNvPicPr>
+              <a:picLocks noChangeAspect="1"/>
+            </p:cNvPicPr>
+            <p:nvPr/>
+          </p:nvPicPr>
+          <p:blipFill>
+            <a:blip r:embed="rId15"/>
+            <a:stretch>
+              <a:fillRect/>
+            </a:stretch>
+          </p:blipFill>
+          <p:spPr>
+            <a:xfrm>
+              <a:off x="3990550" y="2795080"/>
+              <a:ext cx="347790" cy="416048"/>
+            </a:xfrm>
+            <a:prstGeom prst="rect">
+              <a:avLst/>
+            </a:prstGeom>
+          </p:spPr>
+        </p:pic>
+        <p:pic>
+          <p:nvPicPr>
+            <p:cNvPr id="116" name="Picture 4">
+              <a:extLst>
+                <a:ext uri="{FF2B5EF4-FFF2-40B4-BE49-F238E27FC236}">
+                  <a16:creationId xmlns:a16="http://schemas.microsoft.com/office/drawing/2014/main" id="{B7DCCBAF-8A38-3C4F-0798-30A393D5D283}"/>
+                </a:ext>
+              </a:extLst>
+            </p:cNvPr>
+            <p:cNvPicPr>
+              <a:picLocks noChangeAspect="1" noChangeArrowheads="1"/>
+            </p:cNvPicPr>
+            <p:nvPr/>
+          </p:nvPicPr>
+          <p:blipFill rotWithShape="1">
+            <a:blip r:embed="rId17">
+              <a:extLst>
+                <a:ext uri="{28A0092B-C50C-407E-A947-70E740481C1C}">
+                  <a14:useLocalDpi xmlns:a14="http://schemas.microsoft.com/office/drawing/2010/main" val="0"/>
+                </a:ext>
+              </a:extLst>
+            </a:blip>
+            <a:srcRect l="13093" t="7524" r="12698" b="43966"/>
+            <a:stretch>
+              <a:fillRect/>
+            </a:stretch>
+          </p:blipFill>
+          <p:spPr bwMode="auto">
+            <a:xfrm>
+              <a:off x="2717304" y="2067458"/>
+              <a:ext cx="602696" cy="615588"/>
+            </a:xfrm>
+            <a:prstGeom prst="rect">
+              <a:avLst/>
+            </a:prstGeom>
+            <a:noFill/>
+            <a:extLst>
+              <a:ext uri="{909E8E84-426E-40DD-AFC4-6F175D3DCCD1}">
+                <a14:hiddenFill xmlns:a14="http://schemas.microsoft.com/office/drawing/2010/main">
+                  <a:solidFill>
+                    <a:srgbClr val="FFFFFF"/>
+                  </a:solidFill>
+                </a14:hiddenFill>
+              </a:ext>
+            </a:extLst>
+          </p:spPr>
+        </p:pic>
+        <p:pic>
+          <p:nvPicPr>
+            <p:cNvPr id="117" name="Picture 6">
+              <a:extLst>
+                <a:ext uri="{FF2B5EF4-FFF2-40B4-BE49-F238E27FC236}">
+                  <a16:creationId xmlns:a16="http://schemas.microsoft.com/office/drawing/2014/main" id="{B3747ED9-0378-A202-7151-54782D96CF66}"/>
+                </a:ext>
+              </a:extLst>
+            </p:cNvPr>
+            <p:cNvPicPr>
+              <a:picLocks noChangeAspect="1" noChangeArrowheads="1"/>
+            </p:cNvPicPr>
+            <p:nvPr/>
+          </p:nvPicPr>
+          <p:blipFill rotWithShape="1">
+            <a:blip r:embed="rId18">
+              <a:extLst>
+                <a:ext uri="{28A0092B-C50C-407E-A947-70E740481C1C}">
+                  <a14:useLocalDpi xmlns:a14="http://schemas.microsoft.com/office/drawing/2010/main" val="0"/>
+                </a:ext>
+              </a:extLst>
+            </a:blip>
+            <a:srcRect l="31615" t="12234" r="33730" b="47839"/>
+            <a:stretch>
+              <a:fillRect/>
+            </a:stretch>
+          </p:blipFill>
+          <p:spPr bwMode="auto">
+            <a:xfrm>
+              <a:off x="2939586" y="3240731"/>
+              <a:ext cx="664926" cy="638415"/>
+            </a:xfrm>
+            <a:prstGeom prst="rect">
+              <a:avLst/>
+            </a:prstGeom>
+            <a:noFill/>
+            <a:extLst>
+              <a:ext uri="{909E8E84-426E-40DD-AFC4-6F175D3DCCD1}">
+                <a14:hiddenFill xmlns:a14="http://schemas.microsoft.com/office/drawing/2010/main">
+                  <a:solidFill>
+                    <a:srgbClr val="FFFFFF"/>
+                  </a:solidFill>
+                </a14:hiddenFill>
+              </a:ext>
+            </a:extLst>
+          </p:spPr>
+        </p:pic>
+        <p:cxnSp>
+          <p:nvCxnSpPr>
+            <p:cNvPr id="11" name="Connecteur droit avec flèche 10">
+              <a:extLst>
+                <a:ext uri="{FF2B5EF4-FFF2-40B4-BE49-F238E27FC236}">
+                  <a16:creationId xmlns:a16="http://schemas.microsoft.com/office/drawing/2014/main" id="{D8A48580-543E-68C9-355D-6C2F58EACB96}"/>
+                </a:ext>
+              </a:extLst>
+            </p:cNvPr>
+            <p:cNvCxnSpPr>
+              <a:cxnSpLocks/>
+              <a:stCxn id="127" idx="3"/>
+              <a:endCxn id="116" idx="1"/>
+            </p:cNvCxnSpPr>
+            <p:nvPr/>
+          </p:nvCxnSpPr>
+          <p:spPr>
+            <a:xfrm flipV="1">
+              <a:off x="2159594" y="2375252"/>
+              <a:ext cx="557710" cy="2280"/>
+            </a:xfrm>
+            <a:prstGeom prst="straightConnector1">
+              <a:avLst/>
+            </a:prstGeom>
+            <a:ln w="38100">
+              <a:solidFill>
+                <a:srgbClr val="B266FF"/>
+              </a:solidFill>
+              <a:tailEnd type="triangle"/>
+            </a:ln>
+          </p:spPr>
+          <p:style>
+            <a:lnRef idx="1">
+              <a:schemeClr val="accent1"/>
+            </a:lnRef>
+            <a:fillRef idx="0">
+              <a:schemeClr val="accent1"/>
+            </a:fillRef>
+            <a:effectRef idx="0">
+              <a:schemeClr val="accent1"/>
+            </a:effectRef>
+            <a:fontRef idx="minor">
+              <a:schemeClr val="tx1"/>
+            </a:fontRef>
+          </p:style>
+        </p:cxnSp>
+        <p:cxnSp>
+          <p:nvCxnSpPr>
+            <p:cNvPr id="19" name="Connecteur droit avec flèche 18">
+              <a:extLst>
+                <a:ext uri="{FF2B5EF4-FFF2-40B4-BE49-F238E27FC236}">
+                  <a16:creationId xmlns:a16="http://schemas.microsoft.com/office/drawing/2014/main" id="{7965C0EE-9642-2EA9-734C-AF9138078030}"/>
+                </a:ext>
+              </a:extLst>
+            </p:cNvPr>
+            <p:cNvCxnSpPr>
+              <a:cxnSpLocks/>
+              <a:stCxn id="1033" idx="3"/>
+              <a:endCxn id="117" idx="1"/>
+            </p:cNvCxnSpPr>
+            <p:nvPr/>
+          </p:nvCxnSpPr>
+          <p:spPr>
+            <a:xfrm>
+              <a:off x="2176862" y="3554011"/>
+              <a:ext cx="762724" cy="5928"/>
+            </a:xfrm>
+            <a:prstGeom prst="straightConnector1">
+              <a:avLst/>
+            </a:prstGeom>
+            <a:ln w="38100">
+              <a:solidFill>
+                <a:srgbClr val="FF0080"/>
+              </a:solidFill>
+              <a:tailEnd type="triangle"/>
+            </a:ln>
+          </p:spPr>
+          <p:style>
+            <a:lnRef idx="1">
+              <a:schemeClr val="accent1"/>
+            </a:lnRef>
+            <a:fillRef idx="0">
+              <a:schemeClr val="accent1"/>
+            </a:fillRef>
+            <a:effectRef idx="0">
+              <a:schemeClr val="accent1"/>
+            </a:effectRef>
+            <a:fontRef idx="minor">
+              <a:schemeClr val="tx1"/>
+            </a:fontRef>
+          </p:style>
+        </p:cxnSp>
+        <p:pic>
+          <p:nvPicPr>
+            <p:cNvPr id="20" name="Picture 2">
+              <a:extLst>
+                <a:ext uri="{FF2B5EF4-FFF2-40B4-BE49-F238E27FC236}">
+                  <a16:creationId xmlns:a16="http://schemas.microsoft.com/office/drawing/2014/main" id="{9F92FB23-9D37-AEB9-493C-1E3DAE1913D2}"/>
+                </a:ext>
+              </a:extLst>
+            </p:cNvPr>
+            <p:cNvPicPr>
+              <a:picLocks noChangeAspect="1" noChangeArrowheads="1"/>
+            </p:cNvPicPr>
+            <p:nvPr/>
+          </p:nvPicPr>
+          <p:blipFill rotWithShape="1">
+            <a:blip r:embed="rId19">
+              <a:extLst>
+                <a:ext uri="{28A0092B-C50C-407E-A947-70E740481C1C}">
+                  <a14:useLocalDpi xmlns:a14="http://schemas.microsoft.com/office/drawing/2010/main" val="0"/>
+                </a:ext>
+              </a:extLst>
+            </a:blip>
+            <a:srcRect l="15800" t="16870" r="16971" b="17050"/>
+            <a:stretch>
+              <a:fillRect/>
+            </a:stretch>
+          </p:blipFill>
+          <p:spPr bwMode="auto">
+            <a:xfrm>
+              <a:off x="3739660" y="2205082"/>
+              <a:ext cx="350993" cy="344994"/>
+            </a:xfrm>
+            <a:prstGeom prst="rect">
+              <a:avLst/>
+            </a:prstGeom>
+            <a:noFill/>
+            <a:extLst>
+              <a:ext uri="{909E8E84-426E-40DD-AFC4-6F175D3DCCD1}">
+                <a14:hiddenFill xmlns:a14="http://schemas.microsoft.com/office/drawing/2010/main">
+                  <a:solidFill>
+                    <a:srgbClr val="FFFFFF"/>
+                  </a:solidFill>
+                </a14:hiddenFill>
+              </a:ext>
+            </a:extLst>
+          </p:spPr>
+        </p:pic>
+        <p:cxnSp>
+          <p:nvCxnSpPr>
+            <p:cNvPr id="24" name="Connecteur droit avec flèche 23">
+              <a:extLst>
+                <a:ext uri="{FF2B5EF4-FFF2-40B4-BE49-F238E27FC236}">
+                  <a16:creationId xmlns:a16="http://schemas.microsoft.com/office/drawing/2014/main" id="{9AD6B91C-AEA0-8BCF-42B4-76BEC72FDE00}"/>
+                </a:ext>
+              </a:extLst>
+            </p:cNvPr>
+            <p:cNvCxnSpPr>
+              <a:cxnSpLocks/>
+              <a:endCxn id="20" idx="1"/>
+            </p:cNvCxnSpPr>
+            <p:nvPr/>
+          </p:nvCxnSpPr>
+          <p:spPr>
+            <a:xfrm flipV="1">
+              <a:off x="3335298" y="2377579"/>
+              <a:ext cx="404362" cy="13"/>
+            </a:xfrm>
+            <a:prstGeom prst="straightConnector1">
+              <a:avLst/>
+            </a:prstGeom>
+            <a:ln w="12700">
+              <a:solidFill>
+                <a:srgbClr val="B266FF"/>
+              </a:solidFill>
+              <a:tailEnd type="triangle"/>
+            </a:ln>
+          </p:spPr>
+          <p:style>
+            <a:lnRef idx="1">
+              <a:schemeClr val="accent1"/>
+            </a:lnRef>
+            <a:fillRef idx="0">
+              <a:schemeClr val="accent1"/>
+            </a:fillRef>
+            <a:effectRef idx="0">
+              <a:schemeClr val="accent1"/>
+            </a:effectRef>
+            <a:fontRef idx="minor">
+              <a:schemeClr val="tx1"/>
+            </a:fontRef>
+          </p:style>
+        </p:cxnSp>
+        <p:sp>
+          <p:nvSpPr>
+            <p:cNvPr id="31" name="ZoneTexte 30">
+              <a:extLst>
+                <a:ext uri="{FF2B5EF4-FFF2-40B4-BE49-F238E27FC236}">
+                  <a16:creationId xmlns:a16="http://schemas.microsoft.com/office/drawing/2014/main" id="{6F47604A-F072-9B2B-A28D-D050592AE8FB}"/>
+                </a:ext>
+              </a:extLst>
+            </p:cNvPr>
+            <p:cNvSpPr txBox="1"/>
+            <p:nvPr/>
+          </p:nvSpPr>
+          <p:spPr>
+            <a:xfrm>
+              <a:off x="2394220" y="2666628"/>
+              <a:ext cx="1390212" cy="307777"/>
+            </a:xfrm>
+            <a:prstGeom prst="rect">
+              <a:avLst/>
+            </a:prstGeom>
+            <a:noFill/>
+          </p:spPr>
+          <p:txBody>
+            <a:bodyPr wrap="square" rtlCol="0">
+              <a:spAutoFit/>
+            </a:bodyPr>
+            <a:lstStyle/>
+            <a:p>
+              <a:pPr algn="ctr"/>
+              <a:r>
+                <a:rPr lang="fr-FR" sz="700" b="1" dirty="0"/>
+                <a:t>Données historiques :</a:t>
+              </a:r>
+            </a:p>
+            <a:p>
+              <a:pPr algn="ctr"/>
+              <a:r>
+                <a:rPr lang="fr-FR" sz="700" b="1" dirty="0"/>
+                <a:t>RTE, Solar, </a:t>
+              </a:r>
+              <a:r>
+                <a:rPr lang="fr-FR" sz="700" b="1" dirty="0" err="1"/>
+                <a:t>Openweather</a:t>
+              </a:r>
+              <a:r>
+                <a:rPr lang="fr-FR" sz="700" b="1" dirty="0"/>
+                <a:t> </a:t>
+              </a:r>
+            </a:p>
+          </p:txBody>
+        </p:sp>
+        <p:sp>
+          <p:nvSpPr>
+            <p:cNvPr id="32" name="ZoneTexte 31">
+              <a:extLst>
+                <a:ext uri="{FF2B5EF4-FFF2-40B4-BE49-F238E27FC236}">
+                  <a16:creationId xmlns:a16="http://schemas.microsoft.com/office/drawing/2014/main" id="{746A74A5-8390-A9B2-0686-BA8885C4CDA4}"/>
+                </a:ext>
+              </a:extLst>
+            </p:cNvPr>
+            <p:cNvSpPr txBox="1"/>
+            <p:nvPr/>
+          </p:nvSpPr>
+          <p:spPr>
+            <a:xfrm>
+              <a:off x="2586439" y="3823045"/>
+              <a:ext cx="1390212" cy="307777"/>
+            </a:xfrm>
+            <a:prstGeom prst="rect">
+              <a:avLst/>
+            </a:prstGeom>
+            <a:noFill/>
+          </p:spPr>
+          <p:txBody>
+            <a:bodyPr wrap="square" rtlCol="0">
+              <a:spAutoFit/>
+            </a:bodyPr>
+            <a:lstStyle/>
+            <a:p>
+              <a:pPr algn="ctr"/>
+              <a:r>
+                <a:rPr lang="fr-FR" sz="700" b="1" dirty="0"/>
+                <a:t>Données prédictives : </a:t>
+              </a:r>
+            </a:p>
+            <a:p>
+              <a:pPr algn="ctr"/>
+              <a:r>
+                <a:rPr lang="fr-FR" sz="700" b="1" dirty="0"/>
+                <a:t>Solar, </a:t>
+              </a:r>
+              <a:r>
+                <a:rPr lang="fr-FR" sz="700" b="1" dirty="0" err="1"/>
+                <a:t>Openweather</a:t>
+              </a:r>
+              <a:endParaRPr lang="fr-FR" sz="700" b="1" dirty="0"/>
+            </a:p>
+          </p:txBody>
+        </p:sp>
+      </p:grpSp>
+      <p:grpSp>
+        <p:nvGrpSpPr>
+          <p:cNvPr id="33" name="Groupe 32">
+            <a:extLst>
+              <a:ext uri="{FF2B5EF4-FFF2-40B4-BE49-F238E27FC236}">
+                <a16:creationId xmlns:a16="http://schemas.microsoft.com/office/drawing/2014/main" id="{75C2D434-8ADD-A5DA-1AED-8BF4C18B9EB3}"/>
+              </a:ext>
+            </a:extLst>
+          </p:cNvPr>
+          <p:cNvGrpSpPr/>
+          <p:nvPr/>
+        </p:nvGrpSpPr>
+        <p:grpSpPr>
+          <a:xfrm>
+            <a:off x="3017736" y="4221213"/>
+            <a:ext cx="527618" cy="307777"/>
+            <a:chOff x="3017736" y="4221213"/>
+            <a:chExt cx="527618" cy="307777"/>
+          </a:xfrm>
+        </p:grpSpPr>
+        <p:sp>
+          <p:nvSpPr>
+            <p:cNvPr id="76" name="Rectangle : coins arrondis 75">
+              <a:extLst>
+                <a:ext uri="{FF2B5EF4-FFF2-40B4-BE49-F238E27FC236}">
+                  <a16:creationId xmlns:a16="http://schemas.microsoft.com/office/drawing/2014/main" id="{0137AD1F-A369-4FCE-AD69-964680B420B5}"/>
+                </a:ext>
+              </a:extLst>
+            </p:cNvPr>
+            <p:cNvSpPr/>
+            <p:nvPr/>
+          </p:nvSpPr>
+          <p:spPr>
+            <a:xfrm>
+              <a:off x="3059124" y="4248976"/>
+              <a:ext cx="440519" cy="263042"/>
+            </a:xfrm>
+            <a:prstGeom prst="roundRect">
+              <a:avLst/>
+            </a:prstGeom>
+            <a:solidFill>
+              <a:schemeClr val="bg1"/>
+            </a:solidFill>
+            <a:ln w="3175"/>
+          </p:spPr>
+          <p:style>
+            <a:lnRef idx="2">
+              <a:schemeClr val="accent1">
+                <a:shade val="15000"/>
+              </a:schemeClr>
+            </a:lnRef>
+            <a:fillRef idx="1">
+              <a:schemeClr val="accent1"/>
+            </a:fillRef>
+            <a:effectRef idx="0">
+              <a:schemeClr val="accent1"/>
+            </a:effectRef>
+            <a:fontRef idx="minor">
+              <a:schemeClr val="lt1"/>
+            </a:fontRef>
+          </p:style>
+          <p:txBody>
+            <a:bodyPr rtlCol="0" anchor="ctr"/>
+            <a:lstStyle/>
+            <a:p>
+              <a:pPr algn="ctr"/>
+              <a:endParaRPr lang="fr-FR"/>
+            </a:p>
+          </p:txBody>
+        </p:sp>
+        <p:pic>
+          <p:nvPicPr>
+            <p:cNvPr id="62" name="Picture 2">
+              <a:extLst>
+                <a:ext uri="{FF2B5EF4-FFF2-40B4-BE49-F238E27FC236}">
+                  <a16:creationId xmlns:a16="http://schemas.microsoft.com/office/drawing/2014/main" id="{C5C7BA9B-2B99-4B7A-7436-5F82DE29B981}"/>
+                </a:ext>
+              </a:extLst>
+            </p:cNvPr>
+            <p:cNvPicPr>
+              <a:picLocks noChangeAspect="1" noChangeArrowheads="1"/>
+            </p:cNvPicPr>
+            <p:nvPr/>
+          </p:nvPicPr>
+          <p:blipFill>
+            <a:blip r:embed="rId12">
+              <a:extLst>
+                <a:ext uri="{28A0092B-C50C-407E-A947-70E740481C1C}">
+                  <a14:useLocalDpi xmlns:a14="http://schemas.microsoft.com/office/drawing/2010/main" val="0"/>
+                </a:ext>
+              </a:extLst>
+            </a:blip>
+            <a:srcRect/>
+            <a:stretch>
+              <a:fillRect/>
+            </a:stretch>
+          </p:blipFill>
+          <p:spPr bwMode="auto">
+            <a:xfrm>
+              <a:off x="3017736" y="4221213"/>
+              <a:ext cx="527618" cy="307777"/>
+            </a:xfrm>
+            <a:prstGeom prst="rect">
+              <a:avLst/>
+            </a:prstGeom>
+            <a:noFill/>
+          </p:spPr>
+        </p:pic>
+      </p:grpSp>
+      <p:grpSp>
+        <p:nvGrpSpPr>
+          <p:cNvPr id="27" name="Groupe 26">
+            <a:extLst>
+              <a:ext uri="{FF2B5EF4-FFF2-40B4-BE49-F238E27FC236}">
+                <a16:creationId xmlns:a16="http://schemas.microsoft.com/office/drawing/2014/main" id="{2E88C532-5DC4-9A8E-0BD9-8DCB5D7A9625}"/>
+              </a:ext>
+            </a:extLst>
+          </p:cNvPr>
+          <p:cNvGrpSpPr/>
+          <p:nvPr/>
+        </p:nvGrpSpPr>
+        <p:grpSpPr>
+          <a:xfrm>
+            <a:off x="3663791" y="1799583"/>
+            <a:ext cx="527618" cy="307777"/>
+            <a:chOff x="3379555" y="2002169"/>
+            <a:chExt cx="527618" cy="307777"/>
+          </a:xfrm>
+        </p:grpSpPr>
+        <p:sp>
+          <p:nvSpPr>
+            <p:cNvPr id="79" name="Rectangle : coins arrondis 78">
+              <a:extLst>
+                <a:ext uri="{FF2B5EF4-FFF2-40B4-BE49-F238E27FC236}">
+                  <a16:creationId xmlns:a16="http://schemas.microsoft.com/office/drawing/2014/main" id="{61FAC2B4-497C-99AF-7507-9699F89C2CB8}"/>
+                </a:ext>
+              </a:extLst>
+            </p:cNvPr>
+            <p:cNvSpPr/>
+            <p:nvPr/>
+          </p:nvSpPr>
+          <p:spPr>
+            <a:xfrm>
+              <a:off x="3415221" y="2029932"/>
+              <a:ext cx="440519" cy="263042"/>
+            </a:xfrm>
+            <a:prstGeom prst="roundRect">
+              <a:avLst/>
+            </a:prstGeom>
+            <a:solidFill>
+              <a:schemeClr val="bg1"/>
+            </a:solidFill>
+            <a:ln w="3175"/>
+          </p:spPr>
+          <p:style>
+            <a:lnRef idx="2">
+              <a:schemeClr val="accent1">
+                <a:shade val="15000"/>
+              </a:schemeClr>
+            </a:lnRef>
+            <a:fillRef idx="1">
+              <a:schemeClr val="accent1"/>
+            </a:fillRef>
+            <a:effectRef idx="0">
+              <a:schemeClr val="accent1"/>
+            </a:effectRef>
+            <a:fontRef idx="minor">
+              <a:schemeClr val="lt1"/>
+            </a:fontRef>
+          </p:style>
+          <p:txBody>
+            <a:bodyPr rtlCol="0" anchor="ctr"/>
+            <a:lstStyle/>
+            <a:p>
+              <a:pPr algn="ctr"/>
+              <a:endParaRPr lang="fr-FR"/>
+            </a:p>
+          </p:txBody>
+        </p:sp>
+        <p:pic>
+          <p:nvPicPr>
+            <p:cNvPr id="80" name="Picture 2">
+              <a:extLst>
+                <a:ext uri="{FF2B5EF4-FFF2-40B4-BE49-F238E27FC236}">
+                  <a16:creationId xmlns:a16="http://schemas.microsoft.com/office/drawing/2014/main" id="{FEC09453-8329-B943-E8CD-D18A9746E3DE}"/>
+                </a:ext>
+              </a:extLst>
+            </p:cNvPr>
+            <p:cNvPicPr>
+              <a:picLocks noChangeAspect="1" noChangeArrowheads="1"/>
+            </p:cNvPicPr>
+            <p:nvPr/>
+          </p:nvPicPr>
+          <p:blipFill>
+            <a:blip r:embed="rId12">
+              <a:extLst>
+                <a:ext uri="{28A0092B-C50C-407E-A947-70E740481C1C}">
+                  <a14:useLocalDpi xmlns:a14="http://schemas.microsoft.com/office/drawing/2010/main" val="0"/>
+                </a:ext>
+              </a:extLst>
+            </a:blip>
+            <a:srcRect/>
+            <a:stretch>
+              <a:fillRect/>
+            </a:stretch>
+          </p:blipFill>
+          <p:spPr bwMode="auto">
+            <a:xfrm>
+              <a:off x="3379555" y="2002169"/>
+              <a:ext cx="527618" cy="307777"/>
+            </a:xfrm>
+            <a:prstGeom prst="rect">
+              <a:avLst/>
+            </a:prstGeom>
+            <a:noFill/>
+          </p:spPr>
+        </p:pic>
+      </p:grpSp>
+      <p:cxnSp>
+        <p:nvCxnSpPr>
+          <p:cNvPr id="84" name="Connecteur : en angle 83">
+            <a:extLst>
+              <a:ext uri="{FF2B5EF4-FFF2-40B4-BE49-F238E27FC236}">
+                <a16:creationId xmlns:a16="http://schemas.microsoft.com/office/drawing/2014/main" id="{9FB5173D-B04A-5921-8DF1-AA3A6807A99D}"/>
+              </a:ext>
+            </a:extLst>
+          </p:cNvPr>
+          <p:cNvCxnSpPr>
+            <a:cxnSpLocks/>
+            <a:stCxn id="2068" idx="2"/>
+            <a:endCxn id="2097" idx="3"/>
+          </p:cNvCxnSpPr>
+          <p:nvPr/>
+        </p:nvCxnSpPr>
+        <p:spPr>
+          <a:xfrm rot="5400000">
+            <a:off x="8279459" y="3024137"/>
+            <a:ext cx="443149" cy="459586"/>
+          </a:xfrm>
+          <a:prstGeom prst="bentConnector2">
+            <a:avLst/>
+          </a:prstGeom>
+          <a:ln>
+            <a:solidFill>
+              <a:schemeClr val="bg1">
+                <a:lumMod val="65000"/>
+              </a:schemeClr>
+            </a:solidFill>
+            <a:prstDash val="dash"/>
+            <a:headEnd type="triangle"/>
+            <a:tailEnd type="triangle"/>
+          </a:ln>
+        </p:spPr>
+        <p:style>
+          <a:lnRef idx="1">
+            <a:schemeClr val="accent1"/>
+          </a:lnRef>
+          <a:fillRef idx="0">
+            <a:schemeClr val="accent1"/>
+          </a:fillRef>
+          <a:effectRef idx="0">
+            <a:schemeClr val="accent1"/>
+          </a:effectRef>
+          <a:fontRef idx="minor">
+            <a:schemeClr val="tx1"/>
+          </a:fontRef>
+        </p:style>
+      </p:cxnSp>
+    </p:spTree>
+    <p:extLst>
+      <p:ext uri="{BB962C8B-B14F-4D97-AF65-F5344CB8AC3E}">
+        <p14:creationId xmlns:p14="http://schemas.microsoft.com/office/powerpoint/2010/main" val="1821755839"/>
+      </p:ext>
+    </p:extLst>
+  </p:cSld>
+  <p:clrMapOvr>
+    <a:masterClrMapping/>
+  </p:clrMapOvr>
+  <p:timing>
+    <p:tnLst>
+      <p:par>
+        <p:cTn id="1" dur="indefinite" restart="never" nodeType="tmRoot">
+          <p:childTnLst>
+            <p:seq concurrent="1" nextAc="seek">
+              <p:cTn id="2" dur="indefinite" nodeType="mainSeq">
+                <p:childTnLst>
+                  <p:par>
+                    <p:cTn id="3" fill="hold">
+                      <p:stCondLst>
+                        <p:cond delay="indefinite"/>
+                      </p:stCondLst>
+                      <p:childTnLst>
+                        <p:par>
+                          <p:cTn id="4" fill="hold">
+                            <p:stCondLst>
+                              <p:cond delay="0"/>
+                            </p:stCondLst>
+                            <p:childTnLst>
+                              <p:par>
+                                <p:cTn id="5" presetID="1" presetClass="entr" presetSubtype="0" fill="hold" nodeType="clickEffect">
+                                  <p:stCondLst>
+                                    <p:cond delay="0"/>
+                                  </p:stCondLst>
+                                  <p:childTnLst>
+                                    <p:set>
+                                      <p:cBhvr>
+                                        <p:cTn id="6" dur="1" fill="hold">
+                                          <p:stCondLst>
+                                            <p:cond delay="0"/>
+                                          </p:stCondLst>
+                                        </p:cTn>
+                                        <p:tgtEl>
+                                          <p:spTgt spid="16"/>
+                                        </p:tgtEl>
+                                        <p:attrNameLst>
+                                          <p:attrName>style.visibility</p:attrName>
+                                        </p:attrNameLst>
+                                      </p:cBhvr>
+                                      <p:to>
+                                        <p:strVal val="visible"/>
+                                      </p:to>
+                                    </p:set>
+                                  </p:childTnLst>
+                                </p:cTn>
+                              </p:par>
+                              <p:par>
+                                <p:cTn id="7" presetID="1" presetClass="entr" presetSubtype="0" fill="hold" grpId="0" nodeType="withEffect">
+                                  <p:stCondLst>
+                                    <p:cond delay="0"/>
+                                  </p:stCondLst>
+                                  <p:childTnLst>
+                                    <p:set>
+                                      <p:cBhvr>
+                                        <p:cTn id="8" dur="1" fill="hold">
+                                          <p:stCondLst>
+                                            <p:cond delay="0"/>
+                                          </p:stCondLst>
+                                        </p:cTn>
+                                        <p:tgtEl>
+                                          <p:spTgt spid="2"/>
+                                        </p:tgtEl>
+                                        <p:attrNameLst>
+                                          <p:attrName>style.visibility</p:attrName>
+                                        </p:attrNameLst>
+                                      </p:cBhvr>
+                                      <p:to>
+                                        <p:strVal val="visible"/>
+                                      </p:to>
+                                    </p:set>
+                                  </p:childTnLst>
+                                </p:cTn>
+                              </p:par>
+                            </p:childTnLst>
+                          </p:cTn>
+                        </p:par>
+                      </p:childTnLst>
+                    </p:cTn>
+                  </p:par>
+                  <p:par>
+                    <p:cTn id="9" fill="hold">
+                      <p:stCondLst>
+                        <p:cond delay="indefinite"/>
+                      </p:stCondLst>
+                      <p:childTnLst>
+                        <p:par>
+                          <p:cTn id="10" fill="hold">
+                            <p:stCondLst>
+                              <p:cond delay="0"/>
+                            </p:stCondLst>
+                            <p:childTnLst>
+                              <p:par>
+                                <p:cTn id="11" presetID="1" presetClass="entr" presetSubtype="0" fill="hold" grpId="0" nodeType="clickEffect">
+                                  <p:stCondLst>
+                                    <p:cond delay="0"/>
+                                  </p:stCondLst>
+                                  <p:childTnLst>
+                                    <p:set>
+                                      <p:cBhvr>
+                                        <p:cTn id="12" dur="1" fill="hold">
+                                          <p:stCondLst>
+                                            <p:cond delay="0"/>
+                                          </p:stCondLst>
+                                        </p:cTn>
+                                        <p:tgtEl>
+                                          <p:spTgt spid="18"/>
+                                        </p:tgtEl>
+                                        <p:attrNameLst>
+                                          <p:attrName>style.visibility</p:attrName>
+                                        </p:attrNameLst>
+                                      </p:cBhvr>
+                                      <p:to>
+                                        <p:strVal val="visible"/>
+                                      </p:to>
+                                    </p:set>
+                                  </p:childTnLst>
+                                </p:cTn>
+                              </p:par>
+                              <p:par>
+                                <p:cTn id="13" presetID="1" presetClass="entr" presetSubtype="0" fill="hold" nodeType="withEffect">
+                                  <p:stCondLst>
+                                    <p:cond delay="0"/>
+                                  </p:stCondLst>
+                                  <p:childTnLst>
+                                    <p:set>
+                                      <p:cBhvr>
+                                        <p:cTn id="14" dur="1" fill="hold">
+                                          <p:stCondLst>
+                                            <p:cond delay="0"/>
+                                          </p:stCondLst>
+                                        </p:cTn>
+                                        <p:tgtEl>
+                                          <p:spTgt spid="25"/>
+                                        </p:tgtEl>
+                                        <p:attrNameLst>
+                                          <p:attrName>style.visibility</p:attrName>
+                                        </p:attrNameLst>
+                                      </p:cBhvr>
+                                      <p:to>
+                                        <p:strVal val="visible"/>
+                                      </p:to>
+                                    </p:set>
+                                  </p:childTnLst>
+                                </p:cTn>
+                              </p:par>
+                            </p:childTnLst>
+                          </p:cTn>
+                        </p:par>
+                      </p:childTnLst>
+                    </p:cTn>
+                  </p:par>
+                  <p:par>
+                    <p:cTn id="15" fill="hold">
+                      <p:stCondLst>
+                        <p:cond delay="indefinite"/>
+                      </p:stCondLst>
+                      <p:childTnLst>
+                        <p:par>
+                          <p:cTn id="16" fill="hold">
+                            <p:stCondLst>
+                              <p:cond delay="0"/>
+                            </p:stCondLst>
+                            <p:childTnLst>
+                              <p:par>
+                                <p:cTn id="17" presetID="1" presetClass="entr" presetSubtype="0" fill="hold" grpId="0" nodeType="clickEffect">
+                                  <p:stCondLst>
+                                    <p:cond delay="0"/>
+                                  </p:stCondLst>
+                                  <p:childTnLst>
+                                    <p:set>
+                                      <p:cBhvr>
+                                        <p:cTn id="18" dur="1" fill="hold">
+                                          <p:stCondLst>
+                                            <p:cond delay="0"/>
+                                          </p:stCondLst>
+                                        </p:cTn>
+                                        <p:tgtEl>
+                                          <p:spTgt spid="22"/>
+                                        </p:tgtEl>
+                                        <p:attrNameLst>
+                                          <p:attrName>style.visibility</p:attrName>
+                                        </p:attrNameLst>
+                                      </p:cBhvr>
+                                      <p:to>
+                                        <p:strVal val="visible"/>
+                                      </p:to>
+                                    </p:set>
+                                  </p:childTnLst>
+                                </p:cTn>
+                              </p:par>
+                              <p:par>
+                                <p:cTn id="19" presetID="1" presetClass="entr" presetSubtype="0" fill="hold" grpId="0" nodeType="withEffect">
+                                  <p:stCondLst>
+                                    <p:cond delay="0"/>
+                                  </p:stCondLst>
+                                  <p:childTnLst>
+                                    <p:set>
+                                      <p:cBhvr>
+                                        <p:cTn id="20" dur="1" fill="hold">
+                                          <p:stCondLst>
+                                            <p:cond delay="0"/>
+                                          </p:stCondLst>
+                                        </p:cTn>
+                                        <p:tgtEl>
+                                          <p:spTgt spid="5"/>
+                                        </p:tgtEl>
+                                        <p:attrNameLst>
+                                          <p:attrName>style.visibility</p:attrName>
+                                        </p:attrNameLst>
+                                      </p:cBhvr>
+                                      <p:to>
+                                        <p:strVal val="visible"/>
+                                      </p:to>
+                                    </p:set>
+                                  </p:childTnLst>
+                                </p:cTn>
+                              </p:par>
+                              <p:par>
+                                <p:cTn id="21" presetID="1" presetClass="entr" presetSubtype="0" fill="hold" nodeType="withEffect">
+                                  <p:stCondLst>
+                                    <p:cond delay="0"/>
+                                  </p:stCondLst>
+                                  <p:childTnLst>
+                                    <p:set>
+                                      <p:cBhvr>
+                                        <p:cTn id="22" dur="1" fill="hold">
+                                          <p:stCondLst>
+                                            <p:cond delay="0"/>
+                                          </p:stCondLst>
+                                        </p:cTn>
+                                        <p:tgtEl>
+                                          <p:spTgt spid="34"/>
+                                        </p:tgtEl>
+                                        <p:attrNameLst>
+                                          <p:attrName>style.visibility</p:attrName>
+                                        </p:attrNameLst>
+                                      </p:cBhvr>
+                                      <p:to>
+                                        <p:strVal val="visible"/>
+                                      </p:to>
+                                    </p:set>
+                                  </p:childTnLst>
+                                </p:cTn>
+                              </p:par>
+                            </p:childTnLst>
+                          </p:cTn>
+                        </p:par>
+                      </p:childTnLst>
+                    </p:cTn>
+                  </p:par>
+                  <p:par>
+                    <p:cTn id="23" fill="hold">
+                      <p:stCondLst>
+                        <p:cond delay="indefinite"/>
+                      </p:stCondLst>
+                      <p:childTnLst>
+                        <p:par>
+                          <p:cTn id="24" fill="hold">
+                            <p:stCondLst>
+                              <p:cond delay="0"/>
+                            </p:stCondLst>
+                            <p:childTnLst>
+                              <p:par>
+                                <p:cTn id="25" presetID="1" presetClass="entr" presetSubtype="0" fill="hold" nodeType="clickEffect">
+                                  <p:stCondLst>
+                                    <p:cond delay="0"/>
+                                  </p:stCondLst>
+                                  <p:childTnLst>
+                                    <p:set>
+                                      <p:cBhvr>
+                                        <p:cTn id="26" dur="1" fill="hold">
+                                          <p:stCondLst>
+                                            <p:cond delay="0"/>
+                                          </p:stCondLst>
+                                        </p:cTn>
+                                        <p:tgtEl>
+                                          <p:spTgt spid="35"/>
+                                        </p:tgtEl>
+                                        <p:attrNameLst>
+                                          <p:attrName>style.visibility</p:attrName>
+                                        </p:attrNameLst>
+                                      </p:cBhvr>
+                                      <p:to>
+                                        <p:strVal val="visible"/>
+                                      </p:to>
+                                    </p:set>
+                                  </p:childTnLst>
+                                </p:cTn>
+                              </p:par>
+                              <p:par>
+                                <p:cTn id="27" presetID="1" presetClass="entr" presetSubtype="0" fill="hold" grpId="0" nodeType="withEffect">
+                                  <p:stCondLst>
+                                    <p:cond delay="0"/>
+                                  </p:stCondLst>
+                                  <p:childTnLst>
+                                    <p:set>
+                                      <p:cBhvr>
+                                        <p:cTn id="28" dur="1" fill="hold">
+                                          <p:stCondLst>
+                                            <p:cond delay="0"/>
+                                          </p:stCondLst>
+                                        </p:cTn>
+                                        <p:tgtEl>
+                                          <p:spTgt spid="4"/>
+                                        </p:tgtEl>
+                                        <p:attrNameLst>
+                                          <p:attrName>style.visibility</p:attrName>
+                                        </p:attrNameLst>
+                                      </p:cBhvr>
+                                      <p:to>
+                                        <p:strVal val="visible"/>
+                                      </p:to>
+                                    </p:set>
+                                  </p:childTnLst>
+                                </p:cTn>
+                              </p:par>
+                              <p:par>
+                                <p:cTn id="29" presetID="1" presetClass="entr" presetSubtype="0" fill="hold" grpId="0" nodeType="withEffect">
+                                  <p:stCondLst>
+                                    <p:cond delay="0"/>
+                                  </p:stCondLst>
+                                  <p:childTnLst>
+                                    <p:set>
+                                      <p:cBhvr>
+                                        <p:cTn id="30" dur="1" fill="hold">
+                                          <p:stCondLst>
+                                            <p:cond delay="0"/>
+                                          </p:stCondLst>
+                                        </p:cTn>
+                                        <p:tgtEl>
+                                          <p:spTgt spid="26"/>
+                                        </p:tgtEl>
+                                        <p:attrNameLst>
+                                          <p:attrName>style.visibility</p:attrName>
+                                        </p:attrNameLst>
+                                      </p:cBhvr>
+                                      <p:to>
+                                        <p:strVal val="visible"/>
+                                      </p:to>
+                                    </p:set>
+                                  </p:childTnLst>
+                                </p:cTn>
+                              </p:par>
+                            </p:childTnLst>
+                          </p:cTn>
+                        </p:par>
+                      </p:childTnLst>
+                    </p:cTn>
+                  </p:par>
+                  <p:par>
+                    <p:cTn id="31" fill="hold">
+                      <p:stCondLst>
+                        <p:cond delay="indefinite"/>
+                      </p:stCondLst>
+                      <p:childTnLst>
+                        <p:par>
+                          <p:cTn id="32" fill="hold">
+                            <p:stCondLst>
+                              <p:cond delay="0"/>
+                            </p:stCondLst>
+                            <p:childTnLst>
+                              <p:par>
+                                <p:cTn id="33" presetID="1" presetClass="entr" presetSubtype="0" fill="hold" nodeType="clickEffect">
+                                  <p:stCondLst>
+                                    <p:cond delay="0"/>
+                                  </p:stCondLst>
+                                  <p:childTnLst>
+                                    <p:set>
+                                      <p:cBhvr>
+                                        <p:cTn id="34" dur="1" fill="hold">
+                                          <p:stCondLst>
+                                            <p:cond delay="0"/>
+                                          </p:stCondLst>
+                                        </p:cTn>
+                                        <p:tgtEl>
+                                          <p:spTgt spid="27"/>
+                                        </p:tgtEl>
+                                        <p:attrNameLst>
+                                          <p:attrName>style.visibility</p:attrName>
+                                        </p:attrNameLst>
+                                      </p:cBhvr>
+                                      <p:to>
+                                        <p:strVal val="visible"/>
+                                      </p:to>
+                                    </p:set>
+                                  </p:childTnLst>
+                                </p:cTn>
+                              </p:par>
+                              <p:par>
+                                <p:cTn id="35" presetID="1" presetClass="entr" presetSubtype="0" fill="hold" nodeType="withEffect">
+                                  <p:stCondLst>
+                                    <p:cond delay="0"/>
+                                  </p:stCondLst>
+                                  <p:childTnLst>
+                                    <p:set>
+                                      <p:cBhvr>
+                                        <p:cTn id="36" dur="1" fill="hold">
+                                          <p:stCondLst>
+                                            <p:cond delay="0"/>
+                                          </p:stCondLst>
+                                        </p:cTn>
+                                        <p:tgtEl>
+                                          <p:spTgt spid="1029"/>
+                                        </p:tgtEl>
+                                        <p:attrNameLst>
+                                          <p:attrName>style.visibility</p:attrName>
+                                        </p:attrNameLst>
+                                      </p:cBhvr>
+                                      <p:to>
+                                        <p:strVal val="visible"/>
+                                      </p:to>
+                                    </p:set>
+                                  </p:childTnLst>
+                                </p:cTn>
+                              </p:par>
+                            </p:childTnLst>
+                          </p:cTn>
+                        </p:par>
+                      </p:childTnLst>
+                    </p:cTn>
+                  </p:par>
+                  <p:par>
+                    <p:cTn id="37" fill="hold">
+                      <p:stCondLst>
+                        <p:cond delay="indefinite"/>
+                      </p:stCondLst>
+                      <p:childTnLst>
+                        <p:par>
+                          <p:cTn id="38" fill="hold">
+                            <p:stCondLst>
+                              <p:cond delay="0"/>
+                            </p:stCondLst>
+                            <p:childTnLst>
+                              <p:par>
+                                <p:cTn id="39" presetID="1" presetClass="entr" presetSubtype="0" fill="hold" nodeType="clickEffect">
+                                  <p:stCondLst>
+                                    <p:cond delay="0"/>
+                                  </p:stCondLst>
+                                  <p:childTnLst>
+                                    <p:set>
+                                      <p:cBhvr>
+                                        <p:cTn id="40" dur="1" fill="hold">
+                                          <p:stCondLst>
+                                            <p:cond delay="0"/>
+                                          </p:stCondLst>
+                                        </p:cTn>
+                                        <p:tgtEl>
+                                          <p:spTgt spid="33"/>
+                                        </p:tgtEl>
+                                        <p:attrNameLst>
+                                          <p:attrName>style.visibility</p:attrName>
+                                        </p:attrNameLst>
+                                      </p:cBhvr>
+                                      <p:to>
+                                        <p:strVal val="visible"/>
+                                      </p:to>
+                                    </p:set>
+                                  </p:childTnLst>
+                                </p:cTn>
+                              </p:par>
+                              <p:par>
+                                <p:cTn id="41" presetID="1" presetClass="entr" presetSubtype="0" fill="hold" nodeType="withEffect">
+                                  <p:stCondLst>
+                                    <p:cond delay="0"/>
+                                  </p:stCondLst>
+                                  <p:childTnLst>
+                                    <p:set>
+                                      <p:cBhvr>
+                                        <p:cTn id="42" dur="1" fill="hold">
+                                          <p:stCondLst>
+                                            <p:cond delay="0"/>
+                                          </p:stCondLst>
+                                        </p:cTn>
+                                        <p:tgtEl>
+                                          <p:spTgt spid="17"/>
+                                        </p:tgtEl>
+                                        <p:attrNameLst>
+                                          <p:attrName>style.visibility</p:attrName>
+                                        </p:attrNameLst>
+                                      </p:cBhvr>
+                                      <p:to>
+                                        <p:strVal val="visible"/>
+                                      </p:to>
+                                    </p:set>
+                                  </p:childTnLst>
+                                </p:cTn>
+                              </p:par>
+                              <p:par>
+                                <p:cTn id="43" presetID="1" presetClass="entr" presetSubtype="0" fill="hold" nodeType="withEffect">
+                                  <p:stCondLst>
+                                    <p:cond delay="0"/>
+                                  </p:stCondLst>
+                                  <p:childTnLst>
+                                    <p:set>
+                                      <p:cBhvr>
+                                        <p:cTn id="44" dur="1" fill="hold">
+                                          <p:stCondLst>
+                                            <p:cond delay="0"/>
+                                          </p:stCondLst>
+                                        </p:cTn>
+                                        <p:tgtEl>
+                                          <p:spTgt spid="1062"/>
+                                        </p:tgtEl>
+                                        <p:attrNameLst>
+                                          <p:attrName>style.visibility</p:attrName>
+                                        </p:attrNameLst>
+                                      </p:cBhvr>
+                                      <p:to>
+                                        <p:strVal val="visible"/>
+                                      </p:to>
+                                    </p:set>
+                                  </p:childTnLst>
+                                </p:cTn>
+                              </p:par>
+                              <p:par>
+                                <p:cTn id="45" presetID="1" presetClass="entr" presetSubtype="0" fill="hold" nodeType="withEffect">
+                                  <p:stCondLst>
+                                    <p:cond delay="0"/>
+                                  </p:stCondLst>
+                                  <p:childTnLst>
+                                    <p:set>
+                                      <p:cBhvr>
+                                        <p:cTn id="46" dur="1" fill="hold">
+                                          <p:stCondLst>
+                                            <p:cond delay="0"/>
+                                          </p:stCondLst>
+                                        </p:cTn>
+                                        <p:tgtEl>
+                                          <p:spTgt spid="1075"/>
+                                        </p:tgtEl>
+                                        <p:attrNameLst>
+                                          <p:attrName>style.visibility</p:attrName>
+                                        </p:attrNameLst>
+                                      </p:cBhvr>
+                                      <p:to>
+                                        <p:strVal val="visible"/>
+                                      </p:to>
+                                    </p:set>
+                                  </p:childTnLst>
+                                </p:cTn>
+                              </p:par>
+                            </p:childTnLst>
+                          </p:cTn>
+                        </p:par>
+                      </p:childTnLst>
+                    </p:cTn>
+                  </p:par>
+                  <p:par>
+                    <p:cTn id="47" fill="hold">
+                      <p:stCondLst>
+                        <p:cond delay="indefinite"/>
+                      </p:stCondLst>
+                      <p:childTnLst>
+                        <p:par>
+                          <p:cTn id="48" fill="hold">
+                            <p:stCondLst>
+                              <p:cond delay="0"/>
+                            </p:stCondLst>
+                            <p:childTnLst>
+                              <p:par>
+                                <p:cTn id="49" presetID="1" presetClass="entr" presetSubtype="0" fill="hold" nodeType="clickEffect">
+                                  <p:stCondLst>
+                                    <p:cond delay="0"/>
+                                  </p:stCondLst>
+                                  <p:childTnLst>
+                                    <p:set>
+                                      <p:cBhvr>
+                                        <p:cTn id="50" dur="1" fill="hold">
+                                          <p:stCondLst>
+                                            <p:cond delay="0"/>
+                                          </p:stCondLst>
+                                        </p:cTn>
+                                        <p:tgtEl>
+                                          <p:spTgt spid="2101"/>
+                                        </p:tgtEl>
+                                        <p:attrNameLst>
+                                          <p:attrName>style.visibility</p:attrName>
+                                        </p:attrNameLst>
+                                      </p:cBhvr>
+                                      <p:to>
+                                        <p:strVal val="visible"/>
+                                      </p:to>
+                                    </p:set>
+                                  </p:childTnLst>
+                                </p:cTn>
+                              </p:par>
+                              <p:par>
+                                <p:cTn id="51" presetID="1" presetClass="entr" presetSubtype="0" fill="hold" nodeType="withEffect">
+                                  <p:stCondLst>
+                                    <p:cond delay="0"/>
+                                  </p:stCondLst>
+                                  <p:childTnLst>
+                                    <p:set>
+                                      <p:cBhvr>
+                                        <p:cTn id="52" dur="1" fill="hold">
+                                          <p:stCondLst>
+                                            <p:cond delay="0"/>
+                                          </p:stCondLst>
+                                        </p:cTn>
+                                        <p:tgtEl>
+                                          <p:spTgt spid="2068"/>
+                                        </p:tgtEl>
+                                        <p:attrNameLst>
+                                          <p:attrName>style.visibility</p:attrName>
+                                        </p:attrNameLst>
+                                      </p:cBhvr>
+                                      <p:to>
+                                        <p:strVal val="visible"/>
+                                      </p:to>
+                                    </p:set>
+                                  </p:childTnLst>
+                                </p:cTn>
+                              </p:par>
+                              <p:par>
+                                <p:cTn id="53" presetID="1" presetClass="entr" presetSubtype="0" fill="hold" nodeType="withEffect">
+                                  <p:stCondLst>
+                                    <p:cond delay="0"/>
+                                  </p:stCondLst>
+                                  <p:childTnLst>
+                                    <p:set>
+                                      <p:cBhvr>
+                                        <p:cTn id="54" dur="1" fill="hold">
+                                          <p:stCondLst>
+                                            <p:cond delay="0"/>
+                                          </p:stCondLst>
+                                        </p:cTn>
+                                        <p:tgtEl>
+                                          <p:spTgt spid="84"/>
+                                        </p:tgtEl>
+                                        <p:attrNameLst>
+                                          <p:attrName>style.visibility</p:attrName>
+                                        </p:attrNameLst>
+                                      </p:cBhvr>
+                                      <p:to>
+                                        <p:strVal val="visible"/>
+                                      </p:to>
+                                    </p:set>
+                                  </p:childTnLst>
+                                </p:cTn>
+                              </p:par>
+                            </p:childTnLst>
+                          </p:cTn>
+                        </p:par>
+                      </p:childTnLst>
+                    </p:cTn>
+                  </p:par>
+                </p:childTnLst>
+              </p:cTn>
+              <p:prevCondLst>
+                <p:cond evt="onPrev" delay="0">
+                  <p:tgtEl>
+                    <p:sldTgt/>
+                  </p:tgtEl>
+                </p:cond>
+              </p:prevCondLst>
+              <p:nextCondLst>
+                <p:cond evt="onNext" delay="0">
+                  <p:tgtEl>
+                    <p:sldTgt/>
+                  </p:tgtEl>
+                </p:cond>
+              </p:nextCondLst>
+            </p:seq>
+          </p:childTnLst>
+        </p:cTn>
+      </p:par>
+    </p:tnLst>
+    <p:bldLst>
+      <p:bldP spid="26" grpId="0" animBg="1"/>
+      <p:bldP spid="22" grpId="0" animBg="1"/>
+      <p:bldP spid="18" grpId="0" animBg="1"/>
+      <p:bldP spid="2" grpId="0" animBg="1"/>
+      <p:bldP spid="4" grpId="0" animBg="1"/>
+      <p:bldP spid="5" grpId="0" animBg="1"/>
+    </p:bldLst>
+  </p:timing>
+</p:sld>
+</file>
+
+<file path=ppt/slides/slide6.xml><?xml version="1.0" encoding="utf-8"?>
+<p:sld xmlns:a="http://schemas.openxmlformats.org/drawingml/2006/main" xmlns:r="http://schemas.openxmlformats.org/officeDocument/2006/relationships" xmlns:p="http://schemas.openxmlformats.org/presentationml/2006/main">
+  <p:cSld>
+    <p:spTree>
+      <p:nvGrpSpPr>
         <p:cNvPr id="1" name="Shape 67"/>
         <p:cNvGrpSpPr/>
         <p:nvPr/>
@@ -14930,7 +23262,7 @@
 </p:sld>
 </file>
 
-<file path=ppt/slides/slide3.xml><?xml version="1.0" encoding="utf-8"?>
+<file path=ppt/slides/slide7.xml><?xml version="1.0" encoding="utf-8"?>
 <p:sld xmlns:a="http://schemas.openxmlformats.org/drawingml/2006/main" xmlns:r="http://schemas.openxmlformats.org/officeDocument/2006/relationships" xmlns:p="http://schemas.openxmlformats.org/presentationml/2006/main">
   <p:cSld>
     <p:bg>

--- a/présentation/Bloc_05_Projet_Getaround.pptx
+++ b/présentation/Bloc_05_Projet_Getaround.pptx
@@ -6,7 +6,7 @@
     <p:sldMasterId id="2147483660" r:id="rId2"/>
   </p:sldMasterIdLst>
   <p:notesMasterIdLst>
-    <p:notesMasterId r:id="rId10"/>
+    <p:notesMasterId r:id="rId13"/>
   </p:notesMasterIdLst>
   <p:sldIdLst>
     <p:sldId id="256" r:id="rId3"/>
@@ -15,24 +15,27 @@
     <p:sldId id="273" r:id="rId6"/>
     <p:sldId id="274" r:id="rId7"/>
     <p:sldId id="258" r:id="rId8"/>
-    <p:sldId id="271" r:id="rId9"/>
+    <p:sldId id="276" r:id="rId9"/>
+    <p:sldId id="277" r:id="rId10"/>
+    <p:sldId id="278" r:id="rId11"/>
+    <p:sldId id="271" r:id="rId12"/>
   </p:sldIdLst>
   <p:sldSz cx="9144000" cy="5143500" type="screen16x9"/>
   <p:notesSz cx="6858000" cy="9144000"/>
   <p:embeddedFontLst>
     <p:embeddedFont>
       <p:font typeface="Inter Medium" panose="020B0604020202020204" charset="0"/>
-      <p:regular r:id="rId11"/>
-      <p:bold r:id="rId12"/>
-      <p:italic r:id="rId13"/>
-      <p:boldItalic r:id="rId14"/>
+      <p:regular r:id="rId14"/>
+      <p:bold r:id="rId15"/>
+      <p:italic r:id="rId16"/>
+      <p:boldItalic r:id="rId17"/>
     </p:embeddedFont>
     <p:embeddedFont>
       <p:font typeface="Inter SemiBold" panose="020B0604020202020204" charset="0"/>
-      <p:regular r:id="rId15"/>
-      <p:bold r:id="rId16"/>
-      <p:italic r:id="rId17"/>
-      <p:boldItalic r:id="rId18"/>
+      <p:regular r:id="rId18"/>
+      <p:bold r:id="rId19"/>
+      <p:italic r:id="rId20"/>
+      <p:boldItalic r:id="rId21"/>
     </p:embeddedFont>
   </p:embeddedFontLst>
   <p:defaultTextStyle>
@@ -275,7 +278,7 @@
 <file path=ppt/revisionInfo.xml><?xml version="1.0" encoding="utf-8"?>
 <p1510:revInfo xmlns:a="http://schemas.openxmlformats.org/drawingml/2006/main" xmlns:r="http://schemas.openxmlformats.org/officeDocument/2006/relationships" xmlns:p1510="http://schemas.microsoft.com/office/powerpoint/2015/10/main">
   <p1510:revLst>
-    <p1510:client id="{B2CA8FFA-FC6B-48AE-92FD-26D6FADFA2EC}" v="5" dt="2026-02-11T12:26:48.210"/>
+    <p1510:client id="{B2CA8FFA-FC6B-48AE-92FD-26D6FADFA2EC}" v="438" dt="2026-02-13T10:23:13.744"/>
   </p1510:revLst>
 </p1510:revInfo>
 </file>
@@ -284,8 +287,8 @@
 <pc:chgInfo xmlns:a="http://schemas.openxmlformats.org/drawingml/2006/main" xmlns:r="http://schemas.openxmlformats.org/officeDocument/2006/relationships" xmlns:ac="http://schemas.microsoft.com/office/drawing/2013/main/command" xmlns:pc="http://schemas.microsoft.com/office/powerpoint/2013/main/command">
   <pc:docChgLst>
     <pc:chgData name="Jean-Yves Vuillequez" userId="e7fac481abea6bd0" providerId="LiveId" clId="{79E365E8-22BC-4EC2-9606-9A9AC6CD1D22}"/>
-    <pc:docChg chg="undo custSel addSld delSld modSld addMainMaster delMainMaster">
-      <pc:chgData name="Jean-Yves Vuillequez" userId="e7fac481abea6bd0" providerId="LiveId" clId="{79E365E8-22BC-4EC2-9606-9A9AC6CD1D22}" dt="2026-02-11T12:26:59.660" v="103" actId="47"/>
+    <pc:docChg chg="undo custSel addSld delSld modSld sldOrd addMainMaster delMainMaster">
+      <pc:chgData name="Jean-Yves Vuillequez" userId="e7fac481abea6bd0" providerId="LiveId" clId="{79E365E8-22BC-4EC2-9606-9A9AC6CD1D22}" dt="2026-02-13T10:23:13.744" v="1252" actId="20577"/>
       <pc:docMkLst>
         <pc:docMk/>
       </pc:docMkLst>
@@ -321,13 +324,13 @@
         </pc:spChg>
       </pc:sldChg>
       <pc:sldChg chg="addSp delSp modSp mod addAnim delAnim modNotesTx">
-        <pc:chgData name="Jean-Yves Vuillequez" userId="e7fac481abea6bd0" providerId="LiveId" clId="{79E365E8-22BC-4EC2-9606-9A9AC6CD1D22}" dt="2026-01-16T10:48:23.010" v="85" actId="478"/>
+        <pc:chgData name="Jean-Yves Vuillequez" userId="e7fac481abea6bd0" providerId="LiveId" clId="{79E365E8-22BC-4EC2-9606-9A9AC6CD1D22}" dt="2026-02-13T10:20:36.261" v="1250" actId="20577"/>
         <pc:sldMkLst>
           <pc:docMk/>
           <pc:sldMk cId="0" sldId="258"/>
         </pc:sldMkLst>
         <pc:spChg chg="mod">
-          <ac:chgData name="Jean-Yves Vuillequez" userId="e7fac481abea6bd0" providerId="LiveId" clId="{79E365E8-22BC-4EC2-9606-9A9AC6CD1D22}" dt="2026-01-16T10:48:13.103" v="83" actId="5793"/>
+          <ac:chgData name="Jean-Yves Vuillequez" userId="e7fac481abea6bd0" providerId="LiveId" clId="{79E365E8-22BC-4EC2-9606-9A9AC6CD1D22}" dt="2026-02-13T09:14:19.195" v="867" actId="20577"/>
           <ac:spMkLst>
             <pc:docMk/>
             <pc:sldMk cId="0" sldId="258"/>
@@ -335,13 +338,37 @@
           </ac:spMkLst>
         </pc:spChg>
         <pc:spChg chg="mod">
-          <ac:chgData name="Jean-Yves Vuillequez" userId="e7fac481abea6bd0" providerId="LiveId" clId="{79E365E8-22BC-4EC2-9606-9A9AC6CD1D22}" dt="2026-01-16T10:47:21.917" v="46" actId="20577"/>
+          <ac:chgData name="Jean-Yves Vuillequez" userId="e7fac481abea6bd0" providerId="LiveId" clId="{79E365E8-22BC-4EC2-9606-9A9AC6CD1D22}" dt="2026-02-13T10:20:36.261" v="1250" actId="20577"/>
           <ac:spMkLst>
             <pc:docMk/>
             <pc:sldMk cId="0" sldId="258"/>
             <ac:spMk id="68" creationId="{00000000-0000-0000-0000-000000000000}"/>
           </ac:spMkLst>
         </pc:spChg>
+        <pc:picChg chg="add mod">
+          <ac:chgData name="Jean-Yves Vuillequez" userId="e7fac481abea6bd0" providerId="LiveId" clId="{79E365E8-22BC-4EC2-9606-9A9AC6CD1D22}" dt="2026-02-13T09:06:58.743" v="801" actId="14100"/>
+          <ac:picMkLst>
+            <pc:docMk/>
+            <pc:sldMk cId="0" sldId="258"/>
+            <ac:picMk id="5" creationId="{3629B4BD-B2F9-58A6-5FC6-4984E061BD5A}"/>
+          </ac:picMkLst>
+        </pc:picChg>
+        <pc:picChg chg="add del mod">
+          <ac:chgData name="Jean-Yves Vuillequez" userId="e7fac481abea6bd0" providerId="LiveId" clId="{79E365E8-22BC-4EC2-9606-9A9AC6CD1D22}" dt="2026-02-13T09:10:02.935" v="803" actId="478"/>
+          <ac:picMkLst>
+            <pc:docMk/>
+            <pc:sldMk cId="0" sldId="258"/>
+            <ac:picMk id="7" creationId="{0333D699-8708-CCB0-9F47-71790F7D7F7B}"/>
+          </ac:picMkLst>
+        </pc:picChg>
+        <pc:picChg chg="add mod">
+          <ac:chgData name="Jean-Yves Vuillequez" userId="e7fac481abea6bd0" providerId="LiveId" clId="{79E365E8-22BC-4EC2-9606-9A9AC6CD1D22}" dt="2026-02-13T09:10:41.876" v="815" actId="1076"/>
+          <ac:picMkLst>
+            <pc:docMk/>
+            <pc:sldMk cId="0" sldId="258"/>
+            <ac:picMk id="9" creationId="{E79FD801-E0AC-4B92-A695-66B1893EF522}"/>
+          </ac:picMkLst>
+        </pc:picChg>
       </pc:sldChg>
       <pc:sldChg chg="add del">
         <pc:chgData name="Jean-Yves Vuillequez" userId="e7fac481abea6bd0" providerId="LiveId" clId="{79E365E8-22BC-4EC2-9606-9A9AC6CD1D22}" dt="2026-01-16T10:47:03.962" v="33" actId="47"/>
@@ -350,20 +377,910 @@
           <pc:sldMk cId="0" sldId="271"/>
         </pc:sldMkLst>
       </pc:sldChg>
-      <pc:sldChg chg="modSp del mod">
-        <pc:chgData name="Jean-Yves Vuillequez" userId="e7fac481abea6bd0" providerId="LiveId" clId="{79E365E8-22BC-4EC2-9606-9A9AC6CD1D22}" dt="2026-02-11T12:26:59.660" v="103" actId="47"/>
+      <pc:sldChg chg="modSp mod">
+        <pc:chgData name="Jean-Yves Vuillequez" userId="e7fac481abea6bd0" providerId="LiveId" clId="{79E365E8-22BC-4EC2-9606-9A9AC6CD1D22}" dt="2026-02-13T09:42:23.243" v="1206" actId="14100"/>
         <pc:sldMkLst>
           <pc:docMk/>
-          <pc:sldMk cId="1558646683" sldId="273"/>
+          <pc:sldMk cId="0" sldId="272"/>
         </pc:sldMkLst>
         <pc:spChg chg="mod">
-          <ac:chgData name="Jean-Yves Vuillequez" userId="e7fac481abea6bd0" providerId="LiveId" clId="{79E365E8-22BC-4EC2-9606-9A9AC6CD1D22}" dt="2026-01-16T10:45:23.953" v="10" actId="20577"/>
+          <ac:chgData name="Jean-Yves Vuillequez" userId="e7fac481abea6bd0" providerId="LiveId" clId="{79E365E8-22BC-4EC2-9606-9A9AC6CD1D22}" dt="2026-02-13T09:42:23.243" v="1206" actId="14100"/>
           <ac:spMkLst>
             <pc:docMk/>
-            <pc:sldMk cId="1558646683" sldId="273"/>
-            <ac:spMk id="62" creationId="{1465D56F-7913-AD4E-8248-AEC9AC3FBC16}"/>
+            <pc:sldMk cId="0" sldId="272"/>
+            <ac:spMk id="5" creationId="{C9E79F0C-F757-C223-90A8-073753256F1C}"/>
           </ac:spMkLst>
         </pc:spChg>
+        <pc:spChg chg="mod">
+          <ac:chgData name="Jean-Yves Vuillequez" userId="e7fac481abea6bd0" providerId="LiveId" clId="{79E365E8-22BC-4EC2-9606-9A9AC6CD1D22}" dt="2026-02-13T09:42:20.229" v="1205" actId="20577"/>
+          <ac:spMkLst>
+            <pc:docMk/>
+            <pc:sldMk cId="0" sldId="272"/>
+            <ac:spMk id="6" creationId="{243FF7A6-205C-44FD-4C04-67C8CD0DF557}"/>
+          </ac:spMkLst>
+        </pc:spChg>
+      </pc:sldChg>
+      <pc:sldChg chg="addSp modSp mod modAnim">
+        <pc:chgData name="Jean-Yves Vuillequez" userId="e7fac481abea6bd0" providerId="LiveId" clId="{79E365E8-22BC-4EC2-9606-9A9AC6CD1D22}" dt="2026-02-13T10:23:13.744" v="1252" actId="20577"/>
+        <pc:sldMkLst>
+          <pc:docMk/>
+          <pc:sldMk cId="0" sldId="273"/>
+        </pc:sldMkLst>
+        <pc:spChg chg="add">
+          <ac:chgData name="Jean-Yves Vuillequez" userId="e7fac481abea6bd0" providerId="LiveId" clId="{79E365E8-22BC-4EC2-9606-9A9AC6CD1D22}" dt="2026-02-13T08:42:50.997" v="383"/>
+          <ac:spMkLst>
+            <pc:docMk/>
+            <pc:sldMk cId="0" sldId="273"/>
+            <ac:spMk id="2" creationId="{96661028-3F4E-5F72-C65D-8E2C26D2D364}"/>
+          </ac:spMkLst>
+        </pc:spChg>
+        <pc:spChg chg="mod">
+          <ac:chgData name="Jean-Yves Vuillequez" userId="e7fac481abea6bd0" providerId="LiveId" clId="{79E365E8-22BC-4EC2-9606-9A9AC6CD1D22}" dt="2026-02-13T08:43:03.880" v="387"/>
+          <ac:spMkLst>
+            <pc:docMk/>
+            <pc:sldMk cId="0" sldId="273"/>
+            <ac:spMk id="3" creationId="{72CD330D-D20E-C29F-1030-B07CA8FB1E22}"/>
+          </ac:spMkLst>
+        </pc:spChg>
+        <pc:spChg chg="mod">
+          <ac:chgData name="Jean-Yves Vuillequez" userId="e7fac481abea6bd0" providerId="LiveId" clId="{79E365E8-22BC-4EC2-9606-9A9AC6CD1D22}" dt="2026-02-13T08:45:56.156" v="505" actId="20577"/>
+          <ac:spMkLst>
+            <pc:docMk/>
+            <pc:sldMk cId="0" sldId="273"/>
+            <ac:spMk id="4" creationId="{934AC2C3-F52B-C5FF-763F-9BA14671F247}"/>
+          </ac:spMkLst>
+        </pc:spChg>
+        <pc:spChg chg="mod">
+          <ac:chgData name="Jean-Yves Vuillequez" userId="e7fac481abea6bd0" providerId="LiveId" clId="{79E365E8-22BC-4EC2-9606-9A9AC6CD1D22}" dt="2026-02-13T08:47:14.266" v="578"/>
+          <ac:spMkLst>
+            <pc:docMk/>
+            <pc:sldMk cId="0" sldId="273"/>
+            <ac:spMk id="5" creationId="{8037740E-0A40-6A83-319A-5FA39E9869E9}"/>
+          </ac:spMkLst>
+        </pc:spChg>
+        <pc:spChg chg="mod">
+          <ac:chgData name="Jean-Yves Vuillequez" userId="e7fac481abea6bd0" providerId="LiveId" clId="{79E365E8-22BC-4EC2-9606-9A9AC6CD1D22}" dt="2026-02-13T08:54:02.401" v="747" actId="20577"/>
+          <ac:spMkLst>
+            <pc:docMk/>
+            <pc:sldMk cId="0" sldId="273"/>
+            <ac:spMk id="6" creationId="{66C4B2FB-DF4F-A5D8-D34B-A5DFC80B0AAE}"/>
+          </ac:spMkLst>
+        </pc:spChg>
+        <pc:spChg chg="mod">
+          <ac:chgData name="Jean-Yves Vuillequez" userId="e7fac481abea6bd0" providerId="LiveId" clId="{79E365E8-22BC-4EC2-9606-9A9AC6CD1D22}" dt="2026-02-13T08:47:41.874" v="623" actId="20577"/>
+          <ac:spMkLst>
+            <pc:docMk/>
+            <pc:sldMk cId="0" sldId="273"/>
+            <ac:spMk id="7" creationId="{36B0EDF8-324A-AE11-8539-C4438745B23E}"/>
+          </ac:spMkLst>
+        </pc:spChg>
+        <pc:spChg chg="mod">
+          <ac:chgData name="Jean-Yves Vuillequez" userId="e7fac481abea6bd0" providerId="LiveId" clId="{79E365E8-22BC-4EC2-9606-9A9AC6CD1D22}" dt="2026-02-13T10:23:13.744" v="1252" actId="20577"/>
+          <ac:spMkLst>
+            <pc:docMk/>
+            <pc:sldMk cId="0" sldId="273"/>
+            <ac:spMk id="10" creationId="{96EE234F-B665-A4F2-9A2F-853F31EA1468}"/>
+          </ac:spMkLst>
+        </pc:spChg>
+        <pc:spChg chg="mod">
+          <ac:chgData name="Jean-Yves Vuillequez" userId="e7fac481abea6bd0" providerId="LiveId" clId="{79E365E8-22BC-4EC2-9606-9A9AC6CD1D22}" dt="2026-02-13T08:46:41.423" v="577" actId="20577"/>
+          <ac:spMkLst>
+            <pc:docMk/>
+            <pc:sldMk cId="0" sldId="273"/>
+            <ac:spMk id="15" creationId="{27FA105C-F9B2-33E0-4F88-3ADFE6E4DD5F}"/>
+          </ac:spMkLst>
+        </pc:spChg>
+        <pc:spChg chg="mod">
+          <ac:chgData name="Jean-Yves Vuillequez" userId="e7fac481abea6bd0" providerId="LiveId" clId="{79E365E8-22BC-4EC2-9606-9A9AC6CD1D22}" dt="2026-02-13T08:59:29.758" v="763" actId="20577"/>
+          <ac:spMkLst>
+            <pc:docMk/>
+            <pc:sldMk cId="0" sldId="273"/>
+            <ac:spMk id="16" creationId="{C1BA5EF2-25A6-BC03-ABAC-0B16A10100AE}"/>
+          </ac:spMkLst>
+        </pc:spChg>
+        <pc:spChg chg="mod">
+          <ac:chgData name="Jean-Yves Vuillequez" userId="e7fac481abea6bd0" providerId="LiveId" clId="{79E365E8-22BC-4EC2-9606-9A9AC6CD1D22}" dt="2026-02-13T09:00:42.449" v="780"/>
+          <ac:spMkLst>
+            <pc:docMk/>
+            <pc:sldMk cId="0" sldId="273"/>
+            <ac:spMk id="17" creationId="{3FCD9215-1E91-C227-9A00-9D2E28190AB3}"/>
+          </ac:spMkLst>
+        </pc:spChg>
+        <pc:spChg chg="mod">
+          <ac:chgData name="Jean-Yves Vuillequez" userId="e7fac481abea6bd0" providerId="LiveId" clId="{79E365E8-22BC-4EC2-9606-9A9AC6CD1D22}" dt="2026-02-13T10:21:04.523" v="1251" actId="20577"/>
+          <ac:spMkLst>
+            <pc:docMk/>
+            <pc:sldMk cId="0" sldId="273"/>
+            <ac:spMk id="18" creationId="{16C898BF-E544-3A3A-F1C6-FD6EA5BEBE3E}"/>
+          </ac:spMkLst>
+        </pc:spChg>
+      </pc:sldChg>
+      <pc:sldChg chg="addSp delSp modSp mod delAnim modAnim">
+        <pc:chgData name="Jean-Yves Vuillequez" userId="e7fac481abea6bd0" providerId="LiveId" clId="{79E365E8-22BC-4EC2-9606-9A9AC6CD1D22}" dt="2026-02-13T09:38:54.774" v="1171" actId="14100"/>
+        <pc:sldMkLst>
+          <pc:docMk/>
+          <pc:sldMk cId="1821755839" sldId="274"/>
+        </pc:sldMkLst>
+        <pc:spChg chg="mod">
+          <ac:chgData name="Jean-Yves Vuillequez" userId="e7fac481abea6bd0" providerId="LiveId" clId="{79E365E8-22BC-4EC2-9606-9A9AC6CD1D22}" dt="2026-02-13T08:38:37.084" v="306" actId="1076"/>
+          <ac:spMkLst>
+            <pc:docMk/>
+            <pc:sldMk cId="1821755839" sldId="274"/>
+            <ac:spMk id="3" creationId="{33B23519-5EFA-F17A-CAA2-6EF8A191B3CD}"/>
+          </ac:spMkLst>
+        </pc:spChg>
+        <pc:spChg chg="add mod">
+          <ac:chgData name="Jean-Yves Vuillequez" userId="e7fac481abea6bd0" providerId="LiveId" clId="{79E365E8-22BC-4EC2-9606-9A9AC6CD1D22}" dt="2026-02-13T08:29:44.160" v="126" actId="20577"/>
+          <ac:spMkLst>
+            <pc:docMk/>
+            <pc:sldMk cId="1821755839" sldId="274"/>
+            <ac:spMk id="9" creationId="{64F9F1A5-8DFA-C4D6-D9C6-558B6A625216}"/>
+          </ac:spMkLst>
+        </pc:spChg>
+        <pc:spChg chg="add mod">
+          <ac:chgData name="Jean-Yves Vuillequez" userId="e7fac481abea6bd0" providerId="LiveId" clId="{79E365E8-22BC-4EC2-9606-9A9AC6CD1D22}" dt="2026-02-13T08:29:53.772" v="138" actId="20577"/>
+          <ac:spMkLst>
+            <pc:docMk/>
+            <pc:sldMk cId="1821755839" sldId="274"/>
+            <ac:spMk id="13" creationId="{C5AB8D59-6F7D-6B3A-876B-E5C07C89454A}"/>
+          </ac:spMkLst>
+        </pc:spChg>
+        <pc:spChg chg="mod topLvl">
+          <ac:chgData name="Jean-Yves Vuillequez" userId="e7fac481abea6bd0" providerId="LiveId" clId="{79E365E8-22BC-4EC2-9606-9A9AC6CD1D22}" dt="2026-02-13T08:39:08.841" v="343" actId="20577"/>
+          <ac:spMkLst>
+            <pc:docMk/>
+            <pc:sldMk cId="1821755839" sldId="274"/>
+            <ac:spMk id="31" creationId="{6F47604A-F072-9B2B-A28D-D050592AE8FB}"/>
+          </ac:spMkLst>
+        </pc:spChg>
+        <pc:spChg chg="del mod topLvl">
+          <ac:chgData name="Jean-Yves Vuillequez" userId="e7fac481abea6bd0" providerId="LiveId" clId="{79E365E8-22BC-4EC2-9606-9A9AC6CD1D22}" dt="2026-02-13T08:39:11.730" v="344" actId="478"/>
+          <ac:spMkLst>
+            <pc:docMk/>
+            <pc:sldMk cId="1821755839" sldId="274"/>
+            <ac:spMk id="32" creationId="{746A74A5-8390-A9B2-0686-BA8885C4CDA4}"/>
+          </ac:spMkLst>
+        </pc:spChg>
+        <pc:spChg chg="mod">
+          <ac:chgData name="Jean-Yves Vuillequez" userId="e7fac481abea6bd0" providerId="LiveId" clId="{79E365E8-22BC-4EC2-9606-9A9AC6CD1D22}" dt="2026-02-13T08:37:34.994" v="295" actId="14100"/>
+          <ac:spMkLst>
+            <pc:docMk/>
+            <pc:sldMk cId="1821755839" sldId="274"/>
+            <ac:spMk id="39" creationId="{AEAEB6F6-E6B3-2BA6-860A-9983C6A790DD}"/>
+          </ac:spMkLst>
+        </pc:spChg>
+        <pc:spChg chg="mod">
+          <ac:chgData name="Jean-Yves Vuillequez" userId="e7fac481abea6bd0" providerId="LiveId" clId="{79E365E8-22BC-4EC2-9606-9A9AC6CD1D22}" dt="2026-02-13T08:33:50.356" v="254" actId="1076"/>
+          <ac:spMkLst>
+            <pc:docMk/>
+            <pc:sldMk cId="1821755839" sldId="274"/>
+            <ac:spMk id="47" creationId="{481D51B6-7D43-7926-6891-407782B836DE}"/>
+          </ac:spMkLst>
+        </pc:spChg>
+        <pc:spChg chg="mod">
+          <ac:chgData name="Jean-Yves Vuillequez" userId="e7fac481abea6bd0" providerId="LiveId" clId="{79E365E8-22BC-4EC2-9606-9A9AC6CD1D22}" dt="2026-02-13T08:33:50.356" v="254" actId="1076"/>
+          <ac:spMkLst>
+            <pc:docMk/>
+            <pc:sldMk cId="1821755839" sldId="274"/>
+            <ac:spMk id="48" creationId="{FE31E2F0-6B8A-B0EE-9044-0597F28AE28A}"/>
+          </ac:spMkLst>
+        </pc:spChg>
+        <pc:spChg chg="mod topLvl">
+          <ac:chgData name="Jean-Yves Vuillequez" userId="e7fac481abea6bd0" providerId="LiveId" clId="{79E365E8-22BC-4EC2-9606-9A9AC6CD1D22}" dt="2026-02-13T08:33:50.356" v="254" actId="1076"/>
+          <ac:spMkLst>
+            <pc:docMk/>
+            <pc:sldMk cId="1821755839" sldId="274"/>
+            <ac:spMk id="49" creationId="{8486A803-5325-E4EE-E6D1-9C2310E9372C}"/>
+          </ac:spMkLst>
+        </pc:spChg>
+        <pc:spChg chg="mod topLvl">
+          <ac:chgData name="Jean-Yves Vuillequez" userId="e7fac481abea6bd0" providerId="LiveId" clId="{79E365E8-22BC-4EC2-9606-9A9AC6CD1D22}" dt="2026-02-13T08:33:50.356" v="254" actId="1076"/>
+          <ac:spMkLst>
+            <pc:docMk/>
+            <pc:sldMk cId="1821755839" sldId="274"/>
+            <ac:spMk id="50" creationId="{D45817E9-F26B-F5AC-E969-2DB4F41AE334}"/>
+          </ac:spMkLst>
+        </pc:spChg>
+        <pc:spChg chg="mod">
+          <ac:chgData name="Jean-Yves Vuillequez" userId="e7fac481abea6bd0" providerId="LiveId" clId="{79E365E8-22BC-4EC2-9606-9A9AC6CD1D22}" dt="2026-02-13T08:33:50.356" v="254" actId="1076"/>
+          <ac:spMkLst>
+            <pc:docMk/>
+            <pc:sldMk cId="1821755839" sldId="274"/>
+            <ac:spMk id="52" creationId="{7A45A31B-42CC-CB8B-442E-3576FB243381}"/>
+          </ac:spMkLst>
+        </pc:spChg>
+        <pc:spChg chg="mod topLvl">
+          <ac:chgData name="Jean-Yves Vuillequez" userId="e7fac481abea6bd0" providerId="LiveId" clId="{79E365E8-22BC-4EC2-9606-9A9AC6CD1D22}" dt="2026-02-13T08:38:41.122" v="307" actId="14100"/>
+          <ac:spMkLst>
+            <pc:docMk/>
+            <pc:sldMk cId="1821755839" sldId="274"/>
+            <ac:spMk id="53" creationId="{CF1F8123-FC2A-EF28-8139-FC1D62216C5F}"/>
+          </ac:spMkLst>
+        </pc:spChg>
+        <pc:spChg chg="mod">
+          <ac:chgData name="Jean-Yves Vuillequez" userId="e7fac481abea6bd0" providerId="LiveId" clId="{79E365E8-22BC-4EC2-9606-9A9AC6CD1D22}" dt="2026-02-13T08:32:40.779" v="225" actId="14100"/>
+          <ac:spMkLst>
+            <pc:docMk/>
+            <pc:sldMk cId="1821755839" sldId="274"/>
+            <ac:spMk id="54" creationId="{3E4E5C19-19D1-7DB3-6126-771BB460CA7E}"/>
+          </ac:spMkLst>
+        </pc:spChg>
+        <pc:spChg chg="mod topLvl">
+          <ac:chgData name="Jean-Yves Vuillequez" userId="e7fac481abea6bd0" providerId="LiveId" clId="{79E365E8-22BC-4EC2-9606-9A9AC6CD1D22}" dt="2026-02-13T08:32:38.045" v="224" actId="6549"/>
+          <ac:spMkLst>
+            <pc:docMk/>
+            <pc:sldMk cId="1821755839" sldId="274"/>
+            <ac:spMk id="55" creationId="{C4EB1607-BC4B-15A3-0324-3D29B9154D63}"/>
+          </ac:spMkLst>
+        </pc:spChg>
+        <pc:spChg chg="mod">
+          <ac:chgData name="Jean-Yves Vuillequez" userId="e7fac481abea6bd0" providerId="LiveId" clId="{79E365E8-22BC-4EC2-9606-9A9AC6CD1D22}" dt="2026-02-13T08:32:55.367" v="228" actId="14100"/>
+          <ac:spMkLst>
+            <pc:docMk/>
+            <pc:sldMk cId="1821755839" sldId="274"/>
+            <ac:spMk id="56" creationId="{34BB09D2-59B3-0F52-1024-4F32B01B2F53}"/>
+          </ac:spMkLst>
+        </pc:spChg>
+        <pc:spChg chg="mod">
+          <ac:chgData name="Jean-Yves Vuillequez" userId="e7fac481abea6bd0" providerId="LiveId" clId="{79E365E8-22BC-4EC2-9606-9A9AC6CD1D22}" dt="2026-02-13T08:33:16.731" v="252" actId="20577"/>
+          <ac:spMkLst>
+            <pc:docMk/>
+            <pc:sldMk cId="1821755839" sldId="274"/>
+            <ac:spMk id="57" creationId="{685F5B80-27B1-45A6-3DF8-0CF7271056CC}"/>
+          </ac:spMkLst>
+        </pc:spChg>
+        <pc:spChg chg="del mod topLvl">
+          <ac:chgData name="Jean-Yves Vuillequez" userId="e7fac481abea6bd0" providerId="LiveId" clId="{79E365E8-22BC-4EC2-9606-9A9AC6CD1D22}" dt="2026-02-13T08:28:56.191" v="105" actId="478"/>
+          <ac:spMkLst>
+            <pc:docMk/>
+            <pc:sldMk cId="1821755839" sldId="274"/>
+            <ac:spMk id="58" creationId="{42C67AD7-C645-5367-3E47-6D6A996C5FE8}"/>
+          </ac:spMkLst>
+        </pc:spChg>
+        <pc:spChg chg="del">
+          <ac:chgData name="Jean-Yves Vuillequez" userId="e7fac481abea6bd0" providerId="LiveId" clId="{79E365E8-22BC-4EC2-9606-9A9AC6CD1D22}" dt="2026-02-13T08:28:56.191" v="105" actId="478"/>
+          <ac:spMkLst>
+            <pc:docMk/>
+            <pc:sldMk cId="1821755839" sldId="274"/>
+            <ac:spMk id="67" creationId="{77C37EC6-CDFA-6EF5-9731-EDD14211D90B}"/>
+          </ac:spMkLst>
+        </pc:spChg>
+        <pc:spChg chg="add mod">
+          <ac:chgData name="Jean-Yves Vuillequez" userId="e7fac481abea6bd0" providerId="LiveId" clId="{79E365E8-22BC-4EC2-9606-9A9AC6CD1D22}" dt="2026-02-13T08:33:01.603" v="229" actId="571"/>
+          <ac:spMkLst>
+            <pc:docMk/>
+            <pc:sldMk cId="1821755839" sldId="274"/>
+            <ac:spMk id="69" creationId="{B85D8442-0D2E-AD63-523E-6F120E99781A}"/>
+          </ac:spMkLst>
+        </pc:spChg>
+        <pc:spChg chg="del">
+          <ac:chgData name="Jean-Yves Vuillequez" userId="e7fac481abea6bd0" providerId="LiveId" clId="{79E365E8-22BC-4EC2-9606-9A9AC6CD1D22}" dt="2026-02-13T08:28:56.191" v="105" actId="478"/>
+          <ac:spMkLst>
+            <pc:docMk/>
+            <pc:sldMk cId="1821755839" sldId="274"/>
+            <ac:spMk id="70" creationId="{78E1D7E3-9E06-E6A5-253E-A6CE2A2F1050}"/>
+          </ac:spMkLst>
+        </pc:spChg>
+        <pc:spChg chg="mod">
+          <ac:chgData name="Jean-Yves Vuillequez" userId="e7fac481abea6bd0" providerId="LiveId" clId="{79E365E8-22BC-4EC2-9606-9A9AC6CD1D22}" dt="2026-02-13T08:37:57.958" v="297" actId="208"/>
+          <ac:spMkLst>
+            <pc:docMk/>
+            <pc:sldMk cId="1821755839" sldId="274"/>
+            <ac:spMk id="71" creationId="{E74B2057-34BC-1980-9671-44A128491597}"/>
+          </ac:spMkLst>
+        </pc:spChg>
+        <pc:spChg chg="add mod">
+          <ac:chgData name="Jean-Yves Vuillequez" userId="e7fac481abea6bd0" providerId="LiveId" clId="{79E365E8-22BC-4EC2-9606-9A9AC6CD1D22}" dt="2026-02-13T09:15:12.093" v="874" actId="20577"/>
+          <ac:spMkLst>
+            <pc:docMk/>
+            <pc:sldMk cId="1821755839" sldId="274"/>
+            <ac:spMk id="72" creationId="{860A4D78-736B-6187-48BA-98841BDF3933}"/>
+          </ac:spMkLst>
+        </pc:spChg>
+        <pc:spChg chg="del">
+          <ac:chgData name="Jean-Yves Vuillequez" userId="e7fac481abea6bd0" providerId="LiveId" clId="{79E365E8-22BC-4EC2-9606-9A9AC6CD1D22}" dt="2026-02-13T08:28:56.191" v="105" actId="478"/>
+          <ac:spMkLst>
+            <pc:docMk/>
+            <pc:sldMk cId="1821755839" sldId="274"/>
+            <ac:spMk id="73" creationId="{33C41871-317D-BA64-26E2-EBEE7A51AE73}"/>
+          </ac:spMkLst>
+        </pc:spChg>
+        <pc:spChg chg="del">
+          <ac:chgData name="Jean-Yves Vuillequez" userId="e7fac481abea6bd0" providerId="LiveId" clId="{79E365E8-22BC-4EC2-9606-9A9AC6CD1D22}" dt="2026-02-13T08:31:43.983" v="210" actId="478"/>
+          <ac:spMkLst>
+            <pc:docMk/>
+            <pc:sldMk cId="1821755839" sldId="274"/>
+            <ac:spMk id="76" creationId="{0137AD1F-A369-4FCE-AD69-964680B420B5}"/>
+          </ac:spMkLst>
+        </pc:spChg>
+        <pc:spChg chg="del mod topLvl">
+          <ac:chgData name="Jean-Yves Vuillequez" userId="e7fac481abea6bd0" providerId="LiveId" clId="{79E365E8-22BC-4EC2-9606-9A9AC6CD1D22}" dt="2026-02-13T08:30:08.104" v="141" actId="478"/>
+          <ac:spMkLst>
+            <pc:docMk/>
+            <pc:sldMk cId="1821755839" sldId="274"/>
+            <ac:spMk id="79" creationId="{61FAC2B4-497C-99AF-7507-9699F89C2CB8}"/>
+          </ac:spMkLst>
+        </pc:spChg>
+        <pc:spChg chg="add mod ord">
+          <ac:chgData name="Jean-Yves Vuillequez" userId="e7fac481abea6bd0" providerId="LiveId" clId="{79E365E8-22BC-4EC2-9606-9A9AC6CD1D22}" dt="2026-02-13T08:38:15.601" v="301" actId="1076"/>
+          <ac:spMkLst>
+            <pc:docMk/>
+            <pc:sldMk cId="1821755839" sldId="274"/>
+            <ac:spMk id="98" creationId="{DC03F088-F580-351B-D5FE-5AE0A2FB4E6B}"/>
+          </ac:spMkLst>
+        </pc:spChg>
+        <pc:spChg chg="del mod topLvl">
+          <ac:chgData name="Jean-Yves Vuillequez" userId="e7fac481abea6bd0" providerId="LiveId" clId="{79E365E8-22BC-4EC2-9606-9A9AC6CD1D22}" dt="2026-02-13T08:31:56.978" v="216" actId="478"/>
+          <ac:spMkLst>
+            <pc:docMk/>
+            <pc:sldMk cId="1821755839" sldId="274"/>
+            <ac:spMk id="106" creationId="{70820C9A-B957-87A8-109D-6C661627DA4C}"/>
+          </ac:spMkLst>
+        </pc:spChg>
+        <pc:spChg chg="add mod">
+          <ac:chgData name="Jean-Yves Vuillequez" userId="e7fac481abea6bd0" providerId="LiveId" clId="{79E365E8-22BC-4EC2-9606-9A9AC6CD1D22}" dt="2026-02-13T08:39:14.549" v="345" actId="571"/>
+          <ac:spMkLst>
+            <pc:docMk/>
+            <pc:sldMk cId="1821755839" sldId="274"/>
+            <ac:spMk id="112" creationId="{AD07C0C2-29F2-C798-AE29-8343FB635B5B}"/>
+          </ac:spMkLst>
+        </pc:spChg>
+        <pc:spChg chg="mod topLvl">
+          <ac:chgData name="Jean-Yves Vuillequez" userId="e7fac481abea6bd0" providerId="LiveId" clId="{79E365E8-22BC-4EC2-9606-9A9AC6CD1D22}" dt="2026-02-13T08:28:47.849" v="104" actId="165"/>
+          <ac:spMkLst>
+            <pc:docMk/>
+            <pc:sldMk cId="1821755839" sldId="274"/>
+            <ac:spMk id="1074" creationId="{4162FACA-EA89-9D97-B392-632929E9443D}"/>
+          </ac:spMkLst>
+        </pc:spChg>
+        <pc:grpChg chg="del">
+          <ac:chgData name="Jean-Yves Vuillequez" userId="e7fac481abea6bd0" providerId="LiveId" clId="{79E365E8-22BC-4EC2-9606-9A9AC6CD1D22}" dt="2026-02-13T08:31:24.871" v="205" actId="478"/>
+          <ac:grpSpMkLst>
+            <pc:docMk/>
+            <pc:sldMk cId="1821755839" sldId="274"/>
+            <ac:grpSpMk id="42" creationId="{ABFDE930-E8FD-AEFC-C080-0E20435636B0}"/>
+          </ac:grpSpMkLst>
+        </pc:grpChg>
+        <pc:picChg chg="add mod">
+          <ac:chgData name="Jean-Yves Vuillequez" userId="e7fac481abea6bd0" providerId="LiveId" clId="{79E365E8-22BC-4EC2-9606-9A9AC6CD1D22}" dt="2026-02-13T08:29:15.906" v="109" actId="1076"/>
+          <ac:picMkLst>
+            <pc:docMk/>
+            <pc:sldMk cId="1821755839" sldId="274"/>
+            <ac:picMk id="8" creationId="{055C636B-537D-A701-AA90-857D3A44C126}"/>
+          </ac:picMkLst>
+        </pc:picChg>
+        <pc:picChg chg="add mod">
+          <ac:chgData name="Jean-Yves Vuillequez" userId="e7fac481abea6bd0" providerId="LiveId" clId="{79E365E8-22BC-4EC2-9606-9A9AC6CD1D22}" dt="2026-02-13T08:29:49.080" v="127" actId="571"/>
+          <ac:picMkLst>
+            <pc:docMk/>
+            <pc:sldMk cId="1821755839" sldId="274"/>
+            <ac:picMk id="12" creationId="{27F148E2-4FBF-942E-41DA-700170B49729}"/>
+          </ac:picMkLst>
+        </pc:picChg>
+        <pc:picChg chg="del mod">
+          <ac:chgData name="Jean-Yves Vuillequez" userId="e7fac481abea6bd0" providerId="LiveId" clId="{79E365E8-22BC-4EC2-9606-9A9AC6CD1D22}" dt="2026-02-13T08:29:56.186" v="139" actId="478"/>
+          <ac:picMkLst>
+            <pc:docMk/>
+            <pc:sldMk cId="1821755839" sldId="274"/>
+            <ac:picMk id="20" creationId="{9F92FB23-9D37-AEB9-493C-1E3DAE1913D2}"/>
+          </ac:picMkLst>
+        </pc:picChg>
+        <pc:picChg chg="mod">
+          <ac:chgData name="Jean-Yves Vuillequez" userId="e7fac481abea6bd0" providerId="LiveId" clId="{79E365E8-22BC-4EC2-9606-9A9AC6CD1D22}" dt="2026-02-13T08:35:32.569" v="269" actId="1076"/>
+          <ac:picMkLst>
+            <pc:docMk/>
+            <pc:sldMk cId="1821755839" sldId="274"/>
+            <ac:picMk id="43" creationId="{A31CCBD7-31A9-6123-B61B-FB210F650877}"/>
+          </ac:picMkLst>
+        </pc:picChg>
+        <pc:picChg chg="mod">
+          <ac:chgData name="Jean-Yves Vuillequez" userId="e7fac481abea6bd0" providerId="LiveId" clId="{79E365E8-22BC-4EC2-9606-9A9AC6CD1D22}" dt="2026-02-13T08:33:50.356" v="254" actId="1076"/>
+          <ac:picMkLst>
+            <pc:docMk/>
+            <pc:sldMk cId="1821755839" sldId="274"/>
+            <ac:picMk id="51" creationId="{054FB5AB-F043-1139-CFA8-44C9034D1153}"/>
+          </ac:picMkLst>
+        </pc:picChg>
+        <pc:picChg chg="del mod">
+          <ac:chgData name="Jean-Yves Vuillequez" userId="e7fac481abea6bd0" providerId="LiveId" clId="{79E365E8-22BC-4EC2-9606-9A9AC6CD1D22}" dt="2026-02-13T08:31:43.259" v="209" actId="478"/>
+          <ac:picMkLst>
+            <pc:docMk/>
+            <pc:sldMk cId="1821755839" sldId="274"/>
+            <ac:picMk id="62" creationId="{C5C7BA9B-2B99-4B7A-7436-5F82DE29B981}"/>
+          </ac:picMkLst>
+        </pc:picChg>
+        <pc:picChg chg="del">
+          <ac:chgData name="Jean-Yves Vuillequez" userId="e7fac481abea6bd0" providerId="LiveId" clId="{79E365E8-22BC-4EC2-9606-9A9AC6CD1D22}" dt="2026-02-13T08:28:56.191" v="105" actId="478"/>
+          <ac:picMkLst>
+            <pc:docMk/>
+            <pc:sldMk cId="1821755839" sldId="274"/>
+            <ac:picMk id="65" creationId="{976AB5B9-1D61-B29C-C9DE-9051A31E8E27}"/>
+          </ac:picMkLst>
+        </pc:picChg>
+        <pc:picChg chg="del">
+          <ac:chgData name="Jean-Yves Vuillequez" userId="e7fac481abea6bd0" providerId="LiveId" clId="{79E365E8-22BC-4EC2-9606-9A9AC6CD1D22}" dt="2026-02-13T08:28:56.191" v="105" actId="478"/>
+          <ac:picMkLst>
+            <pc:docMk/>
+            <pc:sldMk cId="1821755839" sldId="274"/>
+            <ac:picMk id="68" creationId="{6A1FE08D-DF15-8940-EAA5-98ED76914736}"/>
+          </ac:picMkLst>
+        </pc:picChg>
+        <pc:picChg chg="del">
+          <ac:chgData name="Jean-Yves Vuillequez" userId="e7fac481abea6bd0" providerId="LiveId" clId="{79E365E8-22BC-4EC2-9606-9A9AC6CD1D22}" dt="2026-02-13T08:29:57.200" v="140" actId="478"/>
+          <ac:picMkLst>
+            <pc:docMk/>
+            <pc:sldMk cId="1821755839" sldId="274"/>
+            <ac:picMk id="80" creationId="{FEC09453-8329-B943-E8CD-D18A9746E3DE}"/>
+          </ac:picMkLst>
+        </pc:picChg>
+        <pc:picChg chg="del">
+          <ac:chgData name="Jean-Yves Vuillequez" userId="e7fac481abea6bd0" providerId="LiveId" clId="{79E365E8-22BC-4EC2-9606-9A9AC6CD1D22}" dt="2026-02-13T08:31:56.978" v="216" actId="478"/>
+          <ac:picMkLst>
+            <pc:docMk/>
+            <pc:sldMk cId="1821755839" sldId="274"/>
+            <ac:picMk id="107" creationId="{9E201599-7D6B-4671-395A-AB9C1CE55DB4}"/>
+          </ac:picMkLst>
+        </pc:picChg>
+        <pc:picChg chg="mod">
+          <ac:chgData name="Jean-Yves Vuillequez" userId="e7fac481abea6bd0" providerId="LiveId" clId="{79E365E8-22BC-4EC2-9606-9A9AC6CD1D22}" dt="2026-02-13T08:34:13.676" v="257" actId="14100"/>
+          <ac:picMkLst>
+            <pc:docMk/>
+            <pc:sldMk cId="1821755839" sldId="274"/>
+            <ac:picMk id="116" creationId="{B7DCCBAF-8A38-3C4F-0798-30A393D5D283}"/>
+          </ac:picMkLst>
+        </pc:picChg>
+        <pc:picChg chg="mod">
+          <ac:chgData name="Jean-Yves Vuillequez" userId="e7fac481abea6bd0" providerId="LiveId" clId="{79E365E8-22BC-4EC2-9606-9A9AC6CD1D22}" dt="2026-02-13T08:34:09.341" v="256" actId="14100"/>
+          <ac:picMkLst>
+            <pc:docMk/>
+            <pc:sldMk cId="1821755839" sldId="274"/>
+            <ac:picMk id="117" creationId="{B3747ED9-0378-A202-7151-54782D96CF66}"/>
+          </ac:picMkLst>
+        </pc:picChg>
+        <pc:picChg chg="del">
+          <ac:chgData name="Jean-Yves Vuillequez" userId="e7fac481abea6bd0" providerId="LiveId" clId="{79E365E8-22BC-4EC2-9606-9A9AC6CD1D22}" dt="2026-02-13T08:28:56.191" v="105" actId="478"/>
+          <ac:picMkLst>
+            <pc:docMk/>
+            <pc:sldMk cId="1821755839" sldId="274"/>
+            <ac:picMk id="1026" creationId="{923FE2F2-F305-A7CE-975B-2A2BA912E4B7}"/>
+          </ac:picMkLst>
+        </pc:picChg>
+        <pc:picChg chg="del">
+          <ac:chgData name="Jean-Yves Vuillequez" userId="e7fac481abea6bd0" providerId="LiveId" clId="{79E365E8-22BC-4EC2-9606-9A9AC6CD1D22}" dt="2026-02-13T08:28:56.191" v="105" actId="478"/>
+          <ac:picMkLst>
+            <pc:docMk/>
+            <pc:sldMk cId="1821755839" sldId="274"/>
+            <ac:picMk id="1028" creationId="{D0C03EA7-EAD6-1A33-21AE-920B9121582F}"/>
+          </ac:picMkLst>
+        </pc:picChg>
+        <pc:picChg chg="del">
+          <ac:chgData name="Jean-Yves Vuillequez" userId="e7fac481abea6bd0" providerId="LiveId" clId="{79E365E8-22BC-4EC2-9606-9A9AC6CD1D22}" dt="2026-02-13T08:28:56.191" v="105" actId="478"/>
+          <ac:picMkLst>
+            <pc:docMk/>
+            <pc:sldMk cId="1821755839" sldId="274"/>
+            <ac:picMk id="1030" creationId="{2941D76B-6840-C572-907F-F3680B66EBF7}"/>
+          </ac:picMkLst>
+        </pc:picChg>
+        <pc:picChg chg="mod">
+          <ac:chgData name="Jean-Yves Vuillequez" userId="e7fac481abea6bd0" providerId="LiveId" clId="{79E365E8-22BC-4EC2-9606-9A9AC6CD1D22}" dt="2026-02-13T08:31:38.325" v="206" actId="1076"/>
+          <ac:picMkLst>
+            <pc:docMk/>
+            <pc:sldMk cId="1821755839" sldId="274"/>
+            <ac:picMk id="1033" creationId="{FD816D59-77CA-1E04-DAC5-C8410FAC6198}"/>
+          </ac:picMkLst>
+        </pc:picChg>
+        <pc:picChg chg="mod">
+          <ac:chgData name="Jean-Yves Vuillequez" userId="e7fac481abea6bd0" providerId="LiveId" clId="{79E365E8-22BC-4EC2-9606-9A9AC6CD1D22}" dt="2026-02-13T08:33:50.356" v="254" actId="1076"/>
+          <ac:picMkLst>
+            <pc:docMk/>
+            <pc:sldMk cId="1821755839" sldId="274"/>
+            <ac:picMk id="1036" creationId="{135630BC-F5F0-17C1-438A-A312C16997F8}"/>
+          </ac:picMkLst>
+        </pc:picChg>
+        <pc:picChg chg="mod">
+          <ac:chgData name="Jean-Yves Vuillequez" userId="e7fac481abea6bd0" providerId="LiveId" clId="{79E365E8-22BC-4EC2-9606-9A9AC6CD1D22}" dt="2026-02-13T08:33:50.356" v="254" actId="1076"/>
+          <ac:picMkLst>
+            <pc:docMk/>
+            <pc:sldMk cId="1821755839" sldId="274"/>
+            <ac:picMk id="1038" creationId="{1B3822DD-A0E9-A37F-0DE9-40781F1C3DF4}"/>
+          </ac:picMkLst>
+        </pc:picChg>
+        <pc:picChg chg="mod">
+          <ac:chgData name="Jean-Yves Vuillequez" userId="e7fac481abea6bd0" providerId="LiveId" clId="{79E365E8-22BC-4EC2-9606-9A9AC6CD1D22}" dt="2026-02-13T08:33:50.356" v="254" actId="1076"/>
+          <ac:picMkLst>
+            <pc:docMk/>
+            <pc:sldMk cId="1821755839" sldId="274"/>
+            <ac:picMk id="2054" creationId="{A2294E8E-D08B-505D-5B9D-D8788A9CD32B}"/>
+          </ac:picMkLst>
+        </pc:picChg>
+        <pc:cxnChg chg="mod">
+          <ac:chgData name="Jean-Yves Vuillequez" userId="e7fac481abea6bd0" providerId="LiveId" clId="{79E365E8-22BC-4EC2-9606-9A9AC6CD1D22}" dt="2026-02-13T08:31:38.325" v="206" actId="1076"/>
+          <ac:cxnSpMkLst>
+            <pc:docMk/>
+            <pc:sldMk cId="1821755839" sldId="274"/>
+            <ac:cxnSpMk id="10" creationId="{A34EFFD9-2B7F-223F-36C3-4CCC46291479}"/>
+          </ac:cxnSpMkLst>
+        </pc:cxnChg>
+        <pc:cxnChg chg="mod">
+          <ac:chgData name="Jean-Yves Vuillequez" userId="e7fac481abea6bd0" providerId="LiveId" clId="{79E365E8-22BC-4EC2-9606-9A9AC6CD1D22}" dt="2026-02-13T08:34:13.676" v="257" actId="14100"/>
+          <ac:cxnSpMkLst>
+            <pc:docMk/>
+            <pc:sldMk cId="1821755839" sldId="274"/>
+            <ac:cxnSpMk id="11" creationId="{D8A48580-543E-68C9-355D-6C2F58EACB96}"/>
+          </ac:cxnSpMkLst>
+        </pc:cxnChg>
+        <pc:cxnChg chg="del mod">
+          <ac:chgData name="Jean-Yves Vuillequez" userId="e7fac481abea6bd0" providerId="LiveId" clId="{79E365E8-22BC-4EC2-9606-9A9AC6CD1D22}" dt="2026-02-13T08:33:30.864" v="253" actId="478"/>
+          <ac:cxnSpMkLst>
+            <pc:docMk/>
+            <pc:sldMk cId="1821755839" sldId="274"/>
+            <ac:cxnSpMk id="17" creationId="{E363E85D-958E-F6A6-C279-98695543B49C}"/>
+          </ac:cxnSpMkLst>
+        </pc:cxnChg>
+        <pc:cxnChg chg="mod">
+          <ac:chgData name="Jean-Yves Vuillequez" userId="e7fac481abea6bd0" providerId="LiveId" clId="{79E365E8-22BC-4EC2-9606-9A9AC6CD1D22}" dt="2026-02-13T08:34:09.341" v="256" actId="14100"/>
+          <ac:cxnSpMkLst>
+            <pc:docMk/>
+            <pc:sldMk cId="1821755839" sldId="274"/>
+            <ac:cxnSpMk id="19" creationId="{7965C0EE-9642-2EA9-734C-AF9138078030}"/>
+          </ac:cxnSpMkLst>
+        </pc:cxnChg>
+        <pc:cxnChg chg="del mod">
+          <ac:chgData name="Jean-Yves Vuillequez" userId="e7fac481abea6bd0" providerId="LiveId" clId="{79E365E8-22BC-4EC2-9606-9A9AC6CD1D22}" dt="2026-02-13T08:30:09.085" v="142" actId="478"/>
+          <ac:cxnSpMkLst>
+            <pc:docMk/>
+            <pc:sldMk cId="1821755839" sldId="274"/>
+            <ac:cxnSpMk id="24" creationId="{9AD6B91C-AEA0-8BCF-42B4-76BEC72FDE00}"/>
+          </ac:cxnSpMkLst>
+        </pc:cxnChg>
+        <pc:cxnChg chg="add del">
+          <ac:chgData name="Jean-Yves Vuillequez" userId="e7fac481abea6bd0" providerId="LiveId" clId="{79E365E8-22BC-4EC2-9606-9A9AC6CD1D22}" dt="2026-02-13T08:38:09.880" v="300" actId="478"/>
+          <ac:cxnSpMkLst>
+            <pc:docMk/>
+            <pc:sldMk cId="1821755839" sldId="274"/>
+            <ac:cxnSpMk id="29" creationId="{2F5C326A-12BF-B849-9176-2CB67D7A7ED9}"/>
+          </ac:cxnSpMkLst>
+        </pc:cxnChg>
+        <pc:cxnChg chg="add del mod">
+          <ac:chgData name="Jean-Yves Vuillequez" userId="e7fac481abea6bd0" providerId="LiveId" clId="{79E365E8-22BC-4EC2-9606-9A9AC6CD1D22}" dt="2026-02-13T08:36:10.282" v="275" actId="478"/>
+          <ac:cxnSpMkLst>
+            <pc:docMk/>
+            <pc:sldMk cId="1821755839" sldId="274"/>
+            <ac:cxnSpMk id="81" creationId="{FC76976E-C367-0F5C-901A-FBD9A8781F4A}"/>
+          </ac:cxnSpMkLst>
+        </pc:cxnChg>
+        <pc:cxnChg chg="mod">
+          <ac:chgData name="Jean-Yves Vuillequez" userId="e7fac481abea6bd0" providerId="LiveId" clId="{79E365E8-22BC-4EC2-9606-9A9AC6CD1D22}" dt="2026-02-13T09:38:54.774" v="1171" actId="14100"/>
+          <ac:cxnSpMkLst>
+            <pc:docMk/>
+            <pc:sldMk cId="1821755839" sldId="274"/>
+            <ac:cxnSpMk id="84" creationId="{9FB5173D-B04A-5921-8DF1-AA3A6807A99D}"/>
+          </ac:cxnSpMkLst>
+        </pc:cxnChg>
+        <pc:cxnChg chg="add del mod">
+          <ac:chgData name="Jean-Yves Vuillequez" userId="e7fac481abea6bd0" providerId="LiveId" clId="{79E365E8-22BC-4EC2-9606-9A9AC6CD1D22}" dt="2026-02-13T08:39:40.939" v="350" actId="478"/>
+          <ac:cxnSpMkLst>
+            <pc:docMk/>
+            <pc:sldMk cId="1821755839" sldId="274"/>
+            <ac:cxnSpMk id="100" creationId="{0EE1CCCA-C07E-48C1-C999-B9450B020818}"/>
+          </ac:cxnSpMkLst>
+        </pc:cxnChg>
+        <pc:cxnChg chg="del">
+          <ac:chgData name="Jean-Yves Vuillequez" userId="e7fac481abea6bd0" providerId="LiveId" clId="{79E365E8-22BC-4EC2-9606-9A9AC6CD1D22}" dt="2026-02-13T08:39:22.362" v="346" actId="478"/>
+          <ac:cxnSpMkLst>
+            <pc:docMk/>
+            <pc:sldMk cId="1821755839" sldId="274"/>
+            <ac:cxnSpMk id="108" creationId="{8FC538F3-E888-6C1B-940B-D6B968D8FCEE}"/>
+          </ac:cxnSpMkLst>
+        </pc:cxnChg>
+        <pc:cxnChg chg="add mod">
+          <ac:chgData name="Jean-Yves Vuillequez" userId="e7fac481abea6bd0" providerId="LiveId" clId="{79E365E8-22BC-4EC2-9606-9A9AC6CD1D22}" dt="2026-02-13T08:40:21.119" v="354" actId="1582"/>
+          <ac:cxnSpMkLst>
+            <pc:docMk/>
+            <pc:sldMk cId="1821755839" sldId="274"/>
+            <ac:cxnSpMk id="115" creationId="{1267B070-CF6F-C2A5-B016-B08943C892F5}"/>
+          </ac:cxnSpMkLst>
+        </pc:cxnChg>
+        <pc:cxnChg chg="add mod">
+          <ac:chgData name="Jean-Yves Vuillequez" userId="e7fac481abea6bd0" providerId="LiveId" clId="{79E365E8-22BC-4EC2-9606-9A9AC6CD1D22}" dt="2026-02-13T08:41:08.575" v="363" actId="108"/>
+          <ac:cxnSpMkLst>
+            <pc:docMk/>
+            <pc:sldMk cId="1821755839" sldId="274"/>
+            <ac:cxnSpMk id="119" creationId="{E97E0388-36EE-975B-25B8-E036BF3C150B}"/>
+          </ac:cxnSpMkLst>
+        </pc:cxnChg>
+        <pc:cxnChg chg="add del mod">
+          <ac:chgData name="Jean-Yves Vuillequez" userId="e7fac481abea6bd0" providerId="LiveId" clId="{79E365E8-22BC-4EC2-9606-9A9AC6CD1D22}" dt="2026-02-13T09:15:34.578" v="875" actId="478"/>
+          <ac:cxnSpMkLst>
+            <pc:docMk/>
+            <pc:sldMk cId="1821755839" sldId="274"/>
+            <ac:cxnSpMk id="124" creationId="{A7B5573C-DF75-7438-CE39-C65DB3BE03CB}"/>
+          </ac:cxnSpMkLst>
+        </pc:cxnChg>
+        <pc:cxnChg chg="add mod">
+          <ac:chgData name="Jean-Yves Vuillequez" userId="e7fac481abea6bd0" providerId="LiveId" clId="{79E365E8-22BC-4EC2-9606-9A9AC6CD1D22}" dt="2026-02-13T09:15:50.778" v="879" actId="208"/>
+          <ac:cxnSpMkLst>
+            <pc:docMk/>
+            <pc:sldMk cId="1821755839" sldId="274"/>
+            <ac:cxnSpMk id="126" creationId="{1B5C4A46-BA60-0270-5319-66310D068110}"/>
+          </ac:cxnSpMkLst>
+        </pc:cxnChg>
+        <pc:cxnChg chg="mod">
+          <ac:chgData name="Jean-Yves Vuillequez" userId="e7fac481abea6bd0" providerId="LiveId" clId="{79E365E8-22BC-4EC2-9606-9A9AC6CD1D22}" dt="2026-02-13T08:38:29.167" v="304" actId="14100"/>
+          <ac:cxnSpMkLst>
+            <pc:docMk/>
+            <pc:sldMk cId="1821755839" sldId="274"/>
+            <ac:cxnSpMk id="1029" creationId="{0E52F53C-5DBE-6D5C-C0A2-D6081CFAB7CB}"/>
+          </ac:cxnSpMkLst>
+        </pc:cxnChg>
+        <pc:cxnChg chg="mod">
+          <ac:chgData name="Jean-Yves Vuillequez" userId="e7fac481abea6bd0" providerId="LiveId" clId="{79E365E8-22BC-4EC2-9606-9A9AC6CD1D22}" dt="2026-02-13T08:40:31.850" v="355" actId="108"/>
+          <ac:cxnSpMkLst>
+            <pc:docMk/>
+            <pc:sldMk cId="1821755839" sldId="274"/>
+            <ac:cxnSpMk id="1046" creationId="{F59A3777-3D90-7CA7-F89E-8874DA5F6283}"/>
+          </ac:cxnSpMkLst>
+        </pc:cxnChg>
+        <pc:cxnChg chg="del mod">
+          <ac:chgData name="Jean-Yves Vuillequez" userId="e7fac481abea6bd0" providerId="LiveId" clId="{79E365E8-22BC-4EC2-9606-9A9AC6CD1D22}" dt="2026-02-13T08:40:43.996" v="357" actId="478"/>
+          <ac:cxnSpMkLst>
+            <pc:docMk/>
+            <pc:sldMk cId="1821755839" sldId="274"/>
+            <ac:cxnSpMk id="1062" creationId="{0CF073E9-1859-B299-0281-F152BD635678}"/>
+          </ac:cxnSpMkLst>
+        </pc:cxnChg>
+        <pc:cxnChg chg="mod">
+          <ac:chgData name="Jean-Yves Vuillequez" userId="e7fac481abea6bd0" providerId="LiveId" clId="{79E365E8-22BC-4EC2-9606-9A9AC6CD1D22}" dt="2026-02-13T08:40:34.402" v="356" actId="108"/>
+          <ac:cxnSpMkLst>
+            <pc:docMk/>
+            <pc:sldMk cId="1821755839" sldId="274"/>
+            <ac:cxnSpMk id="1068" creationId="{3FF98031-1DCE-7770-7F38-10F134A37AB2}"/>
+          </ac:cxnSpMkLst>
+        </pc:cxnChg>
+        <pc:cxnChg chg="del mod">
+          <ac:chgData name="Jean-Yves Vuillequez" userId="e7fac481abea6bd0" providerId="LiveId" clId="{79E365E8-22BC-4EC2-9606-9A9AC6CD1D22}" dt="2026-02-13T08:41:19.290" v="365" actId="478"/>
+          <ac:cxnSpMkLst>
+            <pc:docMk/>
+            <pc:sldMk cId="1821755839" sldId="274"/>
+            <ac:cxnSpMk id="1075" creationId="{EB70B985-2508-613E-3824-FAD3BB6966AC}"/>
+          </ac:cxnSpMkLst>
+        </pc:cxnChg>
+      </pc:sldChg>
+      <pc:sldChg chg="modSp mod">
+        <pc:chgData name="Jean-Yves Vuillequez" userId="e7fac481abea6bd0" providerId="LiveId" clId="{79E365E8-22BC-4EC2-9606-9A9AC6CD1D22}" dt="2026-02-13T10:11:14.523" v="1238" actId="20577"/>
+        <pc:sldMkLst>
+          <pc:docMk/>
+          <pc:sldMk cId="4088050223" sldId="275"/>
+        </pc:sldMkLst>
+        <pc:spChg chg="mod">
+          <ac:chgData name="Jean-Yves Vuillequez" userId="e7fac481abea6bd0" providerId="LiveId" clId="{79E365E8-22BC-4EC2-9606-9A9AC6CD1D22}" dt="2026-02-13T10:11:14.523" v="1238" actId="20577"/>
+          <ac:spMkLst>
+            <pc:docMk/>
+            <pc:sldMk cId="4088050223" sldId="275"/>
+            <ac:spMk id="4" creationId="{9EF8D937-D220-A74B-8191-12E681FE1A08}"/>
+          </ac:spMkLst>
+        </pc:spChg>
+      </pc:sldChg>
+      <pc:sldChg chg="addSp delSp modSp add mod">
+        <pc:chgData name="Jean-Yves Vuillequez" userId="e7fac481abea6bd0" providerId="LiveId" clId="{79E365E8-22BC-4EC2-9606-9A9AC6CD1D22}" dt="2026-02-13T09:24:56.897" v="1055" actId="20577"/>
+        <pc:sldMkLst>
+          <pc:docMk/>
+          <pc:sldMk cId="1145705647" sldId="276"/>
+        </pc:sldMkLst>
+        <pc:spChg chg="mod">
+          <ac:chgData name="Jean-Yves Vuillequez" userId="e7fac481abea6bd0" providerId="LiveId" clId="{79E365E8-22BC-4EC2-9606-9A9AC6CD1D22}" dt="2026-02-13T09:24:56.897" v="1055" actId="20577"/>
+          <ac:spMkLst>
+            <pc:docMk/>
+            <pc:sldMk cId="1145705647" sldId="276"/>
+            <ac:spMk id="4" creationId="{35334BC7-7CE9-9006-FA04-F168399E6CE1}"/>
+          </ac:spMkLst>
+        </pc:spChg>
+        <pc:spChg chg="mod">
+          <ac:chgData name="Jean-Yves Vuillequez" userId="e7fac481abea6bd0" providerId="LiveId" clId="{79E365E8-22BC-4EC2-9606-9A9AC6CD1D22}" dt="2026-02-13T08:48:56.977" v="730" actId="20577"/>
+          <ac:spMkLst>
+            <pc:docMk/>
+            <pc:sldMk cId="1145705647" sldId="276"/>
+            <ac:spMk id="68" creationId="{373F4759-A2CD-EDAF-80BD-3BC77DD2BFBB}"/>
+          </ac:spMkLst>
+        </pc:spChg>
+        <pc:picChg chg="add mod modCrop">
+          <ac:chgData name="Jean-Yves Vuillequez" userId="e7fac481abea6bd0" providerId="LiveId" clId="{79E365E8-22BC-4EC2-9606-9A9AC6CD1D22}" dt="2026-02-13T09:20:18.523" v="918" actId="732"/>
+          <ac:picMkLst>
+            <pc:docMk/>
+            <pc:sldMk cId="1145705647" sldId="276"/>
+            <ac:picMk id="5" creationId="{4EB7F8CD-546E-CADC-8391-0D9C99C54CDD}"/>
+          </ac:picMkLst>
+        </pc:picChg>
+        <pc:picChg chg="add mod">
+          <ac:chgData name="Jean-Yves Vuillequez" userId="e7fac481abea6bd0" providerId="LiveId" clId="{79E365E8-22BC-4EC2-9606-9A9AC6CD1D22}" dt="2026-02-13T09:20:20.398" v="919" actId="1076"/>
+          <ac:picMkLst>
+            <pc:docMk/>
+            <pc:sldMk cId="1145705647" sldId="276"/>
+            <ac:picMk id="7" creationId="{557275E3-16F4-A0C6-D032-B9431F2D2C82}"/>
+          </ac:picMkLst>
+        </pc:picChg>
+        <pc:picChg chg="add del mod">
+          <ac:chgData name="Jean-Yves Vuillequez" userId="e7fac481abea6bd0" providerId="LiveId" clId="{79E365E8-22BC-4EC2-9606-9A9AC6CD1D22}" dt="2026-02-13T09:19:51.924" v="908" actId="478"/>
+          <ac:picMkLst>
+            <pc:docMk/>
+            <pc:sldMk cId="1145705647" sldId="276"/>
+            <ac:picMk id="9" creationId="{6DD6E345-0239-25F7-2B2F-84F941B154C3}"/>
+          </ac:picMkLst>
+        </pc:picChg>
+        <pc:picChg chg="add mod">
+          <ac:chgData name="Jean-Yves Vuillequez" userId="e7fac481abea6bd0" providerId="LiveId" clId="{79E365E8-22BC-4EC2-9606-9A9AC6CD1D22}" dt="2026-02-13T09:20:22.597" v="920" actId="1076"/>
+          <ac:picMkLst>
+            <pc:docMk/>
+            <pc:sldMk cId="1145705647" sldId="276"/>
+            <ac:picMk id="11" creationId="{5C45AD1C-D185-F954-A183-6A9B1E7EC213}"/>
+          </ac:picMkLst>
+        </pc:picChg>
+      </pc:sldChg>
+      <pc:sldChg chg="addSp delSp modSp add mod">
+        <pc:chgData name="Jean-Yves Vuillequez" userId="e7fac481abea6bd0" providerId="LiveId" clId="{79E365E8-22BC-4EC2-9606-9A9AC6CD1D22}" dt="2026-02-13T09:36:41.457" v="1168" actId="21"/>
+        <pc:sldMkLst>
+          <pc:docMk/>
+          <pc:sldMk cId="2107912005" sldId="277"/>
+        </pc:sldMkLst>
+        <pc:spChg chg="del">
+          <ac:chgData name="Jean-Yves Vuillequez" userId="e7fac481abea6bd0" providerId="LiveId" clId="{79E365E8-22BC-4EC2-9606-9A9AC6CD1D22}" dt="2026-02-13T09:28:58.584" v="1078" actId="478"/>
+          <ac:spMkLst>
+            <pc:docMk/>
+            <pc:sldMk cId="2107912005" sldId="277"/>
+            <ac:spMk id="3" creationId="{491AAF62-E856-A4D7-0D69-0BB5A6DABEE1}"/>
+          </ac:spMkLst>
+        </pc:spChg>
+        <pc:spChg chg="del">
+          <ac:chgData name="Jean-Yves Vuillequez" userId="e7fac481abea6bd0" providerId="LiveId" clId="{79E365E8-22BC-4EC2-9606-9A9AC6CD1D22}" dt="2026-02-13T09:28:58.584" v="1078" actId="478"/>
+          <ac:spMkLst>
+            <pc:docMk/>
+            <pc:sldMk cId="2107912005" sldId="277"/>
+            <ac:spMk id="4" creationId="{CDC63EAC-20BE-C497-69CF-D34AB089BCF3}"/>
+          </ac:spMkLst>
+        </pc:spChg>
+        <pc:spChg chg="add mod">
+          <ac:chgData name="Jean-Yves Vuillequez" userId="e7fac481abea6bd0" providerId="LiveId" clId="{79E365E8-22BC-4EC2-9606-9A9AC6CD1D22}" dt="2026-02-13T09:31:33.165" v="1153"/>
+          <ac:spMkLst>
+            <pc:docMk/>
+            <pc:sldMk cId="2107912005" sldId="277"/>
+            <ac:spMk id="10" creationId="{23E6AFAA-9BC1-0914-791C-D884B954631B}"/>
+          </ac:spMkLst>
+        </pc:spChg>
+        <pc:spChg chg="add mod">
+          <ac:chgData name="Jean-Yves Vuillequez" userId="e7fac481abea6bd0" providerId="LiveId" clId="{79E365E8-22BC-4EC2-9606-9A9AC6CD1D22}" dt="2026-02-13T09:31:33.165" v="1153"/>
+          <ac:spMkLst>
+            <pc:docMk/>
+            <pc:sldMk cId="2107912005" sldId="277"/>
+            <ac:spMk id="11" creationId="{1D2FD86F-6877-09B6-1686-CCBF523EB58C}"/>
+          </ac:spMkLst>
+        </pc:spChg>
+        <pc:spChg chg="mod">
+          <ac:chgData name="Jean-Yves Vuillequez" userId="e7fac481abea6bd0" providerId="LiveId" clId="{79E365E8-22BC-4EC2-9606-9A9AC6CD1D22}" dt="2026-02-13T09:30:34.839" v="1140" actId="404"/>
+          <ac:spMkLst>
+            <pc:docMk/>
+            <pc:sldMk cId="2107912005" sldId="277"/>
+            <ac:spMk id="68" creationId="{C8E59089-9931-0EEA-4167-03A5C67E7DA0}"/>
+          </ac:spMkLst>
+        </pc:spChg>
+        <pc:picChg chg="add del mod">
+          <ac:chgData name="Jean-Yves Vuillequez" userId="e7fac481abea6bd0" providerId="LiveId" clId="{79E365E8-22BC-4EC2-9606-9A9AC6CD1D22}" dt="2026-02-13T09:28:41.935" v="1070" actId="478"/>
+          <ac:picMkLst>
+            <pc:docMk/>
+            <pc:sldMk cId="2107912005" sldId="277"/>
+            <ac:picMk id="5" creationId="{A265AAFC-644F-BD00-842E-A15CEC1FE551}"/>
+          </ac:picMkLst>
+        </pc:picChg>
+        <pc:picChg chg="add del mod">
+          <ac:chgData name="Jean-Yves Vuillequez" userId="e7fac481abea6bd0" providerId="LiveId" clId="{79E365E8-22BC-4EC2-9606-9A9AC6CD1D22}" dt="2026-02-13T09:36:41.457" v="1168" actId="21"/>
+          <ac:picMkLst>
+            <pc:docMk/>
+            <pc:sldMk cId="2107912005" sldId="277"/>
+            <ac:picMk id="7" creationId="{7E637A6D-C0E5-AC45-E631-3BF952354540}"/>
+          </ac:picMkLst>
+        </pc:picChg>
+        <pc:picChg chg="add del mod">
+          <ac:chgData name="Jean-Yves Vuillequez" userId="e7fac481abea6bd0" providerId="LiveId" clId="{79E365E8-22BC-4EC2-9606-9A9AC6CD1D22}" dt="2026-02-13T09:36:41.457" v="1168" actId="21"/>
+          <ac:picMkLst>
+            <pc:docMk/>
+            <pc:sldMk cId="2107912005" sldId="277"/>
+            <ac:picMk id="9" creationId="{1A0AB63B-555A-7D1A-20F0-9FCD1055C02B}"/>
+          </ac:picMkLst>
+        </pc:picChg>
+        <pc:picChg chg="add mod">
+          <ac:chgData name="Jean-Yves Vuillequez" userId="e7fac481abea6bd0" providerId="LiveId" clId="{79E365E8-22BC-4EC2-9606-9A9AC6CD1D22}" dt="2026-02-13T09:36:30.762" v="1166"/>
+          <ac:picMkLst>
+            <pc:docMk/>
+            <pc:sldMk cId="2107912005" sldId="277"/>
+            <ac:picMk id="13" creationId="{F3C6359D-E14F-1674-3833-509A84A27A73}"/>
+          </ac:picMkLst>
+        </pc:picChg>
+        <pc:cxnChg chg="add mod">
+          <ac:chgData name="Jean-Yves Vuillequez" userId="e7fac481abea6bd0" providerId="LiveId" clId="{79E365E8-22BC-4EC2-9606-9A9AC6CD1D22}" dt="2026-02-13T09:31:33.165" v="1153"/>
+          <ac:cxnSpMkLst>
+            <pc:docMk/>
+            <pc:sldMk cId="2107912005" sldId="277"/>
+            <ac:cxnSpMk id="12" creationId="{7D0670E8-91DF-AB3D-821A-69F5771C4A09}"/>
+          </ac:cxnSpMkLst>
+        </pc:cxnChg>
+      </pc:sldChg>
+      <pc:sldChg chg="addSp delSp modSp add mod ord">
+        <pc:chgData name="Jean-Yves Vuillequez" userId="e7fac481abea6bd0" providerId="LiveId" clId="{79E365E8-22BC-4EC2-9606-9A9AC6CD1D22}" dt="2026-02-13T09:36:47.422" v="1170"/>
+        <pc:sldMkLst>
+          <pc:docMk/>
+          <pc:sldMk cId="2756220791" sldId="278"/>
+        </pc:sldMkLst>
+        <pc:spChg chg="add mod">
+          <ac:chgData name="Jean-Yves Vuillequez" userId="e7fac481abea6bd0" providerId="LiveId" clId="{79E365E8-22BC-4EC2-9606-9A9AC6CD1D22}" dt="2026-02-13T09:31:09.500" v="1152"/>
+          <ac:spMkLst>
+            <pc:docMk/>
+            <pc:sldMk cId="2756220791" sldId="278"/>
+            <ac:spMk id="2" creationId="{C3B9E2E9-8FB5-90C8-A5F4-876A7165890C}"/>
+          </ac:spMkLst>
+        </pc:spChg>
+        <pc:spChg chg="add mod">
+          <ac:chgData name="Jean-Yves Vuillequez" userId="e7fac481abea6bd0" providerId="LiveId" clId="{79E365E8-22BC-4EC2-9606-9A9AC6CD1D22}" dt="2026-02-13T09:31:09.500" v="1152"/>
+          <ac:spMkLst>
+            <pc:docMk/>
+            <pc:sldMk cId="2756220791" sldId="278"/>
+            <ac:spMk id="3" creationId="{B13266B3-4E2F-7172-0117-748141B391BF}"/>
+          </ac:spMkLst>
+        </pc:spChg>
+        <pc:spChg chg="mod">
+          <ac:chgData name="Jean-Yves Vuillequez" userId="e7fac481abea6bd0" providerId="LiveId" clId="{79E365E8-22BC-4EC2-9606-9A9AC6CD1D22}" dt="2026-02-13T09:30:43.214" v="1150" actId="20577"/>
+          <ac:spMkLst>
+            <pc:docMk/>
+            <pc:sldMk cId="2756220791" sldId="278"/>
+            <ac:spMk id="68" creationId="{048C2581-5A53-DCA8-30B7-62504CD1E77F}"/>
+          </ac:spMkLst>
+        </pc:spChg>
+        <pc:picChg chg="add del mod">
+          <ac:chgData name="Jean-Yves Vuillequez" userId="e7fac481abea6bd0" providerId="LiveId" clId="{79E365E8-22BC-4EC2-9606-9A9AC6CD1D22}" dt="2026-02-13T09:36:40.534" v="1167" actId="21"/>
+          <ac:picMkLst>
+            <pc:docMk/>
+            <pc:sldMk cId="2756220791" sldId="278"/>
+            <ac:picMk id="6" creationId="{F3C6359D-E14F-1674-3833-509A84A27A73}"/>
+          </ac:picMkLst>
+        </pc:picChg>
+        <pc:picChg chg="del">
+          <ac:chgData name="Jean-Yves Vuillequez" userId="e7fac481abea6bd0" providerId="LiveId" clId="{79E365E8-22BC-4EC2-9606-9A9AC6CD1D22}" dt="2026-02-13T09:30:49.671" v="1151" actId="478"/>
+          <ac:picMkLst>
+            <pc:docMk/>
+            <pc:sldMk cId="2756220791" sldId="278"/>
+            <ac:picMk id="7" creationId="{583FF643-81F8-615E-EF06-8F7175EC2F79}"/>
+          </ac:picMkLst>
+        </pc:picChg>
+        <pc:picChg chg="add mod">
+          <ac:chgData name="Jean-Yves Vuillequez" userId="e7fac481abea6bd0" providerId="LiveId" clId="{79E365E8-22BC-4EC2-9606-9A9AC6CD1D22}" dt="2026-02-13T09:36:28.002" v="1164"/>
+          <ac:picMkLst>
+            <pc:docMk/>
+            <pc:sldMk cId="2756220791" sldId="278"/>
+            <ac:picMk id="8" creationId="{7E637A6D-C0E5-AC45-E631-3BF952354540}"/>
+          </ac:picMkLst>
+        </pc:picChg>
+        <pc:picChg chg="del">
+          <ac:chgData name="Jean-Yves Vuillequez" userId="e7fac481abea6bd0" providerId="LiveId" clId="{79E365E8-22BC-4EC2-9606-9A9AC6CD1D22}" dt="2026-02-13T09:30:49.671" v="1151" actId="478"/>
+          <ac:picMkLst>
+            <pc:docMk/>
+            <pc:sldMk cId="2756220791" sldId="278"/>
+            <ac:picMk id="9" creationId="{66406FC4-4B24-FC8B-74B1-174C072EA30C}"/>
+          </ac:picMkLst>
+        </pc:picChg>
+        <pc:picChg chg="add mod">
+          <ac:chgData name="Jean-Yves Vuillequez" userId="e7fac481abea6bd0" providerId="LiveId" clId="{79E365E8-22BC-4EC2-9606-9A9AC6CD1D22}" dt="2026-02-13T09:36:28.002" v="1164"/>
+          <ac:picMkLst>
+            <pc:docMk/>
+            <pc:sldMk cId="2756220791" sldId="278"/>
+            <ac:picMk id="10" creationId="{1A0AB63B-555A-7D1A-20F0-9FCD1055C02B}"/>
+          </ac:picMkLst>
+        </pc:picChg>
+        <pc:cxnChg chg="add mod">
+          <ac:chgData name="Jean-Yves Vuillequez" userId="e7fac481abea6bd0" providerId="LiveId" clId="{79E365E8-22BC-4EC2-9606-9A9AC6CD1D22}" dt="2026-02-13T09:31:09.500" v="1152"/>
+          <ac:cxnSpMkLst>
+            <pc:docMk/>
+            <pc:sldMk cId="2756220791" sldId="278"/>
+            <ac:cxnSpMk id="4" creationId="{3A8993B1-2A30-49B2-0E27-17B0F15E320D}"/>
+          </ac:cxnSpMkLst>
+        </pc:cxnChg>
       </pc:sldChg>
       <pc:sldMasterChg chg="add del addSldLayout delSldLayout">
         <pc:chgData name="Jean-Yves Vuillequez" userId="e7fac481abea6bd0" providerId="LiveId" clId="{79E365E8-22BC-4EC2-9606-9A9AC6CD1D22}" dt="2026-01-16T10:47:03.962" v="33" actId="47"/>
@@ -1010,6 +1927,128 @@
 </p:notes>
 </file>
 
+<file path=ppt/notesSlides/notesSlide10.xml><?xml version="1.0" encoding="utf-8"?>
+<p:notes xmlns:a="http://schemas.openxmlformats.org/drawingml/2006/main" xmlns:r="http://schemas.openxmlformats.org/officeDocument/2006/relationships" xmlns:p="http://schemas.openxmlformats.org/presentationml/2006/main" showMasterSp="0" showMasterPhAnim="0">
+  <p:cSld>
+    <p:spTree>
+      <p:nvGrpSpPr>
+        <p:cNvPr id="1" name="Shape 183"/>
+        <p:cNvGrpSpPr/>
+        <p:nvPr/>
+      </p:nvGrpSpPr>
+      <p:grpSpPr>
+        <a:xfrm>
+          <a:off x="0" y="0"/>
+          <a:ext cx="0" cy="0"/>
+          <a:chOff x="0" y="0"/>
+          <a:chExt cx="0" cy="0"/>
+        </a:xfrm>
+      </p:grpSpPr>
+      <p:sp>
+        <p:nvSpPr>
+          <p:cNvPr id="184" name="Google Shape;184;p9:notes"/>
+          <p:cNvSpPr>
+            <a:spLocks noGrp="1" noRot="1" noChangeAspect="1"/>
+          </p:cNvSpPr>
+          <p:nvPr>
+            <p:ph type="sldImg" idx="2"/>
+          </p:nvPr>
+        </p:nvSpPr>
+        <p:spPr>
+          <a:xfrm>
+            <a:off x="381000" y="685800"/>
+            <a:ext cx="6096000" cy="3429000"/>
+          </a:xfrm>
+          <a:custGeom>
+            <a:avLst/>
+            <a:gdLst/>
+            <a:ahLst/>
+            <a:cxnLst/>
+            <a:rect l="l" t="t" r="r" b="b"/>
+            <a:pathLst>
+              <a:path w="120000" h="120000" extrusionOk="0">
+                <a:moveTo>
+                  <a:pt x="0" y="0"/>
+                </a:moveTo>
+                <a:lnTo>
+                  <a:pt x="120000" y="0"/>
+                </a:lnTo>
+                <a:lnTo>
+                  <a:pt x="120000" y="120000"/>
+                </a:lnTo>
+                <a:lnTo>
+                  <a:pt x="0" y="120000"/>
+                </a:lnTo>
+                <a:close/>
+              </a:path>
+            </a:pathLst>
+          </a:custGeom>
+          <a:noFill/>
+          <a:ln w="9525" cap="flat" cmpd="sng">
+            <a:solidFill>
+              <a:srgbClr val="000000"/>
+            </a:solidFill>
+            <a:prstDash val="solid"/>
+            <a:round/>
+            <a:headEnd type="none" w="sm" len="sm"/>
+            <a:tailEnd type="none" w="sm" len="sm"/>
+          </a:ln>
+        </p:spPr>
+      </p:sp>
+      <p:sp>
+        <p:nvSpPr>
+          <p:cNvPr id="185" name="Google Shape;185;p9:notes"/>
+          <p:cNvSpPr txBox="1">
+            <a:spLocks noGrp="1"/>
+          </p:cNvSpPr>
+          <p:nvPr>
+            <p:ph type="body" idx="1"/>
+          </p:nvPr>
+        </p:nvSpPr>
+        <p:spPr>
+          <a:xfrm>
+            <a:off x="685800" y="4343400"/>
+            <a:ext cx="5486400" cy="4114800"/>
+          </a:xfrm>
+          <a:prstGeom prst="rect">
+            <a:avLst/>
+          </a:prstGeom>
+          <a:noFill/>
+          <a:ln>
+            <a:noFill/>
+          </a:ln>
+        </p:spPr>
+        <p:txBody>
+          <a:bodyPr spcFirstLastPara="1" wrap="square" lIns="91425" tIns="91425" rIns="91425" bIns="91425" anchor="t" anchorCtr="0">
+            <a:noAutofit/>
+          </a:bodyPr>
+          <a:lstStyle/>
+          <a:p>
+            <a:pPr marL="0" lvl="0" indent="0" algn="l" rtl="0">
+              <a:lnSpc>
+                <a:spcPct val="100000"/>
+              </a:lnSpc>
+              <a:spcBef>
+                <a:spcPts val="0"/>
+              </a:spcBef>
+              <a:spcAft>
+                <a:spcPts val="0"/>
+              </a:spcAft>
+              <a:buSzPts val="1100"/>
+              <a:buNone/>
+            </a:pPr>
+            <a:endParaRPr/>
+          </a:p>
+        </p:txBody>
+      </p:sp>
+    </p:spTree>
+  </p:cSld>
+  <p:clrMapOvr>
+    <a:masterClrMapping/>
+  </p:clrMapOvr>
+</p:notes>
+</file>
+
 <file path=ppt/notesSlides/notesSlide2.xml><?xml version="1.0" encoding="utf-8"?>
 <p:notes xmlns:a="http://schemas.openxmlformats.org/drawingml/2006/main" xmlns:r="http://schemas.openxmlformats.org/officeDocument/2006/relationships" xmlns:p="http://schemas.openxmlformats.org/presentationml/2006/main" showMasterSp="0" showMasterPhAnim="0">
   <p:cSld>
@@ -1635,7 +2674,13 @@
   <p:cSld>
     <p:spTree>
       <p:nvGrpSpPr>
-        <p:cNvPr id="1" name="Shape 183"/>
+        <p:cNvPr id="1" name="Shape 64">
+          <a:extLst>
+            <a:ext uri="{FF2B5EF4-FFF2-40B4-BE49-F238E27FC236}">
+              <a16:creationId xmlns:a16="http://schemas.microsoft.com/office/drawing/2014/main" id="{0C49D08B-90E4-4F5F-8535-24FF2C02D86A}"/>
+            </a:ext>
+          </a:extLst>
+        </p:cNvPr>
         <p:cNvGrpSpPr/>
         <p:nvPr/>
       </p:nvGrpSpPr>
@@ -1649,7 +2694,13 @@
       </p:grpSpPr>
       <p:sp>
         <p:nvSpPr>
-          <p:cNvPr id="184" name="Google Shape;184;p9:notes"/>
+          <p:cNvPr id="65" name="Google Shape;65;g3bc3b886ea_0_7:notes">
+            <a:extLst>
+              <a:ext uri="{FF2B5EF4-FFF2-40B4-BE49-F238E27FC236}">
+                <a16:creationId xmlns:a16="http://schemas.microsoft.com/office/drawing/2014/main" id="{C65DDF7B-4BD8-CEF9-E9B8-0AA60AF1A330}"/>
+              </a:ext>
+            </a:extLst>
+          </p:cNvPr>
           <p:cNvSpPr>
             <a:spLocks noGrp="1" noRot="1" noChangeAspect="1"/>
           </p:cNvSpPr>
@@ -1686,21 +2737,17 @@
               </a:path>
             </a:pathLst>
           </a:custGeom>
-          <a:noFill/>
-          <a:ln w="9525" cap="flat" cmpd="sng">
-            <a:solidFill>
-              <a:srgbClr val="000000"/>
-            </a:solidFill>
-            <a:prstDash val="solid"/>
-            <a:round/>
-            <a:headEnd type="none" w="sm" len="sm"/>
-            <a:tailEnd type="none" w="sm" len="sm"/>
-          </a:ln>
         </p:spPr>
       </p:sp>
       <p:sp>
         <p:nvSpPr>
-          <p:cNvPr id="185" name="Google Shape;185;p9:notes"/>
+          <p:cNvPr id="66" name="Google Shape;66;g3bc3b886ea_0_7:notes">
+            <a:extLst>
+              <a:ext uri="{FF2B5EF4-FFF2-40B4-BE49-F238E27FC236}">
+                <a16:creationId xmlns:a16="http://schemas.microsoft.com/office/drawing/2014/main" id="{882F6A1C-6775-0BA1-4994-B84650C866F2}"/>
+              </a:ext>
+            </a:extLst>
+          </p:cNvPr>
           <p:cNvSpPr txBox="1">
             <a:spLocks noGrp="1"/>
           </p:cNvSpPr>
@@ -1716,10 +2763,6 @@
           <a:prstGeom prst="rect">
             <a:avLst/>
           </a:prstGeom>
-          <a:noFill/>
-          <a:ln>
-            <a:noFill/>
-          </a:ln>
         </p:spPr>
         <p:txBody>
           <a:bodyPr spcFirstLastPara="1" wrap="square" lIns="91425" tIns="91425" rIns="91425" bIns="91425" anchor="t" anchorCtr="0">
@@ -1728,23 +2771,278 @@
           <a:lstStyle/>
           <a:p>
             <a:pPr marL="0" lvl="0" indent="0" algn="l" rtl="0">
-              <a:lnSpc>
-                <a:spcPct val="100000"/>
-              </a:lnSpc>
-              <a:spcBef>
-                <a:spcPts val="0"/>
-              </a:spcBef>
-              <a:spcAft>
-                <a:spcPts val="0"/>
-              </a:spcAft>
-              <a:buSzPts val="1100"/>
+              <a:spcBef>
+                <a:spcPts val="0"/>
+              </a:spcBef>
+              <a:spcAft>
+                <a:spcPts val="0"/>
+              </a:spcAft>
               <a:buNone/>
             </a:pPr>
-            <a:endParaRPr/>
+            <a:endParaRPr dirty="0"/>
           </a:p>
         </p:txBody>
       </p:sp>
     </p:spTree>
+    <p:extLst>
+      <p:ext uri="{BB962C8B-B14F-4D97-AF65-F5344CB8AC3E}">
+        <p14:creationId xmlns:p14="http://schemas.microsoft.com/office/powerpoint/2010/main" val="3394147069"/>
+      </p:ext>
+    </p:extLst>
+  </p:cSld>
+  <p:clrMapOvr>
+    <a:masterClrMapping/>
+  </p:clrMapOvr>
+</p:notes>
+</file>
+
+<file path=ppt/notesSlides/notesSlide8.xml><?xml version="1.0" encoding="utf-8"?>
+<p:notes xmlns:a="http://schemas.openxmlformats.org/drawingml/2006/main" xmlns:r="http://schemas.openxmlformats.org/officeDocument/2006/relationships" xmlns:p="http://schemas.openxmlformats.org/presentationml/2006/main" showMasterSp="0" showMasterPhAnim="0">
+  <p:cSld>
+    <p:spTree>
+      <p:nvGrpSpPr>
+        <p:cNvPr id="1" name="Shape 64">
+          <a:extLst>
+            <a:ext uri="{FF2B5EF4-FFF2-40B4-BE49-F238E27FC236}">
+              <a16:creationId xmlns:a16="http://schemas.microsoft.com/office/drawing/2014/main" id="{7BCDE117-94AC-203D-6615-DC66B9DD3196}"/>
+            </a:ext>
+          </a:extLst>
+        </p:cNvPr>
+        <p:cNvGrpSpPr/>
+        <p:nvPr/>
+      </p:nvGrpSpPr>
+      <p:grpSpPr>
+        <a:xfrm>
+          <a:off x="0" y="0"/>
+          <a:ext cx="0" cy="0"/>
+          <a:chOff x="0" y="0"/>
+          <a:chExt cx="0" cy="0"/>
+        </a:xfrm>
+      </p:grpSpPr>
+      <p:sp>
+        <p:nvSpPr>
+          <p:cNvPr id="65" name="Google Shape;65;g3bc3b886ea_0_7:notes">
+            <a:extLst>
+              <a:ext uri="{FF2B5EF4-FFF2-40B4-BE49-F238E27FC236}">
+                <a16:creationId xmlns:a16="http://schemas.microsoft.com/office/drawing/2014/main" id="{55073E48-5C80-9B8C-0B67-071E972057A8}"/>
+              </a:ext>
+            </a:extLst>
+          </p:cNvPr>
+          <p:cNvSpPr>
+            <a:spLocks noGrp="1" noRot="1" noChangeAspect="1"/>
+          </p:cNvSpPr>
+          <p:nvPr>
+            <p:ph type="sldImg" idx="2"/>
+          </p:nvPr>
+        </p:nvSpPr>
+        <p:spPr>
+          <a:xfrm>
+            <a:off x="381000" y="685800"/>
+            <a:ext cx="6096000" cy="3429000"/>
+          </a:xfrm>
+          <a:custGeom>
+            <a:avLst/>
+            <a:gdLst/>
+            <a:ahLst/>
+            <a:cxnLst/>
+            <a:rect l="l" t="t" r="r" b="b"/>
+            <a:pathLst>
+              <a:path w="120000" h="120000" extrusionOk="0">
+                <a:moveTo>
+                  <a:pt x="0" y="0"/>
+                </a:moveTo>
+                <a:lnTo>
+                  <a:pt x="120000" y="0"/>
+                </a:lnTo>
+                <a:lnTo>
+                  <a:pt x="120000" y="120000"/>
+                </a:lnTo>
+                <a:lnTo>
+                  <a:pt x="0" y="120000"/>
+                </a:lnTo>
+                <a:close/>
+              </a:path>
+            </a:pathLst>
+          </a:custGeom>
+        </p:spPr>
+      </p:sp>
+      <p:sp>
+        <p:nvSpPr>
+          <p:cNvPr id="66" name="Google Shape;66;g3bc3b886ea_0_7:notes">
+            <a:extLst>
+              <a:ext uri="{FF2B5EF4-FFF2-40B4-BE49-F238E27FC236}">
+                <a16:creationId xmlns:a16="http://schemas.microsoft.com/office/drawing/2014/main" id="{4ED84D77-2D96-5BBD-9E34-6120D82776B2}"/>
+              </a:ext>
+            </a:extLst>
+          </p:cNvPr>
+          <p:cNvSpPr txBox="1">
+            <a:spLocks noGrp="1"/>
+          </p:cNvSpPr>
+          <p:nvPr>
+            <p:ph type="body" idx="1"/>
+          </p:nvPr>
+        </p:nvSpPr>
+        <p:spPr>
+          <a:xfrm>
+            <a:off x="685800" y="4343400"/>
+            <a:ext cx="5486400" cy="4114800"/>
+          </a:xfrm>
+          <a:prstGeom prst="rect">
+            <a:avLst/>
+          </a:prstGeom>
+        </p:spPr>
+        <p:txBody>
+          <a:bodyPr spcFirstLastPara="1" wrap="square" lIns="91425" tIns="91425" rIns="91425" bIns="91425" anchor="t" anchorCtr="0">
+            <a:noAutofit/>
+          </a:bodyPr>
+          <a:lstStyle/>
+          <a:p>
+            <a:pPr marL="0" lvl="0" indent="0" algn="l" rtl="0">
+              <a:spcBef>
+                <a:spcPts val="0"/>
+              </a:spcBef>
+              <a:spcAft>
+                <a:spcPts val="0"/>
+              </a:spcAft>
+              <a:buNone/>
+            </a:pPr>
+            <a:endParaRPr dirty="0"/>
+          </a:p>
+        </p:txBody>
+      </p:sp>
+    </p:spTree>
+    <p:extLst>
+      <p:ext uri="{BB962C8B-B14F-4D97-AF65-F5344CB8AC3E}">
+        <p14:creationId xmlns:p14="http://schemas.microsoft.com/office/powerpoint/2010/main" val="3268287788"/>
+      </p:ext>
+    </p:extLst>
+  </p:cSld>
+  <p:clrMapOvr>
+    <a:masterClrMapping/>
+  </p:clrMapOvr>
+</p:notes>
+</file>
+
+<file path=ppt/notesSlides/notesSlide9.xml><?xml version="1.0" encoding="utf-8"?>
+<p:notes xmlns:a="http://schemas.openxmlformats.org/drawingml/2006/main" xmlns:r="http://schemas.openxmlformats.org/officeDocument/2006/relationships" xmlns:p="http://schemas.openxmlformats.org/presentationml/2006/main" showMasterSp="0" showMasterPhAnim="0">
+  <p:cSld>
+    <p:spTree>
+      <p:nvGrpSpPr>
+        <p:cNvPr id="1" name="Shape 64">
+          <a:extLst>
+            <a:ext uri="{FF2B5EF4-FFF2-40B4-BE49-F238E27FC236}">
+              <a16:creationId xmlns:a16="http://schemas.microsoft.com/office/drawing/2014/main" id="{CB5D7E31-F2DE-3CFF-19D3-935456EA1816}"/>
+            </a:ext>
+          </a:extLst>
+        </p:cNvPr>
+        <p:cNvGrpSpPr/>
+        <p:nvPr/>
+      </p:nvGrpSpPr>
+      <p:grpSpPr>
+        <a:xfrm>
+          <a:off x="0" y="0"/>
+          <a:ext cx="0" cy="0"/>
+          <a:chOff x="0" y="0"/>
+          <a:chExt cx="0" cy="0"/>
+        </a:xfrm>
+      </p:grpSpPr>
+      <p:sp>
+        <p:nvSpPr>
+          <p:cNvPr id="65" name="Google Shape;65;g3bc3b886ea_0_7:notes">
+            <a:extLst>
+              <a:ext uri="{FF2B5EF4-FFF2-40B4-BE49-F238E27FC236}">
+                <a16:creationId xmlns:a16="http://schemas.microsoft.com/office/drawing/2014/main" id="{8549081A-A065-7636-A804-E1C54100B2C1}"/>
+              </a:ext>
+            </a:extLst>
+          </p:cNvPr>
+          <p:cNvSpPr>
+            <a:spLocks noGrp="1" noRot="1" noChangeAspect="1"/>
+          </p:cNvSpPr>
+          <p:nvPr>
+            <p:ph type="sldImg" idx="2"/>
+          </p:nvPr>
+        </p:nvSpPr>
+        <p:spPr>
+          <a:xfrm>
+            <a:off x="381000" y="685800"/>
+            <a:ext cx="6096000" cy="3429000"/>
+          </a:xfrm>
+          <a:custGeom>
+            <a:avLst/>
+            <a:gdLst/>
+            <a:ahLst/>
+            <a:cxnLst/>
+            <a:rect l="l" t="t" r="r" b="b"/>
+            <a:pathLst>
+              <a:path w="120000" h="120000" extrusionOk="0">
+                <a:moveTo>
+                  <a:pt x="0" y="0"/>
+                </a:moveTo>
+                <a:lnTo>
+                  <a:pt x="120000" y="0"/>
+                </a:lnTo>
+                <a:lnTo>
+                  <a:pt x="120000" y="120000"/>
+                </a:lnTo>
+                <a:lnTo>
+                  <a:pt x="0" y="120000"/>
+                </a:lnTo>
+                <a:close/>
+              </a:path>
+            </a:pathLst>
+          </a:custGeom>
+        </p:spPr>
+      </p:sp>
+      <p:sp>
+        <p:nvSpPr>
+          <p:cNvPr id="66" name="Google Shape;66;g3bc3b886ea_0_7:notes">
+            <a:extLst>
+              <a:ext uri="{FF2B5EF4-FFF2-40B4-BE49-F238E27FC236}">
+                <a16:creationId xmlns:a16="http://schemas.microsoft.com/office/drawing/2014/main" id="{4DB4C953-3DB5-4F1E-9C0F-1C1430C6CFD5}"/>
+              </a:ext>
+            </a:extLst>
+          </p:cNvPr>
+          <p:cNvSpPr txBox="1">
+            <a:spLocks noGrp="1"/>
+          </p:cNvSpPr>
+          <p:nvPr>
+            <p:ph type="body" idx="1"/>
+          </p:nvPr>
+        </p:nvSpPr>
+        <p:spPr>
+          <a:xfrm>
+            <a:off x="685800" y="4343400"/>
+            <a:ext cx="5486400" cy="4114800"/>
+          </a:xfrm>
+          <a:prstGeom prst="rect">
+            <a:avLst/>
+          </a:prstGeom>
+        </p:spPr>
+        <p:txBody>
+          <a:bodyPr spcFirstLastPara="1" wrap="square" lIns="91425" tIns="91425" rIns="91425" bIns="91425" anchor="t" anchorCtr="0">
+            <a:noAutofit/>
+          </a:bodyPr>
+          <a:lstStyle/>
+          <a:p>
+            <a:pPr marL="0" lvl="0" indent="0" algn="l" rtl="0">
+              <a:spcBef>
+                <a:spcPts val="0"/>
+              </a:spcBef>
+              <a:spcAft>
+                <a:spcPts val="0"/>
+              </a:spcAft>
+              <a:buNone/>
+            </a:pPr>
+            <a:endParaRPr dirty="0"/>
+          </a:p>
+        </p:txBody>
+      </p:sp>
+    </p:spTree>
+    <p:extLst>
+      <p:ext uri="{BB962C8B-B14F-4D97-AF65-F5344CB8AC3E}">
+        <p14:creationId xmlns:p14="http://schemas.microsoft.com/office/powerpoint/2010/main" val="2475043503"/>
+      </p:ext>
+    </p:extLst>
   </p:cSld>
   <p:clrMapOvr>
     <a:masterClrMapping/>
@@ -14909,6 +16207,198 @@
 </p:sld>
 </file>
 
+<file path=ppt/slides/slide10.xml><?xml version="1.0" encoding="utf-8"?>
+<p:sld xmlns:a="http://schemas.openxmlformats.org/drawingml/2006/main" xmlns:r="http://schemas.openxmlformats.org/officeDocument/2006/relationships" xmlns:p="http://schemas.openxmlformats.org/presentationml/2006/main">
+  <p:cSld>
+    <p:bg>
+      <p:bgPr>
+        <a:solidFill>
+          <a:srgbClr val="00DBD0"/>
+        </a:solidFill>
+        <a:effectLst/>
+      </p:bgPr>
+    </p:bg>
+    <p:spTree>
+      <p:nvGrpSpPr>
+        <p:cNvPr id="1" name="Shape 186"/>
+        <p:cNvGrpSpPr/>
+        <p:nvPr/>
+      </p:nvGrpSpPr>
+      <p:grpSpPr>
+        <a:xfrm>
+          <a:off x="0" y="0"/>
+          <a:ext cx="0" cy="0"/>
+          <a:chOff x="0" y="0"/>
+          <a:chExt cx="0" cy="0"/>
+        </a:xfrm>
+      </p:grpSpPr>
+      <p:sp>
+        <p:nvSpPr>
+          <p:cNvPr id="187" name="Google Shape;187;p9"/>
+          <p:cNvSpPr txBox="1">
+            <a:spLocks noGrp="1"/>
+          </p:cNvSpPr>
+          <p:nvPr>
+            <p:ph type="ctrTitle" idx="4294967295"/>
+          </p:nvPr>
+        </p:nvSpPr>
+        <p:spPr>
+          <a:xfrm>
+            <a:off x="1089725" y="1970775"/>
+            <a:ext cx="6393116" cy="698400"/>
+          </a:xfrm>
+          <a:prstGeom prst="rect">
+            <a:avLst/>
+          </a:prstGeom>
+          <a:noFill/>
+          <a:ln>
+            <a:noFill/>
+          </a:ln>
+        </p:spPr>
+        <p:txBody>
+          <a:bodyPr spcFirstLastPara="1" wrap="square" lIns="91425" tIns="91425" rIns="91425" bIns="91425" anchor="t" anchorCtr="0">
+            <a:noAutofit/>
+          </a:bodyPr>
+          <a:lstStyle/>
+          <a:p>
+            <a:pPr marL="0" marR="0" lvl="0" indent="0" algn="l" rtl="0">
+              <a:lnSpc>
+                <a:spcPct val="100000"/>
+              </a:lnSpc>
+              <a:spcBef>
+                <a:spcPts val="0"/>
+              </a:spcBef>
+              <a:spcAft>
+                <a:spcPts val="0"/>
+              </a:spcAft>
+              <a:buClr>
+                <a:schemeClr val="dk1"/>
+              </a:buClr>
+              <a:buSzPts val="2800"/>
+              <a:buFont typeface="Arial"/>
+              <a:buNone/>
+            </a:pPr>
+            <a:r>
+              <a:rPr lang="fr" sz="3600" dirty="0">
+                <a:solidFill>
+                  <a:srgbClr val="0E3449"/>
+                </a:solidFill>
+                <a:latin typeface="Inter SemiBold"/>
+                <a:ea typeface="Inter SemiBold"/>
+                <a:cs typeface="Inter SemiBold"/>
+                <a:sym typeface="Inter SemiBold"/>
+              </a:rPr>
+              <a:t>Merci pour votre attention</a:t>
+            </a:r>
+            <a:br>
+              <a:rPr lang="fr" sz="3600" dirty="0">
+                <a:solidFill>
+                  <a:srgbClr val="0E3449"/>
+                </a:solidFill>
+                <a:latin typeface="Inter SemiBold"/>
+                <a:ea typeface="Inter SemiBold"/>
+                <a:cs typeface="Inter SemiBold"/>
+                <a:sym typeface="Inter SemiBold"/>
+              </a:rPr>
+            </a:br>
+            <a:r>
+              <a:rPr lang="fr" sz="3600" dirty="0">
+                <a:solidFill>
+                  <a:srgbClr val="0E3449"/>
+                </a:solidFill>
+                <a:latin typeface="Inter SemiBold"/>
+                <a:ea typeface="Inter SemiBold"/>
+                <a:cs typeface="Inter SemiBold"/>
+                <a:sym typeface="Inter SemiBold"/>
+              </a:rPr>
+              <a:t>Des</a:t>
+            </a:r>
+            <a:r>
+              <a:rPr lang="fr" sz="3600" b="0" i="0" u="none" strike="noStrike" cap="none" dirty="0">
+                <a:solidFill>
+                  <a:srgbClr val="0E3449"/>
+                </a:solidFill>
+                <a:latin typeface="Inter SemiBold"/>
+                <a:ea typeface="Inter SemiBold"/>
+                <a:cs typeface="Inter SemiBold"/>
+                <a:sym typeface="Inter SemiBold"/>
+              </a:rPr>
+              <a:t> questions ?</a:t>
+            </a:r>
+            <a:endParaRPr sz="3600" b="0" i="0" u="none" strike="noStrike" cap="none" dirty="0">
+              <a:solidFill>
+                <a:srgbClr val="0E3449"/>
+              </a:solidFill>
+              <a:latin typeface="Inter SemiBold"/>
+              <a:ea typeface="Inter SemiBold"/>
+              <a:cs typeface="Inter SemiBold"/>
+              <a:sym typeface="Inter SemiBold"/>
+            </a:endParaRPr>
+          </a:p>
+        </p:txBody>
+      </p:sp>
+      <p:pic>
+        <p:nvPicPr>
+          <p:cNvPr id="188" name="Google Shape;188;p9"/>
+          <p:cNvPicPr preferRelativeResize="0"/>
+          <p:nvPr/>
+        </p:nvPicPr>
+        <p:blipFill rotWithShape="1">
+          <a:blip r:embed="rId3">
+            <a:alphaModFix/>
+          </a:blip>
+          <a:srcRect/>
+          <a:stretch/>
+        </p:blipFill>
+        <p:spPr>
+          <a:xfrm>
+            <a:off x="3918625" y="3006625"/>
+            <a:ext cx="4599299" cy="2136876"/>
+          </a:xfrm>
+          <a:prstGeom prst="rect">
+            <a:avLst/>
+          </a:prstGeom>
+          <a:noFill/>
+          <a:ln>
+            <a:noFill/>
+          </a:ln>
+        </p:spPr>
+      </p:pic>
+      <p:pic>
+        <p:nvPicPr>
+          <p:cNvPr id="189" name="Google Shape;189;p9"/>
+          <p:cNvPicPr preferRelativeResize="0"/>
+          <p:nvPr/>
+        </p:nvPicPr>
+        <p:blipFill rotWithShape="1">
+          <a:blip r:embed="rId4">
+            <a:alphaModFix/>
+          </a:blip>
+          <a:srcRect/>
+          <a:stretch/>
+        </p:blipFill>
+        <p:spPr>
+          <a:xfrm>
+            <a:off x="1232375" y="915775"/>
+            <a:ext cx="797425" cy="839825"/>
+          </a:xfrm>
+          <a:prstGeom prst="rect">
+            <a:avLst/>
+          </a:prstGeom>
+          <a:noFill/>
+          <a:ln>
+            <a:noFill/>
+          </a:ln>
+        </p:spPr>
+      </p:pic>
+    </p:spTree>
+  </p:cSld>
+  <p:clrMapOvr>
+    <a:masterClrMapping/>
+  </p:clrMapOvr>
+</p:sld>
+</file>
+
 <file path=ppt/slides/slide2.xml><?xml version="1.0" encoding="utf-8"?>
 <p:sld xmlns:a="http://schemas.openxmlformats.org/drawingml/2006/main" xmlns:r="http://schemas.openxmlformats.org/officeDocument/2006/relationships" xmlns:p="http://schemas.openxmlformats.org/presentationml/2006/main">
   <p:cSld>
@@ -15190,13 +16680,27 @@
             <a:endParaRPr lang="fr-FR" sz="1400" dirty="0"/>
           </a:p>
           <a:p>
-            <a:pPr marL="114300" lvl="0" indent="0">
+            <a:pPr marL="114300" indent="0">
               <a:spcBef>
                 <a:spcPts val="1200"/>
               </a:spcBef>
               <a:buNone/>
             </a:pPr>
-            <a:endParaRPr sz="1400" dirty="0"/>
+            <a:r>
+              <a:rPr lang="fr-FR" sz="1400" b="1" dirty="0" err="1"/>
+              <a:t>Mlflow</a:t>
+            </a:r>
+            <a:r>
+              <a:rPr lang="fr-FR" sz="1400" dirty="0"/>
+              <a:t> : </a:t>
+            </a:r>
+            <a:r>
+              <a:rPr lang="fr-FR" sz="1400" dirty="0">
+                <a:hlinkClick r:id="rId7"/>
+              </a:rPr>
+              <a:t>https://jyvuillequez-mlflow-server.hf.space</a:t>
+            </a:r>
+            <a:endParaRPr lang="fr-FR" sz="1400" dirty="0"/>
           </a:p>
         </p:txBody>
       </p:sp>
@@ -15416,7 +16920,7 @@
         <p:spPr>
           <a:xfrm>
             <a:off x="1260039" y="1164423"/>
-            <a:ext cx="7266464" cy="1281065"/>
+            <a:ext cx="7266464" cy="2443558"/>
           </a:xfrm>
           <a:prstGeom prst="rect">
             <a:avLst/>
@@ -15751,7 +17255,7 @@
             </a:pPr>
             <a:r>
               <a:rPr lang="fr-FR" sz="1400" b="1" dirty="0"/>
-              <a:t>Objectif : </a:t>
+              <a:t>Objectifs : </a:t>
             </a:r>
           </a:p>
           <a:p>
@@ -15759,9 +17263,44 @@
               <a:buSzPct val="100000"/>
             </a:pPr>
             <a:r>
-              <a:rPr lang="fr-FR" sz="1400" dirty="0" err="1"/>
-              <a:t>xxxx</a:t>
+              <a:rPr lang="fr-FR" sz="1400" dirty="0"/>
+              <a:t>Analyse de données de location de véhicules pour réduire les frictions liées aux retards entre deux locations et industrialiser une prédiction de prix via une API</a:t>
             </a:r>
+          </a:p>
+          <a:p>
+            <a:pPr>
+              <a:buSzPct val="100000"/>
+            </a:pPr>
+            <a:endParaRPr lang="fr-FR" sz="1400" dirty="0"/>
+          </a:p>
+          <a:p>
+            <a:pPr>
+              <a:buSzPct val="100000"/>
+            </a:pPr>
+            <a:r>
+              <a:rPr lang="fr-FR" sz="1400" dirty="0"/>
+              <a:t>Définir un seuil minimal entre deux locations pour réduire les incidents, tout en limitant l’impact sur le volume de locations</a:t>
+            </a:r>
+          </a:p>
+          <a:p>
+            <a:pPr>
+              <a:buSzPct val="100000"/>
+            </a:pPr>
+            <a:endParaRPr lang="fr-FR" sz="1400" dirty="0"/>
+          </a:p>
+          <a:p>
+            <a:pPr>
+              <a:buSzPct val="100000"/>
+            </a:pPr>
+            <a:r>
+              <a:rPr lang="fr-FR" sz="1400" dirty="0"/>
+              <a:t>Prédire le prix de location par jour à partir des caractéristiques d’un véhicule (modèle, kilométrage, puissance, options…)</a:t>
+            </a:r>
+          </a:p>
+          <a:p>
+            <a:pPr>
+              <a:buSzPct val="100000"/>
+            </a:pPr>
             <a:endParaRPr lang="fr-FR" sz="1400" dirty="0"/>
           </a:p>
         </p:txBody>
@@ -16000,7 +17539,27 @@
             </a:pPr>
             <a:r>
               <a:rPr lang="fr-FR" sz="900" dirty="0"/>
-              <a:t>xxx</a:t>
+              <a:t>Comprendre le problème business : retards </a:t>
+            </a:r>
+            <a:r>
+              <a:rPr lang="fr-FR" sz="900" dirty="0">
+                <a:sym typeface="Wingdings" panose="05000000000000000000" pitchFamily="2" charset="2"/>
+              </a:rPr>
+              <a:t></a:t>
+            </a:r>
+            <a:r>
+              <a:rPr lang="fr-FR" sz="900" dirty="0"/>
+              <a:t> friction </a:t>
+            </a:r>
+            <a:r>
+              <a:rPr lang="fr-FR" sz="900" dirty="0">
+                <a:sym typeface="Wingdings" panose="05000000000000000000" pitchFamily="2" charset="2"/>
+              </a:rPr>
+              <a:t></a:t>
+            </a:r>
+            <a:r>
+              <a:rPr lang="fr-FR" sz="900" dirty="0"/>
+              <a:t> annulations / perte de revenu</a:t>
             </a:r>
             <a:endParaRPr lang="fr-FR" sz="900" dirty="0">
               <a:latin typeface="Arial" panose="020B0604020202020204" pitchFamily="34" charset="0"/>
@@ -16039,7 +17598,39 @@
             </a:pPr>
             <a:r>
               <a:rPr lang="fr-FR" sz="900" dirty="0"/>
-              <a:t>xxx</a:t>
+              <a:t>Définir les KPI : impact rate, % locations affectées, </a:t>
+            </a:r>
+            <a:r>
+              <a:rPr lang="fr-FR" sz="900"/>
+              <a:t>cas résolus</a:t>
+            </a:r>
+          </a:p>
+          <a:p>
+            <a:pPr marL="171450" lvl="1" indent="-171450" eaLnBrk="0" fontAlgn="base" hangingPunct="0">
+              <a:spcBef>
+                <a:spcPts val="600"/>
+              </a:spcBef>
+              <a:spcAft>
+                <a:spcPct val="0"/>
+              </a:spcAft>
+              <a:buFont typeface="Arial" panose="020B0604020202020204" pitchFamily="34" charset="0"/>
+              <a:buChar char="•"/>
+            </a:pPr>
+            <a:r>
+              <a:rPr lang="fr-FR" sz="900"/>
+              <a:t>Identifier </a:t>
+            </a:r>
+            <a:r>
+              <a:rPr lang="fr-FR" sz="900" dirty="0"/>
+              <a:t>les périmètres : global vs </a:t>
+            </a:r>
+            <a:r>
+              <a:rPr lang="fr-FR" sz="900" dirty="0" err="1"/>
+              <a:t>Connect</a:t>
+            </a:r>
+            <a:r>
+              <a:rPr lang="fr-FR" sz="900" dirty="0"/>
+              <a:t> / Mobile</a:t>
             </a:r>
             <a:endParaRPr lang="fr-FR" sz="900" dirty="0">
               <a:latin typeface="Arial" panose="020B0604020202020204" pitchFamily="34" charset="0"/>
@@ -16188,7 +17779,7 @@
             </a:pPr>
             <a:r>
               <a:rPr lang="fr-FR" sz="1100" dirty="0"/>
-              <a:t>xxx</a:t>
+              <a:t>Cadrage</a:t>
             </a:r>
             <a:endParaRPr lang="fr-FR" sz="1100" kern="1200" dirty="0"/>
           </a:p>
@@ -16330,7 +17921,7 @@
             </a:pPr>
             <a:r>
               <a:rPr lang="fr-FR" sz="1100" dirty="0"/>
-              <a:t>xxx</a:t>
+              <a:t>Préparation des données et EDA</a:t>
             </a:r>
           </a:p>
         </p:txBody>
@@ -16474,7 +18065,7 @@
             </a:pPr>
             <a:r>
               <a:rPr lang="fr-FR" sz="1100" dirty="0"/>
-              <a:t>xxx</a:t>
+              <a:t>Simulation des seuils</a:t>
             </a:r>
             <a:endParaRPr lang="fr-FR" sz="1100" kern="1200" dirty="0"/>
           </a:p>
@@ -16619,7 +18210,7 @@
             </a:pPr>
             <a:r>
               <a:rPr lang="fr-FR" sz="1100" dirty="0"/>
-              <a:t>xxx</a:t>
+              <a:t>Construction de l’API</a:t>
             </a:r>
             <a:endParaRPr lang="fr-FR" sz="1100" kern="1200" dirty="0"/>
           </a:p>
@@ -16764,7 +18355,7 @@
             </a:pPr>
             <a:r>
               <a:rPr lang="fr-FR" sz="1100" dirty="0"/>
-              <a:t>xxx</a:t>
+              <a:t>Restitution</a:t>
             </a:r>
             <a:endParaRPr lang="fr-FR" sz="1100" kern="1200" dirty="0"/>
           </a:p>
@@ -16842,7 +18433,51 @@
             </a:pPr>
             <a:r>
               <a:rPr lang="fr-FR" sz="900" dirty="0"/>
-              <a:t>xxx</a:t>
+              <a:t>Analyser l’impact d’un retard sur la location suivante</a:t>
+            </a:r>
+          </a:p>
+          <a:p>
+            <a:pPr marL="171450" indent="-171450" defTabSz="914400" eaLnBrk="0" fontAlgn="base" hangingPunct="0">
+              <a:spcBef>
+                <a:spcPts val="600"/>
+              </a:spcBef>
+              <a:spcAft>
+                <a:spcPct val="0"/>
+              </a:spcAft>
+              <a:buFont typeface="Arial" panose="020B0604020202020204" pitchFamily="34" charset="0"/>
+              <a:buChar char="•"/>
+            </a:pPr>
+            <a:r>
+              <a:rPr lang="fr-FR" sz="900" dirty="0">
+                <a:latin typeface="Arial" panose="020B0604020202020204" pitchFamily="34" charset="0"/>
+                <a:ea typeface="MS PGothic" pitchFamily="34" charset="-128"/>
+                <a:cs typeface="Arial" panose="020B0604020202020204" pitchFamily="34" charset="0"/>
+              </a:rPr>
+              <a:t>Analyser le </a:t>
+            </a:r>
+            <a:r>
+              <a:rPr lang="fr-FR" sz="900" dirty="0" err="1">
+                <a:latin typeface="Arial" panose="020B0604020202020204" pitchFamily="34" charset="0"/>
+                <a:ea typeface="MS PGothic" pitchFamily="34" charset="-128"/>
+                <a:cs typeface="Arial" panose="020B0604020202020204" pitchFamily="34" charset="0"/>
+              </a:rPr>
+              <a:t>pricing</a:t>
+            </a:r>
+            <a:r>
+              <a:rPr lang="fr-FR" sz="900" dirty="0">
+                <a:latin typeface="Arial" panose="020B0604020202020204" pitchFamily="34" charset="0"/>
+                <a:ea typeface="MS PGothic" pitchFamily="34" charset="-128"/>
+                <a:cs typeface="Arial" panose="020B0604020202020204" pitchFamily="34" charset="0"/>
+              </a:rPr>
+              <a:t> et comprendre les </a:t>
+            </a:r>
+            <a:r>
+              <a:rPr lang="fr-FR" sz="900" dirty="0" err="1">
+                <a:latin typeface="Arial" panose="020B0604020202020204" pitchFamily="34" charset="0"/>
+                <a:ea typeface="MS PGothic" pitchFamily="34" charset="-128"/>
+                <a:cs typeface="Arial" panose="020B0604020202020204" pitchFamily="34" charset="0"/>
+              </a:rPr>
+              <a:t>features</a:t>
             </a:r>
             <a:endParaRPr lang="fr-FR" sz="900" dirty="0">
               <a:latin typeface="Arial" panose="020B0604020202020204" pitchFamily="34" charset="0"/>
@@ -16880,12 +18515,52 @@
               <a:buChar char="•"/>
             </a:pPr>
             <a:r>
+              <a:rPr lang="fr-FR" sz="900" dirty="0"/>
+              <a:t>Filtrer les locations “</a:t>
+            </a:r>
+            <a:r>
+              <a:rPr lang="fr-FR" sz="900" dirty="0" err="1"/>
+              <a:t>ended</a:t>
+            </a:r>
+            <a:r>
+              <a:rPr lang="fr-FR" sz="900" dirty="0"/>
+              <a:t>” + nettoyage des champs (</a:t>
+            </a:r>
+            <a:r>
+              <a:rPr lang="fr-FR" sz="900" dirty="0" err="1"/>
+              <a:t>delay</a:t>
+            </a:r>
+            <a:r>
+              <a:rPr lang="fr-FR" sz="900" dirty="0"/>
+              <a:t>, gap, </a:t>
+            </a:r>
+            <a:r>
+              <a:rPr lang="fr-FR" sz="900" dirty="0" err="1"/>
+              <a:t>checkin_type</a:t>
+            </a:r>
+            <a:r>
+              <a:rPr lang="fr-FR" sz="900" dirty="0"/>
+              <a:t>)</a:t>
+            </a:r>
+          </a:p>
+          <a:p>
+            <a:pPr marL="171450" indent="-171450" defTabSz="914400" eaLnBrk="0" fontAlgn="base" hangingPunct="0">
+              <a:spcBef>
+                <a:spcPts val="600"/>
+              </a:spcBef>
+              <a:spcAft>
+                <a:spcPct val="0"/>
+              </a:spcAft>
+              <a:buFont typeface="Arial" panose="020B0604020202020204" pitchFamily="34" charset="0"/>
+              <a:buChar char="•"/>
+            </a:pPr>
+            <a:r>
               <a:rPr lang="fr-FR" sz="900" dirty="0">
                 <a:latin typeface="Arial" panose="020B0604020202020204" pitchFamily="34" charset="0"/>
                 <a:ea typeface="MS PGothic" pitchFamily="34" charset="-128"/>
                 <a:cs typeface="Arial" panose="020B0604020202020204" pitchFamily="34" charset="0"/>
               </a:rPr>
-              <a:t>xxx</a:t>
+              <a:t>Création des variables</a:t>
             </a:r>
           </a:p>
         </p:txBody>
@@ -16962,7 +18637,7 @@
             </a:pPr>
             <a:r>
               <a:rPr lang="fr-FR" sz="900" dirty="0"/>
-              <a:t>xxx</a:t>
+              <a:t>Quantifier les impacts : réduire les incidents vs impacter le volume de locations </a:t>
             </a:r>
             <a:endParaRPr lang="fr-FR" sz="900" dirty="0">
               <a:latin typeface="Arial" panose="020B0604020202020204" pitchFamily="34" charset="0"/>
@@ -17005,8 +18680,61 @@
                 <a:ea typeface="MS PGothic" pitchFamily="34" charset="-128"/>
                 <a:cs typeface="Arial" panose="020B0604020202020204" pitchFamily="34" charset="0"/>
               </a:rPr>
-              <a:t>xxx</a:t>
+              <a:t>Tester plusieurs seuils T (0 → 120 min)</a:t>
             </a:r>
+          </a:p>
+          <a:p>
+            <a:pPr marL="171450" indent="-171450" defTabSz="914400" eaLnBrk="0" fontAlgn="base" hangingPunct="0">
+              <a:spcBef>
+                <a:spcPts val="600"/>
+              </a:spcBef>
+              <a:spcAft>
+                <a:spcPct val="0"/>
+              </a:spcAft>
+              <a:buFont typeface="Arial" panose="020B0604020202020204" pitchFamily="34" charset="0"/>
+              <a:buChar char="•"/>
+            </a:pPr>
+            <a:r>
+              <a:rPr lang="fr-FR" sz="900" dirty="0">
+                <a:latin typeface="Arial" panose="020B0604020202020204" pitchFamily="34" charset="0"/>
+                <a:ea typeface="MS PGothic" pitchFamily="34" charset="-128"/>
+                <a:cs typeface="Arial" panose="020B0604020202020204" pitchFamily="34" charset="0"/>
+              </a:rPr>
+              <a:t>Mesurer : % cas problématiques résolus vs % locations affectées</a:t>
+            </a:r>
+          </a:p>
+          <a:p>
+            <a:pPr marL="171450" indent="-171450" defTabSz="914400" eaLnBrk="0" fontAlgn="base" hangingPunct="0">
+              <a:spcBef>
+                <a:spcPts val="600"/>
+              </a:spcBef>
+              <a:spcAft>
+                <a:spcPct val="0"/>
+              </a:spcAft>
+              <a:buFont typeface="Arial" panose="020B0604020202020204" pitchFamily="34" charset="0"/>
+              <a:buChar char="•"/>
+            </a:pPr>
+            <a:r>
+              <a:rPr lang="fr-FR" sz="900" dirty="0">
+                <a:latin typeface="Arial" panose="020B0604020202020204" pitchFamily="34" charset="0"/>
+                <a:ea typeface="MS PGothic" pitchFamily="34" charset="-128"/>
+                <a:cs typeface="Arial" panose="020B0604020202020204" pitchFamily="34" charset="0"/>
+              </a:rPr>
+              <a:t>Comparer recommandations : global vs </a:t>
+            </a:r>
+            <a:r>
+              <a:rPr lang="fr-FR" sz="900" dirty="0" err="1">
+                <a:latin typeface="Arial" panose="020B0604020202020204" pitchFamily="34" charset="0"/>
+                <a:ea typeface="MS PGothic" pitchFamily="34" charset="-128"/>
+                <a:cs typeface="Arial" panose="020B0604020202020204" pitchFamily="34" charset="0"/>
+              </a:rPr>
+              <a:t>Connect</a:t>
+            </a:r>
+            <a:endParaRPr lang="fr-FR" sz="900" dirty="0">
+              <a:latin typeface="Arial" panose="020B0604020202020204" pitchFamily="34" charset="0"/>
+              <a:ea typeface="MS PGothic" pitchFamily="34" charset="-128"/>
+              <a:cs typeface="Arial" panose="020B0604020202020204" pitchFamily="34" charset="0"/>
+            </a:endParaRPr>
           </a:p>
         </p:txBody>
       </p:sp>
@@ -17082,16 +18810,19 @@
             </a:pPr>
             <a:r>
               <a:rPr lang="fr-FR" sz="900" dirty="0"/>
-              <a:t>xxx</a:t>
+              <a:t>Industrialiser la prédiction du prix de location (</a:t>
             </a:r>
-            <a:endParaRPr lang="fr-FR" sz="900" dirty="0">
-              <a:latin typeface="Arial" panose="020B0604020202020204" pitchFamily="34" charset="0"/>
-              <a:ea typeface="MS PGothic" pitchFamily="34" charset="-128"/>
-              <a:cs typeface="Arial" panose="020B0604020202020204" pitchFamily="34" charset="0"/>
-            </a:endParaRPr>
+            <a:r>
+              <a:rPr lang="fr-FR" sz="900" dirty="0" err="1"/>
+              <a:t>pricing</a:t>
+            </a:r>
+            <a:r>
+              <a:rPr lang="fr-FR" sz="900" dirty="0"/>
+              <a:t>)</a:t>
+            </a:r>
           </a:p>
           <a:p>
-            <a:pPr defTabSz="914400" eaLnBrk="0" fontAlgn="base" hangingPunct="0">
+            <a:pPr eaLnBrk="0" fontAlgn="base" hangingPunct="0">
               <a:spcBef>
                 <a:spcPts val="600"/>
               </a:spcBef>
@@ -17121,7 +18852,60 @@
             </a:pPr>
             <a:r>
               <a:rPr lang="fr-FR" sz="900" dirty="0"/>
-              <a:t>xxx</a:t>
+              <a:t>Charger le modèle </a:t>
+            </a:r>
+            <a:r>
+              <a:rPr lang="fr-FR" sz="900" dirty="0" err="1"/>
+              <a:t>joblib</a:t>
+            </a:r>
+            <a:r>
+              <a:rPr lang="fr-FR" sz="900" dirty="0"/>
+              <a:t> + </a:t>
+            </a:r>
+            <a:r>
+              <a:rPr lang="fr-FR" sz="900" dirty="0" err="1"/>
+              <a:t>endpoint</a:t>
+            </a:r>
+            <a:r>
+              <a:rPr lang="fr-FR" sz="900" dirty="0"/>
+              <a:t> POST /</a:t>
+            </a:r>
+            <a:r>
+              <a:rPr lang="fr-FR" sz="900" dirty="0" err="1"/>
+              <a:t>predict</a:t>
+            </a:r>
+            <a:endParaRPr lang="fr-FR" sz="900" dirty="0"/>
+          </a:p>
+          <a:p>
+            <a:pPr marL="171450" indent="-171450" defTabSz="914400" eaLnBrk="0" fontAlgn="base" hangingPunct="0">
+              <a:spcBef>
+                <a:spcPts val="600"/>
+              </a:spcBef>
+              <a:spcAft>
+                <a:spcPct val="0"/>
+              </a:spcAft>
+              <a:buFont typeface="Arial" panose="020B0604020202020204" pitchFamily="34" charset="0"/>
+              <a:buChar char="•"/>
+            </a:pPr>
+            <a:r>
+              <a:rPr lang="fr-FR" sz="900" dirty="0"/>
+              <a:t>Déploiement sur </a:t>
+            </a:r>
+            <a:r>
+              <a:rPr lang="fr-FR" sz="900" dirty="0" err="1"/>
+              <a:t>Hugging</a:t>
+            </a:r>
+            <a:r>
+              <a:rPr lang="fr-FR" sz="900" dirty="0"/>
+              <a:t> Face </a:t>
+            </a:r>
+            <a:r>
+              <a:rPr lang="fr-FR" sz="900" dirty="0" err="1"/>
+              <a:t>Spaces</a:t>
+            </a:r>
+            <a:r>
+              <a:rPr lang="fr-FR" sz="900" dirty="0"/>
+              <a:t> (Docker)</a:t>
             </a:r>
             <a:endParaRPr lang="fr-FR" sz="900" dirty="0">
               <a:latin typeface="Arial" panose="020B0604020202020204" pitchFamily="34" charset="0"/>
@@ -17203,7 +18987,15 @@
             </a:pPr>
             <a:r>
               <a:rPr lang="fr-FR" sz="900" dirty="0"/>
-              <a:t>xxx</a:t>
+              <a:t>Livraison d’un </a:t>
+            </a:r>
+            <a:r>
+              <a:rPr lang="fr-FR" sz="900" dirty="0" err="1"/>
+              <a:t>dashboard</a:t>
+            </a:r>
+            <a:r>
+              <a:rPr lang="fr-FR" sz="900" dirty="0"/>
+              <a:t> décisionnel intégré</a:t>
             </a:r>
             <a:endParaRPr lang="fr-FR" sz="900" dirty="0">
               <a:latin typeface="Arial" panose="020B0604020202020204" pitchFamily="34" charset="0"/>
@@ -17242,23 +19034,93 @@
             </a:pPr>
             <a:r>
               <a:rPr lang="fr-FR" sz="900" dirty="0"/>
-              <a:t>xxx</a:t>
+              <a:t>Déploiement sur </a:t>
             </a:r>
-            <a:endParaRPr lang="fr-FR" sz="900" dirty="0">
+            <a:r>
+              <a:rPr lang="fr-FR" sz="900" dirty="0" err="1"/>
+              <a:t>Hugging</a:t>
+            </a:r>
+            <a:r>
+              <a:rPr lang="fr-FR" sz="900" dirty="0"/>
+              <a:t> Face </a:t>
+            </a:r>
+            <a:r>
+              <a:rPr lang="fr-FR" sz="900" dirty="0" err="1"/>
+              <a:t>Spaces</a:t>
+            </a:r>
+            <a:r>
+              <a:rPr lang="fr-FR" sz="900" dirty="0"/>
+              <a:t> (Docker)</a:t>
+            </a:r>
+            <a:endParaRPr lang="fr-FR" sz="900" b="1" dirty="0">
               <a:latin typeface="Arial" panose="020B0604020202020204" pitchFamily="34" charset="0"/>
               <a:ea typeface="MS PGothic" pitchFamily="34" charset="-128"/>
               <a:cs typeface="Arial" panose="020B0604020202020204" pitchFamily="34" charset="0"/>
             </a:endParaRPr>
           </a:p>
           <a:p>
-            <a:pPr defTabSz="914400" eaLnBrk="0" fontAlgn="base" hangingPunct="0">
+            <a:pPr marL="171450" indent="-171450" defTabSz="914400" eaLnBrk="0" fontAlgn="base" hangingPunct="0">
               <a:spcBef>
                 <a:spcPts val="600"/>
               </a:spcBef>
               <a:spcAft>
                 <a:spcPct val="0"/>
               </a:spcAft>
+              <a:buFont typeface="Arial" panose="020B0604020202020204" pitchFamily="34" charset="0"/>
+              <a:buChar char="•"/>
             </a:pPr>
+            <a:r>
+              <a:rPr lang="fr-FR" sz="900" dirty="0"/>
+              <a:t>Recommandation de seuil (global / </a:t>
+            </a:r>
+            <a:r>
+              <a:rPr lang="fr-FR" sz="900" dirty="0" err="1"/>
+              <a:t>Connect</a:t>
+            </a:r>
+            <a:r>
+              <a:rPr lang="fr-FR" sz="900" dirty="0"/>
+              <a:t>) </a:t>
+            </a:r>
+          </a:p>
+          <a:p>
+            <a:pPr marL="171450" indent="-171450" defTabSz="914400" eaLnBrk="0" fontAlgn="base" hangingPunct="0">
+              <a:spcBef>
+                <a:spcPts val="600"/>
+              </a:spcBef>
+              <a:spcAft>
+                <a:spcPct val="0"/>
+              </a:spcAft>
+              <a:buFont typeface="Arial" panose="020B0604020202020204" pitchFamily="34" charset="0"/>
+              <a:buChar char="•"/>
+            </a:pPr>
+            <a:r>
+              <a:rPr lang="fr-FR" sz="900" dirty="0"/>
+              <a:t>Dashboard </a:t>
+            </a:r>
+            <a:r>
+              <a:rPr lang="fr-FR" sz="900" dirty="0" err="1"/>
+              <a:t>Streamlit</a:t>
+            </a:r>
+            <a:r>
+              <a:rPr lang="fr-FR" sz="900" dirty="0"/>
+              <a:t> + </a:t>
+            </a:r>
+            <a:r>
+              <a:rPr lang="fr-FR" sz="900" dirty="0" err="1"/>
+              <a:t>endpoint</a:t>
+            </a:r>
+            <a:r>
+              <a:rPr lang="fr-FR" sz="900" dirty="0"/>
+              <a:t> API (</a:t>
+            </a:r>
+            <a:r>
+              <a:rPr lang="fr-FR" sz="900" dirty="0" err="1"/>
+              <a:t>pricing</a:t>
+            </a:r>
+            <a:r>
+              <a:rPr lang="fr-FR" sz="900" dirty="0"/>
+              <a:t>)</a:t>
+            </a:r>
             <a:endParaRPr lang="fr-FR" sz="900" dirty="0">
               <a:latin typeface="Arial" panose="020B0604020202020204" pitchFamily="34" charset="0"/>
               <a:ea typeface="MS PGothic" pitchFamily="34" charset="-128"/>
@@ -17876,53 +19738,63 @@
           <a:chExt cx="0" cy="0"/>
         </a:xfrm>
       </p:grpSpPr>
-      <p:cxnSp>
-        <p:nvCxnSpPr>
-          <p:cNvPr id="1075" name="Connecteur : en angle 1074">
+      <p:sp>
+        <p:nvSpPr>
+          <p:cNvPr id="98" name="Rectangle : coins arrondis 97">
             <a:extLst>
               <a:ext uri="{FF2B5EF4-FFF2-40B4-BE49-F238E27FC236}">
-                <a16:creationId xmlns:a16="http://schemas.microsoft.com/office/drawing/2014/main" id="{EB70B985-2508-613E-3824-FAD3BB6966AC}"/>
+                <a16:creationId xmlns:a16="http://schemas.microsoft.com/office/drawing/2014/main" id="{DC03F088-F580-351B-D5FE-5AE0A2FB4E6B}"/>
               </a:ext>
             </a:extLst>
           </p:cNvPr>
-          <p:cNvCxnSpPr>
-            <a:cxnSpLocks/>
-            <a:stCxn id="2097" idx="2"/>
-            <a:endCxn id="43" idx="3"/>
-          </p:cNvCxnSpPr>
+          <p:cNvSpPr/>
           <p:nvPr/>
-        </p:nvCxnSpPr>
+        </p:nvSpPr>
         <p:spPr>
-          <a:xfrm rot="5400000">
-            <a:off x="7570819" y="3859448"/>
-            <a:ext cx="739989" cy="298315"/>
+          <a:xfrm>
+            <a:off x="2496506" y="1709556"/>
+            <a:ext cx="1733500" cy="2867668"/>
           </a:xfrm>
-          <a:prstGeom prst="bentConnector2">
+          <a:prstGeom prst="roundRect">
             <a:avLst/>
           </a:prstGeom>
-          <a:ln>
+          <a:solidFill>
+            <a:srgbClr val="F7F7F7"/>
+          </a:solidFill>
+          <a:ln w="9525">
             <a:solidFill>
-              <a:srgbClr val="FF0080"/>
+              <a:schemeClr val="bg1">
+                <a:lumMod val="65000"/>
+              </a:schemeClr>
             </a:solidFill>
-            <a:headEnd type="triangle"/>
-            <a:tailEnd type="triangle"/>
+            <a:prstDash val="dash"/>
           </a:ln>
         </p:spPr>
         <p:style>
-          <a:lnRef idx="1">
-            <a:schemeClr val="accent1"/>
+          <a:lnRef idx="2">
+            <a:schemeClr val="accent1">
+              <a:shade val="15000"/>
+            </a:schemeClr>
           </a:lnRef>
-          <a:fillRef idx="0">
+          <a:fillRef idx="1">
             <a:schemeClr val="accent1"/>
           </a:fillRef>
           <a:effectRef idx="0">
             <a:schemeClr val="accent1"/>
           </a:effectRef>
           <a:fontRef idx="minor">
-            <a:schemeClr val="tx1"/>
+            <a:schemeClr val="lt1"/>
           </a:fontRef>
         </p:style>
-      </p:cxnSp>
+        <p:txBody>
+          <a:bodyPr rtlCol="0" anchor="ctr"/>
+          <a:lstStyle/>
+          <a:p>
+            <a:pPr algn="ctr"/>
+            <a:endParaRPr lang="fr-FR" dirty="0"/>
+          </a:p>
+        </p:txBody>
+      </p:sp>
       <p:sp>
         <p:nvSpPr>
           <p:cNvPr id="26" name="Forme libre : forme 25">
@@ -18867,694 +20739,287 @@
           </a:p>
         </p:txBody>
       </p:sp>
-      <p:grpSp>
-        <p:nvGrpSpPr>
-          <p:cNvPr id="16" name="Groupe 15">
+      <p:cxnSp>
+        <p:nvCxnSpPr>
+          <p:cNvPr id="28" name="Connecteur droit 27">
             <a:extLst>
               <a:ext uri="{FF2B5EF4-FFF2-40B4-BE49-F238E27FC236}">
-                <a16:creationId xmlns:a16="http://schemas.microsoft.com/office/drawing/2014/main" id="{D56B5F17-0455-4EEE-EA40-088735D5E368}"/>
+                <a16:creationId xmlns:a16="http://schemas.microsoft.com/office/drawing/2014/main" id="{66A68388-D1A7-6AC6-5F1F-65E1A6494D4A}"/>
               </a:ext>
             </a:extLst>
           </p:cNvPr>
-          <p:cNvGrpSpPr/>
+          <p:cNvCxnSpPr/>
           <p:nvPr/>
-        </p:nvGrpSpPr>
-        <p:grpSpPr>
+        </p:nvCxnSpPr>
+        <p:spPr>
           <a:xfrm>
-            <a:off x="263070" y="1458686"/>
-            <a:ext cx="2030067" cy="3272971"/>
-            <a:chOff x="263070" y="1458686"/>
-            <a:chExt cx="2030067" cy="3272971"/>
+            <a:off x="2293137" y="1458686"/>
+            <a:ext cx="0" cy="3272971"/>
           </a:xfrm>
-        </p:grpSpPr>
-        <p:pic>
-          <p:nvPicPr>
-            <p:cNvPr id="1028" name="Picture 4">
-              <a:extLst>
-                <a:ext uri="{FF2B5EF4-FFF2-40B4-BE49-F238E27FC236}">
-                  <a16:creationId xmlns:a16="http://schemas.microsoft.com/office/drawing/2014/main" id="{D0C03EA7-EAD6-1A33-21AE-920B9121582F}"/>
-                </a:ext>
-              </a:extLst>
-            </p:cNvPr>
-            <p:cNvPicPr>
-              <a:picLocks noChangeAspect="1" noChangeArrowheads="1"/>
-            </p:cNvPicPr>
-            <p:nvPr/>
-          </p:nvPicPr>
-          <p:blipFill rotWithShape="1">
-            <a:blip r:embed="rId5">
-              <a:extLst>
-                <a:ext uri="{28A0092B-C50C-407E-A947-70E740481C1C}">
-                  <a14:useLocalDpi xmlns:a14="http://schemas.microsoft.com/office/drawing/2010/main" val="0"/>
-                </a:ext>
-              </a:extLst>
-            </a:blip>
-            <a:srcRect l="11432" t="21688" r="13291" b="23045"/>
-            <a:stretch>
-              <a:fillRect/>
-            </a:stretch>
-          </p:blipFill>
-          <p:spPr bwMode="auto">
-            <a:xfrm>
-              <a:off x="626281" y="1716520"/>
-              <a:ext cx="653142" cy="274016"/>
-            </a:xfrm>
-            <a:prstGeom prst="rect">
-              <a:avLst/>
-            </a:prstGeom>
-            <a:noFill/>
+          <a:prstGeom prst="line">
+            <a:avLst/>
+          </a:prstGeom>
+          <a:ln w="19050">
+            <a:solidFill>
+              <a:schemeClr val="bg1">
+                <a:lumMod val="75000"/>
+              </a:schemeClr>
+            </a:solidFill>
+            <a:prstDash val="dash"/>
+          </a:ln>
+        </p:spPr>
+        <p:style>
+          <a:lnRef idx="1">
+            <a:schemeClr val="dk1"/>
+          </a:lnRef>
+          <a:fillRef idx="0">
+            <a:schemeClr val="dk1"/>
+          </a:fillRef>
+          <a:effectRef idx="0">
+            <a:schemeClr val="dk1"/>
+          </a:effectRef>
+          <a:fontRef idx="minor">
+            <a:schemeClr val="tx1"/>
+          </a:fontRef>
+        </p:style>
+      </p:cxnSp>
+      <p:pic>
+        <p:nvPicPr>
+          <p:cNvPr id="127" name="Picture 8">
             <a:extLst>
-              <a:ext uri="{909E8E84-426E-40DD-AFC4-6F175D3DCCD1}">
-                <a14:hiddenFill xmlns:a14="http://schemas.microsoft.com/office/drawing/2010/main">
-                  <a:solidFill>
-                    <a:srgbClr val="FFFFFF"/>
-                  </a:solidFill>
-                </a14:hiddenFill>
+              <a:ext uri="{FF2B5EF4-FFF2-40B4-BE49-F238E27FC236}">
+                <a16:creationId xmlns:a16="http://schemas.microsoft.com/office/drawing/2014/main" id="{0DF6E305-58E0-10D9-0E90-7E26126193AF}"/>
               </a:ext>
             </a:extLst>
-          </p:spPr>
-        </p:pic>
-        <p:pic>
-          <p:nvPicPr>
-            <p:cNvPr id="1030" name="Picture 6">
-              <a:extLst>
-                <a:ext uri="{FF2B5EF4-FFF2-40B4-BE49-F238E27FC236}">
-                  <a16:creationId xmlns:a16="http://schemas.microsoft.com/office/drawing/2014/main" id="{2941D76B-6840-C572-907F-F3680B66EBF7}"/>
-                </a:ext>
-              </a:extLst>
-            </p:cNvPr>
-            <p:cNvPicPr>
-              <a:picLocks noChangeAspect="1" noChangeArrowheads="1"/>
-            </p:cNvPicPr>
-            <p:nvPr/>
-          </p:nvPicPr>
-          <p:blipFill rotWithShape="1">
-            <a:blip r:embed="rId6">
-              <a:extLst>
-                <a:ext uri="{28A0092B-C50C-407E-A947-70E740481C1C}">
-                  <a14:useLocalDpi xmlns:a14="http://schemas.microsoft.com/office/drawing/2010/main" val="0"/>
-                </a:ext>
-              </a:extLst>
-            </a:blip>
-            <a:srcRect l="30624" r="31046" b="34033"/>
-            <a:stretch>
-              <a:fillRect/>
-            </a:stretch>
-          </p:blipFill>
-          <p:spPr bwMode="auto">
-            <a:xfrm>
-              <a:off x="756608" y="2278455"/>
-              <a:ext cx="386389" cy="485958"/>
-            </a:xfrm>
-            <a:prstGeom prst="rect">
-              <a:avLst/>
-            </a:prstGeom>
-            <a:noFill/>
+          </p:cNvPr>
+          <p:cNvPicPr>
+            <a:picLocks noChangeAspect="1" noChangeArrowheads="1"/>
+          </p:cNvPicPr>
+          <p:nvPr/>
+        </p:nvPicPr>
+        <p:blipFill rotWithShape="1">
+          <a:blip r:embed="rId5">
             <a:extLst>
-              <a:ext uri="{909E8E84-426E-40DD-AFC4-6F175D3DCCD1}">
-                <a14:hiddenFill xmlns:a14="http://schemas.microsoft.com/office/drawing/2010/main">
-                  <a:solidFill>
-                    <a:srgbClr val="FFFFFF"/>
-                  </a:solidFill>
-                </a14:hiddenFill>
+              <a:ext uri="{28A0092B-C50C-407E-A947-70E740481C1C}">
+                <a14:useLocalDpi xmlns:a14="http://schemas.microsoft.com/office/drawing/2010/main" val="0"/>
               </a:ext>
             </a:extLst>
-          </p:spPr>
-        </p:pic>
-        <p:cxnSp>
-          <p:nvCxnSpPr>
-            <p:cNvPr id="28" name="Connecteur droit 27">
-              <a:extLst>
-                <a:ext uri="{FF2B5EF4-FFF2-40B4-BE49-F238E27FC236}">
-                  <a16:creationId xmlns:a16="http://schemas.microsoft.com/office/drawing/2014/main" id="{66A68388-D1A7-6AC6-5F1F-65E1A6494D4A}"/>
-                </a:ext>
-              </a:extLst>
-            </p:cNvPr>
-            <p:cNvCxnSpPr/>
-            <p:nvPr/>
-          </p:nvCxnSpPr>
-          <p:spPr>
-            <a:xfrm>
-              <a:off x="2293137" y="1458686"/>
-              <a:ext cx="0" cy="3272971"/>
-            </a:xfrm>
-            <a:prstGeom prst="line">
-              <a:avLst/>
-            </a:prstGeom>
-            <a:ln w="19050">
-              <a:solidFill>
-                <a:schemeClr val="bg1">
-                  <a:lumMod val="75000"/>
-                </a:schemeClr>
-              </a:solidFill>
-              <a:prstDash val="dash"/>
-            </a:ln>
-          </p:spPr>
-          <p:style>
-            <a:lnRef idx="1">
-              <a:schemeClr val="dk1"/>
-            </a:lnRef>
-            <a:fillRef idx="0">
-              <a:schemeClr val="dk1"/>
-            </a:fillRef>
-            <a:effectRef idx="0">
-              <a:schemeClr val="dk1"/>
-            </a:effectRef>
-            <a:fontRef idx="minor">
-              <a:schemeClr val="tx1"/>
-            </a:fontRef>
-          </p:style>
-        </p:cxnSp>
-        <p:sp>
-          <p:nvSpPr>
-            <p:cNvPr id="58" name="ZoneTexte 57">
-              <a:extLst>
-                <a:ext uri="{FF2B5EF4-FFF2-40B4-BE49-F238E27FC236}">
-                  <a16:creationId xmlns:a16="http://schemas.microsoft.com/office/drawing/2014/main" id="{42C67AD7-C645-5367-3E47-6D6A996C5FE8}"/>
-                </a:ext>
-              </a:extLst>
-            </p:cNvPr>
-            <p:cNvSpPr txBox="1"/>
-            <p:nvPr/>
-          </p:nvSpPr>
-          <p:spPr>
-            <a:xfrm>
-              <a:off x="512232" y="2694535"/>
-              <a:ext cx="863541" cy="292388"/>
-            </a:xfrm>
-            <a:prstGeom prst="rect">
-              <a:avLst/>
-            </a:prstGeom>
-            <a:noFill/>
-          </p:spPr>
-          <p:txBody>
-            <a:bodyPr wrap="square" rtlCol="0">
-              <a:spAutoFit/>
-            </a:bodyPr>
-            <a:lstStyle/>
-            <a:p>
-              <a:pPr algn="ctr"/>
-              <a:r>
-                <a:rPr lang="fr-FR" sz="700" b="1" dirty="0"/>
-                <a:t>USGS / Landsat</a:t>
-              </a:r>
-            </a:p>
-            <a:p>
-              <a:pPr algn="ctr"/>
-              <a:r>
-                <a:rPr lang="fr-FR" sz="600" b="1" dirty="0"/>
-                <a:t>(métadonnées)</a:t>
-              </a:r>
-            </a:p>
-          </p:txBody>
-        </p:sp>
-        <p:pic>
-          <p:nvPicPr>
-            <p:cNvPr id="65" name="Picture 6">
-              <a:extLst>
-                <a:ext uri="{FF2B5EF4-FFF2-40B4-BE49-F238E27FC236}">
-                  <a16:creationId xmlns:a16="http://schemas.microsoft.com/office/drawing/2014/main" id="{976AB5B9-1D61-B29C-C9DE-9051A31E8E27}"/>
-                </a:ext>
-              </a:extLst>
-            </p:cNvPr>
-            <p:cNvPicPr>
-              <a:picLocks noChangeAspect="1" noChangeArrowheads="1"/>
-            </p:cNvPicPr>
-            <p:nvPr/>
-          </p:nvPicPr>
-          <p:blipFill rotWithShape="1">
-            <a:blip r:embed="rId6">
-              <a:extLst>
-                <a:ext uri="{28A0092B-C50C-407E-A947-70E740481C1C}">
-                  <a14:useLocalDpi xmlns:a14="http://schemas.microsoft.com/office/drawing/2010/main" val="0"/>
-                </a:ext>
-              </a:extLst>
-            </a:blip>
-            <a:srcRect l="33049" r="31047" b="34033"/>
-            <a:stretch>
-              <a:fillRect/>
-            </a:stretch>
-          </p:blipFill>
-          <p:spPr bwMode="auto">
-            <a:xfrm>
-              <a:off x="781055" y="3014137"/>
-              <a:ext cx="361938" cy="485958"/>
-            </a:xfrm>
-            <a:prstGeom prst="rect">
-              <a:avLst/>
-            </a:prstGeom>
-            <a:noFill/>
+          </a:blip>
+          <a:srcRect r="14203"/>
+          <a:stretch>
+            <a:fillRect/>
+          </a:stretch>
+        </p:blipFill>
+        <p:spPr bwMode="auto">
+          <a:xfrm>
+            <a:off x="1666945" y="2090436"/>
+            <a:ext cx="492649" cy="574192"/>
+          </a:xfrm>
+          <a:prstGeom prst="rect">
+            <a:avLst/>
+          </a:prstGeom>
+          <a:noFill/>
+          <a:extLst>
+            <a:ext uri="{909E8E84-426E-40DD-AFC4-6F175D3DCCD1}">
+              <a14:hiddenFill xmlns:a14="http://schemas.microsoft.com/office/drawing/2010/main">
+                <a:solidFill>
+                  <a:srgbClr val="FFFFFF"/>
+                </a:solidFill>
+              </a14:hiddenFill>
+            </a:ext>
+          </a:extLst>
+        </p:spPr>
+      </p:pic>
+      <p:pic>
+        <p:nvPicPr>
+          <p:cNvPr id="1033" name="Picture 10">
             <a:extLst>
-              <a:ext uri="{909E8E84-426E-40DD-AFC4-6F175D3DCCD1}">
-                <a14:hiddenFill xmlns:a14="http://schemas.microsoft.com/office/drawing/2010/main">
-                  <a:solidFill>
-                    <a:srgbClr val="FFFFFF"/>
-                  </a:solidFill>
-                </a14:hiddenFill>
+              <a:ext uri="{FF2B5EF4-FFF2-40B4-BE49-F238E27FC236}">
+                <a16:creationId xmlns:a16="http://schemas.microsoft.com/office/drawing/2014/main" id="{FD816D59-77CA-1E04-DAC5-C8410FAC6198}"/>
               </a:ext>
             </a:extLst>
-          </p:spPr>
-        </p:pic>
-        <p:sp>
-          <p:nvSpPr>
-            <p:cNvPr id="67" name="ZoneTexte 66">
-              <a:extLst>
-                <a:ext uri="{FF2B5EF4-FFF2-40B4-BE49-F238E27FC236}">
-                  <a16:creationId xmlns:a16="http://schemas.microsoft.com/office/drawing/2014/main" id="{77C37EC6-CDFA-6EF5-9731-EDD14211D90B}"/>
-                </a:ext>
-              </a:extLst>
-            </p:cNvPr>
-            <p:cNvSpPr txBox="1"/>
-            <p:nvPr/>
-          </p:nvSpPr>
-          <p:spPr>
-            <a:xfrm>
-              <a:off x="463375" y="3488496"/>
-              <a:ext cx="949270" cy="200055"/>
-            </a:xfrm>
-            <a:prstGeom prst="rect">
-              <a:avLst/>
-            </a:prstGeom>
-            <a:noFill/>
-          </p:spPr>
-          <p:txBody>
-            <a:bodyPr wrap="square" rtlCol="0">
-              <a:spAutoFit/>
-            </a:bodyPr>
-            <a:lstStyle/>
-            <a:p>
-              <a:pPr algn="ctr"/>
-              <a:r>
-                <a:rPr lang="fr-FR" sz="700" b="1" dirty="0"/>
-                <a:t>Production RTE</a:t>
-              </a:r>
-            </a:p>
-          </p:txBody>
-        </p:sp>
-        <p:pic>
-          <p:nvPicPr>
-            <p:cNvPr id="68" name="Picture 6">
-              <a:extLst>
-                <a:ext uri="{FF2B5EF4-FFF2-40B4-BE49-F238E27FC236}">
-                  <a16:creationId xmlns:a16="http://schemas.microsoft.com/office/drawing/2014/main" id="{6A1FE08D-DF15-8940-EAA5-98ED76914736}"/>
-                </a:ext>
-              </a:extLst>
-            </p:cNvPr>
-            <p:cNvPicPr>
-              <a:picLocks noChangeAspect="1" noChangeArrowheads="1"/>
-            </p:cNvPicPr>
-            <p:nvPr/>
-          </p:nvPicPr>
-          <p:blipFill rotWithShape="1">
-            <a:blip r:embed="rId6">
-              <a:extLst>
-                <a:ext uri="{28A0092B-C50C-407E-A947-70E740481C1C}">
-                  <a14:useLocalDpi xmlns:a14="http://schemas.microsoft.com/office/drawing/2010/main" val="0"/>
-                </a:ext>
-              </a:extLst>
-            </a:blip>
-            <a:srcRect l="33049" r="31047" b="34033"/>
-            <a:stretch>
-              <a:fillRect/>
-            </a:stretch>
-          </p:blipFill>
-          <p:spPr bwMode="auto">
-            <a:xfrm>
-              <a:off x="793739" y="3762369"/>
-              <a:ext cx="361937" cy="485958"/>
-            </a:xfrm>
-            <a:prstGeom prst="rect">
-              <a:avLst/>
-            </a:prstGeom>
-            <a:noFill/>
+          </p:cNvPr>
+          <p:cNvPicPr>
+            <a:picLocks noChangeAspect="1" noChangeArrowheads="1"/>
+          </p:cNvPicPr>
+          <p:nvPr/>
+        </p:nvPicPr>
+        <p:blipFill rotWithShape="1">
+          <a:blip r:embed="rId6">
             <a:extLst>
-              <a:ext uri="{909E8E84-426E-40DD-AFC4-6F175D3DCCD1}">
-                <a14:hiddenFill xmlns:a14="http://schemas.microsoft.com/office/drawing/2010/main">
-                  <a:solidFill>
-                    <a:srgbClr val="FFFFFF"/>
-                  </a:solidFill>
-                </a14:hiddenFill>
+              <a:ext uri="{28A0092B-C50C-407E-A947-70E740481C1C}">
+                <a14:useLocalDpi xmlns:a14="http://schemas.microsoft.com/office/drawing/2010/main" val="0"/>
               </a:ext>
             </a:extLst>
-          </p:spPr>
-        </p:pic>
-        <p:sp>
-          <p:nvSpPr>
-            <p:cNvPr id="70" name="ZoneTexte 69">
-              <a:extLst>
-                <a:ext uri="{FF2B5EF4-FFF2-40B4-BE49-F238E27FC236}">
-                  <a16:creationId xmlns:a16="http://schemas.microsoft.com/office/drawing/2014/main" id="{78E1D7E3-9E06-E6A5-253E-A6CE2A2F1050}"/>
-                </a:ext>
-              </a:extLst>
-            </p:cNvPr>
-            <p:cNvSpPr txBox="1"/>
-            <p:nvPr/>
-          </p:nvSpPr>
-          <p:spPr>
-            <a:xfrm>
-              <a:off x="463374" y="4238831"/>
-              <a:ext cx="959011" cy="200055"/>
-            </a:xfrm>
-            <a:prstGeom prst="rect">
-              <a:avLst/>
-            </a:prstGeom>
-            <a:noFill/>
-          </p:spPr>
-          <p:txBody>
-            <a:bodyPr wrap="square" rtlCol="0">
-              <a:spAutoFit/>
-            </a:bodyPr>
-            <a:lstStyle/>
-            <a:p>
-              <a:pPr algn="ctr"/>
-              <a:r>
-                <a:rPr lang="fr-FR" sz="700" b="1" dirty="0"/>
-                <a:t>Solar Data</a:t>
-              </a:r>
-            </a:p>
-          </p:txBody>
-        </p:sp>
-        <p:sp>
-          <p:nvSpPr>
-            <p:cNvPr id="73" name="ZoneTexte 72">
-              <a:extLst>
-                <a:ext uri="{FF2B5EF4-FFF2-40B4-BE49-F238E27FC236}">
-                  <a16:creationId xmlns:a16="http://schemas.microsoft.com/office/drawing/2014/main" id="{33C41871-317D-BA64-26E2-EBEE7A51AE73}"/>
-                </a:ext>
-              </a:extLst>
-            </p:cNvPr>
-            <p:cNvSpPr txBox="1"/>
-            <p:nvPr/>
-          </p:nvSpPr>
-          <p:spPr>
-            <a:xfrm>
-              <a:off x="263070" y="2047148"/>
-              <a:ext cx="1390212" cy="200055"/>
-            </a:xfrm>
-            <a:prstGeom prst="rect">
-              <a:avLst/>
-            </a:prstGeom>
-            <a:noFill/>
-          </p:spPr>
-          <p:txBody>
-            <a:bodyPr wrap="square" rtlCol="0">
-              <a:spAutoFit/>
-            </a:bodyPr>
-            <a:lstStyle/>
-            <a:p>
-              <a:pPr algn="ctr"/>
-              <a:r>
-                <a:rPr lang="fr-FR" sz="700" b="1" dirty="0"/>
-                <a:t>Météo</a:t>
-              </a:r>
-            </a:p>
-          </p:txBody>
-        </p:sp>
-        <p:pic>
-          <p:nvPicPr>
-            <p:cNvPr id="1026" name="Picture 2">
-              <a:extLst>
-                <a:ext uri="{FF2B5EF4-FFF2-40B4-BE49-F238E27FC236}">
-                  <a16:creationId xmlns:a16="http://schemas.microsoft.com/office/drawing/2014/main" id="{923FE2F2-F305-A7CE-975B-2A2BA912E4B7}"/>
-                </a:ext>
-              </a:extLst>
-            </p:cNvPr>
-            <p:cNvPicPr>
-              <a:picLocks noChangeAspect="1" noChangeArrowheads="1"/>
-            </p:cNvPicPr>
-            <p:nvPr/>
-          </p:nvPicPr>
-          <p:blipFill rotWithShape="1">
-            <a:blip r:embed="rId7">
-              <a:extLst>
-                <a:ext uri="{28A0092B-C50C-407E-A947-70E740481C1C}">
-                  <a14:useLocalDpi xmlns:a14="http://schemas.microsoft.com/office/drawing/2010/main" val="0"/>
-                </a:ext>
-              </a:extLst>
-            </a:blip>
-            <a:srcRect l="14585" t="12264" r="16331" b="16417"/>
-            <a:stretch>
-              <a:fillRect/>
-            </a:stretch>
-          </p:blipFill>
-          <p:spPr bwMode="auto">
-            <a:xfrm>
-              <a:off x="1095600" y="1606201"/>
-              <a:ext cx="264768" cy="273335"/>
-            </a:xfrm>
-            <a:prstGeom prst="rect">
-              <a:avLst/>
-            </a:prstGeom>
-            <a:noFill/>
+          </a:blip>
+          <a:srcRect r="14775"/>
+          <a:stretch>
+            <a:fillRect/>
+          </a:stretch>
+        </p:blipFill>
+        <p:spPr bwMode="auto">
+          <a:xfrm>
+            <a:off x="1684197" y="3519442"/>
+            <a:ext cx="492665" cy="578072"/>
+          </a:xfrm>
+          <a:prstGeom prst="rect">
+            <a:avLst/>
+          </a:prstGeom>
+          <a:noFill/>
+          <a:extLst>
+            <a:ext uri="{909E8E84-426E-40DD-AFC4-6F175D3DCCD1}">
+              <a14:hiddenFill xmlns:a14="http://schemas.microsoft.com/office/drawing/2010/main">
+                <a:solidFill>
+                  <a:srgbClr val="FFFFFF"/>
+                </a:solidFill>
+              </a14:hiddenFill>
+            </a:ext>
+          </a:extLst>
+        </p:spPr>
+      </p:pic>
+      <p:sp>
+        <p:nvSpPr>
+          <p:cNvPr id="3" name="Rectangle : coins arrondis 2">
             <a:extLst>
-              <a:ext uri="{909E8E84-426E-40DD-AFC4-6F175D3DCCD1}">
-                <a14:hiddenFill xmlns:a14="http://schemas.microsoft.com/office/drawing/2010/main">
-                  <a:solidFill>
-                    <a:srgbClr val="FFFFFF"/>
-                  </a:solidFill>
-                </a14:hiddenFill>
+              <a:ext uri="{FF2B5EF4-FFF2-40B4-BE49-F238E27FC236}">
+                <a16:creationId xmlns:a16="http://schemas.microsoft.com/office/drawing/2014/main" id="{33B23519-5EFA-F17A-CAA2-6EF8A191B3CD}"/>
               </a:ext>
             </a:extLst>
-          </p:spPr>
-        </p:pic>
-        <p:pic>
-          <p:nvPicPr>
-            <p:cNvPr id="127" name="Picture 8">
-              <a:extLst>
-                <a:ext uri="{FF2B5EF4-FFF2-40B4-BE49-F238E27FC236}">
-                  <a16:creationId xmlns:a16="http://schemas.microsoft.com/office/drawing/2014/main" id="{0DF6E305-58E0-10D9-0E90-7E26126193AF}"/>
-                </a:ext>
-              </a:extLst>
-            </p:cNvPr>
-            <p:cNvPicPr>
-              <a:picLocks noChangeAspect="1" noChangeArrowheads="1"/>
-            </p:cNvPicPr>
-            <p:nvPr/>
-          </p:nvPicPr>
-          <p:blipFill rotWithShape="1">
-            <a:blip r:embed="rId8">
-              <a:extLst>
-                <a:ext uri="{28A0092B-C50C-407E-A947-70E740481C1C}">
-                  <a14:useLocalDpi xmlns:a14="http://schemas.microsoft.com/office/drawing/2010/main" val="0"/>
-                </a:ext>
-              </a:extLst>
-            </a:blip>
-            <a:srcRect r="14203"/>
-            <a:stretch>
-              <a:fillRect/>
-            </a:stretch>
-          </p:blipFill>
-          <p:spPr bwMode="auto">
-            <a:xfrm>
-              <a:off x="1666945" y="2090436"/>
-              <a:ext cx="492649" cy="574192"/>
-            </a:xfrm>
-            <a:prstGeom prst="rect">
-              <a:avLst/>
-            </a:prstGeom>
-            <a:noFill/>
+          </p:cNvPr>
+          <p:cNvSpPr/>
+          <p:nvPr/>
+        </p:nvSpPr>
+        <p:spPr>
+          <a:xfrm>
+            <a:off x="456435" y="1694386"/>
+            <a:ext cx="972305" cy="2883756"/>
+          </a:xfrm>
+          <a:prstGeom prst="roundRect">
+            <a:avLst/>
+          </a:prstGeom>
+          <a:noFill/>
+          <a:ln w="9525">
+            <a:solidFill>
+              <a:schemeClr val="bg1">
+                <a:lumMod val="65000"/>
+              </a:schemeClr>
+            </a:solidFill>
+            <a:prstDash val="dash"/>
+          </a:ln>
+        </p:spPr>
+        <p:style>
+          <a:lnRef idx="2">
+            <a:schemeClr val="accent1">
+              <a:shade val="15000"/>
+            </a:schemeClr>
+          </a:lnRef>
+          <a:fillRef idx="1">
+            <a:schemeClr val="accent1"/>
+          </a:fillRef>
+          <a:effectRef idx="0">
+            <a:schemeClr val="accent1"/>
+          </a:effectRef>
+          <a:fontRef idx="minor">
+            <a:schemeClr val="lt1"/>
+          </a:fontRef>
+        </p:style>
+        <p:txBody>
+          <a:bodyPr rtlCol="0" anchor="ctr"/>
+          <a:lstStyle/>
+          <a:p>
+            <a:pPr algn="ctr"/>
+            <a:endParaRPr lang="fr-FR" dirty="0"/>
+          </a:p>
+        </p:txBody>
+      </p:sp>
+      <p:cxnSp>
+        <p:nvCxnSpPr>
+          <p:cNvPr id="6" name="Connecteur droit avec flèche 5">
             <a:extLst>
-              <a:ext uri="{909E8E84-426E-40DD-AFC4-6F175D3DCCD1}">
-                <a14:hiddenFill xmlns:a14="http://schemas.microsoft.com/office/drawing/2010/main">
-                  <a:solidFill>
-                    <a:srgbClr val="FFFFFF"/>
-                  </a:solidFill>
-                </a14:hiddenFill>
+              <a:ext uri="{FF2B5EF4-FFF2-40B4-BE49-F238E27FC236}">
+                <a16:creationId xmlns:a16="http://schemas.microsoft.com/office/drawing/2014/main" id="{804A8FE7-27C3-4C54-36F8-6A8C0900C5DA}"/>
               </a:ext>
             </a:extLst>
-          </p:spPr>
-        </p:pic>
-        <p:pic>
-          <p:nvPicPr>
-            <p:cNvPr id="1033" name="Picture 10">
-              <a:extLst>
-                <a:ext uri="{FF2B5EF4-FFF2-40B4-BE49-F238E27FC236}">
-                  <a16:creationId xmlns:a16="http://schemas.microsoft.com/office/drawing/2014/main" id="{FD816D59-77CA-1E04-DAC5-C8410FAC6198}"/>
-                </a:ext>
-              </a:extLst>
-            </p:cNvPr>
-            <p:cNvPicPr>
-              <a:picLocks noChangeAspect="1" noChangeArrowheads="1"/>
-            </p:cNvPicPr>
-            <p:nvPr/>
-          </p:nvPicPr>
-          <p:blipFill rotWithShape="1">
-            <a:blip r:embed="rId9">
-              <a:extLst>
-                <a:ext uri="{28A0092B-C50C-407E-A947-70E740481C1C}">
-                  <a14:useLocalDpi xmlns:a14="http://schemas.microsoft.com/office/drawing/2010/main" val="0"/>
-                </a:ext>
-              </a:extLst>
-            </a:blip>
-            <a:srcRect r="14775"/>
-            <a:stretch>
-              <a:fillRect/>
-            </a:stretch>
-          </p:blipFill>
-          <p:spPr bwMode="auto">
-            <a:xfrm>
-              <a:off x="1684197" y="3264975"/>
-              <a:ext cx="492665" cy="578072"/>
-            </a:xfrm>
-            <a:prstGeom prst="rect">
-              <a:avLst/>
-            </a:prstGeom>
-            <a:noFill/>
+          </p:cNvPr>
+          <p:cNvCxnSpPr>
+            <a:cxnSpLocks/>
+          </p:cNvCxnSpPr>
+          <p:nvPr/>
+        </p:nvCxnSpPr>
+        <p:spPr>
+          <a:xfrm>
+            <a:off x="1429014" y="2383224"/>
+            <a:ext cx="362079" cy="0"/>
+          </a:xfrm>
+          <a:prstGeom prst="straightConnector1">
+            <a:avLst/>
+          </a:prstGeom>
+          <a:ln w="38100">
+            <a:solidFill>
+              <a:srgbClr val="B266FF"/>
+            </a:solidFill>
+            <a:tailEnd type="triangle"/>
+          </a:ln>
+        </p:spPr>
+        <p:style>
+          <a:lnRef idx="1">
+            <a:schemeClr val="accent1"/>
+          </a:lnRef>
+          <a:fillRef idx="0">
+            <a:schemeClr val="accent1"/>
+          </a:fillRef>
+          <a:effectRef idx="0">
+            <a:schemeClr val="accent1"/>
+          </a:effectRef>
+          <a:fontRef idx="minor">
+            <a:schemeClr val="tx1"/>
+          </a:fontRef>
+        </p:style>
+      </p:cxnSp>
+      <p:cxnSp>
+        <p:nvCxnSpPr>
+          <p:cNvPr id="10" name="Connecteur droit avec flèche 9">
             <a:extLst>
-              <a:ext uri="{909E8E84-426E-40DD-AFC4-6F175D3DCCD1}">
-                <a14:hiddenFill xmlns:a14="http://schemas.microsoft.com/office/drawing/2010/main">
-                  <a:solidFill>
-                    <a:srgbClr val="FFFFFF"/>
-                  </a:solidFill>
-                </a14:hiddenFill>
+              <a:ext uri="{FF2B5EF4-FFF2-40B4-BE49-F238E27FC236}">
+                <a16:creationId xmlns:a16="http://schemas.microsoft.com/office/drawing/2014/main" id="{A34EFFD9-2B7F-223F-36C3-4CCC46291479}"/>
               </a:ext>
             </a:extLst>
-          </p:spPr>
-        </p:pic>
-        <p:sp>
-          <p:nvSpPr>
-            <p:cNvPr id="3" name="Rectangle : coins arrondis 2">
-              <a:extLst>
-                <a:ext uri="{FF2B5EF4-FFF2-40B4-BE49-F238E27FC236}">
-                  <a16:creationId xmlns:a16="http://schemas.microsoft.com/office/drawing/2014/main" id="{33B23519-5EFA-F17A-CAA2-6EF8A191B3CD}"/>
-                </a:ext>
-              </a:extLst>
-            </p:cNvPr>
-            <p:cNvSpPr/>
-            <p:nvPr/>
-          </p:nvSpPr>
-          <p:spPr>
-            <a:xfrm>
-              <a:off x="456709" y="1469509"/>
-              <a:ext cx="972305" cy="3123802"/>
-            </a:xfrm>
-            <a:prstGeom prst="roundRect">
-              <a:avLst/>
-            </a:prstGeom>
-            <a:noFill/>
-            <a:ln w="9525">
-              <a:solidFill>
-                <a:schemeClr val="bg1">
-                  <a:lumMod val="65000"/>
-                </a:schemeClr>
-              </a:solidFill>
-              <a:prstDash val="dash"/>
-            </a:ln>
-          </p:spPr>
-          <p:style>
-            <a:lnRef idx="2">
-              <a:schemeClr val="accent1">
-                <a:shade val="15000"/>
-              </a:schemeClr>
-            </a:lnRef>
-            <a:fillRef idx="1">
-              <a:schemeClr val="accent1"/>
-            </a:fillRef>
-            <a:effectRef idx="0">
-              <a:schemeClr val="accent1"/>
-            </a:effectRef>
-            <a:fontRef idx="minor">
-              <a:schemeClr val="lt1"/>
-            </a:fontRef>
-          </p:style>
-          <p:txBody>
-            <a:bodyPr rtlCol="0" anchor="ctr"/>
-            <a:lstStyle/>
-            <a:p>
-              <a:pPr algn="ctr"/>
-              <a:endParaRPr lang="fr-FR" dirty="0"/>
-            </a:p>
-          </p:txBody>
-        </p:sp>
-        <p:cxnSp>
-          <p:nvCxnSpPr>
-            <p:cNvPr id="6" name="Connecteur droit avec flèche 5">
-              <a:extLst>
-                <a:ext uri="{FF2B5EF4-FFF2-40B4-BE49-F238E27FC236}">
-                  <a16:creationId xmlns:a16="http://schemas.microsoft.com/office/drawing/2014/main" id="{804A8FE7-27C3-4C54-36F8-6A8C0900C5DA}"/>
-                </a:ext>
-              </a:extLst>
-            </p:cNvPr>
-            <p:cNvCxnSpPr>
-              <a:cxnSpLocks/>
-            </p:cNvCxnSpPr>
-            <p:nvPr/>
-          </p:nvCxnSpPr>
-          <p:spPr>
-            <a:xfrm>
-              <a:off x="1429014" y="2383224"/>
-              <a:ext cx="362079" cy="0"/>
-            </a:xfrm>
-            <a:prstGeom prst="straightConnector1">
-              <a:avLst/>
-            </a:prstGeom>
-            <a:ln w="38100">
-              <a:solidFill>
-                <a:srgbClr val="B266FF"/>
-              </a:solidFill>
-              <a:tailEnd type="triangle"/>
-            </a:ln>
-          </p:spPr>
-          <p:style>
-            <a:lnRef idx="1">
-              <a:schemeClr val="accent1"/>
-            </a:lnRef>
-            <a:fillRef idx="0">
-              <a:schemeClr val="accent1"/>
-            </a:fillRef>
-            <a:effectRef idx="0">
-              <a:schemeClr val="accent1"/>
-            </a:effectRef>
-            <a:fontRef idx="minor">
-              <a:schemeClr val="tx1"/>
-            </a:fontRef>
-          </p:style>
-        </p:cxnSp>
-        <p:cxnSp>
-          <p:nvCxnSpPr>
-            <p:cNvPr id="10" name="Connecteur droit avec flèche 9">
-              <a:extLst>
-                <a:ext uri="{FF2B5EF4-FFF2-40B4-BE49-F238E27FC236}">
-                  <a16:creationId xmlns:a16="http://schemas.microsoft.com/office/drawing/2014/main" id="{A34EFFD9-2B7F-223F-36C3-4CCC46291479}"/>
-                </a:ext>
-              </a:extLst>
-            </p:cNvPr>
-            <p:cNvCxnSpPr>
-              <a:cxnSpLocks/>
-            </p:cNvCxnSpPr>
-            <p:nvPr/>
-          </p:nvCxnSpPr>
-          <p:spPr>
-            <a:xfrm>
-              <a:off x="1429014" y="3554011"/>
-              <a:ext cx="362079" cy="0"/>
-            </a:xfrm>
-            <a:prstGeom prst="straightConnector1">
-              <a:avLst/>
-            </a:prstGeom>
-            <a:ln w="38100">
-              <a:solidFill>
-                <a:srgbClr val="FF0080"/>
-              </a:solidFill>
-              <a:tailEnd type="triangle"/>
-            </a:ln>
-          </p:spPr>
-          <p:style>
-            <a:lnRef idx="1">
-              <a:schemeClr val="accent1"/>
-            </a:lnRef>
-            <a:fillRef idx="0">
-              <a:schemeClr val="accent1"/>
-            </a:fillRef>
-            <a:effectRef idx="0">
-              <a:schemeClr val="accent1"/>
-            </a:effectRef>
-            <a:fontRef idx="minor">
-              <a:schemeClr val="tx1"/>
-            </a:fontRef>
-          </p:style>
-        </p:cxnSp>
-      </p:grpSp>
+          </p:cNvPr>
+          <p:cNvCxnSpPr>
+            <a:cxnSpLocks/>
+          </p:cNvCxnSpPr>
+          <p:nvPr/>
+        </p:nvCxnSpPr>
+        <p:spPr>
+          <a:xfrm>
+            <a:off x="1429014" y="3808478"/>
+            <a:ext cx="362079" cy="0"/>
+          </a:xfrm>
+          <a:prstGeom prst="straightConnector1">
+            <a:avLst/>
+          </a:prstGeom>
+          <a:ln w="38100">
+            <a:solidFill>
+              <a:srgbClr val="FF0080"/>
+            </a:solidFill>
+            <a:tailEnd type="triangle"/>
+          </a:ln>
+        </p:spPr>
+        <p:style>
+          <a:lnRef idx="1">
+            <a:schemeClr val="accent1"/>
+          </a:lnRef>
+          <a:fillRef idx="0">
+            <a:schemeClr val="accent1"/>
+          </a:fillRef>
+          <a:effectRef idx="0">
+            <a:schemeClr val="accent1"/>
+          </a:effectRef>
+          <a:fontRef idx="minor">
+            <a:schemeClr val="tx1"/>
+          </a:fontRef>
+        </p:style>
+      </p:cxnSp>
       <p:sp>
         <p:nvSpPr>
           <p:cNvPr id="2097" name="Rectangle 2096">
@@ -19605,1383 +21070,1182 @@
           </a:p>
         </p:txBody>
       </p:sp>
-      <p:grpSp>
-        <p:nvGrpSpPr>
-          <p:cNvPr id="35" name="Groupe 34">
+      <p:pic>
+        <p:nvPicPr>
+          <p:cNvPr id="2052" name="Picture 4">
             <a:extLst>
               <a:ext uri="{FF2B5EF4-FFF2-40B4-BE49-F238E27FC236}">
-                <a16:creationId xmlns:a16="http://schemas.microsoft.com/office/drawing/2014/main" id="{FD39475C-E631-B671-266E-B9334304C252}"/>
+                <a16:creationId xmlns:a16="http://schemas.microsoft.com/office/drawing/2014/main" id="{FCCA093A-E48A-7B59-31BE-E1F8F80AD69D}"/>
               </a:ext>
             </a:extLst>
           </p:cNvPr>
-          <p:cNvGrpSpPr/>
+          <p:cNvPicPr>
+            <a:picLocks noChangeAspect="1" noChangeArrowheads="1"/>
+          </p:cNvPicPr>
           <p:nvPr/>
-        </p:nvGrpSpPr>
-        <p:grpSpPr>
-          <a:xfrm>
-            <a:off x="6685555" y="1873629"/>
-            <a:ext cx="1574333" cy="2814629"/>
-            <a:chOff x="6685555" y="1873629"/>
-            <a:chExt cx="1574333" cy="2814629"/>
-          </a:xfrm>
-        </p:grpSpPr>
-        <p:pic>
-          <p:nvPicPr>
-            <p:cNvPr id="2052" name="Picture 4">
-              <a:extLst>
-                <a:ext uri="{FF2B5EF4-FFF2-40B4-BE49-F238E27FC236}">
-                  <a16:creationId xmlns:a16="http://schemas.microsoft.com/office/drawing/2014/main" id="{FCCA093A-E48A-7B59-31BE-E1F8F80AD69D}"/>
-                </a:ext>
-              </a:extLst>
-            </p:cNvPr>
-            <p:cNvPicPr>
-              <a:picLocks noChangeAspect="1" noChangeArrowheads="1"/>
-            </p:cNvPicPr>
-            <p:nvPr/>
-          </p:nvPicPr>
-          <p:blipFill rotWithShape="1">
-            <a:blip r:embed="rId10">
-              <a:extLst>
-                <a:ext uri="{28A0092B-C50C-407E-A947-70E740481C1C}">
-                  <a14:useLocalDpi xmlns:a14="http://schemas.microsoft.com/office/drawing/2010/main" val="0"/>
-                </a:ext>
-              </a:extLst>
-            </a:blip>
-            <a:srcRect l="12661" t="20885" r="16005" b="23808"/>
-            <a:stretch>
-              <a:fillRect/>
-            </a:stretch>
-          </p:blipFill>
-          <p:spPr bwMode="auto">
-            <a:xfrm>
-              <a:off x="7785778" y="1885388"/>
-              <a:ext cx="435834" cy="266773"/>
-            </a:xfrm>
-            <a:prstGeom prst="rect">
-              <a:avLst/>
-            </a:prstGeom>
-            <a:noFill/>
+        </p:nvPicPr>
+        <p:blipFill rotWithShape="1">
+          <a:blip r:embed="rId7">
             <a:extLst>
-              <a:ext uri="{909E8E84-426E-40DD-AFC4-6F175D3DCCD1}">
-                <a14:hiddenFill xmlns:a14="http://schemas.microsoft.com/office/drawing/2010/main">
-                  <a:solidFill>
-                    <a:srgbClr val="FFFFFF"/>
-                  </a:solidFill>
-                </a14:hiddenFill>
+              <a:ext uri="{28A0092B-C50C-407E-A947-70E740481C1C}">
+                <a14:useLocalDpi xmlns:a14="http://schemas.microsoft.com/office/drawing/2010/main" val="0"/>
               </a:ext>
             </a:extLst>
-          </p:spPr>
-        </p:pic>
-        <p:pic>
-          <p:nvPicPr>
-            <p:cNvPr id="43" name="Picture 2">
-              <a:extLst>
-                <a:ext uri="{FF2B5EF4-FFF2-40B4-BE49-F238E27FC236}">
-                  <a16:creationId xmlns:a16="http://schemas.microsoft.com/office/drawing/2014/main" id="{A31CCBD7-31A9-6123-B61B-FB210F650877}"/>
-                </a:ext>
-              </a:extLst>
-            </p:cNvPr>
-            <p:cNvPicPr>
-              <a:picLocks noChangeAspect="1" noChangeArrowheads="1"/>
-            </p:cNvPicPr>
-            <p:nvPr/>
-          </p:nvPicPr>
-          <p:blipFill rotWithShape="1">
-            <a:blip r:embed="rId7">
-              <a:extLst>
-                <a:ext uri="{28A0092B-C50C-407E-A947-70E740481C1C}">
-                  <a14:useLocalDpi xmlns:a14="http://schemas.microsoft.com/office/drawing/2010/main" val="0"/>
-                </a:ext>
-              </a:extLst>
-            </a:blip>
-            <a:srcRect l="18363" t="15290" r="18027" b="19432"/>
-            <a:stretch>
-              <a:fillRect/>
-            </a:stretch>
-          </p:blipFill>
-          <p:spPr bwMode="auto">
-            <a:xfrm>
-              <a:off x="7188151" y="4068942"/>
-              <a:ext cx="603504" cy="619316"/>
-            </a:xfrm>
-            <a:prstGeom prst="rect">
-              <a:avLst/>
-            </a:prstGeom>
-            <a:noFill/>
-            <a:extLst>
-              <a:ext uri="{909E8E84-426E-40DD-AFC4-6F175D3DCCD1}">
-                <a14:hiddenFill xmlns:a14="http://schemas.microsoft.com/office/drawing/2010/main">
-                  <a:solidFill>
-                    <a:srgbClr val="FFFFFF"/>
-                  </a:solidFill>
-                </a14:hiddenFill>
-              </a:ext>
-            </a:extLst>
-          </p:spPr>
-        </p:pic>
-        <p:sp>
-          <p:nvSpPr>
-            <p:cNvPr id="54" name="Rectangle : coins arrondis 53">
-              <a:extLst>
-                <a:ext uri="{FF2B5EF4-FFF2-40B4-BE49-F238E27FC236}">
-                  <a16:creationId xmlns:a16="http://schemas.microsoft.com/office/drawing/2014/main" id="{3E4E5C19-19D1-7DB3-6126-771BB460CA7E}"/>
-                </a:ext>
-              </a:extLst>
-            </p:cNvPr>
-            <p:cNvSpPr/>
-            <p:nvPr/>
-          </p:nvSpPr>
-          <p:spPr>
-            <a:xfrm>
-              <a:off x="7018263" y="2271252"/>
-              <a:ext cx="1098685" cy="584200"/>
-            </a:xfrm>
-            <a:prstGeom prst="roundRect">
-              <a:avLst/>
-            </a:prstGeom>
-            <a:solidFill>
-              <a:schemeClr val="bg1">
-                <a:lumMod val="95000"/>
-              </a:schemeClr>
-            </a:solidFill>
-            <a:ln>
-              <a:noFill/>
-            </a:ln>
-          </p:spPr>
-          <p:style>
-            <a:lnRef idx="2">
-              <a:schemeClr val="accent1">
-                <a:shade val="15000"/>
-              </a:schemeClr>
-            </a:lnRef>
-            <a:fillRef idx="1">
-              <a:schemeClr val="accent1"/>
-            </a:fillRef>
-            <a:effectRef idx="0">
-              <a:schemeClr val="accent1"/>
-            </a:effectRef>
-            <a:fontRef idx="minor">
-              <a:schemeClr val="lt1"/>
-            </a:fontRef>
-          </p:style>
-          <p:txBody>
-            <a:bodyPr rtlCol="0" anchor="ctr"/>
-            <a:lstStyle/>
-            <a:p>
-              <a:pPr algn="ctr"/>
-              <a:endParaRPr lang="fr-FR"/>
-            </a:p>
-          </p:txBody>
-        </p:sp>
-        <p:sp>
-          <p:nvSpPr>
-            <p:cNvPr id="55" name="ZoneTexte 54">
-              <a:extLst>
-                <a:ext uri="{FF2B5EF4-FFF2-40B4-BE49-F238E27FC236}">
-                  <a16:creationId xmlns:a16="http://schemas.microsoft.com/office/drawing/2014/main" id="{C4EB1607-BC4B-15A3-0324-3D29B9154D63}"/>
-                </a:ext>
-              </a:extLst>
-            </p:cNvPr>
-            <p:cNvSpPr txBox="1"/>
-            <p:nvPr/>
-          </p:nvSpPr>
-          <p:spPr>
-            <a:xfrm>
-              <a:off x="6985463" y="2328730"/>
-              <a:ext cx="1156330" cy="446276"/>
-            </a:xfrm>
-            <a:prstGeom prst="rect">
-              <a:avLst/>
-            </a:prstGeom>
-            <a:noFill/>
-          </p:spPr>
-          <p:txBody>
-            <a:bodyPr wrap="square" rtlCol="0">
-              <a:spAutoFit/>
-            </a:bodyPr>
-            <a:lstStyle/>
-            <a:p>
-              <a:pPr algn="ctr"/>
-              <a:r>
-                <a:rPr lang="fr-FR" sz="900" dirty="0"/>
-                <a:t>EDA </a:t>
-              </a:r>
-            </a:p>
-            <a:p>
-              <a:pPr algn="ctr"/>
-              <a:r>
-                <a:rPr lang="fr-FR" sz="700" dirty="0"/>
-                <a:t>descriptive et comparative</a:t>
-              </a:r>
-            </a:p>
-          </p:txBody>
-        </p:sp>
-        <p:sp>
-          <p:nvSpPr>
-            <p:cNvPr id="56" name="Rectangle : coins arrondis 55">
-              <a:extLst>
-                <a:ext uri="{FF2B5EF4-FFF2-40B4-BE49-F238E27FC236}">
-                  <a16:creationId xmlns:a16="http://schemas.microsoft.com/office/drawing/2014/main" id="{34BB09D2-59B3-0F52-1024-4F32B01B2F53}"/>
-                </a:ext>
-              </a:extLst>
-            </p:cNvPr>
-            <p:cNvSpPr/>
-            <p:nvPr/>
-          </p:nvSpPr>
-          <p:spPr>
-            <a:xfrm>
-              <a:off x="7012431" y="2970222"/>
-              <a:ext cx="1104517" cy="584200"/>
-            </a:xfrm>
-            <a:prstGeom prst="roundRect">
-              <a:avLst/>
-            </a:prstGeom>
-            <a:solidFill>
-              <a:schemeClr val="bg1">
-                <a:lumMod val="95000"/>
-              </a:schemeClr>
-            </a:solidFill>
-            <a:ln>
-              <a:noFill/>
-            </a:ln>
-          </p:spPr>
-          <p:style>
-            <a:lnRef idx="2">
-              <a:schemeClr val="accent1">
-                <a:shade val="15000"/>
-              </a:schemeClr>
-            </a:lnRef>
-            <a:fillRef idx="1">
-              <a:schemeClr val="accent1"/>
-            </a:fillRef>
-            <a:effectRef idx="0">
-              <a:schemeClr val="accent1"/>
-            </a:effectRef>
-            <a:fontRef idx="minor">
-              <a:schemeClr val="lt1"/>
-            </a:fontRef>
-          </p:style>
-          <p:txBody>
-            <a:bodyPr rtlCol="0" anchor="ctr"/>
-            <a:lstStyle/>
-            <a:p>
-              <a:pPr algn="ctr"/>
-              <a:endParaRPr lang="fr-FR"/>
-            </a:p>
-          </p:txBody>
-        </p:sp>
-        <p:sp>
-          <p:nvSpPr>
-            <p:cNvPr id="57" name="ZoneTexte 56">
-              <a:extLst>
-                <a:ext uri="{FF2B5EF4-FFF2-40B4-BE49-F238E27FC236}">
-                  <a16:creationId xmlns:a16="http://schemas.microsoft.com/office/drawing/2014/main" id="{685F5B80-27B1-45A6-3DF8-0CF7271056CC}"/>
-                </a:ext>
-              </a:extLst>
-            </p:cNvPr>
-            <p:cNvSpPr txBox="1"/>
-            <p:nvPr/>
-          </p:nvSpPr>
-          <p:spPr>
-            <a:xfrm>
-              <a:off x="6985463" y="3085576"/>
-              <a:ext cx="1156330" cy="338554"/>
-            </a:xfrm>
-            <a:prstGeom prst="rect">
-              <a:avLst/>
-            </a:prstGeom>
-            <a:noFill/>
-          </p:spPr>
-          <p:txBody>
-            <a:bodyPr wrap="square" rtlCol="0">
-              <a:spAutoFit/>
-            </a:bodyPr>
-            <a:lstStyle/>
-            <a:p>
-              <a:pPr algn="ctr"/>
-              <a:r>
-                <a:rPr lang="fr-FR" sz="900" dirty="0"/>
-                <a:t>PREDICT </a:t>
-              </a:r>
-            </a:p>
-            <a:p>
-              <a:pPr algn="ctr"/>
-              <a:r>
-                <a:rPr lang="fr-FR" sz="700" dirty="0"/>
-                <a:t>Sur 3 jours glissants</a:t>
-              </a:r>
-            </a:p>
-          </p:txBody>
-        </p:sp>
-        <p:sp>
-          <p:nvSpPr>
-            <p:cNvPr id="1074" name="Rectangle : coins arrondis 1073">
-              <a:extLst>
-                <a:ext uri="{FF2B5EF4-FFF2-40B4-BE49-F238E27FC236}">
-                  <a16:creationId xmlns:a16="http://schemas.microsoft.com/office/drawing/2014/main" id="{4162FACA-EA89-9D97-B392-632929E9443D}"/>
-                </a:ext>
-              </a:extLst>
-            </p:cNvPr>
-            <p:cNvSpPr/>
-            <p:nvPr/>
-          </p:nvSpPr>
-          <p:spPr>
-            <a:xfrm>
-              <a:off x="6881481" y="1873629"/>
-              <a:ext cx="1378407" cy="1764604"/>
-            </a:xfrm>
-            <a:prstGeom prst="roundRect">
-              <a:avLst>
-                <a:gd name="adj" fmla="val 7978"/>
-              </a:avLst>
-            </a:prstGeom>
-            <a:noFill/>
-            <a:ln w="9525">
-              <a:solidFill>
-                <a:srgbClr val="FFC000"/>
-              </a:solidFill>
-              <a:prstDash val="dash"/>
-            </a:ln>
-          </p:spPr>
-          <p:style>
-            <a:lnRef idx="2">
-              <a:schemeClr val="accent1">
-                <a:shade val="15000"/>
-              </a:schemeClr>
-            </a:lnRef>
-            <a:fillRef idx="1">
-              <a:schemeClr val="accent1"/>
-            </a:fillRef>
-            <a:effectRef idx="0">
-              <a:schemeClr val="accent1"/>
-            </a:effectRef>
-            <a:fontRef idx="minor">
-              <a:schemeClr val="lt1"/>
-            </a:fontRef>
-          </p:style>
-          <p:txBody>
-            <a:bodyPr rtlCol="0" anchor="ctr"/>
-            <a:lstStyle/>
-            <a:p>
-              <a:pPr algn="ctr"/>
-              <a:endParaRPr lang="fr-FR" dirty="0"/>
-            </a:p>
-          </p:txBody>
-        </p:sp>
-        <p:pic>
-          <p:nvPicPr>
-            <p:cNvPr id="21" name="Picture 14">
-              <a:extLst>
-                <a:ext uri="{FF2B5EF4-FFF2-40B4-BE49-F238E27FC236}">
-                  <a16:creationId xmlns:a16="http://schemas.microsoft.com/office/drawing/2014/main" id="{174134F5-72A3-DA25-E671-C7DDD8DFA83A}"/>
-                </a:ext>
-              </a:extLst>
-            </p:cNvPr>
-            <p:cNvPicPr>
-              <a:picLocks noChangeAspect="1" noChangeArrowheads="1"/>
-            </p:cNvPicPr>
-            <p:nvPr/>
-          </p:nvPicPr>
-          <p:blipFill rotWithShape="1">
-            <a:blip r:embed="rId11">
-              <a:extLst>
-                <a:ext uri="{28A0092B-C50C-407E-A947-70E740481C1C}">
-                  <a14:useLocalDpi xmlns:a14="http://schemas.microsoft.com/office/drawing/2010/main" val="0"/>
-                </a:ext>
-              </a:extLst>
-            </a:blip>
-            <a:srcRect l="6454" t="18548" b="24342"/>
-            <a:stretch>
-              <a:fillRect/>
-            </a:stretch>
-          </p:blipFill>
-          <p:spPr bwMode="auto">
-            <a:xfrm>
-              <a:off x="6885019" y="1985270"/>
-              <a:ext cx="800992" cy="179300"/>
-            </a:xfrm>
-            <a:prstGeom prst="rect">
-              <a:avLst/>
-            </a:prstGeom>
-            <a:noFill/>
-            <a:extLst>
-              <a:ext uri="{909E8E84-426E-40DD-AFC4-6F175D3DCCD1}">
-                <a14:hiddenFill xmlns:a14="http://schemas.microsoft.com/office/drawing/2010/main">
-                  <a:solidFill>
-                    <a:srgbClr val="FFFFFF"/>
-                  </a:solidFill>
-                </a14:hiddenFill>
-              </a:ext>
-            </a:extLst>
-          </p:spPr>
-        </p:pic>
-        <p:sp>
-          <p:nvSpPr>
-            <p:cNvPr id="23" name="Ellipse 22">
-              <a:extLst>
-                <a:ext uri="{FF2B5EF4-FFF2-40B4-BE49-F238E27FC236}">
-                  <a16:creationId xmlns:a16="http://schemas.microsoft.com/office/drawing/2014/main" id="{14BA37FE-DD89-0B23-6089-5FD37763331C}"/>
-                </a:ext>
-              </a:extLst>
-            </p:cNvPr>
-            <p:cNvSpPr/>
-            <p:nvPr/>
-          </p:nvSpPr>
-          <p:spPr>
-            <a:xfrm>
-              <a:off x="7624519" y="2020902"/>
-              <a:ext cx="122984" cy="122984"/>
-            </a:xfrm>
-            <a:prstGeom prst="ellipse">
-              <a:avLst/>
-            </a:prstGeom>
-            <a:solidFill>
-              <a:srgbClr val="41545E"/>
-            </a:solidFill>
-            <a:ln>
-              <a:noFill/>
-            </a:ln>
-          </p:spPr>
-          <p:style>
-            <a:lnRef idx="2">
-              <a:schemeClr val="accent1">
-                <a:shade val="15000"/>
-              </a:schemeClr>
-            </a:lnRef>
-            <a:fillRef idx="1">
-              <a:schemeClr val="accent1"/>
-            </a:fillRef>
-            <a:effectRef idx="0">
-              <a:schemeClr val="accent1"/>
-            </a:effectRef>
-            <a:fontRef idx="minor">
-              <a:schemeClr val="lt1"/>
-            </a:fontRef>
-          </p:style>
-          <p:txBody>
-            <a:bodyPr rtlCol="0" anchor="ctr"/>
-            <a:lstStyle/>
-            <a:p>
-              <a:pPr algn="ctr"/>
-              <a:r>
-                <a:rPr lang="fr-FR" sz="900" dirty="0"/>
-                <a:t>+</a:t>
-              </a:r>
-            </a:p>
-          </p:txBody>
-        </p:sp>
-        <p:grpSp>
-          <p:nvGrpSpPr>
-            <p:cNvPr id="42" name="Groupe 41">
-              <a:extLst>
-                <a:ext uri="{FF2B5EF4-FFF2-40B4-BE49-F238E27FC236}">
-                  <a16:creationId xmlns:a16="http://schemas.microsoft.com/office/drawing/2014/main" id="{ABFDE930-E8FD-AEFC-C080-0E20435636B0}"/>
-                </a:ext>
-              </a:extLst>
-            </p:cNvPr>
-            <p:cNvGrpSpPr/>
-            <p:nvPr/>
-          </p:nvGrpSpPr>
-          <p:grpSpPr>
-            <a:xfrm>
-              <a:off x="6685555" y="3898233"/>
-              <a:ext cx="703440" cy="410340"/>
-              <a:chOff x="7750640" y="4242260"/>
-              <a:chExt cx="447927" cy="261290"/>
-            </a:xfrm>
-          </p:grpSpPr>
-          <p:sp>
-            <p:nvSpPr>
-              <p:cNvPr id="45" name="Rectangle : coins arrondis 44">
-                <a:extLst>
-                  <a:ext uri="{FF2B5EF4-FFF2-40B4-BE49-F238E27FC236}">
-                    <a16:creationId xmlns:a16="http://schemas.microsoft.com/office/drawing/2014/main" id="{D7F593C2-1139-09D7-2E16-9F2706484D71}"/>
-                  </a:ext>
-                </a:extLst>
-              </p:cNvPr>
-              <p:cNvSpPr/>
-              <p:nvPr/>
-            </p:nvSpPr>
-            <p:spPr>
-              <a:xfrm>
-                <a:off x="7785777" y="4265830"/>
-                <a:ext cx="373983" cy="223312"/>
-              </a:xfrm>
-              <a:prstGeom prst="roundRect">
-                <a:avLst/>
-              </a:prstGeom>
-              <a:solidFill>
-                <a:schemeClr val="bg1"/>
-              </a:solidFill>
-              <a:ln w="3175"/>
-            </p:spPr>
-            <p:style>
-              <a:lnRef idx="2">
-                <a:schemeClr val="accent1">
-                  <a:shade val="15000"/>
-                </a:schemeClr>
-              </a:lnRef>
-              <a:fillRef idx="1">
-                <a:schemeClr val="accent1"/>
-              </a:fillRef>
-              <a:effectRef idx="0">
-                <a:schemeClr val="accent1"/>
-              </a:effectRef>
-              <a:fontRef idx="minor">
-                <a:schemeClr val="lt1"/>
-              </a:fontRef>
-            </p:style>
-            <p:txBody>
-              <a:bodyPr rtlCol="0" anchor="ctr"/>
-              <a:lstStyle/>
-              <a:p>
-                <a:pPr algn="ctr"/>
-                <a:endParaRPr lang="fr-FR"/>
-              </a:p>
-            </p:txBody>
-          </p:sp>
-          <p:pic>
-            <p:nvPicPr>
-              <p:cNvPr id="59" name="Picture 2">
-                <a:extLst>
-                  <a:ext uri="{FF2B5EF4-FFF2-40B4-BE49-F238E27FC236}">
-                    <a16:creationId xmlns:a16="http://schemas.microsoft.com/office/drawing/2014/main" id="{66E29ABD-B82C-FAB9-3744-D1866DC79A32}"/>
-                  </a:ext>
-                </a:extLst>
-              </p:cNvPr>
-              <p:cNvPicPr>
-                <a:picLocks noChangeAspect="1" noChangeArrowheads="1"/>
-              </p:cNvPicPr>
-              <p:nvPr/>
-            </p:nvPicPr>
-            <p:blipFill>
-              <a:blip r:embed="rId12">
-                <a:extLst>
-                  <a:ext uri="{28A0092B-C50C-407E-A947-70E740481C1C}">
-                    <a14:useLocalDpi xmlns:a14="http://schemas.microsoft.com/office/drawing/2010/main" val="0"/>
-                  </a:ext>
-                </a:extLst>
-              </a:blip>
-              <a:srcRect/>
-              <a:stretch>
-                <a:fillRect/>
-              </a:stretch>
-            </p:blipFill>
-            <p:spPr bwMode="auto">
-              <a:xfrm>
-                <a:off x="7750640" y="4242260"/>
-                <a:ext cx="447927" cy="261290"/>
-              </a:xfrm>
-              <a:prstGeom prst="rect">
-                <a:avLst/>
-              </a:prstGeom>
-              <a:noFill/>
-            </p:spPr>
-          </p:pic>
-        </p:grpSp>
-      </p:grpSp>
-      <p:grpSp>
-        <p:nvGrpSpPr>
-          <p:cNvPr id="34" name="Groupe 33">
+          </a:blip>
+          <a:srcRect l="12661" t="20885" r="16005" b="23808"/>
+          <a:stretch>
+            <a:fillRect/>
+          </a:stretch>
+        </p:blipFill>
+        <p:spPr bwMode="auto">
+          <a:xfrm>
+            <a:off x="7785778" y="1885388"/>
+            <a:ext cx="435834" cy="266773"/>
+          </a:xfrm>
+          <a:prstGeom prst="rect">
+            <a:avLst/>
+          </a:prstGeom>
+          <a:noFill/>
+          <a:extLst>
+            <a:ext uri="{909E8E84-426E-40DD-AFC4-6F175D3DCCD1}">
+              <a14:hiddenFill xmlns:a14="http://schemas.microsoft.com/office/drawing/2010/main">
+                <a:solidFill>
+                  <a:srgbClr val="FFFFFF"/>
+                </a:solidFill>
+              </a14:hiddenFill>
+            </a:ext>
+          </a:extLst>
+        </p:spPr>
+      </p:pic>
+      <p:pic>
+        <p:nvPicPr>
+          <p:cNvPr id="43" name="Picture 2">
             <a:extLst>
               <a:ext uri="{FF2B5EF4-FFF2-40B4-BE49-F238E27FC236}">
-                <a16:creationId xmlns:a16="http://schemas.microsoft.com/office/drawing/2014/main" id="{EC855B51-00D1-B205-FFDD-9584B2007244}"/>
+                <a16:creationId xmlns:a16="http://schemas.microsoft.com/office/drawing/2014/main" id="{A31CCBD7-31A9-6123-B61B-FB210F650877}"/>
               </a:ext>
             </a:extLst>
           </p:cNvPr>
-          <p:cNvGrpSpPr/>
+          <p:cNvPicPr>
+            <a:picLocks noChangeAspect="1" noChangeArrowheads="1"/>
+          </p:cNvPicPr>
           <p:nvPr/>
-        </p:nvGrpSpPr>
-        <p:grpSpPr>
-          <a:xfrm>
-            <a:off x="4245348" y="1458686"/>
-            <a:ext cx="2205580" cy="3272971"/>
-            <a:chOff x="4245348" y="1458686"/>
-            <a:chExt cx="2205580" cy="3272971"/>
-          </a:xfrm>
-        </p:grpSpPr>
-        <p:cxnSp>
-          <p:nvCxnSpPr>
-            <p:cNvPr id="30" name="Connecteur droit 29">
-              <a:extLst>
-                <a:ext uri="{FF2B5EF4-FFF2-40B4-BE49-F238E27FC236}">
-                  <a16:creationId xmlns:a16="http://schemas.microsoft.com/office/drawing/2014/main" id="{DD9C7B50-C6F5-7260-C61A-2CAE5E4C0BF7}"/>
-                </a:ext>
-              </a:extLst>
-            </p:cNvPr>
-            <p:cNvCxnSpPr/>
-            <p:nvPr/>
-          </p:nvCxnSpPr>
-          <p:spPr>
-            <a:xfrm>
-              <a:off x="6450928" y="1458686"/>
-              <a:ext cx="0" cy="3272971"/>
-            </a:xfrm>
-            <a:prstGeom prst="line">
-              <a:avLst/>
-            </a:prstGeom>
-            <a:ln w="19050">
-              <a:solidFill>
-                <a:schemeClr val="bg1">
-                  <a:lumMod val="75000"/>
-                </a:schemeClr>
-              </a:solidFill>
-              <a:prstDash val="dash"/>
-            </a:ln>
-          </p:spPr>
-          <p:style>
-            <a:lnRef idx="1">
-              <a:schemeClr val="dk1"/>
-            </a:lnRef>
-            <a:fillRef idx="0">
-              <a:schemeClr val="dk1"/>
-            </a:fillRef>
-            <a:effectRef idx="0">
-              <a:schemeClr val="dk1"/>
-            </a:effectRef>
-            <a:fontRef idx="minor">
-              <a:schemeClr val="tx1"/>
-            </a:fontRef>
-          </p:style>
-        </p:cxnSp>
-        <p:pic>
-          <p:nvPicPr>
-            <p:cNvPr id="1036" name="Picture 12">
-              <a:extLst>
-                <a:ext uri="{FF2B5EF4-FFF2-40B4-BE49-F238E27FC236}">
-                  <a16:creationId xmlns:a16="http://schemas.microsoft.com/office/drawing/2014/main" id="{135630BC-F5F0-17C1-438A-A312C16997F8}"/>
-                </a:ext>
-              </a:extLst>
-            </p:cNvPr>
-            <p:cNvPicPr>
-              <a:picLocks noChangeAspect="1" noChangeArrowheads="1"/>
-            </p:cNvPicPr>
-            <p:nvPr/>
-          </p:nvPicPr>
-          <p:blipFill>
-            <a:blip r:embed="rId13">
-              <a:extLst>
-                <a:ext uri="{28A0092B-C50C-407E-A947-70E740481C1C}">
-                  <a14:useLocalDpi xmlns:a14="http://schemas.microsoft.com/office/drawing/2010/main" val="0"/>
-                </a:ext>
-              </a:extLst>
-            </a:blip>
-            <a:srcRect/>
-            <a:stretch>
-              <a:fillRect/>
-            </a:stretch>
-          </p:blipFill>
-          <p:spPr bwMode="auto">
-            <a:xfrm>
-              <a:off x="5590470" y="2524037"/>
-              <a:ext cx="781468" cy="564394"/>
-            </a:xfrm>
-            <a:prstGeom prst="rect">
-              <a:avLst/>
-            </a:prstGeom>
-            <a:noFill/>
+        </p:nvPicPr>
+        <p:blipFill rotWithShape="1">
+          <a:blip r:embed="rId8">
             <a:extLst>
-              <a:ext uri="{909E8E84-426E-40DD-AFC4-6F175D3DCCD1}">
-                <a14:hiddenFill xmlns:a14="http://schemas.microsoft.com/office/drawing/2010/main">
-                  <a:solidFill>
-                    <a:srgbClr val="FFFFFF"/>
-                  </a:solidFill>
-                </a14:hiddenFill>
+              <a:ext uri="{28A0092B-C50C-407E-A947-70E740481C1C}">
+                <a14:useLocalDpi xmlns:a14="http://schemas.microsoft.com/office/drawing/2010/main" val="0"/>
               </a:ext>
             </a:extLst>
-          </p:spPr>
-        </p:pic>
-        <p:pic>
-          <p:nvPicPr>
-            <p:cNvPr id="1038" name="Picture 14">
-              <a:extLst>
-                <a:ext uri="{FF2B5EF4-FFF2-40B4-BE49-F238E27FC236}">
-                  <a16:creationId xmlns:a16="http://schemas.microsoft.com/office/drawing/2014/main" id="{1B3822DD-A0E9-A37F-0DE9-40781F1C3DF4}"/>
-                </a:ext>
-              </a:extLst>
-            </p:cNvPr>
-            <p:cNvPicPr>
-              <a:picLocks noChangeAspect="1" noChangeArrowheads="1"/>
-            </p:cNvPicPr>
-            <p:nvPr/>
-          </p:nvPicPr>
-          <p:blipFill rotWithShape="1">
-            <a:blip r:embed="rId11">
-              <a:extLst>
-                <a:ext uri="{28A0092B-C50C-407E-A947-70E740481C1C}">
-                  <a14:useLocalDpi xmlns:a14="http://schemas.microsoft.com/office/drawing/2010/main" val="0"/>
-                </a:ext>
-              </a:extLst>
-            </a:blip>
-            <a:srcRect l="6454" t="18548" b="24342"/>
-            <a:stretch>
-              <a:fillRect/>
-            </a:stretch>
-          </p:blipFill>
-          <p:spPr bwMode="auto">
-            <a:xfrm>
-              <a:off x="4575513" y="2705986"/>
-              <a:ext cx="1009143" cy="225895"/>
-            </a:xfrm>
-            <a:prstGeom prst="rect">
-              <a:avLst/>
-            </a:prstGeom>
-            <a:noFill/>
+          </a:blip>
+          <a:srcRect l="18363" t="15290" r="18027" b="19432"/>
+          <a:stretch>
+            <a:fillRect/>
+          </a:stretch>
+        </p:blipFill>
+        <p:spPr bwMode="auto">
+          <a:xfrm>
+            <a:off x="7188151" y="3722277"/>
+            <a:ext cx="603504" cy="619316"/>
+          </a:xfrm>
+          <a:prstGeom prst="rect">
+            <a:avLst/>
+          </a:prstGeom>
+          <a:noFill/>
+          <a:extLst>
+            <a:ext uri="{909E8E84-426E-40DD-AFC4-6F175D3DCCD1}">
+              <a14:hiddenFill xmlns:a14="http://schemas.microsoft.com/office/drawing/2010/main">
+                <a:solidFill>
+                  <a:srgbClr val="FFFFFF"/>
+                </a:solidFill>
+              </a14:hiddenFill>
+            </a:ext>
+          </a:extLst>
+        </p:spPr>
+      </p:pic>
+      <p:sp>
+        <p:nvSpPr>
+          <p:cNvPr id="54" name="Rectangle : coins arrondis 53">
             <a:extLst>
-              <a:ext uri="{909E8E84-426E-40DD-AFC4-6F175D3DCCD1}">
-                <a14:hiddenFill xmlns:a14="http://schemas.microsoft.com/office/drawing/2010/main">
-                  <a:solidFill>
-                    <a:srgbClr val="FFFFFF"/>
-                  </a:solidFill>
-                </a14:hiddenFill>
+              <a:ext uri="{FF2B5EF4-FFF2-40B4-BE49-F238E27FC236}">
+                <a16:creationId xmlns:a16="http://schemas.microsoft.com/office/drawing/2014/main" id="{3E4E5C19-19D1-7DB3-6126-771BB460CA7E}"/>
               </a:ext>
             </a:extLst>
-          </p:spPr>
-        </p:pic>
-        <p:sp>
-          <p:nvSpPr>
-            <p:cNvPr id="47" name="Rectangle : coins arrondis 46">
-              <a:extLst>
-                <a:ext uri="{FF2B5EF4-FFF2-40B4-BE49-F238E27FC236}">
-                  <a16:creationId xmlns:a16="http://schemas.microsoft.com/office/drawing/2014/main" id="{481D51B6-7D43-7926-6891-407782B836DE}"/>
-                </a:ext>
-              </a:extLst>
-            </p:cNvPr>
-            <p:cNvSpPr/>
-            <p:nvPr/>
-          </p:nvSpPr>
-          <p:spPr>
-            <a:xfrm>
-              <a:off x="4883346" y="3012224"/>
-              <a:ext cx="1107899" cy="560285"/>
-            </a:xfrm>
-            <a:prstGeom prst="roundRect">
-              <a:avLst/>
-            </a:prstGeom>
+          </p:cNvPr>
+          <p:cNvSpPr/>
+          <p:nvPr/>
+        </p:nvSpPr>
+        <p:spPr>
+          <a:xfrm>
+            <a:off x="7018263" y="2271252"/>
+            <a:ext cx="1098685" cy="415523"/>
+          </a:xfrm>
+          <a:prstGeom prst="roundRect">
+            <a:avLst/>
+          </a:prstGeom>
+          <a:solidFill>
+            <a:schemeClr val="bg1">
+              <a:lumMod val="95000"/>
+            </a:schemeClr>
+          </a:solidFill>
+          <a:ln>
+            <a:noFill/>
+          </a:ln>
+        </p:spPr>
+        <p:style>
+          <a:lnRef idx="2">
+            <a:schemeClr val="accent1">
+              <a:shade val="15000"/>
+            </a:schemeClr>
+          </a:lnRef>
+          <a:fillRef idx="1">
+            <a:schemeClr val="accent1"/>
+          </a:fillRef>
+          <a:effectRef idx="0">
+            <a:schemeClr val="accent1"/>
+          </a:effectRef>
+          <a:fontRef idx="minor">
+            <a:schemeClr val="lt1"/>
+          </a:fontRef>
+        </p:style>
+        <p:txBody>
+          <a:bodyPr rtlCol="0" anchor="ctr"/>
+          <a:lstStyle/>
+          <a:p>
+            <a:pPr algn="ctr"/>
+            <a:endParaRPr lang="fr-FR"/>
+          </a:p>
+        </p:txBody>
+      </p:sp>
+      <p:sp>
+        <p:nvSpPr>
+          <p:cNvPr id="55" name="ZoneTexte 54">
+            <a:extLst>
+              <a:ext uri="{FF2B5EF4-FFF2-40B4-BE49-F238E27FC236}">
+                <a16:creationId xmlns:a16="http://schemas.microsoft.com/office/drawing/2014/main" id="{C4EB1607-BC4B-15A3-0324-3D29B9154D63}"/>
+              </a:ext>
+            </a:extLst>
+          </p:cNvPr>
+          <p:cNvSpPr txBox="1"/>
+          <p:nvPr/>
+        </p:nvSpPr>
+        <p:spPr>
+          <a:xfrm>
+            <a:off x="6985463" y="2328730"/>
+            <a:ext cx="1156330" cy="338554"/>
+          </a:xfrm>
+          <a:prstGeom prst="rect">
+            <a:avLst/>
+          </a:prstGeom>
+          <a:noFill/>
+        </p:spPr>
+        <p:txBody>
+          <a:bodyPr wrap="square" rtlCol="0">
+            <a:spAutoFit/>
+          </a:bodyPr>
+          <a:lstStyle/>
+          <a:p>
+            <a:pPr algn="ctr"/>
+            <a:r>
+              <a:rPr lang="fr-FR" sz="900" dirty="0"/>
+              <a:t>EDA </a:t>
+            </a:r>
+          </a:p>
+          <a:p>
+            <a:pPr algn="ctr"/>
+            <a:r>
+              <a:rPr lang="fr-FR" sz="700" dirty="0"/>
+              <a:t>descriptive</a:t>
+            </a:r>
+          </a:p>
+        </p:txBody>
+      </p:sp>
+      <p:sp>
+        <p:nvSpPr>
+          <p:cNvPr id="56" name="Rectangle : coins arrondis 55">
+            <a:extLst>
+              <a:ext uri="{FF2B5EF4-FFF2-40B4-BE49-F238E27FC236}">
+                <a16:creationId xmlns:a16="http://schemas.microsoft.com/office/drawing/2014/main" id="{34BB09D2-59B3-0F52-1024-4F32B01B2F53}"/>
+              </a:ext>
+            </a:extLst>
+          </p:cNvPr>
+          <p:cNvSpPr/>
+          <p:nvPr/>
+        </p:nvSpPr>
+        <p:spPr>
+          <a:xfrm>
+            <a:off x="7012431" y="3200200"/>
+            <a:ext cx="1104517" cy="354222"/>
+          </a:xfrm>
+          <a:prstGeom prst="roundRect">
+            <a:avLst/>
+          </a:prstGeom>
+          <a:solidFill>
+            <a:schemeClr val="bg1">
+              <a:lumMod val="95000"/>
+            </a:schemeClr>
+          </a:solidFill>
+          <a:ln>
+            <a:noFill/>
+          </a:ln>
+        </p:spPr>
+        <p:style>
+          <a:lnRef idx="2">
+            <a:schemeClr val="accent1">
+              <a:shade val="15000"/>
+            </a:schemeClr>
+          </a:lnRef>
+          <a:fillRef idx="1">
+            <a:schemeClr val="accent1"/>
+          </a:fillRef>
+          <a:effectRef idx="0">
+            <a:schemeClr val="accent1"/>
+          </a:effectRef>
+          <a:fontRef idx="minor">
+            <a:schemeClr val="lt1"/>
+          </a:fontRef>
+        </p:style>
+        <p:txBody>
+          <a:bodyPr rtlCol="0" anchor="ctr"/>
+          <a:lstStyle/>
+          <a:p>
+            <a:pPr algn="ctr"/>
+            <a:endParaRPr lang="fr-FR"/>
+          </a:p>
+        </p:txBody>
+      </p:sp>
+      <p:sp>
+        <p:nvSpPr>
+          <p:cNvPr id="57" name="ZoneTexte 56">
+            <a:extLst>
+              <a:ext uri="{FF2B5EF4-FFF2-40B4-BE49-F238E27FC236}">
+                <a16:creationId xmlns:a16="http://schemas.microsoft.com/office/drawing/2014/main" id="{685F5B80-27B1-45A6-3DF8-0CF7271056CC}"/>
+              </a:ext>
+            </a:extLst>
+          </p:cNvPr>
+          <p:cNvSpPr txBox="1"/>
+          <p:nvPr/>
+        </p:nvSpPr>
+        <p:spPr>
+          <a:xfrm>
+            <a:off x="6985463" y="3253930"/>
+            <a:ext cx="1156330" cy="230832"/>
+          </a:xfrm>
+          <a:prstGeom prst="rect">
+            <a:avLst/>
+          </a:prstGeom>
+          <a:noFill/>
+        </p:spPr>
+        <p:txBody>
+          <a:bodyPr wrap="square" rtlCol="0">
+            <a:spAutoFit/>
+          </a:bodyPr>
+          <a:lstStyle/>
+          <a:p>
+            <a:pPr algn="ctr"/>
+            <a:r>
+              <a:rPr lang="fr-FR" sz="900" dirty="0"/>
+              <a:t>/PREDICT </a:t>
+            </a:r>
+          </a:p>
+        </p:txBody>
+      </p:sp>
+      <p:sp>
+        <p:nvSpPr>
+          <p:cNvPr id="1074" name="Rectangle : coins arrondis 1073">
+            <a:extLst>
+              <a:ext uri="{FF2B5EF4-FFF2-40B4-BE49-F238E27FC236}">
+                <a16:creationId xmlns:a16="http://schemas.microsoft.com/office/drawing/2014/main" id="{4162FACA-EA89-9D97-B392-632929E9443D}"/>
+              </a:ext>
+            </a:extLst>
+          </p:cNvPr>
+          <p:cNvSpPr/>
+          <p:nvPr/>
+        </p:nvSpPr>
+        <p:spPr>
+          <a:xfrm>
+            <a:off x="6881481" y="1873629"/>
+            <a:ext cx="1378407" cy="1764604"/>
+          </a:xfrm>
+          <a:prstGeom prst="roundRect">
+            <a:avLst>
+              <a:gd name="adj" fmla="val 7978"/>
+            </a:avLst>
+          </a:prstGeom>
+          <a:noFill/>
+          <a:ln w="9525">
+            <a:solidFill>
+              <a:srgbClr val="FFC000"/>
+            </a:solidFill>
+            <a:prstDash val="dash"/>
+          </a:ln>
+        </p:spPr>
+        <p:style>
+          <a:lnRef idx="2">
+            <a:schemeClr val="accent1">
+              <a:shade val="15000"/>
+            </a:schemeClr>
+          </a:lnRef>
+          <a:fillRef idx="1">
+            <a:schemeClr val="accent1"/>
+          </a:fillRef>
+          <a:effectRef idx="0">
+            <a:schemeClr val="accent1"/>
+          </a:effectRef>
+          <a:fontRef idx="minor">
+            <a:schemeClr val="lt1"/>
+          </a:fontRef>
+        </p:style>
+        <p:txBody>
+          <a:bodyPr rtlCol="0" anchor="ctr"/>
+          <a:lstStyle/>
+          <a:p>
+            <a:pPr algn="ctr"/>
+            <a:endParaRPr lang="fr-FR" dirty="0"/>
+          </a:p>
+        </p:txBody>
+      </p:sp>
+      <p:pic>
+        <p:nvPicPr>
+          <p:cNvPr id="21" name="Picture 14">
+            <a:extLst>
+              <a:ext uri="{FF2B5EF4-FFF2-40B4-BE49-F238E27FC236}">
+                <a16:creationId xmlns:a16="http://schemas.microsoft.com/office/drawing/2014/main" id="{174134F5-72A3-DA25-E671-C7DDD8DFA83A}"/>
+              </a:ext>
+            </a:extLst>
+          </p:cNvPr>
+          <p:cNvPicPr>
+            <a:picLocks noChangeAspect="1" noChangeArrowheads="1"/>
+          </p:cNvPicPr>
+          <p:nvPr/>
+        </p:nvPicPr>
+        <p:blipFill rotWithShape="1">
+          <a:blip r:embed="rId9">
+            <a:extLst>
+              <a:ext uri="{28A0092B-C50C-407E-A947-70E740481C1C}">
+                <a14:useLocalDpi xmlns:a14="http://schemas.microsoft.com/office/drawing/2010/main" val="0"/>
+              </a:ext>
+            </a:extLst>
+          </a:blip>
+          <a:srcRect l="6454" t="18548" b="24342"/>
+          <a:stretch>
+            <a:fillRect/>
+          </a:stretch>
+        </p:blipFill>
+        <p:spPr bwMode="auto">
+          <a:xfrm>
+            <a:off x="6885019" y="1985270"/>
+            <a:ext cx="800992" cy="179300"/>
+          </a:xfrm>
+          <a:prstGeom prst="rect">
+            <a:avLst/>
+          </a:prstGeom>
+          <a:noFill/>
+          <a:extLst>
+            <a:ext uri="{909E8E84-426E-40DD-AFC4-6F175D3DCCD1}">
+              <a14:hiddenFill xmlns:a14="http://schemas.microsoft.com/office/drawing/2010/main">
+                <a:solidFill>
+                  <a:srgbClr val="FFFFFF"/>
+                </a:solidFill>
+              </a14:hiddenFill>
+            </a:ext>
+          </a:extLst>
+        </p:spPr>
+      </p:pic>
+      <p:sp>
+        <p:nvSpPr>
+          <p:cNvPr id="23" name="Ellipse 22">
+            <a:extLst>
+              <a:ext uri="{FF2B5EF4-FFF2-40B4-BE49-F238E27FC236}">
+                <a16:creationId xmlns:a16="http://schemas.microsoft.com/office/drawing/2014/main" id="{14BA37FE-DD89-0B23-6089-5FD37763331C}"/>
+              </a:ext>
+            </a:extLst>
+          </p:cNvPr>
+          <p:cNvSpPr/>
+          <p:nvPr/>
+        </p:nvSpPr>
+        <p:spPr>
+          <a:xfrm>
+            <a:off x="7624519" y="2020902"/>
+            <a:ext cx="122984" cy="122984"/>
+          </a:xfrm>
+          <a:prstGeom prst="ellipse">
+            <a:avLst/>
+          </a:prstGeom>
+          <a:solidFill>
+            <a:srgbClr val="41545E"/>
+          </a:solidFill>
+          <a:ln>
+            <a:noFill/>
+          </a:ln>
+        </p:spPr>
+        <p:style>
+          <a:lnRef idx="2">
+            <a:schemeClr val="accent1">
+              <a:shade val="15000"/>
+            </a:schemeClr>
+          </a:lnRef>
+          <a:fillRef idx="1">
+            <a:schemeClr val="accent1"/>
+          </a:fillRef>
+          <a:effectRef idx="0">
+            <a:schemeClr val="accent1"/>
+          </a:effectRef>
+          <a:fontRef idx="minor">
+            <a:schemeClr val="lt1"/>
+          </a:fontRef>
+        </p:style>
+        <p:txBody>
+          <a:bodyPr rtlCol="0" anchor="ctr"/>
+          <a:lstStyle/>
+          <a:p>
+            <a:pPr algn="ctr"/>
+            <a:r>
+              <a:rPr lang="fr-FR" sz="900" dirty="0"/>
+              <a:t>+</a:t>
+            </a:r>
+          </a:p>
+        </p:txBody>
+      </p:sp>
+      <p:cxnSp>
+        <p:nvCxnSpPr>
+          <p:cNvPr id="30" name="Connecteur droit 29">
+            <a:extLst>
+              <a:ext uri="{FF2B5EF4-FFF2-40B4-BE49-F238E27FC236}">
+                <a16:creationId xmlns:a16="http://schemas.microsoft.com/office/drawing/2014/main" id="{DD9C7B50-C6F5-7260-C61A-2CAE5E4C0BF7}"/>
+              </a:ext>
+            </a:extLst>
+          </p:cNvPr>
+          <p:cNvCxnSpPr/>
+          <p:nvPr/>
+        </p:nvCxnSpPr>
+        <p:spPr>
+          <a:xfrm>
+            <a:off x="6450928" y="1458686"/>
+            <a:ext cx="0" cy="3272971"/>
+          </a:xfrm>
+          <a:prstGeom prst="line">
+            <a:avLst/>
+          </a:prstGeom>
+          <a:ln w="19050">
             <a:solidFill>
               <a:schemeClr val="bg1">
-                <a:lumMod val="95000"/>
+                <a:lumMod val="75000"/>
               </a:schemeClr>
             </a:solidFill>
-            <a:ln>
-              <a:noFill/>
-            </a:ln>
-          </p:spPr>
-          <p:style>
-            <a:lnRef idx="2">
-              <a:schemeClr val="accent1">
-                <a:shade val="15000"/>
-              </a:schemeClr>
-            </a:lnRef>
-            <a:fillRef idx="1">
-              <a:schemeClr val="accent1"/>
-            </a:fillRef>
-            <a:effectRef idx="0">
-              <a:schemeClr val="accent1"/>
-            </a:effectRef>
-            <a:fontRef idx="minor">
-              <a:schemeClr val="lt1"/>
-            </a:fontRef>
-          </p:style>
-          <p:txBody>
-            <a:bodyPr rtlCol="0" anchor="ctr"/>
-            <a:lstStyle/>
-            <a:p>
-              <a:pPr algn="ctr"/>
-              <a:endParaRPr lang="fr-FR" dirty="0"/>
-            </a:p>
-          </p:txBody>
-        </p:sp>
-        <p:sp>
-          <p:nvSpPr>
-            <p:cNvPr id="48" name="ZoneTexte 47">
-              <a:extLst>
-                <a:ext uri="{FF2B5EF4-FFF2-40B4-BE49-F238E27FC236}">
-                  <a16:creationId xmlns:a16="http://schemas.microsoft.com/office/drawing/2014/main" id="{FE31E2F0-6B8A-B0EE-9044-0597F28AE28A}"/>
-                </a:ext>
-              </a:extLst>
-            </p:cNvPr>
-            <p:cNvSpPr txBox="1"/>
-            <p:nvPr/>
-          </p:nvSpPr>
-          <p:spPr>
-            <a:xfrm>
-              <a:off x="4909152" y="3149942"/>
-              <a:ext cx="1079654" cy="338554"/>
-            </a:xfrm>
-            <a:prstGeom prst="rect">
-              <a:avLst/>
-            </a:prstGeom>
-            <a:noFill/>
-          </p:spPr>
-          <p:txBody>
-            <a:bodyPr wrap="square" rtlCol="0">
-              <a:spAutoFit/>
-            </a:bodyPr>
-            <a:lstStyle/>
-            <a:p>
-              <a:pPr algn="ctr"/>
-              <a:r>
-                <a:rPr lang="fr-FR" sz="800" b="1" dirty="0" err="1"/>
-                <a:t>Tracking</a:t>
-              </a:r>
-              <a:r>
-                <a:rPr lang="fr-FR" sz="800" b="1" dirty="0"/>
-                <a:t> du modèle</a:t>
-              </a:r>
-            </a:p>
-          </p:txBody>
-        </p:sp>
-        <p:sp>
-          <p:nvSpPr>
-            <p:cNvPr id="49" name="Rectangle : coins arrondis 48">
-              <a:extLst>
-                <a:ext uri="{FF2B5EF4-FFF2-40B4-BE49-F238E27FC236}">
-                  <a16:creationId xmlns:a16="http://schemas.microsoft.com/office/drawing/2014/main" id="{8486A803-5325-E4EE-E6D1-9C2310E9372C}"/>
-                </a:ext>
-              </a:extLst>
-            </p:cNvPr>
-            <p:cNvSpPr/>
-            <p:nvPr/>
-          </p:nvSpPr>
-          <p:spPr>
-            <a:xfrm>
-              <a:off x="4881636" y="3862081"/>
-              <a:ext cx="1109609" cy="525360"/>
-            </a:xfrm>
-            <a:prstGeom prst="roundRect">
-              <a:avLst/>
-            </a:prstGeom>
-            <a:solidFill>
-              <a:schemeClr val="bg1">
-                <a:lumMod val="95000"/>
-              </a:schemeClr>
-            </a:solidFill>
-            <a:ln>
-              <a:noFill/>
-            </a:ln>
-          </p:spPr>
-          <p:style>
-            <a:lnRef idx="2">
-              <a:schemeClr val="accent1">
-                <a:shade val="15000"/>
-              </a:schemeClr>
-            </a:lnRef>
-            <a:fillRef idx="1">
-              <a:schemeClr val="accent1"/>
-            </a:fillRef>
-            <a:effectRef idx="0">
-              <a:schemeClr val="accent1"/>
-            </a:effectRef>
-            <a:fontRef idx="minor">
-              <a:schemeClr val="lt1"/>
-            </a:fontRef>
-          </p:style>
-          <p:txBody>
-            <a:bodyPr rtlCol="0" anchor="ctr"/>
-            <a:lstStyle/>
-            <a:p>
-              <a:pPr algn="ctr"/>
-              <a:endParaRPr lang="fr-FR"/>
-            </a:p>
-          </p:txBody>
-        </p:sp>
-        <p:sp>
-          <p:nvSpPr>
-            <p:cNvPr id="50" name="ZoneTexte 49">
-              <a:extLst>
-                <a:ext uri="{FF2B5EF4-FFF2-40B4-BE49-F238E27FC236}">
-                  <a16:creationId xmlns:a16="http://schemas.microsoft.com/office/drawing/2014/main" id="{D45817E9-F26B-F5AC-E969-2DB4F41AE334}"/>
-                </a:ext>
-              </a:extLst>
-            </p:cNvPr>
-            <p:cNvSpPr txBox="1"/>
-            <p:nvPr/>
-          </p:nvSpPr>
-          <p:spPr>
-            <a:xfrm>
-              <a:off x="4911591" y="3977728"/>
-              <a:ext cx="1079654" cy="338554"/>
-            </a:xfrm>
-            <a:prstGeom prst="rect">
-              <a:avLst/>
-            </a:prstGeom>
-            <a:noFill/>
-          </p:spPr>
-          <p:txBody>
-            <a:bodyPr wrap="square" rtlCol="0">
-              <a:spAutoFit/>
-            </a:bodyPr>
-            <a:lstStyle/>
-            <a:p>
-              <a:pPr algn="ctr"/>
-              <a:r>
-                <a:rPr lang="fr-FR" sz="800" b="1" dirty="0"/>
-                <a:t>Registre et runs du modèle</a:t>
-              </a:r>
-            </a:p>
-          </p:txBody>
-        </p:sp>
-        <p:pic>
-          <p:nvPicPr>
-            <p:cNvPr id="2054" name="Picture 6">
-              <a:extLst>
-                <a:ext uri="{FF2B5EF4-FFF2-40B4-BE49-F238E27FC236}">
-                  <a16:creationId xmlns:a16="http://schemas.microsoft.com/office/drawing/2014/main" id="{A2294E8E-D08B-505D-5B9D-D8788A9CD32B}"/>
-                </a:ext>
-              </a:extLst>
-            </p:cNvPr>
-            <p:cNvPicPr>
-              <a:picLocks noChangeAspect="1" noChangeArrowheads="1"/>
-            </p:cNvPicPr>
-            <p:nvPr/>
-          </p:nvPicPr>
-          <p:blipFill>
-            <a:blip r:embed="rId14">
-              <a:extLst>
-                <a:ext uri="{28A0092B-C50C-407E-A947-70E740481C1C}">
-                  <a14:useLocalDpi xmlns:a14="http://schemas.microsoft.com/office/drawing/2010/main" val="0"/>
-                </a:ext>
-              </a:extLst>
-            </a:blip>
-            <a:srcRect/>
-            <a:stretch>
-              <a:fillRect/>
-            </a:stretch>
-          </p:blipFill>
-          <p:spPr bwMode="auto">
-            <a:xfrm>
-              <a:off x="4691140" y="2843961"/>
-              <a:ext cx="711670" cy="374563"/>
-            </a:xfrm>
-            <a:prstGeom prst="rect">
-              <a:avLst/>
-            </a:prstGeom>
-            <a:noFill/>
+            <a:prstDash val="dash"/>
+          </a:ln>
+        </p:spPr>
+        <p:style>
+          <a:lnRef idx="1">
+            <a:schemeClr val="dk1"/>
+          </a:lnRef>
+          <a:fillRef idx="0">
+            <a:schemeClr val="dk1"/>
+          </a:fillRef>
+          <a:effectRef idx="0">
+            <a:schemeClr val="dk1"/>
+          </a:effectRef>
+          <a:fontRef idx="minor">
+            <a:schemeClr val="tx1"/>
+          </a:fontRef>
+        </p:style>
+      </p:cxnSp>
+      <p:pic>
+        <p:nvPicPr>
+          <p:cNvPr id="1036" name="Picture 12">
             <a:extLst>
-              <a:ext uri="{909E8E84-426E-40DD-AFC4-6F175D3DCCD1}">
-                <a14:hiddenFill xmlns:a14="http://schemas.microsoft.com/office/drawing/2010/main">
-                  <a:solidFill>
-                    <a:srgbClr val="FFFFFF"/>
-                  </a:solidFill>
-                </a14:hiddenFill>
+              <a:ext uri="{FF2B5EF4-FFF2-40B4-BE49-F238E27FC236}">
+                <a16:creationId xmlns:a16="http://schemas.microsoft.com/office/drawing/2014/main" id="{135630BC-F5F0-17C1-438A-A312C16997F8}"/>
               </a:ext>
             </a:extLst>
-          </p:spPr>
-        </p:pic>
-        <p:pic>
-          <p:nvPicPr>
-            <p:cNvPr id="51" name="Image 50" descr="Une image contenant art, pixel, conception&#10;&#10;Le contenu généré par l’IA peut être incorrect.">
-              <a:extLst>
-                <a:ext uri="{FF2B5EF4-FFF2-40B4-BE49-F238E27FC236}">
-                  <a16:creationId xmlns:a16="http://schemas.microsoft.com/office/drawing/2014/main" id="{054FB5AB-F043-1139-CFA8-44C9034D1153}"/>
-                </a:ext>
-              </a:extLst>
-            </p:cNvPr>
-            <p:cNvPicPr>
-              <a:picLocks noChangeAspect="1"/>
-            </p:cNvPicPr>
-            <p:nvPr/>
-          </p:nvPicPr>
-          <p:blipFill>
-            <a:blip r:embed="rId15"/>
-            <a:stretch>
-              <a:fillRect/>
-            </a:stretch>
-          </p:blipFill>
-          <p:spPr>
-            <a:xfrm>
-              <a:off x="4776380" y="3775222"/>
-              <a:ext cx="247189" cy="295703"/>
-            </a:xfrm>
-            <a:prstGeom prst="rect">
-              <a:avLst/>
-            </a:prstGeom>
-          </p:spPr>
-        </p:pic>
-        <p:sp>
-          <p:nvSpPr>
-            <p:cNvPr id="52" name="Ellipse 51">
-              <a:extLst>
-                <a:ext uri="{FF2B5EF4-FFF2-40B4-BE49-F238E27FC236}">
-                  <a16:creationId xmlns:a16="http://schemas.microsoft.com/office/drawing/2014/main" id="{7A45A31B-42CC-CB8B-442E-3576FB243381}"/>
-                </a:ext>
-              </a:extLst>
-            </p:cNvPr>
-            <p:cNvSpPr/>
-            <p:nvPr/>
-          </p:nvSpPr>
-          <p:spPr>
-            <a:xfrm>
-              <a:off x="5535850" y="2751648"/>
-              <a:ext cx="122984" cy="122984"/>
-            </a:xfrm>
-            <a:prstGeom prst="ellipse">
-              <a:avLst/>
-            </a:prstGeom>
-            <a:solidFill>
-              <a:srgbClr val="41545E"/>
-            </a:solidFill>
-            <a:ln>
-              <a:noFill/>
-            </a:ln>
-          </p:spPr>
-          <p:style>
-            <a:lnRef idx="2">
-              <a:schemeClr val="accent1">
-                <a:shade val="15000"/>
-              </a:schemeClr>
-            </a:lnRef>
-            <a:fillRef idx="1">
-              <a:schemeClr val="accent1"/>
-            </a:fillRef>
-            <a:effectRef idx="0">
-              <a:schemeClr val="accent1"/>
-            </a:effectRef>
-            <a:fontRef idx="minor">
-              <a:schemeClr val="lt1"/>
-            </a:fontRef>
-          </p:style>
-          <p:txBody>
-            <a:bodyPr rtlCol="0" anchor="ctr"/>
-            <a:lstStyle/>
-            <a:p>
-              <a:pPr algn="ctr"/>
-              <a:r>
-                <a:rPr lang="fr-FR" sz="900" dirty="0"/>
-                <a:t>+</a:t>
-              </a:r>
-            </a:p>
-          </p:txBody>
-        </p:sp>
-        <p:sp>
-          <p:nvSpPr>
-            <p:cNvPr id="53" name="Rectangle : coins arrondis 52">
-              <a:extLst>
-                <a:ext uri="{FF2B5EF4-FFF2-40B4-BE49-F238E27FC236}">
-                  <a16:creationId xmlns:a16="http://schemas.microsoft.com/office/drawing/2014/main" id="{CF1F8123-FC2A-EF28-8139-FC1D62216C5F}"/>
-                </a:ext>
-              </a:extLst>
-            </p:cNvPr>
-            <p:cNvSpPr/>
-            <p:nvPr/>
-          </p:nvSpPr>
-          <p:spPr>
-            <a:xfrm>
-              <a:off x="4531529" y="2628306"/>
-              <a:ext cx="1796425" cy="1870262"/>
-            </a:xfrm>
-            <a:prstGeom prst="roundRect">
-              <a:avLst>
-                <a:gd name="adj" fmla="val 10895"/>
-              </a:avLst>
-            </a:prstGeom>
-            <a:noFill/>
-            <a:ln w="9525">
-              <a:solidFill>
-                <a:srgbClr val="00B050"/>
-              </a:solidFill>
-              <a:prstDash val="dash"/>
-            </a:ln>
-          </p:spPr>
-          <p:style>
-            <a:lnRef idx="2">
-              <a:schemeClr val="accent1">
-                <a:shade val="15000"/>
-              </a:schemeClr>
-            </a:lnRef>
-            <a:fillRef idx="1">
-              <a:schemeClr val="accent1"/>
-            </a:fillRef>
-            <a:effectRef idx="0">
-              <a:schemeClr val="accent1"/>
-            </a:effectRef>
-            <a:fontRef idx="minor">
-              <a:schemeClr val="lt1"/>
-            </a:fontRef>
-          </p:style>
-          <p:txBody>
-            <a:bodyPr rtlCol="0" anchor="ctr"/>
-            <a:lstStyle/>
-            <a:p>
-              <a:pPr algn="ctr"/>
-              <a:endParaRPr lang="fr-FR" dirty="0"/>
-            </a:p>
-          </p:txBody>
-        </p:sp>
-        <p:cxnSp>
-          <p:nvCxnSpPr>
-            <p:cNvPr id="1046" name="Connecteur droit avec flèche 1045">
-              <a:extLst>
-                <a:ext uri="{FF2B5EF4-FFF2-40B4-BE49-F238E27FC236}">
-                  <a16:creationId xmlns:a16="http://schemas.microsoft.com/office/drawing/2014/main" id="{F59A3777-3D90-7CA7-F89E-8874DA5F6283}"/>
-                </a:ext>
-              </a:extLst>
-            </p:cNvPr>
-            <p:cNvCxnSpPr>
-              <a:cxnSpLocks/>
-              <a:stCxn id="46" idx="2"/>
-            </p:cNvCxnSpPr>
-            <p:nvPr/>
-          </p:nvCxnSpPr>
-          <p:spPr>
-            <a:xfrm>
-              <a:off x="5427620" y="2302794"/>
-              <a:ext cx="2122" cy="325512"/>
-            </a:xfrm>
-            <a:prstGeom prst="straightConnector1">
-              <a:avLst/>
-            </a:prstGeom>
-            <a:ln w="38100">
-              <a:solidFill>
-                <a:srgbClr val="00B050"/>
-              </a:solidFill>
-              <a:tailEnd type="triangle"/>
-            </a:ln>
-          </p:spPr>
-          <p:style>
-            <a:lnRef idx="1">
-              <a:schemeClr val="accent1"/>
-            </a:lnRef>
-            <a:fillRef idx="0">
-              <a:schemeClr val="accent1"/>
-            </a:fillRef>
-            <a:effectRef idx="0">
-              <a:schemeClr val="accent1"/>
-            </a:effectRef>
-            <a:fontRef idx="minor">
-              <a:schemeClr val="tx1"/>
-            </a:fontRef>
-          </p:style>
-        </p:cxnSp>
-        <p:cxnSp>
-          <p:nvCxnSpPr>
-            <p:cNvPr id="1068" name="Connecteur droit avec flèche 1067">
-              <a:extLst>
-                <a:ext uri="{FF2B5EF4-FFF2-40B4-BE49-F238E27FC236}">
-                  <a16:creationId xmlns:a16="http://schemas.microsoft.com/office/drawing/2014/main" id="{3FF98031-1DCE-7770-7F38-10F134A37AB2}"/>
-                </a:ext>
-              </a:extLst>
-            </p:cNvPr>
-            <p:cNvCxnSpPr>
-              <a:cxnSpLocks/>
-              <a:stCxn id="47" idx="2"/>
-              <a:endCxn id="49" idx="0"/>
-            </p:cNvCxnSpPr>
-            <p:nvPr/>
-          </p:nvCxnSpPr>
-          <p:spPr>
-            <a:xfrm flipH="1">
-              <a:off x="5436441" y="3572509"/>
-              <a:ext cx="855" cy="289572"/>
-            </a:xfrm>
-            <a:prstGeom prst="straightConnector1">
-              <a:avLst/>
-            </a:prstGeom>
-            <a:ln w="12700">
-              <a:solidFill>
-                <a:srgbClr val="00B050"/>
-              </a:solidFill>
-              <a:tailEnd type="triangle"/>
-            </a:ln>
-          </p:spPr>
-          <p:style>
-            <a:lnRef idx="1">
-              <a:schemeClr val="accent1"/>
-            </a:lnRef>
-            <a:fillRef idx="0">
-              <a:schemeClr val="accent1"/>
-            </a:fillRef>
-            <a:effectRef idx="0">
-              <a:schemeClr val="accent1"/>
-            </a:effectRef>
-            <a:fontRef idx="minor">
-              <a:schemeClr val="tx1"/>
-            </a:fontRef>
-          </p:style>
-        </p:cxnSp>
-        <p:sp>
-          <p:nvSpPr>
-            <p:cNvPr id="46" name="Rectangle : coins arrondis 45">
-              <a:extLst>
-                <a:ext uri="{FF2B5EF4-FFF2-40B4-BE49-F238E27FC236}">
-                  <a16:creationId xmlns:a16="http://schemas.microsoft.com/office/drawing/2014/main" id="{E433E364-4228-6856-536E-34873F6A6DC3}"/>
-                </a:ext>
-              </a:extLst>
-            </p:cNvPr>
-            <p:cNvSpPr/>
-            <p:nvPr/>
-          </p:nvSpPr>
-          <p:spPr>
-            <a:xfrm>
-              <a:off x="4809680" y="1817936"/>
-              <a:ext cx="1235879" cy="484858"/>
-            </a:xfrm>
-            <a:prstGeom prst="roundRect">
-              <a:avLst/>
-            </a:prstGeom>
-            <a:solidFill>
-              <a:schemeClr val="bg1">
-                <a:lumMod val="95000"/>
-              </a:schemeClr>
-            </a:solidFill>
-            <a:ln>
-              <a:noFill/>
-            </a:ln>
-          </p:spPr>
-          <p:style>
-            <a:lnRef idx="2">
-              <a:schemeClr val="accent1">
-                <a:shade val="15000"/>
-              </a:schemeClr>
-            </a:lnRef>
-            <a:fillRef idx="1">
-              <a:schemeClr val="accent1"/>
-            </a:fillRef>
-            <a:effectRef idx="0">
-              <a:schemeClr val="accent1"/>
-            </a:effectRef>
-            <a:fontRef idx="minor">
-              <a:schemeClr val="lt1"/>
-            </a:fontRef>
-          </p:style>
-          <p:txBody>
-            <a:bodyPr rtlCol="0" anchor="ctr"/>
-            <a:lstStyle/>
-            <a:p>
-              <a:pPr algn="ctr"/>
-              <a:endParaRPr lang="fr-FR" dirty="0"/>
-            </a:p>
-          </p:txBody>
-        </p:sp>
-        <p:pic>
-          <p:nvPicPr>
-            <p:cNvPr id="1034" name="Picture 10">
-              <a:extLst>
-                <a:ext uri="{FF2B5EF4-FFF2-40B4-BE49-F238E27FC236}">
-                  <a16:creationId xmlns:a16="http://schemas.microsoft.com/office/drawing/2014/main" id="{748B16F9-6C53-91C1-4712-424BF6CE8989}"/>
-                </a:ext>
-              </a:extLst>
-            </p:cNvPr>
-            <p:cNvPicPr>
-              <a:picLocks noChangeAspect="1" noChangeArrowheads="1"/>
-            </p:cNvPicPr>
-            <p:nvPr/>
-          </p:nvPicPr>
-          <p:blipFill>
-            <a:blip r:embed="rId16">
-              <a:extLst>
-                <a:ext uri="{28A0092B-C50C-407E-A947-70E740481C1C}">
-                  <a14:useLocalDpi xmlns:a14="http://schemas.microsoft.com/office/drawing/2010/main" val="0"/>
-                </a:ext>
-              </a:extLst>
-            </a:blip>
-            <a:srcRect/>
-            <a:stretch>
-              <a:fillRect/>
-            </a:stretch>
-          </p:blipFill>
-          <p:spPr bwMode="auto">
-            <a:xfrm>
-              <a:off x="4608049" y="1580684"/>
-              <a:ext cx="506762" cy="506762"/>
-            </a:xfrm>
-            <a:prstGeom prst="rect">
-              <a:avLst/>
-            </a:prstGeom>
-            <a:noFill/>
+          </p:cNvPr>
+          <p:cNvPicPr>
+            <a:picLocks noChangeAspect="1" noChangeArrowheads="1"/>
+          </p:cNvPicPr>
+          <p:nvPr/>
+        </p:nvPicPr>
+        <p:blipFill>
+          <a:blip r:embed="rId10">
             <a:extLst>
-              <a:ext uri="{909E8E84-426E-40DD-AFC4-6F175D3DCCD1}">
-                <a14:hiddenFill xmlns:a14="http://schemas.microsoft.com/office/drawing/2010/main">
-                  <a:solidFill>
-                    <a:srgbClr val="FFFFFF"/>
-                  </a:solidFill>
-                </a14:hiddenFill>
+              <a:ext uri="{28A0092B-C50C-407E-A947-70E740481C1C}">
+                <a14:useLocalDpi xmlns:a14="http://schemas.microsoft.com/office/drawing/2010/main" val="0"/>
               </a:ext>
             </a:extLst>
-          </p:spPr>
-        </p:pic>
-        <p:sp>
-          <p:nvSpPr>
-            <p:cNvPr id="44" name="ZoneTexte 43">
-              <a:extLst>
-                <a:ext uri="{FF2B5EF4-FFF2-40B4-BE49-F238E27FC236}">
-                  <a16:creationId xmlns:a16="http://schemas.microsoft.com/office/drawing/2014/main" id="{682088E1-064C-5214-7A97-A059E4869B55}"/>
-                </a:ext>
-              </a:extLst>
-            </p:cNvPr>
-            <p:cNvSpPr txBox="1"/>
-            <p:nvPr/>
-          </p:nvSpPr>
-          <p:spPr>
-            <a:xfrm>
-              <a:off x="4913179" y="1841943"/>
-              <a:ext cx="1079654" cy="338554"/>
-            </a:xfrm>
-            <a:prstGeom prst="rect">
-              <a:avLst/>
-            </a:prstGeom>
+          </a:blip>
+          <a:srcRect/>
+          <a:stretch>
+            <a:fillRect/>
+          </a:stretch>
+        </p:blipFill>
+        <p:spPr bwMode="auto">
+          <a:xfrm>
+            <a:off x="5590470" y="2629059"/>
+            <a:ext cx="781468" cy="564394"/>
+          </a:xfrm>
+          <a:prstGeom prst="rect">
+            <a:avLst/>
+          </a:prstGeom>
+          <a:noFill/>
+          <a:extLst>
+            <a:ext uri="{909E8E84-426E-40DD-AFC4-6F175D3DCCD1}">
+              <a14:hiddenFill xmlns:a14="http://schemas.microsoft.com/office/drawing/2010/main">
+                <a:solidFill>
+                  <a:srgbClr val="FFFFFF"/>
+                </a:solidFill>
+              </a14:hiddenFill>
+            </a:ext>
+          </a:extLst>
+        </p:spPr>
+      </p:pic>
+      <p:pic>
+        <p:nvPicPr>
+          <p:cNvPr id="1038" name="Picture 14">
+            <a:extLst>
+              <a:ext uri="{FF2B5EF4-FFF2-40B4-BE49-F238E27FC236}">
+                <a16:creationId xmlns:a16="http://schemas.microsoft.com/office/drawing/2014/main" id="{1B3822DD-A0E9-A37F-0DE9-40781F1C3DF4}"/>
+              </a:ext>
+            </a:extLst>
+          </p:cNvPr>
+          <p:cNvPicPr>
+            <a:picLocks noChangeAspect="1" noChangeArrowheads="1"/>
+          </p:cNvPicPr>
+          <p:nvPr/>
+        </p:nvPicPr>
+        <p:blipFill rotWithShape="1">
+          <a:blip r:embed="rId9">
+            <a:extLst>
+              <a:ext uri="{28A0092B-C50C-407E-A947-70E740481C1C}">
+                <a14:useLocalDpi xmlns:a14="http://schemas.microsoft.com/office/drawing/2010/main" val="0"/>
+              </a:ext>
+            </a:extLst>
+          </a:blip>
+          <a:srcRect l="6454" t="18548" b="24342"/>
+          <a:stretch>
+            <a:fillRect/>
+          </a:stretch>
+        </p:blipFill>
+        <p:spPr bwMode="auto">
+          <a:xfrm>
+            <a:off x="4575513" y="2811008"/>
+            <a:ext cx="1009143" cy="225895"/>
+          </a:xfrm>
+          <a:prstGeom prst="rect">
+            <a:avLst/>
+          </a:prstGeom>
+          <a:noFill/>
+          <a:extLst>
+            <a:ext uri="{909E8E84-426E-40DD-AFC4-6F175D3DCCD1}">
+              <a14:hiddenFill xmlns:a14="http://schemas.microsoft.com/office/drawing/2010/main">
+                <a:solidFill>
+                  <a:srgbClr val="FFFFFF"/>
+                </a:solidFill>
+              </a14:hiddenFill>
+            </a:ext>
+          </a:extLst>
+        </p:spPr>
+      </p:pic>
+      <p:sp>
+        <p:nvSpPr>
+          <p:cNvPr id="47" name="Rectangle : coins arrondis 46">
+            <a:extLst>
+              <a:ext uri="{FF2B5EF4-FFF2-40B4-BE49-F238E27FC236}">
+                <a16:creationId xmlns:a16="http://schemas.microsoft.com/office/drawing/2014/main" id="{481D51B6-7D43-7926-6891-407782B836DE}"/>
+              </a:ext>
+            </a:extLst>
+          </p:cNvPr>
+          <p:cNvSpPr/>
+          <p:nvPr/>
+        </p:nvSpPr>
+        <p:spPr>
+          <a:xfrm>
+            <a:off x="4883346" y="3117246"/>
+            <a:ext cx="1107899" cy="560285"/>
+          </a:xfrm>
+          <a:prstGeom prst="roundRect">
+            <a:avLst/>
+          </a:prstGeom>
+          <a:solidFill>
+            <a:schemeClr val="bg1">
+              <a:lumMod val="95000"/>
+            </a:schemeClr>
+          </a:solidFill>
+          <a:ln>
             <a:noFill/>
-          </p:spPr>
-          <p:txBody>
-            <a:bodyPr wrap="square" rtlCol="0">
-              <a:spAutoFit/>
-            </a:bodyPr>
-            <a:lstStyle/>
-            <a:p>
-              <a:pPr algn="ctr"/>
-              <a:r>
-                <a:rPr lang="fr-FR" sz="800" b="1" dirty="0"/>
-                <a:t>Entraînement du modèle</a:t>
-              </a:r>
-            </a:p>
-          </p:txBody>
-        </p:sp>
-        <p:cxnSp>
-          <p:nvCxnSpPr>
-            <p:cNvPr id="108" name="Connecteur droit avec flèche 107">
-              <a:extLst>
-                <a:ext uri="{FF2B5EF4-FFF2-40B4-BE49-F238E27FC236}">
-                  <a16:creationId xmlns:a16="http://schemas.microsoft.com/office/drawing/2014/main" id="{8FC538F3-E888-6C1B-940B-D6B968D8FCEE}"/>
-                </a:ext>
-              </a:extLst>
-            </p:cNvPr>
-            <p:cNvCxnSpPr>
-              <a:cxnSpLocks/>
-            </p:cNvCxnSpPr>
-            <p:nvPr/>
-          </p:nvCxnSpPr>
-          <p:spPr>
-            <a:xfrm>
-              <a:off x="4245348" y="2035648"/>
-              <a:ext cx="551235" cy="0"/>
-            </a:xfrm>
-            <a:prstGeom prst="straightConnector1">
-              <a:avLst/>
-            </a:prstGeom>
-            <a:ln w="38100">
-              <a:solidFill>
-                <a:srgbClr val="00B050"/>
-              </a:solidFill>
-              <a:tailEnd type="triangle"/>
-            </a:ln>
-          </p:spPr>
-          <p:style>
-            <a:lnRef idx="1">
-              <a:schemeClr val="accent1"/>
-            </a:lnRef>
-            <a:fillRef idx="0">
-              <a:schemeClr val="accent1"/>
-            </a:fillRef>
-            <a:effectRef idx="0">
-              <a:schemeClr val="accent1"/>
-            </a:effectRef>
-            <a:fontRef idx="minor">
-              <a:schemeClr val="tx1"/>
-            </a:fontRef>
-          </p:style>
-        </p:cxnSp>
-      </p:grpSp>
+          </a:ln>
+        </p:spPr>
+        <p:style>
+          <a:lnRef idx="2">
+            <a:schemeClr val="accent1">
+              <a:shade val="15000"/>
+            </a:schemeClr>
+          </a:lnRef>
+          <a:fillRef idx="1">
+            <a:schemeClr val="accent1"/>
+          </a:fillRef>
+          <a:effectRef idx="0">
+            <a:schemeClr val="accent1"/>
+          </a:effectRef>
+          <a:fontRef idx="minor">
+            <a:schemeClr val="lt1"/>
+          </a:fontRef>
+        </p:style>
+        <p:txBody>
+          <a:bodyPr rtlCol="0" anchor="ctr"/>
+          <a:lstStyle/>
+          <a:p>
+            <a:pPr algn="ctr"/>
+            <a:endParaRPr lang="fr-FR" dirty="0"/>
+          </a:p>
+        </p:txBody>
+      </p:sp>
+      <p:sp>
+        <p:nvSpPr>
+          <p:cNvPr id="48" name="ZoneTexte 47">
+            <a:extLst>
+              <a:ext uri="{FF2B5EF4-FFF2-40B4-BE49-F238E27FC236}">
+                <a16:creationId xmlns:a16="http://schemas.microsoft.com/office/drawing/2014/main" id="{FE31E2F0-6B8A-B0EE-9044-0597F28AE28A}"/>
+              </a:ext>
+            </a:extLst>
+          </p:cNvPr>
+          <p:cNvSpPr txBox="1"/>
+          <p:nvPr/>
+        </p:nvSpPr>
+        <p:spPr>
+          <a:xfrm>
+            <a:off x="4909152" y="3254964"/>
+            <a:ext cx="1079654" cy="338554"/>
+          </a:xfrm>
+          <a:prstGeom prst="rect">
+            <a:avLst/>
+          </a:prstGeom>
+          <a:noFill/>
+        </p:spPr>
+        <p:txBody>
+          <a:bodyPr wrap="square" rtlCol="0">
+            <a:spAutoFit/>
+          </a:bodyPr>
+          <a:lstStyle/>
+          <a:p>
+            <a:pPr algn="ctr"/>
+            <a:r>
+              <a:rPr lang="fr-FR" sz="800" b="1" dirty="0" err="1"/>
+              <a:t>Tracking</a:t>
+            </a:r>
+            <a:r>
+              <a:rPr lang="fr-FR" sz="800" b="1" dirty="0"/>
+              <a:t> du modèle</a:t>
+            </a:r>
+          </a:p>
+        </p:txBody>
+      </p:sp>
+      <p:sp>
+        <p:nvSpPr>
+          <p:cNvPr id="49" name="Rectangle : coins arrondis 48">
+            <a:extLst>
+              <a:ext uri="{FF2B5EF4-FFF2-40B4-BE49-F238E27FC236}">
+                <a16:creationId xmlns:a16="http://schemas.microsoft.com/office/drawing/2014/main" id="{8486A803-5325-E4EE-E6D1-9C2310E9372C}"/>
+              </a:ext>
+            </a:extLst>
+          </p:cNvPr>
+          <p:cNvSpPr/>
+          <p:nvPr/>
+        </p:nvSpPr>
+        <p:spPr>
+          <a:xfrm>
+            <a:off x="4881636" y="3967103"/>
+            <a:ext cx="1109609" cy="525360"/>
+          </a:xfrm>
+          <a:prstGeom prst="roundRect">
+            <a:avLst/>
+          </a:prstGeom>
+          <a:solidFill>
+            <a:schemeClr val="bg1">
+              <a:lumMod val="95000"/>
+            </a:schemeClr>
+          </a:solidFill>
+          <a:ln>
+            <a:noFill/>
+          </a:ln>
+        </p:spPr>
+        <p:style>
+          <a:lnRef idx="2">
+            <a:schemeClr val="accent1">
+              <a:shade val="15000"/>
+            </a:schemeClr>
+          </a:lnRef>
+          <a:fillRef idx="1">
+            <a:schemeClr val="accent1"/>
+          </a:fillRef>
+          <a:effectRef idx="0">
+            <a:schemeClr val="accent1"/>
+          </a:effectRef>
+          <a:fontRef idx="minor">
+            <a:schemeClr val="lt1"/>
+          </a:fontRef>
+        </p:style>
+        <p:txBody>
+          <a:bodyPr rtlCol="0" anchor="ctr"/>
+          <a:lstStyle/>
+          <a:p>
+            <a:pPr algn="ctr"/>
+            <a:endParaRPr lang="fr-FR"/>
+          </a:p>
+        </p:txBody>
+      </p:sp>
+      <p:sp>
+        <p:nvSpPr>
+          <p:cNvPr id="50" name="ZoneTexte 49">
+            <a:extLst>
+              <a:ext uri="{FF2B5EF4-FFF2-40B4-BE49-F238E27FC236}">
+                <a16:creationId xmlns:a16="http://schemas.microsoft.com/office/drawing/2014/main" id="{D45817E9-F26B-F5AC-E969-2DB4F41AE334}"/>
+              </a:ext>
+            </a:extLst>
+          </p:cNvPr>
+          <p:cNvSpPr txBox="1"/>
+          <p:nvPr/>
+        </p:nvSpPr>
+        <p:spPr>
+          <a:xfrm>
+            <a:off x="4911591" y="4082750"/>
+            <a:ext cx="1079654" cy="338554"/>
+          </a:xfrm>
+          <a:prstGeom prst="rect">
+            <a:avLst/>
+          </a:prstGeom>
+          <a:noFill/>
+        </p:spPr>
+        <p:txBody>
+          <a:bodyPr wrap="square" rtlCol="0">
+            <a:spAutoFit/>
+          </a:bodyPr>
+          <a:lstStyle/>
+          <a:p>
+            <a:pPr algn="ctr"/>
+            <a:r>
+              <a:rPr lang="fr-FR" sz="800" b="1" dirty="0"/>
+              <a:t>Registre et runs du modèle</a:t>
+            </a:r>
+          </a:p>
+        </p:txBody>
+      </p:sp>
+      <p:pic>
+        <p:nvPicPr>
+          <p:cNvPr id="2054" name="Picture 6">
+            <a:extLst>
+              <a:ext uri="{FF2B5EF4-FFF2-40B4-BE49-F238E27FC236}">
+                <a16:creationId xmlns:a16="http://schemas.microsoft.com/office/drawing/2014/main" id="{A2294E8E-D08B-505D-5B9D-D8788A9CD32B}"/>
+              </a:ext>
+            </a:extLst>
+          </p:cNvPr>
+          <p:cNvPicPr>
+            <a:picLocks noChangeAspect="1" noChangeArrowheads="1"/>
+          </p:cNvPicPr>
+          <p:nvPr/>
+        </p:nvPicPr>
+        <p:blipFill>
+          <a:blip r:embed="rId11">
+            <a:extLst>
+              <a:ext uri="{28A0092B-C50C-407E-A947-70E740481C1C}">
+                <a14:useLocalDpi xmlns:a14="http://schemas.microsoft.com/office/drawing/2010/main" val="0"/>
+              </a:ext>
+            </a:extLst>
+          </a:blip>
+          <a:srcRect/>
+          <a:stretch>
+            <a:fillRect/>
+          </a:stretch>
+        </p:blipFill>
+        <p:spPr bwMode="auto">
+          <a:xfrm>
+            <a:off x="4691140" y="2948983"/>
+            <a:ext cx="711670" cy="374563"/>
+          </a:xfrm>
+          <a:prstGeom prst="rect">
+            <a:avLst/>
+          </a:prstGeom>
+          <a:noFill/>
+          <a:extLst>
+            <a:ext uri="{909E8E84-426E-40DD-AFC4-6F175D3DCCD1}">
+              <a14:hiddenFill xmlns:a14="http://schemas.microsoft.com/office/drawing/2010/main">
+                <a:solidFill>
+                  <a:srgbClr val="FFFFFF"/>
+                </a:solidFill>
+              </a14:hiddenFill>
+            </a:ext>
+          </a:extLst>
+        </p:spPr>
+      </p:pic>
+      <p:pic>
+        <p:nvPicPr>
+          <p:cNvPr id="51" name="Image 50" descr="Une image contenant art, pixel, conception&#10;&#10;Le contenu généré par l’IA peut être incorrect.">
+            <a:extLst>
+              <a:ext uri="{FF2B5EF4-FFF2-40B4-BE49-F238E27FC236}">
+                <a16:creationId xmlns:a16="http://schemas.microsoft.com/office/drawing/2014/main" id="{054FB5AB-F043-1139-CFA8-44C9034D1153}"/>
+              </a:ext>
+            </a:extLst>
+          </p:cNvPr>
+          <p:cNvPicPr>
+            <a:picLocks noChangeAspect="1"/>
+          </p:cNvPicPr>
+          <p:nvPr/>
+        </p:nvPicPr>
+        <p:blipFill>
+          <a:blip r:embed="rId12"/>
+          <a:stretch>
+            <a:fillRect/>
+          </a:stretch>
+        </p:blipFill>
+        <p:spPr>
+          <a:xfrm>
+            <a:off x="4776380" y="3880244"/>
+            <a:ext cx="247189" cy="295703"/>
+          </a:xfrm>
+          <a:prstGeom prst="rect">
+            <a:avLst/>
+          </a:prstGeom>
+        </p:spPr>
+      </p:pic>
+      <p:sp>
+        <p:nvSpPr>
+          <p:cNvPr id="52" name="Ellipse 51">
+            <a:extLst>
+              <a:ext uri="{FF2B5EF4-FFF2-40B4-BE49-F238E27FC236}">
+                <a16:creationId xmlns:a16="http://schemas.microsoft.com/office/drawing/2014/main" id="{7A45A31B-42CC-CB8B-442E-3576FB243381}"/>
+              </a:ext>
+            </a:extLst>
+          </p:cNvPr>
+          <p:cNvSpPr/>
+          <p:nvPr/>
+        </p:nvSpPr>
+        <p:spPr>
+          <a:xfrm>
+            <a:off x="5535850" y="2856670"/>
+            <a:ext cx="122984" cy="122984"/>
+          </a:xfrm>
+          <a:prstGeom prst="ellipse">
+            <a:avLst/>
+          </a:prstGeom>
+          <a:solidFill>
+            <a:srgbClr val="41545E"/>
+          </a:solidFill>
+          <a:ln>
+            <a:noFill/>
+          </a:ln>
+        </p:spPr>
+        <p:style>
+          <a:lnRef idx="2">
+            <a:schemeClr val="accent1">
+              <a:shade val="15000"/>
+            </a:schemeClr>
+          </a:lnRef>
+          <a:fillRef idx="1">
+            <a:schemeClr val="accent1"/>
+          </a:fillRef>
+          <a:effectRef idx="0">
+            <a:schemeClr val="accent1"/>
+          </a:effectRef>
+          <a:fontRef idx="minor">
+            <a:schemeClr val="lt1"/>
+          </a:fontRef>
+        </p:style>
+        <p:txBody>
+          <a:bodyPr rtlCol="0" anchor="ctr"/>
+          <a:lstStyle/>
+          <a:p>
+            <a:pPr algn="ctr"/>
+            <a:r>
+              <a:rPr lang="fr-FR" sz="900" dirty="0"/>
+              <a:t>+</a:t>
+            </a:r>
+          </a:p>
+        </p:txBody>
+      </p:sp>
+      <p:sp>
+        <p:nvSpPr>
+          <p:cNvPr id="53" name="Rectangle : coins arrondis 52">
+            <a:extLst>
+              <a:ext uri="{FF2B5EF4-FFF2-40B4-BE49-F238E27FC236}">
+                <a16:creationId xmlns:a16="http://schemas.microsoft.com/office/drawing/2014/main" id="{CF1F8123-FC2A-EF28-8139-FC1D62216C5F}"/>
+              </a:ext>
+            </a:extLst>
+          </p:cNvPr>
+          <p:cNvSpPr/>
+          <p:nvPr/>
+        </p:nvSpPr>
+        <p:spPr>
+          <a:xfrm>
+            <a:off x="4531529" y="2733328"/>
+            <a:ext cx="1796425" cy="1837885"/>
+          </a:xfrm>
+          <a:prstGeom prst="roundRect">
+            <a:avLst>
+              <a:gd name="adj" fmla="val 10895"/>
+            </a:avLst>
+          </a:prstGeom>
+          <a:noFill/>
+          <a:ln w="9525">
+            <a:solidFill>
+              <a:srgbClr val="00B050"/>
+            </a:solidFill>
+            <a:prstDash val="dash"/>
+          </a:ln>
+        </p:spPr>
+        <p:style>
+          <a:lnRef idx="2">
+            <a:schemeClr val="accent1">
+              <a:shade val="15000"/>
+            </a:schemeClr>
+          </a:lnRef>
+          <a:fillRef idx="1">
+            <a:schemeClr val="accent1"/>
+          </a:fillRef>
+          <a:effectRef idx="0">
+            <a:schemeClr val="accent1"/>
+          </a:effectRef>
+          <a:fontRef idx="minor">
+            <a:schemeClr val="lt1"/>
+          </a:fontRef>
+        </p:style>
+        <p:txBody>
+          <a:bodyPr rtlCol="0" anchor="ctr"/>
+          <a:lstStyle/>
+          <a:p>
+            <a:pPr algn="ctr"/>
+            <a:endParaRPr lang="fr-FR" dirty="0"/>
+          </a:p>
+        </p:txBody>
+      </p:sp>
+      <p:cxnSp>
+        <p:nvCxnSpPr>
+          <p:cNvPr id="1046" name="Connecteur droit avec flèche 1045">
+            <a:extLst>
+              <a:ext uri="{FF2B5EF4-FFF2-40B4-BE49-F238E27FC236}">
+                <a16:creationId xmlns:a16="http://schemas.microsoft.com/office/drawing/2014/main" id="{F59A3777-3D90-7CA7-F89E-8874DA5F6283}"/>
+              </a:ext>
+            </a:extLst>
+          </p:cNvPr>
+          <p:cNvCxnSpPr>
+            <a:cxnSpLocks/>
+            <a:stCxn id="46" idx="2"/>
+            <a:endCxn id="53" idx="0"/>
+          </p:cNvCxnSpPr>
+          <p:nvPr/>
+        </p:nvCxnSpPr>
+        <p:spPr>
+          <a:xfrm>
+            <a:off x="5427620" y="2302794"/>
+            <a:ext cx="2122" cy="430534"/>
+          </a:xfrm>
+          <a:prstGeom prst="straightConnector1">
+            <a:avLst/>
+          </a:prstGeom>
+          <a:ln w="12700">
+            <a:solidFill>
+              <a:srgbClr val="00B050"/>
+            </a:solidFill>
+            <a:tailEnd type="triangle"/>
+          </a:ln>
+        </p:spPr>
+        <p:style>
+          <a:lnRef idx="1">
+            <a:schemeClr val="accent1"/>
+          </a:lnRef>
+          <a:fillRef idx="0">
+            <a:schemeClr val="accent1"/>
+          </a:fillRef>
+          <a:effectRef idx="0">
+            <a:schemeClr val="accent1"/>
+          </a:effectRef>
+          <a:fontRef idx="minor">
+            <a:schemeClr val="tx1"/>
+          </a:fontRef>
+        </p:style>
+      </p:cxnSp>
+      <p:cxnSp>
+        <p:nvCxnSpPr>
+          <p:cNvPr id="1068" name="Connecteur droit avec flèche 1067">
+            <a:extLst>
+              <a:ext uri="{FF2B5EF4-FFF2-40B4-BE49-F238E27FC236}">
+                <a16:creationId xmlns:a16="http://schemas.microsoft.com/office/drawing/2014/main" id="{3FF98031-1DCE-7770-7F38-10F134A37AB2}"/>
+              </a:ext>
+            </a:extLst>
+          </p:cNvPr>
+          <p:cNvCxnSpPr>
+            <a:cxnSpLocks/>
+            <a:stCxn id="47" idx="2"/>
+            <a:endCxn id="49" idx="0"/>
+          </p:cNvCxnSpPr>
+          <p:nvPr/>
+        </p:nvCxnSpPr>
+        <p:spPr>
+          <a:xfrm flipH="1">
+            <a:off x="5436441" y="3677531"/>
+            <a:ext cx="855" cy="289572"/>
+          </a:xfrm>
+          <a:prstGeom prst="straightConnector1">
+            <a:avLst/>
+          </a:prstGeom>
+          <a:ln w="12700">
+            <a:solidFill>
+              <a:srgbClr val="00B050"/>
+            </a:solidFill>
+            <a:tailEnd type="triangle"/>
+          </a:ln>
+        </p:spPr>
+        <p:style>
+          <a:lnRef idx="1">
+            <a:schemeClr val="accent1"/>
+          </a:lnRef>
+          <a:fillRef idx="0">
+            <a:schemeClr val="accent1"/>
+          </a:fillRef>
+          <a:effectRef idx="0">
+            <a:schemeClr val="accent1"/>
+          </a:effectRef>
+          <a:fontRef idx="minor">
+            <a:schemeClr val="tx1"/>
+          </a:fontRef>
+        </p:style>
+      </p:cxnSp>
+      <p:sp>
+        <p:nvSpPr>
+          <p:cNvPr id="46" name="Rectangle : coins arrondis 45">
+            <a:extLst>
+              <a:ext uri="{FF2B5EF4-FFF2-40B4-BE49-F238E27FC236}">
+                <a16:creationId xmlns:a16="http://schemas.microsoft.com/office/drawing/2014/main" id="{E433E364-4228-6856-536E-34873F6A6DC3}"/>
+              </a:ext>
+            </a:extLst>
+          </p:cNvPr>
+          <p:cNvSpPr/>
+          <p:nvPr/>
+        </p:nvSpPr>
+        <p:spPr>
+          <a:xfrm>
+            <a:off x="4809680" y="1817936"/>
+            <a:ext cx="1235879" cy="484858"/>
+          </a:xfrm>
+          <a:prstGeom prst="roundRect">
+            <a:avLst/>
+          </a:prstGeom>
+          <a:solidFill>
+            <a:schemeClr val="bg1">
+              <a:lumMod val="95000"/>
+            </a:schemeClr>
+          </a:solidFill>
+          <a:ln>
+            <a:noFill/>
+          </a:ln>
+        </p:spPr>
+        <p:style>
+          <a:lnRef idx="2">
+            <a:schemeClr val="accent1">
+              <a:shade val="15000"/>
+            </a:schemeClr>
+          </a:lnRef>
+          <a:fillRef idx="1">
+            <a:schemeClr val="accent1"/>
+          </a:fillRef>
+          <a:effectRef idx="0">
+            <a:schemeClr val="accent1"/>
+          </a:effectRef>
+          <a:fontRef idx="minor">
+            <a:schemeClr val="lt1"/>
+          </a:fontRef>
+        </p:style>
+        <p:txBody>
+          <a:bodyPr rtlCol="0" anchor="ctr"/>
+          <a:lstStyle/>
+          <a:p>
+            <a:pPr algn="ctr"/>
+            <a:endParaRPr lang="fr-FR" dirty="0"/>
+          </a:p>
+        </p:txBody>
+      </p:sp>
+      <p:pic>
+        <p:nvPicPr>
+          <p:cNvPr id="1034" name="Picture 10">
+            <a:extLst>
+              <a:ext uri="{FF2B5EF4-FFF2-40B4-BE49-F238E27FC236}">
+                <a16:creationId xmlns:a16="http://schemas.microsoft.com/office/drawing/2014/main" id="{748B16F9-6C53-91C1-4712-424BF6CE8989}"/>
+              </a:ext>
+            </a:extLst>
+          </p:cNvPr>
+          <p:cNvPicPr>
+            <a:picLocks noChangeAspect="1" noChangeArrowheads="1"/>
+          </p:cNvPicPr>
+          <p:nvPr/>
+        </p:nvPicPr>
+        <p:blipFill>
+          <a:blip r:embed="rId13">
+            <a:extLst>
+              <a:ext uri="{28A0092B-C50C-407E-A947-70E740481C1C}">
+                <a14:useLocalDpi xmlns:a14="http://schemas.microsoft.com/office/drawing/2010/main" val="0"/>
+              </a:ext>
+            </a:extLst>
+          </a:blip>
+          <a:srcRect/>
+          <a:stretch>
+            <a:fillRect/>
+          </a:stretch>
+        </p:blipFill>
+        <p:spPr bwMode="auto">
+          <a:xfrm>
+            <a:off x="4608049" y="1580684"/>
+            <a:ext cx="506762" cy="506762"/>
+          </a:xfrm>
+          <a:prstGeom prst="rect">
+            <a:avLst/>
+          </a:prstGeom>
+          <a:noFill/>
+          <a:extLst>
+            <a:ext uri="{909E8E84-426E-40DD-AFC4-6F175D3DCCD1}">
+              <a14:hiddenFill xmlns:a14="http://schemas.microsoft.com/office/drawing/2010/main">
+                <a:solidFill>
+                  <a:srgbClr val="FFFFFF"/>
+                </a:solidFill>
+              </a14:hiddenFill>
+            </a:ext>
+          </a:extLst>
+        </p:spPr>
+      </p:pic>
+      <p:sp>
+        <p:nvSpPr>
+          <p:cNvPr id="44" name="ZoneTexte 43">
+            <a:extLst>
+              <a:ext uri="{FF2B5EF4-FFF2-40B4-BE49-F238E27FC236}">
+                <a16:creationId xmlns:a16="http://schemas.microsoft.com/office/drawing/2014/main" id="{682088E1-064C-5214-7A97-A059E4869B55}"/>
+              </a:ext>
+            </a:extLst>
+          </p:cNvPr>
+          <p:cNvSpPr txBox="1"/>
+          <p:nvPr/>
+        </p:nvSpPr>
+        <p:spPr>
+          <a:xfrm>
+            <a:off x="4913179" y="1841943"/>
+            <a:ext cx="1079654" cy="338554"/>
+          </a:xfrm>
+          <a:prstGeom prst="rect">
+            <a:avLst/>
+          </a:prstGeom>
+          <a:noFill/>
+        </p:spPr>
+        <p:txBody>
+          <a:bodyPr wrap="square" rtlCol="0">
+            <a:spAutoFit/>
+          </a:bodyPr>
+          <a:lstStyle/>
+          <a:p>
+            <a:pPr algn="ctr"/>
+            <a:r>
+              <a:rPr lang="fr-FR" sz="800" b="1" dirty="0"/>
+              <a:t>Entraînement du modèle</a:t>
+            </a:r>
+          </a:p>
+        </p:txBody>
+      </p:sp>
       <p:cxnSp>
         <p:nvCxnSpPr>
           <p:cNvPr id="1029" name="Connecteur : en angle 1028">
@@ -20993,22 +22257,314 @@
           </p:cNvPr>
           <p:cNvCxnSpPr>
             <a:cxnSpLocks/>
-            <a:stCxn id="20" idx="0"/>
+            <a:stCxn id="98" idx="0"/>
             <a:endCxn id="1074" idx="0"/>
           </p:cNvCxnSpPr>
           <p:nvPr/>
         </p:nvCxnSpPr>
         <p:spPr>
-          <a:xfrm rot="5400000" flipH="1" flipV="1">
-            <a:off x="5577195" y="211592"/>
-            <a:ext cx="331453" cy="3655528"/>
+          <a:xfrm rot="16200000" flipH="1">
+            <a:off x="5384933" y="-312122"/>
+            <a:ext cx="164073" cy="4207429"/>
           </a:xfrm>
           <a:prstGeom prst="bentConnector3">
             <a:avLst>
-              <a:gd name="adj1" fmla="val 195988"/>
+              <a:gd name="adj1" fmla="val -87485"/>
             </a:avLst>
           </a:prstGeom>
           <a:ln w="12700">
+            <a:solidFill>
+              <a:schemeClr val="bg1">
+                <a:lumMod val="50000"/>
+              </a:schemeClr>
+            </a:solidFill>
+            <a:tailEnd type="triangle"/>
+          </a:ln>
+        </p:spPr>
+        <p:style>
+          <a:lnRef idx="1">
+            <a:schemeClr val="accent1"/>
+          </a:lnRef>
+          <a:fillRef idx="0">
+            <a:schemeClr val="accent1"/>
+          </a:fillRef>
+          <a:effectRef idx="0">
+            <a:schemeClr val="accent1"/>
+          </a:effectRef>
+          <a:fontRef idx="minor">
+            <a:schemeClr val="tx1"/>
+          </a:fontRef>
+        </p:style>
+      </p:cxnSp>
+      <p:sp>
+        <p:nvSpPr>
+          <p:cNvPr id="39" name="Rectangle : coins arrondis 38">
+            <a:extLst>
+              <a:ext uri="{FF2B5EF4-FFF2-40B4-BE49-F238E27FC236}">
+                <a16:creationId xmlns:a16="http://schemas.microsoft.com/office/drawing/2014/main" id="{AEAEB6F6-E6B3-2BA6-860A-9983C6A790DD}"/>
+              </a:ext>
+            </a:extLst>
+          </p:cNvPr>
+          <p:cNvSpPr/>
+          <p:nvPr/>
+        </p:nvSpPr>
+        <p:spPr>
+          <a:xfrm>
+            <a:off x="2645065" y="3303259"/>
+            <a:ext cx="1404308" cy="1189980"/>
+          </a:xfrm>
+          <a:prstGeom prst="roundRect">
+            <a:avLst/>
+          </a:prstGeom>
+          <a:noFill/>
+          <a:ln w="9525">
+            <a:solidFill>
+              <a:srgbClr val="FF0080"/>
+            </a:solidFill>
+            <a:prstDash val="dash"/>
+          </a:ln>
+        </p:spPr>
+        <p:style>
+          <a:lnRef idx="2">
+            <a:schemeClr val="accent1">
+              <a:shade val="15000"/>
+            </a:schemeClr>
+          </a:lnRef>
+          <a:fillRef idx="1">
+            <a:schemeClr val="accent1"/>
+          </a:fillRef>
+          <a:effectRef idx="0">
+            <a:schemeClr val="accent1"/>
+          </a:effectRef>
+          <a:fontRef idx="minor">
+            <a:schemeClr val="lt1"/>
+          </a:fontRef>
+        </p:style>
+        <p:txBody>
+          <a:bodyPr rtlCol="0" anchor="ctr"/>
+          <a:lstStyle/>
+          <a:p>
+            <a:pPr algn="ctr"/>
+            <a:endParaRPr lang="fr-FR" dirty="0"/>
+          </a:p>
+        </p:txBody>
+      </p:sp>
+      <p:cxnSp>
+        <p:nvCxnSpPr>
+          <p:cNvPr id="29" name="Connecteur droit 28">
+            <a:extLst>
+              <a:ext uri="{FF2B5EF4-FFF2-40B4-BE49-F238E27FC236}">
+                <a16:creationId xmlns:a16="http://schemas.microsoft.com/office/drawing/2014/main" id="{2F5C326A-12BF-B849-9176-2CB67D7A7ED9}"/>
+              </a:ext>
+            </a:extLst>
+          </p:cNvPr>
+          <p:cNvCxnSpPr/>
+          <p:nvPr/>
+        </p:nvCxnSpPr>
+        <p:spPr>
+          <a:xfrm>
+            <a:off x="4378905" y="1458686"/>
+            <a:ext cx="0" cy="3272971"/>
+          </a:xfrm>
+          <a:prstGeom prst="line">
+            <a:avLst/>
+          </a:prstGeom>
+          <a:ln w="19050">
+            <a:solidFill>
+              <a:schemeClr val="bg1">
+                <a:lumMod val="75000"/>
+              </a:schemeClr>
+            </a:solidFill>
+            <a:prstDash val="dash"/>
+          </a:ln>
+        </p:spPr>
+        <p:style>
+          <a:lnRef idx="1">
+            <a:schemeClr val="dk1"/>
+          </a:lnRef>
+          <a:fillRef idx="0">
+            <a:schemeClr val="dk1"/>
+          </a:fillRef>
+          <a:effectRef idx="0">
+            <a:schemeClr val="dk1"/>
+          </a:effectRef>
+          <a:fontRef idx="minor">
+            <a:schemeClr val="tx1"/>
+          </a:fontRef>
+        </p:style>
+      </p:cxnSp>
+      <p:sp>
+        <p:nvSpPr>
+          <p:cNvPr id="71" name="Rectangle : coins arrondis 70">
+            <a:extLst>
+              <a:ext uri="{FF2B5EF4-FFF2-40B4-BE49-F238E27FC236}">
+                <a16:creationId xmlns:a16="http://schemas.microsoft.com/office/drawing/2014/main" id="{E74B2057-34BC-1980-9671-44A128491597}"/>
+              </a:ext>
+            </a:extLst>
+          </p:cNvPr>
+          <p:cNvSpPr/>
+          <p:nvPr/>
+        </p:nvSpPr>
+        <p:spPr>
+          <a:xfrm>
+            <a:off x="2643777" y="1807995"/>
+            <a:ext cx="1409398" cy="1197750"/>
+          </a:xfrm>
+          <a:prstGeom prst="roundRect">
+            <a:avLst/>
+          </a:prstGeom>
+          <a:noFill/>
+          <a:ln w="9525">
+            <a:solidFill>
+              <a:srgbClr val="B266FF"/>
+            </a:solidFill>
+            <a:prstDash val="dash"/>
+          </a:ln>
+        </p:spPr>
+        <p:style>
+          <a:lnRef idx="2">
+            <a:schemeClr val="accent1">
+              <a:shade val="15000"/>
+            </a:schemeClr>
+          </a:lnRef>
+          <a:fillRef idx="1">
+            <a:schemeClr val="accent1"/>
+          </a:fillRef>
+          <a:effectRef idx="0">
+            <a:schemeClr val="accent1"/>
+          </a:effectRef>
+          <a:fontRef idx="minor">
+            <a:schemeClr val="lt1"/>
+          </a:fontRef>
+        </p:style>
+        <p:txBody>
+          <a:bodyPr rtlCol="0" anchor="ctr"/>
+          <a:lstStyle/>
+          <a:p>
+            <a:pPr algn="ctr"/>
+            <a:endParaRPr lang="fr-FR" dirty="0"/>
+          </a:p>
+        </p:txBody>
+      </p:sp>
+      <p:pic>
+        <p:nvPicPr>
+          <p:cNvPr id="116" name="Picture 4">
+            <a:extLst>
+              <a:ext uri="{FF2B5EF4-FFF2-40B4-BE49-F238E27FC236}">
+                <a16:creationId xmlns:a16="http://schemas.microsoft.com/office/drawing/2014/main" id="{B7DCCBAF-8A38-3C4F-0798-30A393D5D283}"/>
+              </a:ext>
+            </a:extLst>
+          </p:cNvPr>
+          <p:cNvPicPr>
+            <a:picLocks noChangeAspect="1" noChangeArrowheads="1"/>
+          </p:cNvPicPr>
+          <p:nvPr/>
+        </p:nvPicPr>
+        <p:blipFill rotWithShape="1">
+          <a:blip r:embed="rId14">
+            <a:extLst>
+              <a:ext uri="{28A0092B-C50C-407E-A947-70E740481C1C}">
+                <a14:useLocalDpi xmlns:a14="http://schemas.microsoft.com/office/drawing/2010/main" val="0"/>
+              </a:ext>
+            </a:extLst>
+          </a:blip>
+          <a:srcRect l="13093" t="7524" r="12698" b="43966"/>
+          <a:stretch>
+            <a:fillRect/>
+          </a:stretch>
+        </p:blipFill>
+        <p:spPr bwMode="auto">
+          <a:xfrm>
+            <a:off x="3150917" y="2125035"/>
+            <a:ext cx="489954" cy="500434"/>
+          </a:xfrm>
+          <a:prstGeom prst="rect">
+            <a:avLst/>
+          </a:prstGeom>
+          <a:noFill/>
+          <a:extLst>
+            <a:ext uri="{909E8E84-426E-40DD-AFC4-6F175D3DCCD1}">
+              <a14:hiddenFill xmlns:a14="http://schemas.microsoft.com/office/drawing/2010/main">
+                <a:solidFill>
+                  <a:srgbClr val="FFFFFF"/>
+                </a:solidFill>
+              </a14:hiddenFill>
+            </a:ext>
+          </a:extLst>
+        </p:spPr>
+      </p:pic>
+      <p:pic>
+        <p:nvPicPr>
+          <p:cNvPr id="117" name="Picture 6">
+            <a:extLst>
+              <a:ext uri="{FF2B5EF4-FFF2-40B4-BE49-F238E27FC236}">
+                <a16:creationId xmlns:a16="http://schemas.microsoft.com/office/drawing/2014/main" id="{B3747ED9-0378-A202-7151-54782D96CF66}"/>
+              </a:ext>
+            </a:extLst>
+          </p:cNvPr>
+          <p:cNvPicPr>
+            <a:picLocks noChangeAspect="1" noChangeArrowheads="1"/>
+          </p:cNvPicPr>
+          <p:nvPr/>
+        </p:nvPicPr>
+        <p:blipFill rotWithShape="1">
+          <a:blip r:embed="rId15">
+            <a:extLst>
+              <a:ext uri="{28A0092B-C50C-407E-A947-70E740481C1C}">
+                <a14:useLocalDpi xmlns:a14="http://schemas.microsoft.com/office/drawing/2010/main" val="0"/>
+              </a:ext>
+            </a:extLst>
+          </a:blip>
+          <a:srcRect l="31615" t="12234" r="33730" b="47839"/>
+          <a:stretch>
+            <a:fillRect/>
+          </a:stretch>
+        </p:blipFill>
+        <p:spPr bwMode="auto">
+          <a:xfrm>
+            <a:off x="3115897" y="3562385"/>
+            <a:ext cx="524974" cy="504042"/>
+          </a:xfrm>
+          <a:prstGeom prst="rect">
+            <a:avLst/>
+          </a:prstGeom>
+          <a:noFill/>
+          <a:extLst>
+            <a:ext uri="{909E8E84-426E-40DD-AFC4-6F175D3DCCD1}">
+              <a14:hiddenFill xmlns:a14="http://schemas.microsoft.com/office/drawing/2010/main">
+                <a:solidFill>
+                  <a:srgbClr val="FFFFFF"/>
+                </a:solidFill>
+              </a14:hiddenFill>
+            </a:ext>
+          </a:extLst>
+        </p:spPr>
+      </p:pic>
+      <p:cxnSp>
+        <p:nvCxnSpPr>
+          <p:cNvPr id="11" name="Connecteur droit avec flèche 10">
+            <a:extLst>
+              <a:ext uri="{FF2B5EF4-FFF2-40B4-BE49-F238E27FC236}">
+                <a16:creationId xmlns:a16="http://schemas.microsoft.com/office/drawing/2014/main" id="{D8A48580-543E-68C9-355D-6C2F58EACB96}"/>
+              </a:ext>
+            </a:extLst>
+          </p:cNvPr>
+          <p:cNvCxnSpPr>
+            <a:cxnSpLocks/>
+            <a:stCxn id="127" idx="3"/>
+            <a:endCxn id="116" idx="1"/>
+          </p:cNvCxnSpPr>
+          <p:nvPr/>
+        </p:nvCxnSpPr>
+        <p:spPr>
+          <a:xfrm flipV="1">
+            <a:off x="2159594" y="2375252"/>
+            <a:ext cx="991323" cy="2280"/>
+          </a:xfrm>
+          <a:prstGeom prst="straightConnector1">
+            <a:avLst/>
+          </a:prstGeom>
+          <a:ln w="38100">
             <a:solidFill>
               <a:srgbClr val="B266FF"/>
             </a:solidFill>
@@ -21032,32 +22588,462 @@
       </p:cxnSp>
       <p:cxnSp>
         <p:nvCxnSpPr>
-          <p:cNvPr id="1062" name="Connecteur : en angle 1061">
+          <p:cNvPr id="19" name="Connecteur droit avec flèche 18">
             <a:extLst>
               <a:ext uri="{FF2B5EF4-FFF2-40B4-BE49-F238E27FC236}">
-                <a16:creationId xmlns:a16="http://schemas.microsoft.com/office/drawing/2014/main" id="{0CF073E9-1859-B299-0281-F152BD635678}"/>
+                <a16:creationId xmlns:a16="http://schemas.microsoft.com/office/drawing/2014/main" id="{7965C0EE-9642-2EA9-734C-AF9138078030}"/>
               </a:ext>
             </a:extLst>
           </p:cNvPr>
           <p:cNvCxnSpPr>
             <a:cxnSpLocks/>
-            <a:endCxn id="43" idx="0"/>
+            <a:stCxn id="1033" idx="3"/>
+            <a:endCxn id="117" idx="1"/>
           </p:cNvCxnSpPr>
           <p:nvPr/>
         </p:nvCxnSpPr>
         <p:spPr>
           <a:xfrm>
-            <a:off x="6315717" y="3825217"/>
-            <a:ext cx="1174186" cy="243725"/>
+            <a:off x="2176862" y="3808478"/>
+            <a:ext cx="939035" cy="5928"/>
+          </a:xfrm>
+          <a:prstGeom prst="straightConnector1">
+            <a:avLst/>
+          </a:prstGeom>
+          <a:ln w="38100">
+            <a:solidFill>
+              <a:srgbClr val="FF0080"/>
+            </a:solidFill>
+            <a:tailEnd type="triangle"/>
+          </a:ln>
+        </p:spPr>
+        <p:style>
+          <a:lnRef idx="1">
+            <a:schemeClr val="accent1"/>
+          </a:lnRef>
+          <a:fillRef idx="0">
+            <a:schemeClr val="accent1"/>
+          </a:fillRef>
+          <a:effectRef idx="0">
+            <a:schemeClr val="accent1"/>
+          </a:effectRef>
+          <a:fontRef idx="minor">
+            <a:schemeClr val="tx1"/>
+          </a:fontRef>
+        </p:style>
+      </p:cxnSp>
+      <p:sp>
+        <p:nvSpPr>
+          <p:cNvPr id="31" name="ZoneTexte 30">
+            <a:extLst>
+              <a:ext uri="{FF2B5EF4-FFF2-40B4-BE49-F238E27FC236}">
+                <a16:creationId xmlns:a16="http://schemas.microsoft.com/office/drawing/2014/main" id="{6F47604A-F072-9B2B-A28D-D050592AE8FB}"/>
+              </a:ext>
+            </a:extLst>
+          </p:cNvPr>
+          <p:cNvSpPr txBox="1"/>
+          <p:nvPr/>
+        </p:nvSpPr>
+        <p:spPr>
+          <a:xfrm>
+            <a:off x="2674708" y="2666628"/>
+            <a:ext cx="1390212" cy="307777"/>
+          </a:xfrm>
+          <a:prstGeom prst="rect">
+            <a:avLst/>
+          </a:prstGeom>
+          <a:noFill/>
+        </p:spPr>
+        <p:txBody>
+          <a:bodyPr wrap="square" rtlCol="0">
+            <a:spAutoFit/>
+          </a:bodyPr>
+          <a:lstStyle/>
+          <a:p>
+            <a:pPr algn="ctr"/>
+            <a:r>
+              <a:rPr lang="fr-FR" sz="700" b="1" dirty="0"/>
+              <a:t>Extraction insights exploitables</a:t>
+            </a:r>
+          </a:p>
+        </p:txBody>
+      </p:sp>
+      <p:cxnSp>
+        <p:nvCxnSpPr>
+          <p:cNvPr id="84" name="Connecteur : en angle 83">
+            <a:extLst>
+              <a:ext uri="{FF2B5EF4-FFF2-40B4-BE49-F238E27FC236}">
+                <a16:creationId xmlns:a16="http://schemas.microsoft.com/office/drawing/2014/main" id="{9FB5173D-B04A-5921-8DF1-AA3A6807A99D}"/>
+              </a:ext>
+            </a:extLst>
+          </p:cNvPr>
+          <p:cNvCxnSpPr>
+            <a:cxnSpLocks/>
+            <a:stCxn id="2068" idx="2"/>
+            <a:endCxn id="57" idx="3"/>
+          </p:cNvCxnSpPr>
+          <p:nvPr/>
+        </p:nvCxnSpPr>
+        <p:spPr>
+          <a:xfrm rot="5400000">
+            <a:off x="8267815" y="2906335"/>
+            <a:ext cx="336990" cy="589033"/>
           </a:xfrm>
           <a:prstGeom prst="bentConnector2">
             <a:avLst/>
           </a:prstGeom>
           <a:ln>
             <a:solidFill>
-              <a:srgbClr val="FF0080"/>
+              <a:schemeClr val="bg1">
+                <a:lumMod val="65000"/>
+              </a:schemeClr>
             </a:solidFill>
+            <a:prstDash val="dash"/>
             <a:headEnd type="triangle"/>
+            <a:tailEnd type="triangle"/>
+          </a:ln>
+        </p:spPr>
+        <p:style>
+          <a:lnRef idx="1">
+            <a:schemeClr val="accent1"/>
+          </a:lnRef>
+          <a:fillRef idx="0">
+            <a:schemeClr val="accent1"/>
+          </a:fillRef>
+          <a:effectRef idx="0">
+            <a:schemeClr val="accent1"/>
+          </a:effectRef>
+          <a:fontRef idx="minor">
+            <a:schemeClr val="tx1"/>
+          </a:fontRef>
+        </p:style>
+      </p:cxnSp>
+      <p:pic>
+        <p:nvPicPr>
+          <p:cNvPr id="8" name="Picture 2">
+            <a:extLst>
+              <a:ext uri="{FF2B5EF4-FFF2-40B4-BE49-F238E27FC236}">
+                <a16:creationId xmlns:a16="http://schemas.microsoft.com/office/drawing/2014/main" id="{055C636B-537D-A701-AA90-857D3A44C126}"/>
+              </a:ext>
+            </a:extLst>
+          </p:cNvPr>
+          <p:cNvPicPr>
+            <a:picLocks noChangeAspect="1" noChangeArrowheads="1"/>
+          </p:cNvPicPr>
+          <p:nvPr/>
+        </p:nvPicPr>
+        <p:blipFill rotWithShape="1">
+          <a:blip r:embed="rId16">
+            <a:extLst>
+              <a:ext uri="{28A0092B-C50C-407E-A947-70E740481C1C}">
+                <a14:useLocalDpi xmlns:a14="http://schemas.microsoft.com/office/drawing/2010/main" val="0"/>
+              </a:ext>
+            </a:extLst>
+          </a:blip>
+          <a:srcRect l="15800" t="16870" r="16971" b="17050"/>
+          <a:stretch>
+            <a:fillRect/>
+          </a:stretch>
+        </p:blipFill>
+        <p:spPr bwMode="auto">
+          <a:xfrm>
+            <a:off x="754226" y="2182488"/>
+            <a:ext cx="350993" cy="344994"/>
+          </a:xfrm>
+          <a:prstGeom prst="rect">
+            <a:avLst/>
+          </a:prstGeom>
+          <a:noFill/>
+          <a:extLst>
+            <a:ext uri="{909E8E84-426E-40DD-AFC4-6F175D3DCCD1}">
+              <a14:hiddenFill xmlns:a14="http://schemas.microsoft.com/office/drawing/2010/main">
+                <a:solidFill>
+                  <a:srgbClr val="FFFFFF"/>
+                </a:solidFill>
+              </a14:hiddenFill>
+            </a:ext>
+          </a:extLst>
+        </p:spPr>
+      </p:pic>
+      <p:sp>
+        <p:nvSpPr>
+          <p:cNvPr id="9" name="ZoneTexte 8">
+            <a:extLst>
+              <a:ext uri="{FF2B5EF4-FFF2-40B4-BE49-F238E27FC236}">
+                <a16:creationId xmlns:a16="http://schemas.microsoft.com/office/drawing/2014/main" id="{64F9F1A5-8DFA-C4D6-D9C6-558B6A625216}"/>
+              </a:ext>
+            </a:extLst>
+          </p:cNvPr>
+          <p:cNvSpPr txBox="1"/>
+          <p:nvPr/>
+        </p:nvSpPr>
+        <p:spPr>
+          <a:xfrm>
+            <a:off x="278471" y="2602042"/>
+            <a:ext cx="1390212" cy="200055"/>
+          </a:xfrm>
+          <a:prstGeom prst="rect">
+            <a:avLst/>
+          </a:prstGeom>
+          <a:noFill/>
+        </p:spPr>
+        <p:txBody>
+          <a:bodyPr wrap="square" rtlCol="0">
+            <a:spAutoFit/>
+          </a:bodyPr>
+          <a:lstStyle/>
+          <a:p>
+            <a:pPr algn="ctr"/>
+            <a:r>
+              <a:rPr lang="fr-FR" sz="700" b="1" dirty="0"/>
+              <a:t>Données de délais</a:t>
+            </a:r>
+          </a:p>
+        </p:txBody>
+      </p:sp>
+      <p:pic>
+        <p:nvPicPr>
+          <p:cNvPr id="12" name="Picture 2">
+            <a:extLst>
+              <a:ext uri="{FF2B5EF4-FFF2-40B4-BE49-F238E27FC236}">
+                <a16:creationId xmlns:a16="http://schemas.microsoft.com/office/drawing/2014/main" id="{27F148E2-4FBF-942E-41DA-700170B49729}"/>
+              </a:ext>
+            </a:extLst>
+          </p:cNvPr>
+          <p:cNvPicPr>
+            <a:picLocks noChangeAspect="1" noChangeArrowheads="1"/>
+          </p:cNvPicPr>
+          <p:nvPr/>
+        </p:nvPicPr>
+        <p:blipFill rotWithShape="1">
+          <a:blip r:embed="rId16">
+            <a:extLst>
+              <a:ext uri="{28A0092B-C50C-407E-A947-70E740481C1C}">
+                <a14:useLocalDpi xmlns:a14="http://schemas.microsoft.com/office/drawing/2010/main" val="0"/>
+              </a:ext>
+            </a:extLst>
+          </a:blip>
+          <a:srcRect l="15800" t="16870" r="16971" b="17050"/>
+          <a:stretch>
+            <a:fillRect/>
+          </a:stretch>
+        </p:blipFill>
+        <p:spPr bwMode="auto">
+          <a:xfrm>
+            <a:off x="754226" y="3323465"/>
+            <a:ext cx="350993" cy="344994"/>
+          </a:xfrm>
+          <a:prstGeom prst="rect">
+            <a:avLst/>
+          </a:prstGeom>
+          <a:noFill/>
+          <a:extLst>
+            <a:ext uri="{909E8E84-426E-40DD-AFC4-6F175D3DCCD1}">
+              <a14:hiddenFill xmlns:a14="http://schemas.microsoft.com/office/drawing/2010/main">
+                <a:solidFill>
+                  <a:srgbClr val="FFFFFF"/>
+                </a:solidFill>
+              </a14:hiddenFill>
+            </a:ext>
+          </a:extLst>
+        </p:spPr>
+      </p:pic>
+      <p:sp>
+        <p:nvSpPr>
+          <p:cNvPr id="13" name="ZoneTexte 12">
+            <a:extLst>
+              <a:ext uri="{FF2B5EF4-FFF2-40B4-BE49-F238E27FC236}">
+                <a16:creationId xmlns:a16="http://schemas.microsoft.com/office/drawing/2014/main" id="{C5AB8D59-6F7D-6B3A-876B-E5C07C89454A}"/>
+              </a:ext>
+            </a:extLst>
+          </p:cNvPr>
+          <p:cNvSpPr txBox="1"/>
+          <p:nvPr/>
+        </p:nvSpPr>
+        <p:spPr>
+          <a:xfrm>
+            <a:off x="278471" y="3743019"/>
+            <a:ext cx="1390212" cy="200055"/>
+          </a:xfrm>
+          <a:prstGeom prst="rect">
+            <a:avLst/>
+          </a:prstGeom>
+          <a:noFill/>
+        </p:spPr>
+        <p:txBody>
+          <a:bodyPr wrap="square" rtlCol="0">
+            <a:spAutoFit/>
+          </a:bodyPr>
+          <a:lstStyle/>
+          <a:p>
+            <a:pPr algn="ctr"/>
+            <a:r>
+              <a:rPr lang="fr-FR" sz="700" b="1" dirty="0"/>
+              <a:t>Données de </a:t>
+            </a:r>
+            <a:r>
+              <a:rPr lang="fr-FR" sz="700" b="1" dirty="0" err="1"/>
+              <a:t>pricing</a:t>
+            </a:r>
+            <a:endParaRPr lang="fr-FR" sz="700" b="1" dirty="0"/>
+          </a:p>
+        </p:txBody>
+      </p:sp>
+      <p:sp>
+        <p:nvSpPr>
+          <p:cNvPr id="69" name="Rectangle : coins arrondis 68">
+            <a:extLst>
+              <a:ext uri="{FF2B5EF4-FFF2-40B4-BE49-F238E27FC236}">
+                <a16:creationId xmlns:a16="http://schemas.microsoft.com/office/drawing/2014/main" id="{B85D8442-0D2E-AD63-523E-6F120E99781A}"/>
+              </a:ext>
+            </a:extLst>
+          </p:cNvPr>
+          <p:cNvSpPr/>
+          <p:nvPr/>
+        </p:nvSpPr>
+        <p:spPr>
+          <a:xfrm>
+            <a:off x="7012431" y="2752111"/>
+            <a:ext cx="1104517" cy="354222"/>
+          </a:xfrm>
+          <a:prstGeom prst="roundRect">
+            <a:avLst/>
+          </a:prstGeom>
+          <a:solidFill>
+            <a:schemeClr val="bg1">
+              <a:lumMod val="95000"/>
+            </a:schemeClr>
+          </a:solidFill>
+          <a:ln>
+            <a:noFill/>
+          </a:ln>
+        </p:spPr>
+        <p:style>
+          <a:lnRef idx="2">
+            <a:schemeClr val="accent1">
+              <a:shade val="15000"/>
+            </a:schemeClr>
+          </a:lnRef>
+          <a:fillRef idx="1">
+            <a:schemeClr val="accent1"/>
+          </a:fillRef>
+          <a:effectRef idx="0">
+            <a:schemeClr val="accent1"/>
+          </a:effectRef>
+          <a:fontRef idx="minor">
+            <a:schemeClr val="lt1"/>
+          </a:fontRef>
+        </p:style>
+        <p:txBody>
+          <a:bodyPr rtlCol="0" anchor="ctr"/>
+          <a:lstStyle/>
+          <a:p>
+            <a:pPr algn="ctr"/>
+            <a:endParaRPr lang="fr-FR"/>
+          </a:p>
+        </p:txBody>
+      </p:sp>
+      <p:sp>
+        <p:nvSpPr>
+          <p:cNvPr id="72" name="ZoneTexte 71">
+            <a:extLst>
+              <a:ext uri="{FF2B5EF4-FFF2-40B4-BE49-F238E27FC236}">
+                <a16:creationId xmlns:a16="http://schemas.microsoft.com/office/drawing/2014/main" id="{860A4D78-736B-6187-48BA-98841BDF3933}"/>
+              </a:ext>
+            </a:extLst>
+          </p:cNvPr>
+          <p:cNvSpPr txBox="1"/>
+          <p:nvPr/>
+        </p:nvSpPr>
+        <p:spPr>
+          <a:xfrm>
+            <a:off x="6985463" y="2805841"/>
+            <a:ext cx="1156330" cy="230832"/>
+          </a:xfrm>
+          <a:prstGeom prst="rect">
+            <a:avLst/>
+          </a:prstGeom>
+          <a:noFill/>
+        </p:spPr>
+        <p:txBody>
+          <a:bodyPr wrap="square" rtlCol="0">
+            <a:spAutoFit/>
+          </a:bodyPr>
+          <a:lstStyle/>
+          <a:p>
+            <a:pPr algn="ctr"/>
+            <a:r>
+              <a:rPr lang="fr-FR" sz="900" dirty="0"/>
+              <a:t>Analyse des seuils </a:t>
+            </a:r>
+          </a:p>
+        </p:txBody>
+      </p:sp>
+      <p:sp>
+        <p:nvSpPr>
+          <p:cNvPr id="112" name="ZoneTexte 111">
+            <a:extLst>
+              <a:ext uri="{FF2B5EF4-FFF2-40B4-BE49-F238E27FC236}">
+                <a16:creationId xmlns:a16="http://schemas.microsoft.com/office/drawing/2014/main" id="{AD07C0C2-29F2-C798-AE29-8343FB635B5B}"/>
+              </a:ext>
+            </a:extLst>
+          </p:cNvPr>
+          <p:cNvSpPr txBox="1"/>
+          <p:nvPr/>
+        </p:nvSpPr>
+        <p:spPr>
+          <a:xfrm>
+            <a:off x="2674708" y="4098066"/>
+            <a:ext cx="1390212" cy="307777"/>
+          </a:xfrm>
+          <a:prstGeom prst="rect">
+            <a:avLst/>
+          </a:prstGeom>
+          <a:noFill/>
+        </p:spPr>
+        <p:txBody>
+          <a:bodyPr wrap="square" rtlCol="0">
+            <a:spAutoFit/>
+          </a:bodyPr>
+          <a:lstStyle/>
+          <a:p>
+            <a:pPr algn="ctr"/>
+            <a:r>
+              <a:rPr lang="fr-FR" sz="700" b="1" dirty="0"/>
+              <a:t>Extraction insights exploitables</a:t>
+            </a:r>
+          </a:p>
+        </p:txBody>
+      </p:sp>
+      <p:cxnSp>
+        <p:nvCxnSpPr>
+          <p:cNvPr id="115" name="Connecteur : en angle 114">
+            <a:extLst>
+              <a:ext uri="{FF2B5EF4-FFF2-40B4-BE49-F238E27FC236}">
+                <a16:creationId xmlns:a16="http://schemas.microsoft.com/office/drawing/2014/main" id="{1267B070-CF6F-C2A5-B016-B08943C892F5}"/>
+              </a:ext>
+            </a:extLst>
+          </p:cNvPr>
+          <p:cNvCxnSpPr>
+            <a:stCxn id="39" idx="3"/>
+            <a:endCxn id="46" idx="1"/>
+          </p:cNvCxnSpPr>
+          <p:nvPr/>
+        </p:nvCxnSpPr>
+        <p:spPr>
+          <a:xfrm flipV="1">
+            <a:off x="4049373" y="2060365"/>
+            <a:ext cx="760307" cy="1837884"/>
+          </a:xfrm>
+          <a:prstGeom prst="bentConnector3">
+            <a:avLst>
+              <a:gd name="adj1" fmla="val 53729"/>
+            </a:avLst>
+          </a:prstGeom>
+          <a:ln w="12700">
+            <a:solidFill>
+              <a:srgbClr val="00B050"/>
+            </a:solidFill>
             <a:tailEnd type="triangle"/>
           </a:ln>
         </p:spPr>
@@ -21078,35 +23064,34 @@
       </p:cxnSp>
       <p:cxnSp>
         <p:nvCxnSpPr>
-          <p:cNvPr id="17" name="Connecteur : en angle 16">
+          <p:cNvPr id="119" name="Connecteur : en angle 118">
             <a:extLst>
               <a:ext uri="{FF2B5EF4-FFF2-40B4-BE49-F238E27FC236}">
-                <a16:creationId xmlns:a16="http://schemas.microsoft.com/office/drawing/2014/main" id="{E363E85D-958E-F6A6-C279-98695543B49C}"/>
+                <a16:creationId xmlns:a16="http://schemas.microsoft.com/office/drawing/2014/main" id="{E97E0388-36EE-975B-25B8-E036BF3C150B}"/>
               </a:ext>
             </a:extLst>
           </p:cNvPr>
           <p:cNvCxnSpPr>
             <a:cxnSpLocks/>
-            <a:stCxn id="43" idx="2"/>
-            <a:endCxn id="32" idx="2"/>
+            <a:stCxn id="49" idx="2"/>
+            <a:endCxn id="43" idx="2"/>
           </p:cNvCxnSpPr>
           <p:nvPr/>
         </p:nvCxnSpPr>
         <p:spPr>
-          <a:xfrm rot="5400000" flipH="1">
-            <a:off x="5107006" y="2305361"/>
-            <a:ext cx="557436" cy="4208358"/>
+          <a:xfrm rot="5400000" flipH="1" flipV="1">
+            <a:off x="6387737" y="3390297"/>
+            <a:ext cx="150870" cy="2053462"/>
           </a:xfrm>
           <a:prstGeom prst="bentConnector3">
             <a:avLst>
-              <a:gd name="adj1" fmla="val -20049"/>
+              <a:gd name="adj1" fmla="val -217298"/>
             </a:avLst>
           </a:prstGeom>
-          <a:ln>
+          <a:ln w="12700">
             <a:solidFill>
-              <a:srgbClr val="FF0080"/>
+              <a:srgbClr val="00B050"/>
             </a:solidFill>
-            <a:headEnd type="triangle"/>
             <a:tailEnd type="triangle"/>
           </a:ln>
         </p:spPr>
@@ -21125,893 +23110,32 @@
           </a:fontRef>
         </p:style>
       </p:cxnSp>
-      <p:grpSp>
-        <p:nvGrpSpPr>
-          <p:cNvPr id="25" name="Groupe 24">
+      <p:cxnSp>
+        <p:nvCxnSpPr>
+          <p:cNvPr id="126" name="Connecteur : en angle 125">
             <a:extLst>
               <a:ext uri="{FF2B5EF4-FFF2-40B4-BE49-F238E27FC236}">
-                <a16:creationId xmlns:a16="http://schemas.microsoft.com/office/drawing/2014/main" id="{4B1DEF0E-3C11-180E-A253-FB6D258584E1}"/>
-              </a:ext>
-            </a:extLst>
-          </p:cNvPr>
-          <p:cNvGrpSpPr/>
-          <p:nvPr/>
-        </p:nvGrpSpPr>
-        <p:grpSpPr>
-          <a:xfrm>
-            <a:off x="2159594" y="1458686"/>
-            <a:ext cx="2219311" cy="3272971"/>
-            <a:chOff x="2159594" y="1458686"/>
-            <a:chExt cx="2219311" cy="3272971"/>
-          </a:xfrm>
-        </p:grpSpPr>
-        <p:sp>
-          <p:nvSpPr>
-            <p:cNvPr id="39" name="Rectangle : coins arrondis 38">
-              <a:extLst>
-                <a:ext uri="{FF2B5EF4-FFF2-40B4-BE49-F238E27FC236}">
-                  <a16:creationId xmlns:a16="http://schemas.microsoft.com/office/drawing/2014/main" id="{AEAEB6F6-E6B3-2BA6-860A-9983C6A790DD}"/>
-                </a:ext>
-              </a:extLst>
-            </p:cNvPr>
-            <p:cNvSpPr/>
-            <p:nvPr/>
-          </p:nvSpPr>
-          <p:spPr>
-            <a:xfrm>
-              <a:off x="2461359" y="3203187"/>
-              <a:ext cx="1776005" cy="1390124"/>
-            </a:xfrm>
-            <a:prstGeom prst="roundRect">
-              <a:avLst/>
-            </a:prstGeom>
-            <a:noFill/>
-            <a:ln w="9525">
-              <a:solidFill>
-                <a:srgbClr val="FF0080"/>
-              </a:solidFill>
-              <a:prstDash val="dash"/>
-            </a:ln>
-          </p:spPr>
-          <p:style>
-            <a:lnRef idx="2">
-              <a:schemeClr val="accent1">
-                <a:shade val="15000"/>
-              </a:schemeClr>
-            </a:lnRef>
-            <a:fillRef idx="1">
-              <a:schemeClr val="accent1"/>
-            </a:fillRef>
-            <a:effectRef idx="0">
-              <a:schemeClr val="accent1"/>
-            </a:effectRef>
-            <a:fontRef idx="minor">
-              <a:schemeClr val="lt1"/>
-            </a:fontRef>
-          </p:style>
-          <p:txBody>
-            <a:bodyPr rtlCol="0" anchor="ctr"/>
-            <a:lstStyle/>
-            <a:p>
-              <a:pPr algn="ctr"/>
-              <a:endParaRPr lang="fr-FR" dirty="0"/>
-            </a:p>
-          </p:txBody>
-        </p:sp>
-        <p:cxnSp>
-          <p:nvCxnSpPr>
-            <p:cNvPr id="29" name="Connecteur droit 28">
-              <a:extLst>
-                <a:ext uri="{FF2B5EF4-FFF2-40B4-BE49-F238E27FC236}">
-                  <a16:creationId xmlns:a16="http://schemas.microsoft.com/office/drawing/2014/main" id="{2F5C326A-12BF-B849-9176-2CB67D7A7ED9}"/>
-                </a:ext>
-              </a:extLst>
-            </p:cNvPr>
-            <p:cNvCxnSpPr/>
-            <p:nvPr/>
-          </p:nvCxnSpPr>
-          <p:spPr>
-            <a:xfrm>
-              <a:off x="4378905" y="1458686"/>
-              <a:ext cx="0" cy="3272971"/>
-            </a:xfrm>
-            <a:prstGeom prst="line">
-              <a:avLst/>
-            </a:prstGeom>
-            <a:ln w="19050">
-              <a:solidFill>
-                <a:schemeClr val="bg1">
-                  <a:lumMod val="75000"/>
-                </a:schemeClr>
-              </a:solidFill>
-              <a:prstDash val="dash"/>
-            </a:ln>
-          </p:spPr>
-          <p:style>
-            <a:lnRef idx="1">
-              <a:schemeClr val="dk1"/>
-            </a:lnRef>
-            <a:fillRef idx="0">
-              <a:schemeClr val="dk1"/>
-            </a:fillRef>
-            <a:effectRef idx="0">
-              <a:schemeClr val="dk1"/>
-            </a:effectRef>
-            <a:fontRef idx="minor">
-              <a:schemeClr val="tx1"/>
-            </a:fontRef>
-          </p:style>
-        </p:cxnSp>
-        <p:sp>
-          <p:nvSpPr>
-            <p:cNvPr id="71" name="Rectangle : coins arrondis 70">
-              <a:extLst>
-                <a:ext uri="{FF2B5EF4-FFF2-40B4-BE49-F238E27FC236}">
-                  <a16:creationId xmlns:a16="http://schemas.microsoft.com/office/drawing/2014/main" id="{E74B2057-34BC-1980-9671-44A128491597}"/>
-                </a:ext>
-              </a:extLst>
-            </p:cNvPr>
-            <p:cNvSpPr/>
-            <p:nvPr/>
-          </p:nvSpPr>
-          <p:spPr>
-            <a:xfrm>
-              <a:off x="2461359" y="1711808"/>
-              <a:ext cx="1776005" cy="1390124"/>
-            </a:xfrm>
-            <a:prstGeom prst="roundRect">
-              <a:avLst/>
-            </a:prstGeom>
-            <a:noFill/>
-            <a:ln w="9525">
-              <a:solidFill>
-                <a:srgbClr val="00B050"/>
-              </a:solidFill>
-              <a:prstDash val="dash"/>
-            </a:ln>
-          </p:spPr>
-          <p:style>
-            <a:lnRef idx="2">
-              <a:schemeClr val="accent1">
-                <a:shade val="15000"/>
-              </a:schemeClr>
-            </a:lnRef>
-            <a:fillRef idx="1">
-              <a:schemeClr val="accent1"/>
-            </a:fillRef>
-            <a:effectRef idx="0">
-              <a:schemeClr val="accent1"/>
-            </a:effectRef>
-            <a:fontRef idx="minor">
-              <a:schemeClr val="lt1"/>
-            </a:fontRef>
-          </p:style>
-          <p:txBody>
-            <a:bodyPr rtlCol="0" anchor="ctr"/>
-            <a:lstStyle/>
-            <a:p>
-              <a:pPr algn="ctr"/>
-              <a:endParaRPr lang="fr-FR" dirty="0"/>
-            </a:p>
-          </p:txBody>
-        </p:sp>
-        <p:sp>
-          <p:nvSpPr>
-            <p:cNvPr id="106" name="Rectangle : coins arrondis 105">
-              <a:extLst>
-                <a:ext uri="{FF2B5EF4-FFF2-40B4-BE49-F238E27FC236}">
-                  <a16:creationId xmlns:a16="http://schemas.microsoft.com/office/drawing/2014/main" id="{70820C9A-B957-87A8-109D-6C661627DA4C}"/>
-                </a:ext>
-              </a:extLst>
-            </p:cNvPr>
-            <p:cNvSpPr/>
-            <p:nvPr/>
-          </p:nvSpPr>
-          <p:spPr>
-            <a:xfrm>
-              <a:off x="3428104" y="3028817"/>
-              <a:ext cx="868391" cy="252609"/>
-            </a:xfrm>
-            <a:prstGeom prst="roundRect">
-              <a:avLst/>
-            </a:prstGeom>
-            <a:solidFill>
-              <a:schemeClr val="bg1">
-                <a:lumMod val="95000"/>
-              </a:schemeClr>
-            </a:solidFill>
-            <a:ln>
-              <a:noFill/>
-            </a:ln>
-          </p:spPr>
-          <p:style>
-            <a:lnRef idx="2">
-              <a:schemeClr val="accent1">
-                <a:shade val="15000"/>
-              </a:schemeClr>
-            </a:lnRef>
-            <a:fillRef idx="1">
-              <a:schemeClr val="accent1"/>
-            </a:fillRef>
-            <a:effectRef idx="0">
-              <a:schemeClr val="accent1"/>
-            </a:effectRef>
-            <a:fontRef idx="minor">
-              <a:schemeClr val="lt1"/>
-            </a:fontRef>
-          </p:style>
-          <p:txBody>
-            <a:bodyPr rtlCol="0" anchor="ctr"/>
-            <a:lstStyle/>
-            <a:p>
-              <a:r>
-                <a:rPr lang="fr-FR" sz="900" b="1" dirty="0">
-                  <a:solidFill>
-                    <a:schemeClr val="tx1"/>
-                  </a:solidFill>
-                </a:rPr>
-                <a:t>AWS S3</a:t>
-              </a:r>
-            </a:p>
-          </p:txBody>
-        </p:sp>
-        <p:pic>
-          <p:nvPicPr>
-            <p:cNvPr id="107" name="Image 106" descr="Une image contenant art, pixel, conception&#10;&#10;Le contenu généré par l’IA peut être incorrect.">
-              <a:extLst>
-                <a:ext uri="{FF2B5EF4-FFF2-40B4-BE49-F238E27FC236}">
-                  <a16:creationId xmlns:a16="http://schemas.microsoft.com/office/drawing/2014/main" id="{9E201599-7D6B-4671-395A-AB9C1CE55DB4}"/>
-                </a:ext>
-              </a:extLst>
-            </p:cNvPr>
-            <p:cNvPicPr>
-              <a:picLocks noChangeAspect="1"/>
-            </p:cNvPicPr>
-            <p:nvPr/>
-          </p:nvPicPr>
-          <p:blipFill>
-            <a:blip r:embed="rId15"/>
-            <a:stretch>
-              <a:fillRect/>
-            </a:stretch>
-          </p:blipFill>
-          <p:spPr>
-            <a:xfrm>
-              <a:off x="3990550" y="2795080"/>
-              <a:ext cx="347790" cy="416048"/>
-            </a:xfrm>
-            <a:prstGeom prst="rect">
-              <a:avLst/>
-            </a:prstGeom>
-          </p:spPr>
-        </p:pic>
-        <p:pic>
-          <p:nvPicPr>
-            <p:cNvPr id="116" name="Picture 4">
-              <a:extLst>
-                <a:ext uri="{FF2B5EF4-FFF2-40B4-BE49-F238E27FC236}">
-                  <a16:creationId xmlns:a16="http://schemas.microsoft.com/office/drawing/2014/main" id="{B7DCCBAF-8A38-3C4F-0798-30A393D5D283}"/>
-                </a:ext>
-              </a:extLst>
-            </p:cNvPr>
-            <p:cNvPicPr>
-              <a:picLocks noChangeAspect="1" noChangeArrowheads="1"/>
-            </p:cNvPicPr>
-            <p:nvPr/>
-          </p:nvPicPr>
-          <p:blipFill rotWithShape="1">
-            <a:blip r:embed="rId17">
-              <a:extLst>
-                <a:ext uri="{28A0092B-C50C-407E-A947-70E740481C1C}">
-                  <a14:useLocalDpi xmlns:a14="http://schemas.microsoft.com/office/drawing/2010/main" val="0"/>
-                </a:ext>
-              </a:extLst>
-            </a:blip>
-            <a:srcRect l="13093" t="7524" r="12698" b="43966"/>
-            <a:stretch>
-              <a:fillRect/>
-            </a:stretch>
-          </p:blipFill>
-          <p:spPr bwMode="auto">
-            <a:xfrm>
-              <a:off x="2717304" y="2067458"/>
-              <a:ext cx="602696" cy="615588"/>
-            </a:xfrm>
-            <a:prstGeom prst="rect">
-              <a:avLst/>
-            </a:prstGeom>
-            <a:noFill/>
-            <a:extLst>
-              <a:ext uri="{909E8E84-426E-40DD-AFC4-6F175D3DCCD1}">
-                <a14:hiddenFill xmlns:a14="http://schemas.microsoft.com/office/drawing/2010/main">
-                  <a:solidFill>
-                    <a:srgbClr val="FFFFFF"/>
-                  </a:solidFill>
-                </a14:hiddenFill>
-              </a:ext>
-            </a:extLst>
-          </p:spPr>
-        </p:pic>
-        <p:pic>
-          <p:nvPicPr>
-            <p:cNvPr id="117" name="Picture 6">
-              <a:extLst>
-                <a:ext uri="{FF2B5EF4-FFF2-40B4-BE49-F238E27FC236}">
-                  <a16:creationId xmlns:a16="http://schemas.microsoft.com/office/drawing/2014/main" id="{B3747ED9-0378-A202-7151-54782D96CF66}"/>
-                </a:ext>
-              </a:extLst>
-            </p:cNvPr>
-            <p:cNvPicPr>
-              <a:picLocks noChangeAspect="1" noChangeArrowheads="1"/>
-            </p:cNvPicPr>
-            <p:nvPr/>
-          </p:nvPicPr>
-          <p:blipFill rotWithShape="1">
-            <a:blip r:embed="rId18">
-              <a:extLst>
-                <a:ext uri="{28A0092B-C50C-407E-A947-70E740481C1C}">
-                  <a14:useLocalDpi xmlns:a14="http://schemas.microsoft.com/office/drawing/2010/main" val="0"/>
-                </a:ext>
-              </a:extLst>
-            </a:blip>
-            <a:srcRect l="31615" t="12234" r="33730" b="47839"/>
-            <a:stretch>
-              <a:fillRect/>
-            </a:stretch>
-          </p:blipFill>
-          <p:spPr bwMode="auto">
-            <a:xfrm>
-              <a:off x="2939586" y="3240731"/>
-              <a:ext cx="664926" cy="638415"/>
-            </a:xfrm>
-            <a:prstGeom prst="rect">
-              <a:avLst/>
-            </a:prstGeom>
-            <a:noFill/>
-            <a:extLst>
-              <a:ext uri="{909E8E84-426E-40DD-AFC4-6F175D3DCCD1}">
-                <a14:hiddenFill xmlns:a14="http://schemas.microsoft.com/office/drawing/2010/main">
-                  <a:solidFill>
-                    <a:srgbClr val="FFFFFF"/>
-                  </a:solidFill>
-                </a14:hiddenFill>
-              </a:ext>
-            </a:extLst>
-          </p:spPr>
-        </p:pic>
-        <p:cxnSp>
-          <p:nvCxnSpPr>
-            <p:cNvPr id="11" name="Connecteur droit avec flèche 10">
-              <a:extLst>
-                <a:ext uri="{FF2B5EF4-FFF2-40B4-BE49-F238E27FC236}">
-                  <a16:creationId xmlns:a16="http://schemas.microsoft.com/office/drawing/2014/main" id="{D8A48580-543E-68C9-355D-6C2F58EACB96}"/>
-                </a:ext>
-              </a:extLst>
-            </p:cNvPr>
-            <p:cNvCxnSpPr>
-              <a:cxnSpLocks/>
-              <a:stCxn id="127" idx="3"/>
-              <a:endCxn id="116" idx="1"/>
-            </p:cNvCxnSpPr>
-            <p:nvPr/>
-          </p:nvCxnSpPr>
-          <p:spPr>
-            <a:xfrm flipV="1">
-              <a:off x="2159594" y="2375252"/>
-              <a:ext cx="557710" cy="2280"/>
-            </a:xfrm>
-            <a:prstGeom prst="straightConnector1">
-              <a:avLst/>
-            </a:prstGeom>
-            <a:ln w="38100">
-              <a:solidFill>
-                <a:srgbClr val="B266FF"/>
-              </a:solidFill>
-              <a:tailEnd type="triangle"/>
-            </a:ln>
-          </p:spPr>
-          <p:style>
-            <a:lnRef idx="1">
-              <a:schemeClr val="accent1"/>
-            </a:lnRef>
-            <a:fillRef idx="0">
-              <a:schemeClr val="accent1"/>
-            </a:fillRef>
-            <a:effectRef idx="0">
-              <a:schemeClr val="accent1"/>
-            </a:effectRef>
-            <a:fontRef idx="minor">
-              <a:schemeClr val="tx1"/>
-            </a:fontRef>
-          </p:style>
-        </p:cxnSp>
-        <p:cxnSp>
-          <p:nvCxnSpPr>
-            <p:cNvPr id="19" name="Connecteur droit avec flèche 18">
-              <a:extLst>
-                <a:ext uri="{FF2B5EF4-FFF2-40B4-BE49-F238E27FC236}">
-                  <a16:creationId xmlns:a16="http://schemas.microsoft.com/office/drawing/2014/main" id="{7965C0EE-9642-2EA9-734C-AF9138078030}"/>
-                </a:ext>
-              </a:extLst>
-            </p:cNvPr>
-            <p:cNvCxnSpPr>
-              <a:cxnSpLocks/>
-              <a:stCxn id="1033" idx="3"/>
-              <a:endCxn id="117" idx="1"/>
-            </p:cNvCxnSpPr>
-            <p:nvPr/>
-          </p:nvCxnSpPr>
-          <p:spPr>
-            <a:xfrm>
-              <a:off x="2176862" y="3554011"/>
-              <a:ext cx="762724" cy="5928"/>
-            </a:xfrm>
-            <a:prstGeom prst="straightConnector1">
-              <a:avLst/>
-            </a:prstGeom>
-            <a:ln w="38100">
-              <a:solidFill>
-                <a:srgbClr val="FF0080"/>
-              </a:solidFill>
-              <a:tailEnd type="triangle"/>
-            </a:ln>
-          </p:spPr>
-          <p:style>
-            <a:lnRef idx="1">
-              <a:schemeClr val="accent1"/>
-            </a:lnRef>
-            <a:fillRef idx="0">
-              <a:schemeClr val="accent1"/>
-            </a:fillRef>
-            <a:effectRef idx="0">
-              <a:schemeClr val="accent1"/>
-            </a:effectRef>
-            <a:fontRef idx="minor">
-              <a:schemeClr val="tx1"/>
-            </a:fontRef>
-          </p:style>
-        </p:cxnSp>
-        <p:pic>
-          <p:nvPicPr>
-            <p:cNvPr id="20" name="Picture 2">
-              <a:extLst>
-                <a:ext uri="{FF2B5EF4-FFF2-40B4-BE49-F238E27FC236}">
-                  <a16:creationId xmlns:a16="http://schemas.microsoft.com/office/drawing/2014/main" id="{9F92FB23-9D37-AEB9-493C-1E3DAE1913D2}"/>
-                </a:ext>
-              </a:extLst>
-            </p:cNvPr>
-            <p:cNvPicPr>
-              <a:picLocks noChangeAspect="1" noChangeArrowheads="1"/>
-            </p:cNvPicPr>
-            <p:nvPr/>
-          </p:nvPicPr>
-          <p:blipFill rotWithShape="1">
-            <a:blip r:embed="rId19">
-              <a:extLst>
-                <a:ext uri="{28A0092B-C50C-407E-A947-70E740481C1C}">
-                  <a14:useLocalDpi xmlns:a14="http://schemas.microsoft.com/office/drawing/2010/main" val="0"/>
-                </a:ext>
-              </a:extLst>
-            </a:blip>
-            <a:srcRect l="15800" t="16870" r="16971" b="17050"/>
-            <a:stretch>
-              <a:fillRect/>
-            </a:stretch>
-          </p:blipFill>
-          <p:spPr bwMode="auto">
-            <a:xfrm>
-              <a:off x="3739660" y="2205082"/>
-              <a:ext cx="350993" cy="344994"/>
-            </a:xfrm>
-            <a:prstGeom prst="rect">
-              <a:avLst/>
-            </a:prstGeom>
-            <a:noFill/>
-            <a:extLst>
-              <a:ext uri="{909E8E84-426E-40DD-AFC4-6F175D3DCCD1}">
-                <a14:hiddenFill xmlns:a14="http://schemas.microsoft.com/office/drawing/2010/main">
-                  <a:solidFill>
-                    <a:srgbClr val="FFFFFF"/>
-                  </a:solidFill>
-                </a14:hiddenFill>
-              </a:ext>
-            </a:extLst>
-          </p:spPr>
-        </p:pic>
-        <p:cxnSp>
-          <p:nvCxnSpPr>
-            <p:cNvPr id="24" name="Connecteur droit avec flèche 23">
-              <a:extLst>
-                <a:ext uri="{FF2B5EF4-FFF2-40B4-BE49-F238E27FC236}">
-                  <a16:creationId xmlns:a16="http://schemas.microsoft.com/office/drawing/2014/main" id="{9AD6B91C-AEA0-8BCF-42B4-76BEC72FDE00}"/>
-                </a:ext>
-              </a:extLst>
-            </p:cNvPr>
-            <p:cNvCxnSpPr>
-              <a:cxnSpLocks/>
-              <a:endCxn id="20" idx="1"/>
-            </p:cNvCxnSpPr>
-            <p:nvPr/>
-          </p:nvCxnSpPr>
-          <p:spPr>
-            <a:xfrm flipV="1">
-              <a:off x="3335298" y="2377579"/>
-              <a:ext cx="404362" cy="13"/>
-            </a:xfrm>
-            <a:prstGeom prst="straightConnector1">
-              <a:avLst/>
-            </a:prstGeom>
-            <a:ln w="12700">
-              <a:solidFill>
-                <a:srgbClr val="B266FF"/>
-              </a:solidFill>
-              <a:tailEnd type="triangle"/>
-            </a:ln>
-          </p:spPr>
-          <p:style>
-            <a:lnRef idx="1">
-              <a:schemeClr val="accent1"/>
-            </a:lnRef>
-            <a:fillRef idx="0">
-              <a:schemeClr val="accent1"/>
-            </a:fillRef>
-            <a:effectRef idx="0">
-              <a:schemeClr val="accent1"/>
-            </a:effectRef>
-            <a:fontRef idx="minor">
-              <a:schemeClr val="tx1"/>
-            </a:fontRef>
-          </p:style>
-        </p:cxnSp>
-        <p:sp>
-          <p:nvSpPr>
-            <p:cNvPr id="31" name="ZoneTexte 30">
-              <a:extLst>
-                <a:ext uri="{FF2B5EF4-FFF2-40B4-BE49-F238E27FC236}">
-                  <a16:creationId xmlns:a16="http://schemas.microsoft.com/office/drawing/2014/main" id="{6F47604A-F072-9B2B-A28D-D050592AE8FB}"/>
-                </a:ext>
-              </a:extLst>
-            </p:cNvPr>
-            <p:cNvSpPr txBox="1"/>
-            <p:nvPr/>
-          </p:nvSpPr>
-          <p:spPr>
-            <a:xfrm>
-              <a:off x="2394220" y="2666628"/>
-              <a:ext cx="1390212" cy="307777"/>
-            </a:xfrm>
-            <a:prstGeom prst="rect">
-              <a:avLst/>
-            </a:prstGeom>
-            <a:noFill/>
-          </p:spPr>
-          <p:txBody>
-            <a:bodyPr wrap="square" rtlCol="0">
-              <a:spAutoFit/>
-            </a:bodyPr>
-            <a:lstStyle/>
-            <a:p>
-              <a:pPr algn="ctr"/>
-              <a:r>
-                <a:rPr lang="fr-FR" sz="700" b="1" dirty="0"/>
-                <a:t>Données historiques :</a:t>
-              </a:r>
-            </a:p>
-            <a:p>
-              <a:pPr algn="ctr"/>
-              <a:r>
-                <a:rPr lang="fr-FR" sz="700" b="1" dirty="0"/>
-                <a:t>RTE, Solar, </a:t>
-              </a:r>
-              <a:r>
-                <a:rPr lang="fr-FR" sz="700" b="1" dirty="0" err="1"/>
-                <a:t>Openweather</a:t>
-              </a:r>
-              <a:r>
-                <a:rPr lang="fr-FR" sz="700" b="1" dirty="0"/>
-                <a:t> </a:t>
-              </a:r>
-            </a:p>
-          </p:txBody>
-        </p:sp>
-        <p:sp>
-          <p:nvSpPr>
-            <p:cNvPr id="32" name="ZoneTexte 31">
-              <a:extLst>
-                <a:ext uri="{FF2B5EF4-FFF2-40B4-BE49-F238E27FC236}">
-                  <a16:creationId xmlns:a16="http://schemas.microsoft.com/office/drawing/2014/main" id="{746A74A5-8390-A9B2-0686-BA8885C4CDA4}"/>
-                </a:ext>
-              </a:extLst>
-            </p:cNvPr>
-            <p:cNvSpPr txBox="1"/>
-            <p:nvPr/>
-          </p:nvSpPr>
-          <p:spPr>
-            <a:xfrm>
-              <a:off x="2586439" y="3823045"/>
-              <a:ext cx="1390212" cy="307777"/>
-            </a:xfrm>
-            <a:prstGeom prst="rect">
-              <a:avLst/>
-            </a:prstGeom>
-            <a:noFill/>
-          </p:spPr>
-          <p:txBody>
-            <a:bodyPr wrap="square" rtlCol="0">
-              <a:spAutoFit/>
-            </a:bodyPr>
-            <a:lstStyle/>
-            <a:p>
-              <a:pPr algn="ctr"/>
-              <a:r>
-                <a:rPr lang="fr-FR" sz="700" b="1" dirty="0"/>
-                <a:t>Données prédictives : </a:t>
-              </a:r>
-            </a:p>
-            <a:p>
-              <a:pPr algn="ctr"/>
-              <a:r>
-                <a:rPr lang="fr-FR" sz="700" b="1" dirty="0"/>
-                <a:t>Solar, </a:t>
-              </a:r>
-              <a:r>
-                <a:rPr lang="fr-FR" sz="700" b="1" dirty="0" err="1"/>
-                <a:t>Openweather</a:t>
-              </a:r>
-              <a:endParaRPr lang="fr-FR" sz="700" b="1" dirty="0"/>
-            </a:p>
-          </p:txBody>
-        </p:sp>
-      </p:grpSp>
-      <p:grpSp>
-        <p:nvGrpSpPr>
-          <p:cNvPr id="33" name="Groupe 32">
-            <a:extLst>
-              <a:ext uri="{FF2B5EF4-FFF2-40B4-BE49-F238E27FC236}">
-                <a16:creationId xmlns:a16="http://schemas.microsoft.com/office/drawing/2014/main" id="{75C2D434-8ADD-A5DA-1AED-8BF4C18B9EB3}"/>
-              </a:ext>
-            </a:extLst>
-          </p:cNvPr>
-          <p:cNvGrpSpPr/>
-          <p:nvPr/>
-        </p:nvGrpSpPr>
-        <p:grpSpPr>
-          <a:xfrm>
-            <a:off x="3017736" y="4221213"/>
-            <a:ext cx="527618" cy="307777"/>
-            <a:chOff x="3017736" y="4221213"/>
-            <a:chExt cx="527618" cy="307777"/>
-          </a:xfrm>
-        </p:grpSpPr>
-        <p:sp>
-          <p:nvSpPr>
-            <p:cNvPr id="76" name="Rectangle : coins arrondis 75">
-              <a:extLst>
-                <a:ext uri="{FF2B5EF4-FFF2-40B4-BE49-F238E27FC236}">
-                  <a16:creationId xmlns:a16="http://schemas.microsoft.com/office/drawing/2014/main" id="{0137AD1F-A369-4FCE-AD69-964680B420B5}"/>
-                </a:ext>
-              </a:extLst>
-            </p:cNvPr>
-            <p:cNvSpPr/>
-            <p:nvPr/>
-          </p:nvSpPr>
-          <p:spPr>
-            <a:xfrm>
-              <a:off x="3059124" y="4248976"/>
-              <a:ext cx="440519" cy="263042"/>
-            </a:xfrm>
-            <a:prstGeom prst="roundRect">
-              <a:avLst/>
-            </a:prstGeom>
-            <a:solidFill>
-              <a:schemeClr val="bg1"/>
-            </a:solidFill>
-            <a:ln w="3175"/>
-          </p:spPr>
-          <p:style>
-            <a:lnRef idx="2">
-              <a:schemeClr val="accent1">
-                <a:shade val="15000"/>
-              </a:schemeClr>
-            </a:lnRef>
-            <a:fillRef idx="1">
-              <a:schemeClr val="accent1"/>
-            </a:fillRef>
-            <a:effectRef idx="0">
-              <a:schemeClr val="accent1"/>
-            </a:effectRef>
-            <a:fontRef idx="minor">
-              <a:schemeClr val="lt1"/>
-            </a:fontRef>
-          </p:style>
-          <p:txBody>
-            <a:bodyPr rtlCol="0" anchor="ctr"/>
-            <a:lstStyle/>
-            <a:p>
-              <a:pPr algn="ctr"/>
-              <a:endParaRPr lang="fr-FR"/>
-            </a:p>
-          </p:txBody>
-        </p:sp>
-        <p:pic>
-          <p:nvPicPr>
-            <p:cNvPr id="62" name="Picture 2">
-              <a:extLst>
-                <a:ext uri="{FF2B5EF4-FFF2-40B4-BE49-F238E27FC236}">
-                  <a16:creationId xmlns:a16="http://schemas.microsoft.com/office/drawing/2014/main" id="{C5C7BA9B-2B99-4B7A-7436-5F82DE29B981}"/>
-                </a:ext>
-              </a:extLst>
-            </p:cNvPr>
-            <p:cNvPicPr>
-              <a:picLocks noChangeAspect="1" noChangeArrowheads="1"/>
-            </p:cNvPicPr>
-            <p:nvPr/>
-          </p:nvPicPr>
-          <p:blipFill>
-            <a:blip r:embed="rId12">
-              <a:extLst>
-                <a:ext uri="{28A0092B-C50C-407E-A947-70E740481C1C}">
-                  <a14:useLocalDpi xmlns:a14="http://schemas.microsoft.com/office/drawing/2010/main" val="0"/>
-                </a:ext>
-              </a:extLst>
-            </a:blip>
-            <a:srcRect/>
-            <a:stretch>
-              <a:fillRect/>
-            </a:stretch>
-          </p:blipFill>
-          <p:spPr bwMode="auto">
-            <a:xfrm>
-              <a:off x="3017736" y="4221213"/>
-              <a:ext cx="527618" cy="307777"/>
-            </a:xfrm>
-            <a:prstGeom prst="rect">
-              <a:avLst/>
-            </a:prstGeom>
-            <a:noFill/>
-          </p:spPr>
-        </p:pic>
-      </p:grpSp>
-      <p:grpSp>
-        <p:nvGrpSpPr>
-          <p:cNvPr id="27" name="Groupe 26">
-            <a:extLst>
-              <a:ext uri="{FF2B5EF4-FFF2-40B4-BE49-F238E27FC236}">
-                <a16:creationId xmlns:a16="http://schemas.microsoft.com/office/drawing/2014/main" id="{2E88C532-5DC4-9A8E-0BD9-8DCB5D7A9625}"/>
-              </a:ext>
-            </a:extLst>
-          </p:cNvPr>
-          <p:cNvGrpSpPr/>
-          <p:nvPr/>
-        </p:nvGrpSpPr>
-        <p:grpSpPr>
-          <a:xfrm>
-            <a:off x="3663791" y="1799583"/>
-            <a:ext cx="527618" cy="307777"/>
-            <a:chOff x="3379555" y="2002169"/>
-            <a:chExt cx="527618" cy="307777"/>
-          </a:xfrm>
-        </p:grpSpPr>
-        <p:sp>
-          <p:nvSpPr>
-            <p:cNvPr id="79" name="Rectangle : coins arrondis 78">
-              <a:extLst>
-                <a:ext uri="{FF2B5EF4-FFF2-40B4-BE49-F238E27FC236}">
-                  <a16:creationId xmlns:a16="http://schemas.microsoft.com/office/drawing/2014/main" id="{61FAC2B4-497C-99AF-7507-9699F89C2CB8}"/>
-                </a:ext>
-              </a:extLst>
-            </p:cNvPr>
-            <p:cNvSpPr/>
-            <p:nvPr/>
-          </p:nvSpPr>
-          <p:spPr>
-            <a:xfrm>
-              <a:off x="3415221" y="2029932"/>
-              <a:ext cx="440519" cy="263042"/>
-            </a:xfrm>
-            <a:prstGeom prst="roundRect">
-              <a:avLst/>
-            </a:prstGeom>
-            <a:solidFill>
-              <a:schemeClr val="bg1"/>
-            </a:solidFill>
-            <a:ln w="3175"/>
-          </p:spPr>
-          <p:style>
-            <a:lnRef idx="2">
-              <a:schemeClr val="accent1">
-                <a:shade val="15000"/>
-              </a:schemeClr>
-            </a:lnRef>
-            <a:fillRef idx="1">
-              <a:schemeClr val="accent1"/>
-            </a:fillRef>
-            <a:effectRef idx="0">
-              <a:schemeClr val="accent1"/>
-            </a:effectRef>
-            <a:fontRef idx="minor">
-              <a:schemeClr val="lt1"/>
-            </a:fontRef>
-          </p:style>
-          <p:txBody>
-            <a:bodyPr rtlCol="0" anchor="ctr"/>
-            <a:lstStyle/>
-            <a:p>
-              <a:pPr algn="ctr"/>
-              <a:endParaRPr lang="fr-FR"/>
-            </a:p>
-          </p:txBody>
-        </p:sp>
-        <p:pic>
-          <p:nvPicPr>
-            <p:cNvPr id="80" name="Picture 2">
-              <a:extLst>
-                <a:ext uri="{FF2B5EF4-FFF2-40B4-BE49-F238E27FC236}">
-                  <a16:creationId xmlns:a16="http://schemas.microsoft.com/office/drawing/2014/main" id="{FEC09453-8329-B943-E8CD-D18A9746E3DE}"/>
-                </a:ext>
-              </a:extLst>
-            </p:cNvPr>
-            <p:cNvPicPr>
-              <a:picLocks noChangeAspect="1" noChangeArrowheads="1"/>
-            </p:cNvPicPr>
-            <p:nvPr/>
-          </p:nvPicPr>
-          <p:blipFill>
-            <a:blip r:embed="rId12">
-              <a:extLst>
-                <a:ext uri="{28A0092B-C50C-407E-A947-70E740481C1C}">
-                  <a14:useLocalDpi xmlns:a14="http://schemas.microsoft.com/office/drawing/2010/main" val="0"/>
-                </a:ext>
-              </a:extLst>
-            </a:blip>
-            <a:srcRect/>
-            <a:stretch>
-              <a:fillRect/>
-            </a:stretch>
-          </p:blipFill>
-          <p:spPr bwMode="auto">
-            <a:xfrm>
-              <a:off x="3379555" y="2002169"/>
-              <a:ext cx="527618" cy="307777"/>
-            </a:xfrm>
-            <a:prstGeom prst="rect">
-              <a:avLst/>
-            </a:prstGeom>
-            <a:noFill/>
-          </p:spPr>
-        </p:pic>
-      </p:grpSp>
-      <p:cxnSp>
-        <p:nvCxnSpPr>
-          <p:cNvPr id="84" name="Connecteur : en angle 83">
-            <a:extLst>
-              <a:ext uri="{FF2B5EF4-FFF2-40B4-BE49-F238E27FC236}">
-                <a16:creationId xmlns:a16="http://schemas.microsoft.com/office/drawing/2014/main" id="{9FB5173D-B04A-5921-8DF1-AA3A6807A99D}"/>
+                <a16:creationId xmlns:a16="http://schemas.microsoft.com/office/drawing/2014/main" id="{1B5C4A46-BA60-0270-5319-66310D068110}"/>
               </a:ext>
             </a:extLst>
           </p:cNvPr>
           <p:cNvCxnSpPr>
-            <a:cxnSpLocks/>
-            <a:stCxn id="2068" idx="2"/>
-            <a:endCxn id="2097" idx="3"/>
+            <a:stCxn id="43" idx="3"/>
           </p:cNvCxnSpPr>
           <p:nvPr/>
         </p:nvCxnSpPr>
         <p:spPr>
-          <a:xfrm rot="5400000">
-            <a:off x="8279459" y="3024137"/>
-            <a:ext cx="443149" cy="459586"/>
+          <a:xfrm flipV="1">
+            <a:off x="7791655" y="3638233"/>
+            <a:ext cx="350138" cy="393702"/>
           </a:xfrm>
           <a:prstGeom prst="bentConnector2">
             <a:avLst/>
           </a:prstGeom>
           <a:ln>
             <a:solidFill>
-              <a:schemeClr val="bg1">
-                <a:lumMod val="65000"/>
-              </a:schemeClr>
+              <a:srgbClr val="00B050"/>
             </a:solidFill>
-            <a:prstDash val="dash"/>
             <a:headEnd type="triangle"/>
             <a:tailEnd type="triangle"/>
           </a:ln>
@@ -22053,6 +23177,9 @@
                     <p:cTn id="3" fill="hold">
                       <p:stCondLst>
                         <p:cond delay="indefinite"/>
+                        <p:cond evt="onBegin" delay="0">
+                          <p:tn val="2"/>
+                        </p:cond>
                       </p:stCondLst>
                       <p:childTnLst>
                         <p:par>
@@ -22062,7 +23189,7 @@
                             </p:stCondLst>
                             <p:childTnLst>
                               <p:par>
-                                <p:cTn id="5" presetID="1" presetClass="entr" presetSubtype="0" fill="hold" nodeType="clickEffect">
+                                <p:cTn id="5" presetID="1" presetClass="entr" presetSubtype="0" fill="hold" grpId="0" nodeType="withEffect">
                                   <p:stCondLst>
                                     <p:cond delay="0"/>
                                   </p:stCondLst>
@@ -22070,33 +23197,6 @@
                                     <p:set>
                                       <p:cBhvr>
                                         <p:cTn id="6" dur="1" fill="hold">
-                                          <p:stCondLst>
-                                            <p:cond delay="0"/>
-                                          </p:stCondLst>
-                                        </p:cTn>
-                                        <p:tgtEl>
-                                          <p:spTgt spid="16"/>
-                                        </p:tgtEl>
-                                        <p:attrNameLst>
-                                          <p:attrName>style.visibility</p:attrName>
-                                        </p:attrNameLst>
-                                      </p:cBhvr>
-                                      <p:to>
-                                        <p:strVal val="visible"/>
-                                      </p:to>
-                                    </p:set>
-                                  </p:childTnLst>
-                                </p:cTn>
-                              </p:par>
-                              <p:par>
-                                <p:cTn id="7" presetID="1" presetClass="entr" presetSubtype="0" fill="hold" grpId="0" nodeType="withEffect">
-                                  <p:stCondLst>
-                                    <p:cond delay="0"/>
-                                  </p:stCondLst>
-                                  <p:childTnLst>
-                                    <p:set>
-                                      <p:cBhvr>
-                                        <p:cTn id="8" dur="1" fill="hold">
                                           <p:stCondLst>
                                             <p:cond delay="0"/>
                                           </p:stCondLst>
@@ -22122,59 +23222,32 @@
                     </p:cTn>
                   </p:par>
                   <p:par>
-                    <p:cTn id="9" fill="hold">
+                    <p:cTn id="7" fill="hold">
                       <p:stCondLst>
                         <p:cond delay="indefinite"/>
                       </p:stCondLst>
                       <p:childTnLst>
                         <p:par>
-                          <p:cTn id="10" fill="hold">
+                          <p:cTn id="8" fill="hold">
                             <p:stCondLst>
                               <p:cond delay="0"/>
                             </p:stCondLst>
                             <p:childTnLst>
                               <p:par>
-                                <p:cTn id="11" presetID="1" presetClass="entr" presetSubtype="0" fill="hold" grpId="0" nodeType="clickEffect">
+                                <p:cTn id="9" presetID="1" presetClass="entr" presetSubtype="0" fill="hold" grpId="0" nodeType="clickEffect">
                                   <p:stCondLst>
                                     <p:cond delay="0"/>
                                   </p:stCondLst>
                                   <p:childTnLst>
                                     <p:set>
                                       <p:cBhvr>
-                                        <p:cTn id="12" dur="1" fill="hold">
+                                        <p:cTn id="10" dur="1" fill="hold">
                                           <p:stCondLst>
                                             <p:cond delay="0"/>
                                           </p:stCondLst>
                                         </p:cTn>
                                         <p:tgtEl>
                                           <p:spTgt spid="18"/>
-                                        </p:tgtEl>
-                                        <p:attrNameLst>
-                                          <p:attrName>style.visibility</p:attrName>
-                                        </p:attrNameLst>
-                                      </p:cBhvr>
-                                      <p:to>
-                                        <p:strVal val="visible"/>
-                                      </p:to>
-                                    </p:set>
-                                  </p:childTnLst>
-                                </p:cTn>
-                              </p:par>
-                              <p:par>
-                                <p:cTn id="13" presetID="1" presetClass="entr" presetSubtype="0" fill="hold" nodeType="withEffect">
-                                  <p:stCondLst>
-                                    <p:cond delay="0"/>
-                                  </p:stCondLst>
-                                  <p:childTnLst>
-                                    <p:set>
-                                      <p:cBhvr>
-                                        <p:cTn id="14" dur="1" fill="hold">
-                                          <p:stCondLst>
-                                            <p:cond delay="0"/>
-                                          </p:stCondLst>
-                                        </p:cTn>
-                                        <p:tgtEl>
-                                          <p:spTgt spid="25"/>
                                         </p:tgtEl>
                                         <p:attrNameLst>
                                           <p:attrName>style.visibility</p:attrName>
@@ -22194,19 +23267,73 @@
                     </p:cTn>
                   </p:par>
                   <p:par>
-                    <p:cTn id="15" fill="hold">
+                    <p:cTn id="11" fill="hold">
                       <p:stCondLst>
                         <p:cond delay="indefinite"/>
                       </p:stCondLst>
                       <p:childTnLst>
                         <p:par>
-                          <p:cTn id="16" fill="hold">
+                          <p:cTn id="12" fill="hold">
                             <p:stCondLst>
                               <p:cond delay="0"/>
                             </p:stCondLst>
                             <p:childTnLst>
                               <p:par>
-                                <p:cTn id="17" presetID="1" presetClass="entr" presetSubtype="0" fill="hold" grpId="0" nodeType="clickEffect">
+                                <p:cTn id="13" presetID="1" presetClass="entr" presetSubtype="0" fill="hold" grpId="0" nodeType="clickEffect">
+                                  <p:stCondLst>
+                                    <p:cond delay="0"/>
+                                  </p:stCondLst>
+                                  <p:childTnLst>
+                                    <p:set>
+                                      <p:cBhvr>
+                                        <p:cTn id="14" dur="1" fill="hold">
+                                          <p:stCondLst>
+                                            <p:cond delay="0"/>
+                                          </p:stCondLst>
+                                        </p:cTn>
+                                        <p:tgtEl>
+                                          <p:spTgt spid="22"/>
+                                        </p:tgtEl>
+                                        <p:attrNameLst>
+                                          <p:attrName>style.visibility</p:attrName>
+                                        </p:attrNameLst>
+                                      </p:cBhvr>
+                                      <p:to>
+                                        <p:strVal val="visible"/>
+                                      </p:to>
+                                    </p:set>
+                                  </p:childTnLst>
+                                </p:cTn>
+                              </p:par>
+                              <p:par>
+                                <p:cTn id="15" presetID="1" presetClass="entr" presetSubtype="0" fill="hold" grpId="0" nodeType="withEffect">
+                                  <p:stCondLst>
+                                    <p:cond delay="0"/>
+                                  </p:stCondLst>
+                                  <p:childTnLst>
+                                    <p:set>
+                                      <p:cBhvr>
+                                        <p:cTn id="16" dur="1" fill="hold">
+                                          <p:stCondLst>
+                                            <p:cond delay="0"/>
+                                          </p:stCondLst>
+                                        </p:cTn>
+                                        <p:tgtEl>
+                                          <p:spTgt spid="5"/>
+                                        </p:tgtEl>
+                                        <p:attrNameLst>
+                                          <p:attrName>style.visibility</p:attrName>
+                                        </p:attrNameLst>
+                                      </p:cBhvr>
+                                      <p:to>
+                                        <p:strVal val="visible"/>
+                                      </p:to>
+                                    </p:set>
+                                  </p:childTnLst>
+                                </p:cTn>
+                              </p:par>
+                              <p:par>
+                                <p:cTn id="17" presetID="1" presetClass="entr" presetSubtype="0" fill="hold" grpId="0" nodeType="withEffect">
                                   <p:stCondLst>
                                     <p:cond delay="0"/>
                                   </p:stCondLst>
@@ -22219,7 +23346,7 @@
                                           </p:stCondLst>
                                         </p:cTn>
                                         <p:tgtEl>
-                                          <p:spTgt spid="22"/>
+                                          <p:spTgt spid="4"/>
                                         </p:tgtEl>
                                         <p:attrNameLst>
                                           <p:attrName>style.visibility</p:attrName>
@@ -22246,7 +23373,7 @@
                                           </p:stCondLst>
                                         </p:cTn>
                                         <p:tgtEl>
-                                          <p:spTgt spid="5"/>
+                                          <p:spTgt spid="26"/>
                                         </p:tgtEl>
                                         <p:attrNameLst>
                                           <p:attrName>style.visibility</p:attrName>
@@ -22273,7 +23400,7 @@
                                           </p:stCondLst>
                                         </p:cTn>
                                         <p:tgtEl>
-                                          <p:spTgt spid="34"/>
+                                          <p:spTgt spid="1029"/>
                                         </p:tgtEl>
                                         <p:attrNameLst>
                                           <p:attrName>style.visibility</p:attrName>
@@ -22318,303 +23445,6 @@
                                           </p:stCondLst>
                                         </p:cTn>
                                         <p:tgtEl>
-                                          <p:spTgt spid="35"/>
-                                        </p:tgtEl>
-                                        <p:attrNameLst>
-                                          <p:attrName>style.visibility</p:attrName>
-                                        </p:attrNameLst>
-                                      </p:cBhvr>
-                                      <p:to>
-                                        <p:strVal val="visible"/>
-                                      </p:to>
-                                    </p:set>
-                                  </p:childTnLst>
-                                </p:cTn>
-                              </p:par>
-                              <p:par>
-                                <p:cTn id="27" presetID="1" presetClass="entr" presetSubtype="0" fill="hold" grpId="0" nodeType="withEffect">
-                                  <p:stCondLst>
-                                    <p:cond delay="0"/>
-                                  </p:stCondLst>
-                                  <p:childTnLst>
-                                    <p:set>
-                                      <p:cBhvr>
-                                        <p:cTn id="28" dur="1" fill="hold">
-                                          <p:stCondLst>
-                                            <p:cond delay="0"/>
-                                          </p:stCondLst>
-                                        </p:cTn>
-                                        <p:tgtEl>
-                                          <p:spTgt spid="4"/>
-                                        </p:tgtEl>
-                                        <p:attrNameLst>
-                                          <p:attrName>style.visibility</p:attrName>
-                                        </p:attrNameLst>
-                                      </p:cBhvr>
-                                      <p:to>
-                                        <p:strVal val="visible"/>
-                                      </p:to>
-                                    </p:set>
-                                  </p:childTnLst>
-                                </p:cTn>
-                              </p:par>
-                              <p:par>
-                                <p:cTn id="29" presetID="1" presetClass="entr" presetSubtype="0" fill="hold" grpId="0" nodeType="withEffect">
-                                  <p:stCondLst>
-                                    <p:cond delay="0"/>
-                                  </p:stCondLst>
-                                  <p:childTnLst>
-                                    <p:set>
-                                      <p:cBhvr>
-                                        <p:cTn id="30" dur="1" fill="hold">
-                                          <p:stCondLst>
-                                            <p:cond delay="0"/>
-                                          </p:stCondLst>
-                                        </p:cTn>
-                                        <p:tgtEl>
-                                          <p:spTgt spid="26"/>
-                                        </p:tgtEl>
-                                        <p:attrNameLst>
-                                          <p:attrName>style.visibility</p:attrName>
-                                        </p:attrNameLst>
-                                      </p:cBhvr>
-                                      <p:to>
-                                        <p:strVal val="visible"/>
-                                      </p:to>
-                                    </p:set>
-                                  </p:childTnLst>
-                                </p:cTn>
-                              </p:par>
-                            </p:childTnLst>
-                          </p:cTn>
-                        </p:par>
-                      </p:childTnLst>
-                    </p:cTn>
-                  </p:par>
-                  <p:par>
-                    <p:cTn id="31" fill="hold">
-                      <p:stCondLst>
-                        <p:cond delay="indefinite"/>
-                      </p:stCondLst>
-                      <p:childTnLst>
-                        <p:par>
-                          <p:cTn id="32" fill="hold">
-                            <p:stCondLst>
-                              <p:cond delay="0"/>
-                            </p:stCondLst>
-                            <p:childTnLst>
-                              <p:par>
-                                <p:cTn id="33" presetID="1" presetClass="entr" presetSubtype="0" fill="hold" nodeType="clickEffect">
-                                  <p:stCondLst>
-                                    <p:cond delay="0"/>
-                                  </p:stCondLst>
-                                  <p:childTnLst>
-                                    <p:set>
-                                      <p:cBhvr>
-                                        <p:cTn id="34" dur="1" fill="hold">
-                                          <p:stCondLst>
-                                            <p:cond delay="0"/>
-                                          </p:stCondLst>
-                                        </p:cTn>
-                                        <p:tgtEl>
-                                          <p:spTgt spid="27"/>
-                                        </p:tgtEl>
-                                        <p:attrNameLst>
-                                          <p:attrName>style.visibility</p:attrName>
-                                        </p:attrNameLst>
-                                      </p:cBhvr>
-                                      <p:to>
-                                        <p:strVal val="visible"/>
-                                      </p:to>
-                                    </p:set>
-                                  </p:childTnLst>
-                                </p:cTn>
-                              </p:par>
-                              <p:par>
-                                <p:cTn id="35" presetID="1" presetClass="entr" presetSubtype="0" fill="hold" nodeType="withEffect">
-                                  <p:stCondLst>
-                                    <p:cond delay="0"/>
-                                  </p:stCondLst>
-                                  <p:childTnLst>
-                                    <p:set>
-                                      <p:cBhvr>
-                                        <p:cTn id="36" dur="1" fill="hold">
-                                          <p:stCondLst>
-                                            <p:cond delay="0"/>
-                                          </p:stCondLst>
-                                        </p:cTn>
-                                        <p:tgtEl>
-                                          <p:spTgt spid="1029"/>
-                                        </p:tgtEl>
-                                        <p:attrNameLst>
-                                          <p:attrName>style.visibility</p:attrName>
-                                        </p:attrNameLst>
-                                      </p:cBhvr>
-                                      <p:to>
-                                        <p:strVal val="visible"/>
-                                      </p:to>
-                                    </p:set>
-                                  </p:childTnLst>
-                                </p:cTn>
-                              </p:par>
-                            </p:childTnLst>
-                          </p:cTn>
-                        </p:par>
-                      </p:childTnLst>
-                    </p:cTn>
-                  </p:par>
-                  <p:par>
-                    <p:cTn id="37" fill="hold">
-                      <p:stCondLst>
-                        <p:cond delay="indefinite"/>
-                      </p:stCondLst>
-                      <p:childTnLst>
-                        <p:par>
-                          <p:cTn id="38" fill="hold">
-                            <p:stCondLst>
-                              <p:cond delay="0"/>
-                            </p:stCondLst>
-                            <p:childTnLst>
-                              <p:par>
-                                <p:cTn id="39" presetID="1" presetClass="entr" presetSubtype="0" fill="hold" nodeType="clickEffect">
-                                  <p:stCondLst>
-                                    <p:cond delay="0"/>
-                                  </p:stCondLst>
-                                  <p:childTnLst>
-                                    <p:set>
-                                      <p:cBhvr>
-                                        <p:cTn id="40" dur="1" fill="hold">
-                                          <p:stCondLst>
-                                            <p:cond delay="0"/>
-                                          </p:stCondLst>
-                                        </p:cTn>
-                                        <p:tgtEl>
-                                          <p:spTgt spid="33"/>
-                                        </p:tgtEl>
-                                        <p:attrNameLst>
-                                          <p:attrName>style.visibility</p:attrName>
-                                        </p:attrNameLst>
-                                      </p:cBhvr>
-                                      <p:to>
-                                        <p:strVal val="visible"/>
-                                      </p:to>
-                                    </p:set>
-                                  </p:childTnLst>
-                                </p:cTn>
-                              </p:par>
-                              <p:par>
-                                <p:cTn id="41" presetID="1" presetClass="entr" presetSubtype="0" fill="hold" nodeType="withEffect">
-                                  <p:stCondLst>
-                                    <p:cond delay="0"/>
-                                  </p:stCondLst>
-                                  <p:childTnLst>
-                                    <p:set>
-                                      <p:cBhvr>
-                                        <p:cTn id="42" dur="1" fill="hold">
-                                          <p:stCondLst>
-                                            <p:cond delay="0"/>
-                                          </p:stCondLst>
-                                        </p:cTn>
-                                        <p:tgtEl>
-                                          <p:spTgt spid="17"/>
-                                        </p:tgtEl>
-                                        <p:attrNameLst>
-                                          <p:attrName>style.visibility</p:attrName>
-                                        </p:attrNameLst>
-                                      </p:cBhvr>
-                                      <p:to>
-                                        <p:strVal val="visible"/>
-                                      </p:to>
-                                    </p:set>
-                                  </p:childTnLst>
-                                </p:cTn>
-                              </p:par>
-                              <p:par>
-                                <p:cTn id="43" presetID="1" presetClass="entr" presetSubtype="0" fill="hold" nodeType="withEffect">
-                                  <p:stCondLst>
-                                    <p:cond delay="0"/>
-                                  </p:stCondLst>
-                                  <p:childTnLst>
-                                    <p:set>
-                                      <p:cBhvr>
-                                        <p:cTn id="44" dur="1" fill="hold">
-                                          <p:stCondLst>
-                                            <p:cond delay="0"/>
-                                          </p:stCondLst>
-                                        </p:cTn>
-                                        <p:tgtEl>
-                                          <p:spTgt spid="1062"/>
-                                        </p:tgtEl>
-                                        <p:attrNameLst>
-                                          <p:attrName>style.visibility</p:attrName>
-                                        </p:attrNameLst>
-                                      </p:cBhvr>
-                                      <p:to>
-                                        <p:strVal val="visible"/>
-                                      </p:to>
-                                    </p:set>
-                                  </p:childTnLst>
-                                </p:cTn>
-                              </p:par>
-                              <p:par>
-                                <p:cTn id="45" presetID="1" presetClass="entr" presetSubtype="0" fill="hold" nodeType="withEffect">
-                                  <p:stCondLst>
-                                    <p:cond delay="0"/>
-                                  </p:stCondLst>
-                                  <p:childTnLst>
-                                    <p:set>
-                                      <p:cBhvr>
-                                        <p:cTn id="46" dur="1" fill="hold">
-                                          <p:stCondLst>
-                                            <p:cond delay="0"/>
-                                          </p:stCondLst>
-                                        </p:cTn>
-                                        <p:tgtEl>
-                                          <p:spTgt spid="1075"/>
-                                        </p:tgtEl>
-                                        <p:attrNameLst>
-                                          <p:attrName>style.visibility</p:attrName>
-                                        </p:attrNameLst>
-                                      </p:cBhvr>
-                                      <p:to>
-                                        <p:strVal val="visible"/>
-                                      </p:to>
-                                    </p:set>
-                                  </p:childTnLst>
-                                </p:cTn>
-                              </p:par>
-                            </p:childTnLst>
-                          </p:cTn>
-                        </p:par>
-                      </p:childTnLst>
-                    </p:cTn>
-                  </p:par>
-                  <p:par>
-                    <p:cTn id="47" fill="hold">
-                      <p:stCondLst>
-                        <p:cond delay="indefinite"/>
-                      </p:stCondLst>
-                      <p:childTnLst>
-                        <p:par>
-                          <p:cTn id="48" fill="hold">
-                            <p:stCondLst>
-                              <p:cond delay="0"/>
-                            </p:stCondLst>
-                            <p:childTnLst>
-                              <p:par>
-                                <p:cTn id="49" presetID="1" presetClass="entr" presetSubtype="0" fill="hold" nodeType="clickEffect">
-                                  <p:stCondLst>
-                                    <p:cond delay="0"/>
-                                  </p:stCondLst>
-                                  <p:childTnLst>
-                                    <p:set>
-                                      <p:cBhvr>
-                                        <p:cTn id="50" dur="1" fill="hold">
-                                          <p:stCondLst>
-                                            <p:cond delay="0"/>
-                                          </p:stCondLst>
-                                        </p:cTn>
-                                        <p:tgtEl>
                                           <p:spTgt spid="2101"/>
                                         </p:tgtEl>
                                         <p:attrNameLst>
@@ -22629,14 +23459,14 @@
                                 </p:cTn>
                               </p:par>
                               <p:par>
-                                <p:cTn id="51" presetID="1" presetClass="entr" presetSubtype="0" fill="hold" nodeType="withEffect">
+                                <p:cTn id="27" presetID="1" presetClass="entr" presetSubtype="0" fill="hold" nodeType="withEffect">
                                   <p:stCondLst>
                                     <p:cond delay="0"/>
                                   </p:stCondLst>
                                   <p:childTnLst>
                                     <p:set>
                                       <p:cBhvr>
-                                        <p:cTn id="52" dur="1" fill="hold">
+                                        <p:cTn id="28" dur="1" fill="hold">
                                           <p:stCondLst>
                                             <p:cond delay="0"/>
                                           </p:stCondLst>
@@ -22656,14 +23486,14 @@
                                 </p:cTn>
                               </p:par>
                               <p:par>
-                                <p:cTn id="53" presetID="1" presetClass="entr" presetSubtype="0" fill="hold" nodeType="withEffect">
+                                <p:cTn id="29" presetID="1" presetClass="entr" presetSubtype="0" fill="hold" nodeType="withEffect">
                                   <p:stCondLst>
                                     <p:cond delay="0"/>
                                   </p:stCondLst>
                                   <p:childTnLst>
                                     <p:set>
                                       <p:cBhvr>
-                                        <p:cTn id="54" dur="1" fill="hold">
+                                        <p:cTn id="30" dur="1" fill="hold">
                                           <p:stCondLst>
                                             <p:cond delay="0"/>
                                           </p:stCondLst>
@@ -22773,7 +23603,7 @@
               <a:buNone/>
             </a:pPr>
             <a:r>
-              <a:rPr lang="fr-FR" sz="2500" dirty="0" err="1">
+              <a:rPr lang="fr-FR" sz="2500" dirty="0">
                 <a:solidFill>
                   <a:srgbClr val="0E3449"/>
                 </a:solidFill>
@@ -22782,7 +23612,7 @@
                 <a:cs typeface="Inter SemiBold"/>
                 <a:sym typeface="Inter SemiBold"/>
               </a:rPr>
-              <a:t>xxxx</a:t>
+              <a:t>Analyse des retards et seuils</a:t>
             </a:r>
             <a:endParaRPr sz="2500" dirty="0">
               <a:solidFill>
@@ -23213,12 +24043,8 @@
               <a:buNone/>
             </a:pPr>
             <a:r>
-              <a:rPr lang="fr-FR" sz="1000" b="1" dirty="0" err="1"/>
-              <a:t>Xxxx</a:t>
-            </a:r>
-            <a:r>
               <a:rPr lang="fr-FR" sz="1000" b="1" dirty="0"/>
-              <a:t> : </a:t>
+              <a:t>Analyse : </a:t>
             </a:r>
             <a:endParaRPr lang="fr-FR" sz="1000" dirty="0"/>
           </a:p>
@@ -23227,33 +24053,132 @@
               <a:buSzPct val="100000"/>
             </a:pPr>
             <a:r>
-              <a:rPr lang="fr-FR" sz="1000" dirty="0" err="1"/>
-              <a:t>xxxx</a:t>
+              <a:rPr lang="fr-FR" sz="1000" b="1" dirty="0"/>
+              <a:t>Mobile est plus à risque que </a:t>
             </a:r>
-            <a:endParaRPr lang="fr-FR" sz="1000" dirty="0"/>
+            <a:r>
+              <a:rPr lang="fr-FR" sz="1000" b="1" dirty="0" err="1"/>
+              <a:t>Connect</a:t>
+            </a:r>
+            <a:r>
+              <a:rPr lang="fr-FR" sz="1000" b="1" dirty="0"/>
+              <a:t> : </a:t>
+            </a:r>
+            <a:r>
+              <a:rPr lang="fr-FR" sz="1000" dirty="0"/>
+              <a:t>le taux d’impact sur la location suivante est plus élevé (global et parmi les retards)</a:t>
+            </a:r>
           </a:p>
           <a:p>
             <a:pPr>
               <a:buSzPct val="100000"/>
             </a:pPr>
             <a:r>
-              <a:rPr lang="fr-FR" sz="1000" dirty="0" err="1"/>
-              <a:t>xxxx</a:t>
+              <a:rPr lang="fr-FR" sz="1000" b="1" dirty="0"/>
+              <a:t>Plus le seuil T augmente, plus on résout de cas problématiques</a:t>
             </a:r>
-            <a:endParaRPr lang="fr-FR" sz="1000" dirty="0"/>
+            <a:r>
+              <a:rPr lang="fr-FR" sz="1000" dirty="0"/>
+              <a:t>, avec un gain qui ralentit après  60 à 90 min</a:t>
+            </a:r>
           </a:p>
           <a:p>
             <a:pPr>
               <a:buSzPct val="100000"/>
             </a:pPr>
             <a:r>
-              <a:rPr lang="fr-FR" sz="1000" dirty="0" err="1"/>
-              <a:t>xxxx</a:t>
+              <a:rPr lang="fr-FR" sz="1000" b="1" dirty="0"/>
+              <a:t>Mise en perspective </a:t>
             </a:r>
-            <a:endParaRPr lang="fr-FR" sz="1000" dirty="0"/>
+            <a:r>
+              <a:rPr lang="fr-FR" sz="1000" dirty="0"/>
+              <a:t>: augmenter T réduit les incidents, mais </a:t>
+            </a:r>
+            <a:r>
+              <a:rPr lang="fr-FR" sz="1000" b="1" dirty="0"/>
+              <a:t>augmente aussi la part de locations “affectées”</a:t>
+            </a:r>
+            <a:r>
+              <a:rPr lang="fr-FR" sz="1000" dirty="0"/>
+              <a:t> (plus de contraintes opérationnelles / potentielle perte de revenu ?)</a:t>
+            </a:r>
           </a:p>
         </p:txBody>
       </p:sp>
+      <p:pic>
+        <p:nvPicPr>
+          <p:cNvPr id="5" name="Image 4" descr="Une image contenant texte, capture d’écran, Police, ligne&#10;&#10;Le contenu généré par l’IA peut être incorrect.">
+            <a:extLst>
+              <a:ext uri="{FF2B5EF4-FFF2-40B4-BE49-F238E27FC236}">
+                <a16:creationId xmlns:a16="http://schemas.microsoft.com/office/drawing/2014/main" id="{3629B4BD-B2F9-58A6-5FC6-4984E061BD5A}"/>
+              </a:ext>
+            </a:extLst>
+          </p:cNvPr>
+          <p:cNvPicPr>
+            <a:picLocks noChangeAspect="1"/>
+          </p:cNvPicPr>
+          <p:nvPr/>
+        </p:nvPicPr>
+        <p:blipFill>
+          <a:blip r:embed="rId4"/>
+          <a:stretch>
+            <a:fillRect/>
+          </a:stretch>
+        </p:blipFill>
+        <p:spPr>
+          <a:xfrm>
+            <a:off x="3837853" y="967388"/>
+            <a:ext cx="5160231" cy="2532336"/>
+          </a:xfrm>
+          <a:prstGeom prst="rect">
+            <a:avLst/>
+          </a:prstGeom>
+          <a:ln>
+            <a:solidFill>
+              <a:schemeClr val="bg1">
+                <a:lumMod val="85000"/>
+              </a:schemeClr>
+            </a:solidFill>
+          </a:ln>
+        </p:spPr>
+      </p:pic>
+      <p:pic>
+        <p:nvPicPr>
+          <p:cNvPr id="9" name="Image 8" descr="Une image contenant texte, capture d’écran, diagramme, nombre&#10;&#10;Le contenu généré par l’IA peut être incorrect.">
+            <a:extLst>
+              <a:ext uri="{FF2B5EF4-FFF2-40B4-BE49-F238E27FC236}">
+                <a16:creationId xmlns:a16="http://schemas.microsoft.com/office/drawing/2014/main" id="{E79FD801-E0AC-4B92-A695-66B1893EF522}"/>
+              </a:ext>
+            </a:extLst>
+          </p:cNvPr>
+          <p:cNvPicPr>
+            <a:picLocks noChangeAspect="1"/>
+          </p:cNvPicPr>
+          <p:nvPr/>
+        </p:nvPicPr>
+        <p:blipFill>
+          <a:blip r:embed="rId5"/>
+          <a:stretch>
+            <a:fillRect/>
+          </a:stretch>
+        </p:blipFill>
+        <p:spPr>
+          <a:xfrm>
+            <a:off x="311700" y="967388"/>
+            <a:ext cx="3406269" cy="2229137"/>
+          </a:xfrm>
+          <a:prstGeom prst="rect">
+            <a:avLst/>
+          </a:prstGeom>
+          <a:ln>
+            <a:solidFill>
+              <a:schemeClr val="bg1">
+                <a:lumMod val="85000"/>
+              </a:schemeClr>
+            </a:solidFill>
+          </a:ln>
+        </p:spPr>
+      </p:pic>
     </p:spTree>
   </p:cSld>
   <p:clrMapOvr>
@@ -23265,17 +24190,15 @@
 <file path=ppt/slides/slide7.xml><?xml version="1.0" encoding="utf-8"?>
 <p:sld xmlns:a="http://schemas.openxmlformats.org/drawingml/2006/main" xmlns:r="http://schemas.openxmlformats.org/officeDocument/2006/relationships" xmlns:p="http://schemas.openxmlformats.org/presentationml/2006/main">
   <p:cSld>
-    <p:bg>
-      <p:bgPr>
-        <a:solidFill>
-          <a:srgbClr val="00DBD0"/>
-        </a:solidFill>
-        <a:effectLst/>
-      </p:bgPr>
-    </p:bg>
     <p:spTree>
       <p:nvGrpSpPr>
-        <p:cNvPr id="1" name="Shape 186"/>
+        <p:cNvPr id="1" name="Shape 67">
+          <a:extLst>
+            <a:ext uri="{FF2B5EF4-FFF2-40B4-BE49-F238E27FC236}">
+              <a16:creationId xmlns:a16="http://schemas.microsoft.com/office/drawing/2014/main" id="{A1A3EEF4-87D8-4B5A-59AC-470EBC11F7F7}"/>
+            </a:ext>
+          </a:extLst>
+        </p:cNvPr>
         <p:cNvGrpSpPr/>
         <p:nvPr/>
       </p:nvGrpSpPr>
@@ -23289,7 +24212,13 @@
       </p:grpSpPr>
       <p:sp>
         <p:nvSpPr>
-          <p:cNvPr id="187" name="Google Shape;187;p9"/>
+          <p:cNvPr id="68" name="Google Shape;68;p15">
+            <a:extLst>
+              <a:ext uri="{FF2B5EF4-FFF2-40B4-BE49-F238E27FC236}">
+                <a16:creationId xmlns:a16="http://schemas.microsoft.com/office/drawing/2014/main" id="{373F4759-A2CD-EDAF-80BD-3BC77DD2BFBB}"/>
+              </a:ext>
+            </a:extLst>
+          </p:cNvPr>
           <p:cNvSpPr txBox="1">
             <a:spLocks noGrp="1"/>
           </p:cNvSpPr>
@@ -23299,8 +24228,227 @@
         </p:nvSpPr>
         <p:spPr>
           <a:xfrm>
-            <a:off x="1089725" y="1970775"/>
-            <a:ext cx="6393116" cy="698400"/>
+            <a:off x="1192664" y="403309"/>
+            <a:ext cx="5315100" cy="533100"/>
+          </a:xfrm>
+          <a:prstGeom prst="rect">
+            <a:avLst/>
+          </a:prstGeom>
+        </p:spPr>
+        <p:txBody>
+          <a:bodyPr spcFirstLastPara="1" wrap="square" lIns="91425" tIns="91425" rIns="91425" bIns="91425" anchor="t" anchorCtr="0">
+            <a:noAutofit/>
+          </a:bodyPr>
+          <a:lstStyle/>
+          <a:p>
+            <a:pPr marL="0" lvl="0" indent="0" algn="l" rtl="0">
+              <a:spcBef>
+                <a:spcPts val="0"/>
+              </a:spcBef>
+              <a:spcAft>
+                <a:spcPts val="0"/>
+              </a:spcAft>
+              <a:buNone/>
+            </a:pPr>
+            <a:r>
+              <a:rPr lang="fr-FR" sz="2500" dirty="0">
+                <a:solidFill>
+                  <a:srgbClr val="0E3449"/>
+                </a:solidFill>
+                <a:latin typeface="Inter SemiBold"/>
+                <a:ea typeface="Inter SemiBold"/>
+                <a:cs typeface="Inter SemiBold"/>
+                <a:sym typeface="Inter SemiBold"/>
+              </a:rPr>
+              <a:t>Analyse du </a:t>
+            </a:r>
+            <a:r>
+              <a:rPr lang="fr-FR" sz="2500" dirty="0" err="1">
+                <a:solidFill>
+                  <a:srgbClr val="0E3449"/>
+                </a:solidFill>
+                <a:latin typeface="Inter SemiBold"/>
+                <a:ea typeface="Inter SemiBold"/>
+                <a:cs typeface="Inter SemiBold"/>
+                <a:sym typeface="Inter SemiBold"/>
+              </a:rPr>
+              <a:t>pricing</a:t>
+            </a:r>
+            <a:endParaRPr sz="2500" dirty="0">
+              <a:solidFill>
+                <a:srgbClr val="0E3449"/>
+              </a:solidFill>
+              <a:latin typeface="Inter SemiBold"/>
+              <a:ea typeface="Inter SemiBold"/>
+              <a:cs typeface="Inter SemiBold"/>
+              <a:sym typeface="Inter SemiBold"/>
+            </a:endParaRPr>
+          </a:p>
+        </p:txBody>
+      </p:sp>
+      <p:pic>
+        <p:nvPicPr>
+          <p:cNvPr id="75" name="Google Shape;75;p15">
+            <a:extLst>
+              <a:ext uri="{FF2B5EF4-FFF2-40B4-BE49-F238E27FC236}">
+                <a16:creationId xmlns:a16="http://schemas.microsoft.com/office/drawing/2014/main" id="{F38E94D9-7FC4-AF66-1B78-A6FE1F5E8676}"/>
+              </a:ext>
+            </a:extLst>
+          </p:cNvPr>
+          <p:cNvPicPr preferRelativeResize="0"/>
+          <p:nvPr/>
+        </p:nvPicPr>
+        <p:blipFill>
+          <a:blip r:embed="rId3">
+            <a:alphaModFix/>
+          </a:blip>
+          <a:stretch>
+            <a:fillRect/>
+          </a:stretch>
+        </p:blipFill>
+        <p:spPr>
+          <a:xfrm>
+            <a:off x="463375" y="482852"/>
+            <a:ext cx="576900" cy="385904"/>
+          </a:xfrm>
+          <a:prstGeom prst="rect">
+            <a:avLst/>
+          </a:prstGeom>
+          <a:noFill/>
+          <a:ln>
+            <a:noFill/>
+          </a:ln>
+        </p:spPr>
+      </p:pic>
+      <p:sp>
+        <p:nvSpPr>
+          <p:cNvPr id="76" name="Google Shape;76;p15">
+            <a:extLst>
+              <a:ext uri="{FF2B5EF4-FFF2-40B4-BE49-F238E27FC236}">
+                <a16:creationId xmlns:a16="http://schemas.microsoft.com/office/drawing/2014/main" id="{BCDD9591-24BE-1179-0636-4EB8CBE78F13}"/>
+              </a:ext>
+            </a:extLst>
+          </p:cNvPr>
+          <p:cNvSpPr/>
+          <p:nvPr/>
+        </p:nvSpPr>
+        <p:spPr>
+          <a:xfrm>
+            <a:off x="10225" y="4892025"/>
+            <a:ext cx="9144000" cy="251400"/>
+          </a:xfrm>
+          <a:prstGeom prst="rect">
+            <a:avLst/>
+          </a:prstGeom>
+          <a:solidFill>
+            <a:srgbClr val="C3FFFC"/>
+          </a:solidFill>
+          <a:ln>
+            <a:noFill/>
+          </a:ln>
+        </p:spPr>
+        <p:txBody>
+          <a:bodyPr spcFirstLastPara="1" wrap="square" lIns="91425" tIns="91425" rIns="91425" bIns="91425" anchor="ctr" anchorCtr="0">
+            <a:noAutofit/>
+          </a:bodyPr>
+          <a:lstStyle/>
+          <a:p>
+            <a:pPr marL="0" lvl="0" indent="0" algn="l" rtl="0">
+              <a:spcBef>
+                <a:spcPts val="0"/>
+              </a:spcBef>
+              <a:spcAft>
+                <a:spcPts val="0"/>
+              </a:spcAft>
+              <a:buNone/>
+            </a:pPr>
+            <a:endParaRPr dirty="0"/>
+          </a:p>
+        </p:txBody>
+      </p:sp>
+      <p:sp>
+        <p:nvSpPr>
+          <p:cNvPr id="3" name="Google Shape;69;p3">
+            <a:extLst>
+              <a:ext uri="{FF2B5EF4-FFF2-40B4-BE49-F238E27FC236}">
+                <a16:creationId xmlns:a16="http://schemas.microsoft.com/office/drawing/2014/main" id="{76E9278C-7EA3-4D2F-4E84-80419072994F}"/>
+              </a:ext>
+            </a:extLst>
+          </p:cNvPr>
+          <p:cNvSpPr/>
+          <p:nvPr/>
+        </p:nvSpPr>
+        <p:spPr>
+          <a:xfrm>
+            <a:off x="311700" y="3696985"/>
+            <a:ext cx="8686385" cy="997779"/>
+          </a:xfrm>
+          <a:prstGeom prst="rect">
+            <a:avLst/>
+          </a:prstGeom>
+          <a:solidFill>
+            <a:schemeClr val="accent3">
+              <a:lumMod val="20000"/>
+              <a:lumOff val="80000"/>
+            </a:schemeClr>
+          </a:solidFill>
+          <a:ln>
+            <a:noFill/>
+          </a:ln>
+        </p:spPr>
+        <p:txBody>
+          <a:bodyPr spcFirstLastPara="1" wrap="square" lIns="91425" tIns="45700" rIns="91425" bIns="45700" anchor="ctr" anchorCtr="0">
+            <a:noAutofit/>
+          </a:bodyPr>
+          <a:lstStyle/>
+          <a:p>
+            <a:pPr marL="0" marR="0" lvl="0" indent="0" algn="ctr" rtl="0">
+              <a:lnSpc>
+                <a:spcPct val="100000"/>
+              </a:lnSpc>
+              <a:spcBef>
+                <a:spcPts val="0"/>
+              </a:spcBef>
+              <a:spcAft>
+                <a:spcPts val="0"/>
+              </a:spcAft>
+              <a:buClr>
+                <a:srgbClr val="000000"/>
+              </a:buClr>
+              <a:buSzPts val="1400"/>
+              <a:buFont typeface="Arial"/>
+              <a:buNone/>
+            </a:pPr>
+            <a:endParaRPr sz="1400" b="0" i="0" u="none" strike="noStrike" cap="none">
+              <a:solidFill>
+                <a:schemeClr val="lt1"/>
+              </a:solidFill>
+              <a:latin typeface="Arial"/>
+              <a:ea typeface="Arial"/>
+              <a:cs typeface="Arial"/>
+              <a:sym typeface="Arial"/>
+            </a:endParaRPr>
+          </a:p>
+        </p:txBody>
+      </p:sp>
+      <p:sp>
+        <p:nvSpPr>
+          <p:cNvPr id="4" name="Google Shape;73;p3">
+            <a:extLst>
+              <a:ext uri="{FF2B5EF4-FFF2-40B4-BE49-F238E27FC236}">
+                <a16:creationId xmlns:a16="http://schemas.microsoft.com/office/drawing/2014/main" id="{35334BC7-7CE9-9006-FA04-F168399E6CE1}"/>
+              </a:ext>
+            </a:extLst>
+          </p:cNvPr>
+          <p:cNvSpPr txBox="1">
+            <a:spLocks/>
+          </p:cNvSpPr>
+          <p:nvPr/>
+        </p:nvSpPr>
+        <p:spPr>
+          <a:xfrm>
+            <a:off x="539752" y="3696985"/>
+            <a:ext cx="8458333" cy="870190"/>
           </a:xfrm>
           <a:prstGeom prst="rect">
             <a:avLst/>
@@ -23314,27 +24462,519 @@
           <a:bodyPr spcFirstLastPara="1" wrap="square" lIns="91425" tIns="91425" rIns="91425" bIns="91425" anchor="t" anchorCtr="0">
             <a:noAutofit/>
           </a:bodyPr>
+          <a:lstStyle>
+            <a:defPPr marR="0" lvl="0" algn="l" rtl="0">
+              <a:lnSpc>
+                <a:spcPct val="100000"/>
+              </a:lnSpc>
+              <a:spcBef>
+                <a:spcPts val="0"/>
+              </a:spcBef>
+              <a:spcAft>
+                <a:spcPts val="0"/>
+              </a:spcAft>
+            </a:defPPr>
+            <a:lvl1pPr marL="457200" marR="0" lvl="0" indent="-342900" algn="l" rtl="0">
+              <a:lnSpc>
+                <a:spcPct val="115000"/>
+              </a:lnSpc>
+              <a:spcBef>
+                <a:spcPts val="0"/>
+              </a:spcBef>
+              <a:spcAft>
+                <a:spcPts val="0"/>
+              </a:spcAft>
+              <a:buClr>
+                <a:schemeClr val="dk2"/>
+              </a:buClr>
+              <a:buSzPts val="1800"/>
+              <a:buFont typeface="Arial"/>
+              <a:buChar char="●"/>
+              <a:defRPr sz="1800" b="0" i="0" u="none" strike="noStrike" cap="none">
+                <a:solidFill>
+                  <a:schemeClr val="dk2"/>
+                </a:solidFill>
+                <a:latin typeface="Arial"/>
+                <a:ea typeface="Arial"/>
+                <a:cs typeface="Arial"/>
+                <a:sym typeface="Arial"/>
+              </a:defRPr>
+            </a:lvl1pPr>
+            <a:lvl2pPr marL="914400" marR="0" lvl="1" indent="-317500" algn="l" rtl="0">
+              <a:lnSpc>
+                <a:spcPct val="115000"/>
+              </a:lnSpc>
+              <a:spcBef>
+                <a:spcPts val="1600"/>
+              </a:spcBef>
+              <a:spcAft>
+                <a:spcPts val="0"/>
+              </a:spcAft>
+              <a:buClr>
+                <a:schemeClr val="dk2"/>
+              </a:buClr>
+              <a:buSzPts val="1400"/>
+              <a:buFont typeface="Arial"/>
+              <a:buChar char="○"/>
+              <a:defRPr sz="1400" b="0" i="0" u="none" strike="noStrike" cap="none">
+                <a:solidFill>
+                  <a:schemeClr val="dk2"/>
+                </a:solidFill>
+                <a:latin typeface="Arial"/>
+                <a:ea typeface="Arial"/>
+                <a:cs typeface="Arial"/>
+                <a:sym typeface="Arial"/>
+              </a:defRPr>
+            </a:lvl2pPr>
+            <a:lvl3pPr marL="1371600" marR="0" lvl="2" indent="-317500" algn="l" rtl="0">
+              <a:lnSpc>
+                <a:spcPct val="115000"/>
+              </a:lnSpc>
+              <a:spcBef>
+                <a:spcPts val="1600"/>
+              </a:spcBef>
+              <a:spcAft>
+                <a:spcPts val="0"/>
+              </a:spcAft>
+              <a:buClr>
+                <a:schemeClr val="dk2"/>
+              </a:buClr>
+              <a:buSzPts val="1400"/>
+              <a:buFont typeface="Arial"/>
+              <a:buChar char="■"/>
+              <a:defRPr sz="1400" b="0" i="0" u="none" strike="noStrike" cap="none">
+                <a:solidFill>
+                  <a:schemeClr val="dk2"/>
+                </a:solidFill>
+                <a:latin typeface="Arial"/>
+                <a:ea typeface="Arial"/>
+                <a:cs typeface="Arial"/>
+                <a:sym typeface="Arial"/>
+              </a:defRPr>
+            </a:lvl3pPr>
+            <a:lvl4pPr marL="1828800" marR="0" lvl="3" indent="-317500" algn="l" rtl="0">
+              <a:lnSpc>
+                <a:spcPct val="115000"/>
+              </a:lnSpc>
+              <a:spcBef>
+                <a:spcPts val="1600"/>
+              </a:spcBef>
+              <a:spcAft>
+                <a:spcPts val="0"/>
+              </a:spcAft>
+              <a:buClr>
+                <a:schemeClr val="dk2"/>
+              </a:buClr>
+              <a:buSzPts val="1400"/>
+              <a:buFont typeface="Arial"/>
+              <a:buChar char="●"/>
+              <a:defRPr sz="1400" b="0" i="0" u="none" strike="noStrike" cap="none">
+                <a:solidFill>
+                  <a:schemeClr val="dk2"/>
+                </a:solidFill>
+                <a:latin typeface="Arial"/>
+                <a:ea typeface="Arial"/>
+                <a:cs typeface="Arial"/>
+                <a:sym typeface="Arial"/>
+              </a:defRPr>
+            </a:lvl4pPr>
+            <a:lvl5pPr marL="2286000" marR="0" lvl="4" indent="-317500" algn="l" rtl="0">
+              <a:lnSpc>
+                <a:spcPct val="115000"/>
+              </a:lnSpc>
+              <a:spcBef>
+                <a:spcPts val="1600"/>
+              </a:spcBef>
+              <a:spcAft>
+                <a:spcPts val="0"/>
+              </a:spcAft>
+              <a:buClr>
+                <a:schemeClr val="dk2"/>
+              </a:buClr>
+              <a:buSzPts val="1400"/>
+              <a:buFont typeface="Arial"/>
+              <a:buChar char="○"/>
+              <a:defRPr sz="1400" b="0" i="0" u="none" strike="noStrike" cap="none">
+                <a:solidFill>
+                  <a:schemeClr val="dk2"/>
+                </a:solidFill>
+                <a:latin typeface="Arial"/>
+                <a:ea typeface="Arial"/>
+                <a:cs typeface="Arial"/>
+                <a:sym typeface="Arial"/>
+              </a:defRPr>
+            </a:lvl5pPr>
+            <a:lvl6pPr marL="2743200" marR="0" lvl="5" indent="-317500" algn="l" rtl="0">
+              <a:lnSpc>
+                <a:spcPct val="115000"/>
+              </a:lnSpc>
+              <a:spcBef>
+                <a:spcPts val="1600"/>
+              </a:spcBef>
+              <a:spcAft>
+                <a:spcPts val="0"/>
+              </a:spcAft>
+              <a:buClr>
+                <a:schemeClr val="dk2"/>
+              </a:buClr>
+              <a:buSzPts val="1400"/>
+              <a:buFont typeface="Arial"/>
+              <a:buChar char="■"/>
+              <a:defRPr sz="1400" b="0" i="0" u="none" strike="noStrike" cap="none">
+                <a:solidFill>
+                  <a:schemeClr val="dk2"/>
+                </a:solidFill>
+                <a:latin typeface="Arial"/>
+                <a:ea typeface="Arial"/>
+                <a:cs typeface="Arial"/>
+                <a:sym typeface="Arial"/>
+              </a:defRPr>
+            </a:lvl6pPr>
+            <a:lvl7pPr marL="3200400" marR="0" lvl="6" indent="-317500" algn="l" rtl="0">
+              <a:lnSpc>
+                <a:spcPct val="115000"/>
+              </a:lnSpc>
+              <a:spcBef>
+                <a:spcPts val="1600"/>
+              </a:spcBef>
+              <a:spcAft>
+                <a:spcPts val="0"/>
+              </a:spcAft>
+              <a:buClr>
+                <a:schemeClr val="dk2"/>
+              </a:buClr>
+              <a:buSzPts val="1400"/>
+              <a:buFont typeface="Arial"/>
+              <a:buChar char="●"/>
+              <a:defRPr sz="1400" b="0" i="0" u="none" strike="noStrike" cap="none">
+                <a:solidFill>
+                  <a:schemeClr val="dk2"/>
+                </a:solidFill>
+                <a:latin typeface="Arial"/>
+                <a:ea typeface="Arial"/>
+                <a:cs typeface="Arial"/>
+                <a:sym typeface="Arial"/>
+              </a:defRPr>
+            </a:lvl7pPr>
+            <a:lvl8pPr marL="3657600" marR="0" lvl="7" indent="-317500" algn="l" rtl="0">
+              <a:lnSpc>
+                <a:spcPct val="115000"/>
+              </a:lnSpc>
+              <a:spcBef>
+                <a:spcPts val="1600"/>
+              </a:spcBef>
+              <a:spcAft>
+                <a:spcPts val="0"/>
+              </a:spcAft>
+              <a:buClr>
+                <a:schemeClr val="dk2"/>
+              </a:buClr>
+              <a:buSzPts val="1400"/>
+              <a:buFont typeface="Arial"/>
+              <a:buChar char="○"/>
+              <a:defRPr sz="1400" b="0" i="0" u="none" strike="noStrike" cap="none">
+                <a:solidFill>
+                  <a:schemeClr val="dk2"/>
+                </a:solidFill>
+                <a:latin typeface="Arial"/>
+                <a:ea typeface="Arial"/>
+                <a:cs typeface="Arial"/>
+                <a:sym typeface="Arial"/>
+              </a:defRPr>
+            </a:lvl8pPr>
+            <a:lvl9pPr marL="4114800" marR="0" lvl="8" indent="-317500" algn="l" rtl="0">
+              <a:lnSpc>
+                <a:spcPct val="115000"/>
+              </a:lnSpc>
+              <a:spcBef>
+                <a:spcPts val="1600"/>
+              </a:spcBef>
+              <a:spcAft>
+                <a:spcPts val="1600"/>
+              </a:spcAft>
+              <a:buClr>
+                <a:schemeClr val="dk2"/>
+              </a:buClr>
+              <a:buSzPts val="1400"/>
+              <a:buFont typeface="Arial"/>
+              <a:buChar char="■"/>
+              <a:defRPr sz="1400" b="0" i="0" u="none" strike="noStrike" cap="none">
+                <a:solidFill>
+                  <a:schemeClr val="dk2"/>
+                </a:solidFill>
+                <a:latin typeface="Arial"/>
+                <a:ea typeface="Arial"/>
+                <a:cs typeface="Arial"/>
+                <a:sym typeface="Arial"/>
+              </a:defRPr>
+            </a:lvl9pPr>
+          </a:lstStyle>
+          <a:p>
+            <a:pPr marL="114300" indent="0">
+              <a:buSzPct val="100000"/>
+              <a:buNone/>
+            </a:pPr>
+            <a:r>
+              <a:rPr lang="fr-FR" sz="1000" b="1" dirty="0"/>
+              <a:t>Analyse : </a:t>
+            </a:r>
+            <a:endParaRPr lang="fr-FR" sz="1000" dirty="0"/>
+          </a:p>
+          <a:p>
+            <a:pPr>
+              <a:buSzPct val="100000"/>
+            </a:pPr>
+            <a:r>
+              <a:rPr lang="fr-FR" sz="1000" b="1" dirty="0"/>
+              <a:t>Distribution : </a:t>
+            </a:r>
+            <a:r>
+              <a:rPr lang="fr-FR" sz="1000" dirty="0"/>
+              <a:t>Les prix sont concentrés autour de 100 à 150 dollars/jour</a:t>
+            </a:r>
+          </a:p>
+          <a:p>
+            <a:pPr>
+              <a:buSzPct val="100000"/>
+            </a:pPr>
+            <a:r>
+              <a:rPr lang="fr-FR" sz="1000" b="1" dirty="0"/>
+              <a:t>Effet kilométrage net</a:t>
+            </a:r>
+            <a:r>
+              <a:rPr lang="fr-FR" sz="1000" dirty="0"/>
+              <a:t> : plus le véhicule est kilométré, plus le </a:t>
+            </a:r>
+            <a:r>
+              <a:rPr lang="fr-FR" sz="1000" b="1" dirty="0"/>
+              <a:t>prix journalier diminue</a:t>
+            </a:r>
+            <a:r>
+              <a:rPr lang="fr-FR" sz="1000" dirty="0"/>
+              <a:t> </a:t>
+            </a:r>
+          </a:p>
+          <a:p>
+            <a:pPr>
+              <a:buSzPct val="100000"/>
+            </a:pPr>
+            <a:r>
+              <a:rPr lang="fr-FR" sz="1000" b="1" dirty="0"/>
+              <a:t>Puissance moteur = prix en hausse </a:t>
+            </a:r>
+            <a:r>
+              <a:rPr lang="fr-FR" sz="1000" dirty="0"/>
+              <a:t>: tendance positive entre </a:t>
+            </a:r>
+            <a:r>
+              <a:rPr lang="fr-FR" sz="1000" dirty="0" err="1"/>
+              <a:t>engine_power</a:t>
+            </a:r>
+            <a:r>
+              <a:rPr lang="fr-FR" sz="1000" dirty="0"/>
+              <a:t> et prix (quelques </a:t>
+            </a:r>
+            <a:r>
+              <a:rPr lang="fr-FR" sz="1000" dirty="0" err="1"/>
+              <a:t>outliers</a:t>
+            </a:r>
+            <a:r>
+              <a:rPr lang="fr-FR" sz="1000" dirty="0"/>
+              <a:t> haut de gamme)</a:t>
+            </a:r>
+          </a:p>
+        </p:txBody>
+      </p:sp>
+      <p:pic>
+        <p:nvPicPr>
+          <p:cNvPr id="5" name="Image 4" descr="Une image contenant texte, capture d’écran, diagramme, Tracé&#10;&#10;Le contenu généré par l’IA peut être incorrect.">
+            <a:extLst>
+              <a:ext uri="{FF2B5EF4-FFF2-40B4-BE49-F238E27FC236}">
+                <a16:creationId xmlns:a16="http://schemas.microsoft.com/office/drawing/2014/main" id="{4EB7F8CD-546E-CADC-8391-0D9C99C54CDD}"/>
+              </a:ext>
+            </a:extLst>
+          </p:cNvPr>
+          <p:cNvPicPr>
+            <a:picLocks noChangeAspect="1"/>
+          </p:cNvPicPr>
+          <p:nvPr/>
+        </p:nvPicPr>
+        <p:blipFill>
+          <a:blip r:embed="rId4"/>
+          <a:srcRect r="6281"/>
+          <a:stretch>
+            <a:fillRect/>
+          </a:stretch>
+        </p:blipFill>
+        <p:spPr>
+          <a:xfrm>
+            <a:off x="311700" y="1155588"/>
+            <a:ext cx="3360077" cy="2322218"/>
+          </a:xfrm>
+          <a:prstGeom prst="rect">
+            <a:avLst/>
+          </a:prstGeom>
+          <a:ln>
+            <a:solidFill>
+              <a:schemeClr val="bg1">
+                <a:lumMod val="85000"/>
+              </a:schemeClr>
+            </a:solidFill>
+          </a:ln>
+        </p:spPr>
+      </p:pic>
+      <p:pic>
+        <p:nvPicPr>
+          <p:cNvPr id="7" name="Image 6" descr="Une image contenant texte, capture d’écran, diagramme, Tracé&#10;&#10;Le contenu généré par l’IA peut être incorrect.">
+            <a:extLst>
+              <a:ext uri="{FF2B5EF4-FFF2-40B4-BE49-F238E27FC236}">
+                <a16:creationId xmlns:a16="http://schemas.microsoft.com/office/drawing/2014/main" id="{557275E3-16F4-A0C6-D032-B9431F2D2C82}"/>
+              </a:ext>
+            </a:extLst>
+          </p:cNvPr>
+          <p:cNvPicPr>
+            <a:picLocks noChangeAspect="1"/>
+          </p:cNvPicPr>
+          <p:nvPr/>
+        </p:nvPicPr>
+        <p:blipFill>
+          <a:blip r:embed="rId5"/>
+          <a:stretch>
+            <a:fillRect/>
+          </a:stretch>
+        </p:blipFill>
+        <p:spPr>
+          <a:xfrm>
+            <a:off x="3732534" y="1164359"/>
+            <a:ext cx="2642911" cy="1639514"/>
+          </a:xfrm>
+          <a:prstGeom prst="rect">
+            <a:avLst/>
+          </a:prstGeom>
+          <a:ln>
+            <a:solidFill>
+              <a:schemeClr val="bg1">
+                <a:lumMod val="85000"/>
+              </a:schemeClr>
+            </a:solidFill>
+          </a:ln>
+        </p:spPr>
+      </p:pic>
+      <p:pic>
+        <p:nvPicPr>
+          <p:cNvPr id="11" name="Image 10" descr="Une image contenant texte, capture d’écran, Tracé, Police&#10;&#10;Le contenu généré par l’IA peut être incorrect.">
+            <a:extLst>
+              <a:ext uri="{FF2B5EF4-FFF2-40B4-BE49-F238E27FC236}">
+                <a16:creationId xmlns:a16="http://schemas.microsoft.com/office/drawing/2014/main" id="{5C45AD1C-D185-F954-A183-6A9B1E7EC213}"/>
+              </a:ext>
+            </a:extLst>
+          </p:cNvPr>
+          <p:cNvPicPr>
+            <a:picLocks noChangeAspect="1"/>
+          </p:cNvPicPr>
+          <p:nvPr/>
+        </p:nvPicPr>
+        <p:blipFill>
+          <a:blip r:embed="rId6"/>
+          <a:stretch>
+            <a:fillRect/>
+          </a:stretch>
+        </p:blipFill>
+        <p:spPr>
+          <a:xfrm>
+            <a:off x="6436202" y="1164359"/>
+            <a:ext cx="2477327" cy="1639514"/>
+          </a:xfrm>
+          <a:prstGeom prst="rect">
+            <a:avLst/>
+          </a:prstGeom>
+          <a:ln>
+            <a:solidFill>
+              <a:schemeClr val="bg1">
+                <a:lumMod val="85000"/>
+              </a:schemeClr>
+            </a:solidFill>
+          </a:ln>
+        </p:spPr>
+      </p:pic>
+    </p:spTree>
+    <p:extLst>
+      <p:ext uri="{BB962C8B-B14F-4D97-AF65-F5344CB8AC3E}">
+        <p14:creationId xmlns:p14="http://schemas.microsoft.com/office/powerpoint/2010/main" val="1145705647"/>
+      </p:ext>
+    </p:extLst>
+  </p:cSld>
+  <p:clrMapOvr>
+    <a:masterClrMapping/>
+  </p:clrMapOvr>
+</p:sld>
+</file>
+
+<file path=ppt/slides/slide8.xml><?xml version="1.0" encoding="utf-8"?>
+<p:sld xmlns:a="http://schemas.openxmlformats.org/drawingml/2006/main" xmlns:r="http://schemas.openxmlformats.org/officeDocument/2006/relationships" xmlns:p="http://schemas.openxmlformats.org/presentationml/2006/main">
+  <p:cSld>
+    <p:spTree>
+      <p:nvGrpSpPr>
+        <p:cNvPr id="1" name="Shape 67">
+          <a:extLst>
+            <a:ext uri="{FF2B5EF4-FFF2-40B4-BE49-F238E27FC236}">
+              <a16:creationId xmlns:a16="http://schemas.microsoft.com/office/drawing/2014/main" id="{D6B0FEED-70FB-9D49-B818-46F9A3EA91F5}"/>
+            </a:ext>
+          </a:extLst>
+        </p:cNvPr>
+        <p:cNvGrpSpPr/>
+        <p:nvPr/>
+      </p:nvGrpSpPr>
+      <p:grpSpPr>
+        <a:xfrm>
+          <a:off x="0" y="0"/>
+          <a:ext cx="0" cy="0"/>
+          <a:chOff x="0" y="0"/>
+          <a:chExt cx="0" cy="0"/>
+        </a:xfrm>
+      </p:grpSpPr>
+      <p:sp>
+        <p:nvSpPr>
+          <p:cNvPr id="68" name="Google Shape;68;p15">
+            <a:extLst>
+              <a:ext uri="{FF2B5EF4-FFF2-40B4-BE49-F238E27FC236}">
+                <a16:creationId xmlns:a16="http://schemas.microsoft.com/office/drawing/2014/main" id="{C8E59089-9931-0EEA-4167-03A5C67E7DA0}"/>
+              </a:ext>
+            </a:extLst>
+          </p:cNvPr>
+          <p:cNvSpPr txBox="1">
+            <a:spLocks noGrp="1"/>
+          </p:cNvSpPr>
+          <p:nvPr>
+            <p:ph type="ctrTitle" idx="4294967295"/>
+          </p:nvPr>
+        </p:nvSpPr>
+        <p:spPr>
+          <a:xfrm>
+            <a:off x="1192664" y="403309"/>
+            <a:ext cx="5315100" cy="533100"/>
+          </a:xfrm>
+          <a:prstGeom prst="rect">
+            <a:avLst/>
+          </a:prstGeom>
+        </p:spPr>
+        <p:txBody>
+          <a:bodyPr spcFirstLastPara="1" wrap="square" lIns="91425" tIns="91425" rIns="91425" bIns="91425" anchor="t" anchorCtr="0">
+            <a:noAutofit/>
+          </a:bodyPr>
           <a:lstStyle/>
           <a:p>
-            <a:pPr marL="0" marR="0" lvl="0" indent="0" algn="l" rtl="0">
-              <a:lnSpc>
-                <a:spcPct val="100000"/>
-              </a:lnSpc>
-              <a:spcBef>
-                <a:spcPts val="0"/>
-              </a:spcBef>
-              <a:spcAft>
-                <a:spcPts val="0"/>
-              </a:spcAft>
-              <a:buClr>
-                <a:schemeClr val="dk1"/>
-              </a:buClr>
-              <a:buSzPts val="2800"/>
-              <a:buFont typeface="Arial"/>
+            <a:pPr marL="0" lvl="0" indent="0" algn="l" rtl="0">
+              <a:spcBef>
+                <a:spcPts val="0"/>
+              </a:spcBef>
+              <a:spcAft>
+                <a:spcPts val="0"/>
+              </a:spcAft>
               <a:buNone/>
             </a:pPr>
             <a:r>
-              <a:rPr lang="fr" sz="3600" dirty="0">
+              <a:rPr lang="fr-FR" sz="2500" dirty="0">
                 <a:solidFill>
                   <a:srgbClr val="0E3449"/>
                 </a:solidFill>
@@ -23343,10 +24983,10 @@
                 <a:cs typeface="Inter SemiBold"/>
                 <a:sym typeface="Inter SemiBold"/>
               </a:rPr>
-              <a:t>Merci pour votre attention</a:t>
+              <a:t>API </a:t>
             </a:r>
-            <a:br>
-              <a:rPr lang="fr" sz="3600" dirty="0">
+            <a:r>
+              <a:rPr lang="fr-FR" sz="1400" dirty="0">
                 <a:solidFill>
                   <a:srgbClr val="0E3449"/>
                 </a:solidFill>
@@ -23355,9 +24995,10 @@
                 <a:cs typeface="Inter SemiBold"/>
                 <a:sym typeface="Inter SemiBold"/>
               </a:rPr>
-            </a:br>
+              <a:t>via </a:t>
+            </a:r>
             <a:r>
-              <a:rPr lang="fr" sz="3600" dirty="0">
+              <a:rPr lang="fr-FR" sz="1400" dirty="0" err="1">
                 <a:solidFill>
                   <a:srgbClr val="0E3449"/>
                 </a:solidFill>
@@ -23366,21 +25007,9 @@
                 <a:cs typeface="Inter SemiBold"/>
                 <a:sym typeface="Inter SemiBold"/>
               </a:rPr>
-              <a:t>Des</a:t>
+              <a:t>endpoint</a:t>
             </a:r>
-            <a:r>
-              <a:rPr lang="fr" sz="3600" b="0" i="0" u="none" strike="noStrike" cap="none" dirty="0">
-                <a:solidFill>
-                  <a:srgbClr val="0E3449"/>
-                </a:solidFill>
-                <a:latin typeface="Inter SemiBold"/>
-                <a:ea typeface="Inter SemiBold"/>
-                <a:cs typeface="Inter SemiBold"/>
-                <a:sym typeface="Inter SemiBold"/>
-              </a:rPr>
-              <a:t> questions ?</a:t>
-            </a:r>
-            <a:endParaRPr sz="3600" b="0" i="0" u="none" strike="noStrike" cap="none" dirty="0">
+            <a:endParaRPr sz="2500" dirty="0">
               <a:solidFill>
                 <a:srgbClr val="0E3449"/>
               </a:solidFill>
@@ -23394,21 +25023,28 @@
       </p:sp>
       <p:pic>
         <p:nvPicPr>
-          <p:cNvPr id="188" name="Google Shape;188;p9"/>
+          <p:cNvPr id="75" name="Google Shape;75;p15">
+            <a:extLst>
+              <a:ext uri="{FF2B5EF4-FFF2-40B4-BE49-F238E27FC236}">
+                <a16:creationId xmlns:a16="http://schemas.microsoft.com/office/drawing/2014/main" id="{D85B455A-F9E2-AFD7-EF5F-87111209137D}"/>
+              </a:ext>
+            </a:extLst>
+          </p:cNvPr>
           <p:cNvPicPr preferRelativeResize="0"/>
           <p:nvPr/>
         </p:nvPicPr>
-        <p:blipFill rotWithShape="1">
+        <p:blipFill>
           <a:blip r:embed="rId3">
             <a:alphaModFix/>
           </a:blip>
-          <a:srcRect/>
-          <a:stretch/>
+          <a:stretch>
+            <a:fillRect/>
+          </a:stretch>
         </p:blipFill>
         <p:spPr>
           <a:xfrm>
-            <a:off x="3918625" y="3006625"/>
-            <a:ext cx="4599299" cy="2136876"/>
+            <a:off x="463375" y="482852"/>
+            <a:ext cx="576900" cy="385904"/>
           </a:xfrm>
           <a:prstGeom prst="rect">
             <a:avLst/>
@@ -23419,23 +25055,411 @@
           </a:ln>
         </p:spPr>
       </p:pic>
+      <p:sp>
+        <p:nvSpPr>
+          <p:cNvPr id="76" name="Google Shape;76;p15">
+            <a:extLst>
+              <a:ext uri="{FF2B5EF4-FFF2-40B4-BE49-F238E27FC236}">
+                <a16:creationId xmlns:a16="http://schemas.microsoft.com/office/drawing/2014/main" id="{B9AE9057-A49A-9782-F0A9-5D599D551317}"/>
+              </a:ext>
+            </a:extLst>
+          </p:cNvPr>
+          <p:cNvSpPr/>
+          <p:nvPr/>
+        </p:nvSpPr>
+        <p:spPr>
+          <a:xfrm>
+            <a:off x="10225" y="4892025"/>
+            <a:ext cx="9144000" cy="251400"/>
+          </a:xfrm>
+          <a:prstGeom prst="rect">
+            <a:avLst/>
+          </a:prstGeom>
+          <a:solidFill>
+            <a:srgbClr val="C3FFFC"/>
+          </a:solidFill>
+          <a:ln>
+            <a:noFill/>
+          </a:ln>
+        </p:spPr>
+        <p:txBody>
+          <a:bodyPr spcFirstLastPara="1" wrap="square" lIns="91425" tIns="91425" rIns="91425" bIns="91425" anchor="ctr" anchorCtr="0">
+            <a:noAutofit/>
+          </a:bodyPr>
+          <a:lstStyle/>
+          <a:p>
+            <a:pPr marL="0" lvl="0" indent="0" algn="l" rtl="0">
+              <a:spcBef>
+                <a:spcPts val="0"/>
+              </a:spcBef>
+              <a:spcAft>
+                <a:spcPts val="0"/>
+              </a:spcAft>
+              <a:buNone/>
+            </a:pPr>
+            <a:endParaRPr dirty="0"/>
+          </a:p>
+        </p:txBody>
+      </p:sp>
       <p:pic>
         <p:nvPicPr>
-          <p:cNvPr id="189" name="Google Shape;189;p9"/>
+          <p:cNvPr id="7" name="Image 6" descr="Une image contenant texte, logiciel, Logiciel multimédia, Page web&#10;&#10;Le contenu généré par l’IA peut être incorrect.">
+            <a:extLst>
+              <a:ext uri="{FF2B5EF4-FFF2-40B4-BE49-F238E27FC236}">
+                <a16:creationId xmlns:a16="http://schemas.microsoft.com/office/drawing/2014/main" id="{7E637A6D-C0E5-AC45-E631-3BF952354540}"/>
+              </a:ext>
+            </a:extLst>
+          </p:cNvPr>
+          <p:cNvPicPr>
+            <a:picLocks noChangeAspect="1"/>
+          </p:cNvPicPr>
+          <p:nvPr/>
+        </p:nvPicPr>
+        <p:blipFill>
+          <a:blip r:embed="rId4"/>
+          <a:stretch>
+            <a:fillRect/>
+          </a:stretch>
+        </p:blipFill>
+        <p:spPr>
+          <a:xfrm>
+            <a:off x="1270609" y="2657085"/>
+            <a:ext cx="6623232" cy="2184898"/>
+          </a:xfrm>
+          <a:prstGeom prst="rect">
+            <a:avLst/>
+          </a:prstGeom>
+          <a:ln>
+            <a:solidFill>
+              <a:schemeClr val="bg1">
+                <a:lumMod val="85000"/>
+              </a:schemeClr>
+            </a:solidFill>
+          </a:ln>
+        </p:spPr>
+      </p:pic>
+      <p:pic>
+        <p:nvPicPr>
+          <p:cNvPr id="9" name="Image 8" descr="Une image contenant texte, Police, ligne, nombre&#10;&#10;Le contenu généré par l’IA peut être incorrect.">
+            <a:extLst>
+              <a:ext uri="{FF2B5EF4-FFF2-40B4-BE49-F238E27FC236}">
+                <a16:creationId xmlns:a16="http://schemas.microsoft.com/office/drawing/2014/main" id="{1A0AB63B-555A-7D1A-20F0-9FCD1055C02B}"/>
+              </a:ext>
+            </a:extLst>
+          </p:cNvPr>
+          <p:cNvPicPr>
+            <a:picLocks noChangeAspect="1"/>
+          </p:cNvPicPr>
+          <p:nvPr/>
+        </p:nvPicPr>
+        <p:blipFill>
+          <a:blip r:embed="rId5"/>
+          <a:stretch>
+            <a:fillRect/>
+          </a:stretch>
+        </p:blipFill>
+        <p:spPr>
+          <a:xfrm>
+            <a:off x="1270609" y="904050"/>
+            <a:ext cx="5968410" cy="1667700"/>
+          </a:xfrm>
+          <a:prstGeom prst="rect">
+            <a:avLst/>
+          </a:prstGeom>
+          <a:ln>
+            <a:solidFill>
+              <a:schemeClr val="bg1">
+                <a:lumMod val="85000"/>
+              </a:schemeClr>
+            </a:solidFill>
+          </a:ln>
+        </p:spPr>
+      </p:pic>
+      <p:sp>
+        <p:nvSpPr>
+          <p:cNvPr id="10" name="Rectangle : coins arrondis 9">
+            <a:extLst>
+              <a:ext uri="{FF2B5EF4-FFF2-40B4-BE49-F238E27FC236}">
+                <a16:creationId xmlns:a16="http://schemas.microsoft.com/office/drawing/2014/main" id="{23E6AFAA-9BC1-0914-791C-D884B954631B}"/>
+              </a:ext>
+            </a:extLst>
+          </p:cNvPr>
+          <p:cNvSpPr/>
+          <p:nvPr/>
+        </p:nvSpPr>
+        <p:spPr>
+          <a:xfrm>
+            <a:off x="7733615" y="270191"/>
+            <a:ext cx="1098685" cy="333041"/>
+          </a:xfrm>
+          <a:prstGeom prst="roundRect">
+            <a:avLst/>
+          </a:prstGeom>
+          <a:solidFill>
+            <a:schemeClr val="bg1">
+              <a:lumMod val="95000"/>
+            </a:schemeClr>
+          </a:solidFill>
+          <a:ln>
+            <a:noFill/>
+          </a:ln>
+        </p:spPr>
+        <p:style>
+          <a:lnRef idx="2">
+            <a:schemeClr val="accent1">
+              <a:shade val="15000"/>
+            </a:schemeClr>
+          </a:lnRef>
+          <a:fillRef idx="1">
+            <a:schemeClr val="accent1"/>
+          </a:fillRef>
+          <a:effectRef idx="0">
+            <a:schemeClr val="accent1"/>
+          </a:effectRef>
+          <a:fontRef idx="minor">
+            <a:schemeClr val="lt1"/>
+          </a:fontRef>
+        </p:style>
+        <p:txBody>
+          <a:bodyPr rtlCol="0" anchor="ctr"/>
+          <a:lstStyle/>
+          <a:p>
+            <a:pPr algn="ctr"/>
+            <a:endParaRPr lang="fr-FR"/>
+          </a:p>
+        </p:txBody>
+      </p:sp>
+      <p:sp>
+        <p:nvSpPr>
+          <p:cNvPr id="11" name="ZoneTexte 10">
+            <a:extLst>
+              <a:ext uri="{FF2B5EF4-FFF2-40B4-BE49-F238E27FC236}">
+                <a16:creationId xmlns:a16="http://schemas.microsoft.com/office/drawing/2014/main" id="{1D2FD86F-6877-09B6-1686-CCBF523EB58C}"/>
+              </a:ext>
+            </a:extLst>
+          </p:cNvPr>
+          <p:cNvSpPr txBox="1"/>
+          <p:nvPr/>
+        </p:nvSpPr>
+        <p:spPr>
+          <a:xfrm>
+            <a:off x="7704792" y="313600"/>
+            <a:ext cx="1156330" cy="246221"/>
+          </a:xfrm>
+          <a:prstGeom prst="rect">
+            <a:avLst/>
+          </a:prstGeom>
+          <a:noFill/>
+        </p:spPr>
+        <p:txBody>
+          <a:bodyPr wrap="square" rtlCol="0">
+            <a:spAutoFit/>
+          </a:bodyPr>
+          <a:lstStyle/>
+          <a:p>
+            <a:pPr algn="ctr"/>
+            <a:r>
+              <a:rPr lang="fr-FR" sz="1000" dirty="0">
+                <a:hlinkClick r:id="rId6"/>
+              </a:rPr>
+              <a:t>Lien API</a:t>
+            </a:r>
+            <a:endParaRPr lang="fr-FR" sz="800" dirty="0"/>
+          </a:p>
+        </p:txBody>
+      </p:sp>
+      <p:cxnSp>
+        <p:nvCxnSpPr>
+          <p:cNvPr id="12" name="Connecteur droit avec flèche 11">
+            <a:extLst>
+              <a:ext uri="{FF2B5EF4-FFF2-40B4-BE49-F238E27FC236}">
+                <a16:creationId xmlns:a16="http://schemas.microsoft.com/office/drawing/2014/main" id="{7D0670E8-91DF-AB3D-821A-69F5771C4A09}"/>
+              </a:ext>
+            </a:extLst>
+          </p:cNvPr>
+          <p:cNvCxnSpPr>
+            <a:cxnSpLocks/>
+          </p:cNvCxnSpPr>
+          <p:nvPr/>
+        </p:nvCxnSpPr>
+        <p:spPr>
+          <a:xfrm>
+            <a:off x="7134931" y="440687"/>
+            <a:ext cx="569861" cy="0"/>
+          </a:xfrm>
+          <a:prstGeom prst="straightConnector1">
+            <a:avLst/>
+          </a:prstGeom>
+          <a:ln w="76200">
+            <a:solidFill>
+              <a:srgbClr val="FFC000"/>
+            </a:solidFill>
+            <a:tailEnd type="triangle"/>
+          </a:ln>
+        </p:spPr>
+        <p:style>
+          <a:lnRef idx="1">
+            <a:schemeClr val="accent1"/>
+          </a:lnRef>
+          <a:fillRef idx="0">
+            <a:schemeClr val="accent1"/>
+          </a:fillRef>
+          <a:effectRef idx="0">
+            <a:schemeClr val="accent1"/>
+          </a:effectRef>
+          <a:fontRef idx="minor">
+            <a:schemeClr val="tx1"/>
+          </a:fontRef>
+        </p:style>
+      </p:cxnSp>
+    </p:spTree>
+    <p:extLst>
+      <p:ext uri="{BB962C8B-B14F-4D97-AF65-F5344CB8AC3E}">
+        <p14:creationId xmlns:p14="http://schemas.microsoft.com/office/powerpoint/2010/main" val="2107912005"/>
+      </p:ext>
+    </p:extLst>
+  </p:cSld>
+  <p:clrMapOvr>
+    <a:masterClrMapping/>
+  </p:clrMapOvr>
+</p:sld>
+</file>
+
+<file path=ppt/slides/slide9.xml><?xml version="1.0" encoding="utf-8"?>
+<p:sld xmlns:a="http://schemas.openxmlformats.org/drawingml/2006/main" xmlns:r="http://schemas.openxmlformats.org/officeDocument/2006/relationships" xmlns:p="http://schemas.openxmlformats.org/presentationml/2006/main">
+  <p:cSld>
+    <p:spTree>
+      <p:nvGrpSpPr>
+        <p:cNvPr id="1" name="Shape 67">
+          <a:extLst>
+            <a:ext uri="{FF2B5EF4-FFF2-40B4-BE49-F238E27FC236}">
+              <a16:creationId xmlns:a16="http://schemas.microsoft.com/office/drawing/2014/main" id="{9841D539-7B8F-55AD-3E8F-AE11A2667928}"/>
+            </a:ext>
+          </a:extLst>
+        </p:cNvPr>
+        <p:cNvGrpSpPr/>
+        <p:nvPr/>
+      </p:nvGrpSpPr>
+      <p:grpSpPr>
+        <a:xfrm>
+          <a:off x="0" y="0"/>
+          <a:ext cx="0" cy="0"/>
+          <a:chOff x="0" y="0"/>
+          <a:chExt cx="0" cy="0"/>
+        </a:xfrm>
+      </p:grpSpPr>
+      <p:sp>
+        <p:nvSpPr>
+          <p:cNvPr id="68" name="Google Shape;68;p15">
+            <a:extLst>
+              <a:ext uri="{FF2B5EF4-FFF2-40B4-BE49-F238E27FC236}">
+                <a16:creationId xmlns:a16="http://schemas.microsoft.com/office/drawing/2014/main" id="{048C2581-5A53-DCA8-30B7-62504CD1E77F}"/>
+              </a:ext>
+            </a:extLst>
+          </p:cNvPr>
+          <p:cNvSpPr txBox="1">
+            <a:spLocks noGrp="1"/>
+          </p:cNvSpPr>
+          <p:nvPr>
+            <p:ph type="ctrTitle" idx="4294967295"/>
+          </p:nvPr>
+        </p:nvSpPr>
+        <p:spPr>
+          <a:xfrm>
+            <a:off x="1192664" y="403309"/>
+            <a:ext cx="5315100" cy="533100"/>
+          </a:xfrm>
+          <a:prstGeom prst="rect">
+            <a:avLst/>
+          </a:prstGeom>
+        </p:spPr>
+        <p:txBody>
+          <a:bodyPr spcFirstLastPara="1" wrap="square" lIns="91425" tIns="91425" rIns="91425" bIns="91425" anchor="t" anchorCtr="0">
+            <a:noAutofit/>
+          </a:bodyPr>
+          <a:lstStyle/>
+          <a:p>
+            <a:pPr marL="0" lvl="0" indent="0" algn="l" rtl="0">
+              <a:spcBef>
+                <a:spcPts val="0"/>
+              </a:spcBef>
+              <a:spcAft>
+                <a:spcPts val="0"/>
+              </a:spcAft>
+              <a:buNone/>
+            </a:pPr>
+            <a:r>
+              <a:rPr lang="fr-FR" sz="2500" dirty="0">
+                <a:solidFill>
+                  <a:srgbClr val="0E3449"/>
+                </a:solidFill>
+                <a:latin typeface="Inter SemiBold"/>
+                <a:ea typeface="Inter SemiBold"/>
+                <a:cs typeface="Inter SemiBold"/>
+                <a:sym typeface="Inter SemiBold"/>
+              </a:rPr>
+              <a:t>API </a:t>
+            </a:r>
+            <a:r>
+              <a:rPr lang="fr-FR" sz="1400" dirty="0">
+                <a:solidFill>
+                  <a:srgbClr val="0E3449"/>
+                </a:solidFill>
+                <a:latin typeface="Inter SemiBold"/>
+                <a:ea typeface="Inter SemiBold"/>
+                <a:cs typeface="Inter SemiBold"/>
+                <a:sym typeface="Inter SemiBold"/>
+              </a:rPr>
+              <a:t>via </a:t>
+            </a:r>
+            <a:r>
+              <a:rPr lang="fr-FR" sz="1400" dirty="0" err="1">
+                <a:solidFill>
+                  <a:srgbClr val="0E3449"/>
+                </a:solidFill>
+                <a:latin typeface="Inter SemiBold"/>
+                <a:ea typeface="Inter SemiBold"/>
+                <a:cs typeface="Inter SemiBold"/>
+                <a:sym typeface="Inter SemiBold"/>
+              </a:rPr>
+              <a:t>dashboard</a:t>
+            </a:r>
+            <a:endParaRPr sz="2500" dirty="0">
+              <a:solidFill>
+                <a:srgbClr val="0E3449"/>
+              </a:solidFill>
+              <a:latin typeface="Inter SemiBold"/>
+              <a:ea typeface="Inter SemiBold"/>
+              <a:cs typeface="Inter SemiBold"/>
+              <a:sym typeface="Inter SemiBold"/>
+            </a:endParaRPr>
+          </a:p>
+        </p:txBody>
+      </p:sp>
+      <p:pic>
+        <p:nvPicPr>
+          <p:cNvPr id="75" name="Google Shape;75;p15">
+            <a:extLst>
+              <a:ext uri="{FF2B5EF4-FFF2-40B4-BE49-F238E27FC236}">
+                <a16:creationId xmlns:a16="http://schemas.microsoft.com/office/drawing/2014/main" id="{2987C46F-C73B-9812-C76C-111BEF39C9BC}"/>
+              </a:ext>
+            </a:extLst>
+          </p:cNvPr>
           <p:cNvPicPr preferRelativeResize="0"/>
           <p:nvPr/>
         </p:nvPicPr>
-        <p:blipFill rotWithShape="1">
-          <a:blip r:embed="rId4">
+        <p:blipFill>
+          <a:blip r:embed="rId3">
             <a:alphaModFix/>
           </a:blip>
-          <a:srcRect/>
-          <a:stretch/>
+          <a:stretch>
+            <a:fillRect/>
+          </a:stretch>
         </p:blipFill>
         <p:spPr>
           <a:xfrm>
-            <a:off x="1232375" y="915775"/>
-            <a:ext cx="797425" cy="839825"/>
+            <a:off x="463375" y="482852"/>
+            <a:ext cx="576900" cy="385904"/>
           </a:xfrm>
           <a:prstGeom prst="rect">
             <a:avLst/>
@@ -23446,7 +25470,232 @@
           </a:ln>
         </p:spPr>
       </p:pic>
+      <p:sp>
+        <p:nvSpPr>
+          <p:cNvPr id="76" name="Google Shape;76;p15">
+            <a:extLst>
+              <a:ext uri="{FF2B5EF4-FFF2-40B4-BE49-F238E27FC236}">
+                <a16:creationId xmlns:a16="http://schemas.microsoft.com/office/drawing/2014/main" id="{382DC0B3-9137-B520-9AE6-6CEFFEF2C166}"/>
+              </a:ext>
+            </a:extLst>
+          </p:cNvPr>
+          <p:cNvSpPr/>
+          <p:nvPr/>
+        </p:nvSpPr>
+        <p:spPr>
+          <a:xfrm>
+            <a:off x="10225" y="4892025"/>
+            <a:ext cx="9144000" cy="251400"/>
+          </a:xfrm>
+          <a:prstGeom prst="rect">
+            <a:avLst/>
+          </a:prstGeom>
+          <a:solidFill>
+            <a:srgbClr val="C3FFFC"/>
+          </a:solidFill>
+          <a:ln>
+            <a:noFill/>
+          </a:ln>
+        </p:spPr>
+        <p:txBody>
+          <a:bodyPr spcFirstLastPara="1" wrap="square" lIns="91425" tIns="91425" rIns="91425" bIns="91425" anchor="ctr" anchorCtr="0">
+            <a:noAutofit/>
+          </a:bodyPr>
+          <a:lstStyle/>
+          <a:p>
+            <a:pPr marL="0" lvl="0" indent="0" algn="l" rtl="0">
+              <a:spcBef>
+                <a:spcPts val="0"/>
+              </a:spcBef>
+              <a:spcAft>
+                <a:spcPts val="0"/>
+              </a:spcAft>
+              <a:buNone/>
+            </a:pPr>
+            <a:endParaRPr dirty="0"/>
+          </a:p>
+        </p:txBody>
+      </p:sp>
+      <p:sp>
+        <p:nvSpPr>
+          <p:cNvPr id="2" name="Rectangle : coins arrondis 1">
+            <a:extLst>
+              <a:ext uri="{FF2B5EF4-FFF2-40B4-BE49-F238E27FC236}">
+                <a16:creationId xmlns:a16="http://schemas.microsoft.com/office/drawing/2014/main" id="{C3B9E2E9-8FB5-90C8-A5F4-876A7165890C}"/>
+              </a:ext>
+            </a:extLst>
+          </p:cNvPr>
+          <p:cNvSpPr/>
+          <p:nvPr/>
+        </p:nvSpPr>
+        <p:spPr>
+          <a:xfrm>
+            <a:off x="7733615" y="270191"/>
+            <a:ext cx="1098685" cy="333041"/>
+          </a:xfrm>
+          <a:prstGeom prst="roundRect">
+            <a:avLst/>
+          </a:prstGeom>
+          <a:solidFill>
+            <a:schemeClr val="bg1">
+              <a:lumMod val="95000"/>
+            </a:schemeClr>
+          </a:solidFill>
+          <a:ln>
+            <a:noFill/>
+          </a:ln>
+        </p:spPr>
+        <p:style>
+          <a:lnRef idx="2">
+            <a:schemeClr val="accent1">
+              <a:shade val="15000"/>
+            </a:schemeClr>
+          </a:lnRef>
+          <a:fillRef idx="1">
+            <a:schemeClr val="accent1"/>
+          </a:fillRef>
+          <a:effectRef idx="0">
+            <a:schemeClr val="accent1"/>
+          </a:effectRef>
+          <a:fontRef idx="minor">
+            <a:schemeClr val="lt1"/>
+          </a:fontRef>
+        </p:style>
+        <p:txBody>
+          <a:bodyPr rtlCol="0" anchor="ctr"/>
+          <a:lstStyle/>
+          <a:p>
+            <a:pPr algn="ctr"/>
+            <a:endParaRPr lang="fr-FR"/>
+          </a:p>
+        </p:txBody>
+      </p:sp>
+      <p:sp>
+        <p:nvSpPr>
+          <p:cNvPr id="3" name="ZoneTexte 2">
+            <a:extLst>
+              <a:ext uri="{FF2B5EF4-FFF2-40B4-BE49-F238E27FC236}">
+                <a16:creationId xmlns:a16="http://schemas.microsoft.com/office/drawing/2014/main" id="{B13266B3-4E2F-7172-0117-748141B391BF}"/>
+              </a:ext>
+            </a:extLst>
+          </p:cNvPr>
+          <p:cNvSpPr txBox="1"/>
+          <p:nvPr/>
+        </p:nvSpPr>
+        <p:spPr>
+          <a:xfrm>
+            <a:off x="7704792" y="313600"/>
+            <a:ext cx="1156330" cy="246221"/>
+          </a:xfrm>
+          <a:prstGeom prst="rect">
+            <a:avLst/>
+          </a:prstGeom>
+          <a:noFill/>
+        </p:spPr>
+        <p:txBody>
+          <a:bodyPr wrap="square" rtlCol="0">
+            <a:spAutoFit/>
+          </a:bodyPr>
+          <a:lstStyle/>
+          <a:p>
+            <a:pPr algn="ctr"/>
+            <a:r>
+              <a:rPr lang="fr-FR" sz="1000" dirty="0">
+                <a:hlinkClick r:id="rId4"/>
+              </a:rPr>
+              <a:t>Lien Dashboard</a:t>
+            </a:r>
+            <a:endParaRPr lang="fr-FR" sz="800" dirty="0"/>
+          </a:p>
+        </p:txBody>
+      </p:sp>
+      <p:cxnSp>
+        <p:nvCxnSpPr>
+          <p:cNvPr id="4" name="Connecteur droit avec flèche 3">
+            <a:extLst>
+              <a:ext uri="{FF2B5EF4-FFF2-40B4-BE49-F238E27FC236}">
+                <a16:creationId xmlns:a16="http://schemas.microsoft.com/office/drawing/2014/main" id="{3A8993B1-2A30-49B2-0E27-17B0F15E320D}"/>
+              </a:ext>
+            </a:extLst>
+          </p:cNvPr>
+          <p:cNvCxnSpPr>
+            <a:cxnSpLocks/>
+          </p:cNvCxnSpPr>
+          <p:nvPr/>
+        </p:nvCxnSpPr>
+        <p:spPr>
+          <a:xfrm>
+            <a:off x="7134931" y="440687"/>
+            <a:ext cx="569861" cy="0"/>
+          </a:xfrm>
+          <a:prstGeom prst="straightConnector1">
+            <a:avLst/>
+          </a:prstGeom>
+          <a:ln w="76200">
+            <a:solidFill>
+              <a:srgbClr val="FFC000"/>
+            </a:solidFill>
+            <a:tailEnd type="triangle"/>
+          </a:ln>
+        </p:spPr>
+        <p:style>
+          <a:lnRef idx="1">
+            <a:schemeClr val="accent1"/>
+          </a:lnRef>
+          <a:fillRef idx="0">
+            <a:schemeClr val="accent1"/>
+          </a:fillRef>
+          <a:effectRef idx="0">
+            <a:schemeClr val="accent1"/>
+          </a:effectRef>
+          <a:fontRef idx="minor">
+            <a:schemeClr val="tx1"/>
+          </a:fontRef>
+        </p:style>
+      </p:cxnSp>
+      <p:pic>
+        <p:nvPicPr>
+          <p:cNvPr id="6" name="Image 5" descr="Une image contenant texte, capture d’écran, logiciel, nombre&#10;&#10;Le contenu généré par l’IA peut être incorrect.">
+            <a:extLst>
+              <a:ext uri="{FF2B5EF4-FFF2-40B4-BE49-F238E27FC236}">
+                <a16:creationId xmlns:a16="http://schemas.microsoft.com/office/drawing/2014/main" id="{F3C6359D-E14F-1674-3833-509A84A27A73}"/>
+              </a:ext>
+            </a:extLst>
+          </p:cNvPr>
+          <p:cNvPicPr>
+            <a:picLocks noChangeAspect="1"/>
+          </p:cNvPicPr>
+          <p:nvPr/>
+        </p:nvPicPr>
+        <p:blipFill>
+          <a:blip r:embed="rId5"/>
+          <a:stretch>
+            <a:fillRect/>
+          </a:stretch>
+        </p:blipFill>
+        <p:spPr>
+          <a:xfrm>
+            <a:off x="666307" y="1316410"/>
+            <a:ext cx="7811386" cy="3079894"/>
+          </a:xfrm>
+          <a:prstGeom prst="rect">
+            <a:avLst/>
+          </a:prstGeom>
+          <a:ln>
+            <a:solidFill>
+              <a:schemeClr val="bg1">
+                <a:lumMod val="85000"/>
+              </a:schemeClr>
+            </a:solidFill>
+          </a:ln>
+        </p:spPr>
+      </p:pic>
     </p:spTree>
+    <p:extLst>
+      <p:ext uri="{BB962C8B-B14F-4D97-AF65-F5344CB8AC3E}">
+        <p14:creationId xmlns:p14="http://schemas.microsoft.com/office/powerpoint/2010/main" val="2756220791"/>
+      </p:ext>
+    </p:extLst>
   </p:cSld>
   <p:clrMapOvr>
     <a:masterClrMapping/>

--- a/présentation/Bloc_05_Projet_Getaround.pptx
+++ b/présentation/Bloc_05_Projet_Getaround.pptx
@@ -278,7 +278,7 @@
 <file path=ppt/revisionInfo.xml><?xml version="1.0" encoding="utf-8"?>
 <p1510:revInfo xmlns:a="http://schemas.openxmlformats.org/drawingml/2006/main" xmlns:r="http://schemas.openxmlformats.org/officeDocument/2006/relationships" xmlns:p1510="http://schemas.microsoft.com/office/powerpoint/2015/10/main">
   <p1510:revLst>
-    <p1510:client id="{B2CA8FFA-FC6B-48AE-92FD-26D6FADFA2EC}" v="438" dt="2026-02-13T10:23:13.744"/>
+    <p1510:client id="{B2CA8FFA-FC6B-48AE-92FD-26D6FADFA2EC}" v="571" dt="2026-02-14T14:44:50.074"/>
   </p1510:revLst>
 </p1510:revInfo>
 </file>
@@ -288,7 +288,7 @@
   <pc:docChgLst>
     <pc:chgData name="Jean-Yves Vuillequez" userId="e7fac481abea6bd0" providerId="LiveId" clId="{79E365E8-22BC-4EC2-9606-9A9AC6CD1D22}"/>
     <pc:docChg chg="undo custSel addSld delSld modSld sldOrd addMainMaster delMainMaster">
-      <pc:chgData name="Jean-Yves Vuillequez" userId="e7fac481abea6bd0" providerId="LiveId" clId="{79E365E8-22BC-4EC2-9606-9A9AC6CD1D22}" dt="2026-02-13T10:23:13.744" v="1252" actId="20577"/>
+      <pc:chgData name="Jean-Yves Vuillequez" userId="e7fac481abea6bd0" providerId="LiveId" clId="{79E365E8-22BC-4EC2-9606-9A9AC6CD1D22}" dt="2026-02-14T14:44:50.074" v="1746"/>
       <pc:docMkLst>
         <pc:docMk/>
       </pc:docMkLst>
@@ -324,11 +324,19 @@
         </pc:spChg>
       </pc:sldChg>
       <pc:sldChg chg="addSp delSp modSp mod addAnim delAnim modNotesTx">
-        <pc:chgData name="Jean-Yves Vuillequez" userId="e7fac481abea6bd0" providerId="LiveId" clId="{79E365E8-22BC-4EC2-9606-9A9AC6CD1D22}" dt="2026-02-13T10:20:36.261" v="1250" actId="20577"/>
+        <pc:chgData name="Jean-Yves Vuillequez" userId="e7fac481abea6bd0" providerId="LiveId" clId="{79E365E8-22BC-4EC2-9606-9A9AC6CD1D22}" dt="2026-02-14T14:44:43.677" v="1745"/>
         <pc:sldMkLst>
           <pc:docMk/>
           <pc:sldMk cId="0" sldId="258"/>
         </pc:sldMkLst>
+        <pc:spChg chg="add mod">
+          <ac:chgData name="Jean-Yves Vuillequez" userId="e7fac481abea6bd0" providerId="LiveId" clId="{79E365E8-22BC-4EC2-9606-9A9AC6CD1D22}" dt="2026-02-14T14:44:43.677" v="1745"/>
+          <ac:spMkLst>
+            <pc:docMk/>
+            <pc:sldMk cId="0" sldId="258"/>
+            <ac:spMk id="2" creationId="{A85DEE6F-C9A3-C38B-C4A7-0CCF698A4970}"/>
+          </ac:spMkLst>
+        </pc:spChg>
         <pc:spChg chg="mod">
           <ac:chgData name="Jean-Yves Vuillequez" userId="e7fac481abea6bd0" providerId="LiveId" clId="{79E365E8-22BC-4EC2-9606-9A9AC6CD1D22}" dt="2026-02-13T09:14:19.195" v="867" actId="20577"/>
           <ac:spMkLst>
@@ -369,6 +377,14 @@
             <ac:picMk id="9" creationId="{E79FD801-E0AC-4B92-A695-66B1893EF522}"/>
           </ac:picMkLst>
         </pc:picChg>
+        <pc:cxnChg chg="add mod">
+          <ac:chgData name="Jean-Yves Vuillequez" userId="e7fac481abea6bd0" providerId="LiveId" clId="{79E365E8-22BC-4EC2-9606-9A9AC6CD1D22}" dt="2026-02-14T14:44:43.677" v="1745"/>
+          <ac:cxnSpMkLst>
+            <pc:docMk/>
+            <pc:sldMk cId="0" sldId="258"/>
+            <ac:cxnSpMk id="6" creationId="{E58CD5F5-AD06-8901-DFBF-D6AD8757D2F5}"/>
+          </ac:cxnSpMkLst>
+        </pc:cxnChg>
       </pc:sldChg>
       <pc:sldChg chg="add del">
         <pc:chgData name="Jean-Yves Vuillequez" userId="e7fac481abea6bd0" providerId="LiveId" clId="{79E365E8-22BC-4EC2-9606-9A9AC6CD1D22}" dt="2026-01-16T10:47:03.962" v="33" actId="47"/>
@@ -377,8 +393,8 @@
           <pc:sldMk cId="0" sldId="271"/>
         </pc:sldMkLst>
       </pc:sldChg>
-      <pc:sldChg chg="modSp mod">
-        <pc:chgData name="Jean-Yves Vuillequez" userId="e7fac481abea6bd0" providerId="LiveId" clId="{79E365E8-22BC-4EC2-9606-9A9AC6CD1D22}" dt="2026-02-13T09:42:23.243" v="1206" actId="14100"/>
+      <pc:sldChg chg="modSp mod modNotesTx">
+        <pc:chgData name="Jean-Yves Vuillequez" userId="e7fac481abea6bd0" providerId="LiveId" clId="{79E365E8-22BC-4EC2-9606-9A9AC6CD1D22}" dt="2026-02-14T14:22:12.121" v="1443" actId="20577"/>
         <pc:sldMkLst>
           <pc:docMk/>
           <pc:sldMk cId="0" sldId="272"/>
@@ -400,8 +416,8 @@
           </ac:spMkLst>
         </pc:spChg>
       </pc:sldChg>
-      <pc:sldChg chg="addSp modSp mod modAnim">
-        <pc:chgData name="Jean-Yves Vuillequez" userId="e7fac481abea6bd0" providerId="LiveId" clId="{79E365E8-22BC-4EC2-9606-9A9AC6CD1D22}" dt="2026-02-13T10:23:13.744" v="1252" actId="20577"/>
+      <pc:sldChg chg="addSp delSp modSp mod modAnim modNotesTx">
+        <pc:chgData name="Jean-Yves Vuillequez" userId="e7fac481abea6bd0" providerId="LiveId" clId="{79E365E8-22BC-4EC2-9606-9A9AC6CD1D22}" dt="2026-02-14T14:27:18.945" v="1510" actId="20577"/>
         <pc:sldMkLst>
           <pc:docMk/>
           <pc:sldMk cId="0" sldId="273"/>
@@ -494,23 +510,39 @@
             <ac:spMk id="18" creationId="{16C898BF-E544-3A3A-F1C6-FD6EA5BEBE3E}"/>
           </ac:spMkLst>
         </pc:spChg>
+        <pc:grpChg chg="add del">
+          <ac:chgData name="Jean-Yves Vuillequez" userId="e7fac481abea6bd0" providerId="LiveId" clId="{79E365E8-22BC-4EC2-9606-9A9AC6CD1D22}" dt="2026-02-14T14:05:34.885" v="1369" actId="478"/>
+          <ac:grpSpMkLst>
+            <pc:docMk/>
+            <pc:sldMk cId="0" sldId="273"/>
+            <ac:grpSpMk id="13" creationId="{C68D3C11-FF4A-152A-15F7-5496E4E77F38}"/>
+          </ac:grpSpMkLst>
+        </pc:grpChg>
       </pc:sldChg>
-      <pc:sldChg chg="addSp delSp modSp mod delAnim modAnim">
-        <pc:chgData name="Jean-Yves Vuillequez" userId="e7fac481abea6bd0" providerId="LiveId" clId="{79E365E8-22BC-4EC2-9606-9A9AC6CD1D22}" dt="2026-02-13T09:38:54.774" v="1171" actId="14100"/>
+      <pc:sldChg chg="addSp delSp modSp mod delAnim modAnim modNotesTx">
+        <pc:chgData name="Jean-Yves Vuillequez" userId="e7fac481abea6bd0" providerId="LiveId" clId="{79E365E8-22BC-4EC2-9606-9A9AC6CD1D22}" dt="2026-02-14T14:34:47.095" v="1608" actId="20577"/>
         <pc:sldMkLst>
           <pc:docMk/>
           <pc:sldMk cId="1821755839" sldId="274"/>
         </pc:sldMkLst>
         <pc:spChg chg="mod">
-          <ac:chgData name="Jean-Yves Vuillequez" userId="e7fac481abea6bd0" providerId="LiveId" clId="{79E365E8-22BC-4EC2-9606-9A9AC6CD1D22}" dt="2026-02-13T08:38:37.084" v="306" actId="1076"/>
+          <ac:chgData name="Jean-Yves Vuillequez" userId="e7fac481abea6bd0" providerId="LiveId" clId="{79E365E8-22BC-4EC2-9606-9A9AC6CD1D22}" dt="2026-02-14T13:55:59.897" v="1329" actId="164"/>
           <ac:spMkLst>
             <pc:docMk/>
             <pc:sldMk cId="1821755839" sldId="274"/>
             <ac:spMk id="3" creationId="{33B23519-5EFA-F17A-CAA2-6EF8A191B3CD}"/>
           </ac:spMkLst>
         </pc:spChg>
+        <pc:spChg chg="mod">
+          <ac:chgData name="Jean-Yves Vuillequez" userId="e7fac481abea6bd0" providerId="LiveId" clId="{79E365E8-22BC-4EC2-9606-9A9AC6CD1D22}" dt="2026-02-14T13:58:25.107" v="1334" actId="164"/>
+          <ac:spMkLst>
+            <pc:docMk/>
+            <pc:sldMk cId="1821755839" sldId="274"/>
+            <ac:spMk id="5" creationId="{564CE1A9-869C-774B-0E58-18DB76A3FCD2}"/>
+          </ac:spMkLst>
+        </pc:spChg>
         <pc:spChg chg="add mod">
-          <ac:chgData name="Jean-Yves Vuillequez" userId="e7fac481abea6bd0" providerId="LiveId" clId="{79E365E8-22BC-4EC2-9606-9A9AC6CD1D22}" dt="2026-02-13T08:29:44.160" v="126" actId="20577"/>
+          <ac:chgData name="Jean-Yves Vuillequez" userId="e7fac481abea6bd0" providerId="LiveId" clId="{79E365E8-22BC-4EC2-9606-9A9AC6CD1D22}" dt="2026-02-14T13:55:59.897" v="1329" actId="164"/>
           <ac:spMkLst>
             <pc:docMk/>
             <pc:sldMk cId="1821755839" sldId="274"/>
@@ -518,15 +550,23 @@
           </ac:spMkLst>
         </pc:spChg>
         <pc:spChg chg="add mod">
-          <ac:chgData name="Jean-Yves Vuillequez" userId="e7fac481abea6bd0" providerId="LiveId" clId="{79E365E8-22BC-4EC2-9606-9A9AC6CD1D22}" dt="2026-02-13T08:29:53.772" v="138" actId="20577"/>
+          <ac:chgData name="Jean-Yves Vuillequez" userId="e7fac481abea6bd0" providerId="LiveId" clId="{79E365E8-22BC-4EC2-9606-9A9AC6CD1D22}" dt="2026-02-14T13:55:59.897" v="1329" actId="164"/>
           <ac:spMkLst>
             <pc:docMk/>
             <pc:sldMk cId="1821755839" sldId="274"/>
             <ac:spMk id="13" creationId="{C5AB8D59-6F7D-6B3A-876B-E5C07C89454A}"/>
           </ac:spMkLst>
         </pc:spChg>
+        <pc:spChg chg="mod">
+          <ac:chgData name="Jean-Yves Vuillequez" userId="e7fac481abea6bd0" providerId="LiveId" clId="{79E365E8-22BC-4EC2-9606-9A9AC6CD1D22}" dt="2026-02-14T14:02:12.109" v="1343" actId="164"/>
+          <ac:spMkLst>
+            <pc:docMk/>
+            <pc:sldMk cId="1821755839" sldId="274"/>
+            <ac:spMk id="23" creationId="{14BA37FE-DD89-0B23-6089-5FD37763331C}"/>
+          </ac:spMkLst>
+        </pc:spChg>
         <pc:spChg chg="mod topLvl">
-          <ac:chgData name="Jean-Yves Vuillequez" userId="e7fac481abea6bd0" providerId="LiveId" clId="{79E365E8-22BC-4EC2-9606-9A9AC6CD1D22}" dt="2026-02-13T08:39:08.841" v="343" actId="20577"/>
+          <ac:chgData name="Jean-Yves Vuillequez" userId="e7fac481abea6bd0" providerId="LiveId" clId="{79E365E8-22BC-4EC2-9606-9A9AC6CD1D22}" dt="2026-02-14T13:58:25.107" v="1334" actId="164"/>
           <ac:spMkLst>
             <pc:docMk/>
             <pc:sldMk cId="1821755839" sldId="274"/>
@@ -542,7 +582,7 @@
           </ac:spMkLst>
         </pc:spChg>
         <pc:spChg chg="mod">
-          <ac:chgData name="Jean-Yves Vuillequez" userId="e7fac481abea6bd0" providerId="LiveId" clId="{79E365E8-22BC-4EC2-9606-9A9AC6CD1D22}" dt="2026-02-13T08:37:34.994" v="295" actId="14100"/>
+          <ac:chgData name="Jean-Yves Vuillequez" userId="e7fac481abea6bd0" providerId="LiveId" clId="{79E365E8-22BC-4EC2-9606-9A9AC6CD1D22}" dt="2026-02-14T13:58:25.107" v="1334" actId="164"/>
           <ac:spMkLst>
             <pc:docMk/>
             <pc:sldMk cId="1821755839" sldId="274"/>
@@ -550,7 +590,23 @@
           </ac:spMkLst>
         </pc:spChg>
         <pc:spChg chg="mod">
-          <ac:chgData name="Jean-Yves Vuillequez" userId="e7fac481abea6bd0" providerId="LiveId" clId="{79E365E8-22BC-4EC2-9606-9A9AC6CD1D22}" dt="2026-02-13T08:33:50.356" v="254" actId="1076"/>
+          <ac:chgData name="Jean-Yves Vuillequez" userId="e7fac481abea6bd0" providerId="LiveId" clId="{79E365E8-22BC-4EC2-9606-9A9AC6CD1D22}" dt="2026-02-14T13:59:20.239" v="1341" actId="164"/>
+          <ac:spMkLst>
+            <pc:docMk/>
+            <pc:sldMk cId="1821755839" sldId="274"/>
+            <ac:spMk id="44" creationId="{682088E1-064C-5214-7A97-A059E4869B55}"/>
+          </ac:spMkLst>
+        </pc:spChg>
+        <pc:spChg chg="mod">
+          <ac:chgData name="Jean-Yves Vuillequez" userId="e7fac481abea6bd0" providerId="LiveId" clId="{79E365E8-22BC-4EC2-9606-9A9AC6CD1D22}" dt="2026-02-14T13:59:20.239" v="1341" actId="164"/>
+          <ac:spMkLst>
+            <pc:docMk/>
+            <pc:sldMk cId="1821755839" sldId="274"/>
+            <ac:spMk id="46" creationId="{E433E364-4228-6856-536E-34873F6A6DC3}"/>
+          </ac:spMkLst>
+        </pc:spChg>
+        <pc:spChg chg="mod">
+          <ac:chgData name="Jean-Yves Vuillequez" userId="e7fac481abea6bd0" providerId="LiveId" clId="{79E365E8-22BC-4EC2-9606-9A9AC6CD1D22}" dt="2026-02-14T13:59:20.239" v="1341" actId="164"/>
           <ac:spMkLst>
             <pc:docMk/>
             <pc:sldMk cId="1821755839" sldId="274"/>
@@ -558,7 +614,7 @@
           </ac:spMkLst>
         </pc:spChg>
         <pc:spChg chg="mod">
-          <ac:chgData name="Jean-Yves Vuillequez" userId="e7fac481abea6bd0" providerId="LiveId" clId="{79E365E8-22BC-4EC2-9606-9A9AC6CD1D22}" dt="2026-02-13T08:33:50.356" v="254" actId="1076"/>
+          <ac:chgData name="Jean-Yves Vuillequez" userId="e7fac481abea6bd0" providerId="LiveId" clId="{79E365E8-22BC-4EC2-9606-9A9AC6CD1D22}" dt="2026-02-14T13:59:20.239" v="1341" actId="164"/>
           <ac:spMkLst>
             <pc:docMk/>
             <pc:sldMk cId="1821755839" sldId="274"/>
@@ -566,7 +622,7 @@
           </ac:spMkLst>
         </pc:spChg>
         <pc:spChg chg="mod topLvl">
-          <ac:chgData name="Jean-Yves Vuillequez" userId="e7fac481abea6bd0" providerId="LiveId" clId="{79E365E8-22BC-4EC2-9606-9A9AC6CD1D22}" dt="2026-02-13T08:33:50.356" v="254" actId="1076"/>
+          <ac:chgData name="Jean-Yves Vuillequez" userId="e7fac481abea6bd0" providerId="LiveId" clId="{79E365E8-22BC-4EC2-9606-9A9AC6CD1D22}" dt="2026-02-14T13:59:20.239" v="1341" actId="164"/>
           <ac:spMkLst>
             <pc:docMk/>
             <pc:sldMk cId="1821755839" sldId="274"/>
@@ -574,7 +630,7 @@
           </ac:spMkLst>
         </pc:spChg>
         <pc:spChg chg="mod topLvl">
-          <ac:chgData name="Jean-Yves Vuillequez" userId="e7fac481abea6bd0" providerId="LiveId" clId="{79E365E8-22BC-4EC2-9606-9A9AC6CD1D22}" dt="2026-02-13T08:33:50.356" v="254" actId="1076"/>
+          <ac:chgData name="Jean-Yves Vuillequez" userId="e7fac481abea6bd0" providerId="LiveId" clId="{79E365E8-22BC-4EC2-9606-9A9AC6CD1D22}" dt="2026-02-14T13:59:20.239" v="1341" actId="164"/>
           <ac:spMkLst>
             <pc:docMk/>
             <pc:sldMk cId="1821755839" sldId="274"/>
@@ -582,7 +638,7 @@
           </ac:spMkLst>
         </pc:spChg>
         <pc:spChg chg="mod">
-          <ac:chgData name="Jean-Yves Vuillequez" userId="e7fac481abea6bd0" providerId="LiveId" clId="{79E365E8-22BC-4EC2-9606-9A9AC6CD1D22}" dt="2026-02-13T08:33:50.356" v="254" actId="1076"/>
+          <ac:chgData name="Jean-Yves Vuillequez" userId="e7fac481abea6bd0" providerId="LiveId" clId="{79E365E8-22BC-4EC2-9606-9A9AC6CD1D22}" dt="2026-02-14T13:59:20.239" v="1341" actId="164"/>
           <ac:spMkLst>
             <pc:docMk/>
             <pc:sldMk cId="1821755839" sldId="274"/>
@@ -590,7 +646,7 @@
           </ac:spMkLst>
         </pc:spChg>
         <pc:spChg chg="mod topLvl">
-          <ac:chgData name="Jean-Yves Vuillequez" userId="e7fac481abea6bd0" providerId="LiveId" clId="{79E365E8-22BC-4EC2-9606-9A9AC6CD1D22}" dt="2026-02-13T08:38:41.122" v="307" actId="14100"/>
+          <ac:chgData name="Jean-Yves Vuillequez" userId="e7fac481abea6bd0" providerId="LiveId" clId="{79E365E8-22BC-4EC2-9606-9A9AC6CD1D22}" dt="2026-02-14T13:59:20.239" v="1341" actId="164"/>
           <ac:spMkLst>
             <pc:docMk/>
             <pc:sldMk cId="1821755839" sldId="274"/>
@@ -598,7 +654,7 @@
           </ac:spMkLst>
         </pc:spChg>
         <pc:spChg chg="mod">
-          <ac:chgData name="Jean-Yves Vuillequez" userId="e7fac481abea6bd0" providerId="LiveId" clId="{79E365E8-22BC-4EC2-9606-9A9AC6CD1D22}" dt="2026-02-13T08:32:40.779" v="225" actId="14100"/>
+          <ac:chgData name="Jean-Yves Vuillequez" userId="e7fac481abea6bd0" providerId="LiveId" clId="{79E365E8-22BC-4EC2-9606-9A9AC6CD1D22}" dt="2026-02-14T14:02:12.109" v="1343" actId="164"/>
           <ac:spMkLst>
             <pc:docMk/>
             <pc:sldMk cId="1821755839" sldId="274"/>
@@ -606,7 +662,7 @@
           </ac:spMkLst>
         </pc:spChg>
         <pc:spChg chg="mod topLvl">
-          <ac:chgData name="Jean-Yves Vuillequez" userId="e7fac481abea6bd0" providerId="LiveId" clId="{79E365E8-22BC-4EC2-9606-9A9AC6CD1D22}" dt="2026-02-13T08:32:38.045" v="224" actId="6549"/>
+          <ac:chgData name="Jean-Yves Vuillequez" userId="e7fac481abea6bd0" providerId="LiveId" clId="{79E365E8-22BC-4EC2-9606-9A9AC6CD1D22}" dt="2026-02-14T14:02:12.109" v="1343" actId="164"/>
           <ac:spMkLst>
             <pc:docMk/>
             <pc:sldMk cId="1821755839" sldId="274"/>
@@ -614,7 +670,7 @@
           </ac:spMkLst>
         </pc:spChg>
         <pc:spChg chg="mod">
-          <ac:chgData name="Jean-Yves Vuillequez" userId="e7fac481abea6bd0" providerId="LiveId" clId="{79E365E8-22BC-4EC2-9606-9A9AC6CD1D22}" dt="2026-02-13T08:32:55.367" v="228" actId="14100"/>
+          <ac:chgData name="Jean-Yves Vuillequez" userId="e7fac481abea6bd0" providerId="LiveId" clId="{79E365E8-22BC-4EC2-9606-9A9AC6CD1D22}" dt="2026-02-14T14:02:12.109" v="1343" actId="164"/>
           <ac:spMkLst>
             <pc:docMk/>
             <pc:sldMk cId="1821755839" sldId="274"/>
@@ -622,7 +678,7 @@
           </ac:spMkLst>
         </pc:spChg>
         <pc:spChg chg="mod">
-          <ac:chgData name="Jean-Yves Vuillequez" userId="e7fac481abea6bd0" providerId="LiveId" clId="{79E365E8-22BC-4EC2-9606-9A9AC6CD1D22}" dt="2026-02-13T08:33:16.731" v="252" actId="20577"/>
+          <ac:chgData name="Jean-Yves Vuillequez" userId="e7fac481abea6bd0" providerId="LiveId" clId="{79E365E8-22BC-4EC2-9606-9A9AC6CD1D22}" dt="2026-02-14T14:02:12.109" v="1343" actId="164"/>
           <ac:spMkLst>
             <pc:docMk/>
             <pc:sldMk cId="1821755839" sldId="274"/>
@@ -646,7 +702,7 @@
           </ac:spMkLst>
         </pc:spChg>
         <pc:spChg chg="add mod">
-          <ac:chgData name="Jean-Yves Vuillequez" userId="e7fac481abea6bd0" providerId="LiveId" clId="{79E365E8-22BC-4EC2-9606-9A9AC6CD1D22}" dt="2026-02-13T08:33:01.603" v="229" actId="571"/>
+          <ac:chgData name="Jean-Yves Vuillequez" userId="e7fac481abea6bd0" providerId="LiveId" clId="{79E365E8-22BC-4EC2-9606-9A9AC6CD1D22}" dt="2026-02-14T14:02:12.109" v="1343" actId="164"/>
           <ac:spMkLst>
             <pc:docMk/>
             <pc:sldMk cId="1821755839" sldId="274"/>
@@ -662,7 +718,7 @@
           </ac:spMkLst>
         </pc:spChg>
         <pc:spChg chg="mod">
-          <ac:chgData name="Jean-Yves Vuillequez" userId="e7fac481abea6bd0" providerId="LiveId" clId="{79E365E8-22BC-4EC2-9606-9A9AC6CD1D22}" dt="2026-02-13T08:37:57.958" v="297" actId="208"/>
+          <ac:chgData name="Jean-Yves Vuillequez" userId="e7fac481abea6bd0" providerId="LiveId" clId="{79E365E8-22BC-4EC2-9606-9A9AC6CD1D22}" dt="2026-02-14T13:58:25.107" v="1334" actId="164"/>
           <ac:spMkLst>
             <pc:docMk/>
             <pc:sldMk cId="1821755839" sldId="274"/>
@@ -670,7 +726,7 @@
           </ac:spMkLst>
         </pc:spChg>
         <pc:spChg chg="add mod">
-          <ac:chgData name="Jean-Yves Vuillequez" userId="e7fac481abea6bd0" providerId="LiveId" clId="{79E365E8-22BC-4EC2-9606-9A9AC6CD1D22}" dt="2026-02-13T09:15:12.093" v="874" actId="20577"/>
+          <ac:chgData name="Jean-Yves Vuillequez" userId="e7fac481abea6bd0" providerId="LiveId" clId="{79E365E8-22BC-4EC2-9606-9A9AC6CD1D22}" dt="2026-02-14T14:02:12.109" v="1343" actId="164"/>
           <ac:spMkLst>
             <pc:docMk/>
             <pc:sldMk cId="1821755839" sldId="274"/>
@@ -702,7 +758,7 @@
           </ac:spMkLst>
         </pc:spChg>
         <pc:spChg chg="add mod ord">
-          <ac:chgData name="Jean-Yves Vuillequez" userId="e7fac481abea6bd0" providerId="LiveId" clId="{79E365E8-22BC-4EC2-9606-9A9AC6CD1D22}" dt="2026-02-13T08:38:15.601" v="301" actId="1076"/>
+          <ac:chgData name="Jean-Yves Vuillequez" userId="e7fac481abea6bd0" providerId="LiveId" clId="{79E365E8-22BC-4EC2-9606-9A9AC6CD1D22}" dt="2026-02-14T13:58:25.107" v="1334" actId="164"/>
           <ac:spMkLst>
             <pc:docMk/>
             <pc:sldMk cId="1821755839" sldId="274"/>
@@ -718,7 +774,7 @@
           </ac:spMkLst>
         </pc:spChg>
         <pc:spChg chg="add mod">
-          <ac:chgData name="Jean-Yves Vuillequez" userId="e7fac481abea6bd0" providerId="LiveId" clId="{79E365E8-22BC-4EC2-9606-9A9AC6CD1D22}" dt="2026-02-13T08:39:14.549" v="345" actId="571"/>
+          <ac:chgData name="Jean-Yves Vuillequez" userId="e7fac481abea6bd0" providerId="LiveId" clId="{79E365E8-22BC-4EC2-9606-9A9AC6CD1D22}" dt="2026-02-14T13:58:25.107" v="1334" actId="164"/>
           <ac:spMkLst>
             <pc:docMk/>
             <pc:sldMk cId="1821755839" sldId="274"/>
@@ -726,13 +782,45 @@
           </ac:spMkLst>
         </pc:spChg>
         <pc:spChg chg="mod topLvl">
-          <ac:chgData name="Jean-Yves Vuillequez" userId="e7fac481abea6bd0" providerId="LiveId" clId="{79E365E8-22BC-4EC2-9606-9A9AC6CD1D22}" dt="2026-02-13T08:28:47.849" v="104" actId="165"/>
+          <ac:chgData name="Jean-Yves Vuillequez" userId="e7fac481abea6bd0" providerId="LiveId" clId="{79E365E8-22BC-4EC2-9606-9A9AC6CD1D22}" dt="2026-02-14T14:02:12.109" v="1343" actId="164"/>
           <ac:spMkLst>
             <pc:docMk/>
             <pc:sldMk cId="1821755839" sldId="274"/>
             <ac:spMk id="1074" creationId="{4162FACA-EA89-9D97-B392-632929E9443D}"/>
           </ac:spMkLst>
         </pc:spChg>
+        <pc:spChg chg="mod">
+          <ac:chgData name="Jean-Yves Vuillequez" userId="e7fac481abea6bd0" providerId="LiveId" clId="{79E365E8-22BC-4EC2-9606-9A9AC6CD1D22}" dt="2026-02-14T14:02:12.109" v="1343" actId="164"/>
+          <ac:spMkLst>
+            <pc:docMk/>
+            <pc:sldMk cId="1821755839" sldId="274"/>
+            <ac:spMk id="2097" creationId="{ADF20F1D-E32A-83D7-1C9F-ED56E1ADF5A6}"/>
+          </ac:spMkLst>
+        </pc:spChg>
+        <pc:grpChg chg="add mod">
+          <ac:chgData name="Jean-Yves Vuillequez" userId="e7fac481abea6bd0" providerId="LiveId" clId="{79E365E8-22BC-4EC2-9606-9A9AC6CD1D22}" dt="2026-02-14T13:56:17.616" v="1331" actId="164"/>
+          <ac:grpSpMkLst>
+            <pc:docMk/>
+            <pc:sldMk cId="1821755839" sldId="274"/>
+            <ac:grpSpMk id="7" creationId="{DBB90402-3D1D-991F-9330-0A51CBF8C0D4}"/>
+          </ac:grpSpMkLst>
+        </pc:grpChg>
+        <pc:grpChg chg="add mod">
+          <ac:chgData name="Jean-Yves Vuillequez" userId="e7fac481abea6bd0" providerId="LiveId" clId="{79E365E8-22BC-4EC2-9606-9A9AC6CD1D22}" dt="2026-02-14T13:56:17.616" v="1331" actId="164"/>
+          <ac:grpSpMkLst>
+            <pc:docMk/>
+            <pc:sldMk cId="1821755839" sldId="274"/>
+            <ac:grpSpMk id="14" creationId="{C312BDD8-DFE7-14F2-1102-CA1CF6DFB976}"/>
+          </ac:grpSpMkLst>
+        </pc:grpChg>
+        <pc:grpChg chg="add mod">
+          <ac:chgData name="Jean-Yves Vuillequez" userId="e7fac481abea6bd0" providerId="LiveId" clId="{79E365E8-22BC-4EC2-9606-9A9AC6CD1D22}" dt="2026-02-14T13:58:25.107" v="1334" actId="164"/>
+          <ac:grpSpMkLst>
+            <pc:docMk/>
+            <pc:sldMk cId="1821755839" sldId="274"/>
+            <ac:grpSpMk id="15" creationId="{F0042F9D-CAB4-F2F8-EF48-EB70D2F5E683}"/>
+          </ac:grpSpMkLst>
+        </pc:grpChg>
         <pc:grpChg chg="del">
           <ac:chgData name="Jean-Yves Vuillequez" userId="e7fac481abea6bd0" providerId="LiveId" clId="{79E365E8-22BC-4EC2-9606-9A9AC6CD1D22}" dt="2026-02-13T08:31:24.871" v="205" actId="478"/>
           <ac:grpSpMkLst>
@@ -742,7 +830,7 @@
           </ac:grpSpMkLst>
         </pc:grpChg>
         <pc:picChg chg="add mod">
-          <ac:chgData name="Jean-Yves Vuillequez" userId="e7fac481abea6bd0" providerId="LiveId" clId="{79E365E8-22BC-4EC2-9606-9A9AC6CD1D22}" dt="2026-02-13T08:29:15.906" v="109" actId="1076"/>
+          <ac:chgData name="Jean-Yves Vuillequez" userId="e7fac481abea6bd0" providerId="LiveId" clId="{79E365E8-22BC-4EC2-9606-9A9AC6CD1D22}" dt="2026-02-14T13:55:59.897" v="1329" actId="164"/>
           <ac:picMkLst>
             <pc:docMk/>
             <pc:sldMk cId="1821755839" sldId="274"/>
@@ -750,7 +838,7 @@
           </ac:picMkLst>
         </pc:picChg>
         <pc:picChg chg="add mod">
-          <ac:chgData name="Jean-Yves Vuillequez" userId="e7fac481abea6bd0" providerId="LiveId" clId="{79E365E8-22BC-4EC2-9606-9A9AC6CD1D22}" dt="2026-02-13T08:29:49.080" v="127" actId="571"/>
+          <ac:chgData name="Jean-Yves Vuillequez" userId="e7fac481abea6bd0" providerId="LiveId" clId="{79E365E8-22BC-4EC2-9606-9A9AC6CD1D22}" dt="2026-02-14T13:55:59.897" v="1329" actId="164"/>
           <ac:picMkLst>
             <pc:docMk/>
             <pc:sldMk cId="1821755839" sldId="274"/>
@@ -774,7 +862,7 @@
           </ac:picMkLst>
         </pc:picChg>
         <pc:picChg chg="mod">
-          <ac:chgData name="Jean-Yves Vuillequez" userId="e7fac481abea6bd0" providerId="LiveId" clId="{79E365E8-22BC-4EC2-9606-9A9AC6CD1D22}" dt="2026-02-13T08:33:50.356" v="254" actId="1076"/>
+          <ac:chgData name="Jean-Yves Vuillequez" userId="e7fac481abea6bd0" providerId="LiveId" clId="{79E365E8-22BC-4EC2-9606-9A9AC6CD1D22}" dt="2026-02-14T13:59:20.239" v="1341" actId="164"/>
           <ac:picMkLst>
             <pc:docMk/>
             <pc:sldMk cId="1821755839" sldId="274"/>
@@ -822,7 +910,7 @@
           </ac:picMkLst>
         </pc:picChg>
         <pc:picChg chg="mod">
-          <ac:chgData name="Jean-Yves Vuillequez" userId="e7fac481abea6bd0" providerId="LiveId" clId="{79E365E8-22BC-4EC2-9606-9A9AC6CD1D22}" dt="2026-02-13T08:34:13.676" v="257" actId="14100"/>
+          <ac:chgData name="Jean-Yves Vuillequez" userId="e7fac481abea6bd0" providerId="LiveId" clId="{79E365E8-22BC-4EC2-9606-9A9AC6CD1D22}" dt="2026-02-14T13:58:25.107" v="1334" actId="164"/>
           <ac:picMkLst>
             <pc:docMk/>
             <pc:sldMk cId="1821755839" sldId="274"/>
@@ -830,11 +918,19 @@
           </ac:picMkLst>
         </pc:picChg>
         <pc:picChg chg="mod">
-          <ac:chgData name="Jean-Yves Vuillequez" userId="e7fac481abea6bd0" providerId="LiveId" clId="{79E365E8-22BC-4EC2-9606-9A9AC6CD1D22}" dt="2026-02-13T08:34:09.341" v="256" actId="14100"/>
+          <ac:chgData name="Jean-Yves Vuillequez" userId="e7fac481abea6bd0" providerId="LiveId" clId="{79E365E8-22BC-4EC2-9606-9A9AC6CD1D22}" dt="2026-02-14T13:58:25.107" v="1334" actId="164"/>
           <ac:picMkLst>
             <pc:docMk/>
             <pc:sldMk cId="1821755839" sldId="274"/>
             <ac:picMk id="117" creationId="{B3747ED9-0378-A202-7151-54782D96CF66}"/>
+          </ac:picMkLst>
+        </pc:picChg>
+        <pc:picChg chg="mod">
+          <ac:chgData name="Jean-Yves Vuillequez" userId="e7fac481abea6bd0" providerId="LiveId" clId="{79E365E8-22BC-4EC2-9606-9A9AC6CD1D22}" dt="2026-02-14T13:55:59.897" v="1329" actId="164"/>
+          <ac:picMkLst>
+            <pc:docMk/>
+            <pc:sldMk cId="1821755839" sldId="274"/>
+            <ac:picMk id="127" creationId="{0DF6E305-58E0-10D9-0E90-7E26126193AF}"/>
           </ac:picMkLst>
         </pc:picChg>
         <pc:picChg chg="del">
@@ -862,11 +958,19 @@
           </ac:picMkLst>
         </pc:picChg>
         <pc:picChg chg="mod">
-          <ac:chgData name="Jean-Yves Vuillequez" userId="e7fac481abea6bd0" providerId="LiveId" clId="{79E365E8-22BC-4EC2-9606-9A9AC6CD1D22}" dt="2026-02-13T08:31:38.325" v="206" actId="1076"/>
+          <ac:chgData name="Jean-Yves Vuillequez" userId="e7fac481abea6bd0" providerId="LiveId" clId="{79E365E8-22BC-4EC2-9606-9A9AC6CD1D22}" dt="2026-02-14T13:55:59.897" v="1329" actId="164"/>
           <ac:picMkLst>
             <pc:docMk/>
             <pc:sldMk cId="1821755839" sldId="274"/>
             <ac:picMk id="1033" creationId="{FD816D59-77CA-1E04-DAC5-C8410FAC6198}"/>
+          </ac:picMkLst>
+        </pc:picChg>
+        <pc:picChg chg="mod">
+          <ac:chgData name="Jean-Yves Vuillequez" userId="e7fac481abea6bd0" providerId="LiveId" clId="{79E365E8-22BC-4EC2-9606-9A9AC6CD1D22}" dt="2026-02-14T13:59:20.239" v="1341" actId="164"/>
+          <ac:picMkLst>
+            <pc:docMk/>
+            <pc:sldMk cId="1821755839" sldId="274"/>
+            <ac:picMk id="1034" creationId="{748B16F9-6C53-91C1-4712-424BF6CE8989}"/>
           </ac:picMkLst>
         </pc:picChg>
         <pc:picChg chg="mod">
@@ -878,11 +982,19 @@
           </ac:picMkLst>
         </pc:picChg>
         <pc:picChg chg="mod">
-          <ac:chgData name="Jean-Yves Vuillequez" userId="e7fac481abea6bd0" providerId="LiveId" clId="{79E365E8-22BC-4EC2-9606-9A9AC6CD1D22}" dt="2026-02-13T08:33:50.356" v="254" actId="1076"/>
+          <ac:chgData name="Jean-Yves Vuillequez" userId="e7fac481abea6bd0" providerId="LiveId" clId="{79E365E8-22BC-4EC2-9606-9A9AC6CD1D22}" dt="2026-02-14T13:59:09.481" v="1339" actId="164"/>
           <ac:picMkLst>
             <pc:docMk/>
             <pc:sldMk cId="1821755839" sldId="274"/>
             <ac:picMk id="1038" creationId="{1B3822DD-A0E9-A37F-0DE9-40781F1C3DF4}"/>
+          </ac:picMkLst>
+        </pc:picChg>
+        <pc:picChg chg="mod">
+          <ac:chgData name="Jean-Yves Vuillequez" userId="e7fac481abea6bd0" providerId="LiveId" clId="{79E365E8-22BC-4EC2-9606-9A9AC6CD1D22}" dt="2026-02-14T14:02:12.109" v="1343" actId="164"/>
+          <ac:picMkLst>
+            <pc:docMk/>
+            <pc:sldMk cId="1821755839" sldId="274"/>
+            <ac:picMk id="2052" creationId="{FCCA093A-E48A-7B59-31BE-E1F8F80AD69D}"/>
           </ac:picMkLst>
         </pc:picChg>
         <pc:picChg chg="mod">
@@ -894,7 +1006,15 @@
           </ac:picMkLst>
         </pc:picChg>
         <pc:cxnChg chg="mod">
-          <ac:chgData name="Jean-Yves Vuillequez" userId="e7fac481abea6bd0" providerId="LiveId" clId="{79E365E8-22BC-4EC2-9606-9A9AC6CD1D22}" dt="2026-02-13T08:31:38.325" v="206" actId="1076"/>
+          <ac:chgData name="Jean-Yves Vuillequez" userId="e7fac481abea6bd0" providerId="LiveId" clId="{79E365E8-22BC-4EC2-9606-9A9AC6CD1D22}" dt="2026-02-14T13:55:59.897" v="1329" actId="164"/>
+          <ac:cxnSpMkLst>
+            <pc:docMk/>
+            <pc:sldMk cId="1821755839" sldId="274"/>
+            <ac:cxnSpMk id="6" creationId="{804A8FE7-27C3-4C54-36F8-6A8C0900C5DA}"/>
+          </ac:cxnSpMkLst>
+        </pc:cxnChg>
+        <pc:cxnChg chg="mod">
+          <ac:chgData name="Jean-Yves Vuillequez" userId="e7fac481abea6bd0" providerId="LiveId" clId="{79E365E8-22BC-4EC2-9606-9A9AC6CD1D22}" dt="2026-02-14T13:55:59.897" v="1329" actId="164"/>
           <ac:cxnSpMkLst>
             <pc:docMk/>
             <pc:sldMk cId="1821755839" sldId="274"/>
@@ -933,8 +1053,16 @@
             <ac:cxnSpMk id="24" creationId="{9AD6B91C-AEA0-8BCF-42B4-76BEC72FDE00}"/>
           </ac:cxnSpMkLst>
         </pc:cxnChg>
-        <pc:cxnChg chg="add del">
-          <ac:chgData name="Jean-Yves Vuillequez" userId="e7fac481abea6bd0" providerId="LiveId" clId="{79E365E8-22BC-4EC2-9606-9A9AC6CD1D22}" dt="2026-02-13T08:38:09.880" v="300" actId="478"/>
+        <pc:cxnChg chg="mod">
+          <ac:chgData name="Jean-Yves Vuillequez" userId="e7fac481abea6bd0" providerId="LiveId" clId="{79E365E8-22BC-4EC2-9606-9A9AC6CD1D22}" dt="2026-02-14T13:56:17.616" v="1331" actId="164"/>
+          <ac:cxnSpMkLst>
+            <pc:docMk/>
+            <pc:sldMk cId="1821755839" sldId="274"/>
+            <ac:cxnSpMk id="28" creationId="{66A68388-D1A7-6AC6-5F1F-65E1A6494D4A}"/>
+          </ac:cxnSpMkLst>
+        </pc:cxnChg>
+        <pc:cxnChg chg="add del mod">
+          <ac:chgData name="Jean-Yves Vuillequez" userId="e7fac481abea6bd0" providerId="LiveId" clId="{79E365E8-22BC-4EC2-9606-9A9AC6CD1D22}" dt="2026-02-14T13:58:25.107" v="1334" actId="164"/>
           <ac:cxnSpMkLst>
             <pc:docMk/>
             <pc:sldMk cId="1821755839" sldId="274"/>
@@ -1061,14 +1189,22 @@
           </ac:spMkLst>
         </pc:spChg>
       </pc:sldChg>
-      <pc:sldChg chg="addSp delSp modSp add mod">
-        <pc:chgData name="Jean-Yves Vuillequez" userId="e7fac481abea6bd0" providerId="LiveId" clId="{79E365E8-22BC-4EC2-9606-9A9AC6CD1D22}" dt="2026-02-13T09:24:56.897" v="1055" actId="20577"/>
+      <pc:sldChg chg="addSp delSp modSp add mod modNotesTx">
+        <pc:chgData name="Jean-Yves Vuillequez" userId="e7fac481abea6bd0" providerId="LiveId" clId="{79E365E8-22BC-4EC2-9606-9A9AC6CD1D22}" dt="2026-02-14T14:44:50.074" v="1746"/>
         <pc:sldMkLst>
           <pc:docMk/>
           <pc:sldMk cId="1145705647" sldId="276"/>
         </pc:sldMkLst>
+        <pc:spChg chg="add mod">
+          <ac:chgData name="Jean-Yves Vuillequez" userId="e7fac481abea6bd0" providerId="LiveId" clId="{79E365E8-22BC-4EC2-9606-9A9AC6CD1D22}" dt="2026-02-14T14:44:50.074" v="1746"/>
+          <ac:spMkLst>
+            <pc:docMk/>
+            <pc:sldMk cId="1145705647" sldId="276"/>
+            <ac:spMk id="2" creationId="{F0371228-CF33-F884-5AC0-C326F274EBC7}"/>
+          </ac:spMkLst>
+        </pc:spChg>
         <pc:spChg chg="mod">
-          <ac:chgData name="Jean-Yves Vuillequez" userId="e7fac481abea6bd0" providerId="LiveId" clId="{79E365E8-22BC-4EC2-9606-9A9AC6CD1D22}" dt="2026-02-13T09:24:56.897" v="1055" actId="20577"/>
+          <ac:chgData name="Jean-Yves Vuillequez" userId="e7fac481abea6bd0" providerId="LiveId" clId="{79E365E8-22BC-4EC2-9606-9A9AC6CD1D22}" dt="2026-02-14T14:08:30.171" v="1379" actId="20577"/>
           <ac:spMkLst>
             <pc:docMk/>
             <pc:sldMk cId="1145705647" sldId="276"/>
@@ -1115,6 +1251,14 @@
             <ac:picMk id="11" creationId="{5C45AD1C-D185-F954-A183-6A9B1E7EC213}"/>
           </ac:picMkLst>
         </pc:picChg>
+        <pc:cxnChg chg="add mod">
+          <ac:chgData name="Jean-Yves Vuillequez" userId="e7fac481abea6bd0" providerId="LiveId" clId="{79E365E8-22BC-4EC2-9606-9A9AC6CD1D22}" dt="2026-02-14T14:44:50.074" v="1746"/>
+          <ac:cxnSpMkLst>
+            <pc:docMk/>
+            <pc:sldMk cId="1145705647" sldId="276"/>
+            <ac:cxnSpMk id="6" creationId="{E0B5A041-AC5D-5DBA-1D86-061A0B5A076F}"/>
+          </ac:cxnSpMkLst>
+        </pc:cxnChg>
       </pc:sldChg>
       <pc:sldChg chg="addSp delSp modSp add mod">
         <pc:chgData name="Jean-Yves Vuillequez" userId="e7fac481abea6bd0" providerId="LiveId" clId="{79E365E8-22BC-4EC2-9606-9A9AC6CD1D22}" dt="2026-02-13T09:36:41.457" v="1168" actId="21"/>
@@ -2277,6 +2421,40 @@
           </a:bodyPr>
           <a:lstStyle/>
           <a:p>
+            <a:r>
+              <a:rPr lang="fr-FR" dirty="0"/>
+              <a:t>Problème 1 : des retards qui engendrent des frictions et finissent par impacter la location suivante</a:t>
+            </a:r>
+          </a:p>
+          <a:p>
+            <a:r>
+              <a:rPr lang="fr-FR" dirty="0"/>
+              <a:t>Objectif : proposer un </a:t>
+            </a:r>
+            <a:r>
+              <a:rPr lang="fr-FR" b="1" dirty="0"/>
+              <a:t>seuil T</a:t>
+            </a:r>
+            <a:r>
+              <a:rPr lang="fr-FR" dirty="0"/>
+              <a:t> entre 2 locations, compromis incidents vs volume.”</a:t>
+            </a:r>
+          </a:p>
+          <a:p>
+            <a:r>
+              <a:rPr lang="fr-FR" dirty="0"/>
+              <a:t>Problème 2 : prédire le </a:t>
+            </a:r>
+            <a:r>
+              <a:rPr lang="fr-FR" b="1" dirty="0"/>
+              <a:t>prix/jour</a:t>
+            </a:r>
+            <a:r>
+              <a:rPr lang="fr-FR" dirty="0"/>
+              <a:t> à partir des caractéristiques véhicule via API</a:t>
+            </a:r>
+          </a:p>
+          <a:p>
             <a:pPr marL="0" lvl="0" indent="0" algn="l" rtl="0">
               <a:spcBef>
                 <a:spcPts val="0"/>
@@ -2394,6 +2572,166 @@
             <a:noAutofit/>
           </a:bodyPr>
           <a:lstStyle/>
+          <a:p>
+            <a:pPr marL="387350" indent="-228600">
+              <a:buFont typeface="+mj-lt"/>
+              <a:buAutoNum type="arabicPeriod"/>
+            </a:pPr>
+            <a:r>
+              <a:rPr lang="fr-FR" b="1" dirty="0"/>
+              <a:t>Cadrage : </a:t>
+            </a:r>
+            <a:r>
+              <a:rPr lang="fr-FR" dirty="0"/>
+              <a:t>KPI + périmètres </a:t>
+            </a:r>
+            <a:r>
+              <a:rPr lang="fr-FR" b="1" dirty="0"/>
+              <a:t>global vs </a:t>
+            </a:r>
+            <a:r>
+              <a:rPr lang="fr-FR" b="1" dirty="0" err="1"/>
+              <a:t>Connect</a:t>
+            </a:r>
+            <a:r>
+              <a:rPr lang="fr-FR" b="1" dirty="0"/>
+              <a:t>/Mobile</a:t>
+            </a:r>
+            <a:endParaRPr lang="fr-FR" dirty="0"/>
+          </a:p>
+          <a:p>
+            <a:pPr marL="387350" indent="-228600">
+              <a:buFont typeface="+mj-lt"/>
+              <a:buAutoNum type="arabicPeriod"/>
+            </a:pPr>
+            <a:r>
+              <a:rPr lang="fr-FR" b="1" dirty="0"/>
+              <a:t>Prépa/EDA : </a:t>
+            </a:r>
+            <a:r>
+              <a:rPr lang="fr-FR" dirty="0"/>
+              <a:t>filtrer ‘</a:t>
+            </a:r>
+            <a:r>
+              <a:rPr lang="fr-FR" dirty="0" err="1"/>
+              <a:t>ended</a:t>
+            </a:r>
+            <a:r>
+              <a:rPr lang="fr-FR" dirty="0"/>
+              <a:t>’, nettoyer </a:t>
+            </a:r>
+            <a:r>
+              <a:rPr lang="fr-FR" dirty="0" err="1"/>
+              <a:t>delay</a:t>
+            </a:r>
+            <a:r>
+              <a:rPr lang="fr-FR" dirty="0"/>
+              <a:t>/gap/</a:t>
+            </a:r>
+            <a:r>
+              <a:rPr lang="fr-FR" dirty="0" err="1"/>
+              <a:t>checkin_type</a:t>
+            </a:r>
+            <a:r>
+              <a:rPr lang="fr-FR" dirty="0"/>
+              <a:t>, créer variables</a:t>
+            </a:r>
+          </a:p>
+          <a:p>
+            <a:pPr marL="387350" indent="-228600">
+              <a:buFont typeface="+mj-lt"/>
+              <a:buAutoNum type="arabicPeriod"/>
+            </a:pPr>
+            <a:r>
+              <a:rPr lang="fr-FR" b="1" dirty="0"/>
+              <a:t>Simulation : </a:t>
+            </a:r>
+            <a:r>
+              <a:rPr lang="fr-FR" dirty="0"/>
+              <a:t>tester T de 0 à 120, mesurer </a:t>
+            </a:r>
+            <a:r>
+              <a:rPr lang="fr-FR" b="1" dirty="0"/>
+              <a:t>cas résolus</a:t>
+            </a:r>
+            <a:r>
+              <a:rPr lang="fr-FR" dirty="0"/>
+              <a:t> vs </a:t>
+            </a:r>
+            <a:r>
+              <a:rPr lang="fr-FR" b="1" dirty="0"/>
+              <a:t>% locations affectées</a:t>
+            </a:r>
+            <a:endParaRPr lang="fr-FR" dirty="0"/>
+          </a:p>
+          <a:p>
+            <a:pPr marL="387350" indent="-228600">
+              <a:buFont typeface="+mj-lt"/>
+              <a:buAutoNum type="arabicPeriod"/>
+            </a:pPr>
+            <a:r>
+              <a:rPr lang="fr-FR" b="1" dirty="0"/>
+              <a:t>API : </a:t>
+            </a:r>
+            <a:r>
+              <a:rPr lang="fr-FR" dirty="0"/>
+              <a:t>modèle chargé + </a:t>
+            </a:r>
+            <a:r>
+              <a:rPr lang="fr-FR" dirty="0" err="1"/>
+              <a:t>endpoint</a:t>
+            </a:r>
+            <a:r>
+              <a:rPr lang="fr-FR" dirty="0"/>
+              <a:t> </a:t>
+            </a:r>
+            <a:r>
+              <a:rPr lang="fr-FR" sz="1100" b="0" i="0" u="none" strike="noStrike" cap="none" dirty="0">
+                <a:solidFill>
+                  <a:srgbClr val="000000"/>
+                </a:solidFill>
+                <a:latin typeface="Arial"/>
+                <a:ea typeface="Arial"/>
+                <a:cs typeface="Arial"/>
+                <a:sym typeface="Arial"/>
+              </a:rPr>
+              <a:t>/</a:t>
+            </a:r>
+            <a:r>
+              <a:rPr lang="fr-FR" sz="1100" b="0" i="0" u="none" strike="noStrike" cap="none" dirty="0" err="1">
+                <a:solidFill>
+                  <a:srgbClr val="000000"/>
+                </a:solidFill>
+                <a:latin typeface="Arial"/>
+                <a:ea typeface="Arial"/>
+                <a:cs typeface="Arial"/>
+                <a:sym typeface="Arial"/>
+              </a:rPr>
+              <a:t>predict</a:t>
+            </a:r>
+            <a:r>
+              <a:rPr lang="fr-FR" dirty="0"/>
+              <a:t>, déployé sur HF</a:t>
+            </a:r>
+          </a:p>
+          <a:p>
+            <a:pPr marL="387350" indent="-228600">
+              <a:buFont typeface="+mj-lt"/>
+              <a:buAutoNum type="arabicPeriod"/>
+            </a:pPr>
+            <a:r>
+              <a:rPr lang="fr-FR" b="1" dirty="0"/>
+              <a:t>Restitution : </a:t>
+            </a:r>
+            <a:r>
+              <a:rPr lang="fr-FR" dirty="0" err="1"/>
+              <a:t>dashboard</a:t>
+            </a:r>
+            <a:r>
+              <a:rPr lang="fr-FR" dirty="0"/>
+              <a:t> + recommandation de seuil + API de prédiction du prix/jour</a:t>
+            </a:r>
+          </a:p>
           <a:p>
             <a:pPr marL="0" lvl="0" indent="0" algn="l" rtl="0">
               <a:lnSpc>
@@ -2535,6 +2873,99 @@
           </a:bodyPr>
           <a:lstStyle/>
           <a:p>
+            <a:r>
+              <a:rPr lang="fr-FR" dirty="0"/>
+              <a:t>Chaîne complète : collecte </a:t>
+            </a:r>
+            <a:r>
+              <a:rPr lang="fr-FR" dirty="0">
+                <a:sym typeface="Wingdings" panose="05000000000000000000" pitchFamily="2" charset="2"/>
+              </a:rPr>
+              <a:t></a:t>
+            </a:r>
+            <a:r>
+              <a:rPr lang="fr-FR" dirty="0"/>
+              <a:t> préparation </a:t>
+            </a:r>
+            <a:r>
+              <a:rPr lang="fr-FR" dirty="0">
+                <a:sym typeface="Wingdings" panose="05000000000000000000" pitchFamily="2" charset="2"/>
+              </a:rPr>
+              <a:t></a:t>
+            </a:r>
+            <a:r>
+              <a:rPr lang="fr-FR" dirty="0"/>
+              <a:t> pipeline </a:t>
+            </a:r>
+            <a:r>
+              <a:rPr lang="fr-FR" dirty="0">
+                <a:sym typeface="Wingdings" panose="05000000000000000000" pitchFamily="2" charset="2"/>
+              </a:rPr>
+              <a:t></a:t>
+            </a:r>
+            <a:r>
+              <a:rPr lang="fr-FR" dirty="0"/>
+              <a:t> entraînement/</a:t>
+            </a:r>
+            <a:r>
+              <a:rPr lang="fr-FR" dirty="0" err="1"/>
+              <a:t>MLflow</a:t>
+            </a:r>
+            <a:r>
+              <a:rPr lang="fr-FR" dirty="0"/>
+              <a:t> </a:t>
+            </a:r>
+            <a:r>
+              <a:rPr lang="fr-FR" dirty="0">
+                <a:sym typeface="Wingdings" panose="05000000000000000000" pitchFamily="2" charset="2"/>
+              </a:rPr>
+              <a:t></a:t>
+            </a:r>
+            <a:r>
+              <a:rPr lang="fr-FR" dirty="0"/>
+              <a:t> API </a:t>
+            </a:r>
+            <a:r>
+              <a:rPr lang="fr-FR" dirty="0">
+                <a:sym typeface="Wingdings" panose="05000000000000000000" pitchFamily="2" charset="2"/>
+              </a:rPr>
+              <a:t></a:t>
+            </a:r>
+            <a:r>
+              <a:rPr lang="fr-FR" dirty="0"/>
+              <a:t> frontend</a:t>
+            </a:r>
+          </a:p>
+          <a:p>
+            <a:r>
+              <a:rPr lang="fr-FR" dirty="0"/>
+              <a:t>Objectif : pas juste une analyse mais une solution utilisable end to end</a:t>
+            </a:r>
+          </a:p>
+          <a:p>
+            <a:r>
+              <a:rPr lang="fr-FR" dirty="0"/>
+              <a:t>Le </a:t>
+            </a:r>
+            <a:r>
+              <a:rPr lang="fr-FR" dirty="0" err="1"/>
+              <a:t>dashboard</a:t>
+            </a:r>
+            <a:r>
+              <a:rPr lang="fr-FR" dirty="0"/>
+              <a:t> consomme l’API pour la prédiction</a:t>
+            </a:r>
+          </a:p>
+          <a:p>
+            <a:r>
+              <a:rPr lang="fr-FR" dirty="0"/>
+              <a:t>L’utilisateur est complètement autonome</a:t>
+            </a:r>
+          </a:p>
+          <a:p>
+            <a:endParaRPr lang="fr-FR" dirty="0"/>
+          </a:p>
+          <a:p>
             <a:pPr marL="0" lvl="0" indent="0" algn="l" rtl="0">
               <a:lnSpc>
                 <a:spcPct val="100000"/>
@@ -2648,16 +3079,51 @@
           </a:bodyPr>
           <a:lstStyle/>
           <a:p>
-            <a:pPr marL="0" lvl="0" indent="0" algn="l" rtl="0">
-              <a:spcBef>
-                <a:spcPts val="0"/>
-              </a:spcBef>
-              <a:spcAft>
-                <a:spcPts val="0"/>
-              </a:spcAft>
-              <a:buNone/>
-            </a:pPr>
-            <a:endParaRPr dirty="0"/>
+            <a:r>
+              <a:rPr lang="fr-FR" dirty="0"/>
+              <a:t>Constat : </a:t>
+            </a:r>
+            <a:r>
+              <a:rPr lang="fr-FR" b="1" dirty="0"/>
+              <a:t>Mobile</a:t>
+            </a:r>
+            <a:r>
+              <a:rPr lang="fr-FR" dirty="0"/>
+              <a:t> est plus risqué que </a:t>
+            </a:r>
+            <a:r>
+              <a:rPr lang="fr-FR" b="1" dirty="0" err="1"/>
+              <a:t>Connect</a:t>
+            </a:r>
+            <a:r>
+              <a:rPr lang="fr-FR" dirty="0"/>
+              <a:t> (impact plus élevé)</a:t>
+            </a:r>
+          </a:p>
+          <a:p>
+            <a:r>
+              <a:rPr lang="fr-FR" dirty="0"/>
+              <a:t>Quand T augmente : on résout plus d’incidents, mais </a:t>
+            </a:r>
+            <a:r>
+              <a:rPr lang="fr-FR" b="1" dirty="0"/>
+              <a:t>avec un plafonnement après 60–90 min</a:t>
+            </a:r>
+            <a:endParaRPr lang="fr-FR" dirty="0"/>
+          </a:p>
+          <a:p>
+            <a:r>
+              <a:rPr lang="fr-FR" dirty="0"/>
+              <a:t>Trade-off : T réduit les incidents, mais augmente les </a:t>
+            </a:r>
+            <a:r>
+              <a:rPr lang="fr-FR" b="1" dirty="0"/>
+              <a:t>locations affectées</a:t>
+            </a:r>
+            <a:r>
+              <a:rPr lang="fr-FR" dirty="0"/>
+              <a:t> (contraintes/volume)</a:t>
+            </a:r>
           </a:p>
         </p:txBody>
       </p:sp>
@@ -2770,16 +3236,66 @@
           </a:bodyPr>
           <a:lstStyle/>
           <a:p>
-            <a:pPr marL="0" lvl="0" indent="0" algn="l" rtl="0">
-              <a:spcBef>
-                <a:spcPts val="0"/>
-              </a:spcBef>
-              <a:spcAft>
-                <a:spcPts val="0"/>
-              </a:spcAft>
-              <a:buNone/>
-            </a:pPr>
-            <a:endParaRPr dirty="0"/>
+            <a:r>
+              <a:rPr lang="fr-FR" dirty="0"/>
+              <a:t>Distribution : prix concentrés autour d’une zone centrale (100–150 /jour) + </a:t>
+            </a:r>
+            <a:r>
+              <a:rPr lang="fr-FR" dirty="0" err="1"/>
+              <a:t>outliers</a:t>
+            </a:r>
+            <a:endParaRPr lang="fr-FR" dirty="0"/>
+          </a:p>
+          <a:p>
+            <a:r>
+              <a:rPr lang="fr-FR" dirty="0"/>
+              <a:t>Effet </a:t>
+            </a:r>
+            <a:r>
+              <a:rPr lang="fr-FR" dirty="0" err="1"/>
+              <a:t>kilimétrage</a:t>
+            </a:r>
+            <a:r>
+              <a:rPr lang="fr-FR" dirty="0"/>
+              <a:t> : plus la voiture a de kilomètres plus le </a:t>
+            </a:r>
+            <a:r>
+              <a:rPr lang="fr-FR" b="1" dirty="0"/>
+              <a:t>prix baisse</a:t>
+            </a:r>
+            <a:endParaRPr lang="fr-FR" dirty="0"/>
+          </a:p>
+          <a:p>
+            <a:r>
+              <a:rPr lang="fr-FR" dirty="0"/>
+              <a:t>Effet puissance : </a:t>
+            </a:r>
+            <a:r>
+              <a:rPr lang="fr-FR" dirty="0" err="1"/>
+              <a:t>engine_power</a:t>
+            </a:r>
+            <a:r>
+              <a:rPr lang="fr-FR" dirty="0"/>
+              <a:t> </a:t>
+            </a:r>
+            <a:r>
+              <a:rPr lang="fr-FR" dirty="0">
+                <a:sym typeface="Wingdings" panose="05000000000000000000" pitchFamily="2" charset="2"/>
+              </a:rPr>
+              <a:t></a:t>
+            </a:r>
+            <a:r>
+              <a:rPr lang="fr-FR" dirty="0"/>
+              <a:t> </a:t>
+            </a:r>
+            <a:r>
+              <a:rPr lang="fr-FR" b="1" dirty="0"/>
+              <a:t>prix en hausse monte</a:t>
+            </a:r>
+            <a:r>
+              <a:rPr lang="fr-FR" dirty="0"/>
+              <a:t>, avec quelques haut de gamme</a:t>
+            </a:r>
           </a:p>
         </p:txBody>
       </p:sp>
@@ -19129,137 +19645,6 @@
           </a:p>
         </p:txBody>
       </p:sp>
-      <p:grpSp>
-        <p:nvGrpSpPr>
-          <p:cNvPr id="13" name="Groupe 12">
-            <a:extLst>
-              <a:ext uri="{FF2B5EF4-FFF2-40B4-BE49-F238E27FC236}">
-                <a16:creationId xmlns:a16="http://schemas.microsoft.com/office/drawing/2014/main" id="{C68D3C11-FF4A-152A-15F7-5496E4E77F38}"/>
-              </a:ext>
-            </a:extLst>
-          </p:cNvPr>
-          <p:cNvGrpSpPr/>
-          <p:nvPr/>
-        </p:nvGrpSpPr>
-        <p:grpSpPr>
-          <a:xfrm>
-            <a:off x="3626697" y="1259399"/>
-            <a:ext cx="503125" cy="306978"/>
-            <a:chOff x="5129933" y="1197972"/>
-            <a:chExt cx="679703" cy="414716"/>
-          </a:xfrm>
-        </p:grpSpPr>
-        <p:sp>
-          <p:nvSpPr>
-            <p:cNvPr id="9" name="Flèche : demi-tour 8">
-              <a:extLst>
-                <a:ext uri="{FF2B5EF4-FFF2-40B4-BE49-F238E27FC236}">
-                  <a16:creationId xmlns:a16="http://schemas.microsoft.com/office/drawing/2014/main" id="{8C998E6D-28B7-7E7D-F69E-30B2E9223F02}"/>
-                </a:ext>
-              </a:extLst>
-            </p:cNvPr>
-            <p:cNvSpPr/>
-            <p:nvPr/>
-          </p:nvSpPr>
-          <p:spPr>
-            <a:xfrm rot="5400000" flipH="1">
-              <a:off x="5434669" y="1202078"/>
-              <a:ext cx="379074" cy="370861"/>
-            </a:xfrm>
-            <a:prstGeom prst="uturnArrow">
-              <a:avLst>
-                <a:gd name="adj1" fmla="val 24379"/>
-                <a:gd name="adj2" fmla="val 25000"/>
-                <a:gd name="adj3" fmla="val 25000"/>
-                <a:gd name="adj4" fmla="val 43750"/>
-                <a:gd name="adj5" fmla="val 75000"/>
-              </a:avLst>
-            </a:prstGeom>
-            <a:ln w="12700"/>
-          </p:spPr>
-          <p:style>
-            <a:lnRef idx="2">
-              <a:schemeClr val="accent1"/>
-            </a:lnRef>
-            <a:fillRef idx="1">
-              <a:schemeClr val="lt1"/>
-            </a:fillRef>
-            <a:effectRef idx="0">
-              <a:schemeClr val="accent1"/>
-            </a:effectRef>
-            <a:fontRef idx="minor">
-              <a:schemeClr val="dk1"/>
-            </a:fontRef>
-          </p:style>
-          <p:txBody>
-            <a:bodyPr rtlCol="0" anchor="ctr"/>
-            <a:lstStyle/>
-            <a:p>
-              <a:pPr algn="ctr"/>
-              <a:endParaRPr lang="fr-FR">
-                <a:solidFill>
-                  <a:schemeClr val="tx1"/>
-                </a:solidFill>
-              </a:endParaRPr>
-            </a:p>
-          </p:txBody>
-        </p:sp>
-        <p:sp>
-          <p:nvSpPr>
-            <p:cNvPr id="12" name="Flèche : demi-tour 11">
-              <a:extLst>
-                <a:ext uri="{FF2B5EF4-FFF2-40B4-BE49-F238E27FC236}">
-                  <a16:creationId xmlns:a16="http://schemas.microsoft.com/office/drawing/2014/main" id="{B782929E-1773-2DBE-2755-66E7F62F7548}"/>
-                </a:ext>
-              </a:extLst>
-            </p:cNvPr>
-            <p:cNvSpPr/>
-            <p:nvPr/>
-          </p:nvSpPr>
-          <p:spPr>
-            <a:xfrm rot="16200000" flipH="1">
-              <a:off x="5125827" y="1237720"/>
-              <a:ext cx="379074" cy="370861"/>
-            </a:xfrm>
-            <a:prstGeom prst="uturnArrow">
-              <a:avLst>
-                <a:gd name="adj1" fmla="val 24379"/>
-                <a:gd name="adj2" fmla="val 25000"/>
-                <a:gd name="adj3" fmla="val 25000"/>
-                <a:gd name="adj4" fmla="val 43750"/>
-                <a:gd name="adj5" fmla="val 75000"/>
-              </a:avLst>
-            </a:prstGeom>
-            <a:ln w="12700"/>
-          </p:spPr>
-          <p:style>
-            <a:lnRef idx="2">
-              <a:schemeClr val="accent1"/>
-            </a:lnRef>
-            <a:fillRef idx="1">
-              <a:schemeClr val="lt1"/>
-            </a:fillRef>
-            <a:effectRef idx="0">
-              <a:schemeClr val="accent1"/>
-            </a:effectRef>
-            <a:fontRef idx="minor">
-              <a:schemeClr val="dk1"/>
-            </a:fontRef>
-          </p:style>
-          <p:txBody>
-            <a:bodyPr rtlCol="0" anchor="ctr"/>
-            <a:lstStyle/>
-            <a:p>
-              <a:pPr algn="ctr"/>
-              <a:endParaRPr lang="fr-FR">
-                <a:solidFill>
-                  <a:schemeClr val="tx1"/>
-                </a:solidFill>
-              </a:endParaRPr>
-            </a:p>
-          </p:txBody>
-        </p:sp>
-      </p:grpSp>
     </p:spTree>
   </p:cSld>
   <p:clrMapOvr>
@@ -19443,7 +19828,7 @@
                                           </p:stCondLst>
                                         </p:cTn>
                                         <p:tgtEl>
-                                          <p:spTgt spid="16"/>
+                                          <p:spTgt spid="5"/>
                                         </p:tgtEl>
                                         <p:attrNameLst>
                                           <p:attrName>style.visibility</p:attrName>
@@ -19470,7 +19855,7 @@
                                           </p:stCondLst>
                                         </p:cTn>
                                         <p:tgtEl>
-                                          <p:spTgt spid="5"/>
+                                          <p:spTgt spid="16"/>
                                         </p:tgtEl>
                                         <p:attrNameLst>
                                           <p:attrName>style.visibility</p:attrName>
@@ -19515,7 +19900,7 @@
                                           </p:stCondLst>
                                         </p:cTn>
                                         <p:tgtEl>
-                                          <p:spTgt spid="6"/>
+                                          <p:spTgt spid="17"/>
                                         </p:tgtEl>
                                         <p:attrNameLst>
                                           <p:attrName>style.visibility</p:attrName>
@@ -19542,7 +19927,7 @@
                                           </p:stCondLst>
                                         </p:cTn>
                                         <p:tgtEl>
-                                          <p:spTgt spid="17"/>
+                                          <p:spTgt spid="6"/>
                                         </p:tgtEl>
                                         <p:attrNameLst>
                                           <p:attrName>style.visibility</p:attrName>
@@ -19574,7 +19959,7 @@
                             </p:stCondLst>
                             <p:childTnLst>
                               <p:par>
-                                <p:cTn id="29" presetID="1" presetClass="entr" presetSubtype="0" fill="hold" nodeType="clickEffect">
+                                <p:cTn id="29" presetID="1" presetClass="entr" presetSubtype="0" fill="hold" grpId="0" nodeType="clickEffect">
                                   <p:stCondLst>
                                     <p:cond delay="0"/>
                                   </p:stCondLst>
@@ -19582,51 +19967,6 @@
                                     <p:set>
                                       <p:cBhvr>
                                         <p:cTn id="30" dur="1" fill="hold">
-                                          <p:stCondLst>
-                                            <p:cond delay="0"/>
-                                          </p:stCondLst>
-                                        </p:cTn>
-                                        <p:tgtEl>
-                                          <p:spTgt spid="13"/>
-                                        </p:tgtEl>
-                                        <p:attrNameLst>
-                                          <p:attrName>style.visibility</p:attrName>
-                                        </p:attrNameLst>
-                                      </p:cBhvr>
-                                      <p:to>
-                                        <p:strVal val="visible"/>
-                                      </p:to>
-                                    </p:set>
-                                  </p:childTnLst>
-                                </p:cTn>
-                              </p:par>
-                            </p:childTnLst>
-                          </p:cTn>
-                        </p:par>
-                      </p:childTnLst>
-                    </p:cTn>
-                  </p:par>
-                  <p:par>
-                    <p:cTn id="31" fill="hold">
-                      <p:stCondLst>
-                        <p:cond delay="indefinite"/>
-                      </p:stCondLst>
-                      <p:childTnLst>
-                        <p:par>
-                          <p:cTn id="32" fill="hold">
-                            <p:stCondLst>
-                              <p:cond delay="0"/>
-                            </p:stCondLst>
-                            <p:childTnLst>
-                              <p:par>
-                                <p:cTn id="33" presetID="1" presetClass="entr" presetSubtype="0" fill="hold" grpId="0" nodeType="clickEffect">
-                                  <p:stCondLst>
-                                    <p:cond delay="0"/>
-                                  </p:stCondLst>
-                                  <p:childTnLst>
-                                    <p:set>
-                                      <p:cBhvr>
-                                        <p:cTn id="34" dur="1" fill="hold">
                                           <p:stCondLst>
                                             <p:cond delay="0"/>
                                           </p:stCondLst>
@@ -19646,14 +19986,14 @@
                                 </p:cTn>
                               </p:par>
                               <p:par>
-                                <p:cTn id="35" presetID="1" presetClass="entr" presetSubtype="0" fill="hold" grpId="0" nodeType="withEffect">
+                                <p:cTn id="31" presetID="1" presetClass="entr" presetSubtype="0" fill="hold" grpId="0" nodeType="withEffect">
                                   <p:stCondLst>
                                     <p:cond delay="0"/>
                                   </p:stCondLst>
                                   <p:childTnLst>
                                     <p:set>
                                       <p:cBhvr>
-                                        <p:cTn id="36" dur="1" fill="hold">
+                                        <p:cTn id="32" dur="1" fill="hold">
                                           <p:stCondLst>
                                             <p:cond delay="0"/>
                                           </p:stCondLst>
@@ -19738,63 +20078,6 @@
           <a:chExt cx="0" cy="0"/>
         </a:xfrm>
       </p:grpSpPr>
-      <p:sp>
-        <p:nvSpPr>
-          <p:cNvPr id="98" name="Rectangle : coins arrondis 97">
-            <a:extLst>
-              <a:ext uri="{FF2B5EF4-FFF2-40B4-BE49-F238E27FC236}">
-                <a16:creationId xmlns:a16="http://schemas.microsoft.com/office/drawing/2014/main" id="{DC03F088-F580-351B-D5FE-5AE0A2FB4E6B}"/>
-              </a:ext>
-            </a:extLst>
-          </p:cNvPr>
-          <p:cNvSpPr/>
-          <p:nvPr/>
-        </p:nvSpPr>
-        <p:spPr>
-          <a:xfrm>
-            <a:off x="2496506" y="1709556"/>
-            <a:ext cx="1733500" cy="2867668"/>
-          </a:xfrm>
-          <a:prstGeom prst="roundRect">
-            <a:avLst/>
-          </a:prstGeom>
-          <a:solidFill>
-            <a:srgbClr val="F7F7F7"/>
-          </a:solidFill>
-          <a:ln w="9525">
-            <a:solidFill>
-              <a:schemeClr val="bg1">
-                <a:lumMod val="65000"/>
-              </a:schemeClr>
-            </a:solidFill>
-            <a:prstDash val="dash"/>
-          </a:ln>
-        </p:spPr>
-        <p:style>
-          <a:lnRef idx="2">
-            <a:schemeClr val="accent1">
-              <a:shade val="15000"/>
-            </a:schemeClr>
-          </a:lnRef>
-          <a:fillRef idx="1">
-            <a:schemeClr val="accent1"/>
-          </a:fillRef>
-          <a:effectRef idx="0">
-            <a:schemeClr val="accent1"/>
-          </a:effectRef>
-          <a:fontRef idx="minor">
-            <a:schemeClr val="lt1"/>
-          </a:fontRef>
-        </p:style>
-        <p:txBody>
-          <a:bodyPr rtlCol="0" anchor="ctr"/>
-          <a:lstStyle/>
-          <a:p>
-            <a:pPr algn="ctr"/>
-            <a:endParaRPr lang="fr-FR" dirty="0"/>
-          </a:p>
-        </p:txBody>
-      </p:sp>
       <p:sp>
         <p:nvSpPr>
           <p:cNvPr id="26" name="Forme libre : forme 25">
@@ -20683,440 +20966,6 @@
           </a:p>
         </p:txBody>
       </p:sp>
-      <p:sp>
-        <p:nvSpPr>
-          <p:cNvPr id="5" name="Rectangle : coins arrondis 4">
-            <a:extLst>
-              <a:ext uri="{FF2B5EF4-FFF2-40B4-BE49-F238E27FC236}">
-                <a16:creationId xmlns:a16="http://schemas.microsoft.com/office/drawing/2014/main" id="{564CE1A9-869C-774B-0E58-18DB76A3FCD2}"/>
-              </a:ext>
-            </a:extLst>
-          </p:cNvPr>
-          <p:cNvSpPr/>
-          <p:nvPr/>
-        </p:nvSpPr>
-        <p:spPr>
-          <a:xfrm>
-            <a:off x="2305374" y="1304200"/>
-            <a:ext cx="4118299" cy="106642"/>
-          </a:xfrm>
-          <a:prstGeom prst="roundRect">
-            <a:avLst/>
-          </a:prstGeom>
-          <a:solidFill>
-            <a:srgbClr val="00B050"/>
-          </a:solidFill>
-          <a:ln w="12700" cap="flat" cmpd="sng" algn="ctr">
-            <a:noFill/>
-            <a:prstDash val="solid"/>
-            <a:miter lim="800000"/>
-          </a:ln>
-          <a:effectLst/>
-        </p:spPr>
-        <p:txBody>
-          <a:bodyPr rot="0" spcFirstLastPara="0" vertOverflow="overflow" horzOverflow="overflow" vert="horz" wrap="square" lIns="74295" tIns="37148" rIns="74295" bIns="37148" numCol="1" spcCol="0" rtlCol="0" fromWordArt="0" anchor="ctr" anchorCtr="0" forceAA="0" compatLnSpc="1">
-            <a:prstTxWarp prst="textNoShape">
-              <a:avLst/>
-            </a:prstTxWarp>
-            <a:noAutofit/>
-          </a:bodyPr>
-          <a:lstStyle/>
-          <a:p>
-            <a:pPr algn="ctr">
-              <a:buClrTx/>
-            </a:pPr>
-            <a:r>
-              <a:rPr lang="fr-FR" sz="800" b="1" kern="1200" dirty="0">
-                <a:solidFill>
-                  <a:schemeClr val="bg1"/>
-                </a:solidFill>
-                <a:latin typeface="Calibri" panose="020F0502020204030204" pitchFamily="34" charset="0"/>
-                <a:ea typeface="+mn-ea"/>
-                <a:cs typeface="Calibri" panose="020F0502020204030204" pitchFamily="34" charset="0"/>
-              </a:rPr>
-              <a:t>Backend</a:t>
-            </a:r>
-          </a:p>
-        </p:txBody>
-      </p:sp>
-      <p:cxnSp>
-        <p:nvCxnSpPr>
-          <p:cNvPr id="28" name="Connecteur droit 27">
-            <a:extLst>
-              <a:ext uri="{FF2B5EF4-FFF2-40B4-BE49-F238E27FC236}">
-                <a16:creationId xmlns:a16="http://schemas.microsoft.com/office/drawing/2014/main" id="{66A68388-D1A7-6AC6-5F1F-65E1A6494D4A}"/>
-              </a:ext>
-            </a:extLst>
-          </p:cNvPr>
-          <p:cNvCxnSpPr/>
-          <p:nvPr/>
-        </p:nvCxnSpPr>
-        <p:spPr>
-          <a:xfrm>
-            <a:off x="2293137" y="1458686"/>
-            <a:ext cx="0" cy="3272971"/>
-          </a:xfrm>
-          <a:prstGeom prst="line">
-            <a:avLst/>
-          </a:prstGeom>
-          <a:ln w="19050">
-            <a:solidFill>
-              <a:schemeClr val="bg1">
-                <a:lumMod val="75000"/>
-              </a:schemeClr>
-            </a:solidFill>
-            <a:prstDash val="dash"/>
-          </a:ln>
-        </p:spPr>
-        <p:style>
-          <a:lnRef idx="1">
-            <a:schemeClr val="dk1"/>
-          </a:lnRef>
-          <a:fillRef idx="0">
-            <a:schemeClr val="dk1"/>
-          </a:fillRef>
-          <a:effectRef idx="0">
-            <a:schemeClr val="dk1"/>
-          </a:effectRef>
-          <a:fontRef idx="minor">
-            <a:schemeClr val="tx1"/>
-          </a:fontRef>
-        </p:style>
-      </p:cxnSp>
-      <p:pic>
-        <p:nvPicPr>
-          <p:cNvPr id="127" name="Picture 8">
-            <a:extLst>
-              <a:ext uri="{FF2B5EF4-FFF2-40B4-BE49-F238E27FC236}">
-                <a16:creationId xmlns:a16="http://schemas.microsoft.com/office/drawing/2014/main" id="{0DF6E305-58E0-10D9-0E90-7E26126193AF}"/>
-              </a:ext>
-            </a:extLst>
-          </p:cNvPr>
-          <p:cNvPicPr>
-            <a:picLocks noChangeAspect="1" noChangeArrowheads="1"/>
-          </p:cNvPicPr>
-          <p:nvPr/>
-        </p:nvPicPr>
-        <p:blipFill rotWithShape="1">
-          <a:blip r:embed="rId5">
-            <a:extLst>
-              <a:ext uri="{28A0092B-C50C-407E-A947-70E740481C1C}">
-                <a14:useLocalDpi xmlns:a14="http://schemas.microsoft.com/office/drawing/2010/main" val="0"/>
-              </a:ext>
-            </a:extLst>
-          </a:blip>
-          <a:srcRect r="14203"/>
-          <a:stretch>
-            <a:fillRect/>
-          </a:stretch>
-        </p:blipFill>
-        <p:spPr bwMode="auto">
-          <a:xfrm>
-            <a:off x="1666945" y="2090436"/>
-            <a:ext cx="492649" cy="574192"/>
-          </a:xfrm>
-          <a:prstGeom prst="rect">
-            <a:avLst/>
-          </a:prstGeom>
-          <a:noFill/>
-          <a:extLst>
-            <a:ext uri="{909E8E84-426E-40DD-AFC4-6F175D3DCCD1}">
-              <a14:hiddenFill xmlns:a14="http://schemas.microsoft.com/office/drawing/2010/main">
-                <a:solidFill>
-                  <a:srgbClr val="FFFFFF"/>
-                </a:solidFill>
-              </a14:hiddenFill>
-            </a:ext>
-          </a:extLst>
-        </p:spPr>
-      </p:pic>
-      <p:pic>
-        <p:nvPicPr>
-          <p:cNvPr id="1033" name="Picture 10">
-            <a:extLst>
-              <a:ext uri="{FF2B5EF4-FFF2-40B4-BE49-F238E27FC236}">
-                <a16:creationId xmlns:a16="http://schemas.microsoft.com/office/drawing/2014/main" id="{FD816D59-77CA-1E04-DAC5-C8410FAC6198}"/>
-              </a:ext>
-            </a:extLst>
-          </p:cNvPr>
-          <p:cNvPicPr>
-            <a:picLocks noChangeAspect="1" noChangeArrowheads="1"/>
-          </p:cNvPicPr>
-          <p:nvPr/>
-        </p:nvPicPr>
-        <p:blipFill rotWithShape="1">
-          <a:blip r:embed="rId6">
-            <a:extLst>
-              <a:ext uri="{28A0092B-C50C-407E-A947-70E740481C1C}">
-                <a14:useLocalDpi xmlns:a14="http://schemas.microsoft.com/office/drawing/2010/main" val="0"/>
-              </a:ext>
-            </a:extLst>
-          </a:blip>
-          <a:srcRect r="14775"/>
-          <a:stretch>
-            <a:fillRect/>
-          </a:stretch>
-        </p:blipFill>
-        <p:spPr bwMode="auto">
-          <a:xfrm>
-            <a:off x="1684197" y="3519442"/>
-            <a:ext cx="492665" cy="578072"/>
-          </a:xfrm>
-          <a:prstGeom prst="rect">
-            <a:avLst/>
-          </a:prstGeom>
-          <a:noFill/>
-          <a:extLst>
-            <a:ext uri="{909E8E84-426E-40DD-AFC4-6F175D3DCCD1}">
-              <a14:hiddenFill xmlns:a14="http://schemas.microsoft.com/office/drawing/2010/main">
-                <a:solidFill>
-                  <a:srgbClr val="FFFFFF"/>
-                </a:solidFill>
-              </a14:hiddenFill>
-            </a:ext>
-          </a:extLst>
-        </p:spPr>
-      </p:pic>
-      <p:sp>
-        <p:nvSpPr>
-          <p:cNvPr id="3" name="Rectangle : coins arrondis 2">
-            <a:extLst>
-              <a:ext uri="{FF2B5EF4-FFF2-40B4-BE49-F238E27FC236}">
-                <a16:creationId xmlns:a16="http://schemas.microsoft.com/office/drawing/2014/main" id="{33B23519-5EFA-F17A-CAA2-6EF8A191B3CD}"/>
-              </a:ext>
-            </a:extLst>
-          </p:cNvPr>
-          <p:cNvSpPr/>
-          <p:nvPr/>
-        </p:nvSpPr>
-        <p:spPr>
-          <a:xfrm>
-            <a:off x="456435" y="1694386"/>
-            <a:ext cx="972305" cy="2883756"/>
-          </a:xfrm>
-          <a:prstGeom prst="roundRect">
-            <a:avLst/>
-          </a:prstGeom>
-          <a:noFill/>
-          <a:ln w="9525">
-            <a:solidFill>
-              <a:schemeClr val="bg1">
-                <a:lumMod val="65000"/>
-              </a:schemeClr>
-            </a:solidFill>
-            <a:prstDash val="dash"/>
-          </a:ln>
-        </p:spPr>
-        <p:style>
-          <a:lnRef idx="2">
-            <a:schemeClr val="accent1">
-              <a:shade val="15000"/>
-            </a:schemeClr>
-          </a:lnRef>
-          <a:fillRef idx="1">
-            <a:schemeClr val="accent1"/>
-          </a:fillRef>
-          <a:effectRef idx="0">
-            <a:schemeClr val="accent1"/>
-          </a:effectRef>
-          <a:fontRef idx="minor">
-            <a:schemeClr val="lt1"/>
-          </a:fontRef>
-        </p:style>
-        <p:txBody>
-          <a:bodyPr rtlCol="0" anchor="ctr"/>
-          <a:lstStyle/>
-          <a:p>
-            <a:pPr algn="ctr"/>
-            <a:endParaRPr lang="fr-FR" dirty="0"/>
-          </a:p>
-        </p:txBody>
-      </p:sp>
-      <p:cxnSp>
-        <p:nvCxnSpPr>
-          <p:cNvPr id="6" name="Connecteur droit avec flèche 5">
-            <a:extLst>
-              <a:ext uri="{FF2B5EF4-FFF2-40B4-BE49-F238E27FC236}">
-                <a16:creationId xmlns:a16="http://schemas.microsoft.com/office/drawing/2014/main" id="{804A8FE7-27C3-4C54-36F8-6A8C0900C5DA}"/>
-              </a:ext>
-            </a:extLst>
-          </p:cNvPr>
-          <p:cNvCxnSpPr>
-            <a:cxnSpLocks/>
-          </p:cNvCxnSpPr>
-          <p:nvPr/>
-        </p:nvCxnSpPr>
-        <p:spPr>
-          <a:xfrm>
-            <a:off x="1429014" y="2383224"/>
-            <a:ext cx="362079" cy="0"/>
-          </a:xfrm>
-          <a:prstGeom prst="straightConnector1">
-            <a:avLst/>
-          </a:prstGeom>
-          <a:ln w="38100">
-            <a:solidFill>
-              <a:srgbClr val="B266FF"/>
-            </a:solidFill>
-            <a:tailEnd type="triangle"/>
-          </a:ln>
-        </p:spPr>
-        <p:style>
-          <a:lnRef idx="1">
-            <a:schemeClr val="accent1"/>
-          </a:lnRef>
-          <a:fillRef idx="0">
-            <a:schemeClr val="accent1"/>
-          </a:fillRef>
-          <a:effectRef idx="0">
-            <a:schemeClr val="accent1"/>
-          </a:effectRef>
-          <a:fontRef idx="minor">
-            <a:schemeClr val="tx1"/>
-          </a:fontRef>
-        </p:style>
-      </p:cxnSp>
-      <p:cxnSp>
-        <p:nvCxnSpPr>
-          <p:cNvPr id="10" name="Connecteur droit avec flèche 9">
-            <a:extLst>
-              <a:ext uri="{FF2B5EF4-FFF2-40B4-BE49-F238E27FC236}">
-                <a16:creationId xmlns:a16="http://schemas.microsoft.com/office/drawing/2014/main" id="{A34EFFD9-2B7F-223F-36C3-4CCC46291479}"/>
-              </a:ext>
-            </a:extLst>
-          </p:cNvPr>
-          <p:cNvCxnSpPr>
-            <a:cxnSpLocks/>
-          </p:cNvCxnSpPr>
-          <p:nvPr/>
-        </p:nvCxnSpPr>
-        <p:spPr>
-          <a:xfrm>
-            <a:off x="1429014" y="3808478"/>
-            <a:ext cx="362079" cy="0"/>
-          </a:xfrm>
-          <a:prstGeom prst="straightConnector1">
-            <a:avLst/>
-          </a:prstGeom>
-          <a:ln w="38100">
-            <a:solidFill>
-              <a:srgbClr val="FF0080"/>
-            </a:solidFill>
-            <a:tailEnd type="triangle"/>
-          </a:ln>
-        </p:spPr>
-        <p:style>
-          <a:lnRef idx="1">
-            <a:schemeClr val="accent1"/>
-          </a:lnRef>
-          <a:fillRef idx="0">
-            <a:schemeClr val="accent1"/>
-          </a:fillRef>
-          <a:effectRef idx="0">
-            <a:schemeClr val="accent1"/>
-          </a:effectRef>
-          <a:fontRef idx="minor">
-            <a:schemeClr val="tx1"/>
-          </a:fontRef>
-        </p:style>
-      </p:cxnSp>
-      <p:sp>
-        <p:nvSpPr>
-          <p:cNvPr id="2097" name="Rectangle 2096">
-            <a:extLst>
-              <a:ext uri="{FF2B5EF4-FFF2-40B4-BE49-F238E27FC236}">
-                <a16:creationId xmlns:a16="http://schemas.microsoft.com/office/drawing/2014/main" id="{ADF20F1D-E32A-83D7-1C9F-ED56E1ADF5A6}"/>
-              </a:ext>
-            </a:extLst>
-          </p:cNvPr>
-          <p:cNvSpPr/>
-          <p:nvPr/>
-        </p:nvSpPr>
-        <p:spPr>
-          <a:xfrm>
-            <a:off x="7908699" y="3312398"/>
-            <a:ext cx="362541" cy="326213"/>
-          </a:xfrm>
-          <a:prstGeom prst="rect">
-            <a:avLst/>
-          </a:prstGeom>
-          <a:noFill/>
-          <a:ln>
-            <a:noFill/>
-          </a:ln>
-        </p:spPr>
-        <p:style>
-          <a:lnRef idx="2">
-            <a:schemeClr val="accent1">
-              <a:shade val="15000"/>
-            </a:schemeClr>
-          </a:lnRef>
-          <a:fillRef idx="1">
-            <a:schemeClr val="accent1"/>
-          </a:fillRef>
-          <a:effectRef idx="0">
-            <a:schemeClr val="accent1"/>
-          </a:effectRef>
-          <a:fontRef idx="minor">
-            <a:schemeClr val="lt1"/>
-          </a:fontRef>
-        </p:style>
-        <p:txBody>
-          <a:bodyPr rtlCol="0" anchor="ctr"/>
-          <a:lstStyle/>
-          <a:p>
-            <a:pPr algn="ctr"/>
-            <a:endParaRPr lang="fr-FR" dirty="0"/>
-          </a:p>
-        </p:txBody>
-      </p:sp>
-      <p:pic>
-        <p:nvPicPr>
-          <p:cNvPr id="2052" name="Picture 4">
-            <a:extLst>
-              <a:ext uri="{FF2B5EF4-FFF2-40B4-BE49-F238E27FC236}">
-                <a16:creationId xmlns:a16="http://schemas.microsoft.com/office/drawing/2014/main" id="{FCCA093A-E48A-7B59-31BE-E1F8F80AD69D}"/>
-              </a:ext>
-            </a:extLst>
-          </p:cNvPr>
-          <p:cNvPicPr>
-            <a:picLocks noChangeAspect="1" noChangeArrowheads="1"/>
-          </p:cNvPicPr>
-          <p:nvPr/>
-        </p:nvPicPr>
-        <p:blipFill rotWithShape="1">
-          <a:blip r:embed="rId7">
-            <a:extLst>
-              <a:ext uri="{28A0092B-C50C-407E-A947-70E740481C1C}">
-                <a14:useLocalDpi xmlns:a14="http://schemas.microsoft.com/office/drawing/2010/main" val="0"/>
-              </a:ext>
-            </a:extLst>
-          </a:blip>
-          <a:srcRect l="12661" t="20885" r="16005" b="23808"/>
-          <a:stretch>
-            <a:fillRect/>
-          </a:stretch>
-        </p:blipFill>
-        <p:spPr bwMode="auto">
-          <a:xfrm>
-            <a:off x="7785778" y="1885388"/>
-            <a:ext cx="435834" cy="266773"/>
-          </a:xfrm>
-          <a:prstGeom prst="rect">
-            <a:avLst/>
-          </a:prstGeom>
-          <a:noFill/>
-          <a:extLst>
-            <a:ext uri="{909E8E84-426E-40DD-AFC4-6F175D3DCCD1}">
-              <a14:hiddenFill xmlns:a14="http://schemas.microsoft.com/office/drawing/2010/main">
-                <a:solidFill>
-                  <a:srgbClr val="FFFFFF"/>
-                </a:solidFill>
-              </a14:hiddenFill>
-            </a:ext>
-          </a:extLst>
-        </p:spPr>
-      </p:pic>
       <p:pic>
         <p:nvPicPr>
           <p:cNvPr id="43" name="Picture 2">
@@ -21132,7 +20981,7 @@
           <p:nvPr/>
         </p:nvPicPr>
         <p:blipFill rotWithShape="1">
-          <a:blip r:embed="rId8">
+          <a:blip r:embed="rId5">
             <a:extLst>
               <a:ext uri="{28A0092B-C50C-407E-A947-70E740481C1C}">
                 <a14:useLocalDpi xmlns:a14="http://schemas.microsoft.com/office/drawing/2010/main" val="0"/>
@@ -21164,1088 +21013,6 @@
           </a:extLst>
         </p:spPr>
       </p:pic>
-      <p:sp>
-        <p:nvSpPr>
-          <p:cNvPr id="54" name="Rectangle : coins arrondis 53">
-            <a:extLst>
-              <a:ext uri="{FF2B5EF4-FFF2-40B4-BE49-F238E27FC236}">
-                <a16:creationId xmlns:a16="http://schemas.microsoft.com/office/drawing/2014/main" id="{3E4E5C19-19D1-7DB3-6126-771BB460CA7E}"/>
-              </a:ext>
-            </a:extLst>
-          </p:cNvPr>
-          <p:cNvSpPr/>
-          <p:nvPr/>
-        </p:nvSpPr>
-        <p:spPr>
-          <a:xfrm>
-            <a:off x="7018263" y="2271252"/>
-            <a:ext cx="1098685" cy="415523"/>
-          </a:xfrm>
-          <a:prstGeom prst="roundRect">
-            <a:avLst/>
-          </a:prstGeom>
-          <a:solidFill>
-            <a:schemeClr val="bg1">
-              <a:lumMod val="95000"/>
-            </a:schemeClr>
-          </a:solidFill>
-          <a:ln>
-            <a:noFill/>
-          </a:ln>
-        </p:spPr>
-        <p:style>
-          <a:lnRef idx="2">
-            <a:schemeClr val="accent1">
-              <a:shade val="15000"/>
-            </a:schemeClr>
-          </a:lnRef>
-          <a:fillRef idx="1">
-            <a:schemeClr val="accent1"/>
-          </a:fillRef>
-          <a:effectRef idx="0">
-            <a:schemeClr val="accent1"/>
-          </a:effectRef>
-          <a:fontRef idx="minor">
-            <a:schemeClr val="lt1"/>
-          </a:fontRef>
-        </p:style>
-        <p:txBody>
-          <a:bodyPr rtlCol="0" anchor="ctr"/>
-          <a:lstStyle/>
-          <a:p>
-            <a:pPr algn="ctr"/>
-            <a:endParaRPr lang="fr-FR"/>
-          </a:p>
-        </p:txBody>
-      </p:sp>
-      <p:sp>
-        <p:nvSpPr>
-          <p:cNvPr id="55" name="ZoneTexte 54">
-            <a:extLst>
-              <a:ext uri="{FF2B5EF4-FFF2-40B4-BE49-F238E27FC236}">
-                <a16:creationId xmlns:a16="http://schemas.microsoft.com/office/drawing/2014/main" id="{C4EB1607-BC4B-15A3-0324-3D29B9154D63}"/>
-              </a:ext>
-            </a:extLst>
-          </p:cNvPr>
-          <p:cNvSpPr txBox="1"/>
-          <p:nvPr/>
-        </p:nvSpPr>
-        <p:spPr>
-          <a:xfrm>
-            <a:off x="6985463" y="2328730"/>
-            <a:ext cx="1156330" cy="338554"/>
-          </a:xfrm>
-          <a:prstGeom prst="rect">
-            <a:avLst/>
-          </a:prstGeom>
-          <a:noFill/>
-        </p:spPr>
-        <p:txBody>
-          <a:bodyPr wrap="square" rtlCol="0">
-            <a:spAutoFit/>
-          </a:bodyPr>
-          <a:lstStyle/>
-          <a:p>
-            <a:pPr algn="ctr"/>
-            <a:r>
-              <a:rPr lang="fr-FR" sz="900" dirty="0"/>
-              <a:t>EDA </a:t>
-            </a:r>
-          </a:p>
-          <a:p>
-            <a:pPr algn="ctr"/>
-            <a:r>
-              <a:rPr lang="fr-FR" sz="700" dirty="0"/>
-              <a:t>descriptive</a:t>
-            </a:r>
-          </a:p>
-        </p:txBody>
-      </p:sp>
-      <p:sp>
-        <p:nvSpPr>
-          <p:cNvPr id="56" name="Rectangle : coins arrondis 55">
-            <a:extLst>
-              <a:ext uri="{FF2B5EF4-FFF2-40B4-BE49-F238E27FC236}">
-                <a16:creationId xmlns:a16="http://schemas.microsoft.com/office/drawing/2014/main" id="{34BB09D2-59B3-0F52-1024-4F32B01B2F53}"/>
-              </a:ext>
-            </a:extLst>
-          </p:cNvPr>
-          <p:cNvSpPr/>
-          <p:nvPr/>
-        </p:nvSpPr>
-        <p:spPr>
-          <a:xfrm>
-            <a:off x="7012431" y="3200200"/>
-            <a:ext cx="1104517" cy="354222"/>
-          </a:xfrm>
-          <a:prstGeom prst="roundRect">
-            <a:avLst/>
-          </a:prstGeom>
-          <a:solidFill>
-            <a:schemeClr val="bg1">
-              <a:lumMod val="95000"/>
-            </a:schemeClr>
-          </a:solidFill>
-          <a:ln>
-            <a:noFill/>
-          </a:ln>
-        </p:spPr>
-        <p:style>
-          <a:lnRef idx="2">
-            <a:schemeClr val="accent1">
-              <a:shade val="15000"/>
-            </a:schemeClr>
-          </a:lnRef>
-          <a:fillRef idx="1">
-            <a:schemeClr val="accent1"/>
-          </a:fillRef>
-          <a:effectRef idx="0">
-            <a:schemeClr val="accent1"/>
-          </a:effectRef>
-          <a:fontRef idx="minor">
-            <a:schemeClr val="lt1"/>
-          </a:fontRef>
-        </p:style>
-        <p:txBody>
-          <a:bodyPr rtlCol="0" anchor="ctr"/>
-          <a:lstStyle/>
-          <a:p>
-            <a:pPr algn="ctr"/>
-            <a:endParaRPr lang="fr-FR"/>
-          </a:p>
-        </p:txBody>
-      </p:sp>
-      <p:sp>
-        <p:nvSpPr>
-          <p:cNvPr id="57" name="ZoneTexte 56">
-            <a:extLst>
-              <a:ext uri="{FF2B5EF4-FFF2-40B4-BE49-F238E27FC236}">
-                <a16:creationId xmlns:a16="http://schemas.microsoft.com/office/drawing/2014/main" id="{685F5B80-27B1-45A6-3DF8-0CF7271056CC}"/>
-              </a:ext>
-            </a:extLst>
-          </p:cNvPr>
-          <p:cNvSpPr txBox="1"/>
-          <p:nvPr/>
-        </p:nvSpPr>
-        <p:spPr>
-          <a:xfrm>
-            <a:off x="6985463" y="3253930"/>
-            <a:ext cx="1156330" cy="230832"/>
-          </a:xfrm>
-          <a:prstGeom prst="rect">
-            <a:avLst/>
-          </a:prstGeom>
-          <a:noFill/>
-        </p:spPr>
-        <p:txBody>
-          <a:bodyPr wrap="square" rtlCol="0">
-            <a:spAutoFit/>
-          </a:bodyPr>
-          <a:lstStyle/>
-          <a:p>
-            <a:pPr algn="ctr"/>
-            <a:r>
-              <a:rPr lang="fr-FR" sz="900" dirty="0"/>
-              <a:t>/PREDICT </a:t>
-            </a:r>
-          </a:p>
-        </p:txBody>
-      </p:sp>
-      <p:sp>
-        <p:nvSpPr>
-          <p:cNvPr id="1074" name="Rectangle : coins arrondis 1073">
-            <a:extLst>
-              <a:ext uri="{FF2B5EF4-FFF2-40B4-BE49-F238E27FC236}">
-                <a16:creationId xmlns:a16="http://schemas.microsoft.com/office/drawing/2014/main" id="{4162FACA-EA89-9D97-B392-632929E9443D}"/>
-              </a:ext>
-            </a:extLst>
-          </p:cNvPr>
-          <p:cNvSpPr/>
-          <p:nvPr/>
-        </p:nvSpPr>
-        <p:spPr>
-          <a:xfrm>
-            <a:off x="6881481" y="1873629"/>
-            <a:ext cx="1378407" cy="1764604"/>
-          </a:xfrm>
-          <a:prstGeom prst="roundRect">
-            <a:avLst>
-              <a:gd name="adj" fmla="val 7978"/>
-            </a:avLst>
-          </a:prstGeom>
-          <a:noFill/>
-          <a:ln w="9525">
-            <a:solidFill>
-              <a:srgbClr val="FFC000"/>
-            </a:solidFill>
-            <a:prstDash val="dash"/>
-          </a:ln>
-        </p:spPr>
-        <p:style>
-          <a:lnRef idx="2">
-            <a:schemeClr val="accent1">
-              <a:shade val="15000"/>
-            </a:schemeClr>
-          </a:lnRef>
-          <a:fillRef idx="1">
-            <a:schemeClr val="accent1"/>
-          </a:fillRef>
-          <a:effectRef idx="0">
-            <a:schemeClr val="accent1"/>
-          </a:effectRef>
-          <a:fontRef idx="minor">
-            <a:schemeClr val="lt1"/>
-          </a:fontRef>
-        </p:style>
-        <p:txBody>
-          <a:bodyPr rtlCol="0" anchor="ctr"/>
-          <a:lstStyle/>
-          <a:p>
-            <a:pPr algn="ctr"/>
-            <a:endParaRPr lang="fr-FR" dirty="0"/>
-          </a:p>
-        </p:txBody>
-      </p:sp>
-      <p:pic>
-        <p:nvPicPr>
-          <p:cNvPr id="21" name="Picture 14">
-            <a:extLst>
-              <a:ext uri="{FF2B5EF4-FFF2-40B4-BE49-F238E27FC236}">
-                <a16:creationId xmlns:a16="http://schemas.microsoft.com/office/drawing/2014/main" id="{174134F5-72A3-DA25-E671-C7DDD8DFA83A}"/>
-              </a:ext>
-            </a:extLst>
-          </p:cNvPr>
-          <p:cNvPicPr>
-            <a:picLocks noChangeAspect="1" noChangeArrowheads="1"/>
-          </p:cNvPicPr>
-          <p:nvPr/>
-        </p:nvPicPr>
-        <p:blipFill rotWithShape="1">
-          <a:blip r:embed="rId9">
-            <a:extLst>
-              <a:ext uri="{28A0092B-C50C-407E-A947-70E740481C1C}">
-                <a14:useLocalDpi xmlns:a14="http://schemas.microsoft.com/office/drawing/2010/main" val="0"/>
-              </a:ext>
-            </a:extLst>
-          </a:blip>
-          <a:srcRect l="6454" t="18548" b="24342"/>
-          <a:stretch>
-            <a:fillRect/>
-          </a:stretch>
-        </p:blipFill>
-        <p:spPr bwMode="auto">
-          <a:xfrm>
-            <a:off x="6885019" y="1985270"/>
-            <a:ext cx="800992" cy="179300"/>
-          </a:xfrm>
-          <a:prstGeom prst="rect">
-            <a:avLst/>
-          </a:prstGeom>
-          <a:noFill/>
-          <a:extLst>
-            <a:ext uri="{909E8E84-426E-40DD-AFC4-6F175D3DCCD1}">
-              <a14:hiddenFill xmlns:a14="http://schemas.microsoft.com/office/drawing/2010/main">
-                <a:solidFill>
-                  <a:srgbClr val="FFFFFF"/>
-                </a:solidFill>
-              </a14:hiddenFill>
-            </a:ext>
-          </a:extLst>
-        </p:spPr>
-      </p:pic>
-      <p:sp>
-        <p:nvSpPr>
-          <p:cNvPr id="23" name="Ellipse 22">
-            <a:extLst>
-              <a:ext uri="{FF2B5EF4-FFF2-40B4-BE49-F238E27FC236}">
-                <a16:creationId xmlns:a16="http://schemas.microsoft.com/office/drawing/2014/main" id="{14BA37FE-DD89-0B23-6089-5FD37763331C}"/>
-              </a:ext>
-            </a:extLst>
-          </p:cNvPr>
-          <p:cNvSpPr/>
-          <p:nvPr/>
-        </p:nvSpPr>
-        <p:spPr>
-          <a:xfrm>
-            <a:off x="7624519" y="2020902"/>
-            <a:ext cx="122984" cy="122984"/>
-          </a:xfrm>
-          <a:prstGeom prst="ellipse">
-            <a:avLst/>
-          </a:prstGeom>
-          <a:solidFill>
-            <a:srgbClr val="41545E"/>
-          </a:solidFill>
-          <a:ln>
-            <a:noFill/>
-          </a:ln>
-        </p:spPr>
-        <p:style>
-          <a:lnRef idx="2">
-            <a:schemeClr val="accent1">
-              <a:shade val="15000"/>
-            </a:schemeClr>
-          </a:lnRef>
-          <a:fillRef idx="1">
-            <a:schemeClr val="accent1"/>
-          </a:fillRef>
-          <a:effectRef idx="0">
-            <a:schemeClr val="accent1"/>
-          </a:effectRef>
-          <a:fontRef idx="minor">
-            <a:schemeClr val="lt1"/>
-          </a:fontRef>
-        </p:style>
-        <p:txBody>
-          <a:bodyPr rtlCol="0" anchor="ctr"/>
-          <a:lstStyle/>
-          <a:p>
-            <a:pPr algn="ctr"/>
-            <a:r>
-              <a:rPr lang="fr-FR" sz="900" dirty="0"/>
-              <a:t>+</a:t>
-            </a:r>
-          </a:p>
-        </p:txBody>
-      </p:sp>
-      <p:cxnSp>
-        <p:nvCxnSpPr>
-          <p:cNvPr id="30" name="Connecteur droit 29">
-            <a:extLst>
-              <a:ext uri="{FF2B5EF4-FFF2-40B4-BE49-F238E27FC236}">
-                <a16:creationId xmlns:a16="http://schemas.microsoft.com/office/drawing/2014/main" id="{DD9C7B50-C6F5-7260-C61A-2CAE5E4C0BF7}"/>
-              </a:ext>
-            </a:extLst>
-          </p:cNvPr>
-          <p:cNvCxnSpPr/>
-          <p:nvPr/>
-        </p:nvCxnSpPr>
-        <p:spPr>
-          <a:xfrm>
-            <a:off x="6450928" y="1458686"/>
-            <a:ext cx="0" cy="3272971"/>
-          </a:xfrm>
-          <a:prstGeom prst="line">
-            <a:avLst/>
-          </a:prstGeom>
-          <a:ln w="19050">
-            <a:solidFill>
-              <a:schemeClr val="bg1">
-                <a:lumMod val="75000"/>
-              </a:schemeClr>
-            </a:solidFill>
-            <a:prstDash val="dash"/>
-          </a:ln>
-        </p:spPr>
-        <p:style>
-          <a:lnRef idx="1">
-            <a:schemeClr val="dk1"/>
-          </a:lnRef>
-          <a:fillRef idx="0">
-            <a:schemeClr val="dk1"/>
-          </a:fillRef>
-          <a:effectRef idx="0">
-            <a:schemeClr val="dk1"/>
-          </a:effectRef>
-          <a:fontRef idx="minor">
-            <a:schemeClr val="tx1"/>
-          </a:fontRef>
-        </p:style>
-      </p:cxnSp>
-      <p:pic>
-        <p:nvPicPr>
-          <p:cNvPr id="1036" name="Picture 12">
-            <a:extLst>
-              <a:ext uri="{FF2B5EF4-FFF2-40B4-BE49-F238E27FC236}">
-                <a16:creationId xmlns:a16="http://schemas.microsoft.com/office/drawing/2014/main" id="{135630BC-F5F0-17C1-438A-A312C16997F8}"/>
-              </a:ext>
-            </a:extLst>
-          </p:cNvPr>
-          <p:cNvPicPr>
-            <a:picLocks noChangeAspect="1" noChangeArrowheads="1"/>
-          </p:cNvPicPr>
-          <p:nvPr/>
-        </p:nvPicPr>
-        <p:blipFill>
-          <a:blip r:embed="rId10">
-            <a:extLst>
-              <a:ext uri="{28A0092B-C50C-407E-A947-70E740481C1C}">
-                <a14:useLocalDpi xmlns:a14="http://schemas.microsoft.com/office/drawing/2010/main" val="0"/>
-              </a:ext>
-            </a:extLst>
-          </a:blip>
-          <a:srcRect/>
-          <a:stretch>
-            <a:fillRect/>
-          </a:stretch>
-        </p:blipFill>
-        <p:spPr bwMode="auto">
-          <a:xfrm>
-            <a:off x="5590470" y="2629059"/>
-            <a:ext cx="781468" cy="564394"/>
-          </a:xfrm>
-          <a:prstGeom prst="rect">
-            <a:avLst/>
-          </a:prstGeom>
-          <a:noFill/>
-          <a:extLst>
-            <a:ext uri="{909E8E84-426E-40DD-AFC4-6F175D3DCCD1}">
-              <a14:hiddenFill xmlns:a14="http://schemas.microsoft.com/office/drawing/2010/main">
-                <a:solidFill>
-                  <a:srgbClr val="FFFFFF"/>
-                </a:solidFill>
-              </a14:hiddenFill>
-            </a:ext>
-          </a:extLst>
-        </p:spPr>
-      </p:pic>
-      <p:pic>
-        <p:nvPicPr>
-          <p:cNvPr id="1038" name="Picture 14">
-            <a:extLst>
-              <a:ext uri="{FF2B5EF4-FFF2-40B4-BE49-F238E27FC236}">
-                <a16:creationId xmlns:a16="http://schemas.microsoft.com/office/drawing/2014/main" id="{1B3822DD-A0E9-A37F-0DE9-40781F1C3DF4}"/>
-              </a:ext>
-            </a:extLst>
-          </p:cNvPr>
-          <p:cNvPicPr>
-            <a:picLocks noChangeAspect="1" noChangeArrowheads="1"/>
-          </p:cNvPicPr>
-          <p:nvPr/>
-        </p:nvPicPr>
-        <p:blipFill rotWithShape="1">
-          <a:blip r:embed="rId9">
-            <a:extLst>
-              <a:ext uri="{28A0092B-C50C-407E-A947-70E740481C1C}">
-                <a14:useLocalDpi xmlns:a14="http://schemas.microsoft.com/office/drawing/2010/main" val="0"/>
-              </a:ext>
-            </a:extLst>
-          </a:blip>
-          <a:srcRect l="6454" t="18548" b="24342"/>
-          <a:stretch>
-            <a:fillRect/>
-          </a:stretch>
-        </p:blipFill>
-        <p:spPr bwMode="auto">
-          <a:xfrm>
-            <a:off x="4575513" y="2811008"/>
-            <a:ext cx="1009143" cy="225895"/>
-          </a:xfrm>
-          <a:prstGeom prst="rect">
-            <a:avLst/>
-          </a:prstGeom>
-          <a:noFill/>
-          <a:extLst>
-            <a:ext uri="{909E8E84-426E-40DD-AFC4-6F175D3DCCD1}">
-              <a14:hiddenFill xmlns:a14="http://schemas.microsoft.com/office/drawing/2010/main">
-                <a:solidFill>
-                  <a:srgbClr val="FFFFFF"/>
-                </a:solidFill>
-              </a14:hiddenFill>
-            </a:ext>
-          </a:extLst>
-        </p:spPr>
-      </p:pic>
-      <p:sp>
-        <p:nvSpPr>
-          <p:cNvPr id="47" name="Rectangle : coins arrondis 46">
-            <a:extLst>
-              <a:ext uri="{FF2B5EF4-FFF2-40B4-BE49-F238E27FC236}">
-                <a16:creationId xmlns:a16="http://schemas.microsoft.com/office/drawing/2014/main" id="{481D51B6-7D43-7926-6891-407782B836DE}"/>
-              </a:ext>
-            </a:extLst>
-          </p:cNvPr>
-          <p:cNvSpPr/>
-          <p:nvPr/>
-        </p:nvSpPr>
-        <p:spPr>
-          <a:xfrm>
-            <a:off x="4883346" y="3117246"/>
-            <a:ext cx="1107899" cy="560285"/>
-          </a:xfrm>
-          <a:prstGeom prst="roundRect">
-            <a:avLst/>
-          </a:prstGeom>
-          <a:solidFill>
-            <a:schemeClr val="bg1">
-              <a:lumMod val="95000"/>
-            </a:schemeClr>
-          </a:solidFill>
-          <a:ln>
-            <a:noFill/>
-          </a:ln>
-        </p:spPr>
-        <p:style>
-          <a:lnRef idx="2">
-            <a:schemeClr val="accent1">
-              <a:shade val="15000"/>
-            </a:schemeClr>
-          </a:lnRef>
-          <a:fillRef idx="1">
-            <a:schemeClr val="accent1"/>
-          </a:fillRef>
-          <a:effectRef idx="0">
-            <a:schemeClr val="accent1"/>
-          </a:effectRef>
-          <a:fontRef idx="minor">
-            <a:schemeClr val="lt1"/>
-          </a:fontRef>
-        </p:style>
-        <p:txBody>
-          <a:bodyPr rtlCol="0" anchor="ctr"/>
-          <a:lstStyle/>
-          <a:p>
-            <a:pPr algn="ctr"/>
-            <a:endParaRPr lang="fr-FR" dirty="0"/>
-          </a:p>
-        </p:txBody>
-      </p:sp>
-      <p:sp>
-        <p:nvSpPr>
-          <p:cNvPr id="48" name="ZoneTexte 47">
-            <a:extLst>
-              <a:ext uri="{FF2B5EF4-FFF2-40B4-BE49-F238E27FC236}">
-                <a16:creationId xmlns:a16="http://schemas.microsoft.com/office/drawing/2014/main" id="{FE31E2F0-6B8A-B0EE-9044-0597F28AE28A}"/>
-              </a:ext>
-            </a:extLst>
-          </p:cNvPr>
-          <p:cNvSpPr txBox="1"/>
-          <p:nvPr/>
-        </p:nvSpPr>
-        <p:spPr>
-          <a:xfrm>
-            <a:off x="4909152" y="3254964"/>
-            <a:ext cx="1079654" cy="338554"/>
-          </a:xfrm>
-          <a:prstGeom prst="rect">
-            <a:avLst/>
-          </a:prstGeom>
-          <a:noFill/>
-        </p:spPr>
-        <p:txBody>
-          <a:bodyPr wrap="square" rtlCol="0">
-            <a:spAutoFit/>
-          </a:bodyPr>
-          <a:lstStyle/>
-          <a:p>
-            <a:pPr algn="ctr"/>
-            <a:r>
-              <a:rPr lang="fr-FR" sz="800" b="1" dirty="0" err="1"/>
-              <a:t>Tracking</a:t>
-            </a:r>
-            <a:r>
-              <a:rPr lang="fr-FR" sz="800" b="1" dirty="0"/>
-              <a:t> du modèle</a:t>
-            </a:r>
-          </a:p>
-        </p:txBody>
-      </p:sp>
-      <p:sp>
-        <p:nvSpPr>
-          <p:cNvPr id="49" name="Rectangle : coins arrondis 48">
-            <a:extLst>
-              <a:ext uri="{FF2B5EF4-FFF2-40B4-BE49-F238E27FC236}">
-                <a16:creationId xmlns:a16="http://schemas.microsoft.com/office/drawing/2014/main" id="{8486A803-5325-E4EE-E6D1-9C2310E9372C}"/>
-              </a:ext>
-            </a:extLst>
-          </p:cNvPr>
-          <p:cNvSpPr/>
-          <p:nvPr/>
-        </p:nvSpPr>
-        <p:spPr>
-          <a:xfrm>
-            <a:off x="4881636" y="3967103"/>
-            <a:ext cx="1109609" cy="525360"/>
-          </a:xfrm>
-          <a:prstGeom prst="roundRect">
-            <a:avLst/>
-          </a:prstGeom>
-          <a:solidFill>
-            <a:schemeClr val="bg1">
-              <a:lumMod val="95000"/>
-            </a:schemeClr>
-          </a:solidFill>
-          <a:ln>
-            <a:noFill/>
-          </a:ln>
-        </p:spPr>
-        <p:style>
-          <a:lnRef idx="2">
-            <a:schemeClr val="accent1">
-              <a:shade val="15000"/>
-            </a:schemeClr>
-          </a:lnRef>
-          <a:fillRef idx="1">
-            <a:schemeClr val="accent1"/>
-          </a:fillRef>
-          <a:effectRef idx="0">
-            <a:schemeClr val="accent1"/>
-          </a:effectRef>
-          <a:fontRef idx="minor">
-            <a:schemeClr val="lt1"/>
-          </a:fontRef>
-        </p:style>
-        <p:txBody>
-          <a:bodyPr rtlCol="0" anchor="ctr"/>
-          <a:lstStyle/>
-          <a:p>
-            <a:pPr algn="ctr"/>
-            <a:endParaRPr lang="fr-FR"/>
-          </a:p>
-        </p:txBody>
-      </p:sp>
-      <p:sp>
-        <p:nvSpPr>
-          <p:cNvPr id="50" name="ZoneTexte 49">
-            <a:extLst>
-              <a:ext uri="{FF2B5EF4-FFF2-40B4-BE49-F238E27FC236}">
-                <a16:creationId xmlns:a16="http://schemas.microsoft.com/office/drawing/2014/main" id="{D45817E9-F26B-F5AC-E969-2DB4F41AE334}"/>
-              </a:ext>
-            </a:extLst>
-          </p:cNvPr>
-          <p:cNvSpPr txBox="1"/>
-          <p:nvPr/>
-        </p:nvSpPr>
-        <p:spPr>
-          <a:xfrm>
-            <a:off x="4911591" y="4082750"/>
-            <a:ext cx="1079654" cy="338554"/>
-          </a:xfrm>
-          <a:prstGeom prst="rect">
-            <a:avLst/>
-          </a:prstGeom>
-          <a:noFill/>
-        </p:spPr>
-        <p:txBody>
-          <a:bodyPr wrap="square" rtlCol="0">
-            <a:spAutoFit/>
-          </a:bodyPr>
-          <a:lstStyle/>
-          <a:p>
-            <a:pPr algn="ctr"/>
-            <a:r>
-              <a:rPr lang="fr-FR" sz="800" b="1" dirty="0"/>
-              <a:t>Registre et runs du modèle</a:t>
-            </a:r>
-          </a:p>
-        </p:txBody>
-      </p:sp>
-      <p:pic>
-        <p:nvPicPr>
-          <p:cNvPr id="2054" name="Picture 6">
-            <a:extLst>
-              <a:ext uri="{FF2B5EF4-FFF2-40B4-BE49-F238E27FC236}">
-                <a16:creationId xmlns:a16="http://schemas.microsoft.com/office/drawing/2014/main" id="{A2294E8E-D08B-505D-5B9D-D8788A9CD32B}"/>
-              </a:ext>
-            </a:extLst>
-          </p:cNvPr>
-          <p:cNvPicPr>
-            <a:picLocks noChangeAspect="1" noChangeArrowheads="1"/>
-          </p:cNvPicPr>
-          <p:nvPr/>
-        </p:nvPicPr>
-        <p:blipFill>
-          <a:blip r:embed="rId11">
-            <a:extLst>
-              <a:ext uri="{28A0092B-C50C-407E-A947-70E740481C1C}">
-                <a14:useLocalDpi xmlns:a14="http://schemas.microsoft.com/office/drawing/2010/main" val="0"/>
-              </a:ext>
-            </a:extLst>
-          </a:blip>
-          <a:srcRect/>
-          <a:stretch>
-            <a:fillRect/>
-          </a:stretch>
-        </p:blipFill>
-        <p:spPr bwMode="auto">
-          <a:xfrm>
-            <a:off x="4691140" y="2948983"/>
-            <a:ext cx="711670" cy="374563"/>
-          </a:xfrm>
-          <a:prstGeom prst="rect">
-            <a:avLst/>
-          </a:prstGeom>
-          <a:noFill/>
-          <a:extLst>
-            <a:ext uri="{909E8E84-426E-40DD-AFC4-6F175D3DCCD1}">
-              <a14:hiddenFill xmlns:a14="http://schemas.microsoft.com/office/drawing/2010/main">
-                <a:solidFill>
-                  <a:srgbClr val="FFFFFF"/>
-                </a:solidFill>
-              </a14:hiddenFill>
-            </a:ext>
-          </a:extLst>
-        </p:spPr>
-      </p:pic>
-      <p:pic>
-        <p:nvPicPr>
-          <p:cNvPr id="51" name="Image 50" descr="Une image contenant art, pixel, conception&#10;&#10;Le contenu généré par l’IA peut être incorrect.">
-            <a:extLst>
-              <a:ext uri="{FF2B5EF4-FFF2-40B4-BE49-F238E27FC236}">
-                <a16:creationId xmlns:a16="http://schemas.microsoft.com/office/drawing/2014/main" id="{054FB5AB-F043-1139-CFA8-44C9034D1153}"/>
-              </a:ext>
-            </a:extLst>
-          </p:cNvPr>
-          <p:cNvPicPr>
-            <a:picLocks noChangeAspect="1"/>
-          </p:cNvPicPr>
-          <p:nvPr/>
-        </p:nvPicPr>
-        <p:blipFill>
-          <a:blip r:embed="rId12"/>
-          <a:stretch>
-            <a:fillRect/>
-          </a:stretch>
-        </p:blipFill>
-        <p:spPr>
-          <a:xfrm>
-            <a:off x="4776380" y="3880244"/>
-            <a:ext cx="247189" cy="295703"/>
-          </a:xfrm>
-          <a:prstGeom prst="rect">
-            <a:avLst/>
-          </a:prstGeom>
-        </p:spPr>
-      </p:pic>
-      <p:sp>
-        <p:nvSpPr>
-          <p:cNvPr id="52" name="Ellipse 51">
-            <a:extLst>
-              <a:ext uri="{FF2B5EF4-FFF2-40B4-BE49-F238E27FC236}">
-                <a16:creationId xmlns:a16="http://schemas.microsoft.com/office/drawing/2014/main" id="{7A45A31B-42CC-CB8B-442E-3576FB243381}"/>
-              </a:ext>
-            </a:extLst>
-          </p:cNvPr>
-          <p:cNvSpPr/>
-          <p:nvPr/>
-        </p:nvSpPr>
-        <p:spPr>
-          <a:xfrm>
-            <a:off x="5535850" y="2856670"/>
-            <a:ext cx="122984" cy="122984"/>
-          </a:xfrm>
-          <a:prstGeom prst="ellipse">
-            <a:avLst/>
-          </a:prstGeom>
-          <a:solidFill>
-            <a:srgbClr val="41545E"/>
-          </a:solidFill>
-          <a:ln>
-            <a:noFill/>
-          </a:ln>
-        </p:spPr>
-        <p:style>
-          <a:lnRef idx="2">
-            <a:schemeClr val="accent1">
-              <a:shade val="15000"/>
-            </a:schemeClr>
-          </a:lnRef>
-          <a:fillRef idx="1">
-            <a:schemeClr val="accent1"/>
-          </a:fillRef>
-          <a:effectRef idx="0">
-            <a:schemeClr val="accent1"/>
-          </a:effectRef>
-          <a:fontRef idx="minor">
-            <a:schemeClr val="lt1"/>
-          </a:fontRef>
-        </p:style>
-        <p:txBody>
-          <a:bodyPr rtlCol="0" anchor="ctr"/>
-          <a:lstStyle/>
-          <a:p>
-            <a:pPr algn="ctr"/>
-            <a:r>
-              <a:rPr lang="fr-FR" sz="900" dirty="0"/>
-              <a:t>+</a:t>
-            </a:r>
-          </a:p>
-        </p:txBody>
-      </p:sp>
-      <p:sp>
-        <p:nvSpPr>
-          <p:cNvPr id="53" name="Rectangle : coins arrondis 52">
-            <a:extLst>
-              <a:ext uri="{FF2B5EF4-FFF2-40B4-BE49-F238E27FC236}">
-                <a16:creationId xmlns:a16="http://schemas.microsoft.com/office/drawing/2014/main" id="{CF1F8123-FC2A-EF28-8139-FC1D62216C5F}"/>
-              </a:ext>
-            </a:extLst>
-          </p:cNvPr>
-          <p:cNvSpPr/>
-          <p:nvPr/>
-        </p:nvSpPr>
-        <p:spPr>
-          <a:xfrm>
-            <a:off x="4531529" y="2733328"/>
-            <a:ext cx="1796425" cy="1837885"/>
-          </a:xfrm>
-          <a:prstGeom prst="roundRect">
-            <a:avLst>
-              <a:gd name="adj" fmla="val 10895"/>
-            </a:avLst>
-          </a:prstGeom>
-          <a:noFill/>
-          <a:ln w="9525">
-            <a:solidFill>
-              <a:srgbClr val="00B050"/>
-            </a:solidFill>
-            <a:prstDash val="dash"/>
-          </a:ln>
-        </p:spPr>
-        <p:style>
-          <a:lnRef idx="2">
-            <a:schemeClr val="accent1">
-              <a:shade val="15000"/>
-            </a:schemeClr>
-          </a:lnRef>
-          <a:fillRef idx="1">
-            <a:schemeClr val="accent1"/>
-          </a:fillRef>
-          <a:effectRef idx="0">
-            <a:schemeClr val="accent1"/>
-          </a:effectRef>
-          <a:fontRef idx="minor">
-            <a:schemeClr val="lt1"/>
-          </a:fontRef>
-        </p:style>
-        <p:txBody>
-          <a:bodyPr rtlCol="0" anchor="ctr"/>
-          <a:lstStyle/>
-          <a:p>
-            <a:pPr algn="ctr"/>
-            <a:endParaRPr lang="fr-FR" dirty="0"/>
-          </a:p>
-        </p:txBody>
-      </p:sp>
-      <p:cxnSp>
-        <p:nvCxnSpPr>
-          <p:cNvPr id="1046" name="Connecteur droit avec flèche 1045">
-            <a:extLst>
-              <a:ext uri="{FF2B5EF4-FFF2-40B4-BE49-F238E27FC236}">
-                <a16:creationId xmlns:a16="http://schemas.microsoft.com/office/drawing/2014/main" id="{F59A3777-3D90-7CA7-F89E-8874DA5F6283}"/>
-              </a:ext>
-            </a:extLst>
-          </p:cNvPr>
-          <p:cNvCxnSpPr>
-            <a:cxnSpLocks/>
-            <a:stCxn id="46" idx="2"/>
-            <a:endCxn id="53" idx="0"/>
-          </p:cNvCxnSpPr>
-          <p:nvPr/>
-        </p:nvCxnSpPr>
-        <p:spPr>
-          <a:xfrm>
-            <a:off x="5427620" y="2302794"/>
-            <a:ext cx="2122" cy="430534"/>
-          </a:xfrm>
-          <a:prstGeom prst="straightConnector1">
-            <a:avLst/>
-          </a:prstGeom>
-          <a:ln w="12700">
-            <a:solidFill>
-              <a:srgbClr val="00B050"/>
-            </a:solidFill>
-            <a:tailEnd type="triangle"/>
-          </a:ln>
-        </p:spPr>
-        <p:style>
-          <a:lnRef idx="1">
-            <a:schemeClr val="accent1"/>
-          </a:lnRef>
-          <a:fillRef idx="0">
-            <a:schemeClr val="accent1"/>
-          </a:fillRef>
-          <a:effectRef idx="0">
-            <a:schemeClr val="accent1"/>
-          </a:effectRef>
-          <a:fontRef idx="minor">
-            <a:schemeClr val="tx1"/>
-          </a:fontRef>
-        </p:style>
-      </p:cxnSp>
-      <p:cxnSp>
-        <p:nvCxnSpPr>
-          <p:cNvPr id="1068" name="Connecteur droit avec flèche 1067">
-            <a:extLst>
-              <a:ext uri="{FF2B5EF4-FFF2-40B4-BE49-F238E27FC236}">
-                <a16:creationId xmlns:a16="http://schemas.microsoft.com/office/drawing/2014/main" id="{3FF98031-1DCE-7770-7F38-10F134A37AB2}"/>
-              </a:ext>
-            </a:extLst>
-          </p:cNvPr>
-          <p:cNvCxnSpPr>
-            <a:cxnSpLocks/>
-            <a:stCxn id="47" idx="2"/>
-            <a:endCxn id="49" idx="0"/>
-          </p:cNvCxnSpPr>
-          <p:nvPr/>
-        </p:nvCxnSpPr>
-        <p:spPr>
-          <a:xfrm flipH="1">
-            <a:off x="5436441" y="3677531"/>
-            <a:ext cx="855" cy="289572"/>
-          </a:xfrm>
-          <a:prstGeom prst="straightConnector1">
-            <a:avLst/>
-          </a:prstGeom>
-          <a:ln w="12700">
-            <a:solidFill>
-              <a:srgbClr val="00B050"/>
-            </a:solidFill>
-            <a:tailEnd type="triangle"/>
-          </a:ln>
-        </p:spPr>
-        <p:style>
-          <a:lnRef idx="1">
-            <a:schemeClr val="accent1"/>
-          </a:lnRef>
-          <a:fillRef idx="0">
-            <a:schemeClr val="accent1"/>
-          </a:fillRef>
-          <a:effectRef idx="0">
-            <a:schemeClr val="accent1"/>
-          </a:effectRef>
-          <a:fontRef idx="minor">
-            <a:schemeClr val="tx1"/>
-          </a:fontRef>
-        </p:style>
-      </p:cxnSp>
-      <p:sp>
-        <p:nvSpPr>
-          <p:cNvPr id="46" name="Rectangle : coins arrondis 45">
-            <a:extLst>
-              <a:ext uri="{FF2B5EF4-FFF2-40B4-BE49-F238E27FC236}">
-                <a16:creationId xmlns:a16="http://schemas.microsoft.com/office/drawing/2014/main" id="{E433E364-4228-6856-536E-34873F6A6DC3}"/>
-              </a:ext>
-            </a:extLst>
-          </p:cNvPr>
-          <p:cNvSpPr/>
-          <p:nvPr/>
-        </p:nvSpPr>
-        <p:spPr>
-          <a:xfrm>
-            <a:off x="4809680" y="1817936"/>
-            <a:ext cx="1235879" cy="484858"/>
-          </a:xfrm>
-          <a:prstGeom prst="roundRect">
-            <a:avLst/>
-          </a:prstGeom>
-          <a:solidFill>
-            <a:schemeClr val="bg1">
-              <a:lumMod val="95000"/>
-            </a:schemeClr>
-          </a:solidFill>
-          <a:ln>
-            <a:noFill/>
-          </a:ln>
-        </p:spPr>
-        <p:style>
-          <a:lnRef idx="2">
-            <a:schemeClr val="accent1">
-              <a:shade val="15000"/>
-            </a:schemeClr>
-          </a:lnRef>
-          <a:fillRef idx="1">
-            <a:schemeClr val="accent1"/>
-          </a:fillRef>
-          <a:effectRef idx="0">
-            <a:schemeClr val="accent1"/>
-          </a:effectRef>
-          <a:fontRef idx="minor">
-            <a:schemeClr val="lt1"/>
-          </a:fontRef>
-        </p:style>
-        <p:txBody>
-          <a:bodyPr rtlCol="0" anchor="ctr"/>
-          <a:lstStyle/>
-          <a:p>
-            <a:pPr algn="ctr"/>
-            <a:endParaRPr lang="fr-FR" dirty="0"/>
-          </a:p>
-        </p:txBody>
-      </p:sp>
-      <p:pic>
-        <p:nvPicPr>
-          <p:cNvPr id="1034" name="Picture 10">
-            <a:extLst>
-              <a:ext uri="{FF2B5EF4-FFF2-40B4-BE49-F238E27FC236}">
-                <a16:creationId xmlns:a16="http://schemas.microsoft.com/office/drawing/2014/main" id="{748B16F9-6C53-91C1-4712-424BF6CE8989}"/>
-              </a:ext>
-            </a:extLst>
-          </p:cNvPr>
-          <p:cNvPicPr>
-            <a:picLocks noChangeAspect="1" noChangeArrowheads="1"/>
-          </p:cNvPicPr>
-          <p:nvPr/>
-        </p:nvPicPr>
-        <p:blipFill>
-          <a:blip r:embed="rId13">
-            <a:extLst>
-              <a:ext uri="{28A0092B-C50C-407E-A947-70E740481C1C}">
-                <a14:useLocalDpi xmlns:a14="http://schemas.microsoft.com/office/drawing/2010/main" val="0"/>
-              </a:ext>
-            </a:extLst>
-          </a:blip>
-          <a:srcRect/>
-          <a:stretch>
-            <a:fillRect/>
-          </a:stretch>
-        </p:blipFill>
-        <p:spPr bwMode="auto">
-          <a:xfrm>
-            <a:off x="4608049" y="1580684"/>
-            <a:ext cx="506762" cy="506762"/>
-          </a:xfrm>
-          <a:prstGeom prst="rect">
-            <a:avLst/>
-          </a:prstGeom>
-          <a:noFill/>
-          <a:extLst>
-            <a:ext uri="{909E8E84-426E-40DD-AFC4-6F175D3DCCD1}">
-              <a14:hiddenFill xmlns:a14="http://schemas.microsoft.com/office/drawing/2010/main">
-                <a:solidFill>
-                  <a:srgbClr val="FFFFFF"/>
-                </a:solidFill>
-              </a14:hiddenFill>
-            </a:ext>
-          </a:extLst>
-        </p:spPr>
-      </p:pic>
-      <p:sp>
-        <p:nvSpPr>
-          <p:cNvPr id="44" name="ZoneTexte 43">
-            <a:extLst>
-              <a:ext uri="{FF2B5EF4-FFF2-40B4-BE49-F238E27FC236}">
-                <a16:creationId xmlns:a16="http://schemas.microsoft.com/office/drawing/2014/main" id="{682088E1-064C-5214-7A97-A059E4869B55}"/>
-              </a:ext>
-            </a:extLst>
-          </p:cNvPr>
-          <p:cNvSpPr txBox="1"/>
-          <p:nvPr/>
-        </p:nvSpPr>
-        <p:spPr>
-          <a:xfrm>
-            <a:off x="4913179" y="1841943"/>
-            <a:ext cx="1079654" cy="338554"/>
-          </a:xfrm>
-          <a:prstGeom prst="rect">
-            <a:avLst/>
-          </a:prstGeom>
-          <a:noFill/>
-        </p:spPr>
-        <p:txBody>
-          <a:bodyPr wrap="square" rtlCol="0">
-            <a:spAutoFit/>
-          </a:bodyPr>
-          <a:lstStyle/>
-          <a:p>
-            <a:pPr algn="ctr"/>
-            <a:r>
-              <a:rPr lang="fr-FR" sz="800" b="1" dirty="0"/>
-              <a:t>Entraînement du modèle</a:t>
-            </a:r>
-          </a:p>
-        </p:txBody>
-      </p:sp>
       <p:cxnSp>
         <p:nvCxnSpPr>
           <p:cNvPr id="1029" name="Connecteur : en angle 1028">
@@ -22296,378 +21063,6 @@
           </a:fontRef>
         </p:style>
       </p:cxnSp>
-      <p:sp>
-        <p:nvSpPr>
-          <p:cNvPr id="39" name="Rectangle : coins arrondis 38">
-            <a:extLst>
-              <a:ext uri="{FF2B5EF4-FFF2-40B4-BE49-F238E27FC236}">
-                <a16:creationId xmlns:a16="http://schemas.microsoft.com/office/drawing/2014/main" id="{AEAEB6F6-E6B3-2BA6-860A-9983C6A790DD}"/>
-              </a:ext>
-            </a:extLst>
-          </p:cNvPr>
-          <p:cNvSpPr/>
-          <p:nvPr/>
-        </p:nvSpPr>
-        <p:spPr>
-          <a:xfrm>
-            <a:off x="2645065" y="3303259"/>
-            <a:ext cx="1404308" cy="1189980"/>
-          </a:xfrm>
-          <a:prstGeom prst="roundRect">
-            <a:avLst/>
-          </a:prstGeom>
-          <a:noFill/>
-          <a:ln w="9525">
-            <a:solidFill>
-              <a:srgbClr val="FF0080"/>
-            </a:solidFill>
-            <a:prstDash val="dash"/>
-          </a:ln>
-        </p:spPr>
-        <p:style>
-          <a:lnRef idx="2">
-            <a:schemeClr val="accent1">
-              <a:shade val="15000"/>
-            </a:schemeClr>
-          </a:lnRef>
-          <a:fillRef idx="1">
-            <a:schemeClr val="accent1"/>
-          </a:fillRef>
-          <a:effectRef idx="0">
-            <a:schemeClr val="accent1"/>
-          </a:effectRef>
-          <a:fontRef idx="minor">
-            <a:schemeClr val="lt1"/>
-          </a:fontRef>
-        </p:style>
-        <p:txBody>
-          <a:bodyPr rtlCol="0" anchor="ctr"/>
-          <a:lstStyle/>
-          <a:p>
-            <a:pPr algn="ctr"/>
-            <a:endParaRPr lang="fr-FR" dirty="0"/>
-          </a:p>
-        </p:txBody>
-      </p:sp>
-      <p:cxnSp>
-        <p:nvCxnSpPr>
-          <p:cNvPr id="29" name="Connecteur droit 28">
-            <a:extLst>
-              <a:ext uri="{FF2B5EF4-FFF2-40B4-BE49-F238E27FC236}">
-                <a16:creationId xmlns:a16="http://schemas.microsoft.com/office/drawing/2014/main" id="{2F5C326A-12BF-B849-9176-2CB67D7A7ED9}"/>
-              </a:ext>
-            </a:extLst>
-          </p:cNvPr>
-          <p:cNvCxnSpPr/>
-          <p:nvPr/>
-        </p:nvCxnSpPr>
-        <p:spPr>
-          <a:xfrm>
-            <a:off x="4378905" y="1458686"/>
-            <a:ext cx="0" cy="3272971"/>
-          </a:xfrm>
-          <a:prstGeom prst="line">
-            <a:avLst/>
-          </a:prstGeom>
-          <a:ln w="19050">
-            <a:solidFill>
-              <a:schemeClr val="bg1">
-                <a:lumMod val="75000"/>
-              </a:schemeClr>
-            </a:solidFill>
-            <a:prstDash val="dash"/>
-          </a:ln>
-        </p:spPr>
-        <p:style>
-          <a:lnRef idx="1">
-            <a:schemeClr val="dk1"/>
-          </a:lnRef>
-          <a:fillRef idx="0">
-            <a:schemeClr val="dk1"/>
-          </a:fillRef>
-          <a:effectRef idx="0">
-            <a:schemeClr val="dk1"/>
-          </a:effectRef>
-          <a:fontRef idx="minor">
-            <a:schemeClr val="tx1"/>
-          </a:fontRef>
-        </p:style>
-      </p:cxnSp>
-      <p:sp>
-        <p:nvSpPr>
-          <p:cNvPr id="71" name="Rectangle : coins arrondis 70">
-            <a:extLst>
-              <a:ext uri="{FF2B5EF4-FFF2-40B4-BE49-F238E27FC236}">
-                <a16:creationId xmlns:a16="http://schemas.microsoft.com/office/drawing/2014/main" id="{E74B2057-34BC-1980-9671-44A128491597}"/>
-              </a:ext>
-            </a:extLst>
-          </p:cNvPr>
-          <p:cNvSpPr/>
-          <p:nvPr/>
-        </p:nvSpPr>
-        <p:spPr>
-          <a:xfrm>
-            <a:off x="2643777" y="1807995"/>
-            <a:ext cx="1409398" cy="1197750"/>
-          </a:xfrm>
-          <a:prstGeom prst="roundRect">
-            <a:avLst/>
-          </a:prstGeom>
-          <a:noFill/>
-          <a:ln w="9525">
-            <a:solidFill>
-              <a:srgbClr val="B266FF"/>
-            </a:solidFill>
-            <a:prstDash val="dash"/>
-          </a:ln>
-        </p:spPr>
-        <p:style>
-          <a:lnRef idx="2">
-            <a:schemeClr val="accent1">
-              <a:shade val="15000"/>
-            </a:schemeClr>
-          </a:lnRef>
-          <a:fillRef idx="1">
-            <a:schemeClr val="accent1"/>
-          </a:fillRef>
-          <a:effectRef idx="0">
-            <a:schemeClr val="accent1"/>
-          </a:effectRef>
-          <a:fontRef idx="minor">
-            <a:schemeClr val="lt1"/>
-          </a:fontRef>
-        </p:style>
-        <p:txBody>
-          <a:bodyPr rtlCol="0" anchor="ctr"/>
-          <a:lstStyle/>
-          <a:p>
-            <a:pPr algn="ctr"/>
-            <a:endParaRPr lang="fr-FR" dirty="0"/>
-          </a:p>
-        </p:txBody>
-      </p:sp>
-      <p:pic>
-        <p:nvPicPr>
-          <p:cNvPr id="116" name="Picture 4">
-            <a:extLst>
-              <a:ext uri="{FF2B5EF4-FFF2-40B4-BE49-F238E27FC236}">
-                <a16:creationId xmlns:a16="http://schemas.microsoft.com/office/drawing/2014/main" id="{B7DCCBAF-8A38-3C4F-0798-30A393D5D283}"/>
-              </a:ext>
-            </a:extLst>
-          </p:cNvPr>
-          <p:cNvPicPr>
-            <a:picLocks noChangeAspect="1" noChangeArrowheads="1"/>
-          </p:cNvPicPr>
-          <p:nvPr/>
-        </p:nvPicPr>
-        <p:blipFill rotWithShape="1">
-          <a:blip r:embed="rId14">
-            <a:extLst>
-              <a:ext uri="{28A0092B-C50C-407E-A947-70E740481C1C}">
-                <a14:useLocalDpi xmlns:a14="http://schemas.microsoft.com/office/drawing/2010/main" val="0"/>
-              </a:ext>
-            </a:extLst>
-          </a:blip>
-          <a:srcRect l="13093" t="7524" r="12698" b="43966"/>
-          <a:stretch>
-            <a:fillRect/>
-          </a:stretch>
-        </p:blipFill>
-        <p:spPr bwMode="auto">
-          <a:xfrm>
-            <a:off x="3150917" y="2125035"/>
-            <a:ext cx="489954" cy="500434"/>
-          </a:xfrm>
-          <a:prstGeom prst="rect">
-            <a:avLst/>
-          </a:prstGeom>
-          <a:noFill/>
-          <a:extLst>
-            <a:ext uri="{909E8E84-426E-40DD-AFC4-6F175D3DCCD1}">
-              <a14:hiddenFill xmlns:a14="http://schemas.microsoft.com/office/drawing/2010/main">
-                <a:solidFill>
-                  <a:srgbClr val="FFFFFF"/>
-                </a:solidFill>
-              </a14:hiddenFill>
-            </a:ext>
-          </a:extLst>
-        </p:spPr>
-      </p:pic>
-      <p:pic>
-        <p:nvPicPr>
-          <p:cNvPr id="117" name="Picture 6">
-            <a:extLst>
-              <a:ext uri="{FF2B5EF4-FFF2-40B4-BE49-F238E27FC236}">
-                <a16:creationId xmlns:a16="http://schemas.microsoft.com/office/drawing/2014/main" id="{B3747ED9-0378-A202-7151-54782D96CF66}"/>
-              </a:ext>
-            </a:extLst>
-          </p:cNvPr>
-          <p:cNvPicPr>
-            <a:picLocks noChangeAspect="1" noChangeArrowheads="1"/>
-          </p:cNvPicPr>
-          <p:nvPr/>
-        </p:nvPicPr>
-        <p:blipFill rotWithShape="1">
-          <a:blip r:embed="rId15">
-            <a:extLst>
-              <a:ext uri="{28A0092B-C50C-407E-A947-70E740481C1C}">
-                <a14:useLocalDpi xmlns:a14="http://schemas.microsoft.com/office/drawing/2010/main" val="0"/>
-              </a:ext>
-            </a:extLst>
-          </a:blip>
-          <a:srcRect l="31615" t="12234" r="33730" b="47839"/>
-          <a:stretch>
-            <a:fillRect/>
-          </a:stretch>
-        </p:blipFill>
-        <p:spPr bwMode="auto">
-          <a:xfrm>
-            <a:off x="3115897" y="3562385"/>
-            <a:ext cx="524974" cy="504042"/>
-          </a:xfrm>
-          <a:prstGeom prst="rect">
-            <a:avLst/>
-          </a:prstGeom>
-          <a:noFill/>
-          <a:extLst>
-            <a:ext uri="{909E8E84-426E-40DD-AFC4-6F175D3DCCD1}">
-              <a14:hiddenFill xmlns:a14="http://schemas.microsoft.com/office/drawing/2010/main">
-                <a:solidFill>
-                  <a:srgbClr val="FFFFFF"/>
-                </a:solidFill>
-              </a14:hiddenFill>
-            </a:ext>
-          </a:extLst>
-        </p:spPr>
-      </p:pic>
-      <p:cxnSp>
-        <p:nvCxnSpPr>
-          <p:cNvPr id="11" name="Connecteur droit avec flèche 10">
-            <a:extLst>
-              <a:ext uri="{FF2B5EF4-FFF2-40B4-BE49-F238E27FC236}">
-                <a16:creationId xmlns:a16="http://schemas.microsoft.com/office/drawing/2014/main" id="{D8A48580-543E-68C9-355D-6C2F58EACB96}"/>
-              </a:ext>
-            </a:extLst>
-          </p:cNvPr>
-          <p:cNvCxnSpPr>
-            <a:cxnSpLocks/>
-            <a:stCxn id="127" idx="3"/>
-            <a:endCxn id="116" idx="1"/>
-          </p:cNvCxnSpPr>
-          <p:nvPr/>
-        </p:nvCxnSpPr>
-        <p:spPr>
-          <a:xfrm flipV="1">
-            <a:off x="2159594" y="2375252"/>
-            <a:ext cx="991323" cy="2280"/>
-          </a:xfrm>
-          <a:prstGeom prst="straightConnector1">
-            <a:avLst/>
-          </a:prstGeom>
-          <a:ln w="38100">
-            <a:solidFill>
-              <a:srgbClr val="B266FF"/>
-            </a:solidFill>
-            <a:tailEnd type="triangle"/>
-          </a:ln>
-        </p:spPr>
-        <p:style>
-          <a:lnRef idx="1">
-            <a:schemeClr val="accent1"/>
-          </a:lnRef>
-          <a:fillRef idx="0">
-            <a:schemeClr val="accent1"/>
-          </a:fillRef>
-          <a:effectRef idx="0">
-            <a:schemeClr val="accent1"/>
-          </a:effectRef>
-          <a:fontRef idx="minor">
-            <a:schemeClr val="tx1"/>
-          </a:fontRef>
-        </p:style>
-      </p:cxnSp>
-      <p:cxnSp>
-        <p:nvCxnSpPr>
-          <p:cNvPr id="19" name="Connecteur droit avec flèche 18">
-            <a:extLst>
-              <a:ext uri="{FF2B5EF4-FFF2-40B4-BE49-F238E27FC236}">
-                <a16:creationId xmlns:a16="http://schemas.microsoft.com/office/drawing/2014/main" id="{7965C0EE-9642-2EA9-734C-AF9138078030}"/>
-              </a:ext>
-            </a:extLst>
-          </p:cNvPr>
-          <p:cNvCxnSpPr>
-            <a:cxnSpLocks/>
-            <a:stCxn id="1033" idx="3"/>
-            <a:endCxn id="117" idx="1"/>
-          </p:cNvCxnSpPr>
-          <p:nvPr/>
-        </p:nvCxnSpPr>
-        <p:spPr>
-          <a:xfrm>
-            <a:off x="2176862" y="3808478"/>
-            <a:ext cx="939035" cy="5928"/>
-          </a:xfrm>
-          <a:prstGeom prst="straightConnector1">
-            <a:avLst/>
-          </a:prstGeom>
-          <a:ln w="38100">
-            <a:solidFill>
-              <a:srgbClr val="FF0080"/>
-            </a:solidFill>
-            <a:tailEnd type="triangle"/>
-          </a:ln>
-        </p:spPr>
-        <p:style>
-          <a:lnRef idx="1">
-            <a:schemeClr val="accent1"/>
-          </a:lnRef>
-          <a:fillRef idx="0">
-            <a:schemeClr val="accent1"/>
-          </a:fillRef>
-          <a:effectRef idx="0">
-            <a:schemeClr val="accent1"/>
-          </a:effectRef>
-          <a:fontRef idx="minor">
-            <a:schemeClr val="tx1"/>
-          </a:fontRef>
-        </p:style>
-      </p:cxnSp>
-      <p:sp>
-        <p:nvSpPr>
-          <p:cNvPr id="31" name="ZoneTexte 30">
-            <a:extLst>
-              <a:ext uri="{FF2B5EF4-FFF2-40B4-BE49-F238E27FC236}">
-                <a16:creationId xmlns:a16="http://schemas.microsoft.com/office/drawing/2014/main" id="{6F47604A-F072-9B2B-A28D-D050592AE8FB}"/>
-              </a:ext>
-            </a:extLst>
-          </p:cNvPr>
-          <p:cNvSpPr txBox="1"/>
-          <p:nvPr/>
-        </p:nvSpPr>
-        <p:spPr>
-          <a:xfrm>
-            <a:off x="2674708" y="2666628"/>
-            <a:ext cx="1390212" cy="307777"/>
-          </a:xfrm>
-          <a:prstGeom prst="rect">
-            <a:avLst/>
-          </a:prstGeom>
-          <a:noFill/>
-        </p:spPr>
-        <p:txBody>
-          <a:bodyPr wrap="square" rtlCol="0">
-            <a:spAutoFit/>
-          </a:bodyPr>
-          <a:lstStyle/>
-          <a:p>
-            <a:pPr algn="ctr"/>
-            <a:r>
-              <a:rPr lang="fr-FR" sz="700" b="1" dirty="0"/>
-              <a:t>Extraction insights exploitables</a:t>
-            </a:r>
-          </a:p>
-        </p:txBody>
-      </p:sp>
       <p:cxnSp>
         <p:nvCxnSpPr>
           <p:cNvPr id="84" name="Connecteur : en angle 83">
@@ -22718,350 +21113,2400 @@
           </a:fontRef>
         </p:style>
       </p:cxnSp>
-      <p:pic>
-        <p:nvPicPr>
-          <p:cNvPr id="8" name="Picture 2">
+      <p:grpSp>
+        <p:nvGrpSpPr>
+          <p:cNvPr id="14" name="Groupe 13">
             <a:extLst>
               <a:ext uri="{FF2B5EF4-FFF2-40B4-BE49-F238E27FC236}">
-                <a16:creationId xmlns:a16="http://schemas.microsoft.com/office/drawing/2014/main" id="{055C636B-537D-A701-AA90-857D3A44C126}"/>
+                <a16:creationId xmlns:a16="http://schemas.microsoft.com/office/drawing/2014/main" id="{C312BDD8-DFE7-14F2-1102-CA1CF6DFB976}"/>
               </a:ext>
             </a:extLst>
           </p:cNvPr>
-          <p:cNvPicPr>
-            <a:picLocks noChangeAspect="1" noChangeArrowheads="1"/>
-          </p:cNvPicPr>
+          <p:cNvGrpSpPr/>
           <p:nvPr/>
-        </p:nvPicPr>
-        <p:blipFill rotWithShape="1">
-          <a:blip r:embed="rId16">
-            <a:extLst>
-              <a:ext uri="{28A0092B-C50C-407E-A947-70E740481C1C}">
-                <a14:useLocalDpi xmlns:a14="http://schemas.microsoft.com/office/drawing/2010/main" val="0"/>
-              </a:ext>
-            </a:extLst>
-          </a:blip>
-          <a:srcRect l="15800" t="16870" r="16971" b="17050"/>
-          <a:stretch>
-            <a:fillRect/>
-          </a:stretch>
-        </p:blipFill>
-        <p:spPr bwMode="auto">
+        </p:nvGrpSpPr>
+        <p:grpSpPr>
           <a:xfrm>
-            <a:off x="754226" y="2182488"/>
-            <a:ext cx="350993" cy="344994"/>
+            <a:off x="278471" y="1458686"/>
+            <a:ext cx="2014666" cy="3272971"/>
+            <a:chOff x="278471" y="1458686"/>
+            <a:chExt cx="2014666" cy="3272971"/>
           </a:xfrm>
-          <a:prstGeom prst="rect">
-            <a:avLst/>
-          </a:prstGeom>
-          <a:noFill/>
-          <a:extLst>
-            <a:ext uri="{909E8E84-426E-40DD-AFC4-6F175D3DCCD1}">
-              <a14:hiddenFill xmlns:a14="http://schemas.microsoft.com/office/drawing/2010/main">
+        </p:grpSpPr>
+        <p:cxnSp>
+          <p:nvCxnSpPr>
+            <p:cNvPr id="28" name="Connecteur droit 27">
+              <a:extLst>
+                <a:ext uri="{FF2B5EF4-FFF2-40B4-BE49-F238E27FC236}">
+                  <a16:creationId xmlns:a16="http://schemas.microsoft.com/office/drawing/2014/main" id="{66A68388-D1A7-6AC6-5F1F-65E1A6494D4A}"/>
+                </a:ext>
+              </a:extLst>
+            </p:cNvPr>
+            <p:cNvCxnSpPr/>
+            <p:nvPr/>
+          </p:nvCxnSpPr>
+          <p:spPr>
+            <a:xfrm>
+              <a:off x="2293137" y="1458686"/>
+              <a:ext cx="0" cy="3272971"/>
+            </a:xfrm>
+            <a:prstGeom prst="line">
+              <a:avLst/>
+            </a:prstGeom>
+            <a:ln w="19050">
+              <a:solidFill>
+                <a:schemeClr val="bg1">
+                  <a:lumMod val="75000"/>
+                </a:schemeClr>
+              </a:solidFill>
+              <a:prstDash val="dash"/>
+            </a:ln>
+          </p:spPr>
+          <p:style>
+            <a:lnRef idx="1">
+              <a:schemeClr val="dk1"/>
+            </a:lnRef>
+            <a:fillRef idx="0">
+              <a:schemeClr val="dk1"/>
+            </a:fillRef>
+            <a:effectRef idx="0">
+              <a:schemeClr val="dk1"/>
+            </a:effectRef>
+            <a:fontRef idx="minor">
+              <a:schemeClr val="tx1"/>
+            </a:fontRef>
+          </p:style>
+        </p:cxnSp>
+        <p:grpSp>
+          <p:nvGrpSpPr>
+            <p:cNvPr id="7" name="Groupe 6">
+              <a:extLst>
+                <a:ext uri="{FF2B5EF4-FFF2-40B4-BE49-F238E27FC236}">
+                  <a16:creationId xmlns:a16="http://schemas.microsoft.com/office/drawing/2014/main" id="{DBB90402-3D1D-991F-9330-0A51CBF8C0D4}"/>
+                </a:ext>
+              </a:extLst>
+            </p:cNvPr>
+            <p:cNvGrpSpPr/>
+            <p:nvPr/>
+          </p:nvGrpSpPr>
+          <p:grpSpPr>
+            <a:xfrm>
+              <a:off x="278471" y="1694386"/>
+              <a:ext cx="1898391" cy="2883756"/>
+              <a:chOff x="278471" y="1694386"/>
+              <a:chExt cx="1898391" cy="2883756"/>
+            </a:xfrm>
+          </p:grpSpPr>
+          <p:pic>
+            <p:nvPicPr>
+              <p:cNvPr id="127" name="Picture 8">
+                <a:extLst>
+                  <a:ext uri="{FF2B5EF4-FFF2-40B4-BE49-F238E27FC236}">
+                    <a16:creationId xmlns:a16="http://schemas.microsoft.com/office/drawing/2014/main" id="{0DF6E305-58E0-10D9-0E90-7E26126193AF}"/>
+                  </a:ext>
+                </a:extLst>
+              </p:cNvPr>
+              <p:cNvPicPr>
+                <a:picLocks noChangeAspect="1" noChangeArrowheads="1"/>
+              </p:cNvPicPr>
+              <p:nvPr/>
+            </p:nvPicPr>
+            <p:blipFill rotWithShape="1">
+              <a:blip r:embed="rId6">
+                <a:extLst>
+                  <a:ext uri="{28A0092B-C50C-407E-A947-70E740481C1C}">
+                    <a14:useLocalDpi xmlns:a14="http://schemas.microsoft.com/office/drawing/2010/main" val="0"/>
+                  </a:ext>
+                </a:extLst>
+              </a:blip>
+              <a:srcRect r="14203"/>
+              <a:stretch>
+                <a:fillRect/>
+              </a:stretch>
+            </p:blipFill>
+            <p:spPr bwMode="auto">
+              <a:xfrm>
+                <a:off x="1666945" y="2090436"/>
+                <a:ext cx="492649" cy="574192"/>
+              </a:xfrm>
+              <a:prstGeom prst="rect">
+                <a:avLst/>
+              </a:prstGeom>
+              <a:noFill/>
+              <a:extLst>
+                <a:ext uri="{909E8E84-426E-40DD-AFC4-6F175D3DCCD1}">
+                  <a14:hiddenFill xmlns:a14="http://schemas.microsoft.com/office/drawing/2010/main">
+                    <a:solidFill>
+                      <a:srgbClr val="FFFFFF"/>
+                    </a:solidFill>
+                  </a14:hiddenFill>
+                </a:ext>
+              </a:extLst>
+            </p:spPr>
+          </p:pic>
+          <p:pic>
+            <p:nvPicPr>
+              <p:cNvPr id="1033" name="Picture 10">
+                <a:extLst>
+                  <a:ext uri="{FF2B5EF4-FFF2-40B4-BE49-F238E27FC236}">
+                    <a16:creationId xmlns:a16="http://schemas.microsoft.com/office/drawing/2014/main" id="{FD816D59-77CA-1E04-DAC5-C8410FAC6198}"/>
+                  </a:ext>
+                </a:extLst>
+              </p:cNvPr>
+              <p:cNvPicPr>
+                <a:picLocks noChangeAspect="1" noChangeArrowheads="1"/>
+              </p:cNvPicPr>
+              <p:nvPr/>
+            </p:nvPicPr>
+            <p:blipFill rotWithShape="1">
+              <a:blip r:embed="rId7">
+                <a:extLst>
+                  <a:ext uri="{28A0092B-C50C-407E-A947-70E740481C1C}">
+                    <a14:useLocalDpi xmlns:a14="http://schemas.microsoft.com/office/drawing/2010/main" val="0"/>
+                  </a:ext>
+                </a:extLst>
+              </a:blip>
+              <a:srcRect r="14775"/>
+              <a:stretch>
+                <a:fillRect/>
+              </a:stretch>
+            </p:blipFill>
+            <p:spPr bwMode="auto">
+              <a:xfrm>
+                <a:off x="1684197" y="3519442"/>
+                <a:ext cx="492665" cy="578072"/>
+              </a:xfrm>
+              <a:prstGeom prst="rect">
+                <a:avLst/>
+              </a:prstGeom>
+              <a:noFill/>
+              <a:extLst>
+                <a:ext uri="{909E8E84-426E-40DD-AFC4-6F175D3DCCD1}">
+                  <a14:hiddenFill xmlns:a14="http://schemas.microsoft.com/office/drawing/2010/main">
+                    <a:solidFill>
+                      <a:srgbClr val="FFFFFF"/>
+                    </a:solidFill>
+                  </a14:hiddenFill>
+                </a:ext>
+              </a:extLst>
+            </p:spPr>
+          </p:pic>
+          <p:sp>
+            <p:nvSpPr>
+              <p:cNvPr id="3" name="Rectangle : coins arrondis 2">
+                <a:extLst>
+                  <a:ext uri="{FF2B5EF4-FFF2-40B4-BE49-F238E27FC236}">
+                    <a16:creationId xmlns:a16="http://schemas.microsoft.com/office/drawing/2014/main" id="{33B23519-5EFA-F17A-CAA2-6EF8A191B3CD}"/>
+                  </a:ext>
+                </a:extLst>
+              </p:cNvPr>
+              <p:cNvSpPr/>
+              <p:nvPr/>
+            </p:nvSpPr>
+            <p:spPr>
+              <a:xfrm>
+                <a:off x="456435" y="1694386"/>
+                <a:ext cx="972305" cy="2883756"/>
+              </a:xfrm>
+              <a:prstGeom prst="roundRect">
+                <a:avLst/>
+              </a:prstGeom>
+              <a:noFill/>
+              <a:ln w="9525">
                 <a:solidFill>
-                  <a:srgbClr val="FFFFFF"/>
+                  <a:schemeClr val="bg1">
+                    <a:lumMod val="65000"/>
+                  </a:schemeClr>
                 </a:solidFill>
-              </a14:hiddenFill>
-            </a:ext>
-          </a:extLst>
-        </p:spPr>
-      </p:pic>
-      <p:sp>
-        <p:nvSpPr>
-          <p:cNvPr id="9" name="ZoneTexte 8">
+                <a:prstDash val="dash"/>
+              </a:ln>
+            </p:spPr>
+            <p:style>
+              <a:lnRef idx="2">
+                <a:schemeClr val="accent1">
+                  <a:shade val="15000"/>
+                </a:schemeClr>
+              </a:lnRef>
+              <a:fillRef idx="1">
+                <a:schemeClr val="accent1"/>
+              </a:fillRef>
+              <a:effectRef idx="0">
+                <a:schemeClr val="accent1"/>
+              </a:effectRef>
+              <a:fontRef idx="minor">
+                <a:schemeClr val="lt1"/>
+              </a:fontRef>
+            </p:style>
+            <p:txBody>
+              <a:bodyPr rtlCol="0" anchor="ctr"/>
+              <a:lstStyle/>
+              <a:p>
+                <a:pPr algn="ctr"/>
+                <a:endParaRPr lang="fr-FR" dirty="0"/>
+              </a:p>
+            </p:txBody>
+          </p:sp>
+          <p:cxnSp>
+            <p:nvCxnSpPr>
+              <p:cNvPr id="6" name="Connecteur droit avec flèche 5">
+                <a:extLst>
+                  <a:ext uri="{FF2B5EF4-FFF2-40B4-BE49-F238E27FC236}">
+                    <a16:creationId xmlns:a16="http://schemas.microsoft.com/office/drawing/2014/main" id="{804A8FE7-27C3-4C54-36F8-6A8C0900C5DA}"/>
+                  </a:ext>
+                </a:extLst>
+              </p:cNvPr>
+              <p:cNvCxnSpPr>
+                <a:cxnSpLocks/>
+              </p:cNvCxnSpPr>
+              <p:nvPr/>
+            </p:nvCxnSpPr>
+            <p:spPr>
+              <a:xfrm>
+                <a:off x="1429014" y="2383224"/>
+                <a:ext cx="362079" cy="0"/>
+              </a:xfrm>
+              <a:prstGeom prst="straightConnector1">
+                <a:avLst/>
+              </a:prstGeom>
+              <a:ln w="38100">
+                <a:solidFill>
+                  <a:srgbClr val="B266FF"/>
+                </a:solidFill>
+                <a:tailEnd type="triangle"/>
+              </a:ln>
+            </p:spPr>
+            <p:style>
+              <a:lnRef idx="1">
+                <a:schemeClr val="accent1"/>
+              </a:lnRef>
+              <a:fillRef idx="0">
+                <a:schemeClr val="accent1"/>
+              </a:fillRef>
+              <a:effectRef idx="0">
+                <a:schemeClr val="accent1"/>
+              </a:effectRef>
+              <a:fontRef idx="minor">
+                <a:schemeClr val="tx1"/>
+              </a:fontRef>
+            </p:style>
+          </p:cxnSp>
+          <p:cxnSp>
+            <p:nvCxnSpPr>
+              <p:cNvPr id="10" name="Connecteur droit avec flèche 9">
+                <a:extLst>
+                  <a:ext uri="{FF2B5EF4-FFF2-40B4-BE49-F238E27FC236}">
+                    <a16:creationId xmlns:a16="http://schemas.microsoft.com/office/drawing/2014/main" id="{A34EFFD9-2B7F-223F-36C3-4CCC46291479}"/>
+                  </a:ext>
+                </a:extLst>
+              </p:cNvPr>
+              <p:cNvCxnSpPr>
+                <a:cxnSpLocks/>
+              </p:cNvCxnSpPr>
+              <p:nvPr/>
+            </p:nvCxnSpPr>
+            <p:spPr>
+              <a:xfrm>
+                <a:off x="1429014" y="3808478"/>
+                <a:ext cx="362079" cy="0"/>
+              </a:xfrm>
+              <a:prstGeom prst="straightConnector1">
+                <a:avLst/>
+              </a:prstGeom>
+              <a:ln w="38100">
+                <a:solidFill>
+                  <a:srgbClr val="FF0080"/>
+                </a:solidFill>
+                <a:tailEnd type="triangle"/>
+              </a:ln>
+            </p:spPr>
+            <p:style>
+              <a:lnRef idx="1">
+                <a:schemeClr val="accent1"/>
+              </a:lnRef>
+              <a:fillRef idx="0">
+                <a:schemeClr val="accent1"/>
+              </a:fillRef>
+              <a:effectRef idx="0">
+                <a:schemeClr val="accent1"/>
+              </a:effectRef>
+              <a:fontRef idx="minor">
+                <a:schemeClr val="tx1"/>
+              </a:fontRef>
+            </p:style>
+          </p:cxnSp>
+          <p:pic>
+            <p:nvPicPr>
+              <p:cNvPr id="8" name="Picture 2">
+                <a:extLst>
+                  <a:ext uri="{FF2B5EF4-FFF2-40B4-BE49-F238E27FC236}">
+                    <a16:creationId xmlns:a16="http://schemas.microsoft.com/office/drawing/2014/main" id="{055C636B-537D-A701-AA90-857D3A44C126}"/>
+                  </a:ext>
+                </a:extLst>
+              </p:cNvPr>
+              <p:cNvPicPr>
+                <a:picLocks noChangeAspect="1" noChangeArrowheads="1"/>
+              </p:cNvPicPr>
+              <p:nvPr/>
+            </p:nvPicPr>
+            <p:blipFill rotWithShape="1">
+              <a:blip r:embed="rId8">
+                <a:extLst>
+                  <a:ext uri="{28A0092B-C50C-407E-A947-70E740481C1C}">
+                    <a14:useLocalDpi xmlns:a14="http://schemas.microsoft.com/office/drawing/2010/main" val="0"/>
+                  </a:ext>
+                </a:extLst>
+              </a:blip>
+              <a:srcRect l="15800" t="16870" r="16971" b="17050"/>
+              <a:stretch>
+                <a:fillRect/>
+              </a:stretch>
+            </p:blipFill>
+            <p:spPr bwMode="auto">
+              <a:xfrm>
+                <a:off x="754226" y="2182488"/>
+                <a:ext cx="350993" cy="344994"/>
+              </a:xfrm>
+              <a:prstGeom prst="rect">
+                <a:avLst/>
+              </a:prstGeom>
+              <a:noFill/>
+              <a:extLst>
+                <a:ext uri="{909E8E84-426E-40DD-AFC4-6F175D3DCCD1}">
+                  <a14:hiddenFill xmlns:a14="http://schemas.microsoft.com/office/drawing/2010/main">
+                    <a:solidFill>
+                      <a:srgbClr val="FFFFFF"/>
+                    </a:solidFill>
+                  </a14:hiddenFill>
+                </a:ext>
+              </a:extLst>
+            </p:spPr>
+          </p:pic>
+          <p:sp>
+            <p:nvSpPr>
+              <p:cNvPr id="9" name="ZoneTexte 8">
+                <a:extLst>
+                  <a:ext uri="{FF2B5EF4-FFF2-40B4-BE49-F238E27FC236}">
+                    <a16:creationId xmlns:a16="http://schemas.microsoft.com/office/drawing/2014/main" id="{64F9F1A5-8DFA-C4D6-D9C6-558B6A625216}"/>
+                  </a:ext>
+                </a:extLst>
+              </p:cNvPr>
+              <p:cNvSpPr txBox="1"/>
+              <p:nvPr/>
+            </p:nvSpPr>
+            <p:spPr>
+              <a:xfrm>
+                <a:off x="278471" y="2602042"/>
+                <a:ext cx="1390212" cy="200055"/>
+              </a:xfrm>
+              <a:prstGeom prst="rect">
+                <a:avLst/>
+              </a:prstGeom>
+              <a:noFill/>
+            </p:spPr>
+            <p:txBody>
+              <a:bodyPr wrap="square" rtlCol="0">
+                <a:spAutoFit/>
+              </a:bodyPr>
+              <a:lstStyle/>
+              <a:p>
+                <a:pPr algn="ctr"/>
+                <a:r>
+                  <a:rPr lang="fr-FR" sz="700" b="1" dirty="0"/>
+                  <a:t>Données de délais</a:t>
+                </a:r>
+              </a:p>
+            </p:txBody>
+          </p:sp>
+          <p:pic>
+            <p:nvPicPr>
+              <p:cNvPr id="12" name="Picture 2">
+                <a:extLst>
+                  <a:ext uri="{FF2B5EF4-FFF2-40B4-BE49-F238E27FC236}">
+                    <a16:creationId xmlns:a16="http://schemas.microsoft.com/office/drawing/2014/main" id="{27F148E2-4FBF-942E-41DA-700170B49729}"/>
+                  </a:ext>
+                </a:extLst>
+              </p:cNvPr>
+              <p:cNvPicPr>
+                <a:picLocks noChangeAspect="1" noChangeArrowheads="1"/>
+              </p:cNvPicPr>
+              <p:nvPr/>
+            </p:nvPicPr>
+            <p:blipFill rotWithShape="1">
+              <a:blip r:embed="rId8">
+                <a:extLst>
+                  <a:ext uri="{28A0092B-C50C-407E-A947-70E740481C1C}">
+                    <a14:useLocalDpi xmlns:a14="http://schemas.microsoft.com/office/drawing/2010/main" val="0"/>
+                  </a:ext>
+                </a:extLst>
+              </a:blip>
+              <a:srcRect l="15800" t="16870" r="16971" b="17050"/>
+              <a:stretch>
+                <a:fillRect/>
+              </a:stretch>
+            </p:blipFill>
+            <p:spPr bwMode="auto">
+              <a:xfrm>
+                <a:off x="754226" y="3323465"/>
+                <a:ext cx="350993" cy="344994"/>
+              </a:xfrm>
+              <a:prstGeom prst="rect">
+                <a:avLst/>
+              </a:prstGeom>
+              <a:noFill/>
+              <a:extLst>
+                <a:ext uri="{909E8E84-426E-40DD-AFC4-6F175D3DCCD1}">
+                  <a14:hiddenFill xmlns:a14="http://schemas.microsoft.com/office/drawing/2010/main">
+                    <a:solidFill>
+                      <a:srgbClr val="FFFFFF"/>
+                    </a:solidFill>
+                  </a14:hiddenFill>
+                </a:ext>
+              </a:extLst>
+            </p:spPr>
+          </p:pic>
+          <p:sp>
+            <p:nvSpPr>
+              <p:cNvPr id="13" name="ZoneTexte 12">
+                <a:extLst>
+                  <a:ext uri="{FF2B5EF4-FFF2-40B4-BE49-F238E27FC236}">
+                    <a16:creationId xmlns:a16="http://schemas.microsoft.com/office/drawing/2014/main" id="{C5AB8D59-6F7D-6B3A-876B-E5C07C89454A}"/>
+                  </a:ext>
+                </a:extLst>
+              </p:cNvPr>
+              <p:cNvSpPr txBox="1"/>
+              <p:nvPr/>
+            </p:nvSpPr>
+            <p:spPr>
+              <a:xfrm>
+                <a:off x="278471" y="3743019"/>
+                <a:ext cx="1390212" cy="200055"/>
+              </a:xfrm>
+              <a:prstGeom prst="rect">
+                <a:avLst/>
+              </a:prstGeom>
+              <a:noFill/>
+            </p:spPr>
+            <p:txBody>
+              <a:bodyPr wrap="square" rtlCol="0">
+                <a:spAutoFit/>
+              </a:bodyPr>
+              <a:lstStyle/>
+              <a:p>
+                <a:pPr algn="ctr"/>
+                <a:r>
+                  <a:rPr lang="fr-FR" sz="700" b="1" dirty="0"/>
+                  <a:t>Données de </a:t>
+                </a:r>
+                <a:r>
+                  <a:rPr lang="fr-FR" sz="700" b="1" dirty="0" err="1"/>
+                  <a:t>pricing</a:t>
+                </a:r>
+                <a:endParaRPr lang="fr-FR" sz="700" b="1" dirty="0"/>
+              </a:p>
+            </p:txBody>
+          </p:sp>
+        </p:grpSp>
+      </p:grpSp>
+      <p:grpSp>
+        <p:nvGrpSpPr>
+          <p:cNvPr id="20" name="Groupe 19">
             <a:extLst>
               <a:ext uri="{FF2B5EF4-FFF2-40B4-BE49-F238E27FC236}">
-                <a16:creationId xmlns:a16="http://schemas.microsoft.com/office/drawing/2014/main" id="{64F9F1A5-8DFA-C4D6-D9C6-558B6A625216}"/>
+                <a16:creationId xmlns:a16="http://schemas.microsoft.com/office/drawing/2014/main" id="{76B48AF7-744C-ECFF-22D6-82CDE4FD8A8E}"/>
               </a:ext>
             </a:extLst>
           </p:cNvPr>
-          <p:cNvSpPr txBox="1"/>
+          <p:cNvGrpSpPr/>
           <p:nvPr/>
-        </p:nvSpPr>
-        <p:spPr>
+        </p:nvGrpSpPr>
+        <p:grpSpPr>
           <a:xfrm>
-            <a:off x="278471" y="2602042"/>
-            <a:ext cx="1390212" cy="200055"/>
+            <a:off x="6881481" y="1873629"/>
+            <a:ext cx="1389759" cy="1764982"/>
+            <a:chOff x="6881481" y="1873629"/>
+            <a:chExt cx="1389759" cy="1764982"/>
           </a:xfrm>
-          <a:prstGeom prst="rect">
-            <a:avLst/>
-          </a:prstGeom>
-          <a:noFill/>
-        </p:spPr>
-        <p:txBody>
-          <a:bodyPr wrap="square" rtlCol="0">
-            <a:spAutoFit/>
-          </a:bodyPr>
-          <a:lstStyle/>
-          <a:p>
-            <a:pPr algn="ctr"/>
-            <a:r>
-              <a:rPr lang="fr-FR" sz="700" b="1" dirty="0"/>
-              <a:t>Données de délais</a:t>
-            </a:r>
-          </a:p>
-        </p:txBody>
-      </p:sp>
-      <p:pic>
-        <p:nvPicPr>
-          <p:cNvPr id="12" name="Picture 2">
+        </p:grpSpPr>
+        <p:sp>
+          <p:nvSpPr>
+            <p:cNvPr id="2097" name="Rectangle 2096">
+              <a:extLst>
+                <a:ext uri="{FF2B5EF4-FFF2-40B4-BE49-F238E27FC236}">
+                  <a16:creationId xmlns:a16="http://schemas.microsoft.com/office/drawing/2014/main" id="{ADF20F1D-E32A-83D7-1C9F-ED56E1ADF5A6}"/>
+                </a:ext>
+              </a:extLst>
+            </p:cNvPr>
+            <p:cNvSpPr/>
+            <p:nvPr/>
+          </p:nvSpPr>
+          <p:spPr>
+            <a:xfrm>
+              <a:off x="7908699" y="3312398"/>
+              <a:ext cx="362541" cy="326213"/>
+            </a:xfrm>
+            <a:prstGeom prst="rect">
+              <a:avLst/>
+            </a:prstGeom>
+            <a:noFill/>
+            <a:ln>
+              <a:noFill/>
+            </a:ln>
+          </p:spPr>
+          <p:style>
+            <a:lnRef idx="2">
+              <a:schemeClr val="accent1">
+                <a:shade val="15000"/>
+              </a:schemeClr>
+            </a:lnRef>
+            <a:fillRef idx="1">
+              <a:schemeClr val="accent1"/>
+            </a:fillRef>
+            <a:effectRef idx="0">
+              <a:schemeClr val="accent1"/>
+            </a:effectRef>
+            <a:fontRef idx="minor">
+              <a:schemeClr val="lt1"/>
+            </a:fontRef>
+          </p:style>
+          <p:txBody>
+            <a:bodyPr rtlCol="0" anchor="ctr"/>
+            <a:lstStyle/>
+            <a:p>
+              <a:pPr algn="ctr"/>
+              <a:endParaRPr lang="fr-FR" dirty="0"/>
+            </a:p>
+          </p:txBody>
+        </p:sp>
+        <p:pic>
+          <p:nvPicPr>
+            <p:cNvPr id="2052" name="Picture 4">
+              <a:extLst>
+                <a:ext uri="{FF2B5EF4-FFF2-40B4-BE49-F238E27FC236}">
+                  <a16:creationId xmlns:a16="http://schemas.microsoft.com/office/drawing/2014/main" id="{FCCA093A-E48A-7B59-31BE-E1F8F80AD69D}"/>
+                </a:ext>
+              </a:extLst>
+            </p:cNvPr>
+            <p:cNvPicPr>
+              <a:picLocks noChangeAspect="1" noChangeArrowheads="1"/>
+            </p:cNvPicPr>
+            <p:nvPr/>
+          </p:nvPicPr>
+          <p:blipFill rotWithShape="1">
+            <a:blip r:embed="rId9">
+              <a:extLst>
+                <a:ext uri="{28A0092B-C50C-407E-A947-70E740481C1C}">
+                  <a14:useLocalDpi xmlns:a14="http://schemas.microsoft.com/office/drawing/2010/main" val="0"/>
+                </a:ext>
+              </a:extLst>
+            </a:blip>
+            <a:srcRect l="12661" t="20885" r="16005" b="23808"/>
+            <a:stretch>
+              <a:fillRect/>
+            </a:stretch>
+          </p:blipFill>
+          <p:spPr bwMode="auto">
+            <a:xfrm>
+              <a:off x="7785778" y="1885388"/>
+              <a:ext cx="435834" cy="266773"/>
+            </a:xfrm>
+            <a:prstGeom prst="rect">
+              <a:avLst/>
+            </a:prstGeom>
+            <a:noFill/>
+            <a:extLst>
+              <a:ext uri="{909E8E84-426E-40DD-AFC4-6F175D3DCCD1}">
+                <a14:hiddenFill xmlns:a14="http://schemas.microsoft.com/office/drawing/2010/main">
+                  <a:solidFill>
+                    <a:srgbClr val="FFFFFF"/>
+                  </a:solidFill>
+                </a14:hiddenFill>
+              </a:ext>
+            </a:extLst>
+          </p:spPr>
+        </p:pic>
+        <p:sp>
+          <p:nvSpPr>
+            <p:cNvPr id="54" name="Rectangle : coins arrondis 53">
+              <a:extLst>
+                <a:ext uri="{FF2B5EF4-FFF2-40B4-BE49-F238E27FC236}">
+                  <a16:creationId xmlns:a16="http://schemas.microsoft.com/office/drawing/2014/main" id="{3E4E5C19-19D1-7DB3-6126-771BB460CA7E}"/>
+                </a:ext>
+              </a:extLst>
+            </p:cNvPr>
+            <p:cNvSpPr/>
+            <p:nvPr/>
+          </p:nvSpPr>
+          <p:spPr>
+            <a:xfrm>
+              <a:off x="7018263" y="2271252"/>
+              <a:ext cx="1098685" cy="415523"/>
+            </a:xfrm>
+            <a:prstGeom prst="roundRect">
+              <a:avLst/>
+            </a:prstGeom>
+            <a:solidFill>
+              <a:schemeClr val="bg1">
+                <a:lumMod val="95000"/>
+              </a:schemeClr>
+            </a:solidFill>
+            <a:ln>
+              <a:noFill/>
+            </a:ln>
+          </p:spPr>
+          <p:style>
+            <a:lnRef idx="2">
+              <a:schemeClr val="accent1">
+                <a:shade val="15000"/>
+              </a:schemeClr>
+            </a:lnRef>
+            <a:fillRef idx="1">
+              <a:schemeClr val="accent1"/>
+            </a:fillRef>
+            <a:effectRef idx="0">
+              <a:schemeClr val="accent1"/>
+            </a:effectRef>
+            <a:fontRef idx="minor">
+              <a:schemeClr val="lt1"/>
+            </a:fontRef>
+          </p:style>
+          <p:txBody>
+            <a:bodyPr rtlCol="0" anchor="ctr"/>
+            <a:lstStyle/>
+            <a:p>
+              <a:pPr algn="ctr"/>
+              <a:endParaRPr lang="fr-FR"/>
+            </a:p>
+          </p:txBody>
+        </p:sp>
+        <p:sp>
+          <p:nvSpPr>
+            <p:cNvPr id="55" name="ZoneTexte 54">
+              <a:extLst>
+                <a:ext uri="{FF2B5EF4-FFF2-40B4-BE49-F238E27FC236}">
+                  <a16:creationId xmlns:a16="http://schemas.microsoft.com/office/drawing/2014/main" id="{C4EB1607-BC4B-15A3-0324-3D29B9154D63}"/>
+                </a:ext>
+              </a:extLst>
+            </p:cNvPr>
+            <p:cNvSpPr txBox="1"/>
+            <p:nvPr/>
+          </p:nvSpPr>
+          <p:spPr>
+            <a:xfrm>
+              <a:off x="6985463" y="2328730"/>
+              <a:ext cx="1156330" cy="338554"/>
+            </a:xfrm>
+            <a:prstGeom prst="rect">
+              <a:avLst/>
+            </a:prstGeom>
+            <a:noFill/>
+          </p:spPr>
+          <p:txBody>
+            <a:bodyPr wrap="square" rtlCol="0">
+              <a:spAutoFit/>
+            </a:bodyPr>
+            <a:lstStyle/>
+            <a:p>
+              <a:pPr algn="ctr"/>
+              <a:r>
+                <a:rPr lang="fr-FR" sz="900" dirty="0"/>
+                <a:t>EDA </a:t>
+              </a:r>
+            </a:p>
+            <a:p>
+              <a:pPr algn="ctr"/>
+              <a:r>
+                <a:rPr lang="fr-FR" sz="700" dirty="0"/>
+                <a:t>descriptive</a:t>
+              </a:r>
+            </a:p>
+          </p:txBody>
+        </p:sp>
+        <p:sp>
+          <p:nvSpPr>
+            <p:cNvPr id="56" name="Rectangle : coins arrondis 55">
+              <a:extLst>
+                <a:ext uri="{FF2B5EF4-FFF2-40B4-BE49-F238E27FC236}">
+                  <a16:creationId xmlns:a16="http://schemas.microsoft.com/office/drawing/2014/main" id="{34BB09D2-59B3-0F52-1024-4F32B01B2F53}"/>
+                </a:ext>
+              </a:extLst>
+            </p:cNvPr>
+            <p:cNvSpPr/>
+            <p:nvPr/>
+          </p:nvSpPr>
+          <p:spPr>
+            <a:xfrm>
+              <a:off x="7012431" y="3200200"/>
+              <a:ext cx="1104517" cy="354222"/>
+            </a:xfrm>
+            <a:prstGeom prst="roundRect">
+              <a:avLst/>
+            </a:prstGeom>
+            <a:solidFill>
+              <a:schemeClr val="bg1">
+                <a:lumMod val="95000"/>
+              </a:schemeClr>
+            </a:solidFill>
+            <a:ln>
+              <a:noFill/>
+            </a:ln>
+          </p:spPr>
+          <p:style>
+            <a:lnRef idx="2">
+              <a:schemeClr val="accent1">
+                <a:shade val="15000"/>
+              </a:schemeClr>
+            </a:lnRef>
+            <a:fillRef idx="1">
+              <a:schemeClr val="accent1"/>
+            </a:fillRef>
+            <a:effectRef idx="0">
+              <a:schemeClr val="accent1"/>
+            </a:effectRef>
+            <a:fontRef idx="minor">
+              <a:schemeClr val="lt1"/>
+            </a:fontRef>
+          </p:style>
+          <p:txBody>
+            <a:bodyPr rtlCol="0" anchor="ctr"/>
+            <a:lstStyle/>
+            <a:p>
+              <a:pPr algn="ctr"/>
+              <a:endParaRPr lang="fr-FR"/>
+            </a:p>
+          </p:txBody>
+        </p:sp>
+        <p:sp>
+          <p:nvSpPr>
+            <p:cNvPr id="57" name="ZoneTexte 56">
+              <a:extLst>
+                <a:ext uri="{FF2B5EF4-FFF2-40B4-BE49-F238E27FC236}">
+                  <a16:creationId xmlns:a16="http://schemas.microsoft.com/office/drawing/2014/main" id="{685F5B80-27B1-45A6-3DF8-0CF7271056CC}"/>
+                </a:ext>
+              </a:extLst>
+            </p:cNvPr>
+            <p:cNvSpPr txBox="1"/>
+            <p:nvPr/>
+          </p:nvSpPr>
+          <p:spPr>
+            <a:xfrm>
+              <a:off x="6985463" y="3253930"/>
+              <a:ext cx="1156330" cy="230832"/>
+            </a:xfrm>
+            <a:prstGeom prst="rect">
+              <a:avLst/>
+            </a:prstGeom>
+            <a:noFill/>
+          </p:spPr>
+          <p:txBody>
+            <a:bodyPr wrap="square" rtlCol="0">
+              <a:spAutoFit/>
+            </a:bodyPr>
+            <a:lstStyle/>
+            <a:p>
+              <a:pPr algn="ctr"/>
+              <a:r>
+                <a:rPr lang="fr-FR" sz="900" dirty="0"/>
+                <a:t>/PREDICT </a:t>
+              </a:r>
+            </a:p>
+          </p:txBody>
+        </p:sp>
+        <p:sp>
+          <p:nvSpPr>
+            <p:cNvPr id="1074" name="Rectangle : coins arrondis 1073">
+              <a:extLst>
+                <a:ext uri="{FF2B5EF4-FFF2-40B4-BE49-F238E27FC236}">
+                  <a16:creationId xmlns:a16="http://schemas.microsoft.com/office/drawing/2014/main" id="{4162FACA-EA89-9D97-B392-632929E9443D}"/>
+                </a:ext>
+              </a:extLst>
+            </p:cNvPr>
+            <p:cNvSpPr/>
+            <p:nvPr/>
+          </p:nvSpPr>
+          <p:spPr>
+            <a:xfrm>
+              <a:off x="6881481" y="1873629"/>
+              <a:ext cx="1378407" cy="1764604"/>
+            </a:xfrm>
+            <a:prstGeom prst="roundRect">
+              <a:avLst>
+                <a:gd name="adj" fmla="val 7978"/>
+              </a:avLst>
+            </a:prstGeom>
+            <a:noFill/>
+            <a:ln w="9525">
+              <a:solidFill>
+                <a:srgbClr val="FFC000"/>
+              </a:solidFill>
+              <a:prstDash val="dash"/>
+            </a:ln>
+          </p:spPr>
+          <p:style>
+            <a:lnRef idx="2">
+              <a:schemeClr val="accent1">
+                <a:shade val="15000"/>
+              </a:schemeClr>
+            </a:lnRef>
+            <a:fillRef idx="1">
+              <a:schemeClr val="accent1"/>
+            </a:fillRef>
+            <a:effectRef idx="0">
+              <a:schemeClr val="accent1"/>
+            </a:effectRef>
+            <a:fontRef idx="minor">
+              <a:schemeClr val="lt1"/>
+            </a:fontRef>
+          </p:style>
+          <p:txBody>
+            <a:bodyPr rtlCol="0" anchor="ctr"/>
+            <a:lstStyle/>
+            <a:p>
+              <a:pPr algn="ctr"/>
+              <a:endParaRPr lang="fr-FR" dirty="0"/>
+            </a:p>
+          </p:txBody>
+        </p:sp>
+        <p:pic>
+          <p:nvPicPr>
+            <p:cNvPr id="21" name="Picture 14">
+              <a:extLst>
+                <a:ext uri="{FF2B5EF4-FFF2-40B4-BE49-F238E27FC236}">
+                  <a16:creationId xmlns:a16="http://schemas.microsoft.com/office/drawing/2014/main" id="{174134F5-72A3-DA25-E671-C7DDD8DFA83A}"/>
+                </a:ext>
+              </a:extLst>
+            </p:cNvPr>
+            <p:cNvPicPr>
+              <a:picLocks noChangeAspect="1" noChangeArrowheads="1"/>
+            </p:cNvPicPr>
+            <p:nvPr/>
+          </p:nvPicPr>
+          <p:blipFill rotWithShape="1">
+            <a:blip r:embed="rId10">
+              <a:extLst>
+                <a:ext uri="{28A0092B-C50C-407E-A947-70E740481C1C}">
+                  <a14:useLocalDpi xmlns:a14="http://schemas.microsoft.com/office/drawing/2010/main" val="0"/>
+                </a:ext>
+              </a:extLst>
+            </a:blip>
+            <a:srcRect l="6454" t="18548" b="24342"/>
+            <a:stretch>
+              <a:fillRect/>
+            </a:stretch>
+          </p:blipFill>
+          <p:spPr bwMode="auto">
+            <a:xfrm>
+              <a:off x="6885019" y="1985270"/>
+              <a:ext cx="800992" cy="179300"/>
+            </a:xfrm>
+            <a:prstGeom prst="rect">
+              <a:avLst/>
+            </a:prstGeom>
+            <a:noFill/>
+            <a:extLst>
+              <a:ext uri="{909E8E84-426E-40DD-AFC4-6F175D3DCCD1}">
+                <a14:hiddenFill xmlns:a14="http://schemas.microsoft.com/office/drawing/2010/main">
+                  <a:solidFill>
+                    <a:srgbClr val="FFFFFF"/>
+                  </a:solidFill>
+                </a14:hiddenFill>
+              </a:ext>
+            </a:extLst>
+          </p:spPr>
+        </p:pic>
+        <p:sp>
+          <p:nvSpPr>
+            <p:cNvPr id="23" name="Ellipse 22">
+              <a:extLst>
+                <a:ext uri="{FF2B5EF4-FFF2-40B4-BE49-F238E27FC236}">
+                  <a16:creationId xmlns:a16="http://schemas.microsoft.com/office/drawing/2014/main" id="{14BA37FE-DD89-0B23-6089-5FD37763331C}"/>
+                </a:ext>
+              </a:extLst>
+            </p:cNvPr>
+            <p:cNvSpPr/>
+            <p:nvPr/>
+          </p:nvSpPr>
+          <p:spPr>
+            <a:xfrm>
+              <a:off x="7624519" y="2020902"/>
+              <a:ext cx="122984" cy="122984"/>
+            </a:xfrm>
+            <a:prstGeom prst="ellipse">
+              <a:avLst/>
+            </a:prstGeom>
+            <a:solidFill>
+              <a:srgbClr val="41545E"/>
+            </a:solidFill>
+            <a:ln>
+              <a:noFill/>
+            </a:ln>
+          </p:spPr>
+          <p:style>
+            <a:lnRef idx="2">
+              <a:schemeClr val="accent1">
+                <a:shade val="15000"/>
+              </a:schemeClr>
+            </a:lnRef>
+            <a:fillRef idx="1">
+              <a:schemeClr val="accent1"/>
+            </a:fillRef>
+            <a:effectRef idx="0">
+              <a:schemeClr val="accent1"/>
+            </a:effectRef>
+            <a:fontRef idx="minor">
+              <a:schemeClr val="lt1"/>
+            </a:fontRef>
+          </p:style>
+          <p:txBody>
+            <a:bodyPr rtlCol="0" anchor="ctr"/>
+            <a:lstStyle/>
+            <a:p>
+              <a:pPr algn="ctr"/>
+              <a:r>
+                <a:rPr lang="fr-FR" sz="900" dirty="0"/>
+                <a:t>+</a:t>
+              </a:r>
+            </a:p>
+          </p:txBody>
+        </p:sp>
+        <p:sp>
+          <p:nvSpPr>
+            <p:cNvPr id="69" name="Rectangle : coins arrondis 68">
+              <a:extLst>
+                <a:ext uri="{FF2B5EF4-FFF2-40B4-BE49-F238E27FC236}">
+                  <a16:creationId xmlns:a16="http://schemas.microsoft.com/office/drawing/2014/main" id="{B85D8442-0D2E-AD63-523E-6F120E99781A}"/>
+                </a:ext>
+              </a:extLst>
+            </p:cNvPr>
+            <p:cNvSpPr/>
+            <p:nvPr/>
+          </p:nvSpPr>
+          <p:spPr>
+            <a:xfrm>
+              <a:off x="7012431" y="2752111"/>
+              <a:ext cx="1104517" cy="354222"/>
+            </a:xfrm>
+            <a:prstGeom prst="roundRect">
+              <a:avLst/>
+            </a:prstGeom>
+            <a:solidFill>
+              <a:schemeClr val="bg1">
+                <a:lumMod val="95000"/>
+              </a:schemeClr>
+            </a:solidFill>
+            <a:ln>
+              <a:noFill/>
+            </a:ln>
+          </p:spPr>
+          <p:style>
+            <a:lnRef idx="2">
+              <a:schemeClr val="accent1">
+                <a:shade val="15000"/>
+              </a:schemeClr>
+            </a:lnRef>
+            <a:fillRef idx="1">
+              <a:schemeClr val="accent1"/>
+            </a:fillRef>
+            <a:effectRef idx="0">
+              <a:schemeClr val="accent1"/>
+            </a:effectRef>
+            <a:fontRef idx="minor">
+              <a:schemeClr val="lt1"/>
+            </a:fontRef>
+          </p:style>
+          <p:txBody>
+            <a:bodyPr rtlCol="0" anchor="ctr"/>
+            <a:lstStyle/>
+            <a:p>
+              <a:pPr algn="ctr"/>
+              <a:endParaRPr lang="fr-FR"/>
+            </a:p>
+          </p:txBody>
+        </p:sp>
+        <p:sp>
+          <p:nvSpPr>
+            <p:cNvPr id="72" name="ZoneTexte 71">
+              <a:extLst>
+                <a:ext uri="{FF2B5EF4-FFF2-40B4-BE49-F238E27FC236}">
+                  <a16:creationId xmlns:a16="http://schemas.microsoft.com/office/drawing/2014/main" id="{860A4D78-736B-6187-48BA-98841BDF3933}"/>
+                </a:ext>
+              </a:extLst>
+            </p:cNvPr>
+            <p:cNvSpPr txBox="1"/>
+            <p:nvPr/>
+          </p:nvSpPr>
+          <p:spPr>
+            <a:xfrm>
+              <a:off x="6985463" y="2805841"/>
+              <a:ext cx="1156330" cy="230832"/>
+            </a:xfrm>
+            <a:prstGeom prst="rect">
+              <a:avLst/>
+            </a:prstGeom>
+            <a:noFill/>
+          </p:spPr>
+          <p:txBody>
+            <a:bodyPr wrap="square" rtlCol="0">
+              <a:spAutoFit/>
+            </a:bodyPr>
+            <a:lstStyle/>
+            <a:p>
+              <a:pPr algn="ctr"/>
+              <a:r>
+                <a:rPr lang="fr-FR" sz="900" dirty="0"/>
+                <a:t>Analyse des seuils </a:t>
+              </a:r>
+            </a:p>
+          </p:txBody>
+        </p:sp>
+      </p:grpSp>
+      <p:grpSp>
+        <p:nvGrpSpPr>
+          <p:cNvPr id="15" name="Groupe 14">
             <a:extLst>
               <a:ext uri="{FF2B5EF4-FFF2-40B4-BE49-F238E27FC236}">
-                <a16:creationId xmlns:a16="http://schemas.microsoft.com/office/drawing/2014/main" id="{27F148E2-4FBF-942E-41DA-700170B49729}"/>
+                <a16:creationId xmlns:a16="http://schemas.microsoft.com/office/drawing/2014/main" id="{F0042F9D-CAB4-F2F8-EF48-EB70D2F5E683}"/>
               </a:ext>
             </a:extLst>
           </p:cNvPr>
-          <p:cNvPicPr>
-            <a:picLocks noChangeAspect="1" noChangeArrowheads="1"/>
-          </p:cNvPicPr>
+          <p:cNvGrpSpPr/>
           <p:nvPr/>
-        </p:nvPicPr>
-        <p:blipFill rotWithShape="1">
-          <a:blip r:embed="rId16">
+        </p:nvGrpSpPr>
+        <p:grpSpPr>
+          <a:xfrm>
+            <a:off x="2159594" y="1304200"/>
+            <a:ext cx="4264079" cy="3427457"/>
+            <a:chOff x="2159594" y="1304200"/>
+            <a:chExt cx="4264079" cy="3427457"/>
+          </a:xfrm>
+        </p:grpSpPr>
+        <p:sp>
+          <p:nvSpPr>
+            <p:cNvPr id="98" name="Rectangle : coins arrondis 97">
+              <a:extLst>
+                <a:ext uri="{FF2B5EF4-FFF2-40B4-BE49-F238E27FC236}">
+                  <a16:creationId xmlns:a16="http://schemas.microsoft.com/office/drawing/2014/main" id="{DC03F088-F580-351B-D5FE-5AE0A2FB4E6B}"/>
+                </a:ext>
+              </a:extLst>
+            </p:cNvPr>
+            <p:cNvSpPr/>
+            <p:nvPr/>
+          </p:nvSpPr>
+          <p:spPr>
+            <a:xfrm>
+              <a:off x="2496506" y="1709556"/>
+              <a:ext cx="1733500" cy="2867668"/>
+            </a:xfrm>
+            <a:prstGeom prst="roundRect">
+              <a:avLst/>
+            </a:prstGeom>
+            <a:solidFill>
+              <a:srgbClr val="F7F7F7"/>
+            </a:solidFill>
+            <a:ln w="9525">
+              <a:solidFill>
+                <a:schemeClr val="bg1">
+                  <a:lumMod val="65000"/>
+                </a:schemeClr>
+              </a:solidFill>
+              <a:prstDash val="dash"/>
+            </a:ln>
+          </p:spPr>
+          <p:style>
+            <a:lnRef idx="2">
+              <a:schemeClr val="accent1">
+                <a:shade val="15000"/>
+              </a:schemeClr>
+            </a:lnRef>
+            <a:fillRef idx="1">
+              <a:schemeClr val="accent1"/>
+            </a:fillRef>
+            <a:effectRef idx="0">
+              <a:schemeClr val="accent1"/>
+            </a:effectRef>
+            <a:fontRef idx="minor">
+              <a:schemeClr val="lt1"/>
+            </a:fontRef>
+          </p:style>
+          <p:txBody>
+            <a:bodyPr rtlCol="0" anchor="ctr"/>
+            <a:lstStyle/>
+            <a:p>
+              <a:pPr algn="ctr"/>
+              <a:endParaRPr lang="fr-FR" dirty="0"/>
+            </a:p>
+          </p:txBody>
+        </p:sp>
+        <p:sp>
+          <p:nvSpPr>
+            <p:cNvPr id="5" name="Rectangle : coins arrondis 4">
+              <a:extLst>
+                <a:ext uri="{FF2B5EF4-FFF2-40B4-BE49-F238E27FC236}">
+                  <a16:creationId xmlns:a16="http://schemas.microsoft.com/office/drawing/2014/main" id="{564CE1A9-869C-774B-0E58-18DB76A3FCD2}"/>
+                </a:ext>
+              </a:extLst>
+            </p:cNvPr>
+            <p:cNvSpPr/>
+            <p:nvPr/>
+          </p:nvSpPr>
+          <p:spPr>
+            <a:xfrm>
+              <a:off x="2305374" y="1304200"/>
+              <a:ext cx="4118299" cy="106642"/>
+            </a:xfrm>
+            <a:prstGeom prst="roundRect">
+              <a:avLst/>
+            </a:prstGeom>
+            <a:solidFill>
+              <a:srgbClr val="00B050"/>
+            </a:solidFill>
+            <a:ln w="12700" cap="flat" cmpd="sng" algn="ctr">
+              <a:noFill/>
+              <a:prstDash val="solid"/>
+              <a:miter lim="800000"/>
+            </a:ln>
+            <a:effectLst/>
+          </p:spPr>
+          <p:txBody>
+            <a:bodyPr rot="0" spcFirstLastPara="0" vertOverflow="overflow" horzOverflow="overflow" vert="horz" wrap="square" lIns="74295" tIns="37148" rIns="74295" bIns="37148" numCol="1" spcCol="0" rtlCol="0" fromWordArt="0" anchor="ctr" anchorCtr="0" forceAA="0" compatLnSpc="1">
+              <a:prstTxWarp prst="textNoShape">
+                <a:avLst/>
+              </a:prstTxWarp>
+              <a:noAutofit/>
+            </a:bodyPr>
+            <a:lstStyle/>
+            <a:p>
+              <a:pPr algn="ctr">
+                <a:buClrTx/>
+              </a:pPr>
+              <a:r>
+                <a:rPr lang="fr-FR" sz="800" b="1" kern="1200" dirty="0">
+                  <a:solidFill>
+                    <a:schemeClr val="bg1"/>
+                  </a:solidFill>
+                  <a:latin typeface="Calibri" panose="020F0502020204030204" pitchFamily="34" charset="0"/>
+                  <a:ea typeface="+mn-ea"/>
+                  <a:cs typeface="Calibri" panose="020F0502020204030204" pitchFamily="34" charset="0"/>
+                </a:rPr>
+                <a:t>Backend</a:t>
+              </a:r>
+            </a:p>
+          </p:txBody>
+        </p:sp>
+        <p:sp>
+          <p:nvSpPr>
+            <p:cNvPr id="39" name="Rectangle : coins arrondis 38">
+              <a:extLst>
+                <a:ext uri="{FF2B5EF4-FFF2-40B4-BE49-F238E27FC236}">
+                  <a16:creationId xmlns:a16="http://schemas.microsoft.com/office/drawing/2014/main" id="{AEAEB6F6-E6B3-2BA6-860A-9983C6A790DD}"/>
+                </a:ext>
+              </a:extLst>
+            </p:cNvPr>
+            <p:cNvSpPr/>
+            <p:nvPr/>
+          </p:nvSpPr>
+          <p:spPr>
+            <a:xfrm>
+              <a:off x="2645065" y="3303259"/>
+              <a:ext cx="1404308" cy="1189980"/>
+            </a:xfrm>
+            <a:prstGeom prst="roundRect">
+              <a:avLst/>
+            </a:prstGeom>
+            <a:noFill/>
+            <a:ln w="9525">
+              <a:solidFill>
+                <a:srgbClr val="FF0080"/>
+              </a:solidFill>
+              <a:prstDash val="dash"/>
+            </a:ln>
+          </p:spPr>
+          <p:style>
+            <a:lnRef idx="2">
+              <a:schemeClr val="accent1">
+                <a:shade val="15000"/>
+              </a:schemeClr>
+            </a:lnRef>
+            <a:fillRef idx="1">
+              <a:schemeClr val="accent1"/>
+            </a:fillRef>
+            <a:effectRef idx="0">
+              <a:schemeClr val="accent1"/>
+            </a:effectRef>
+            <a:fontRef idx="minor">
+              <a:schemeClr val="lt1"/>
+            </a:fontRef>
+          </p:style>
+          <p:txBody>
+            <a:bodyPr rtlCol="0" anchor="ctr"/>
+            <a:lstStyle/>
+            <a:p>
+              <a:pPr algn="ctr"/>
+              <a:endParaRPr lang="fr-FR" dirty="0"/>
+            </a:p>
+          </p:txBody>
+        </p:sp>
+        <p:cxnSp>
+          <p:nvCxnSpPr>
+            <p:cNvPr id="29" name="Connecteur droit 28">
+              <a:extLst>
+                <a:ext uri="{FF2B5EF4-FFF2-40B4-BE49-F238E27FC236}">
+                  <a16:creationId xmlns:a16="http://schemas.microsoft.com/office/drawing/2014/main" id="{2F5C326A-12BF-B849-9176-2CB67D7A7ED9}"/>
+                </a:ext>
+              </a:extLst>
+            </p:cNvPr>
+            <p:cNvCxnSpPr/>
+            <p:nvPr/>
+          </p:nvCxnSpPr>
+          <p:spPr>
+            <a:xfrm>
+              <a:off x="4378905" y="1458686"/>
+              <a:ext cx="0" cy="3272971"/>
+            </a:xfrm>
+            <a:prstGeom prst="line">
+              <a:avLst/>
+            </a:prstGeom>
+            <a:ln w="19050">
+              <a:solidFill>
+                <a:schemeClr val="bg1">
+                  <a:lumMod val="75000"/>
+                </a:schemeClr>
+              </a:solidFill>
+              <a:prstDash val="dash"/>
+            </a:ln>
+          </p:spPr>
+          <p:style>
+            <a:lnRef idx="1">
+              <a:schemeClr val="dk1"/>
+            </a:lnRef>
+            <a:fillRef idx="0">
+              <a:schemeClr val="dk1"/>
+            </a:fillRef>
+            <a:effectRef idx="0">
+              <a:schemeClr val="dk1"/>
+            </a:effectRef>
+            <a:fontRef idx="minor">
+              <a:schemeClr val="tx1"/>
+            </a:fontRef>
+          </p:style>
+        </p:cxnSp>
+        <p:sp>
+          <p:nvSpPr>
+            <p:cNvPr id="71" name="Rectangle : coins arrondis 70">
+              <a:extLst>
+                <a:ext uri="{FF2B5EF4-FFF2-40B4-BE49-F238E27FC236}">
+                  <a16:creationId xmlns:a16="http://schemas.microsoft.com/office/drawing/2014/main" id="{E74B2057-34BC-1980-9671-44A128491597}"/>
+                </a:ext>
+              </a:extLst>
+            </p:cNvPr>
+            <p:cNvSpPr/>
+            <p:nvPr/>
+          </p:nvSpPr>
+          <p:spPr>
+            <a:xfrm>
+              <a:off x="2643777" y="1807995"/>
+              <a:ext cx="1409398" cy="1197750"/>
+            </a:xfrm>
+            <a:prstGeom prst="roundRect">
+              <a:avLst/>
+            </a:prstGeom>
+            <a:noFill/>
+            <a:ln w="9525">
+              <a:solidFill>
+                <a:srgbClr val="B266FF"/>
+              </a:solidFill>
+              <a:prstDash val="dash"/>
+            </a:ln>
+          </p:spPr>
+          <p:style>
+            <a:lnRef idx="2">
+              <a:schemeClr val="accent1">
+                <a:shade val="15000"/>
+              </a:schemeClr>
+            </a:lnRef>
+            <a:fillRef idx="1">
+              <a:schemeClr val="accent1"/>
+            </a:fillRef>
+            <a:effectRef idx="0">
+              <a:schemeClr val="accent1"/>
+            </a:effectRef>
+            <a:fontRef idx="minor">
+              <a:schemeClr val="lt1"/>
+            </a:fontRef>
+          </p:style>
+          <p:txBody>
+            <a:bodyPr rtlCol="0" anchor="ctr"/>
+            <a:lstStyle/>
+            <a:p>
+              <a:pPr algn="ctr"/>
+              <a:endParaRPr lang="fr-FR" dirty="0"/>
+            </a:p>
+          </p:txBody>
+        </p:sp>
+        <p:pic>
+          <p:nvPicPr>
+            <p:cNvPr id="116" name="Picture 4">
+              <a:extLst>
+                <a:ext uri="{FF2B5EF4-FFF2-40B4-BE49-F238E27FC236}">
+                  <a16:creationId xmlns:a16="http://schemas.microsoft.com/office/drawing/2014/main" id="{B7DCCBAF-8A38-3C4F-0798-30A393D5D283}"/>
+                </a:ext>
+              </a:extLst>
+            </p:cNvPr>
+            <p:cNvPicPr>
+              <a:picLocks noChangeAspect="1" noChangeArrowheads="1"/>
+            </p:cNvPicPr>
+            <p:nvPr/>
+          </p:nvPicPr>
+          <p:blipFill rotWithShape="1">
+            <a:blip r:embed="rId11">
+              <a:extLst>
+                <a:ext uri="{28A0092B-C50C-407E-A947-70E740481C1C}">
+                  <a14:useLocalDpi xmlns:a14="http://schemas.microsoft.com/office/drawing/2010/main" val="0"/>
+                </a:ext>
+              </a:extLst>
+            </a:blip>
+            <a:srcRect l="13093" t="7524" r="12698" b="43966"/>
+            <a:stretch>
+              <a:fillRect/>
+            </a:stretch>
+          </p:blipFill>
+          <p:spPr bwMode="auto">
+            <a:xfrm>
+              <a:off x="3150917" y="2125035"/>
+              <a:ext cx="489954" cy="500434"/>
+            </a:xfrm>
+            <a:prstGeom prst="rect">
+              <a:avLst/>
+            </a:prstGeom>
+            <a:noFill/>
             <a:extLst>
-              <a:ext uri="{28A0092B-C50C-407E-A947-70E740481C1C}">
-                <a14:useLocalDpi xmlns:a14="http://schemas.microsoft.com/office/drawing/2010/main" val="0"/>
+              <a:ext uri="{909E8E84-426E-40DD-AFC4-6F175D3DCCD1}">
+                <a14:hiddenFill xmlns:a14="http://schemas.microsoft.com/office/drawing/2010/main">
+                  <a:solidFill>
+                    <a:srgbClr val="FFFFFF"/>
+                  </a:solidFill>
+                </a14:hiddenFill>
               </a:ext>
             </a:extLst>
-          </a:blip>
-          <a:srcRect l="15800" t="16870" r="16971" b="17050"/>
-          <a:stretch>
-            <a:fillRect/>
-          </a:stretch>
-        </p:blipFill>
-        <p:spPr bwMode="auto">
-          <a:xfrm>
-            <a:off x="754226" y="3323465"/>
-            <a:ext cx="350993" cy="344994"/>
-          </a:xfrm>
-          <a:prstGeom prst="rect">
-            <a:avLst/>
-          </a:prstGeom>
-          <a:noFill/>
-          <a:extLst>
-            <a:ext uri="{909E8E84-426E-40DD-AFC4-6F175D3DCCD1}">
-              <a14:hiddenFill xmlns:a14="http://schemas.microsoft.com/office/drawing/2010/main">
-                <a:solidFill>
-                  <a:srgbClr val="FFFFFF"/>
-                </a:solidFill>
-              </a14:hiddenFill>
-            </a:ext>
-          </a:extLst>
-        </p:spPr>
-      </p:pic>
-      <p:sp>
-        <p:nvSpPr>
-          <p:cNvPr id="13" name="ZoneTexte 12">
+          </p:spPr>
+        </p:pic>
+        <p:pic>
+          <p:nvPicPr>
+            <p:cNvPr id="117" name="Picture 6">
+              <a:extLst>
+                <a:ext uri="{FF2B5EF4-FFF2-40B4-BE49-F238E27FC236}">
+                  <a16:creationId xmlns:a16="http://schemas.microsoft.com/office/drawing/2014/main" id="{B3747ED9-0378-A202-7151-54782D96CF66}"/>
+                </a:ext>
+              </a:extLst>
+            </p:cNvPr>
+            <p:cNvPicPr>
+              <a:picLocks noChangeAspect="1" noChangeArrowheads="1"/>
+            </p:cNvPicPr>
+            <p:nvPr/>
+          </p:nvPicPr>
+          <p:blipFill rotWithShape="1">
+            <a:blip r:embed="rId12">
+              <a:extLst>
+                <a:ext uri="{28A0092B-C50C-407E-A947-70E740481C1C}">
+                  <a14:useLocalDpi xmlns:a14="http://schemas.microsoft.com/office/drawing/2010/main" val="0"/>
+                </a:ext>
+              </a:extLst>
+            </a:blip>
+            <a:srcRect l="31615" t="12234" r="33730" b="47839"/>
+            <a:stretch>
+              <a:fillRect/>
+            </a:stretch>
+          </p:blipFill>
+          <p:spPr bwMode="auto">
+            <a:xfrm>
+              <a:off x="3115897" y="3562385"/>
+              <a:ext cx="524974" cy="504042"/>
+            </a:xfrm>
+            <a:prstGeom prst="rect">
+              <a:avLst/>
+            </a:prstGeom>
+            <a:noFill/>
+            <a:extLst>
+              <a:ext uri="{909E8E84-426E-40DD-AFC4-6F175D3DCCD1}">
+                <a14:hiddenFill xmlns:a14="http://schemas.microsoft.com/office/drawing/2010/main">
+                  <a:solidFill>
+                    <a:srgbClr val="FFFFFF"/>
+                  </a:solidFill>
+                </a14:hiddenFill>
+              </a:ext>
+            </a:extLst>
+          </p:spPr>
+        </p:pic>
+        <p:cxnSp>
+          <p:nvCxnSpPr>
+            <p:cNvPr id="11" name="Connecteur droit avec flèche 10">
+              <a:extLst>
+                <a:ext uri="{FF2B5EF4-FFF2-40B4-BE49-F238E27FC236}">
+                  <a16:creationId xmlns:a16="http://schemas.microsoft.com/office/drawing/2014/main" id="{D8A48580-543E-68C9-355D-6C2F58EACB96}"/>
+                </a:ext>
+              </a:extLst>
+            </p:cNvPr>
+            <p:cNvCxnSpPr>
+              <a:cxnSpLocks/>
+              <a:stCxn id="127" idx="3"/>
+              <a:endCxn id="116" idx="1"/>
+            </p:cNvCxnSpPr>
+            <p:nvPr/>
+          </p:nvCxnSpPr>
+          <p:spPr>
+            <a:xfrm flipV="1">
+              <a:off x="2159594" y="2375252"/>
+              <a:ext cx="991323" cy="2280"/>
+            </a:xfrm>
+            <a:prstGeom prst="straightConnector1">
+              <a:avLst/>
+            </a:prstGeom>
+            <a:ln w="38100">
+              <a:solidFill>
+                <a:srgbClr val="B266FF"/>
+              </a:solidFill>
+              <a:tailEnd type="triangle"/>
+            </a:ln>
+          </p:spPr>
+          <p:style>
+            <a:lnRef idx="1">
+              <a:schemeClr val="accent1"/>
+            </a:lnRef>
+            <a:fillRef idx="0">
+              <a:schemeClr val="accent1"/>
+            </a:fillRef>
+            <a:effectRef idx="0">
+              <a:schemeClr val="accent1"/>
+            </a:effectRef>
+            <a:fontRef idx="minor">
+              <a:schemeClr val="tx1"/>
+            </a:fontRef>
+          </p:style>
+        </p:cxnSp>
+        <p:cxnSp>
+          <p:nvCxnSpPr>
+            <p:cNvPr id="19" name="Connecteur droit avec flèche 18">
+              <a:extLst>
+                <a:ext uri="{FF2B5EF4-FFF2-40B4-BE49-F238E27FC236}">
+                  <a16:creationId xmlns:a16="http://schemas.microsoft.com/office/drawing/2014/main" id="{7965C0EE-9642-2EA9-734C-AF9138078030}"/>
+                </a:ext>
+              </a:extLst>
+            </p:cNvPr>
+            <p:cNvCxnSpPr>
+              <a:cxnSpLocks/>
+              <a:stCxn id="1033" idx="3"/>
+              <a:endCxn id="117" idx="1"/>
+            </p:cNvCxnSpPr>
+            <p:nvPr/>
+          </p:nvCxnSpPr>
+          <p:spPr>
+            <a:xfrm>
+              <a:off x="2176862" y="3808478"/>
+              <a:ext cx="939035" cy="5928"/>
+            </a:xfrm>
+            <a:prstGeom prst="straightConnector1">
+              <a:avLst/>
+            </a:prstGeom>
+            <a:ln w="38100">
+              <a:solidFill>
+                <a:srgbClr val="FF0080"/>
+              </a:solidFill>
+              <a:tailEnd type="triangle"/>
+            </a:ln>
+          </p:spPr>
+          <p:style>
+            <a:lnRef idx="1">
+              <a:schemeClr val="accent1"/>
+            </a:lnRef>
+            <a:fillRef idx="0">
+              <a:schemeClr val="accent1"/>
+            </a:fillRef>
+            <a:effectRef idx="0">
+              <a:schemeClr val="accent1"/>
+            </a:effectRef>
+            <a:fontRef idx="minor">
+              <a:schemeClr val="tx1"/>
+            </a:fontRef>
+          </p:style>
+        </p:cxnSp>
+        <p:sp>
+          <p:nvSpPr>
+            <p:cNvPr id="31" name="ZoneTexte 30">
+              <a:extLst>
+                <a:ext uri="{FF2B5EF4-FFF2-40B4-BE49-F238E27FC236}">
+                  <a16:creationId xmlns:a16="http://schemas.microsoft.com/office/drawing/2014/main" id="{6F47604A-F072-9B2B-A28D-D050592AE8FB}"/>
+                </a:ext>
+              </a:extLst>
+            </p:cNvPr>
+            <p:cNvSpPr txBox="1"/>
+            <p:nvPr/>
+          </p:nvSpPr>
+          <p:spPr>
+            <a:xfrm>
+              <a:off x="2674708" y="2666628"/>
+              <a:ext cx="1390212" cy="307777"/>
+            </a:xfrm>
+            <a:prstGeom prst="rect">
+              <a:avLst/>
+            </a:prstGeom>
+            <a:noFill/>
+          </p:spPr>
+          <p:txBody>
+            <a:bodyPr wrap="square" rtlCol="0">
+              <a:spAutoFit/>
+            </a:bodyPr>
+            <a:lstStyle/>
+            <a:p>
+              <a:pPr algn="ctr"/>
+              <a:r>
+                <a:rPr lang="fr-FR" sz="700" b="1" dirty="0"/>
+                <a:t>Extraction insights exploitables</a:t>
+              </a:r>
+            </a:p>
+          </p:txBody>
+        </p:sp>
+        <p:sp>
+          <p:nvSpPr>
+            <p:cNvPr id="112" name="ZoneTexte 111">
+              <a:extLst>
+                <a:ext uri="{FF2B5EF4-FFF2-40B4-BE49-F238E27FC236}">
+                  <a16:creationId xmlns:a16="http://schemas.microsoft.com/office/drawing/2014/main" id="{AD07C0C2-29F2-C798-AE29-8343FB635B5B}"/>
+                </a:ext>
+              </a:extLst>
+            </p:cNvPr>
+            <p:cNvSpPr txBox="1"/>
+            <p:nvPr/>
+          </p:nvSpPr>
+          <p:spPr>
+            <a:xfrm>
+              <a:off x="2674708" y="4098066"/>
+              <a:ext cx="1390212" cy="307777"/>
+            </a:xfrm>
+            <a:prstGeom prst="rect">
+              <a:avLst/>
+            </a:prstGeom>
+            <a:noFill/>
+          </p:spPr>
+          <p:txBody>
+            <a:bodyPr wrap="square" rtlCol="0">
+              <a:spAutoFit/>
+            </a:bodyPr>
+            <a:lstStyle/>
+            <a:p>
+              <a:pPr algn="ctr"/>
+              <a:r>
+                <a:rPr lang="fr-FR" sz="700" b="1" dirty="0"/>
+                <a:t>Extraction insights exploitables</a:t>
+              </a:r>
+            </a:p>
+          </p:txBody>
+        </p:sp>
+      </p:grpSp>
+      <p:grpSp>
+        <p:nvGrpSpPr>
+          <p:cNvPr id="17" name="Groupe 16">
             <a:extLst>
               <a:ext uri="{FF2B5EF4-FFF2-40B4-BE49-F238E27FC236}">
-                <a16:creationId xmlns:a16="http://schemas.microsoft.com/office/drawing/2014/main" id="{C5AB8D59-6F7D-6B3A-876B-E5C07C89454A}"/>
+                <a16:creationId xmlns:a16="http://schemas.microsoft.com/office/drawing/2014/main" id="{D0B1AC1E-0065-2127-FAAC-535807A8D6EB}"/>
               </a:ext>
             </a:extLst>
           </p:cNvPr>
-          <p:cNvSpPr txBox="1"/>
+          <p:cNvGrpSpPr/>
           <p:nvPr/>
-        </p:nvSpPr>
-        <p:spPr>
+        </p:nvGrpSpPr>
+        <p:grpSpPr>
           <a:xfrm>
-            <a:off x="278471" y="3743019"/>
-            <a:ext cx="1390212" cy="200055"/>
+            <a:off x="4049373" y="1458686"/>
+            <a:ext cx="2401555" cy="3272971"/>
+            <a:chOff x="4049373" y="1458686"/>
+            <a:chExt cx="2401555" cy="3272971"/>
           </a:xfrm>
-          <a:prstGeom prst="rect">
-            <a:avLst/>
-          </a:prstGeom>
-          <a:noFill/>
-        </p:spPr>
-        <p:txBody>
-          <a:bodyPr wrap="square" rtlCol="0">
-            <a:spAutoFit/>
-          </a:bodyPr>
-          <a:lstStyle/>
-          <a:p>
-            <a:pPr algn="ctr"/>
-            <a:r>
-              <a:rPr lang="fr-FR" sz="700" b="1" dirty="0"/>
-              <a:t>Données de </a:t>
-            </a:r>
-            <a:r>
-              <a:rPr lang="fr-FR" sz="700" b="1" dirty="0" err="1"/>
-              <a:t>pricing</a:t>
-            </a:r>
-            <a:endParaRPr lang="fr-FR" sz="700" b="1" dirty="0"/>
-          </a:p>
-        </p:txBody>
-      </p:sp>
-      <p:sp>
-        <p:nvSpPr>
-          <p:cNvPr id="69" name="Rectangle : coins arrondis 68">
+        </p:grpSpPr>
+        <p:cxnSp>
+          <p:nvCxnSpPr>
+            <p:cNvPr id="30" name="Connecteur droit 29">
+              <a:extLst>
+                <a:ext uri="{FF2B5EF4-FFF2-40B4-BE49-F238E27FC236}">
+                  <a16:creationId xmlns:a16="http://schemas.microsoft.com/office/drawing/2014/main" id="{DD9C7B50-C6F5-7260-C61A-2CAE5E4C0BF7}"/>
+                </a:ext>
+              </a:extLst>
+            </p:cNvPr>
+            <p:cNvCxnSpPr/>
+            <p:nvPr/>
+          </p:nvCxnSpPr>
+          <p:spPr>
+            <a:xfrm>
+              <a:off x="6450928" y="1458686"/>
+              <a:ext cx="0" cy="3272971"/>
+            </a:xfrm>
+            <a:prstGeom prst="line">
+              <a:avLst/>
+            </a:prstGeom>
+            <a:ln w="19050">
+              <a:solidFill>
+                <a:schemeClr val="bg1">
+                  <a:lumMod val="75000"/>
+                </a:schemeClr>
+              </a:solidFill>
+              <a:prstDash val="dash"/>
+            </a:ln>
+          </p:spPr>
+          <p:style>
+            <a:lnRef idx="1">
+              <a:schemeClr val="dk1"/>
+            </a:lnRef>
+            <a:fillRef idx="0">
+              <a:schemeClr val="dk1"/>
+            </a:fillRef>
+            <a:effectRef idx="0">
+              <a:schemeClr val="dk1"/>
+            </a:effectRef>
+            <a:fontRef idx="minor">
+              <a:schemeClr val="tx1"/>
+            </a:fontRef>
+          </p:style>
+        </p:cxnSp>
+        <p:pic>
+          <p:nvPicPr>
+            <p:cNvPr id="1036" name="Picture 12">
+              <a:extLst>
+                <a:ext uri="{FF2B5EF4-FFF2-40B4-BE49-F238E27FC236}">
+                  <a16:creationId xmlns:a16="http://schemas.microsoft.com/office/drawing/2014/main" id="{135630BC-F5F0-17C1-438A-A312C16997F8}"/>
+                </a:ext>
+              </a:extLst>
+            </p:cNvPr>
+            <p:cNvPicPr>
+              <a:picLocks noChangeAspect="1" noChangeArrowheads="1"/>
+            </p:cNvPicPr>
+            <p:nvPr/>
+          </p:nvPicPr>
+          <p:blipFill>
+            <a:blip r:embed="rId13">
+              <a:extLst>
+                <a:ext uri="{28A0092B-C50C-407E-A947-70E740481C1C}">
+                  <a14:useLocalDpi xmlns:a14="http://schemas.microsoft.com/office/drawing/2010/main" val="0"/>
+                </a:ext>
+              </a:extLst>
+            </a:blip>
+            <a:srcRect/>
+            <a:stretch>
+              <a:fillRect/>
+            </a:stretch>
+          </p:blipFill>
+          <p:spPr bwMode="auto">
+            <a:xfrm>
+              <a:off x="5590470" y="2629059"/>
+              <a:ext cx="781468" cy="564394"/>
+            </a:xfrm>
+            <a:prstGeom prst="rect">
+              <a:avLst/>
+            </a:prstGeom>
+            <a:noFill/>
             <a:extLst>
-              <a:ext uri="{FF2B5EF4-FFF2-40B4-BE49-F238E27FC236}">
-                <a16:creationId xmlns:a16="http://schemas.microsoft.com/office/drawing/2014/main" id="{B85D8442-0D2E-AD63-523E-6F120E99781A}"/>
+              <a:ext uri="{909E8E84-426E-40DD-AFC4-6F175D3DCCD1}">
+                <a14:hiddenFill xmlns:a14="http://schemas.microsoft.com/office/drawing/2010/main">
+                  <a:solidFill>
+                    <a:srgbClr val="FFFFFF"/>
+                  </a:solidFill>
+                </a14:hiddenFill>
               </a:ext>
             </a:extLst>
-          </p:cNvPr>
-          <p:cNvSpPr/>
-          <p:nvPr/>
-        </p:nvSpPr>
-        <p:spPr>
-          <a:xfrm>
-            <a:off x="7012431" y="2752111"/>
-            <a:ext cx="1104517" cy="354222"/>
-          </a:xfrm>
-          <a:prstGeom prst="roundRect">
-            <a:avLst/>
-          </a:prstGeom>
-          <a:solidFill>
-            <a:schemeClr val="bg1">
-              <a:lumMod val="95000"/>
-            </a:schemeClr>
-          </a:solidFill>
-          <a:ln>
+          </p:spPr>
+        </p:pic>
+        <p:pic>
+          <p:nvPicPr>
+            <p:cNvPr id="1038" name="Picture 14">
+              <a:extLst>
+                <a:ext uri="{FF2B5EF4-FFF2-40B4-BE49-F238E27FC236}">
+                  <a16:creationId xmlns:a16="http://schemas.microsoft.com/office/drawing/2014/main" id="{1B3822DD-A0E9-A37F-0DE9-40781F1C3DF4}"/>
+                </a:ext>
+              </a:extLst>
+            </p:cNvPr>
+            <p:cNvPicPr>
+              <a:picLocks noChangeAspect="1" noChangeArrowheads="1"/>
+            </p:cNvPicPr>
+            <p:nvPr/>
+          </p:nvPicPr>
+          <p:blipFill rotWithShape="1">
+            <a:blip r:embed="rId10">
+              <a:extLst>
+                <a:ext uri="{28A0092B-C50C-407E-A947-70E740481C1C}">
+                  <a14:useLocalDpi xmlns:a14="http://schemas.microsoft.com/office/drawing/2010/main" val="0"/>
+                </a:ext>
+              </a:extLst>
+            </a:blip>
+            <a:srcRect l="6454" t="18548" b="24342"/>
+            <a:stretch>
+              <a:fillRect/>
+            </a:stretch>
+          </p:blipFill>
+          <p:spPr bwMode="auto">
+            <a:xfrm>
+              <a:off x="4575513" y="2811008"/>
+              <a:ext cx="1009143" cy="225895"/>
+            </a:xfrm>
+            <a:prstGeom prst="rect">
+              <a:avLst/>
+            </a:prstGeom>
             <a:noFill/>
-          </a:ln>
-        </p:spPr>
-        <p:style>
-          <a:lnRef idx="2">
-            <a:schemeClr val="accent1">
-              <a:shade val="15000"/>
-            </a:schemeClr>
-          </a:lnRef>
-          <a:fillRef idx="1">
-            <a:schemeClr val="accent1"/>
-          </a:fillRef>
-          <a:effectRef idx="0">
-            <a:schemeClr val="accent1"/>
-          </a:effectRef>
-          <a:fontRef idx="minor">
-            <a:schemeClr val="lt1"/>
-          </a:fontRef>
-        </p:style>
-        <p:txBody>
-          <a:bodyPr rtlCol="0" anchor="ctr"/>
-          <a:lstStyle/>
-          <a:p>
-            <a:pPr algn="ctr"/>
-            <a:endParaRPr lang="fr-FR"/>
-          </a:p>
-        </p:txBody>
-      </p:sp>
-      <p:sp>
-        <p:nvSpPr>
-          <p:cNvPr id="72" name="ZoneTexte 71">
             <a:extLst>
-              <a:ext uri="{FF2B5EF4-FFF2-40B4-BE49-F238E27FC236}">
-                <a16:creationId xmlns:a16="http://schemas.microsoft.com/office/drawing/2014/main" id="{860A4D78-736B-6187-48BA-98841BDF3933}"/>
+              <a:ext uri="{909E8E84-426E-40DD-AFC4-6F175D3DCCD1}">
+                <a14:hiddenFill xmlns:a14="http://schemas.microsoft.com/office/drawing/2010/main">
+                  <a:solidFill>
+                    <a:srgbClr val="FFFFFF"/>
+                  </a:solidFill>
+                </a14:hiddenFill>
               </a:ext>
             </a:extLst>
-          </p:cNvPr>
-          <p:cNvSpPr txBox="1"/>
-          <p:nvPr/>
-        </p:nvSpPr>
-        <p:spPr>
-          <a:xfrm>
-            <a:off x="6985463" y="2805841"/>
-            <a:ext cx="1156330" cy="230832"/>
-          </a:xfrm>
-          <a:prstGeom prst="rect">
-            <a:avLst/>
-          </a:prstGeom>
-          <a:noFill/>
-        </p:spPr>
-        <p:txBody>
-          <a:bodyPr wrap="square" rtlCol="0">
-            <a:spAutoFit/>
-          </a:bodyPr>
-          <a:lstStyle/>
-          <a:p>
-            <a:pPr algn="ctr"/>
-            <a:r>
-              <a:rPr lang="fr-FR" sz="900" dirty="0"/>
-              <a:t>Analyse des seuils </a:t>
-            </a:r>
-          </a:p>
-        </p:txBody>
-      </p:sp>
-      <p:sp>
-        <p:nvSpPr>
-          <p:cNvPr id="112" name="ZoneTexte 111">
+          </p:spPr>
+        </p:pic>
+        <p:sp>
+          <p:nvSpPr>
+            <p:cNvPr id="47" name="Rectangle : coins arrondis 46">
+              <a:extLst>
+                <a:ext uri="{FF2B5EF4-FFF2-40B4-BE49-F238E27FC236}">
+                  <a16:creationId xmlns:a16="http://schemas.microsoft.com/office/drawing/2014/main" id="{481D51B6-7D43-7926-6891-407782B836DE}"/>
+                </a:ext>
+              </a:extLst>
+            </p:cNvPr>
+            <p:cNvSpPr/>
+            <p:nvPr/>
+          </p:nvSpPr>
+          <p:spPr>
+            <a:xfrm>
+              <a:off x="4883346" y="3117246"/>
+              <a:ext cx="1107899" cy="560285"/>
+            </a:xfrm>
+            <a:prstGeom prst="roundRect">
+              <a:avLst/>
+            </a:prstGeom>
+            <a:solidFill>
+              <a:schemeClr val="bg1">
+                <a:lumMod val="95000"/>
+              </a:schemeClr>
+            </a:solidFill>
+            <a:ln>
+              <a:noFill/>
+            </a:ln>
+          </p:spPr>
+          <p:style>
+            <a:lnRef idx="2">
+              <a:schemeClr val="accent1">
+                <a:shade val="15000"/>
+              </a:schemeClr>
+            </a:lnRef>
+            <a:fillRef idx="1">
+              <a:schemeClr val="accent1"/>
+            </a:fillRef>
+            <a:effectRef idx="0">
+              <a:schemeClr val="accent1"/>
+            </a:effectRef>
+            <a:fontRef idx="minor">
+              <a:schemeClr val="lt1"/>
+            </a:fontRef>
+          </p:style>
+          <p:txBody>
+            <a:bodyPr rtlCol="0" anchor="ctr"/>
+            <a:lstStyle/>
+            <a:p>
+              <a:pPr algn="ctr"/>
+              <a:endParaRPr lang="fr-FR" dirty="0"/>
+            </a:p>
+          </p:txBody>
+        </p:sp>
+        <p:sp>
+          <p:nvSpPr>
+            <p:cNvPr id="48" name="ZoneTexte 47">
+              <a:extLst>
+                <a:ext uri="{FF2B5EF4-FFF2-40B4-BE49-F238E27FC236}">
+                  <a16:creationId xmlns:a16="http://schemas.microsoft.com/office/drawing/2014/main" id="{FE31E2F0-6B8A-B0EE-9044-0597F28AE28A}"/>
+                </a:ext>
+              </a:extLst>
+            </p:cNvPr>
+            <p:cNvSpPr txBox="1"/>
+            <p:nvPr/>
+          </p:nvSpPr>
+          <p:spPr>
+            <a:xfrm>
+              <a:off x="4909152" y="3254964"/>
+              <a:ext cx="1079654" cy="338554"/>
+            </a:xfrm>
+            <a:prstGeom prst="rect">
+              <a:avLst/>
+            </a:prstGeom>
+            <a:noFill/>
+          </p:spPr>
+          <p:txBody>
+            <a:bodyPr wrap="square" rtlCol="0">
+              <a:spAutoFit/>
+            </a:bodyPr>
+            <a:lstStyle/>
+            <a:p>
+              <a:pPr algn="ctr"/>
+              <a:r>
+                <a:rPr lang="fr-FR" sz="800" b="1" dirty="0" err="1"/>
+                <a:t>Tracking</a:t>
+              </a:r>
+              <a:r>
+                <a:rPr lang="fr-FR" sz="800" b="1" dirty="0"/>
+                <a:t> du modèle</a:t>
+              </a:r>
+            </a:p>
+          </p:txBody>
+        </p:sp>
+        <p:sp>
+          <p:nvSpPr>
+            <p:cNvPr id="49" name="Rectangle : coins arrondis 48">
+              <a:extLst>
+                <a:ext uri="{FF2B5EF4-FFF2-40B4-BE49-F238E27FC236}">
+                  <a16:creationId xmlns:a16="http://schemas.microsoft.com/office/drawing/2014/main" id="{8486A803-5325-E4EE-E6D1-9C2310E9372C}"/>
+                </a:ext>
+              </a:extLst>
+            </p:cNvPr>
+            <p:cNvSpPr/>
+            <p:nvPr/>
+          </p:nvSpPr>
+          <p:spPr>
+            <a:xfrm>
+              <a:off x="4881636" y="3967103"/>
+              <a:ext cx="1109609" cy="525360"/>
+            </a:xfrm>
+            <a:prstGeom prst="roundRect">
+              <a:avLst/>
+            </a:prstGeom>
+            <a:solidFill>
+              <a:schemeClr val="bg1">
+                <a:lumMod val="95000"/>
+              </a:schemeClr>
+            </a:solidFill>
+            <a:ln>
+              <a:noFill/>
+            </a:ln>
+          </p:spPr>
+          <p:style>
+            <a:lnRef idx="2">
+              <a:schemeClr val="accent1">
+                <a:shade val="15000"/>
+              </a:schemeClr>
+            </a:lnRef>
+            <a:fillRef idx="1">
+              <a:schemeClr val="accent1"/>
+            </a:fillRef>
+            <a:effectRef idx="0">
+              <a:schemeClr val="accent1"/>
+            </a:effectRef>
+            <a:fontRef idx="minor">
+              <a:schemeClr val="lt1"/>
+            </a:fontRef>
+          </p:style>
+          <p:txBody>
+            <a:bodyPr rtlCol="0" anchor="ctr"/>
+            <a:lstStyle/>
+            <a:p>
+              <a:pPr algn="ctr"/>
+              <a:endParaRPr lang="fr-FR"/>
+            </a:p>
+          </p:txBody>
+        </p:sp>
+        <p:sp>
+          <p:nvSpPr>
+            <p:cNvPr id="50" name="ZoneTexte 49">
+              <a:extLst>
+                <a:ext uri="{FF2B5EF4-FFF2-40B4-BE49-F238E27FC236}">
+                  <a16:creationId xmlns:a16="http://schemas.microsoft.com/office/drawing/2014/main" id="{D45817E9-F26B-F5AC-E969-2DB4F41AE334}"/>
+                </a:ext>
+              </a:extLst>
+            </p:cNvPr>
+            <p:cNvSpPr txBox="1"/>
+            <p:nvPr/>
+          </p:nvSpPr>
+          <p:spPr>
+            <a:xfrm>
+              <a:off x="4911591" y="4082750"/>
+              <a:ext cx="1079654" cy="338554"/>
+            </a:xfrm>
+            <a:prstGeom prst="rect">
+              <a:avLst/>
+            </a:prstGeom>
+            <a:noFill/>
+          </p:spPr>
+          <p:txBody>
+            <a:bodyPr wrap="square" rtlCol="0">
+              <a:spAutoFit/>
+            </a:bodyPr>
+            <a:lstStyle/>
+            <a:p>
+              <a:pPr algn="ctr"/>
+              <a:r>
+                <a:rPr lang="fr-FR" sz="800" b="1" dirty="0"/>
+                <a:t>Registre et runs du modèle</a:t>
+              </a:r>
+            </a:p>
+          </p:txBody>
+        </p:sp>
+        <p:pic>
+          <p:nvPicPr>
+            <p:cNvPr id="2054" name="Picture 6">
+              <a:extLst>
+                <a:ext uri="{FF2B5EF4-FFF2-40B4-BE49-F238E27FC236}">
+                  <a16:creationId xmlns:a16="http://schemas.microsoft.com/office/drawing/2014/main" id="{A2294E8E-D08B-505D-5B9D-D8788A9CD32B}"/>
+                </a:ext>
+              </a:extLst>
+            </p:cNvPr>
+            <p:cNvPicPr>
+              <a:picLocks noChangeAspect="1" noChangeArrowheads="1"/>
+            </p:cNvPicPr>
+            <p:nvPr/>
+          </p:nvPicPr>
+          <p:blipFill>
+            <a:blip r:embed="rId14">
+              <a:extLst>
+                <a:ext uri="{28A0092B-C50C-407E-A947-70E740481C1C}">
+                  <a14:useLocalDpi xmlns:a14="http://schemas.microsoft.com/office/drawing/2010/main" val="0"/>
+                </a:ext>
+              </a:extLst>
+            </a:blip>
+            <a:srcRect/>
+            <a:stretch>
+              <a:fillRect/>
+            </a:stretch>
+          </p:blipFill>
+          <p:spPr bwMode="auto">
+            <a:xfrm>
+              <a:off x="4691140" y="2948983"/>
+              <a:ext cx="711670" cy="374563"/>
+            </a:xfrm>
+            <a:prstGeom prst="rect">
+              <a:avLst/>
+            </a:prstGeom>
+            <a:noFill/>
             <a:extLst>
-              <a:ext uri="{FF2B5EF4-FFF2-40B4-BE49-F238E27FC236}">
-                <a16:creationId xmlns:a16="http://schemas.microsoft.com/office/drawing/2014/main" id="{AD07C0C2-29F2-C798-AE29-8343FB635B5B}"/>
+              <a:ext uri="{909E8E84-426E-40DD-AFC4-6F175D3DCCD1}">
+                <a14:hiddenFill xmlns:a14="http://schemas.microsoft.com/office/drawing/2010/main">
+                  <a:solidFill>
+                    <a:srgbClr val="FFFFFF"/>
+                  </a:solidFill>
+                </a14:hiddenFill>
               </a:ext>
             </a:extLst>
-          </p:cNvPr>
-          <p:cNvSpPr txBox="1"/>
-          <p:nvPr/>
-        </p:nvSpPr>
-        <p:spPr>
-          <a:xfrm>
-            <a:off x="2674708" y="4098066"/>
-            <a:ext cx="1390212" cy="307777"/>
-          </a:xfrm>
-          <a:prstGeom prst="rect">
-            <a:avLst/>
-          </a:prstGeom>
-          <a:noFill/>
-        </p:spPr>
-        <p:txBody>
-          <a:bodyPr wrap="square" rtlCol="0">
-            <a:spAutoFit/>
-          </a:bodyPr>
-          <a:lstStyle/>
-          <a:p>
-            <a:pPr algn="ctr"/>
-            <a:r>
-              <a:rPr lang="fr-FR" sz="700" b="1" dirty="0"/>
-              <a:t>Extraction insights exploitables</a:t>
-            </a:r>
-          </a:p>
-        </p:txBody>
-      </p:sp>
-      <p:cxnSp>
-        <p:nvCxnSpPr>
-          <p:cNvPr id="115" name="Connecteur : en angle 114">
+          </p:spPr>
+        </p:pic>
+        <p:pic>
+          <p:nvPicPr>
+            <p:cNvPr id="51" name="Image 50" descr="Une image contenant art, pixel, conception&#10;&#10;Le contenu généré par l’IA peut être incorrect.">
+              <a:extLst>
+                <a:ext uri="{FF2B5EF4-FFF2-40B4-BE49-F238E27FC236}">
+                  <a16:creationId xmlns:a16="http://schemas.microsoft.com/office/drawing/2014/main" id="{054FB5AB-F043-1139-CFA8-44C9034D1153}"/>
+                </a:ext>
+              </a:extLst>
+            </p:cNvPr>
+            <p:cNvPicPr>
+              <a:picLocks noChangeAspect="1"/>
+            </p:cNvPicPr>
+            <p:nvPr/>
+          </p:nvPicPr>
+          <p:blipFill>
+            <a:blip r:embed="rId15"/>
+            <a:stretch>
+              <a:fillRect/>
+            </a:stretch>
+          </p:blipFill>
+          <p:spPr>
+            <a:xfrm>
+              <a:off x="4776380" y="3880244"/>
+              <a:ext cx="247189" cy="295703"/>
+            </a:xfrm>
+            <a:prstGeom prst="rect">
+              <a:avLst/>
+            </a:prstGeom>
+          </p:spPr>
+        </p:pic>
+        <p:sp>
+          <p:nvSpPr>
+            <p:cNvPr id="52" name="Ellipse 51">
+              <a:extLst>
+                <a:ext uri="{FF2B5EF4-FFF2-40B4-BE49-F238E27FC236}">
+                  <a16:creationId xmlns:a16="http://schemas.microsoft.com/office/drawing/2014/main" id="{7A45A31B-42CC-CB8B-442E-3576FB243381}"/>
+                </a:ext>
+              </a:extLst>
+            </p:cNvPr>
+            <p:cNvSpPr/>
+            <p:nvPr/>
+          </p:nvSpPr>
+          <p:spPr>
+            <a:xfrm>
+              <a:off x="5535850" y="2856670"/>
+              <a:ext cx="122984" cy="122984"/>
+            </a:xfrm>
+            <a:prstGeom prst="ellipse">
+              <a:avLst/>
+            </a:prstGeom>
+            <a:solidFill>
+              <a:srgbClr val="41545E"/>
+            </a:solidFill>
+            <a:ln>
+              <a:noFill/>
+            </a:ln>
+          </p:spPr>
+          <p:style>
+            <a:lnRef idx="2">
+              <a:schemeClr val="accent1">
+                <a:shade val="15000"/>
+              </a:schemeClr>
+            </a:lnRef>
+            <a:fillRef idx="1">
+              <a:schemeClr val="accent1"/>
+            </a:fillRef>
+            <a:effectRef idx="0">
+              <a:schemeClr val="accent1"/>
+            </a:effectRef>
+            <a:fontRef idx="minor">
+              <a:schemeClr val="lt1"/>
+            </a:fontRef>
+          </p:style>
+          <p:txBody>
+            <a:bodyPr rtlCol="0" anchor="ctr"/>
+            <a:lstStyle/>
+            <a:p>
+              <a:pPr algn="ctr"/>
+              <a:r>
+                <a:rPr lang="fr-FR" sz="900" dirty="0"/>
+                <a:t>+</a:t>
+              </a:r>
+            </a:p>
+          </p:txBody>
+        </p:sp>
+        <p:sp>
+          <p:nvSpPr>
+            <p:cNvPr id="53" name="Rectangle : coins arrondis 52">
+              <a:extLst>
+                <a:ext uri="{FF2B5EF4-FFF2-40B4-BE49-F238E27FC236}">
+                  <a16:creationId xmlns:a16="http://schemas.microsoft.com/office/drawing/2014/main" id="{CF1F8123-FC2A-EF28-8139-FC1D62216C5F}"/>
+                </a:ext>
+              </a:extLst>
+            </p:cNvPr>
+            <p:cNvSpPr/>
+            <p:nvPr/>
+          </p:nvSpPr>
+          <p:spPr>
+            <a:xfrm>
+              <a:off x="4531529" y="2733328"/>
+              <a:ext cx="1796425" cy="1837885"/>
+            </a:xfrm>
+            <a:prstGeom prst="roundRect">
+              <a:avLst>
+                <a:gd name="adj" fmla="val 10895"/>
+              </a:avLst>
+            </a:prstGeom>
+            <a:noFill/>
+            <a:ln w="9525">
+              <a:solidFill>
+                <a:srgbClr val="00B050"/>
+              </a:solidFill>
+              <a:prstDash val="dash"/>
+            </a:ln>
+          </p:spPr>
+          <p:style>
+            <a:lnRef idx="2">
+              <a:schemeClr val="accent1">
+                <a:shade val="15000"/>
+              </a:schemeClr>
+            </a:lnRef>
+            <a:fillRef idx="1">
+              <a:schemeClr val="accent1"/>
+            </a:fillRef>
+            <a:effectRef idx="0">
+              <a:schemeClr val="accent1"/>
+            </a:effectRef>
+            <a:fontRef idx="minor">
+              <a:schemeClr val="lt1"/>
+            </a:fontRef>
+          </p:style>
+          <p:txBody>
+            <a:bodyPr rtlCol="0" anchor="ctr"/>
+            <a:lstStyle/>
+            <a:p>
+              <a:pPr algn="ctr"/>
+              <a:endParaRPr lang="fr-FR" dirty="0"/>
+            </a:p>
+          </p:txBody>
+        </p:sp>
+        <p:cxnSp>
+          <p:nvCxnSpPr>
+            <p:cNvPr id="1046" name="Connecteur droit avec flèche 1045">
+              <a:extLst>
+                <a:ext uri="{FF2B5EF4-FFF2-40B4-BE49-F238E27FC236}">
+                  <a16:creationId xmlns:a16="http://schemas.microsoft.com/office/drawing/2014/main" id="{F59A3777-3D90-7CA7-F89E-8874DA5F6283}"/>
+                </a:ext>
+              </a:extLst>
+            </p:cNvPr>
+            <p:cNvCxnSpPr>
+              <a:cxnSpLocks/>
+              <a:stCxn id="46" idx="2"/>
+              <a:endCxn id="53" idx="0"/>
+            </p:cNvCxnSpPr>
+            <p:nvPr/>
+          </p:nvCxnSpPr>
+          <p:spPr>
+            <a:xfrm>
+              <a:off x="5427620" y="2302794"/>
+              <a:ext cx="2122" cy="430534"/>
+            </a:xfrm>
+            <a:prstGeom prst="straightConnector1">
+              <a:avLst/>
+            </a:prstGeom>
+            <a:ln w="12700">
+              <a:solidFill>
+                <a:srgbClr val="00B050"/>
+              </a:solidFill>
+              <a:tailEnd type="triangle"/>
+            </a:ln>
+          </p:spPr>
+          <p:style>
+            <a:lnRef idx="1">
+              <a:schemeClr val="accent1"/>
+            </a:lnRef>
+            <a:fillRef idx="0">
+              <a:schemeClr val="accent1"/>
+            </a:fillRef>
+            <a:effectRef idx="0">
+              <a:schemeClr val="accent1"/>
+            </a:effectRef>
+            <a:fontRef idx="minor">
+              <a:schemeClr val="tx1"/>
+            </a:fontRef>
+          </p:style>
+        </p:cxnSp>
+        <p:cxnSp>
+          <p:nvCxnSpPr>
+            <p:cNvPr id="1068" name="Connecteur droit avec flèche 1067">
+              <a:extLst>
+                <a:ext uri="{FF2B5EF4-FFF2-40B4-BE49-F238E27FC236}">
+                  <a16:creationId xmlns:a16="http://schemas.microsoft.com/office/drawing/2014/main" id="{3FF98031-1DCE-7770-7F38-10F134A37AB2}"/>
+                </a:ext>
+              </a:extLst>
+            </p:cNvPr>
+            <p:cNvCxnSpPr>
+              <a:cxnSpLocks/>
+              <a:stCxn id="47" idx="2"/>
+              <a:endCxn id="49" idx="0"/>
+            </p:cNvCxnSpPr>
+            <p:nvPr/>
+          </p:nvCxnSpPr>
+          <p:spPr>
+            <a:xfrm flipH="1">
+              <a:off x="5436441" y="3677531"/>
+              <a:ext cx="855" cy="289572"/>
+            </a:xfrm>
+            <a:prstGeom prst="straightConnector1">
+              <a:avLst/>
+            </a:prstGeom>
+            <a:ln w="12700">
+              <a:solidFill>
+                <a:srgbClr val="00B050"/>
+              </a:solidFill>
+              <a:tailEnd type="triangle"/>
+            </a:ln>
+          </p:spPr>
+          <p:style>
+            <a:lnRef idx="1">
+              <a:schemeClr val="accent1"/>
+            </a:lnRef>
+            <a:fillRef idx="0">
+              <a:schemeClr val="accent1"/>
+            </a:fillRef>
+            <a:effectRef idx="0">
+              <a:schemeClr val="accent1"/>
+            </a:effectRef>
+            <a:fontRef idx="minor">
+              <a:schemeClr val="tx1"/>
+            </a:fontRef>
+          </p:style>
+        </p:cxnSp>
+        <p:sp>
+          <p:nvSpPr>
+            <p:cNvPr id="46" name="Rectangle : coins arrondis 45">
+              <a:extLst>
+                <a:ext uri="{FF2B5EF4-FFF2-40B4-BE49-F238E27FC236}">
+                  <a16:creationId xmlns:a16="http://schemas.microsoft.com/office/drawing/2014/main" id="{E433E364-4228-6856-536E-34873F6A6DC3}"/>
+                </a:ext>
+              </a:extLst>
+            </p:cNvPr>
+            <p:cNvSpPr/>
+            <p:nvPr/>
+          </p:nvSpPr>
+          <p:spPr>
+            <a:xfrm>
+              <a:off x="4809680" y="1817936"/>
+              <a:ext cx="1235879" cy="484858"/>
+            </a:xfrm>
+            <a:prstGeom prst="roundRect">
+              <a:avLst/>
+            </a:prstGeom>
+            <a:solidFill>
+              <a:schemeClr val="bg1">
+                <a:lumMod val="95000"/>
+              </a:schemeClr>
+            </a:solidFill>
+            <a:ln>
+              <a:noFill/>
+            </a:ln>
+          </p:spPr>
+          <p:style>
+            <a:lnRef idx="2">
+              <a:schemeClr val="accent1">
+                <a:shade val="15000"/>
+              </a:schemeClr>
+            </a:lnRef>
+            <a:fillRef idx="1">
+              <a:schemeClr val="accent1"/>
+            </a:fillRef>
+            <a:effectRef idx="0">
+              <a:schemeClr val="accent1"/>
+            </a:effectRef>
+            <a:fontRef idx="minor">
+              <a:schemeClr val="lt1"/>
+            </a:fontRef>
+          </p:style>
+          <p:txBody>
+            <a:bodyPr rtlCol="0" anchor="ctr"/>
+            <a:lstStyle/>
+            <a:p>
+              <a:pPr algn="ctr"/>
+              <a:endParaRPr lang="fr-FR" dirty="0"/>
+            </a:p>
+          </p:txBody>
+        </p:sp>
+        <p:pic>
+          <p:nvPicPr>
+            <p:cNvPr id="1034" name="Picture 10">
+              <a:extLst>
+                <a:ext uri="{FF2B5EF4-FFF2-40B4-BE49-F238E27FC236}">
+                  <a16:creationId xmlns:a16="http://schemas.microsoft.com/office/drawing/2014/main" id="{748B16F9-6C53-91C1-4712-424BF6CE8989}"/>
+                </a:ext>
+              </a:extLst>
+            </p:cNvPr>
+            <p:cNvPicPr>
+              <a:picLocks noChangeAspect="1" noChangeArrowheads="1"/>
+            </p:cNvPicPr>
+            <p:nvPr/>
+          </p:nvPicPr>
+          <p:blipFill>
+            <a:blip r:embed="rId16">
+              <a:extLst>
+                <a:ext uri="{28A0092B-C50C-407E-A947-70E740481C1C}">
+                  <a14:useLocalDpi xmlns:a14="http://schemas.microsoft.com/office/drawing/2010/main" val="0"/>
+                </a:ext>
+              </a:extLst>
+            </a:blip>
+            <a:srcRect/>
+            <a:stretch>
+              <a:fillRect/>
+            </a:stretch>
+          </p:blipFill>
+          <p:spPr bwMode="auto">
+            <a:xfrm>
+              <a:off x="4608049" y="1580684"/>
+              <a:ext cx="506762" cy="506762"/>
+            </a:xfrm>
+            <a:prstGeom prst="rect">
+              <a:avLst/>
+            </a:prstGeom>
+            <a:noFill/>
             <a:extLst>
-              <a:ext uri="{FF2B5EF4-FFF2-40B4-BE49-F238E27FC236}">
-                <a16:creationId xmlns:a16="http://schemas.microsoft.com/office/drawing/2014/main" id="{1267B070-CF6F-C2A5-B016-B08943C892F5}"/>
+              <a:ext uri="{909E8E84-426E-40DD-AFC4-6F175D3DCCD1}">
+                <a14:hiddenFill xmlns:a14="http://schemas.microsoft.com/office/drawing/2010/main">
+                  <a:solidFill>
+                    <a:srgbClr val="FFFFFF"/>
+                  </a:solidFill>
+                </a14:hiddenFill>
               </a:ext>
             </a:extLst>
-          </p:cNvPr>
-          <p:cNvCxnSpPr>
-            <a:stCxn id="39" idx="3"/>
-            <a:endCxn id="46" idx="1"/>
-          </p:cNvCxnSpPr>
-          <p:nvPr/>
-        </p:nvCxnSpPr>
-        <p:spPr>
-          <a:xfrm flipV="1">
-            <a:off x="4049373" y="2060365"/>
-            <a:ext cx="760307" cy="1837884"/>
-          </a:xfrm>
-          <a:prstGeom prst="bentConnector3">
-            <a:avLst>
-              <a:gd name="adj1" fmla="val 53729"/>
-            </a:avLst>
-          </a:prstGeom>
-          <a:ln w="12700">
-            <a:solidFill>
-              <a:srgbClr val="00B050"/>
-            </a:solidFill>
-            <a:tailEnd type="triangle"/>
-          </a:ln>
-        </p:spPr>
-        <p:style>
-          <a:lnRef idx="1">
-            <a:schemeClr val="accent1"/>
-          </a:lnRef>
-          <a:fillRef idx="0">
-            <a:schemeClr val="accent1"/>
-          </a:fillRef>
-          <a:effectRef idx="0">
-            <a:schemeClr val="accent1"/>
-          </a:effectRef>
-          <a:fontRef idx="minor">
-            <a:schemeClr val="tx1"/>
-          </a:fontRef>
-        </p:style>
-      </p:cxnSp>
+          </p:spPr>
+        </p:pic>
+        <p:sp>
+          <p:nvSpPr>
+            <p:cNvPr id="44" name="ZoneTexte 43">
+              <a:extLst>
+                <a:ext uri="{FF2B5EF4-FFF2-40B4-BE49-F238E27FC236}">
+                  <a16:creationId xmlns:a16="http://schemas.microsoft.com/office/drawing/2014/main" id="{682088E1-064C-5214-7A97-A059E4869B55}"/>
+                </a:ext>
+              </a:extLst>
+            </p:cNvPr>
+            <p:cNvSpPr txBox="1"/>
+            <p:nvPr/>
+          </p:nvSpPr>
+          <p:spPr>
+            <a:xfrm>
+              <a:off x="4913179" y="1841943"/>
+              <a:ext cx="1079654" cy="338554"/>
+            </a:xfrm>
+            <a:prstGeom prst="rect">
+              <a:avLst/>
+            </a:prstGeom>
+            <a:noFill/>
+          </p:spPr>
+          <p:txBody>
+            <a:bodyPr wrap="square" rtlCol="0">
+              <a:spAutoFit/>
+            </a:bodyPr>
+            <a:lstStyle/>
+            <a:p>
+              <a:pPr algn="ctr"/>
+              <a:r>
+                <a:rPr lang="fr-FR" sz="800" b="1" dirty="0"/>
+                <a:t>Entraînement du modèle</a:t>
+              </a:r>
+            </a:p>
+          </p:txBody>
+        </p:sp>
+        <p:cxnSp>
+          <p:nvCxnSpPr>
+            <p:cNvPr id="115" name="Connecteur : en angle 114">
+              <a:extLst>
+                <a:ext uri="{FF2B5EF4-FFF2-40B4-BE49-F238E27FC236}">
+                  <a16:creationId xmlns:a16="http://schemas.microsoft.com/office/drawing/2014/main" id="{1267B070-CF6F-C2A5-B016-B08943C892F5}"/>
+                </a:ext>
+              </a:extLst>
+            </p:cNvPr>
+            <p:cNvCxnSpPr>
+              <a:stCxn id="39" idx="3"/>
+              <a:endCxn id="46" idx="1"/>
+            </p:cNvCxnSpPr>
+            <p:nvPr/>
+          </p:nvCxnSpPr>
+          <p:spPr>
+            <a:xfrm flipV="1">
+              <a:off x="4049373" y="2060365"/>
+              <a:ext cx="760307" cy="1837884"/>
+            </a:xfrm>
+            <a:prstGeom prst="bentConnector3">
+              <a:avLst>
+                <a:gd name="adj1" fmla="val 53729"/>
+              </a:avLst>
+            </a:prstGeom>
+            <a:ln w="12700">
+              <a:solidFill>
+                <a:srgbClr val="00B050"/>
+              </a:solidFill>
+              <a:tailEnd type="triangle"/>
+            </a:ln>
+          </p:spPr>
+          <p:style>
+            <a:lnRef idx="1">
+              <a:schemeClr val="accent1"/>
+            </a:lnRef>
+            <a:fillRef idx="0">
+              <a:schemeClr val="accent1"/>
+            </a:fillRef>
+            <a:effectRef idx="0">
+              <a:schemeClr val="accent1"/>
+            </a:effectRef>
+            <a:fontRef idx="minor">
+              <a:schemeClr val="tx1"/>
+            </a:fontRef>
+          </p:style>
+        </p:cxnSp>
+      </p:grpSp>
       <p:cxnSp>
         <p:nvCxnSpPr>
           <p:cNvPr id="119" name="Connecteur : en angle 118">
@@ -23177,9 +23622,6 @@
                     <p:cTn id="3" fill="hold">
                       <p:stCondLst>
                         <p:cond delay="indefinite"/>
-                        <p:cond evt="onBegin" delay="0">
-                          <p:tn val="2"/>
-                        </p:cond>
                       </p:stCondLst>
                       <p:childTnLst>
                         <p:par>
@@ -23189,7 +23631,7 @@
                             </p:stCondLst>
                             <p:childTnLst>
                               <p:par>
-                                <p:cTn id="5" presetID="1" presetClass="entr" presetSubtype="0" fill="hold" grpId="0" nodeType="withEffect">
+                                <p:cTn id="5" presetID="1" presetClass="entr" presetSubtype="0" fill="hold" grpId="0" nodeType="clickEffect">
                                   <p:stCondLst>
                                     <p:cond delay="0"/>
                                   </p:stCondLst>
@@ -23215,6 +23657,33 @@
                                   </p:childTnLst>
                                 </p:cTn>
                               </p:par>
+                              <p:par>
+                                <p:cTn id="7" presetID="1" presetClass="entr" presetSubtype="0" fill="hold" nodeType="withEffect">
+                                  <p:stCondLst>
+                                    <p:cond delay="0"/>
+                                  </p:stCondLst>
+                                  <p:childTnLst>
+                                    <p:set>
+                                      <p:cBhvr>
+                                        <p:cTn id="8" dur="1" fill="hold">
+                                          <p:stCondLst>
+                                            <p:cond delay="0"/>
+                                          </p:stCondLst>
+                                        </p:cTn>
+                                        <p:tgtEl>
+                                          <p:spTgt spid="14"/>
+                                        </p:tgtEl>
+                                        <p:attrNameLst>
+                                          <p:attrName>style.visibility</p:attrName>
+                                        </p:attrNameLst>
+                                      </p:cBhvr>
+                                      <p:to>
+                                        <p:strVal val="visible"/>
+                                      </p:to>
+                                    </p:set>
+                                  </p:childTnLst>
+                                </p:cTn>
+                              </p:par>
                             </p:childTnLst>
                           </p:cTn>
                         </p:par>
@@ -23222,26 +23691,53 @@
                     </p:cTn>
                   </p:par>
                   <p:par>
-                    <p:cTn id="7" fill="hold">
+                    <p:cTn id="9" fill="hold">
                       <p:stCondLst>
                         <p:cond delay="indefinite"/>
                       </p:stCondLst>
                       <p:childTnLst>
                         <p:par>
-                          <p:cTn id="8" fill="hold">
+                          <p:cTn id="10" fill="hold">
                             <p:stCondLst>
                               <p:cond delay="0"/>
                             </p:stCondLst>
                             <p:childTnLst>
                               <p:par>
-                                <p:cTn id="9" presetID="1" presetClass="entr" presetSubtype="0" fill="hold" grpId="0" nodeType="clickEffect">
+                                <p:cTn id="11" presetID="1" presetClass="entr" presetSubtype="0" fill="hold" nodeType="clickEffect">
                                   <p:stCondLst>
                                     <p:cond delay="0"/>
                                   </p:stCondLst>
                                   <p:childTnLst>
                                     <p:set>
                                       <p:cBhvr>
-                                        <p:cTn id="10" dur="1" fill="hold">
+                                        <p:cTn id="12" dur="1" fill="hold">
+                                          <p:stCondLst>
+                                            <p:cond delay="0"/>
+                                          </p:stCondLst>
+                                        </p:cTn>
+                                        <p:tgtEl>
+                                          <p:spTgt spid="15"/>
+                                        </p:tgtEl>
+                                        <p:attrNameLst>
+                                          <p:attrName>style.visibility</p:attrName>
+                                        </p:attrNameLst>
+                                      </p:cBhvr>
+                                      <p:to>
+                                        <p:strVal val="visible"/>
+                                      </p:to>
+                                    </p:set>
+                                  </p:childTnLst>
+                                </p:cTn>
+                              </p:par>
+                              <p:par>
+                                <p:cTn id="13" presetID="1" presetClass="entr" presetSubtype="0" fill="hold" grpId="0" nodeType="withEffect">
+                                  <p:stCondLst>
+                                    <p:cond delay="0"/>
+                                  </p:stCondLst>
+                                  <p:childTnLst>
+                                    <p:set>
+                                      <p:cBhvr>
+                                        <p:cTn id="14" dur="1" fill="hold">
                                           <p:stCondLst>
                                             <p:cond delay="0"/>
                                           </p:stCondLst>
@@ -23267,26 +23763,26 @@
                     </p:cTn>
                   </p:par>
                   <p:par>
-                    <p:cTn id="11" fill="hold">
+                    <p:cTn id="15" fill="hold">
                       <p:stCondLst>
                         <p:cond delay="indefinite"/>
                       </p:stCondLst>
                       <p:childTnLst>
                         <p:par>
-                          <p:cTn id="12" fill="hold">
+                          <p:cTn id="16" fill="hold">
                             <p:stCondLst>
                               <p:cond delay="0"/>
                             </p:stCondLst>
                             <p:childTnLst>
                               <p:par>
-                                <p:cTn id="13" presetID="1" presetClass="entr" presetSubtype="0" fill="hold" grpId="0" nodeType="clickEffect">
+                                <p:cTn id="17" presetID="1" presetClass="entr" presetSubtype="0" fill="hold" grpId="0" nodeType="clickEffect">
                                   <p:stCondLst>
                                     <p:cond delay="0"/>
                                   </p:stCondLst>
                                   <p:childTnLst>
                                     <p:set>
                                       <p:cBhvr>
-                                        <p:cTn id="14" dur="1" fill="hold">
+                                        <p:cTn id="18" dur="1" fill="hold">
                                           <p:stCondLst>
                                             <p:cond delay="0"/>
                                           </p:stCondLst>
@@ -23306,20 +23802,65 @@
                                 </p:cTn>
                               </p:par>
                               <p:par>
-                                <p:cTn id="15" presetID="1" presetClass="entr" presetSubtype="0" fill="hold" grpId="0" nodeType="withEffect">
+                                <p:cTn id="19" presetID="1" presetClass="entr" presetSubtype="0" fill="hold" nodeType="withEffect">
                                   <p:stCondLst>
                                     <p:cond delay="0"/>
                                   </p:stCondLst>
                                   <p:childTnLst>
                                     <p:set>
                                       <p:cBhvr>
-                                        <p:cTn id="16" dur="1" fill="hold">
+                                        <p:cTn id="20" dur="1" fill="hold">
                                           <p:stCondLst>
                                             <p:cond delay="0"/>
                                           </p:stCondLst>
                                         </p:cTn>
                                         <p:tgtEl>
-                                          <p:spTgt spid="5"/>
+                                          <p:spTgt spid="17"/>
+                                        </p:tgtEl>
+                                        <p:attrNameLst>
+                                          <p:attrName>style.visibility</p:attrName>
+                                        </p:attrNameLst>
+                                      </p:cBhvr>
+                                      <p:to>
+                                        <p:strVal val="visible"/>
+                                      </p:to>
+                                    </p:set>
+                                  </p:childTnLst>
+                                </p:cTn>
+                              </p:par>
+                            </p:childTnLst>
+                          </p:cTn>
+                        </p:par>
+                      </p:childTnLst>
+                    </p:cTn>
+                  </p:par>
+                  <p:par>
+                    <p:cTn id="21" fill="hold">
+                      <p:stCondLst>
+                        <p:cond delay="indefinite"/>
+                      </p:stCondLst>
+                      <p:childTnLst>
+                        <p:par>
+                          <p:cTn id="22" fill="hold">
+                            <p:stCondLst>
+                              <p:cond delay="0"/>
+                            </p:stCondLst>
+                            <p:childTnLst>
+                              <p:par>
+                                <p:cTn id="23" presetID="1" presetClass="entr" presetSubtype="0" fill="hold" nodeType="clickEffect">
+                                  <p:stCondLst>
+                                    <p:cond delay="0"/>
+                                  </p:stCondLst>
+                                  <p:childTnLst>
+                                    <p:set>
+                                      <p:cBhvr>
+                                        <p:cTn id="24" dur="1" fill="hold">
+                                          <p:stCondLst>
+                                            <p:cond delay="0"/>
+                                          </p:stCondLst>
+                                        </p:cTn>
+                                        <p:tgtEl>
+                                          <p:spTgt spid="20"/>
                                         </p:tgtEl>
                                         <p:attrNameLst>
                                           <p:attrName>style.visibility</p:attrName>
@@ -23333,14 +23874,14 @@
                                 </p:cTn>
                               </p:par>
                               <p:par>
-                                <p:cTn id="17" presetID="1" presetClass="entr" presetSubtype="0" fill="hold" grpId="0" nodeType="withEffect">
+                                <p:cTn id="25" presetID="1" presetClass="entr" presetSubtype="0" fill="hold" grpId="0" nodeType="withEffect">
                                   <p:stCondLst>
                                     <p:cond delay="0"/>
                                   </p:stCondLst>
                                   <p:childTnLst>
                                     <p:set>
                                       <p:cBhvr>
-                                        <p:cTn id="18" dur="1" fill="hold">
+                                        <p:cTn id="26" dur="1" fill="hold">
                                           <p:stCondLst>
                                             <p:cond delay="0"/>
                                           </p:stCondLst>
@@ -23360,14 +23901,14 @@
                                 </p:cTn>
                               </p:par>
                               <p:par>
-                                <p:cTn id="19" presetID="1" presetClass="entr" presetSubtype="0" fill="hold" grpId="0" nodeType="withEffect">
+                                <p:cTn id="27" presetID="1" presetClass="entr" presetSubtype="0" fill="hold" grpId="0" nodeType="withEffect">
                                   <p:stCondLst>
                                     <p:cond delay="0"/>
                                   </p:stCondLst>
                                   <p:childTnLst>
                                     <p:set>
                                       <p:cBhvr>
-                                        <p:cTn id="20" dur="1" fill="hold">
+                                        <p:cTn id="28" dur="1" fill="hold">
                                           <p:stCondLst>
                                             <p:cond delay="0"/>
                                           </p:stCondLst>
@@ -23386,15 +23927,33 @@
                                   </p:childTnLst>
                                 </p:cTn>
                               </p:par>
+                            </p:childTnLst>
+                          </p:cTn>
+                        </p:par>
+                      </p:childTnLst>
+                    </p:cTn>
+                  </p:par>
+                  <p:par>
+                    <p:cTn id="29" fill="hold">
+                      <p:stCondLst>
+                        <p:cond delay="indefinite"/>
+                      </p:stCondLst>
+                      <p:childTnLst>
+                        <p:par>
+                          <p:cTn id="30" fill="hold">
+                            <p:stCondLst>
+                              <p:cond delay="0"/>
+                            </p:stCondLst>
+                            <p:childTnLst>
                               <p:par>
-                                <p:cTn id="21" presetID="1" presetClass="entr" presetSubtype="0" fill="hold" nodeType="withEffect">
+                                <p:cTn id="31" presetID="1" presetClass="entr" presetSubtype="0" fill="hold" nodeType="clickEffect">
                                   <p:stCondLst>
                                     <p:cond delay="0"/>
                                   </p:stCondLst>
                                   <p:childTnLst>
                                     <p:set>
                                       <p:cBhvr>
-                                        <p:cTn id="22" dur="1" fill="hold">
+                                        <p:cTn id="32" dur="1" fill="hold">
                                           <p:stCondLst>
                                             <p:cond delay="0"/>
                                           </p:stCondLst>
@@ -23420,26 +23979,125 @@
                     </p:cTn>
                   </p:par>
                   <p:par>
-                    <p:cTn id="23" fill="hold">
+                    <p:cTn id="33" fill="hold">
                       <p:stCondLst>
                         <p:cond delay="indefinite"/>
                       </p:stCondLst>
                       <p:childTnLst>
                         <p:par>
-                          <p:cTn id="24" fill="hold">
+                          <p:cTn id="34" fill="hold">
                             <p:stCondLst>
                               <p:cond delay="0"/>
                             </p:stCondLst>
                             <p:childTnLst>
                               <p:par>
-                                <p:cTn id="25" presetID="1" presetClass="entr" presetSubtype="0" fill="hold" nodeType="clickEffect">
+                                <p:cTn id="35" presetID="1" presetClass="entr" presetSubtype="0" fill="hold" nodeType="clickEffect">
                                   <p:stCondLst>
                                     <p:cond delay="0"/>
                                   </p:stCondLst>
                                   <p:childTnLst>
                                     <p:set>
                                       <p:cBhvr>
-                                        <p:cTn id="26" dur="1" fill="hold">
+                                        <p:cTn id="36" dur="1" fill="hold">
+                                          <p:stCondLst>
+                                            <p:cond delay="0"/>
+                                          </p:stCondLst>
+                                        </p:cTn>
+                                        <p:tgtEl>
+                                          <p:spTgt spid="119"/>
+                                        </p:tgtEl>
+                                        <p:attrNameLst>
+                                          <p:attrName>style.visibility</p:attrName>
+                                        </p:attrNameLst>
+                                      </p:cBhvr>
+                                      <p:to>
+                                        <p:strVal val="visible"/>
+                                      </p:to>
+                                    </p:set>
+                                  </p:childTnLst>
+                                </p:cTn>
+                              </p:par>
+                              <p:par>
+                                <p:cTn id="37" presetID="1" presetClass="entr" presetSubtype="0" fill="hold" nodeType="withEffect">
+                                  <p:stCondLst>
+                                    <p:cond delay="0"/>
+                                  </p:stCondLst>
+                                  <p:childTnLst>
+                                    <p:set>
+                                      <p:cBhvr>
+                                        <p:cTn id="38" dur="1" fill="hold">
+                                          <p:stCondLst>
+                                            <p:cond delay="0"/>
+                                          </p:stCondLst>
+                                        </p:cTn>
+                                        <p:tgtEl>
+                                          <p:spTgt spid="43"/>
+                                        </p:tgtEl>
+                                        <p:attrNameLst>
+                                          <p:attrName>style.visibility</p:attrName>
+                                        </p:attrNameLst>
+                                      </p:cBhvr>
+                                      <p:to>
+                                        <p:strVal val="visible"/>
+                                      </p:to>
+                                    </p:set>
+                                  </p:childTnLst>
+                                </p:cTn>
+                              </p:par>
+                              <p:par>
+                                <p:cTn id="39" presetID="1" presetClass="entr" presetSubtype="0" fill="hold" nodeType="withEffect">
+                                  <p:stCondLst>
+                                    <p:cond delay="0"/>
+                                  </p:stCondLst>
+                                  <p:childTnLst>
+                                    <p:set>
+                                      <p:cBhvr>
+                                        <p:cTn id="40" dur="1" fill="hold">
+                                          <p:stCondLst>
+                                            <p:cond delay="0"/>
+                                          </p:stCondLst>
+                                        </p:cTn>
+                                        <p:tgtEl>
+                                          <p:spTgt spid="126"/>
+                                        </p:tgtEl>
+                                        <p:attrNameLst>
+                                          <p:attrName>style.visibility</p:attrName>
+                                        </p:attrNameLst>
+                                      </p:cBhvr>
+                                      <p:to>
+                                        <p:strVal val="visible"/>
+                                      </p:to>
+                                    </p:set>
+                                  </p:childTnLst>
+                                </p:cTn>
+                              </p:par>
+                            </p:childTnLst>
+                          </p:cTn>
+                        </p:par>
+                      </p:childTnLst>
+                    </p:cTn>
+                  </p:par>
+                  <p:par>
+                    <p:cTn id="41" fill="hold">
+                      <p:stCondLst>
+                        <p:cond delay="indefinite"/>
+                      </p:stCondLst>
+                      <p:childTnLst>
+                        <p:par>
+                          <p:cTn id="42" fill="hold">
+                            <p:stCondLst>
+                              <p:cond delay="0"/>
+                            </p:stCondLst>
+                            <p:childTnLst>
+                              <p:par>
+                                <p:cTn id="43" presetID="1" presetClass="entr" presetSubtype="0" fill="hold" nodeType="clickEffect">
+                                  <p:stCondLst>
+                                    <p:cond delay="0"/>
+                                  </p:stCondLst>
+                                  <p:childTnLst>
+                                    <p:set>
+                                      <p:cBhvr>
+                                        <p:cTn id="44" dur="1" fill="hold">
                                           <p:stCondLst>
                                             <p:cond delay="0"/>
                                           </p:stCondLst>
@@ -23459,14 +24117,14 @@
                                 </p:cTn>
                               </p:par>
                               <p:par>
-                                <p:cTn id="27" presetID="1" presetClass="entr" presetSubtype="0" fill="hold" nodeType="withEffect">
+                                <p:cTn id="45" presetID="1" presetClass="entr" presetSubtype="0" fill="hold" nodeType="withEffect">
                                   <p:stCondLst>
                                     <p:cond delay="0"/>
                                   </p:stCondLst>
                                   <p:childTnLst>
                                     <p:set>
                                       <p:cBhvr>
-                                        <p:cTn id="28" dur="1" fill="hold">
+                                        <p:cTn id="46" dur="1" fill="hold">
                                           <p:stCondLst>
                                             <p:cond delay="0"/>
                                           </p:stCondLst>
@@ -23486,14 +24144,14 @@
                                 </p:cTn>
                               </p:par>
                               <p:par>
-                                <p:cTn id="29" presetID="1" presetClass="entr" presetSubtype="0" fill="hold" nodeType="withEffect">
+                                <p:cTn id="47" presetID="1" presetClass="entr" presetSubtype="0" fill="hold" nodeType="withEffect">
                                   <p:stCondLst>
                                     <p:cond delay="0"/>
                                   </p:stCondLst>
                                   <p:childTnLst>
                                     <p:set>
                                       <p:cBhvr>
-                                        <p:cTn id="30" dur="1" fill="hold">
+                                        <p:cTn id="48" dur="1" fill="hold">
                                           <p:stCondLst>
                                             <p:cond delay="0"/>
                                           </p:stCondLst>
@@ -23545,7 +24203,6 @@
       <p:bldP spid="18" grpId="0" animBg="1"/>
       <p:bldP spid="2" grpId="0" animBg="1"/>
       <p:bldP spid="4" grpId="0" animBg="1"/>
-      <p:bldP spid="5" grpId="0" animBg="1"/>
     </p:bldLst>
   </p:timing>
 </p:sld>
@@ -24179,6 +24836,89 @@
           </a:ln>
         </p:spPr>
       </p:pic>
+      <p:sp>
+        <p:nvSpPr>
+          <p:cNvPr id="2" name="ZoneTexte 1">
+            <a:extLst>
+              <a:ext uri="{FF2B5EF4-FFF2-40B4-BE49-F238E27FC236}">
+                <a16:creationId xmlns:a16="http://schemas.microsoft.com/office/drawing/2014/main" id="{A85DEE6F-C9A3-C38B-C4A7-0CCF698A4970}"/>
+              </a:ext>
+            </a:extLst>
+          </p:cNvPr>
+          <p:cNvSpPr txBox="1"/>
+          <p:nvPr/>
+        </p:nvSpPr>
+        <p:spPr>
+          <a:xfrm>
+            <a:off x="7704792" y="313600"/>
+            <a:ext cx="1156330" cy="246221"/>
+          </a:xfrm>
+          <a:prstGeom prst="rect">
+            <a:avLst/>
+          </a:prstGeom>
+          <a:noFill/>
+        </p:spPr>
+        <p:txBody>
+          <a:bodyPr wrap="square" rtlCol="0">
+            <a:spAutoFit/>
+          </a:bodyPr>
+          <a:lstStyle/>
+          <a:p>
+            <a:pPr algn="ctr"/>
+            <a:r>
+              <a:rPr lang="fr-FR" sz="1000" dirty="0">
+                <a:hlinkClick r:id="rId6"/>
+              </a:rPr>
+              <a:t>Lien Dashboard</a:t>
+            </a:r>
+            <a:endParaRPr lang="fr-FR" sz="800" dirty="0"/>
+          </a:p>
+        </p:txBody>
+      </p:sp>
+      <p:cxnSp>
+        <p:nvCxnSpPr>
+          <p:cNvPr id="6" name="Connecteur droit avec flèche 5">
+            <a:extLst>
+              <a:ext uri="{FF2B5EF4-FFF2-40B4-BE49-F238E27FC236}">
+                <a16:creationId xmlns:a16="http://schemas.microsoft.com/office/drawing/2014/main" id="{E58CD5F5-AD06-8901-DFBF-D6AD8757D2F5}"/>
+              </a:ext>
+            </a:extLst>
+          </p:cNvPr>
+          <p:cNvCxnSpPr>
+            <a:cxnSpLocks/>
+          </p:cNvCxnSpPr>
+          <p:nvPr/>
+        </p:nvCxnSpPr>
+        <p:spPr>
+          <a:xfrm>
+            <a:off x="7134931" y="440687"/>
+            <a:ext cx="569861" cy="0"/>
+          </a:xfrm>
+          <a:prstGeom prst="straightConnector1">
+            <a:avLst/>
+          </a:prstGeom>
+          <a:ln w="76200">
+            <a:solidFill>
+              <a:srgbClr val="FFC000"/>
+            </a:solidFill>
+            <a:tailEnd type="triangle"/>
+          </a:ln>
+        </p:spPr>
+        <p:style>
+          <a:lnRef idx="1">
+            <a:schemeClr val="accent1"/>
+          </a:lnRef>
+          <a:fillRef idx="0">
+            <a:schemeClr val="accent1"/>
+          </a:fillRef>
+          <a:effectRef idx="0">
+            <a:schemeClr val="accent1"/>
+          </a:effectRef>
+          <a:fontRef idx="minor">
+            <a:schemeClr val="tx1"/>
+          </a:fontRef>
+        </p:style>
+      </p:cxnSp>
     </p:spTree>
   </p:cSld>
   <p:clrMapOvr>
@@ -24730,7 +25470,7 @@
             </a:r>
             <a:r>
               <a:rPr lang="fr-FR" sz="1000" dirty="0"/>
-              <a:t>Les prix sont concentrés autour de 100 à 150 dollars/jour</a:t>
+              <a:t>Les prix sont concentrés autour de 100 à 150 euros/jour</a:t>
             </a:r>
           </a:p>
           <a:p>
@@ -24897,6 +25637,89 @@
           </a:ln>
         </p:spPr>
       </p:pic>
+      <p:sp>
+        <p:nvSpPr>
+          <p:cNvPr id="2" name="ZoneTexte 1">
+            <a:extLst>
+              <a:ext uri="{FF2B5EF4-FFF2-40B4-BE49-F238E27FC236}">
+                <a16:creationId xmlns:a16="http://schemas.microsoft.com/office/drawing/2014/main" id="{F0371228-CF33-F884-5AC0-C326F274EBC7}"/>
+              </a:ext>
+            </a:extLst>
+          </p:cNvPr>
+          <p:cNvSpPr txBox="1"/>
+          <p:nvPr/>
+        </p:nvSpPr>
+        <p:spPr>
+          <a:xfrm>
+            <a:off x="7704792" y="313600"/>
+            <a:ext cx="1156330" cy="246221"/>
+          </a:xfrm>
+          <a:prstGeom prst="rect">
+            <a:avLst/>
+          </a:prstGeom>
+          <a:noFill/>
+        </p:spPr>
+        <p:txBody>
+          <a:bodyPr wrap="square" rtlCol="0">
+            <a:spAutoFit/>
+          </a:bodyPr>
+          <a:lstStyle/>
+          <a:p>
+            <a:pPr algn="ctr"/>
+            <a:r>
+              <a:rPr lang="fr-FR" sz="1000" dirty="0">
+                <a:hlinkClick r:id="rId7"/>
+              </a:rPr>
+              <a:t>Lien Dashboard</a:t>
+            </a:r>
+            <a:endParaRPr lang="fr-FR" sz="800" dirty="0"/>
+          </a:p>
+        </p:txBody>
+      </p:sp>
+      <p:cxnSp>
+        <p:nvCxnSpPr>
+          <p:cNvPr id="6" name="Connecteur droit avec flèche 5">
+            <a:extLst>
+              <a:ext uri="{FF2B5EF4-FFF2-40B4-BE49-F238E27FC236}">
+                <a16:creationId xmlns:a16="http://schemas.microsoft.com/office/drawing/2014/main" id="{E0B5A041-AC5D-5DBA-1D86-061A0B5A076F}"/>
+              </a:ext>
+            </a:extLst>
+          </p:cNvPr>
+          <p:cNvCxnSpPr>
+            <a:cxnSpLocks/>
+          </p:cNvCxnSpPr>
+          <p:nvPr/>
+        </p:nvCxnSpPr>
+        <p:spPr>
+          <a:xfrm>
+            <a:off x="7134931" y="440687"/>
+            <a:ext cx="569861" cy="0"/>
+          </a:xfrm>
+          <a:prstGeom prst="straightConnector1">
+            <a:avLst/>
+          </a:prstGeom>
+          <a:ln w="76200">
+            <a:solidFill>
+              <a:srgbClr val="FFC000"/>
+            </a:solidFill>
+            <a:tailEnd type="triangle"/>
+          </a:ln>
+        </p:spPr>
+        <p:style>
+          <a:lnRef idx="1">
+            <a:schemeClr val="accent1"/>
+          </a:lnRef>
+          <a:fillRef idx="0">
+            <a:schemeClr val="accent1"/>
+          </a:fillRef>
+          <a:effectRef idx="0">
+            <a:schemeClr val="accent1"/>
+          </a:effectRef>
+          <a:fontRef idx="minor">
+            <a:schemeClr val="tx1"/>
+          </a:fontRef>
+        </p:style>
+      </p:cxnSp>
     </p:spTree>
     <p:extLst>
       <p:ext uri="{BB962C8B-B14F-4D97-AF65-F5344CB8AC3E}">

--- a/présentation/Bloc_05_Projet_Getaround.pptx
+++ b/présentation/Bloc_05_Projet_Getaround.pptx
@@ -288,7 +288,7 @@
   <pc:docChgLst>
     <pc:chgData name="Jean-Yves Vuillequez" userId="e7fac481abea6bd0" providerId="LiveId" clId="{79E365E8-22BC-4EC2-9606-9A9AC6CD1D22}"/>
     <pc:docChg chg="undo custSel addSld delSld modSld sldOrd addMainMaster delMainMaster">
-      <pc:chgData name="Jean-Yves Vuillequez" userId="e7fac481abea6bd0" providerId="LiveId" clId="{79E365E8-22BC-4EC2-9606-9A9AC6CD1D22}" dt="2026-02-14T14:44:50.074" v="1746"/>
+      <pc:chgData name="Jean-Yves Vuillequez" userId="e7fac481abea6bd0" providerId="LiveId" clId="{79E365E8-22BC-4EC2-9606-9A9AC6CD1D22}" dt="2026-02-16T09:03:03.277" v="1749" actId="14100"/>
       <pc:docMkLst>
         <pc:docMk/>
       </pc:docMkLst>
@@ -324,7 +324,7 @@
         </pc:spChg>
       </pc:sldChg>
       <pc:sldChg chg="addSp delSp modSp mod addAnim delAnim modNotesTx">
-        <pc:chgData name="Jean-Yves Vuillequez" userId="e7fac481abea6bd0" providerId="LiveId" clId="{79E365E8-22BC-4EC2-9606-9A9AC6CD1D22}" dt="2026-02-14T14:44:43.677" v="1745"/>
+        <pc:chgData name="Jean-Yves Vuillequez" userId="e7fac481abea6bd0" providerId="LiveId" clId="{79E365E8-22BC-4EC2-9606-9A9AC6CD1D22}" dt="2026-02-16T09:03:03.277" v="1749" actId="14100"/>
         <pc:sldMkLst>
           <pc:docMk/>
           <pc:sldMk cId="0" sldId="258"/>
@@ -338,7 +338,7 @@
           </ac:spMkLst>
         </pc:spChg>
         <pc:spChg chg="mod">
-          <ac:chgData name="Jean-Yves Vuillequez" userId="e7fac481abea6bd0" providerId="LiveId" clId="{79E365E8-22BC-4EC2-9606-9A9AC6CD1D22}" dt="2026-02-13T09:14:19.195" v="867" actId="20577"/>
+          <ac:chgData name="Jean-Yves Vuillequez" userId="e7fac481abea6bd0" providerId="LiveId" clId="{79E365E8-22BC-4EC2-9606-9A9AC6CD1D22}" dt="2026-02-16T09:03:03.277" v="1749" actId="14100"/>
           <ac:spMkLst>
             <pc:docMk/>
             <pc:sldMk cId="0" sldId="258"/>
@@ -361,14 +361,6 @@
             <ac:picMk id="5" creationId="{3629B4BD-B2F9-58A6-5FC6-4984E061BD5A}"/>
           </ac:picMkLst>
         </pc:picChg>
-        <pc:picChg chg="add del mod">
-          <ac:chgData name="Jean-Yves Vuillequez" userId="e7fac481abea6bd0" providerId="LiveId" clId="{79E365E8-22BC-4EC2-9606-9A9AC6CD1D22}" dt="2026-02-13T09:10:02.935" v="803" actId="478"/>
-          <ac:picMkLst>
-            <pc:docMk/>
-            <pc:sldMk cId="0" sldId="258"/>
-            <ac:picMk id="7" creationId="{0333D699-8708-CCB0-9F47-71790F7D7F7B}"/>
-          </ac:picMkLst>
-        </pc:picChg>
         <pc:picChg chg="add mod">
           <ac:chgData name="Jean-Yves Vuillequez" userId="e7fac481abea6bd0" providerId="LiveId" clId="{79E365E8-22BC-4EC2-9606-9A9AC6CD1D22}" dt="2026-02-13T09:10:41.876" v="815" actId="1076"/>
           <ac:picMkLst>
@@ -385,13 +377,6 @@
             <ac:cxnSpMk id="6" creationId="{E58CD5F5-AD06-8901-DFBF-D6AD8757D2F5}"/>
           </ac:cxnSpMkLst>
         </pc:cxnChg>
-      </pc:sldChg>
-      <pc:sldChg chg="add del">
-        <pc:chgData name="Jean-Yves Vuillequez" userId="e7fac481abea6bd0" providerId="LiveId" clId="{79E365E8-22BC-4EC2-9606-9A9AC6CD1D22}" dt="2026-01-16T10:47:03.962" v="33" actId="47"/>
-        <pc:sldMkLst>
-          <pc:docMk/>
-          <pc:sldMk cId="0" sldId="271"/>
-        </pc:sldMkLst>
       </pc:sldChg>
       <pc:sldChg chg="modSp mod modNotesTx">
         <pc:chgData name="Jean-Yves Vuillequez" userId="e7fac481abea6bd0" providerId="LiveId" clId="{79E365E8-22BC-4EC2-9606-9A9AC6CD1D22}" dt="2026-02-14T14:22:12.121" v="1443" actId="20577"/>
@@ -422,14 +407,6 @@
           <pc:docMk/>
           <pc:sldMk cId="0" sldId="273"/>
         </pc:sldMkLst>
-        <pc:spChg chg="add">
-          <ac:chgData name="Jean-Yves Vuillequez" userId="e7fac481abea6bd0" providerId="LiveId" clId="{79E365E8-22BC-4EC2-9606-9A9AC6CD1D22}" dt="2026-02-13T08:42:50.997" v="383"/>
-          <ac:spMkLst>
-            <pc:docMk/>
-            <pc:sldMk cId="0" sldId="273"/>
-            <ac:spMk id="2" creationId="{96661028-3F4E-5F72-C65D-8E2C26D2D364}"/>
-          </ac:spMkLst>
-        </pc:spChg>
         <pc:spChg chg="mod">
           <ac:chgData name="Jean-Yves Vuillequez" userId="e7fac481abea6bd0" providerId="LiveId" clId="{79E365E8-22BC-4EC2-9606-9A9AC6CD1D22}" dt="2026-02-13T08:43:03.880" v="387"/>
           <ac:spMkLst>
@@ -510,14 +487,6 @@
             <ac:spMk id="18" creationId="{16C898BF-E544-3A3A-F1C6-FD6EA5BEBE3E}"/>
           </ac:spMkLst>
         </pc:spChg>
-        <pc:grpChg chg="add del">
-          <ac:chgData name="Jean-Yves Vuillequez" userId="e7fac481abea6bd0" providerId="LiveId" clId="{79E365E8-22BC-4EC2-9606-9A9AC6CD1D22}" dt="2026-02-14T14:05:34.885" v="1369" actId="478"/>
-          <ac:grpSpMkLst>
-            <pc:docMk/>
-            <pc:sldMk cId="0" sldId="273"/>
-            <ac:grpSpMk id="13" creationId="{C68D3C11-FF4A-152A-15F7-5496E4E77F38}"/>
-          </ac:grpSpMkLst>
-        </pc:grpChg>
       </pc:sldChg>
       <pc:sldChg chg="addSp delSp modSp mod delAnim modAnim modNotesTx">
         <pc:chgData name="Jean-Yves Vuillequez" userId="e7fac481abea6bd0" providerId="LiveId" clId="{79E365E8-22BC-4EC2-9606-9A9AC6CD1D22}" dt="2026-02-14T14:34:47.095" v="1608" actId="20577"/>
@@ -571,14 +540,6 @@
             <pc:docMk/>
             <pc:sldMk cId="1821755839" sldId="274"/>
             <ac:spMk id="31" creationId="{6F47604A-F072-9B2B-A28D-D050592AE8FB}"/>
-          </ac:spMkLst>
-        </pc:spChg>
-        <pc:spChg chg="del mod topLvl">
-          <ac:chgData name="Jean-Yves Vuillequez" userId="e7fac481abea6bd0" providerId="LiveId" clId="{79E365E8-22BC-4EC2-9606-9A9AC6CD1D22}" dt="2026-02-13T08:39:11.730" v="344" actId="478"/>
-          <ac:spMkLst>
-            <pc:docMk/>
-            <pc:sldMk cId="1821755839" sldId="274"/>
-            <ac:spMk id="32" creationId="{746A74A5-8390-A9B2-0686-BA8885C4CDA4}"/>
           </ac:spMkLst>
         </pc:spChg>
         <pc:spChg chg="mod">
@@ -685,36 +646,12 @@
             <ac:spMk id="57" creationId="{685F5B80-27B1-45A6-3DF8-0CF7271056CC}"/>
           </ac:spMkLst>
         </pc:spChg>
-        <pc:spChg chg="del mod topLvl">
-          <ac:chgData name="Jean-Yves Vuillequez" userId="e7fac481abea6bd0" providerId="LiveId" clId="{79E365E8-22BC-4EC2-9606-9A9AC6CD1D22}" dt="2026-02-13T08:28:56.191" v="105" actId="478"/>
-          <ac:spMkLst>
-            <pc:docMk/>
-            <pc:sldMk cId="1821755839" sldId="274"/>
-            <ac:spMk id="58" creationId="{42C67AD7-C645-5367-3E47-6D6A996C5FE8}"/>
-          </ac:spMkLst>
-        </pc:spChg>
-        <pc:spChg chg="del">
-          <ac:chgData name="Jean-Yves Vuillequez" userId="e7fac481abea6bd0" providerId="LiveId" clId="{79E365E8-22BC-4EC2-9606-9A9AC6CD1D22}" dt="2026-02-13T08:28:56.191" v="105" actId="478"/>
-          <ac:spMkLst>
-            <pc:docMk/>
-            <pc:sldMk cId="1821755839" sldId="274"/>
-            <ac:spMk id="67" creationId="{77C37EC6-CDFA-6EF5-9731-EDD14211D90B}"/>
-          </ac:spMkLst>
-        </pc:spChg>
         <pc:spChg chg="add mod">
           <ac:chgData name="Jean-Yves Vuillequez" userId="e7fac481abea6bd0" providerId="LiveId" clId="{79E365E8-22BC-4EC2-9606-9A9AC6CD1D22}" dt="2026-02-14T14:02:12.109" v="1343" actId="164"/>
           <ac:spMkLst>
             <pc:docMk/>
             <pc:sldMk cId="1821755839" sldId="274"/>
             <ac:spMk id="69" creationId="{B85D8442-0D2E-AD63-523E-6F120E99781A}"/>
-          </ac:spMkLst>
-        </pc:spChg>
-        <pc:spChg chg="del">
-          <ac:chgData name="Jean-Yves Vuillequez" userId="e7fac481abea6bd0" providerId="LiveId" clId="{79E365E8-22BC-4EC2-9606-9A9AC6CD1D22}" dt="2026-02-13T08:28:56.191" v="105" actId="478"/>
-          <ac:spMkLst>
-            <pc:docMk/>
-            <pc:sldMk cId="1821755839" sldId="274"/>
-            <ac:spMk id="70" creationId="{78E1D7E3-9E06-E6A5-253E-A6CE2A2F1050}"/>
           </ac:spMkLst>
         </pc:spChg>
         <pc:spChg chg="mod">
@@ -733,44 +670,12 @@
             <ac:spMk id="72" creationId="{860A4D78-736B-6187-48BA-98841BDF3933}"/>
           </ac:spMkLst>
         </pc:spChg>
-        <pc:spChg chg="del">
-          <ac:chgData name="Jean-Yves Vuillequez" userId="e7fac481abea6bd0" providerId="LiveId" clId="{79E365E8-22BC-4EC2-9606-9A9AC6CD1D22}" dt="2026-02-13T08:28:56.191" v="105" actId="478"/>
-          <ac:spMkLst>
-            <pc:docMk/>
-            <pc:sldMk cId="1821755839" sldId="274"/>
-            <ac:spMk id="73" creationId="{33C41871-317D-BA64-26E2-EBEE7A51AE73}"/>
-          </ac:spMkLst>
-        </pc:spChg>
-        <pc:spChg chg="del">
-          <ac:chgData name="Jean-Yves Vuillequez" userId="e7fac481abea6bd0" providerId="LiveId" clId="{79E365E8-22BC-4EC2-9606-9A9AC6CD1D22}" dt="2026-02-13T08:31:43.983" v="210" actId="478"/>
-          <ac:spMkLst>
-            <pc:docMk/>
-            <pc:sldMk cId="1821755839" sldId="274"/>
-            <ac:spMk id="76" creationId="{0137AD1F-A369-4FCE-AD69-964680B420B5}"/>
-          </ac:spMkLst>
-        </pc:spChg>
-        <pc:spChg chg="del mod topLvl">
-          <ac:chgData name="Jean-Yves Vuillequez" userId="e7fac481abea6bd0" providerId="LiveId" clId="{79E365E8-22BC-4EC2-9606-9A9AC6CD1D22}" dt="2026-02-13T08:30:08.104" v="141" actId="478"/>
-          <ac:spMkLst>
-            <pc:docMk/>
-            <pc:sldMk cId="1821755839" sldId="274"/>
-            <ac:spMk id="79" creationId="{61FAC2B4-497C-99AF-7507-9699F89C2CB8}"/>
-          </ac:spMkLst>
-        </pc:spChg>
         <pc:spChg chg="add mod ord">
           <ac:chgData name="Jean-Yves Vuillequez" userId="e7fac481abea6bd0" providerId="LiveId" clId="{79E365E8-22BC-4EC2-9606-9A9AC6CD1D22}" dt="2026-02-14T13:58:25.107" v="1334" actId="164"/>
           <ac:spMkLst>
             <pc:docMk/>
             <pc:sldMk cId="1821755839" sldId="274"/>
             <ac:spMk id="98" creationId="{DC03F088-F580-351B-D5FE-5AE0A2FB4E6B}"/>
-          </ac:spMkLst>
-        </pc:spChg>
-        <pc:spChg chg="del mod topLvl">
-          <ac:chgData name="Jean-Yves Vuillequez" userId="e7fac481abea6bd0" providerId="LiveId" clId="{79E365E8-22BC-4EC2-9606-9A9AC6CD1D22}" dt="2026-02-13T08:31:56.978" v="216" actId="478"/>
-          <ac:spMkLst>
-            <pc:docMk/>
-            <pc:sldMk cId="1821755839" sldId="274"/>
-            <ac:spMk id="106" creationId="{70820C9A-B957-87A8-109D-6C661627DA4C}"/>
           </ac:spMkLst>
         </pc:spChg>
         <pc:spChg chg="add mod">
@@ -821,14 +726,6 @@
             <ac:grpSpMk id="15" creationId="{F0042F9D-CAB4-F2F8-EF48-EB70D2F5E683}"/>
           </ac:grpSpMkLst>
         </pc:grpChg>
-        <pc:grpChg chg="del">
-          <ac:chgData name="Jean-Yves Vuillequez" userId="e7fac481abea6bd0" providerId="LiveId" clId="{79E365E8-22BC-4EC2-9606-9A9AC6CD1D22}" dt="2026-02-13T08:31:24.871" v="205" actId="478"/>
-          <ac:grpSpMkLst>
-            <pc:docMk/>
-            <pc:sldMk cId="1821755839" sldId="274"/>
-            <ac:grpSpMk id="42" creationId="{ABFDE930-E8FD-AEFC-C080-0E20435636B0}"/>
-          </ac:grpSpMkLst>
-        </pc:grpChg>
         <pc:picChg chg="add mod">
           <ac:chgData name="Jean-Yves Vuillequez" userId="e7fac481abea6bd0" providerId="LiveId" clId="{79E365E8-22BC-4EC2-9606-9A9AC6CD1D22}" dt="2026-02-14T13:55:59.897" v="1329" actId="164"/>
           <ac:picMkLst>
@@ -845,14 +742,6 @@
             <ac:picMk id="12" creationId="{27F148E2-4FBF-942E-41DA-700170B49729}"/>
           </ac:picMkLst>
         </pc:picChg>
-        <pc:picChg chg="del mod">
-          <ac:chgData name="Jean-Yves Vuillequez" userId="e7fac481abea6bd0" providerId="LiveId" clId="{79E365E8-22BC-4EC2-9606-9A9AC6CD1D22}" dt="2026-02-13T08:29:56.186" v="139" actId="478"/>
-          <ac:picMkLst>
-            <pc:docMk/>
-            <pc:sldMk cId="1821755839" sldId="274"/>
-            <ac:picMk id="20" creationId="{9F92FB23-9D37-AEB9-493C-1E3DAE1913D2}"/>
-          </ac:picMkLst>
-        </pc:picChg>
         <pc:picChg chg="mod">
           <ac:chgData name="Jean-Yves Vuillequez" userId="e7fac481abea6bd0" providerId="LiveId" clId="{79E365E8-22BC-4EC2-9606-9A9AC6CD1D22}" dt="2026-02-13T08:35:32.569" v="269" actId="1076"/>
           <ac:picMkLst>
@@ -867,46 +756,6 @@
             <pc:docMk/>
             <pc:sldMk cId="1821755839" sldId="274"/>
             <ac:picMk id="51" creationId="{054FB5AB-F043-1139-CFA8-44C9034D1153}"/>
-          </ac:picMkLst>
-        </pc:picChg>
-        <pc:picChg chg="del mod">
-          <ac:chgData name="Jean-Yves Vuillequez" userId="e7fac481abea6bd0" providerId="LiveId" clId="{79E365E8-22BC-4EC2-9606-9A9AC6CD1D22}" dt="2026-02-13T08:31:43.259" v="209" actId="478"/>
-          <ac:picMkLst>
-            <pc:docMk/>
-            <pc:sldMk cId="1821755839" sldId="274"/>
-            <ac:picMk id="62" creationId="{C5C7BA9B-2B99-4B7A-7436-5F82DE29B981}"/>
-          </ac:picMkLst>
-        </pc:picChg>
-        <pc:picChg chg="del">
-          <ac:chgData name="Jean-Yves Vuillequez" userId="e7fac481abea6bd0" providerId="LiveId" clId="{79E365E8-22BC-4EC2-9606-9A9AC6CD1D22}" dt="2026-02-13T08:28:56.191" v="105" actId="478"/>
-          <ac:picMkLst>
-            <pc:docMk/>
-            <pc:sldMk cId="1821755839" sldId="274"/>
-            <ac:picMk id="65" creationId="{976AB5B9-1D61-B29C-C9DE-9051A31E8E27}"/>
-          </ac:picMkLst>
-        </pc:picChg>
-        <pc:picChg chg="del">
-          <ac:chgData name="Jean-Yves Vuillequez" userId="e7fac481abea6bd0" providerId="LiveId" clId="{79E365E8-22BC-4EC2-9606-9A9AC6CD1D22}" dt="2026-02-13T08:28:56.191" v="105" actId="478"/>
-          <ac:picMkLst>
-            <pc:docMk/>
-            <pc:sldMk cId="1821755839" sldId="274"/>
-            <ac:picMk id="68" creationId="{6A1FE08D-DF15-8940-EAA5-98ED76914736}"/>
-          </ac:picMkLst>
-        </pc:picChg>
-        <pc:picChg chg="del">
-          <ac:chgData name="Jean-Yves Vuillequez" userId="e7fac481abea6bd0" providerId="LiveId" clId="{79E365E8-22BC-4EC2-9606-9A9AC6CD1D22}" dt="2026-02-13T08:29:57.200" v="140" actId="478"/>
-          <ac:picMkLst>
-            <pc:docMk/>
-            <pc:sldMk cId="1821755839" sldId="274"/>
-            <ac:picMk id="80" creationId="{FEC09453-8329-B943-E8CD-D18A9746E3DE}"/>
-          </ac:picMkLst>
-        </pc:picChg>
-        <pc:picChg chg="del">
-          <ac:chgData name="Jean-Yves Vuillequez" userId="e7fac481abea6bd0" providerId="LiveId" clId="{79E365E8-22BC-4EC2-9606-9A9AC6CD1D22}" dt="2026-02-13T08:31:56.978" v="216" actId="478"/>
-          <ac:picMkLst>
-            <pc:docMk/>
-            <pc:sldMk cId="1821755839" sldId="274"/>
-            <ac:picMk id="107" creationId="{9E201599-7D6B-4671-395A-AB9C1CE55DB4}"/>
           </ac:picMkLst>
         </pc:picChg>
         <pc:picChg chg="mod">
@@ -931,30 +780,6 @@
             <pc:docMk/>
             <pc:sldMk cId="1821755839" sldId="274"/>
             <ac:picMk id="127" creationId="{0DF6E305-58E0-10D9-0E90-7E26126193AF}"/>
-          </ac:picMkLst>
-        </pc:picChg>
-        <pc:picChg chg="del">
-          <ac:chgData name="Jean-Yves Vuillequez" userId="e7fac481abea6bd0" providerId="LiveId" clId="{79E365E8-22BC-4EC2-9606-9A9AC6CD1D22}" dt="2026-02-13T08:28:56.191" v="105" actId="478"/>
-          <ac:picMkLst>
-            <pc:docMk/>
-            <pc:sldMk cId="1821755839" sldId="274"/>
-            <ac:picMk id="1026" creationId="{923FE2F2-F305-A7CE-975B-2A2BA912E4B7}"/>
-          </ac:picMkLst>
-        </pc:picChg>
-        <pc:picChg chg="del">
-          <ac:chgData name="Jean-Yves Vuillequez" userId="e7fac481abea6bd0" providerId="LiveId" clId="{79E365E8-22BC-4EC2-9606-9A9AC6CD1D22}" dt="2026-02-13T08:28:56.191" v="105" actId="478"/>
-          <ac:picMkLst>
-            <pc:docMk/>
-            <pc:sldMk cId="1821755839" sldId="274"/>
-            <ac:picMk id="1028" creationId="{D0C03EA7-EAD6-1A33-21AE-920B9121582F}"/>
-          </ac:picMkLst>
-        </pc:picChg>
-        <pc:picChg chg="del">
-          <ac:chgData name="Jean-Yves Vuillequez" userId="e7fac481abea6bd0" providerId="LiveId" clId="{79E365E8-22BC-4EC2-9606-9A9AC6CD1D22}" dt="2026-02-13T08:28:56.191" v="105" actId="478"/>
-          <ac:picMkLst>
-            <pc:docMk/>
-            <pc:sldMk cId="1821755839" sldId="274"/>
-            <ac:picMk id="1030" creationId="{2941D76B-6840-C572-907F-F3680B66EBF7}"/>
           </ac:picMkLst>
         </pc:picChg>
         <pc:picChg chg="mod">
@@ -1029,28 +854,12 @@
             <ac:cxnSpMk id="11" creationId="{D8A48580-543E-68C9-355D-6C2F58EACB96}"/>
           </ac:cxnSpMkLst>
         </pc:cxnChg>
-        <pc:cxnChg chg="del mod">
-          <ac:chgData name="Jean-Yves Vuillequez" userId="e7fac481abea6bd0" providerId="LiveId" clId="{79E365E8-22BC-4EC2-9606-9A9AC6CD1D22}" dt="2026-02-13T08:33:30.864" v="253" actId="478"/>
-          <ac:cxnSpMkLst>
-            <pc:docMk/>
-            <pc:sldMk cId="1821755839" sldId="274"/>
-            <ac:cxnSpMk id="17" creationId="{E363E85D-958E-F6A6-C279-98695543B49C}"/>
-          </ac:cxnSpMkLst>
-        </pc:cxnChg>
         <pc:cxnChg chg="mod">
           <ac:chgData name="Jean-Yves Vuillequez" userId="e7fac481abea6bd0" providerId="LiveId" clId="{79E365E8-22BC-4EC2-9606-9A9AC6CD1D22}" dt="2026-02-13T08:34:09.341" v="256" actId="14100"/>
           <ac:cxnSpMkLst>
             <pc:docMk/>
             <pc:sldMk cId="1821755839" sldId="274"/>
             <ac:cxnSpMk id="19" creationId="{7965C0EE-9642-2EA9-734C-AF9138078030}"/>
-          </ac:cxnSpMkLst>
-        </pc:cxnChg>
-        <pc:cxnChg chg="del mod">
-          <ac:chgData name="Jean-Yves Vuillequez" userId="e7fac481abea6bd0" providerId="LiveId" clId="{79E365E8-22BC-4EC2-9606-9A9AC6CD1D22}" dt="2026-02-13T08:30:09.085" v="142" actId="478"/>
-          <ac:cxnSpMkLst>
-            <pc:docMk/>
-            <pc:sldMk cId="1821755839" sldId="274"/>
-            <ac:cxnSpMk id="24" creationId="{9AD6B91C-AEA0-8BCF-42B4-76BEC72FDE00}"/>
           </ac:cxnSpMkLst>
         </pc:cxnChg>
         <pc:cxnChg chg="mod">
@@ -1069,36 +878,12 @@
             <ac:cxnSpMk id="29" creationId="{2F5C326A-12BF-B849-9176-2CB67D7A7ED9}"/>
           </ac:cxnSpMkLst>
         </pc:cxnChg>
-        <pc:cxnChg chg="add del mod">
-          <ac:chgData name="Jean-Yves Vuillequez" userId="e7fac481abea6bd0" providerId="LiveId" clId="{79E365E8-22BC-4EC2-9606-9A9AC6CD1D22}" dt="2026-02-13T08:36:10.282" v="275" actId="478"/>
-          <ac:cxnSpMkLst>
-            <pc:docMk/>
-            <pc:sldMk cId="1821755839" sldId="274"/>
-            <ac:cxnSpMk id="81" creationId="{FC76976E-C367-0F5C-901A-FBD9A8781F4A}"/>
-          </ac:cxnSpMkLst>
-        </pc:cxnChg>
         <pc:cxnChg chg="mod">
           <ac:chgData name="Jean-Yves Vuillequez" userId="e7fac481abea6bd0" providerId="LiveId" clId="{79E365E8-22BC-4EC2-9606-9A9AC6CD1D22}" dt="2026-02-13T09:38:54.774" v="1171" actId="14100"/>
           <ac:cxnSpMkLst>
             <pc:docMk/>
             <pc:sldMk cId="1821755839" sldId="274"/>
             <ac:cxnSpMk id="84" creationId="{9FB5173D-B04A-5921-8DF1-AA3A6807A99D}"/>
-          </ac:cxnSpMkLst>
-        </pc:cxnChg>
-        <pc:cxnChg chg="add del mod">
-          <ac:chgData name="Jean-Yves Vuillequez" userId="e7fac481abea6bd0" providerId="LiveId" clId="{79E365E8-22BC-4EC2-9606-9A9AC6CD1D22}" dt="2026-02-13T08:39:40.939" v="350" actId="478"/>
-          <ac:cxnSpMkLst>
-            <pc:docMk/>
-            <pc:sldMk cId="1821755839" sldId="274"/>
-            <ac:cxnSpMk id="100" creationId="{0EE1CCCA-C07E-48C1-C999-B9450B020818}"/>
-          </ac:cxnSpMkLst>
-        </pc:cxnChg>
-        <pc:cxnChg chg="del">
-          <ac:chgData name="Jean-Yves Vuillequez" userId="e7fac481abea6bd0" providerId="LiveId" clId="{79E365E8-22BC-4EC2-9606-9A9AC6CD1D22}" dt="2026-02-13T08:39:22.362" v="346" actId="478"/>
-          <ac:cxnSpMkLst>
-            <pc:docMk/>
-            <pc:sldMk cId="1821755839" sldId="274"/>
-            <ac:cxnSpMk id="108" creationId="{8FC538F3-E888-6C1B-940B-D6B968D8FCEE}"/>
           </ac:cxnSpMkLst>
         </pc:cxnChg>
         <pc:cxnChg chg="add mod">
@@ -1115,14 +900,6 @@
             <pc:docMk/>
             <pc:sldMk cId="1821755839" sldId="274"/>
             <ac:cxnSpMk id="119" creationId="{E97E0388-36EE-975B-25B8-E036BF3C150B}"/>
-          </ac:cxnSpMkLst>
-        </pc:cxnChg>
-        <pc:cxnChg chg="add del mod">
-          <ac:chgData name="Jean-Yves Vuillequez" userId="e7fac481abea6bd0" providerId="LiveId" clId="{79E365E8-22BC-4EC2-9606-9A9AC6CD1D22}" dt="2026-02-13T09:15:34.578" v="875" actId="478"/>
-          <ac:cxnSpMkLst>
-            <pc:docMk/>
-            <pc:sldMk cId="1821755839" sldId="274"/>
-            <ac:cxnSpMk id="124" creationId="{A7B5573C-DF75-7438-CE39-C65DB3BE03CB}"/>
           </ac:cxnSpMkLst>
         </pc:cxnChg>
         <pc:cxnChg chg="add mod">
@@ -1149,28 +926,12 @@
             <ac:cxnSpMk id="1046" creationId="{F59A3777-3D90-7CA7-F89E-8874DA5F6283}"/>
           </ac:cxnSpMkLst>
         </pc:cxnChg>
-        <pc:cxnChg chg="del mod">
-          <ac:chgData name="Jean-Yves Vuillequez" userId="e7fac481abea6bd0" providerId="LiveId" clId="{79E365E8-22BC-4EC2-9606-9A9AC6CD1D22}" dt="2026-02-13T08:40:43.996" v="357" actId="478"/>
-          <ac:cxnSpMkLst>
-            <pc:docMk/>
-            <pc:sldMk cId="1821755839" sldId="274"/>
-            <ac:cxnSpMk id="1062" creationId="{0CF073E9-1859-B299-0281-F152BD635678}"/>
-          </ac:cxnSpMkLst>
-        </pc:cxnChg>
         <pc:cxnChg chg="mod">
           <ac:chgData name="Jean-Yves Vuillequez" userId="e7fac481abea6bd0" providerId="LiveId" clId="{79E365E8-22BC-4EC2-9606-9A9AC6CD1D22}" dt="2026-02-13T08:40:34.402" v="356" actId="108"/>
           <ac:cxnSpMkLst>
             <pc:docMk/>
             <pc:sldMk cId="1821755839" sldId="274"/>
             <ac:cxnSpMk id="1068" creationId="{3FF98031-1DCE-7770-7F38-10F134A37AB2}"/>
-          </ac:cxnSpMkLst>
-        </pc:cxnChg>
-        <pc:cxnChg chg="del mod">
-          <ac:chgData name="Jean-Yves Vuillequez" userId="e7fac481abea6bd0" providerId="LiveId" clId="{79E365E8-22BC-4EC2-9606-9A9AC6CD1D22}" dt="2026-02-13T08:41:19.290" v="365" actId="478"/>
-          <ac:cxnSpMkLst>
-            <pc:docMk/>
-            <pc:sldMk cId="1821755839" sldId="274"/>
-            <ac:cxnSpMk id="1075" creationId="{EB70B985-2508-613E-3824-FAD3BB6966AC}"/>
           </ac:cxnSpMkLst>
         </pc:cxnChg>
       </pc:sldChg>
@@ -1235,14 +996,6 @@
             <ac:picMk id="7" creationId="{557275E3-16F4-A0C6-D032-B9431F2D2C82}"/>
           </ac:picMkLst>
         </pc:picChg>
-        <pc:picChg chg="add del mod">
-          <ac:chgData name="Jean-Yves Vuillequez" userId="e7fac481abea6bd0" providerId="LiveId" clId="{79E365E8-22BC-4EC2-9606-9A9AC6CD1D22}" dt="2026-02-13T09:19:51.924" v="908" actId="478"/>
-          <ac:picMkLst>
-            <pc:docMk/>
-            <pc:sldMk cId="1145705647" sldId="276"/>
-            <ac:picMk id="9" creationId="{6DD6E345-0239-25F7-2B2F-84F941B154C3}"/>
-          </ac:picMkLst>
-        </pc:picChg>
         <pc:picChg chg="add mod">
           <ac:chgData name="Jean-Yves Vuillequez" userId="e7fac481abea6bd0" providerId="LiveId" clId="{79E365E8-22BC-4EC2-9606-9A9AC6CD1D22}" dt="2026-02-13T09:20:22.597" v="920" actId="1076"/>
           <ac:picMkLst>
@@ -1266,22 +1019,6 @@
           <pc:docMk/>
           <pc:sldMk cId="2107912005" sldId="277"/>
         </pc:sldMkLst>
-        <pc:spChg chg="del">
-          <ac:chgData name="Jean-Yves Vuillequez" userId="e7fac481abea6bd0" providerId="LiveId" clId="{79E365E8-22BC-4EC2-9606-9A9AC6CD1D22}" dt="2026-02-13T09:28:58.584" v="1078" actId="478"/>
-          <ac:spMkLst>
-            <pc:docMk/>
-            <pc:sldMk cId="2107912005" sldId="277"/>
-            <ac:spMk id="3" creationId="{491AAF62-E856-A4D7-0D69-0BB5A6DABEE1}"/>
-          </ac:spMkLst>
-        </pc:spChg>
-        <pc:spChg chg="del">
-          <ac:chgData name="Jean-Yves Vuillequez" userId="e7fac481abea6bd0" providerId="LiveId" clId="{79E365E8-22BC-4EC2-9606-9A9AC6CD1D22}" dt="2026-02-13T09:28:58.584" v="1078" actId="478"/>
-          <ac:spMkLst>
-            <pc:docMk/>
-            <pc:sldMk cId="2107912005" sldId="277"/>
-            <ac:spMk id="4" creationId="{CDC63EAC-20BE-C497-69CF-D34AB089BCF3}"/>
-          </ac:spMkLst>
-        </pc:spChg>
         <pc:spChg chg="add mod">
           <ac:chgData name="Jean-Yves Vuillequez" userId="e7fac481abea6bd0" providerId="LiveId" clId="{79E365E8-22BC-4EC2-9606-9A9AC6CD1D22}" dt="2026-02-13T09:31:33.165" v="1153"/>
           <ac:spMkLst>
@@ -1307,14 +1044,6 @@
           </ac:spMkLst>
         </pc:spChg>
         <pc:picChg chg="add del mod">
-          <ac:chgData name="Jean-Yves Vuillequez" userId="e7fac481abea6bd0" providerId="LiveId" clId="{79E365E8-22BC-4EC2-9606-9A9AC6CD1D22}" dt="2026-02-13T09:28:41.935" v="1070" actId="478"/>
-          <ac:picMkLst>
-            <pc:docMk/>
-            <pc:sldMk cId="2107912005" sldId="277"/>
-            <ac:picMk id="5" creationId="{A265AAFC-644F-BD00-842E-A15CEC1FE551}"/>
-          </ac:picMkLst>
-        </pc:picChg>
-        <pc:picChg chg="add del mod">
           <ac:chgData name="Jean-Yves Vuillequez" userId="e7fac481abea6bd0" providerId="LiveId" clId="{79E365E8-22BC-4EC2-9606-9A9AC6CD1D22}" dt="2026-02-13T09:36:41.457" v="1168" actId="21"/>
           <ac:picMkLst>
             <pc:docMk/>
@@ -1328,14 +1057,6 @@
             <pc:docMk/>
             <pc:sldMk cId="2107912005" sldId="277"/>
             <ac:picMk id="9" creationId="{1A0AB63B-555A-7D1A-20F0-9FCD1055C02B}"/>
-          </ac:picMkLst>
-        </pc:picChg>
-        <pc:picChg chg="add mod">
-          <ac:chgData name="Jean-Yves Vuillequez" userId="e7fac481abea6bd0" providerId="LiveId" clId="{79E365E8-22BC-4EC2-9606-9A9AC6CD1D22}" dt="2026-02-13T09:36:30.762" v="1166"/>
-          <ac:picMkLst>
-            <pc:docMk/>
-            <pc:sldMk cId="2107912005" sldId="277"/>
-            <ac:picMk id="13" creationId="{F3C6359D-E14F-1674-3833-509A84A27A73}"/>
           </ac:picMkLst>
         </pc:picChg>
         <pc:cxnChg chg="add mod">
@@ -1385,38 +1106,6 @@
             <ac:picMk id="6" creationId="{F3C6359D-E14F-1674-3833-509A84A27A73}"/>
           </ac:picMkLst>
         </pc:picChg>
-        <pc:picChg chg="del">
-          <ac:chgData name="Jean-Yves Vuillequez" userId="e7fac481abea6bd0" providerId="LiveId" clId="{79E365E8-22BC-4EC2-9606-9A9AC6CD1D22}" dt="2026-02-13T09:30:49.671" v="1151" actId="478"/>
-          <ac:picMkLst>
-            <pc:docMk/>
-            <pc:sldMk cId="2756220791" sldId="278"/>
-            <ac:picMk id="7" creationId="{583FF643-81F8-615E-EF06-8F7175EC2F79}"/>
-          </ac:picMkLst>
-        </pc:picChg>
-        <pc:picChg chg="add mod">
-          <ac:chgData name="Jean-Yves Vuillequez" userId="e7fac481abea6bd0" providerId="LiveId" clId="{79E365E8-22BC-4EC2-9606-9A9AC6CD1D22}" dt="2026-02-13T09:36:28.002" v="1164"/>
-          <ac:picMkLst>
-            <pc:docMk/>
-            <pc:sldMk cId="2756220791" sldId="278"/>
-            <ac:picMk id="8" creationId="{7E637A6D-C0E5-AC45-E631-3BF952354540}"/>
-          </ac:picMkLst>
-        </pc:picChg>
-        <pc:picChg chg="del">
-          <ac:chgData name="Jean-Yves Vuillequez" userId="e7fac481abea6bd0" providerId="LiveId" clId="{79E365E8-22BC-4EC2-9606-9A9AC6CD1D22}" dt="2026-02-13T09:30:49.671" v="1151" actId="478"/>
-          <ac:picMkLst>
-            <pc:docMk/>
-            <pc:sldMk cId="2756220791" sldId="278"/>
-            <ac:picMk id="9" creationId="{66406FC4-4B24-FC8B-74B1-174C072EA30C}"/>
-          </ac:picMkLst>
-        </pc:picChg>
-        <pc:picChg chg="add mod">
-          <ac:chgData name="Jean-Yves Vuillequez" userId="e7fac481abea6bd0" providerId="LiveId" clId="{79E365E8-22BC-4EC2-9606-9A9AC6CD1D22}" dt="2026-02-13T09:36:28.002" v="1164"/>
-          <ac:picMkLst>
-            <pc:docMk/>
-            <pc:sldMk cId="2756220791" sldId="278"/>
-            <ac:picMk id="10" creationId="{1A0AB63B-555A-7D1A-20F0-9FCD1055C02B}"/>
-          </ac:picMkLst>
-        </pc:picChg>
         <pc:cxnChg chg="add mod">
           <ac:chgData name="Jean-Yves Vuillequez" userId="e7fac481abea6bd0" providerId="LiveId" clId="{79E365E8-22BC-4EC2-9606-9A9AC6CD1D22}" dt="2026-02-13T09:31:09.500" v="1152"/>
           <ac:cxnSpMkLst>
@@ -1426,101 +1115,6 @@
           </ac:cxnSpMkLst>
         </pc:cxnChg>
       </pc:sldChg>
-      <pc:sldMasterChg chg="add del addSldLayout delSldLayout">
-        <pc:chgData name="Jean-Yves Vuillequez" userId="e7fac481abea6bd0" providerId="LiveId" clId="{79E365E8-22BC-4EC2-9606-9A9AC6CD1D22}" dt="2026-01-16T10:47:03.962" v="33" actId="47"/>
-        <pc:sldMasterMkLst>
-          <pc:docMk/>
-          <pc:sldMasterMk cId="604091050" sldId="2147483660"/>
-        </pc:sldMasterMkLst>
-        <pc:sldLayoutChg chg="add del">
-          <pc:chgData name="Jean-Yves Vuillequez" userId="e7fac481abea6bd0" providerId="LiveId" clId="{79E365E8-22BC-4EC2-9606-9A9AC6CD1D22}" dt="2026-01-16T10:47:03.962" v="33" actId="47"/>
-          <pc:sldLayoutMkLst>
-            <pc:docMk/>
-            <pc:sldMasterMk cId="604091050" sldId="2147483660"/>
-            <pc:sldLayoutMk cId="1669328441" sldId="2147483661"/>
-          </pc:sldLayoutMkLst>
-        </pc:sldLayoutChg>
-        <pc:sldLayoutChg chg="add del">
-          <pc:chgData name="Jean-Yves Vuillequez" userId="e7fac481abea6bd0" providerId="LiveId" clId="{79E365E8-22BC-4EC2-9606-9A9AC6CD1D22}" dt="2026-01-16T10:47:03.962" v="33" actId="47"/>
-          <pc:sldLayoutMkLst>
-            <pc:docMk/>
-            <pc:sldMasterMk cId="604091050" sldId="2147483660"/>
-            <pc:sldLayoutMk cId="1628572972" sldId="2147483662"/>
-          </pc:sldLayoutMkLst>
-        </pc:sldLayoutChg>
-        <pc:sldLayoutChg chg="add del">
-          <pc:chgData name="Jean-Yves Vuillequez" userId="e7fac481abea6bd0" providerId="LiveId" clId="{79E365E8-22BC-4EC2-9606-9A9AC6CD1D22}" dt="2026-01-16T10:47:03.962" v="33" actId="47"/>
-          <pc:sldLayoutMkLst>
-            <pc:docMk/>
-            <pc:sldMasterMk cId="604091050" sldId="2147483660"/>
-            <pc:sldLayoutMk cId="2738534442" sldId="2147483663"/>
-          </pc:sldLayoutMkLst>
-        </pc:sldLayoutChg>
-        <pc:sldLayoutChg chg="add del">
-          <pc:chgData name="Jean-Yves Vuillequez" userId="e7fac481abea6bd0" providerId="LiveId" clId="{79E365E8-22BC-4EC2-9606-9A9AC6CD1D22}" dt="2026-01-16T10:47:03.962" v="33" actId="47"/>
-          <pc:sldLayoutMkLst>
-            <pc:docMk/>
-            <pc:sldMasterMk cId="604091050" sldId="2147483660"/>
-            <pc:sldLayoutMk cId="2962870219" sldId="2147483664"/>
-          </pc:sldLayoutMkLst>
-        </pc:sldLayoutChg>
-        <pc:sldLayoutChg chg="add del">
-          <pc:chgData name="Jean-Yves Vuillequez" userId="e7fac481abea6bd0" providerId="LiveId" clId="{79E365E8-22BC-4EC2-9606-9A9AC6CD1D22}" dt="2026-01-16T10:47:03.962" v="33" actId="47"/>
-          <pc:sldLayoutMkLst>
-            <pc:docMk/>
-            <pc:sldMasterMk cId="604091050" sldId="2147483660"/>
-            <pc:sldLayoutMk cId="3254902670" sldId="2147483665"/>
-          </pc:sldLayoutMkLst>
-        </pc:sldLayoutChg>
-        <pc:sldLayoutChg chg="add del">
-          <pc:chgData name="Jean-Yves Vuillequez" userId="e7fac481abea6bd0" providerId="LiveId" clId="{79E365E8-22BC-4EC2-9606-9A9AC6CD1D22}" dt="2026-01-16T10:47:03.962" v="33" actId="47"/>
-          <pc:sldLayoutMkLst>
-            <pc:docMk/>
-            <pc:sldMasterMk cId="604091050" sldId="2147483660"/>
-            <pc:sldLayoutMk cId="2825252853" sldId="2147483666"/>
-          </pc:sldLayoutMkLst>
-        </pc:sldLayoutChg>
-        <pc:sldLayoutChg chg="add del">
-          <pc:chgData name="Jean-Yves Vuillequez" userId="e7fac481abea6bd0" providerId="LiveId" clId="{79E365E8-22BC-4EC2-9606-9A9AC6CD1D22}" dt="2026-01-16T10:47:03.962" v="33" actId="47"/>
-          <pc:sldLayoutMkLst>
-            <pc:docMk/>
-            <pc:sldMasterMk cId="604091050" sldId="2147483660"/>
-            <pc:sldLayoutMk cId="3934262042" sldId="2147483667"/>
-          </pc:sldLayoutMkLst>
-        </pc:sldLayoutChg>
-        <pc:sldLayoutChg chg="add del">
-          <pc:chgData name="Jean-Yves Vuillequez" userId="e7fac481abea6bd0" providerId="LiveId" clId="{79E365E8-22BC-4EC2-9606-9A9AC6CD1D22}" dt="2026-01-16T10:47:03.962" v="33" actId="47"/>
-          <pc:sldLayoutMkLst>
-            <pc:docMk/>
-            <pc:sldMasterMk cId="604091050" sldId="2147483660"/>
-            <pc:sldLayoutMk cId="1499876969" sldId="2147483668"/>
-          </pc:sldLayoutMkLst>
-        </pc:sldLayoutChg>
-        <pc:sldLayoutChg chg="add del">
-          <pc:chgData name="Jean-Yves Vuillequez" userId="e7fac481abea6bd0" providerId="LiveId" clId="{79E365E8-22BC-4EC2-9606-9A9AC6CD1D22}" dt="2026-01-16T10:47:03.962" v="33" actId="47"/>
-          <pc:sldLayoutMkLst>
-            <pc:docMk/>
-            <pc:sldMasterMk cId="604091050" sldId="2147483660"/>
-            <pc:sldLayoutMk cId="3012943028" sldId="2147483669"/>
-          </pc:sldLayoutMkLst>
-        </pc:sldLayoutChg>
-        <pc:sldLayoutChg chg="add del">
-          <pc:chgData name="Jean-Yves Vuillequez" userId="e7fac481abea6bd0" providerId="LiveId" clId="{79E365E8-22BC-4EC2-9606-9A9AC6CD1D22}" dt="2026-01-16T10:47:03.962" v="33" actId="47"/>
-          <pc:sldLayoutMkLst>
-            <pc:docMk/>
-            <pc:sldMasterMk cId="604091050" sldId="2147483660"/>
-            <pc:sldLayoutMk cId="4176234486" sldId="2147483670"/>
-          </pc:sldLayoutMkLst>
-        </pc:sldLayoutChg>
-        <pc:sldLayoutChg chg="add del">
-          <pc:chgData name="Jean-Yves Vuillequez" userId="e7fac481abea6bd0" providerId="LiveId" clId="{79E365E8-22BC-4EC2-9606-9A9AC6CD1D22}" dt="2026-01-16T10:47:03.962" v="33" actId="47"/>
-          <pc:sldLayoutMkLst>
-            <pc:docMk/>
-            <pc:sldMasterMk cId="604091050" sldId="2147483660"/>
-            <pc:sldLayoutMk cId="3598435996" sldId="2147483671"/>
-          </pc:sldLayoutMkLst>
-        </pc:sldLayoutChg>
-      </pc:sldMasterChg>
     </pc:docChg>
   </pc:docChgLst>
 </pc:chgInfo>
@@ -24432,8 +24026,8 @@
         </p:nvSpPr>
         <p:spPr>
           <a:xfrm>
-            <a:off x="539752" y="3696985"/>
-            <a:ext cx="8458333" cy="870190"/>
+            <a:off x="539752" y="3696984"/>
+            <a:ext cx="8458333" cy="963663"/>
           </a:xfrm>
           <a:prstGeom prst="rect">
             <a:avLst/>
@@ -24757,7 +24351,7 @@
             </a:r>
             <a:r>
               <a:rPr lang="fr-FR" sz="1000" dirty="0"/>
-              <a:t> (plus de contraintes opérationnelles / potentielle perte de revenu ?)</a:t>
+              <a:t> (plus de contraintes opérationnelles / potentielle perte de revenu)</a:t>
             </a:r>
           </a:p>
         </p:txBody>

--- a/présentation/Bloc_05_Projet_Getaround.pptx
+++ b/présentation/Bloc_05_Projet_Getaround.pptx
@@ -278,7 +278,7 @@
 <file path=ppt/revisionInfo.xml><?xml version="1.0" encoding="utf-8"?>
 <p1510:revInfo xmlns:a="http://schemas.openxmlformats.org/drawingml/2006/main" xmlns:r="http://schemas.openxmlformats.org/officeDocument/2006/relationships" xmlns:p1510="http://schemas.microsoft.com/office/powerpoint/2015/10/main">
   <p1510:revLst>
-    <p1510:client id="{B2CA8FFA-FC6B-48AE-92FD-26D6FADFA2EC}" v="571" dt="2026-02-14T14:44:50.074"/>
+    <p1510:client id="{B2CA8FFA-FC6B-48AE-92FD-26D6FADFA2EC}" v="572" dt="2026-02-17T08:45:11.880"/>
   </p1510:revLst>
 </p1510:revInfo>
 </file>
